--- a/Praesentation/Praesi.pptx
+++ b/Praesentation/Praesi.pptx
@@ -5,16 +5,46 @@
     <p:sldMasterId id="2147483648" r:id="rId1"/>
   </p:sldMasterIdLst>
   <p:notesMasterIdLst>
-    <p:notesMasterId r:id="rId6"/>
+    <p:notesMasterId r:id="rId36"/>
   </p:notesMasterIdLst>
   <p:handoutMasterIdLst>
-    <p:handoutMasterId r:id="rId7"/>
+    <p:handoutMasterId r:id="rId37"/>
   </p:handoutMasterIdLst>
   <p:sldIdLst>
     <p:sldId id="258" r:id="rId2"/>
     <p:sldId id="261" r:id="rId3"/>
     <p:sldId id="262" r:id="rId4"/>
-    <p:sldId id="260" r:id="rId5"/>
+    <p:sldId id="263" r:id="rId5"/>
+    <p:sldId id="265" r:id="rId6"/>
+    <p:sldId id="264" r:id="rId7"/>
+    <p:sldId id="266" r:id="rId8"/>
+    <p:sldId id="270" r:id="rId9"/>
+    <p:sldId id="275" r:id="rId10"/>
+    <p:sldId id="271" r:id="rId11"/>
+    <p:sldId id="273" r:id="rId12"/>
+    <p:sldId id="274" r:id="rId13"/>
+    <p:sldId id="276" r:id="rId14"/>
+    <p:sldId id="277" r:id="rId15"/>
+    <p:sldId id="278" r:id="rId16"/>
+    <p:sldId id="282" r:id="rId17"/>
+    <p:sldId id="283" r:id="rId18"/>
+    <p:sldId id="285" r:id="rId19"/>
+    <p:sldId id="267" r:id="rId20"/>
+    <p:sldId id="287" r:id="rId21"/>
+    <p:sldId id="288" r:id="rId22"/>
+    <p:sldId id="289" r:id="rId23"/>
+    <p:sldId id="290" r:id="rId24"/>
+    <p:sldId id="291" r:id="rId25"/>
+    <p:sldId id="292" r:id="rId26"/>
+    <p:sldId id="294" r:id="rId27"/>
+    <p:sldId id="293" r:id="rId28"/>
+    <p:sldId id="295" r:id="rId29"/>
+    <p:sldId id="296" r:id="rId30"/>
+    <p:sldId id="297" r:id="rId31"/>
+    <p:sldId id="298" r:id="rId32"/>
+    <p:sldId id="300" r:id="rId33"/>
+    <p:sldId id="301" r:id="rId34"/>
+    <p:sldId id="260" r:id="rId35"/>
   </p:sldIdLst>
   <p:sldSz cx="9144000" cy="6858000" type="screen4x3"/>
   <p:notesSz cx="6858000" cy="9144000"/>
@@ -260,7 +290,7 @@
               <a:pPr>
                 <a:defRPr/>
               </a:pPr>
-              <a:t>30.07.2017</a:t>
+              <a:t>17.08.2017</a:t>
             </a:fld>
             <a:endParaRPr lang="de-DE"/>
           </a:p>
@@ -441,7 +471,7 @@
               <a:pPr>
                 <a:defRPr/>
               </a:pPr>
-              <a:t>30.07.2017</a:t>
+              <a:t>17.08.2017</a:t>
             </a:fld>
             <a:endParaRPr lang="de-DE"/>
           </a:p>
@@ -1003,6 +1033,93 @@
 </p:notes>
 </file>
 
+<file path=ppt/notesSlides/notesSlide2.xml><?xml version="1.0" encoding="utf-8"?>
+<p:notes xmlns:a="http://schemas.openxmlformats.org/drawingml/2006/main" xmlns:r="http://schemas.openxmlformats.org/officeDocument/2006/relationships" xmlns:p="http://schemas.openxmlformats.org/presentationml/2006/main">
+  <p:cSld>
+    <p:spTree>
+      <p:nvGrpSpPr>
+        <p:cNvPr id="1" name=""/>
+        <p:cNvGrpSpPr/>
+        <p:nvPr/>
+      </p:nvGrpSpPr>
+      <p:grpSpPr>
+        <a:xfrm>
+          <a:off x="0" y="0"/>
+          <a:ext cx="0" cy="0"/>
+          <a:chOff x="0" y="0"/>
+          <a:chExt cx="0" cy="0"/>
+        </a:xfrm>
+      </p:grpSpPr>
+      <p:sp>
+        <p:nvSpPr>
+          <p:cNvPr id="2" name="Folienbildplatzhalter 1"/>
+          <p:cNvSpPr>
+            <a:spLocks noGrp="1" noRot="1" noChangeAspect="1"/>
+          </p:cNvSpPr>
+          <p:nvPr>
+            <p:ph type="sldImg"/>
+          </p:nvPr>
+        </p:nvSpPr>
+        <p:spPr/>
+      </p:sp>
+      <p:sp>
+        <p:nvSpPr>
+          <p:cNvPr id="3" name="Notizenplatzhalter 2"/>
+          <p:cNvSpPr>
+            <a:spLocks noGrp="1"/>
+          </p:cNvSpPr>
+          <p:nvPr>
+            <p:ph type="body" idx="1"/>
+          </p:nvPr>
+        </p:nvSpPr>
+        <p:spPr/>
+        <p:txBody>
+          <a:bodyPr>
+            <a:normAutofit/>
+          </a:bodyPr>
+          <a:lstStyle/>
+          <a:p>
+            <a:endParaRPr lang="de-DE" dirty="0"/>
+          </a:p>
+        </p:txBody>
+      </p:sp>
+      <p:sp>
+        <p:nvSpPr>
+          <p:cNvPr id="4" name="Foliennummernplatzhalter 3"/>
+          <p:cNvSpPr>
+            <a:spLocks noGrp="1"/>
+          </p:cNvSpPr>
+          <p:nvPr>
+            <p:ph type="sldNum" sz="quarter" idx="10"/>
+          </p:nvPr>
+        </p:nvSpPr>
+        <p:spPr/>
+        <p:txBody>
+          <a:bodyPr/>
+          <a:lstStyle/>
+          <a:p>
+            <a:pPr>
+              <a:defRPr/>
+            </a:pPr>
+            <a:fld id="{862C4B85-5E71-423A-A9E4-96958528BF14}" type="slidenum">
+              <a:rPr lang="de-DE" smtClean="0"/>
+              <a:pPr>
+                <a:defRPr/>
+              </a:pPr>
+              <a:t>6</a:t>
+            </a:fld>
+            <a:endParaRPr lang="de-DE"/>
+          </a:p>
+        </p:txBody>
+      </p:sp>
+    </p:spTree>
+  </p:cSld>
+  <p:clrMapOvr>
+    <a:masterClrMapping/>
+  </p:clrMapOvr>
+</p:notes>
+</file>
+
 <file path=ppt/slideLayouts/slideLayout1.xml><?xml version="1.0" encoding="utf-8"?>
 <p:sldLayout xmlns:a="http://schemas.openxmlformats.org/drawingml/2006/main" xmlns:r="http://schemas.openxmlformats.org/officeDocument/2006/relationships" xmlns:p="http://schemas.openxmlformats.org/presentationml/2006/main" preserve="1" userDrawn="1">
   <p:cSld name="1_Benutzerdefiniertes Layout">
@@ -1345,7 +1462,7 @@
               <a:pPr>
                 <a:defRPr/>
               </a:pPr>
-              <a:t>30.07.2017</a:t>
+              <a:t>17.08.2017</a:t>
             </a:fld>
             <a:endParaRPr lang="de-DE" dirty="0"/>
           </a:p>
@@ -2165,7 +2282,7 @@
               <a:pPr>
                 <a:defRPr/>
               </a:pPr>
-              <a:t>30.07.2017</a:t>
+              <a:t>17.08.2017</a:t>
             </a:fld>
             <a:endParaRPr lang="de-DE" dirty="0"/>
           </a:p>
@@ -2519,7 +2636,7 @@
               <a:pPr>
                 <a:defRPr/>
               </a:pPr>
-              <a:t>30.07.2017</a:t>
+              <a:t>17.08.2017</a:t>
             </a:fld>
             <a:endParaRPr lang="de-DE" dirty="0"/>
           </a:p>
@@ -2862,7 +2979,7 @@
               <a:pPr>
                 <a:defRPr/>
               </a:pPr>
-              <a:t>30.07.2017</a:t>
+              <a:t>17.08.2017</a:t>
             </a:fld>
             <a:endParaRPr lang="de-DE" dirty="0"/>
           </a:p>
@@ -3190,7 +3307,7 @@
               <a:pPr>
                 <a:defRPr/>
               </a:pPr>
-              <a:t>30.07.2017</a:t>
+              <a:t>17.08.2017</a:t>
             </a:fld>
             <a:endParaRPr lang="de-DE" dirty="0"/>
           </a:p>
@@ -3518,7 +3635,7 @@
               <a:pPr>
                 <a:defRPr/>
               </a:pPr>
-              <a:t>30.07.2017</a:t>
+              <a:t>17.08.2017</a:t>
             </a:fld>
             <a:endParaRPr lang="de-DE" dirty="0"/>
           </a:p>
@@ -3926,7 +4043,7 @@
               <a:pPr>
                 <a:defRPr/>
               </a:pPr>
-              <a:t>30.07.2017</a:t>
+              <a:t>17.08.2017</a:t>
             </a:fld>
             <a:endParaRPr lang="de-DE" dirty="0"/>
           </a:p>
@@ -4294,7 +4411,7 @@
               <a:pPr>
                 <a:defRPr/>
               </a:pPr>
-              <a:t>30.07.2017</a:t>
+              <a:t>17.08.2017</a:t>
             </a:fld>
             <a:endParaRPr lang="de-DE" dirty="0"/>
           </a:p>
@@ -4557,7 +4674,7 @@
               <a:pPr>
                 <a:defRPr/>
               </a:pPr>
-              <a:t>30.07.2017</a:t>
+              <a:t>17.08.2017</a:t>
             </a:fld>
             <a:endParaRPr lang="de-DE" dirty="0"/>
           </a:p>
@@ -5112,6 +5229,10 @@
           </p:nvPr>
         </p:nvSpPr>
         <p:spPr bwMode="auto">
+          <a:xfrm>
+            <a:off x="323528" y="1052736"/>
+            <a:ext cx="8631343" cy="2448272"/>
+          </a:xfrm>
           <a:custGeom>
             <a:avLst/>
             <a:gdLst>
@@ -5211,11 +5332,7 @@
             </a:pPr>
             <a:r>
               <a:rPr lang="de-DE" dirty="0" smtClean="0"/>
-              <a:t>Konzeption und Realisierung eines Systems zur Informationssuche in einem Dokumentenarchiv basierend auf Textinhalt und </a:t>
-            </a:r>
-            <a:r>
-              <a:rPr lang="de-DE" dirty="0" smtClean="0"/>
-              <a:t>Metadaten</a:t>
+              <a:t>Konzeption und Realisierung eines Systems zur Informationssuche in einem Dokumentenarchiv basierend auf Textinhalt und Metadaten</a:t>
             </a:r>
             <a:endParaRPr lang="de-DE" altLang="de-DE" dirty="0" smtClean="0"/>
           </a:p>
@@ -5269,6 +5386,2288 @@
           </a:p>
         </p:txBody>
       </p:sp>
+    </p:spTree>
+  </p:cSld>
+  <p:clrMapOvr>
+    <a:masterClrMapping/>
+  </p:clrMapOvr>
+  <p:timing>
+    <p:tnLst>
+      <p:par>
+        <p:cTn id="1" dur="indefinite" restart="never" nodeType="tmRoot"/>
+      </p:par>
+    </p:tnLst>
+  </p:timing>
+</p:sld>
+</file>
+
+<file path=ppt/slides/slide10.xml><?xml version="1.0" encoding="utf-8"?>
+<p:sld xmlns:a="http://schemas.openxmlformats.org/drawingml/2006/main" xmlns:r="http://schemas.openxmlformats.org/officeDocument/2006/relationships" xmlns:p="http://schemas.openxmlformats.org/presentationml/2006/main">
+  <p:cSld>
+    <p:spTree>
+      <p:nvGrpSpPr>
+        <p:cNvPr id="1" name=""/>
+        <p:cNvGrpSpPr/>
+        <p:nvPr/>
+      </p:nvGrpSpPr>
+      <p:grpSpPr>
+        <a:xfrm>
+          <a:off x="0" y="0"/>
+          <a:ext cx="0" cy="0"/>
+          <a:chOff x="0" y="0"/>
+          <a:chExt cx="0" cy="0"/>
+        </a:xfrm>
+      </p:grpSpPr>
+      <p:sp>
+        <p:nvSpPr>
+          <p:cNvPr id="2" name="Inhaltsplatzhalter 1"/>
+          <p:cNvSpPr>
+            <a:spLocks noGrp="1"/>
+          </p:cNvSpPr>
+          <p:nvPr>
+            <p:ph sz="quarter" idx="13"/>
+          </p:nvPr>
+        </p:nvSpPr>
+        <p:spPr/>
+        <p:txBody>
+          <a:bodyPr/>
+          <a:lstStyle/>
+          <a:p>
+            <a:pPr>
+              <a:buFont typeface="Arial" pitchFamily="34" charset="0"/>
+              <a:buChar char="•"/>
+            </a:pPr>
+            <a:r>
+              <a:rPr lang="de-DE" dirty="0" smtClean="0"/>
+              <a:t> Lösung: Stoppwörter (engl. </a:t>
+            </a:r>
+            <a:r>
+              <a:rPr lang="de-DE" dirty="0" err="1" smtClean="0"/>
+              <a:t>stop</a:t>
+            </a:r>
+            <a:r>
+              <a:rPr lang="de-DE" dirty="0" smtClean="0"/>
+              <a:t> </a:t>
+            </a:r>
+            <a:r>
+              <a:rPr lang="de-DE" dirty="0" err="1" smtClean="0"/>
+              <a:t>words</a:t>
+            </a:r>
+            <a:r>
+              <a:rPr lang="de-DE" dirty="0" smtClean="0"/>
+              <a:t>)</a:t>
+            </a:r>
+          </a:p>
+          <a:p>
+            <a:pPr>
+              <a:buFont typeface="Arial" pitchFamily="34" charset="0"/>
+              <a:buChar char="•"/>
+            </a:pPr>
+            <a:r>
+              <a:rPr lang="de-DE" dirty="0" smtClean="0"/>
+              <a:t> Indexierung mit Stoppwörtern:</a:t>
+            </a:r>
+          </a:p>
+          <a:p>
+            <a:pPr>
+              <a:buFont typeface="Arial" pitchFamily="34" charset="0"/>
+              <a:buChar char="•"/>
+            </a:pPr>
+            <a:endParaRPr lang="de-DE" dirty="0" smtClean="0"/>
+          </a:p>
+          <a:p>
+            <a:pPr>
+              <a:buFont typeface="Arial" pitchFamily="34" charset="0"/>
+              <a:buChar char="•"/>
+            </a:pPr>
+            <a:endParaRPr lang="de-DE" dirty="0" smtClean="0"/>
+          </a:p>
+          <a:p>
+            <a:pPr>
+              <a:buFont typeface="Arial" pitchFamily="34" charset="0"/>
+              <a:buChar char="•"/>
+            </a:pPr>
+            <a:endParaRPr lang="de-DE" dirty="0" smtClean="0"/>
+          </a:p>
+          <a:p>
+            <a:pPr>
+              <a:buFont typeface="Arial" pitchFamily="34" charset="0"/>
+              <a:buChar char="•"/>
+            </a:pPr>
+            <a:endParaRPr lang="de-DE" dirty="0" smtClean="0"/>
+          </a:p>
+          <a:p>
+            <a:pPr>
+              <a:buFont typeface="Arial" pitchFamily="34" charset="0"/>
+              <a:buChar char="•"/>
+            </a:pPr>
+            <a:endParaRPr lang="de-DE" dirty="0" smtClean="0"/>
+          </a:p>
+          <a:p>
+            <a:endParaRPr lang="de-DE" dirty="0"/>
+          </a:p>
+        </p:txBody>
+      </p:sp>
+      <p:sp>
+        <p:nvSpPr>
+          <p:cNvPr id="3" name="Datumsplatzhalter 2"/>
+          <p:cNvSpPr>
+            <a:spLocks noGrp="1"/>
+          </p:cNvSpPr>
+          <p:nvPr>
+            <p:ph type="dt" sz="half" idx="14"/>
+          </p:nvPr>
+        </p:nvSpPr>
+        <p:spPr/>
+        <p:txBody>
+          <a:bodyPr/>
+          <a:lstStyle/>
+          <a:p>
+            <a:pPr>
+              <a:defRPr/>
+            </a:pPr>
+            <a:endParaRPr lang="de-DE" dirty="0"/>
+          </a:p>
+        </p:txBody>
+      </p:sp>
+      <p:sp>
+        <p:nvSpPr>
+          <p:cNvPr id="4" name="Fußzeilenplatzhalter 3"/>
+          <p:cNvSpPr>
+            <a:spLocks noGrp="1"/>
+          </p:cNvSpPr>
+          <p:nvPr>
+            <p:ph type="ftr" sz="quarter" idx="15"/>
+          </p:nvPr>
+        </p:nvSpPr>
+        <p:spPr/>
+        <p:txBody>
+          <a:bodyPr/>
+          <a:lstStyle/>
+          <a:p>
+            <a:pPr>
+              <a:defRPr/>
+            </a:pPr>
+            <a:endParaRPr lang="de-DE"/>
+          </a:p>
+        </p:txBody>
+      </p:sp>
+      <p:sp>
+        <p:nvSpPr>
+          <p:cNvPr id="5" name="Foliennummernplatzhalter 4"/>
+          <p:cNvSpPr>
+            <a:spLocks noGrp="1"/>
+          </p:cNvSpPr>
+          <p:nvPr>
+            <p:ph type="sldNum" sz="quarter" idx="16"/>
+          </p:nvPr>
+        </p:nvSpPr>
+        <p:spPr/>
+        <p:txBody>
+          <a:bodyPr/>
+          <a:lstStyle/>
+          <a:p>
+            <a:pPr>
+              <a:defRPr/>
+            </a:pPr>
+            <a:fld id="{B53A9DA1-A25A-429F-A02C-54EE5606360E}" type="slidenum">
+              <a:rPr lang="de-DE" altLang="de-DE" smtClean="0"/>
+              <a:pPr>
+                <a:defRPr/>
+              </a:pPr>
+              <a:t>10</a:t>
+            </a:fld>
+            <a:endParaRPr lang="de-DE" altLang="de-DE" dirty="0"/>
+          </a:p>
+        </p:txBody>
+      </p:sp>
+      <p:sp>
+        <p:nvSpPr>
+          <p:cNvPr id="6" name="Titel 5"/>
+          <p:cNvSpPr>
+            <a:spLocks noGrp="1"/>
+          </p:cNvSpPr>
+          <p:nvPr>
+            <p:ph type="title"/>
+          </p:nvPr>
+        </p:nvSpPr>
+        <p:spPr/>
+        <p:txBody>
+          <a:bodyPr/>
+          <a:lstStyle/>
+          <a:p>
+            <a:r>
+              <a:rPr lang="de-DE" dirty="0" smtClean="0"/>
+              <a:t>Vektorraummodell </a:t>
+            </a:r>
+            <a:endParaRPr lang="de-DE" dirty="0"/>
+          </a:p>
+        </p:txBody>
+      </p:sp>
+      <p:pic>
+        <p:nvPicPr>
+          <p:cNvPr id="11" name="Picture 2" descr="C:\Users\kreme\Documents\SuchTool\Praesentation\C.png"/>
+          <p:cNvPicPr>
+            <a:picLocks noChangeAspect="1" noChangeArrowheads="1"/>
+          </p:cNvPicPr>
+          <p:nvPr/>
+        </p:nvPicPr>
+        <p:blipFill>
+          <a:blip r:embed="rId2" cstate="print"/>
+          <a:srcRect/>
+          <a:stretch>
+            <a:fillRect/>
+          </a:stretch>
+        </p:blipFill>
+        <p:spPr bwMode="auto">
+          <a:xfrm>
+            <a:off x="323528" y="2492896"/>
+            <a:ext cx="6613023" cy="2649021"/>
+          </a:xfrm>
+          <a:prstGeom prst="rect">
+            <a:avLst/>
+          </a:prstGeom>
+          <a:noFill/>
+        </p:spPr>
+      </p:pic>
+    </p:spTree>
+  </p:cSld>
+  <p:clrMapOvr>
+    <a:masterClrMapping/>
+  </p:clrMapOvr>
+  <p:timing>
+    <p:tnLst>
+      <p:par>
+        <p:cTn id="1" dur="indefinite" restart="never" nodeType="tmRoot"/>
+      </p:par>
+    </p:tnLst>
+  </p:timing>
+</p:sld>
+</file>
+
+<file path=ppt/slides/slide11.xml><?xml version="1.0" encoding="utf-8"?>
+<p:sld xmlns:a="http://schemas.openxmlformats.org/drawingml/2006/main" xmlns:r="http://schemas.openxmlformats.org/officeDocument/2006/relationships" xmlns:p="http://schemas.openxmlformats.org/presentationml/2006/main">
+  <p:cSld>
+    <p:spTree>
+      <p:nvGrpSpPr>
+        <p:cNvPr id="1" name=""/>
+        <p:cNvGrpSpPr/>
+        <p:nvPr/>
+      </p:nvGrpSpPr>
+      <p:grpSpPr>
+        <a:xfrm>
+          <a:off x="0" y="0"/>
+          <a:ext cx="0" cy="0"/>
+          <a:chOff x="0" y="0"/>
+          <a:chExt cx="0" cy="0"/>
+        </a:xfrm>
+      </p:grpSpPr>
+      <p:sp>
+        <p:nvSpPr>
+          <p:cNvPr id="3" name="Datumsplatzhalter 2"/>
+          <p:cNvSpPr>
+            <a:spLocks noGrp="1"/>
+          </p:cNvSpPr>
+          <p:nvPr>
+            <p:ph type="dt" sz="half" idx="14"/>
+          </p:nvPr>
+        </p:nvSpPr>
+        <p:spPr/>
+        <p:txBody>
+          <a:bodyPr/>
+          <a:lstStyle/>
+          <a:p>
+            <a:pPr>
+              <a:defRPr/>
+            </a:pPr>
+            <a:endParaRPr lang="de-DE" dirty="0"/>
+          </a:p>
+        </p:txBody>
+      </p:sp>
+      <p:sp>
+        <p:nvSpPr>
+          <p:cNvPr id="4" name="Fußzeilenplatzhalter 3"/>
+          <p:cNvSpPr>
+            <a:spLocks noGrp="1"/>
+          </p:cNvSpPr>
+          <p:nvPr>
+            <p:ph type="ftr" sz="quarter" idx="15"/>
+          </p:nvPr>
+        </p:nvSpPr>
+        <p:spPr/>
+        <p:txBody>
+          <a:bodyPr/>
+          <a:lstStyle/>
+          <a:p>
+            <a:pPr>
+              <a:defRPr/>
+            </a:pPr>
+            <a:endParaRPr lang="de-DE"/>
+          </a:p>
+        </p:txBody>
+      </p:sp>
+      <p:sp>
+        <p:nvSpPr>
+          <p:cNvPr id="5" name="Foliennummernplatzhalter 4"/>
+          <p:cNvSpPr>
+            <a:spLocks noGrp="1"/>
+          </p:cNvSpPr>
+          <p:nvPr>
+            <p:ph type="sldNum" sz="quarter" idx="16"/>
+          </p:nvPr>
+        </p:nvSpPr>
+        <p:spPr/>
+        <p:txBody>
+          <a:bodyPr/>
+          <a:lstStyle/>
+          <a:p>
+            <a:pPr>
+              <a:defRPr/>
+            </a:pPr>
+            <a:fld id="{B53A9DA1-A25A-429F-A02C-54EE5606360E}" type="slidenum">
+              <a:rPr lang="de-DE" altLang="de-DE" smtClean="0"/>
+              <a:pPr>
+                <a:defRPr/>
+              </a:pPr>
+              <a:t>11</a:t>
+            </a:fld>
+            <a:endParaRPr lang="de-DE" altLang="de-DE" dirty="0"/>
+          </a:p>
+        </p:txBody>
+      </p:sp>
+      <p:sp>
+        <p:nvSpPr>
+          <p:cNvPr id="6" name="Titel 5"/>
+          <p:cNvSpPr>
+            <a:spLocks noGrp="1"/>
+          </p:cNvSpPr>
+          <p:nvPr>
+            <p:ph type="title"/>
+          </p:nvPr>
+        </p:nvSpPr>
+        <p:spPr/>
+        <p:txBody>
+          <a:bodyPr/>
+          <a:lstStyle/>
+          <a:p>
+            <a:r>
+              <a:rPr lang="de-DE" dirty="0" smtClean="0"/>
+              <a:t>Vektorraummodell</a:t>
+            </a:r>
+            <a:endParaRPr lang="de-DE" dirty="0"/>
+          </a:p>
+        </p:txBody>
+      </p:sp>
+      <p:sp>
+        <p:nvSpPr>
+          <p:cNvPr id="9" name="Inhaltsplatzhalter 8"/>
+          <p:cNvSpPr>
+            <a:spLocks noGrp="1"/>
+          </p:cNvSpPr>
+          <p:nvPr>
+            <p:ph sz="quarter" idx="13"/>
+          </p:nvPr>
+        </p:nvSpPr>
+        <p:spPr/>
+        <p:txBody>
+          <a:bodyPr/>
+          <a:lstStyle/>
+          <a:p>
+            <a:pPr>
+              <a:buFont typeface="Arial" pitchFamily="34" charset="0"/>
+              <a:buChar char="•"/>
+            </a:pPr>
+            <a:r>
+              <a:rPr lang="de-DE" dirty="0" smtClean="0"/>
+              <a:t> Dokumentvektoren mit </a:t>
+            </a:r>
+            <a:r>
+              <a:rPr lang="de-DE" dirty="0" err="1" smtClean="0"/>
+              <a:t>Termhäufigkeiten</a:t>
+            </a:r>
+            <a:endParaRPr lang="de-DE" dirty="0" smtClean="0"/>
+          </a:p>
+          <a:p>
+            <a:endParaRPr lang="de-DE" dirty="0"/>
+          </a:p>
+        </p:txBody>
+      </p:sp>
+      <p:pic>
+        <p:nvPicPr>
+          <p:cNvPr id="12" name="Picture 4" descr="C:\Users\kreme\Documents\SuchTool\Praesentation\D.png"/>
+          <p:cNvPicPr>
+            <a:picLocks noChangeAspect="1" noChangeArrowheads="1"/>
+          </p:cNvPicPr>
+          <p:nvPr/>
+        </p:nvPicPr>
+        <p:blipFill>
+          <a:blip r:embed="rId2" cstate="print"/>
+          <a:srcRect/>
+          <a:stretch>
+            <a:fillRect/>
+          </a:stretch>
+        </p:blipFill>
+        <p:spPr bwMode="auto">
+          <a:xfrm>
+            <a:off x="683568" y="1844824"/>
+            <a:ext cx="6963747" cy="3238952"/>
+          </a:xfrm>
+          <a:prstGeom prst="rect">
+            <a:avLst/>
+          </a:prstGeom>
+          <a:noFill/>
+        </p:spPr>
+      </p:pic>
+    </p:spTree>
+  </p:cSld>
+  <p:clrMapOvr>
+    <a:masterClrMapping/>
+  </p:clrMapOvr>
+  <p:timing>
+    <p:tnLst>
+      <p:par>
+        <p:cTn id="1" dur="indefinite" restart="never" nodeType="tmRoot"/>
+      </p:par>
+    </p:tnLst>
+  </p:timing>
+</p:sld>
+</file>
+
+<file path=ppt/slides/slide12.xml><?xml version="1.0" encoding="utf-8"?>
+<p:sld xmlns:a="http://schemas.openxmlformats.org/drawingml/2006/main" xmlns:r="http://schemas.openxmlformats.org/officeDocument/2006/relationships" xmlns:p="http://schemas.openxmlformats.org/presentationml/2006/main">
+  <p:cSld>
+    <p:spTree>
+      <p:nvGrpSpPr>
+        <p:cNvPr id="1" name=""/>
+        <p:cNvGrpSpPr/>
+        <p:nvPr/>
+      </p:nvGrpSpPr>
+      <p:grpSpPr>
+        <a:xfrm>
+          <a:off x="0" y="0"/>
+          <a:ext cx="0" cy="0"/>
+          <a:chOff x="0" y="0"/>
+          <a:chExt cx="0" cy="0"/>
+        </a:xfrm>
+      </p:grpSpPr>
+      <p:sp>
+        <p:nvSpPr>
+          <p:cNvPr id="3" name="Datumsplatzhalter 2"/>
+          <p:cNvSpPr>
+            <a:spLocks noGrp="1"/>
+          </p:cNvSpPr>
+          <p:nvPr>
+            <p:ph type="dt" sz="half" idx="14"/>
+          </p:nvPr>
+        </p:nvSpPr>
+        <p:spPr/>
+        <p:txBody>
+          <a:bodyPr/>
+          <a:lstStyle/>
+          <a:p>
+            <a:pPr>
+              <a:defRPr/>
+            </a:pPr>
+            <a:endParaRPr lang="de-DE" dirty="0"/>
+          </a:p>
+        </p:txBody>
+      </p:sp>
+      <p:sp>
+        <p:nvSpPr>
+          <p:cNvPr id="4" name="Fußzeilenplatzhalter 3"/>
+          <p:cNvSpPr>
+            <a:spLocks noGrp="1"/>
+          </p:cNvSpPr>
+          <p:nvPr>
+            <p:ph type="ftr" sz="quarter" idx="15"/>
+          </p:nvPr>
+        </p:nvSpPr>
+        <p:spPr/>
+        <p:txBody>
+          <a:bodyPr/>
+          <a:lstStyle/>
+          <a:p>
+            <a:pPr>
+              <a:defRPr/>
+            </a:pPr>
+            <a:endParaRPr lang="de-DE"/>
+          </a:p>
+        </p:txBody>
+      </p:sp>
+      <p:sp>
+        <p:nvSpPr>
+          <p:cNvPr id="5" name="Foliennummernplatzhalter 4"/>
+          <p:cNvSpPr>
+            <a:spLocks noGrp="1"/>
+          </p:cNvSpPr>
+          <p:nvPr>
+            <p:ph type="sldNum" sz="quarter" idx="16"/>
+          </p:nvPr>
+        </p:nvSpPr>
+        <p:spPr/>
+        <p:txBody>
+          <a:bodyPr/>
+          <a:lstStyle/>
+          <a:p>
+            <a:pPr>
+              <a:defRPr/>
+            </a:pPr>
+            <a:fld id="{B53A9DA1-A25A-429F-A02C-54EE5606360E}" type="slidenum">
+              <a:rPr lang="de-DE" altLang="de-DE" smtClean="0"/>
+              <a:pPr>
+                <a:defRPr/>
+              </a:pPr>
+              <a:t>12</a:t>
+            </a:fld>
+            <a:endParaRPr lang="de-DE" altLang="de-DE" dirty="0"/>
+          </a:p>
+        </p:txBody>
+      </p:sp>
+      <p:sp>
+        <p:nvSpPr>
+          <p:cNvPr id="6" name="Titel 5"/>
+          <p:cNvSpPr>
+            <a:spLocks noGrp="1"/>
+          </p:cNvSpPr>
+          <p:nvPr>
+            <p:ph type="title"/>
+          </p:nvPr>
+        </p:nvSpPr>
+        <p:spPr/>
+        <p:txBody>
+          <a:bodyPr/>
+          <a:lstStyle/>
+          <a:p>
+            <a:r>
+              <a:rPr lang="de-DE" dirty="0" smtClean="0"/>
+              <a:t>Vektorraummodell</a:t>
+            </a:r>
+            <a:endParaRPr lang="de-DE" dirty="0"/>
+          </a:p>
+        </p:txBody>
+      </p:sp>
+      <p:sp>
+        <p:nvSpPr>
+          <p:cNvPr id="9" name="Inhaltsplatzhalter 8"/>
+          <p:cNvSpPr>
+            <a:spLocks noGrp="1"/>
+          </p:cNvSpPr>
+          <p:nvPr>
+            <p:ph sz="quarter" idx="13"/>
+          </p:nvPr>
+        </p:nvSpPr>
+        <p:spPr/>
+        <p:txBody>
+          <a:bodyPr/>
+          <a:lstStyle/>
+          <a:p>
+            <a:pPr>
+              <a:buFont typeface="Arial" pitchFamily="34" charset="0"/>
+              <a:buChar char="•"/>
+            </a:pPr>
+            <a:r>
+              <a:rPr lang="de-DE" dirty="0" smtClean="0"/>
+              <a:t> Dokumentvektoren mit </a:t>
+            </a:r>
+            <a:r>
+              <a:rPr lang="de-DE" dirty="0" err="1" smtClean="0"/>
+              <a:t>Termhäufigkeiten</a:t>
+            </a:r>
+            <a:endParaRPr lang="de-DE" dirty="0" smtClean="0"/>
+          </a:p>
+          <a:p>
+            <a:pPr>
+              <a:buFont typeface="Arial" pitchFamily="34" charset="0"/>
+              <a:buChar char="•"/>
+            </a:pPr>
+            <a:endParaRPr lang="de-DE" dirty="0" smtClean="0"/>
+          </a:p>
+          <a:p>
+            <a:pPr>
+              <a:buFont typeface="Arial" pitchFamily="34" charset="0"/>
+              <a:buChar char="•"/>
+            </a:pPr>
+            <a:endParaRPr lang="de-DE" dirty="0" smtClean="0"/>
+          </a:p>
+          <a:p>
+            <a:pPr>
+              <a:buFont typeface="Arial" pitchFamily="34" charset="0"/>
+              <a:buChar char="•"/>
+            </a:pPr>
+            <a:endParaRPr lang="de-DE" dirty="0" smtClean="0"/>
+          </a:p>
+          <a:p>
+            <a:pPr>
+              <a:buFont typeface="Arial" pitchFamily="34" charset="0"/>
+              <a:buChar char="•"/>
+            </a:pPr>
+            <a:endParaRPr lang="de-DE" dirty="0" smtClean="0"/>
+          </a:p>
+          <a:p>
+            <a:pPr>
+              <a:buFont typeface="Arial" pitchFamily="34" charset="0"/>
+              <a:buChar char="•"/>
+            </a:pPr>
+            <a:endParaRPr lang="de-DE" dirty="0" smtClean="0"/>
+          </a:p>
+          <a:p>
+            <a:pPr>
+              <a:buFont typeface="Arial" pitchFamily="34" charset="0"/>
+              <a:buChar char="•"/>
+            </a:pPr>
+            <a:endParaRPr lang="de-DE" dirty="0" smtClean="0"/>
+          </a:p>
+          <a:p>
+            <a:pPr>
+              <a:buFont typeface="Arial" pitchFamily="34" charset="0"/>
+              <a:buChar char="•"/>
+            </a:pPr>
+            <a:endParaRPr lang="de-DE" dirty="0" smtClean="0"/>
+          </a:p>
+          <a:p>
+            <a:pPr>
+              <a:buFont typeface="Arial" pitchFamily="34" charset="0"/>
+              <a:buChar char="•"/>
+            </a:pPr>
+            <a:endParaRPr lang="de-DE" dirty="0" smtClean="0"/>
+          </a:p>
+          <a:p>
+            <a:pPr>
+              <a:buFont typeface="Arial" pitchFamily="34" charset="0"/>
+              <a:buChar char="•"/>
+            </a:pPr>
+            <a:endParaRPr lang="de-DE" dirty="0" smtClean="0"/>
+          </a:p>
+          <a:p>
+            <a:pPr>
+              <a:buFont typeface="Arial" pitchFamily="34" charset="0"/>
+              <a:buChar char="•"/>
+            </a:pPr>
+            <a:endParaRPr lang="de-DE" dirty="0" smtClean="0"/>
+          </a:p>
+          <a:p>
+            <a:pPr>
+              <a:buFont typeface="Arial" pitchFamily="34" charset="0"/>
+              <a:buChar char="•"/>
+            </a:pPr>
+            <a:r>
+              <a:rPr lang="de-DE" dirty="0" smtClean="0"/>
+              <a:t> Problem</a:t>
+            </a:r>
+            <a:r>
+              <a:rPr lang="de-DE" dirty="0" smtClean="0"/>
+              <a:t>: Wichtigkeit des Terms?</a:t>
+            </a:r>
+          </a:p>
+          <a:p>
+            <a:endParaRPr lang="de-DE" dirty="0"/>
+          </a:p>
+        </p:txBody>
+      </p:sp>
+      <p:pic>
+        <p:nvPicPr>
+          <p:cNvPr id="12" name="Picture 4" descr="C:\Users\kreme\Documents\SuchTool\Praesentation\D.png"/>
+          <p:cNvPicPr>
+            <a:picLocks noChangeAspect="1" noChangeArrowheads="1"/>
+          </p:cNvPicPr>
+          <p:nvPr/>
+        </p:nvPicPr>
+        <p:blipFill>
+          <a:blip r:embed="rId2" cstate="print"/>
+          <a:srcRect/>
+          <a:stretch>
+            <a:fillRect/>
+          </a:stretch>
+        </p:blipFill>
+        <p:spPr bwMode="auto">
+          <a:xfrm>
+            <a:off x="683568" y="1844824"/>
+            <a:ext cx="6963747" cy="3238952"/>
+          </a:xfrm>
+          <a:prstGeom prst="rect">
+            <a:avLst/>
+          </a:prstGeom>
+          <a:noFill/>
+        </p:spPr>
+      </p:pic>
+    </p:spTree>
+  </p:cSld>
+  <p:clrMapOvr>
+    <a:masterClrMapping/>
+  </p:clrMapOvr>
+  <p:timing>
+    <p:tnLst>
+      <p:par>
+        <p:cTn id="1" dur="indefinite" restart="never" nodeType="tmRoot"/>
+      </p:par>
+    </p:tnLst>
+  </p:timing>
+</p:sld>
+</file>
+
+<file path=ppt/slides/slide13.xml><?xml version="1.0" encoding="utf-8"?>
+<p:sld xmlns:a="http://schemas.openxmlformats.org/drawingml/2006/main" xmlns:r="http://schemas.openxmlformats.org/officeDocument/2006/relationships" xmlns:p="http://schemas.openxmlformats.org/presentationml/2006/main">
+  <p:cSld>
+    <p:spTree>
+      <p:nvGrpSpPr>
+        <p:cNvPr id="1" name=""/>
+        <p:cNvGrpSpPr/>
+        <p:nvPr/>
+      </p:nvGrpSpPr>
+      <p:grpSpPr>
+        <a:xfrm>
+          <a:off x="0" y="0"/>
+          <a:ext cx="0" cy="0"/>
+          <a:chOff x="0" y="0"/>
+          <a:chExt cx="0" cy="0"/>
+        </a:xfrm>
+      </p:grpSpPr>
+      <p:sp>
+        <p:nvSpPr>
+          <p:cNvPr id="2" name="Inhaltsplatzhalter 1"/>
+          <p:cNvSpPr>
+            <a:spLocks noGrp="1"/>
+          </p:cNvSpPr>
+          <p:nvPr>
+            <p:ph sz="quarter" idx="13"/>
+          </p:nvPr>
+        </p:nvSpPr>
+        <p:spPr/>
+        <p:txBody>
+          <a:bodyPr/>
+          <a:lstStyle/>
+          <a:p>
+            <a:pPr>
+              <a:buFont typeface="Arial" pitchFamily="34" charset="0"/>
+              <a:buChar char="•"/>
+            </a:pPr>
+            <a:r>
+              <a:rPr lang="de-DE" dirty="0" smtClean="0"/>
+              <a:t> Lösung: zusätzlich Dokumenthäufigkeit</a:t>
+            </a:r>
+          </a:p>
+          <a:p>
+            <a:r>
+              <a:rPr lang="de-DE" dirty="0" smtClean="0"/>
+              <a:t> </a:t>
+            </a:r>
+          </a:p>
+          <a:p>
+            <a:pPr>
+              <a:buFont typeface="Arial" pitchFamily="34" charset="0"/>
+              <a:buChar char="•"/>
+            </a:pPr>
+            <a:r>
+              <a:rPr lang="de-DE" dirty="0" smtClean="0"/>
+              <a:t> invertierte Dokumenthäufigkeit</a:t>
+            </a:r>
+          </a:p>
+          <a:p>
+            <a:pPr>
+              <a:buFont typeface="Arial" pitchFamily="34" charset="0"/>
+              <a:buChar char="•"/>
+            </a:pPr>
+            <a:endParaRPr lang="de-DE" dirty="0" smtClean="0"/>
+          </a:p>
+          <a:p>
+            <a:pPr>
+              <a:buFont typeface="Arial" pitchFamily="34" charset="0"/>
+              <a:buChar char="•"/>
+            </a:pPr>
+            <a:r>
+              <a:rPr lang="de-DE" dirty="0" smtClean="0"/>
+              <a:t> mit Dämpfung </a:t>
+            </a:r>
+          </a:p>
+          <a:p>
+            <a:endParaRPr lang="de-DE" dirty="0" smtClean="0"/>
+          </a:p>
+          <a:p>
+            <a:pPr>
+              <a:buFont typeface="Arial" pitchFamily="34" charset="0"/>
+              <a:buChar char="•"/>
+            </a:pPr>
+            <a:r>
+              <a:rPr lang="de-DE" dirty="0" smtClean="0"/>
+              <a:t> TF-IDF-Gewichtung</a:t>
+            </a:r>
+          </a:p>
+          <a:p>
+            <a:pPr>
+              <a:buFont typeface="Arial" pitchFamily="34" charset="0"/>
+              <a:buChar char="•"/>
+            </a:pPr>
+            <a:endParaRPr lang="de-DE" dirty="0" smtClean="0"/>
+          </a:p>
+          <a:p>
+            <a:pPr>
+              <a:buFont typeface="Arial" pitchFamily="34" charset="0"/>
+              <a:buChar char="•"/>
+            </a:pPr>
+            <a:endParaRPr lang="de-DE" dirty="0" smtClean="0"/>
+          </a:p>
+          <a:p>
+            <a:pPr>
+              <a:buFont typeface="Arial" pitchFamily="34" charset="0"/>
+              <a:buChar char="•"/>
+            </a:pPr>
+            <a:endParaRPr lang="de-DE" dirty="0" smtClean="0"/>
+          </a:p>
+          <a:p>
+            <a:pPr>
+              <a:buFont typeface="Arial" pitchFamily="34" charset="0"/>
+              <a:buChar char="•"/>
+            </a:pPr>
+            <a:endParaRPr lang="de-DE" b="1" dirty="0"/>
+          </a:p>
+        </p:txBody>
+      </p:sp>
+      <p:sp>
+        <p:nvSpPr>
+          <p:cNvPr id="3" name="Datumsplatzhalter 2"/>
+          <p:cNvSpPr>
+            <a:spLocks noGrp="1"/>
+          </p:cNvSpPr>
+          <p:nvPr>
+            <p:ph type="dt" sz="half" idx="14"/>
+          </p:nvPr>
+        </p:nvSpPr>
+        <p:spPr/>
+        <p:txBody>
+          <a:bodyPr/>
+          <a:lstStyle/>
+          <a:p>
+            <a:pPr>
+              <a:defRPr/>
+            </a:pPr>
+            <a:endParaRPr lang="de-DE" dirty="0"/>
+          </a:p>
+        </p:txBody>
+      </p:sp>
+      <p:sp>
+        <p:nvSpPr>
+          <p:cNvPr id="4" name="Fußzeilenplatzhalter 3"/>
+          <p:cNvSpPr>
+            <a:spLocks noGrp="1"/>
+          </p:cNvSpPr>
+          <p:nvPr>
+            <p:ph type="ftr" sz="quarter" idx="15"/>
+          </p:nvPr>
+        </p:nvSpPr>
+        <p:spPr/>
+        <p:txBody>
+          <a:bodyPr/>
+          <a:lstStyle/>
+          <a:p>
+            <a:pPr>
+              <a:defRPr/>
+            </a:pPr>
+            <a:endParaRPr lang="de-DE"/>
+          </a:p>
+        </p:txBody>
+      </p:sp>
+      <p:sp>
+        <p:nvSpPr>
+          <p:cNvPr id="5" name="Foliennummernplatzhalter 4"/>
+          <p:cNvSpPr>
+            <a:spLocks noGrp="1"/>
+          </p:cNvSpPr>
+          <p:nvPr>
+            <p:ph type="sldNum" sz="quarter" idx="16"/>
+          </p:nvPr>
+        </p:nvSpPr>
+        <p:spPr/>
+        <p:txBody>
+          <a:bodyPr/>
+          <a:lstStyle/>
+          <a:p>
+            <a:pPr>
+              <a:defRPr/>
+            </a:pPr>
+            <a:fld id="{B53A9DA1-A25A-429F-A02C-54EE5606360E}" type="slidenum">
+              <a:rPr lang="de-DE" altLang="de-DE" smtClean="0"/>
+              <a:pPr>
+                <a:defRPr/>
+              </a:pPr>
+              <a:t>13</a:t>
+            </a:fld>
+            <a:endParaRPr lang="de-DE" altLang="de-DE" dirty="0"/>
+          </a:p>
+        </p:txBody>
+      </p:sp>
+      <p:sp>
+        <p:nvSpPr>
+          <p:cNvPr id="6" name="Titel 5"/>
+          <p:cNvSpPr>
+            <a:spLocks noGrp="1"/>
+          </p:cNvSpPr>
+          <p:nvPr>
+            <p:ph type="title"/>
+          </p:nvPr>
+        </p:nvSpPr>
+        <p:spPr/>
+        <p:txBody>
+          <a:bodyPr/>
+          <a:lstStyle/>
+          <a:p>
+            <a:r>
+              <a:rPr lang="de-DE" dirty="0" smtClean="0"/>
+              <a:t>Vektorraummodell</a:t>
+            </a:r>
+            <a:endParaRPr lang="de-DE" dirty="0"/>
+          </a:p>
+        </p:txBody>
+      </p:sp>
+      <p:graphicFrame>
+        <p:nvGraphicFramePr>
+          <p:cNvPr id="7" name="Objekt 6"/>
+          <p:cNvGraphicFramePr>
+            <a:graphicFrameLocks noChangeAspect="1"/>
+          </p:cNvGraphicFramePr>
+          <p:nvPr/>
+        </p:nvGraphicFramePr>
+        <p:xfrm>
+          <a:off x="467544" y="4221088"/>
+          <a:ext cx="3312368" cy="504056"/>
+        </p:xfrm>
+        <a:graphic>
+          <a:graphicData uri="http://schemas.openxmlformats.org/presentationml/2006/ole">
+            <p:oleObj spid="_x0000_s10242" name="Formel" r:id="rId3" imgW="1282680" imgH="241200" progId="Equation.3">
+              <p:embed/>
+            </p:oleObj>
+          </a:graphicData>
+        </a:graphic>
+      </p:graphicFrame>
+      <p:graphicFrame>
+        <p:nvGraphicFramePr>
+          <p:cNvPr id="8" name="Objekt 7"/>
+          <p:cNvGraphicFramePr>
+            <a:graphicFrameLocks noChangeAspect="1"/>
+          </p:cNvGraphicFramePr>
+          <p:nvPr/>
+        </p:nvGraphicFramePr>
+        <p:xfrm>
+          <a:off x="5868144" y="1268760"/>
+          <a:ext cx="432048" cy="396044"/>
+        </p:xfrm>
+        <a:graphic>
+          <a:graphicData uri="http://schemas.openxmlformats.org/presentationml/2006/ole">
+            <p:oleObj spid="_x0000_s10243" name="Formel" r:id="rId4" imgW="203040" imgH="228600" progId="Equation.3">
+              <p:embed/>
+            </p:oleObj>
+          </a:graphicData>
+        </a:graphic>
+      </p:graphicFrame>
+      <p:graphicFrame>
+        <p:nvGraphicFramePr>
+          <p:cNvPr id="9" name="Objekt 8"/>
+          <p:cNvGraphicFramePr>
+            <a:graphicFrameLocks noChangeAspect="1"/>
+          </p:cNvGraphicFramePr>
+          <p:nvPr/>
+        </p:nvGraphicFramePr>
+        <p:xfrm>
+          <a:off x="2627784" y="2564904"/>
+          <a:ext cx="1872208" cy="792088"/>
+        </p:xfrm>
+        <a:graphic>
+          <a:graphicData uri="http://schemas.openxmlformats.org/presentationml/2006/ole">
+            <p:oleObj spid="_x0000_s10244" name="Formel" r:id="rId5" imgW="952200" imgH="482400" progId="Equation.3">
+              <p:embed/>
+            </p:oleObj>
+          </a:graphicData>
+        </a:graphic>
+      </p:graphicFrame>
+      <p:graphicFrame>
+        <p:nvGraphicFramePr>
+          <p:cNvPr id="10" name="Objekt 9"/>
+          <p:cNvGraphicFramePr>
+            <a:graphicFrameLocks noChangeAspect="1"/>
+          </p:cNvGraphicFramePr>
+          <p:nvPr/>
+        </p:nvGraphicFramePr>
+        <p:xfrm>
+          <a:off x="4860032" y="1844824"/>
+          <a:ext cx="1440160" cy="792088"/>
+        </p:xfrm>
+        <a:graphic>
+          <a:graphicData uri="http://schemas.openxmlformats.org/presentationml/2006/ole">
+            <p:oleObj spid="_x0000_s10245" name="Formel" r:id="rId6" imgW="609480" imgH="431640" progId="Equation.3">
+              <p:embed/>
+            </p:oleObj>
+          </a:graphicData>
+        </a:graphic>
+      </p:graphicFrame>
+    </p:spTree>
+  </p:cSld>
+  <p:clrMapOvr>
+    <a:masterClrMapping/>
+  </p:clrMapOvr>
+  <p:timing>
+    <p:tnLst>
+      <p:par>
+        <p:cTn id="1" dur="indefinite" restart="never" nodeType="tmRoot"/>
+      </p:par>
+    </p:tnLst>
+  </p:timing>
+</p:sld>
+</file>
+
+<file path=ppt/slides/slide14.xml><?xml version="1.0" encoding="utf-8"?>
+<p:sld xmlns:a="http://schemas.openxmlformats.org/drawingml/2006/main" xmlns:r="http://schemas.openxmlformats.org/officeDocument/2006/relationships" xmlns:p="http://schemas.openxmlformats.org/presentationml/2006/main">
+  <p:cSld>
+    <p:spTree>
+      <p:nvGrpSpPr>
+        <p:cNvPr id="1" name=""/>
+        <p:cNvGrpSpPr/>
+        <p:nvPr/>
+      </p:nvGrpSpPr>
+      <p:grpSpPr>
+        <a:xfrm>
+          <a:off x="0" y="0"/>
+          <a:ext cx="0" cy="0"/>
+          <a:chOff x="0" y="0"/>
+          <a:chExt cx="0" cy="0"/>
+        </a:xfrm>
+      </p:grpSpPr>
+      <p:sp>
+        <p:nvSpPr>
+          <p:cNvPr id="2" name="Inhaltsplatzhalter 1"/>
+          <p:cNvSpPr>
+            <a:spLocks noGrp="1"/>
+          </p:cNvSpPr>
+          <p:nvPr>
+            <p:ph sz="quarter" idx="13"/>
+          </p:nvPr>
+        </p:nvSpPr>
+        <p:spPr/>
+        <p:txBody>
+          <a:bodyPr/>
+          <a:lstStyle/>
+          <a:p>
+            <a:pPr>
+              <a:buFont typeface="Arial" pitchFamily="34" charset="0"/>
+              <a:buChar char="•"/>
+            </a:pPr>
+            <a:r>
+              <a:rPr lang="de-DE" dirty="0" smtClean="0"/>
+              <a:t> Bei N = 2:</a:t>
+            </a:r>
+          </a:p>
+          <a:p>
+            <a:pPr>
+              <a:buFont typeface="Arial" pitchFamily="34" charset="0"/>
+              <a:buChar char="•"/>
+            </a:pPr>
+            <a:endParaRPr lang="de-DE" dirty="0" smtClean="0"/>
+          </a:p>
+          <a:p>
+            <a:pPr>
+              <a:buFont typeface="Arial" pitchFamily="34" charset="0"/>
+              <a:buChar char="•"/>
+            </a:pPr>
+            <a:endParaRPr lang="de-DE" dirty="0" smtClean="0"/>
+          </a:p>
+          <a:p>
+            <a:pPr>
+              <a:buFont typeface="Arial" pitchFamily="34" charset="0"/>
+              <a:buChar char="•"/>
+            </a:pPr>
+            <a:endParaRPr lang="de-DE" dirty="0" smtClean="0"/>
+          </a:p>
+          <a:p>
+            <a:pPr>
+              <a:buFont typeface="Arial" pitchFamily="34" charset="0"/>
+              <a:buChar char="•"/>
+            </a:pPr>
+            <a:endParaRPr lang="de-DE" dirty="0" smtClean="0"/>
+          </a:p>
+          <a:p>
+            <a:pPr>
+              <a:buFont typeface="Arial" pitchFamily="34" charset="0"/>
+              <a:buChar char="•"/>
+            </a:pPr>
+            <a:r>
+              <a:rPr lang="de-DE" dirty="0" smtClean="0"/>
+              <a:t> Erster Term in jedem Dokument enthalten</a:t>
+            </a:r>
+          </a:p>
+          <a:p>
+            <a:pPr lvl="1">
+              <a:buFont typeface="Wingdings"/>
+              <a:buChar char="à"/>
+            </a:pPr>
+            <a:r>
+              <a:rPr lang="de-DE" dirty="0" smtClean="0">
+                <a:sym typeface="Wingdings" pitchFamily="2" charset="2"/>
+              </a:rPr>
+              <a:t>Gewicht 0 weil nicht aussagekräftig</a:t>
+            </a:r>
+          </a:p>
+          <a:p>
+            <a:pPr lvl="1">
+              <a:buNone/>
+            </a:pPr>
+            <a:endParaRPr lang="de-DE" dirty="0" smtClean="0">
+              <a:sym typeface="Wingdings" pitchFamily="2" charset="2"/>
+            </a:endParaRPr>
+          </a:p>
+          <a:p>
+            <a:pPr>
+              <a:buFont typeface="Arial" pitchFamily="34" charset="0"/>
+              <a:buChar char="•"/>
+            </a:pPr>
+            <a:r>
+              <a:rPr lang="de-DE" dirty="0" smtClean="0">
+                <a:sym typeface="Wingdings" pitchFamily="2" charset="2"/>
+              </a:rPr>
+              <a:t> Dokumentvektoren mit TF-IDF-Gewichtung:</a:t>
+            </a:r>
+          </a:p>
+          <a:p>
+            <a:pPr lvl="1">
+              <a:buNone/>
+            </a:pPr>
+            <a:endParaRPr lang="de-DE" dirty="0" smtClean="0">
+              <a:sym typeface="Wingdings" pitchFamily="2" charset="2"/>
+            </a:endParaRPr>
+          </a:p>
+        </p:txBody>
+      </p:sp>
+      <p:sp>
+        <p:nvSpPr>
+          <p:cNvPr id="3" name="Datumsplatzhalter 2"/>
+          <p:cNvSpPr>
+            <a:spLocks noGrp="1"/>
+          </p:cNvSpPr>
+          <p:nvPr>
+            <p:ph type="dt" sz="half" idx="14"/>
+          </p:nvPr>
+        </p:nvSpPr>
+        <p:spPr/>
+        <p:txBody>
+          <a:bodyPr/>
+          <a:lstStyle/>
+          <a:p>
+            <a:pPr>
+              <a:defRPr/>
+            </a:pPr>
+            <a:endParaRPr lang="de-DE" dirty="0"/>
+          </a:p>
+        </p:txBody>
+      </p:sp>
+      <p:sp>
+        <p:nvSpPr>
+          <p:cNvPr id="4" name="Fußzeilenplatzhalter 3"/>
+          <p:cNvSpPr>
+            <a:spLocks noGrp="1"/>
+          </p:cNvSpPr>
+          <p:nvPr>
+            <p:ph type="ftr" sz="quarter" idx="15"/>
+          </p:nvPr>
+        </p:nvSpPr>
+        <p:spPr/>
+        <p:txBody>
+          <a:bodyPr/>
+          <a:lstStyle/>
+          <a:p>
+            <a:pPr>
+              <a:defRPr/>
+            </a:pPr>
+            <a:endParaRPr lang="de-DE" dirty="0"/>
+          </a:p>
+        </p:txBody>
+      </p:sp>
+      <p:sp>
+        <p:nvSpPr>
+          <p:cNvPr id="5" name="Foliennummernplatzhalter 4"/>
+          <p:cNvSpPr>
+            <a:spLocks noGrp="1"/>
+          </p:cNvSpPr>
+          <p:nvPr>
+            <p:ph type="sldNum" sz="quarter" idx="16"/>
+          </p:nvPr>
+        </p:nvSpPr>
+        <p:spPr/>
+        <p:txBody>
+          <a:bodyPr/>
+          <a:lstStyle/>
+          <a:p>
+            <a:pPr>
+              <a:defRPr/>
+            </a:pPr>
+            <a:fld id="{B53A9DA1-A25A-429F-A02C-54EE5606360E}" type="slidenum">
+              <a:rPr lang="de-DE" altLang="de-DE" smtClean="0"/>
+              <a:pPr>
+                <a:defRPr/>
+              </a:pPr>
+              <a:t>14</a:t>
+            </a:fld>
+            <a:endParaRPr lang="de-DE" altLang="de-DE" dirty="0"/>
+          </a:p>
+        </p:txBody>
+      </p:sp>
+      <p:sp>
+        <p:nvSpPr>
+          <p:cNvPr id="6" name="Titel 5"/>
+          <p:cNvSpPr>
+            <a:spLocks noGrp="1"/>
+          </p:cNvSpPr>
+          <p:nvPr>
+            <p:ph type="title"/>
+          </p:nvPr>
+        </p:nvSpPr>
+        <p:spPr/>
+        <p:txBody>
+          <a:bodyPr/>
+          <a:lstStyle/>
+          <a:p>
+            <a:r>
+              <a:rPr lang="de-DE" dirty="0" smtClean="0"/>
+              <a:t>Vektorraummodell</a:t>
+            </a:r>
+            <a:endParaRPr lang="de-DE" dirty="0"/>
+          </a:p>
+        </p:txBody>
+      </p:sp>
+      <p:pic>
+        <p:nvPicPr>
+          <p:cNvPr id="12" name="Picture 2" descr="C:\Users\kreme\Documents\SuchTool\Praesentation\gewichte.png"/>
+          <p:cNvPicPr>
+            <a:picLocks noChangeAspect="1" noChangeArrowheads="1"/>
+          </p:cNvPicPr>
+          <p:nvPr/>
+        </p:nvPicPr>
+        <p:blipFill>
+          <a:blip r:embed="rId2" cstate="print"/>
+          <a:srcRect/>
+          <a:stretch>
+            <a:fillRect/>
+          </a:stretch>
+        </p:blipFill>
+        <p:spPr bwMode="auto">
+          <a:xfrm>
+            <a:off x="2915816" y="980728"/>
+            <a:ext cx="4638675" cy="2190750"/>
+          </a:xfrm>
+          <a:prstGeom prst="rect">
+            <a:avLst/>
+          </a:prstGeom>
+          <a:noFill/>
+        </p:spPr>
+      </p:pic>
+      <p:pic>
+        <p:nvPicPr>
+          <p:cNvPr id="17" name="Picture 2" descr="C:\Users\kreme\Documents\SuchTool\Praesentation\dvekt.png"/>
+          <p:cNvPicPr>
+            <a:picLocks noChangeAspect="1" noChangeArrowheads="1"/>
+          </p:cNvPicPr>
+          <p:nvPr/>
+        </p:nvPicPr>
+        <p:blipFill>
+          <a:blip r:embed="rId3" cstate="print"/>
+          <a:srcRect/>
+          <a:stretch>
+            <a:fillRect/>
+          </a:stretch>
+        </p:blipFill>
+        <p:spPr bwMode="auto">
+          <a:xfrm>
+            <a:off x="2915816" y="4581128"/>
+            <a:ext cx="2483371" cy="1618687"/>
+          </a:xfrm>
+          <a:prstGeom prst="rect">
+            <a:avLst/>
+          </a:prstGeom>
+          <a:noFill/>
+        </p:spPr>
+      </p:pic>
+    </p:spTree>
+  </p:cSld>
+  <p:clrMapOvr>
+    <a:masterClrMapping/>
+  </p:clrMapOvr>
+  <p:timing>
+    <p:tnLst>
+      <p:par>
+        <p:cTn id="1" dur="indefinite" restart="never" nodeType="tmRoot"/>
+      </p:par>
+    </p:tnLst>
+  </p:timing>
+</p:sld>
+</file>
+
+<file path=ppt/slides/slide15.xml><?xml version="1.0" encoding="utf-8"?>
+<p:sld xmlns:a="http://schemas.openxmlformats.org/drawingml/2006/main" xmlns:r="http://schemas.openxmlformats.org/officeDocument/2006/relationships" xmlns:p="http://schemas.openxmlformats.org/presentationml/2006/main">
+  <p:cSld>
+    <p:spTree>
+      <p:nvGrpSpPr>
+        <p:cNvPr id="1" name=""/>
+        <p:cNvGrpSpPr/>
+        <p:nvPr/>
+      </p:nvGrpSpPr>
+      <p:grpSpPr>
+        <a:xfrm>
+          <a:off x="0" y="0"/>
+          <a:ext cx="0" cy="0"/>
+          <a:chOff x="0" y="0"/>
+          <a:chExt cx="0" cy="0"/>
+        </a:xfrm>
+      </p:grpSpPr>
+      <p:sp>
+        <p:nvSpPr>
+          <p:cNvPr id="2" name="Inhaltsplatzhalter 1"/>
+          <p:cNvSpPr>
+            <a:spLocks noGrp="1"/>
+          </p:cNvSpPr>
+          <p:nvPr>
+            <p:ph sz="quarter" idx="13"/>
+          </p:nvPr>
+        </p:nvSpPr>
+        <p:spPr/>
+        <p:txBody>
+          <a:bodyPr/>
+          <a:lstStyle/>
+          <a:p>
+            <a:pPr>
+              <a:buFont typeface="Arial" pitchFamily="34" charset="0"/>
+              <a:buChar char="•"/>
+            </a:pPr>
+            <a:r>
+              <a:rPr lang="de-DE" dirty="0" smtClean="0"/>
+              <a:t> Repräsentation der Anfrage durch Query-Vektor</a:t>
+            </a:r>
+          </a:p>
+          <a:p>
+            <a:pPr>
+              <a:buFont typeface="Arial" pitchFamily="34" charset="0"/>
+              <a:buChar char="•"/>
+            </a:pPr>
+            <a:r>
+              <a:rPr lang="de-DE" dirty="0" smtClean="0"/>
+              <a:t> </a:t>
+            </a:r>
+            <a:r>
+              <a:rPr lang="de-DE" dirty="0" err="1" smtClean="0"/>
+              <a:t>Bsp</a:t>
+            </a:r>
+            <a:r>
+              <a:rPr lang="de-DE" dirty="0" smtClean="0"/>
+              <a:t>: </a:t>
+            </a:r>
+          </a:p>
+          <a:p>
+            <a:pPr lvl="1"/>
+            <a:r>
+              <a:rPr lang="de-DE" dirty="0" smtClean="0"/>
+              <a:t>„Formular“</a:t>
+            </a:r>
+          </a:p>
+          <a:p>
+            <a:pPr>
+              <a:buFont typeface="Arial" pitchFamily="34" charset="0"/>
+              <a:buChar char="•"/>
+            </a:pPr>
+            <a:endParaRPr lang="de-DE" dirty="0" smtClean="0"/>
+          </a:p>
+          <a:p>
+            <a:pPr>
+              <a:buFont typeface="Arial" pitchFamily="34" charset="0"/>
+              <a:buChar char="•"/>
+            </a:pPr>
+            <a:endParaRPr lang="de-DE" dirty="0" smtClean="0"/>
+          </a:p>
+          <a:p>
+            <a:pPr>
+              <a:buFont typeface="Arial" pitchFamily="34" charset="0"/>
+              <a:buChar char="•"/>
+            </a:pPr>
+            <a:endParaRPr lang="de-DE" dirty="0" smtClean="0"/>
+          </a:p>
+          <a:p>
+            <a:pPr>
+              <a:buFont typeface="Arial" pitchFamily="34" charset="0"/>
+              <a:buChar char="•"/>
+            </a:pPr>
+            <a:endParaRPr lang="de-DE" dirty="0" smtClean="0"/>
+          </a:p>
+          <a:p>
+            <a:pPr>
+              <a:buFont typeface="Arial" pitchFamily="34" charset="0"/>
+              <a:buChar char="•"/>
+            </a:pPr>
+            <a:r>
+              <a:rPr lang="de-DE" dirty="0" smtClean="0"/>
+              <a:t> Ähnlichkeitsfunktion</a:t>
+            </a:r>
+            <a:r>
+              <a:rPr lang="de-DE" dirty="0" smtClean="0"/>
+              <a:t>: Cosinus-Maß</a:t>
+            </a:r>
+          </a:p>
+        </p:txBody>
+      </p:sp>
+      <p:sp>
+        <p:nvSpPr>
+          <p:cNvPr id="3" name="Datumsplatzhalter 2"/>
+          <p:cNvSpPr>
+            <a:spLocks noGrp="1"/>
+          </p:cNvSpPr>
+          <p:nvPr>
+            <p:ph type="dt" sz="half" idx="14"/>
+          </p:nvPr>
+        </p:nvSpPr>
+        <p:spPr/>
+        <p:txBody>
+          <a:bodyPr/>
+          <a:lstStyle/>
+          <a:p>
+            <a:pPr>
+              <a:defRPr/>
+            </a:pPr>
+            <a:fld id="{EE9AC89C-B0F3-4179-9BF1-A11BD48F530E}" type="datetime1">
+              <a:rPr lang="de-DE" smtClean="0"/>
+              <a:pPr>
+                <a:defRPr/>
+              </a:pPr>
+              <a:t>17.08.2017</a:t>
+            </a:fld>
+            <a:endParaRPr lang="de-DE" dirty="0"/>
+          </a:p>
+        </p:txBody>
+      </p:sp>
+      <p:sp>
+        <p:nvSpPr>
+          <p:cNvPr id="4" name="Fußzeilenplatzhalter 3"/>
+          <p:cNvSpPr>
+            <a:spLocks noGrp="1"/>
+          </p:cNvSpPr>
+          <p:nvPr>
+            <p:ph type="ftr" sz="quarter" idx="15"/>
+          </p:nvPr>
+        </p:nvSpPr>
+        <p:spPr/>
+        <p:txBody>
+          <a:bodyPr/>
+          <a:lstStyle/>
+          <a:p>
+            <a:pPr>
+              <a:defRPr/>
+            </a:pPr>
+            <a:endParaRPr lang="de-DE"/>
+          </a:p>
+        </p:txBody>
+      </p:sp>
+      <p:sp>
+        <p:nvSpPr>
+          <p:cNvPr id="5" name="Foliennummernplatzhalter 4"/>
+          <p:cNvSpPr>
+            <a:spLocks noGrp="1"/>
+          </p:cNvSpPr>
+          <p:nvPr>
+            <p:ph type="sldNum" sz="quarter" idx="16"/>
+          </p:nvPr>
+        </p:nvSpPr>
+        <p:spPr/>
+        <p:txBody>
+          <a:bodyPr/>
+          <a:lstStyle/>
+          <a:p>
+            <a:pPr>
+              <a:defRPr/>
+            </a:pPr>
+            <a:fld id="{B53A9DA1-A25A-429F-A02C-54EE5606360E}" type="slidenum">
+              <a:rPr lang="de-DE" altLang="de-DE" smtClean="0"/>
+              <a:pPr>
+                <a:defRPr/>
+              </a:pPr>
+              <a:t>15</a:t>
+            </a:fld>
+            <a:endParaRPr lang="de-DE" altLang="de-DE" dirty="0"/>
+          </a:p>
+        </p:txBody>
+      </p:sp>
+      <p:sp>
+        <p:nvSpPr>
+          <p:cNvPr id="6" name="Titel 5"/>
+          <p:cNvSpPr>
+            <a:spLocks noGrp="1"/>
+          </p:cNvSpPr>
+          <p:nvPr>
+            <p:ph type="title"/>
+          </p:nvPr>
+        </p:nvSpPr>
+        <p:spPr/>
+        <p:txBody>
+          <a:bodyPr/>
+          <a:lstStyle/>
+          <a:p>
+            <a:r>
+              <a:rPr lang="de-DE" dirty="0" smtClean="0"/>
+              <a:t>Vektorraummodell</a:t>
+            </a:r>
+            <a:endParaRPr lang="de-DE" dirty="0"/>
+          </a:p>
+        </p:txBody>
+      </p:sp>
+      <p:pic>
+        <p:nvPicPr>
+          <p:cNvPr id="15364" name="Picture 4" descr="C:\Users\kreme\Documents\SuchTool\Praesentation\q.png"/>
+          <p:cNvPicPr>
+            <a:picLocks noChangeAspect="1" noChangeArrowheads="1"/>
+          </p:cNvPicPr>
+          <p:nvPr/>
+        </p:nvPicPr>
+        <p:blipFill>
+          <a:blip r:embed="rId2" cstate="print"/>
+          <a:srcRect/>
+          <a:stretch>
+            <a:fillRect/>
+          </a:stretch>
+        </p:blipFill>
+        <p:spPr bwMode="auto">
+          <a:xfrm>
+            <a:off x="2915816" y="1628800"/>
+            <a:ext cx="2247900" cy="2038350"/>
+          </a:xfrm>
+          <a:prstGeom prst="rect">
+            <a:avLst/>
+          </a:prstGeom>
+          <a:noFill/>
+        </p:spPr>
+      </p:pic>
+      <p:pic>
+        <p:nvPicPr>
+          <p:cNvPr id="15366" name="Picture 6" descr="C:\Users\kreme\Documents\SuchTool\Praesentation\formel.png"/>
+          <p:cNvPicPr>
+            <a:picLocks noChangeAspect="1" noChangeArrowheads="1"/>
+          </p:cNvPicPr>
+          <p:nvPr/>
+        </p:nvPicPr>
+        <p:blipFill>
+          <a:blip r:embed="rId3" cstate="print"/>
+          <a:srcRect/>
+          <a:stretch>
+            <a:fillRect/>
+          </a:stretch>
+        </p:blipFill>
+        <p:spPr bwMode="auto">
+          <a:xfrm>
+            <a:off x="5148064" y="3789040"/>
+            <a:ext cx="3266306" cy="1847153"/>
+          </a:xfrm>
+          <a:prstGeom prst="rect">
+            <a:avLst/>
+          </a:prstGeom>
+          <a:noFill/>
+        </p:spPr>
+      </p:pic>
+    </p:spTree>
+  </p:cSld>
+  <p:clrMapOvr>
+    <a:masterClrMapping/>
+  </p:clrMapOvr>
+  <p:timing>
+    <p:tnLst>
+      <p:par>
+        <p:cTn id="1" dur="indefinite" restart="never" nodeType="tmRoot"/>
+      </p:par>
+    </p:tnLst>
+  </p:timing>
+</p:sld>
+</file>
+
+<file path=ppt/slides/slide16.xml><?xml version="1.0" encoding="utf-8"?>
+<p:sld xmlns:a="http://schemas.openxmlformats.org/drawingml/2006/main" xmlns:r="http://schemas.openxmlformats.org/officeDocument/2006/relationships" xmlns:p="http://schemas.openxmlformats.org/presentationml/2006/main">
+  <p:cSld>
+    <p:spTree>
+      <p:nvGrpSpPr>
+        <p:cNvPr id="1" name=""/>
+        <p:cNvGrpSpPr/>
+        <p:nvPr/>
+      </p:nvGrpSpPr>
+      <p:grpSpPr>
+        <a:xfrm>
+          <a:off x="0" y="0"/>
+          <a:ext cx="0" cy="0"/>
+          <a:chOff x="0" y="0"/>
+          <a:chExt cx="0" cy="0"/>
+        </a:xfrm>
+      </p:grpSpPr>
+      <p:sp>
+        <p:nvSpPr>
+          <p:cNvPr id="3" name="Datumsplatzhalter 2"/>
+          <p:cNvSpPr>
+            <a:spLocks noGrp="1"/>
+          </p:cNvSpPr>
+          <p:nvPr>
+            <p:ph type="dt" sz="half" idx="14"/>
+          </p:nvPr>
+        </p:nvSpPr>
+        <p:spPr/>
+        <p:txBody>
+          <a:bodyPr/>
+          <a:lstStyle/>
+          <a:p>
+            <a:pPr>
+              <a:defRPr/>
+            </a:pPr>
+            <a:endParaRPr lang="de-DE" dirty="0"/>
+          </a:p>
+        </p:txBody>
+      </p:sp>
+      <p:sp>
+        <p:nvSpPr>
+          <p:cNvPr id="4" name="Fußzeilenplatzhalter 3"/>
+          <p:cNvSpPr>
+            <a:spLocks noGrp="1"/>
+          </p:cNvSpPr>
+          <p:nvPr>
+            <p:ph type="ftr" sz="quarter" idx="15"/>
+          </p:nvPr>
+        </p:nvSpPr>
+        <p:spPr/>
+        <p:txBody>
+          <a:bodyPr/>
+          <a:lstStyle/>
+          <a:p>
+            <a:pPr>
+              <a:defRPr/>
+            </a:pPr>
+            <a:endParaRPr lang="de-DE"/>
+          </a:p>
+        </p:txBody>
+      </p:sp>
+      <p:sp>
+        <p:nvSpPr>
+          <p:cNvPr id="5" name="Foliennummernplatzhalter 4"/>
+          <p:cNvSpPr>
+            <a:spLocks noGrp="1"/>
+          </p:cNvSpPr>
+          <p:nvPr>
+            <p:ph type="sldNum" sz="quarter" idx="16"/>
+          </p:nvPr>
+        </p:nvSpPr>
+        <p:spPr/>
+        <p:txBody>
+          <a:bodyPr/>
+          <a:lstStyle/>
+          <a:p>
+            <a:pPr>
+              <a:defRPr/>
+            </a:pPr>
+            <a:fld id="{B53A9DA1-A25A-429F-A02C-54EE5606360E}" type="slidenum">
+              <a:rPr lang="de-DE" altLang="de-DE" smtClean="0"/>
+              <a:pPr>
+                <a:defRPr/>
+              </a:pPr>
+              <a:t>16</a:t>
+            </a:fld>
+            <a:endParaRPr lang="de-DE" altLang="de-DE" dirty="0"/>
+          </a:p>
+        </p:txBody>
+      </p:sp>
+      <p:sp>
+        <p:nvSpPr>
+          <p:cNvPr id="6" name="Titel 5"/>
+          <p:cNvSpPr>
+            <a:spLocks noGrp="1"/>
+          </p:cNvSpPr>
+          <p:nvPr>
+            <p:ph type="title"/>
+          </p:nvPr>
+        </p:nvSpPr>
+        <p:spPr/>
+        <p:txBody>
+          <a:bodyPr/>
+          <a:lstStyle/>
+          <a:p>
+            <a:r>
+              <a:rPr lang="de-DE" dirty="0" smtClean="0"/>
+              <a:t>Vektorraummodell</a:t>
+            </a:r>
+            <a:endParaRPr lang="de-DE" dirty="0"/>
+          </a:p>
+        </p:txBody>
+      </p:sp>
+      <p:pic>
+        <p:nvPicPr>
+          <p:cNvPr id="40962" name="Picture 2" descr="C:\Users\kreme\Documents\SuchTool\Praesentation\berechnung.png"/>
+          <p:cNvPicPr>
+            <a:picLocks noGrp="1" noChangeAspect="1" noChangeArrowheads="1"/>
+          </p:cNvPicPr>
+          <p:nvPr>
+            <p:ph sz="quarter" idx="13"/>
+          </p:nvPr>
+        </p:nvPicPr>
+        <p:blipFill>
+          <a:blip r:embed="rId2" cstate="print"/>
+          <a:srcRect/>
+          <a:stretch>
+            <a:fillRect/>
+          </a:stretch>
+        </p:blipFill>
+        <p:spPr bwMode="auto">
+          <a:xfrm>
+            <a:off x="107504" y="980728"/>
+            <a:ext cx="6748049" cy="5040312"/>
+          </a:xfrm>
+          <a:prstGeom prst="rect">
+            <a:avLst/>
+          </a:prstGeom>
+          <a:noFill/>
+        </p:spPr>
+      </p:pic>
+    </p:spTree>
+  </p:cSld>
+  <p:clrMapOvr>
+    <a:masterClrMapping/>
+  </p:clrMapOvr>
+  <p:timing>
+    <p:tnLst>
+      <p:par>
+        <p:cTn id="1" dur="indefinite" restart="never" nodeType="tmRoot"/>
+      </p:par>
+    </p:tnLst>
+  </p:timing>
+</p:sld>
+</file>
+
+<file path=ppt/slides/slide17.xml><?xml version="1.0" encoding="utf-8"?>
+<p:sld xmlns:a="http://schemas.openxmlformats.org/drawingml/2006/main" xmlns:r="http://schemas.openxmlformats.org/officeDocument/2006/relationships" xmlns:p="http://schemas.openxmlformats.org/presentationml/2006/main">
+  <p:cSld>
+    <p:spTree>
+      <p:nvGrpSpPr>
+        <p:cNvPr id="1" name=""/>
+        <p:cNvGrpSpPr/>
+        <p:nvPr/>
+      </p:nvGrpSpPr>
+      <p:grpSpPr>
+        <a:xfrm>
+          <a:off x="0" y="0"/>
+          <a:ext cx="0" cy="0"/>
+          <a:chOff x="0" y="0"/>
+          <a:chExt cx="0" cy="0"/>
+        </a:xfrm>
+      </p:grpSpPr>
+      <p:sp>
+        <p:nvSpPr>
+          <p:cNvPr id="3" name="Datumsplatzhalter 2"/>
+          <p:cNvSpPr>
+            <a:spLocks noGrp="1"/>
+          </p:cNvSpPr>
+          <p:nvPr>
+            <p:ph type="dt" sz="half" idx="14"/>
+          </p:nvPr>
+        </p:nvSpPr>
+        <p:spPr/>
+        <p:txBody>
+          <a:bodyPr/>
+          <a:lstStyle/>
+          <a:p>
+            <a:pPr>
+              <a:defRPr/>
+            </a:pPr>
+            <a:fld id="{EE9AC89C-B0F3-4179-9BF1-A11BD48F530E}" type="datetime1">
+              <a:rPr lang="de-DE" smtClean="0"/>
+              <a:pPr>
+                <a:defRPr/>
+              </a:pPr>
+              <a:t>17.08.2017</a:t>
+            </a:fld>
+            <a:endParaRPr lang="de-DE" dirty="0"/>
+          </a:p>
+        </p:txBody>
+      </p:sp>
+      <p:sp>
+        <p:nvSpPr>
+          <p:cNvPr id="4" name="Fußzeilenplatzhalter 3"/>
+          <p:cNvSpPr>
+            <a:spLocks noGrp="1"/>
+          </p:cNvSpPr>
+          <p:nvPr>
+            <p:ph type="ftr" sz="quarter" idx="15"/>
+          </p:nvPr>
+        </p:nvSpPr>
+        <p:spPr/>
+        <p:txBody>
+          <a:bodyPr/>
+          <a:lstStyle/>
+          <a:p>
+            <a:pPr>
+              <a:defRPr/>
+            </a:pPr>
+            <a:endParaRPr lang="de-DE"/>
+          </a:p>
+        </p:txBody>
+      </p:sp>
+      <p:sp>
+        <p:nvSpPr>
+          <p:cNvPr id="5" name="Foliennummernplatzhalter 4"/>
+          <p:cNvSpPr>
+            <a:spLocks noGrp="1"/>
+          </p:cNvSpPr>
+          <p:nvPr>
+            <p:ph type="sldNum" sz="quarter" idx="16"/>
+          </p:nvPr>
+        </p:nvSpPr>
+        <p:spPr/>
+        <p:txBody>
+          <a:bodyPr/>
+          <a:lstStyle/>
+          <a:p>
+            <a:pPr>
+              <a:defRPr/>
+            </a:pPr>
+            <a:fld id="{B53A9DA1-A25A-429F-A02C-54EE5606360E}" type="slidenum">
+              <a:rPr lang="de-DE" altLang="de-DE" smtClean="0"/>
+              <a:pPr>
+                <a:defRPr/>
+              </a:pPr>
+              <a:t>17</a:t>
+            </a:fld>
+            <a:endParaRPr lang="de-DE" altLang="de-DE" dirty="0"/>
+          </a:p>
+        </p:txBody>
+      </p:sp>
+      <p:sp>
+        <p:nvSpPr>
+          <p:cNvPr id="6" name="Titel 5"/>
+          <p:cNvSpPr>
+            <a:spLocks noGrp="1"/>
+          </p:cNvSpPr>
+          <p:nvPr>
+            <p:ph type="title"/>
+          </p:nvPr>
+        </p:nvSpPr>
+        <p:spPr/>
+        <p:txBody>
+          <a:bodyPr/>
+          <a:lstStyle/>
+          <a:p>
+            <a:r>
+              <a:rPr lang="de-DE" dirty="0" smtClean="0"/>
+              <a:t>Vektorraummodell</a:t>
+            </a:r>
+            <a:endParaRPr lang="de-DE" dirty="0"/>
+          </a:p>
+        </p:txBody>
+      </p:sp>
+      <p:pic>
+        <p:nvPicPr>
+          <p:cNvPr id="39938" name="Picture 2" descr="C:\Users\kreme\Documents\SuchTool\Praesentation\berechnungB.png"/>
+          <p:cNvPicPr>
+            <a:picLocks noGrp="1" noChangeAspect="1" noChangeArrowheads="1"/>
+          </p:cNvPicPr>
+          <p:nvPr>
+            <p:ph sz="quarter" idx="13"/>
+          </p:nvPr>
+        </p:nvPicPr>
+        <p:blipFill>
+          <a:blip r:embed="rId2" cstate="print"/>
+          <a:srcRect/>
+          <a:stretch>
+            <a:fillRect/>
+          </a:stretch>
+        </p:blipFill>
+        <p:spPr bwMode="auto">
+          <a:xfrm>
+            <a:off x="107504" y="980728"/>
+            <a:ext cx="6748049" cy="5040312"/>
+          </a:xfrm>
+          <a:prstGeom prst="rect">
+            <a:avLst/>
+          </a:prstGeom>
+          <a:noFill/>
+        </p:spPr>
+      </p:pic>
+    </p:spTree>
+  </p:cSld>
+  <p:clrMapOvr>
+    <a:masterClrMapping/>
+  </p:clrMapOvr>
+  <p:timing>
+    <p:tnLst>
+      <p:par>
+        <p:cTn id="1" dur="indefinite" restart="never" nodeType="tmRoot"/>
+      </p:par>
+    </p:tnLst>
+  </p:timing>
+</p:sld>
+</file>
+
+<file path=ppt/slides/slide18.xml><?xml version="1.0" encoding="utf-8"?>
+<p:sld xmlns:a="http://schemas.openxmlformats.org/drawingml/2006/main" xmlns:r="http://schemas.openxmlformats.org/officeDocument/2006/relationships" xmlns:p="http://schemas.openxmlformats.org/presentationml/2006/main">
+  <p:cSld>
+    <p:spTree>
+      <p:nvGrpSpPr>
+        <p:cNvPr id="1" name=""/>
+        <p:cNvGrpSpPr/>
+        <p:nvPr/>
+      </p:nvGrpSpPr>
+      <p:grpSpPr>
+        <a:xfrm>
+          <a:off x="0" y="0"/>
+          <a:ext cx="0" cy="0"/>
+          <a:chOff x="0" y="0"/>
+          <a:chExt cx="0" cy="0"/>
+        </a:xfrm>
+      </p:grpSpPr>
+      <p:sp>
+        <p:nvSpPr>
+          <p:cNvPr id="3" name="Datumsplatzhalter 2"/>
+          <p:cNvSpPr>
+            <a:spLocks noGrp="1"/>
+          </p:cNvSpPr>
+          <p:nvPr>
+            <p:ph type="dt" sz="half" idx="14"/>
+          </p:nvPr>
+        </p:nvSpPr>
+        <p:spPr/>
+        <p:txBody>
+          <a:bodyPr/>
+          <a:lstStyle/>
+          <a:p>
+            <a:pPr>
+              <a:defRPr/>
+            </a:pPr>
+            <a:fld id="{EE9AC89C-B0F3-4179-9BF1-A11BD48F530E}" type="datetime1">
+              <a:rPr lang="de-DE" smtClean="0"/>
+              <a:pPr>
+                <a:defRPr/>
+              </a:pPr>
+              <a:t>17.08.2017</a:t>
+            </a:fld>
+            <a:endParaRPr lang="de-DE" dirty="0"/>
+          </a:p>
+        </p:txBody>
+      </p:sp>
+      <p:sp>
+        <p:nvSpPr>
+          <p:cNvPr id="4" name="Fußzeilenplatzhalter 3"/>
+          <p:cNvSpPr>
+            <a:spLocks noGrp="1"/>
+          </p:cNvSpPr>
+          <p:nvPr>
+            <p:ph type="ftr" sz="quarter" idx="15"/>
+          </p:nvPr>
+        </p:nvSpPr>
+        <p:spPr/>
+        <p:txBody>
+          <a:bodyPr/>
+          <a:lstStyle/>
+          <a:p>
+            <a:pPr>
+              <a:defRPr/>
+            </a:pPr>
+            <a:endParaRPr lang="de-DE"/>
+          </a:p>
+        </p:txBody>
+      </p:sp>
+      <p:sp>
+        <p:nvSpPr>
+          <p:cNvPr id="5" name="Foliennummernplatzhalter 4"/>
+          <p:cNvSpPr>
+            <a:spLocks noGrp="1"/>
+          </p:cNvSpPr>
+          <p:nvPr>
+            <p:ph type="sldNum" sz="quarter" idx="16"/>
+          </p:nvPr>
+        </p:nvSpPr>
+        <p:spPr/>
+        <p:txBody>
+          <a:bodyPr/>
+          <a:lstStyle/>
+          <a:p>
+            <a:pPr>
+              <a:defRPr/>
+            </a:pPr>
+            <a:fld id="{B53A9DA1-A25A-429F-A02C-54EE5606360E}" type="slidenum">
+              <a:rPr lang="de-DE" altLang="de-DE" smtClean="0"/>
+              <a:pPr>
+                <a:defRPr/>
+              </a:pPr>
+              <a:t>18</a:t>
+            </a:fld>
+            <a:endParaRPr lang="de-DE" altLang="de-DE" dirty="0"/>
+          </a:p>
+        </p:txBody>
+      </p:sp>
+      <p:sp>
+        <p:nvSpPr>
+          <p:cNvPr id="6" name="Titel 5"/>
+          <p:cNvSpPr>
+            <a:spLocks noGrp="1"/>
+          </p:cNvSpPr>
+          <p:nvPr>
+            <p:ph type="title"/>
+          </p:nvPr>
+        </p:nvSpPr>
+        <p:spPr/>
+        <p:txBody>
+          <a:bodyPr/>
+          <a:lstStyle/>
+          <a:p>
+            <a:r>
+              <a:rPr lang="de-DE" dirty="0" smtClean="0"/>
+              <a:t>Vektorraummodell</a:t>
+            </a:r>
+            <a:endParaRPr lang="de-DE" dirty="0"/>
+          </a:p>
+        </p:txBody>
+      </p:sp>
+      <p:pic>
+        <p:nvPicPr>
+          <p:cNvPr id="39938" name="Picture 2" descr="C:\Users\kreme\Documents\SuchTool\Praesentation\berechnungB.png"/>
+          <p:cNvPicPr>
+            <a:picLocks noGrp="1" noChangeAspect="1" noChangeArrowheads="1"/>
+          </p:cNvPicPr>
+          <p:nvPr>
+            <p:ph sz="quarter" idx="13"/>
+          </p:nvPr>
+        </p:nvPicPr>
+        <p:blipFill>
+          <a:blip r:embed="rId2" cstate="print"/>
+          <a:srcRect/>
+          <a:stretch>
+            <a:fillRect/>
+          </a:stretch>
+        </p:blipFill>
+        <p:spPr bwMode="auto">
+          <a:xfrm>
+            <a:off x="107504" y="980728"/>
+            <a:ext cx="6748049" cy="5040312"/>
+          </a:xfrm>
+          <a:prstGeom prst="rect">
+            <a:avLst/>
+          </a:prstGeom>
+          <a:noFill/>
+        </p:spPr>
+      </p:pic>
+      <p:pic>
+        <p:nvPicPr>
+          <p:cNvPr id="43011" name="Picture 3" descr="C:\Users\kreme\Documents\SuchTool\Praesentation\berechnungC.png"/>
+          <p:cNvPicPr>
+            <a:picLocks noChangeAspect="1" noChangeArrowheads="1"/>
+          </p:cNvPicPr>
+          <p:nvPr/>
+        </p:nvPicPr>
+        <p:blipFill>
+          <a:blip r:embed="rId3" cstate="print"/>
+          <a:srcRect/>
+          <a:stretch>
+            <a:fillRect/>
+          </a:stretch>
+        </p:blipFill>
+        <p:spPr bwMode="auto">
+          <a:xfrm>
+            <a:off x="6300192" y="1772816"/>
+            <a:ext cx="2727734" cy="2456999"/>
+          </a:xfrm>
+          <a:prstGeom prst="rect">
+            <a:avLst/>
+          </a:prstGeom>
+          <a:noFill/>
+        </p:spPr>
+      </p:pic>
+    </p:spTree>
+  </p:cSld>
+  <p:clrMapOvr>
+    <a:masterClrMapping/>
+  </p:clrMapOvr>
+  <p:timing>
+    <p:tnLst>
+      <p:par>
+        <p:cTn id="1" dur="indefinite" restart="never" nodeType="tmRoot"/>
+      </p:par>
+    </p:tnLst>
+  </p:timing>
+</p:sld>
+</file>
+
+<file path=ppt/slides/slide19.xml><?xml version="1.0" encoding="utf-8"?>
+<p:sld xmlns:a="http://schemas.openxmlformats.org/drawingml/2006/main" xmlns:r="http://schemas.openxmlformats.org/officeDocument/2006/relationships" xmlns:p="http://schemas.openxmlformats.org/presentationml/2006/main">
+  <p:cSld>
+    <p:spTree>
+      <p:nvGrpSpPr>
+        <p:cNvPr id="1" name=""/>
+        <p:cNvGrpSpPr/>
+        <p:nvPr/>
+      </p:nvGrpSpPr>
+      <p:grpSpPr>
+        <a:xfrm>
+          <a:off x="0" y="0"/>
+          <a:ext cx="0" cy="0"/>
+          <a:chOff x="0" y="0"/>
+          <a:chExt cx="0" cy="0"/>
+        </a:xfrm>
+      </p:grpSpPr>
+      <p:sp>
+        <p:nvSpPr>
+          <p:cNvPr id="2" name="Inhaltsplatzhalter 1"/>
+          <p:cNvSpPr>
+            <a:spLocks noGrp="1"/>
+          </p:cNvSpPr>
+          <p:nvPr>
+            <p:ph sz="quarter" idx="13"/>
+          </p:nvPr>
+        </p:nvSpPr>
+        <p:spPr/>
+        <p:txBody>
+          <a:bodyPr/>
+          <a:lstStyle/>
+          <a:p>
+            <a:pPr>
+              <a:buFont typeface="Arial" pitchFamily="34" charset="0"/>
+              <a:buChar char="•"/>
+            </a:pPr>
+            <a:r>
+              <a:rPr lang="de-DE" dirty="0" smtClean="0"/>
+              <a:t> Längenunabhängige </a:t>
+            </a:r>
+            <a:r>
+              <a:rPr lang="de-DE" dirty="0" smtClean="0"/>
+              <a:t>Ähnlichkeitsfunktion</a:t>
+            </a:r>
+          </a:p>
+          <a:p>
+            <a:pPr>
+              <a:buFont typeface="Arial" pitchFamily="34" charset="0"/>
+              <a:buChar char="•"/>
+            </a:pPr>
+            <a:r>
+              <a:rPr lang="de-DE" dirty="0" smtClean="0"/>
+              <a:t> Cosinus-Maß</a:t>
+            </a:r>
+            <a:endParaRPr lang="de-DE" dirty="0" smtClean="0"/>
+          </a:p>
+          <a:p>
+            <a:endParaRPr lang="de-DE" dirty="0" smtClean="0"/>
+          </a:p>
+        </p:txBody>
+      </p:sp>
+      <p:sp>
+        <p:nvSpPr>
+          <p:cNvPr id="3" name="Datumsplatzhalter 2"/>
+          <p:cNvSpPr>
+            <a:spLocks noGrp="1"/>
+          </p:cNvSpPr>
+          <p:nvPr>
+            <p:ph type="dt" sz="half" idx="14"/>
+          </p:nvPr>
+        </p:nvSpPr>
+        <p:spPr/>
+        <p:txBody>
+          <a:bodyPr/>
+          <a:lstStyle/>
+          <a:p>
+            <a:pPr>
+              <a:defRPr/>
+            </a:pPr>
+            <a:endParaRPr lang="de-DE" dirty="0"/>
+          </a:p>
+        </p:txBody>
+      </p:sp>
+      <p:sp>
+        <p:nvSpPr>
+          <p:cNvPr id="4" name="Fußzeilenplatzhalter 3"/>
+          <p:cNvSpPr>
+            <a:spLocks noGrp="1"/>
+          </p:cNvSpPr>
+          <p:nvPr>
+            <p:ph type="ftr" sz="quarter" idx="15"/>
+          </p:nvPr>
+        </p:nvSpPr>
+        <p:spPr/>
+        <p:txBody>
+          <a:bodyPr/>
+          <a:lstStyle/>
+          <a:p>
+            <a:pPr>
+              <a:defRPr/>
+            </a:pPr>
+            <a:endParaRPr lang="de-DE"/>
+          </a:p>
+        </p:txBody>
+      </p:sp>
+      <p:sp>
+        <p:nvSpPr>
+          <p:cNvPr id="5" name="Foliennummernplatzhalter 4"/>
+          <p:cNvSpPr>
+            <a:spLocks noGrp="1"/>
+          </p:cNvSpPr>
+          <p:nvPr>
+            <p:ph type="sldNum" sz="quarter" idx="16"/>
+          </p:nvPr>
+        </p:nvSpPr>
+        <p:spPr/>
+        <p:txBody>
+          <a:bodyPr/>
+          <a:lstStyle/>
+          <a:p>
+            <a:pPr>
+              <a:defRPr/>
+            </a:pPr>
+            <a:fld id="{B53A9DA1-A25A-429F-A02C-54EE5606360E}" type="slidenum">
+              <a:rPr lang="de-DE" altLang="de-DE" smtClean="0"/>
+              <a:pPr>
+                <a:defRPr/>
+              </a:pPr>
+              <a:t>19</a:t>
+            </a:fld>
+            <a:endParaRPr lang="de-DE" altLang="de-DE" dirty="0"/>
+          </a:p>
+        </p:txBody>
+      </p:sp>
+      <p:sp>
+        <p:nvSpPr>
+          <p:cNvPr id="6" name="Titel 5"/>
+          <p:cNvSpPr>
+            <a:spLocks noGrp="1"/>
+          </p:cNvSpPr>
+          <p:nvPr>
+            <p:ph type="title"/>
+          </p:nvPr>
+        </p:nvSpPr>
+        <p:spPr/>
+        <p:txBody>
+          <a:bodyPr/>
+          <a:lstStyle/>
+          <a:p>
+            <a:r>
+              <a:rPr lang="de-DE" dirty="0" smtClean="0"/>
+              <a:t>Vektorraummodell</a:t>
+            </a:r>
+            <a:endParaRPr lang="de-DE" dirty="0"/>
+          </a:p>
+        </p:txBody>
+      </p:sp>
+      <p:pic>
+        <p:nvPicPr>
+          <p:cNvPr id="8" name="Picture 2" descr="C:\Users\kreme\Documents\SuchTool\Ausarbeitung\images\vector_space.png"/>
+          <p:cNvPicPr>
+            <a:picLocks noChangeAspect="1" noChangeArrowheads="1"/>
+          </p:cNvPicPr>
+          <p:nvPr/>
+        </p:nvPicPr>
+        <p:blipFill>
+          <a:blip r:embed="rId2" cstate="print"/>
+          <a:srcRect/>
+          <a:stretch>
+            <a:fillRect/>
+          </a:stretch>
+        </p:blipFill>
+        <p:spPr bwMode="auto">
+          <a:xfrm>
+            <a:off x="2051720" y="1916832"/>
+            <a:ext cx="4248472" cy="3948407"/>
+          </a:xfrm>
+          <a:prstGeom prst="rect">
+            <a:avLst/>
+          </a:prstGeom>
+          <a:noFill/>
+        </p:spPr>
+      </p:pic>
     </p:spTree>
   </p:cSld>
   <p:clrMapOvr>
@@ -5322,51 +7721,89 @@
             </a:pPr>
             <a:r>
               <a:rPr lang="de-DE" dirty="0" smtClean="0"/>
-              <a:t>Informationssuche = Information </a:t>
-            </a:r>
-            <a:r>
-              <a:rPr lang="de-DE" dirty="0" err="1" smtClean="0"/>
-              <a:t>Retrieval</a:t>
-            </a:r>
-            <a:endParaRPr lang="de-DE" dirty="0" smtClean="0"/>
-          </a:p>
-          <a:p>
-            <a:pPr>
-              <a:buFont typeface="Arial" pitchFamily="34" charset="0"/>
-              <a:buChar char="•"/>
-            </a:pPr>
-            <a:r>
-              <a:rPr lang="de-DE" dirty="0" smtClean="0"/>
-              <a:t>Alltagsbeispiel: Websuche</a:t>
-            </a:r>
-          </a:p>
-          <a:p>
-            <a:pPr>
-              <a:buFont typeface="Arial" pitchFamily="34" charset="0"/>
-              <a:buChar char="•"/>
-            </a:pPr>
-            <a:r>
-              <a:rPr lang="de-DE" dirty="0" smtClean="0"/>
-              <a:t>Durchsuchen von Bibliotheksbeständen</a:t>
-            </a:r>
-          </a:p>
-          <a:p>
-            <a:pPr lvl="1"/>
+              <a:t> Informationssuche </a:t>
+            </a:r>
             <a:r>
               <a:rPr lang="de-DE" dirty="0" smtClean="0">
                 <a:sym typeface="Wingdings" pitchFamily="2" charset="2"/>
               </a:rPr>
-              <a:t>Suchkriterien</a:t>
+              <a:t> </a:t>
+            </a:r>
+            <a:r>
+              <a:rPr lang="de-DE" dirty="0" smtClean="0"/>
+              <a:t>Information </a:t>
+            </a:r>
+            <a:r>
+              <a:rPr lang="de-DE" dirty="0" err="1" smtClean="0"/>
+              <a:t>Retrieval</a:t>
+            </a:r>
+            <a:endParaRPr lang="de-DE" dirty="0" smtClean="0"/>
+          </a:p>
+          <a:p>
+            <a:pPr>
+              <a:buFont typeface="Arial" pitchFamily="34" charset="0"/>
+              <a:buChar char="•"/>
+            </a:pPr>
+            <a:r>
+              <a:rPr lang="de-DE" dirty="0" smtClean="0"/>
+              <a:t> Verarbeitung </a:t>
+            </a:r>
+            <a:r>
+              <a:rPr lang="de-DE" dirty="0" smtClean="0"/>
+              <a:t>unstrukturierter Dokumente</a:t>
+            </a:r>
+          </a:p>
+          <a:p>
+            <a:pPr>
+              <a:buFont typeface="Arial" pitchFamily="34" charset="0"/>
+              <a:buChar char="•"/>
+            </a:pPr>
+            <a:r>
+              <a:rPr lang="de-DE" dirty="0" smtClean="0"/>
+              <a:t> Beispiele</a:t>
+            </a:r>
+            <a:r>
+              <a:rPr lang="de-DE" dirty="0" smtClean="0"/>
+              <a:t>:</a:t>
             </a:r>
           </a:p>
           <a:p>
             <a:pPr lvl="1"/>
             <a:r>
-              <a:rPr lang="de-DE" dirty="0" smtClean="0">
-                <a:sym typeface="Wingdings" pitchFamily="2" charset="2"/>
-              </a:rPr>
-              <a:t>Logische Verknüpfung</a:t>
-            </a:r>
+              <a:rPr lang="de-DE" dirty="0" smtClean="0"/>
+              <a:t>Websuche </a:t>
+            </a:r>
+          </a:p>
+          <a:p>
+            <a:pPr lvl="1"/>
+            <a:r>
+              <a:rPr lang="de-DE" dirty="0" smtClean="0"/>
+              <a:t>Onlinekatalog Bibliothek </a:t>
+            </a:r>
+          </a:p>
+          <a:p>
+            <a:pPr lvl="1"/>
+            <a:r>
+              <a:rPr lang="de-DE" dirty="0" smtClean="0"/>
+              <a:t>E-Mail Posteingänge</a:t>
+            </a:r>
+          </a:p>
+          <a:p>
+            <a:pPr lvl="1">
+              <a:buNone/>
+            </a:pPr>
+            <a:endParaRPr lang="de-DE" dirty="0" smtClean="0"/>
+          </a:p>
+          <a:p>
+            <a:pPr lvl="1">
+              <a:buNone/>
+            </a:pPr>
+            <a:endParaRPr lang="de-DE" dirty="0" smtClean="0"/>
+          </a:p>
+          <a:p>
+            <a:pPr lvl="2">
+              <a:buNone/>
+            </a:pPr>
             <a:endParaRPr lang="de-DE" dirty="0" smtClean="0"/>
           </a:p>
         </p:txBody>
@@ -5492,8 +7929,1766 @@
         </p:blipFill>
         <p:spPr bwMode="auto">
           <a:xfrm>
-            <a:off x="6804248" y="1988840"/>
+            <a:off x="6804248" y="2204864"/>
             <a:ext cx="1584176" cy="670106"/>
+          </a:xfrm>
+          <a:prstGeom prst="rect">
+            <a:avLst/>
+          </a:prstGeom>
+          <a:noFill/>
+        </p:spPr>
+      </p:pic>
+    </p:spTree>
+  </p:cSld>
+  <p:clrMapOvr>
+    <a:masterClrMapping/>
+  </p:clrMapOvr>
+  <p:timing>
+    <p:tnLst>
+      <p:par>
+        <p:cTn id="1" dur="indefinite" restart="never" nodeType="tmRoot"/>
+      </p:par>
+    </p:tnLst>
+  </p:timing>
+</p:sld>
+</file>
+
+<file path=ppt/slides/slide20.xml><?xml version="1.0" encoding="utf-8"?>
+<p:sld xmlns:a="http://schemas.openxmlformats.org/drawingml/2006/main" xmlns:r="http://schemas.openxmlformats.org/officeDocument/2006/relationships" xmlns:p="http://schemas.openxmlformats.org/presentationml/2006/main">
+  <p:cSld>
+    <p:spTree>
+      <p:nvGrpSpPr>
+        <p:cNvPr id="1" name=""/>
+        <p:cNvGrpSpPr/>
+        <p:nvPr/>
+      </p:nvGrpSpPr>
+      <p:grpSpPr>
+        <a:xfrm>
+          <a:off x="0" y="0"/>
+          <a:ext cx="0" cy="0"/>
+          <a:chOff x="0" y="0"/>
+          <a:chExt cx="0" cy="0"/>
+        </a:xfrm>
+      </p:grpSpPr>
+      <p:sp>
+        <p:nvSpPr>
+          <p:cNvPr id="2" name="Inhaltsplatzhalter 1"/>
+          <p:cNvSpPr>
+            <a:spLocks noGrp="1"/>
+          </p:cNvSpPr>
+          <p:nvPr>
+            <p:ph sz="quarter" idx="13"/>
+          </p:nvPr>
+        </p:nvSpPr>
+        <p:spPr/>
+        <p:txBody>
+          <a:bodyPr/>
+          <a:lstStyle/>
+          <a:p>
+            <a:pPr>
+              <a:buFont typeface="Arial" pitchFamily="34" charset="0"/>
+              <a:buChar char="•"/>
+            </a:pPr>
+            <a:r>
+              <a:rPr lang="de-DE" dirty="0" smtClean="0"/>
+              <a:t> Bsp.:</a:t>
+            </a:r>
+          </a:p>
+          <a:p>
+            <a:pPr lvl="1">
+              <a:buNone/>
+            </a:pPr>
+            <a:r>
+              <a:rPr lang="de-DE" dirty="0" smtClean="0"/>
+              <a:t>((Freitext = DFKI) OR </a:t>
+            </a:r>
+          </a:p>
+          <a:p>
+            <a:pPr lvl="1">
+              <a:buNone/>
+            </a:pPr>
+            <a:r>
+              <a:rPr lang="de-DE" dirty="0" smtClean="0"/>
+              <a:t>		((Absender = Daniel) AND  (Absender-Mail-Adresse = Daniel)))</a:t>
+            </a:r>
+          </a:p>
+          <a:p>
+            <a:pPr lvl="1">
+              <a:buNone/>
+            </a:pPr>
+            <a:endParaRPr lang="de-DE" dirty="0" smtClean="0"/>
+          </a:p>
+          <a:p>
+            <a:pPr>
+              <a:buFont typeface="Arial" pitchFamily="34" charset="0"/>
+              <a:buChar char="•"/>
+            </a:pPr>
+            <a:r>
+              <a:rPr lang="de-DE" dirty="0" smtClean="0"/>
+              <a:t> AND: </a:t>
+            </a:r>
+            <a:r>
+              <a:rPr lang="de-DE" dirty="0" smtClean="0"/>
+              <a:t>Durchschnitt </a:t>
+            </a:r>
+            <a:r>
+              <a:rPr lang="de-DE" dirty="0" smtClean="0"/>
+              <a:t>der </a:t>
+            </a:r>
+            <a:r>
+              <a:rPr lang="de-DE" dirty="0" err="1" smtClean="0"/>
+              <a:t>docIDs</a:t>
+            </a:r>
+            <a:endParaRPr lang="de-DE" dirty="0" smtClean="0"/>
+          </a:p>
+          <a:p>
+            <a:pPr>
+              <a:buFont typeface="Arial" pitchFamily="34" charset="0"/>
+              <a:buChar char="•"/>
+            </a:pPr>
+            <a:r>
+              <a:rPr lang="de-DE" dirty="0" smtClean="0"/>
+              <a:t> </a:t>
+            </a:r>
+            <a:r>
+              <a:rPr lang="de-DE" dirty="0" smtClean="0"/>
+              <a:t>OR: Vereinigung </a:t>
+            </a:r>
+            <a:r>
+              <a:rPr lang="de-DE" dirty="0" smtClean="0"/>
+              <a:t>der </a:t>
+            </a:r>
+            <a:r>
+              <a:rPr lang="de-DE" dirty="0" err="1" smtClean="0"/>
+              <a:t>docIDs</a:t>
+            </a:r>
+            <a:endParaRPr lang="de-DE" dirty="0" smtClean="0"/>
+          </a:p>
+          <a:p>
+            <a:pPr>
+              <a:buFont typeface="Arial" pitchFamily="34" charset="0"/>
+              <a:buChar char="•"/>
+            </a:pPr>
+            <a:r>
+              <a:rPr lang="de-DE" dirty="0" smtClean="0"/>
+              <a:t> Problem: Score</a:t>
+            </a:r>
+          </a:p>
+        </p:txBody>
+      </p:sp>
+      <p:sp>
+        <p:nvSpPr>
+          <p:cNvPr id="3" name="Datumsplatzhalter 2"/>
+          <p:cNvSpPr>
+            <a:spLocks noGrp="1"/>
+          </p:cNvSpPr>
+          <p:nvPr>
+            <p:ph type="dt" sz="half" idx="14"/>
+          </p:nvPr>
+        </p:nvSpPr>
+        <p:spPr/>
+        <p:txBody>
+          <a:bodyPr/>
+          <a:lstStyle/>
+          <a:p>
+            <a:pPr>
+              <a:defRPr/>
+            </a:pPr>
+            <a:fld id="{EE9AC89C-B0F3-4179-9BF1-A11BD48F530E}" type="datetime1">
+              <a:rPr lang="de-DE" smtClean="0"/>
+              <a:pPr>
+                <a:defRPr/>
+              </a:pPr>
+              <a:t>17.08.2017</a:t>
+            </a:fld>
+            <a:endParaRPr lang="de-DE" dirty="0"/>
+          </a:p>
+        </p:txBody>
+      </p:sp>
+      <p:sp>
+        <p:nvSpPr>
+          <p:cNvPr id="4" name="Fußzeilenplatzhalter 3"/>
+          <p:cNvSpPr>
+            <a:spLocks noGrp="1"/>
+          </p:cNvSpPr>
+          <p:nvPr>
+            <p:ph type="ftr" sz="quarter" idx="15"/>
+          </p:nvPr>
+        </p:nvSpPr>
+        <p:spPr/>
+        <p:txBody>
+          <a:bodyPr/>
+          <a:lstStyle/>
+          <a:p>
+            <a:pPr>
+              <a:defRPr/>
+            </a:pPr>
+            <a:endParaRPr lang="de-DE"/>
+          </a:p>
+        </p:txBody>
+      </p:sp>
+      <p:sp>
+        <p:nvSpPr>
+          <p:cNvPr id="5" name="Foliennummernplatzhalter 4"/>
+          <p:cNvSpPr>
+            <a:spLocks noGrp="1"/>
+          </p:cNvSpPr>
+          <p:nvPr>
+            <p:ph type="sldNum" sz="quarter" idx="16"/>
+          </p:nvPr>
+        </p:nvSpPr>
+        <p:spPr/>
+        <p:txBody>
+          <a:bodyPr/>
+          <a:lstStyle/>
+          <a:p>
+            <a:pPr>
+              <a:defRPr/>
+            </a:pPr>
+            <a:fld id="{B53A9DA1-A25A-429F-A02C-54EE5606360E}" type="slidenum">
+              <a:rPr lang="de-DE" altLang="de-DE" smtClean="0"/>
+              <a:pPr>
+                <a:defRPr/>
+              </a:pPr>
+              <a:t>20</a:t>
+            </a:fld>
+            <a:endParaRPr lang="de-DE" altLang="de-DE" dirty="0"/>
+          </a:p>
+        </p:txBody>
+      </p:sp>
+      <p:sp>
+        <p:nvSpPr>
+          <p:cNvPr id="6" name="Titel 5"/>
+          <p:cNvSpPr>
+            <a:spLocks noGrp="1"/>
+          </p:cNvSpPr>
+          <p:nvPr>
+            <p:ph type="title"/>
+          </p:nvPr>
+        </p:nvSpPr>
+        <p:spPr/>
+        <p:txBody>
+          <a:bodyPr/>
+          <a:lstStyle/>
+          <a:p>
+            <a:r>
+              <a:rPr lang="de-DE" dirty="0" smtClean="0"/>
+              <a:t>Kombination</a:t>
+            </a:r>
+            <a:endParaRPr lang="de-DE" dirty="0"/>
+          </a:p>
+        </p:txBody>
+      </p:sp>
+    </p:spTree>
+  </p:cSld>
+  <p:clrMapOvr>
+    <a:masterClrMapping/>
+  </p:clrMapOvr>
+  <p:timing>
+    <p:tnLst>
+      <p:par>
+        <p:cTn id="1" dur="indefinite" restart="never" nodeType="tmRoot"/>
+      </p:par>
+    </p:tnLst>
+  </p:timing>
+</p:sld>
+</file>
+
+<file path=ppt/slides/slide21.xml><?xml version="1.0" encoding="utf-8"?>
+<p:sld xmlns:a="http://schemas.openxmlformats.org/drawingml/2006/main" xmlns:r="http://schemas.openxmlformats.org/officeDocument/2006/relationships" xmlns:p="http://schemas.openxmlformats.org/presentationml/2006/main">
+  <p:cSld>
+    <p:spTree>
+      <p:nvGrpSpPr>
+        <p:cNvPr id="1" name=""/>
+        <p:cNvGrpSpPr/>
+        <p:nvPr/>
+      </p:nvGrpSpPr>
+      <p:grpSpPr>
+        <a:xfrm>
+          <a:off x="0" y="0"/>
+          <a:ext cx="0" cy="0"/>
+          <a:chOff x="0" y="0"/>
+          <a:chExt cx="0" cy="0"/>
+        </a:xfrm>
+      </p:grpSpPr>
+      <p:sp>
+        <p:nvSpPr>
+          <p:cNvPr id="2" name="Inhaltsplatzhalter 1"/>
+          <p:cNvSpPr>
+            <a:spLocks noGrp="1"/>
+          </p:cNvSpPr>
+          <p:nvPr>
+            <p:ph sz="quarter" idx="13"/>
+          </p:nvPr>
+        </p:nvSpPr>
+        <p:spPr/>
+        <p:txBody>
+          <a:bodyPr/>
+          <a:lstStyle/>
+          <a:p>
+            <a:pPr>
+              <a:buFont typeface="Arial" pitchFamily="34" charset="0"/>
+              <a:buChar char="•"/>
+            </a:pPr>
+            <a:r>
+              <a:rPr lang="de-DE" dirty="0" smtClean="0"/>
+              <a:t> Bsp.:</a:t>
+            </a:r>
+          </a:p>
+          <a:p>
+            <a:pPr lvl="1">
+              <a:buNone/>
+            </a:pPr>
+            <a:r>
+              <a:rPr lang="de-DE" dirty="0" smtClean="0"/>
+              <a:t>((Freitext = DFKI) OR </a:t>
+            </a:r>
+          </a:p>
+          <a:p>
+            <a:pPr lvl="1">
+              <a:buNone/>
+            </a:pPr>
+            <a:r>
+              <a:rPr lang="de-DE" dirty="0" smtClean="0"/>
+              <a:t>		((Absender = Daniel) AND  (Absender-Mail-Adresse = Daniel)))</a:t>
+            </a:r>
+          </a:p>
+          <a:p>
+            <a:pPr lvl="1">
+              <a:buNone/>
+            </a:pPr>
+            <a:endParaRPr lang="de-DE" dirty="0" smtClean="0"/>
+          </a:p>
+          <a:p>
+            <a:pPr>
+              <a:buFont typeface="Arial" pitchFamily="34" charset="0"/>
+              <a:buChar char="•"/>
+            </a:pPr>
+            <a:r>
+              <a:rPr lang="de-DE" dirty="0" smtClean="0"/>
+              <a:t> AND: Durchschnitt der </a:t>
+            </a:r>
+            <a:r>
+              <a:rPr lang="de-DE" dirty="0" err="1" smtClean="0"/>
+              <a:t>docIDs</a:t>
+            </a:r>
+            <a:endParaRPr lang="de-DE" dirty="0" smtClean="0"/>
+          </a:p>
+          <a:p>
+            <a:pPr>
+              <a:buFont typeface="Arial" pitchFamily="34" charset="0"/>
+              <a:buChar char="•"/>
+            </a:pPr>
+            <a:r>
+              <a:rPr lang="de-DE" dirty="0" smtClean="0"/>
+              <a:t> OR: </a:t>
+            </a:r>
+            <a:r>
+              <a:rPr lang="de-DE" dirty="0" smtClean="0"/>
+              <a:t>Vereinigung </a:t>
+            </a:r>
+            <a:r>
+              <a:rPr lang="de-DE" dirty="0" smtClean="0"/>
+              <a:t>der </a:t>
+            </a:r>
+            <a:r>
+              <a:rPr lang="de-DE" dirty="0" err="1" smtClean="0"/>
+              <a:t>docIDs</a:t>
+            </a:r>
+            <a:endParaRPr lang="de-DE" dirty="0" smtClean="0"/>
+          </a:p>
+          <a:p>
+            <a:pPr>
+              <a:buFont typeface="Arial" pitchFamily="34" charset="0"/>
+              <a:buChar char="•"/>
+            </a:pPr>
+            <a:r>
+              <a:rPr lang="de-DE" dirty="0" smtClean="0"/>
+              <a:t> Problem: Score</a:t>
+            </a:r>
+          </a:p>
+          <a:p>
+            <a:r>
+              <a:rPr lang="de-DE" dirty="0" smtClean="0"/>
+              <a:t>	</a:t>
+            </a:r>
+            <a:r>
+              <a:rPr lang="de-DE" dirty="0" smtClean="0">
+                <a:sym typeface="Wingdings" pitchFamily="2" charset="2"/>
+              </a:rPr>
+              <a:t> Lösung: Metadatentreffer mit Score 1 versehen</a:t>
+            </a:r>
+          </a:p>
+          <a:p>
+            <a:r>
+              <a:rPr lang="de-DE" dirty="0" smtClean="0">
+                <a:sym typeface="Wingdings" pitchFamily="2" charset="2"/>
+              </a:rPr>
+              <a:t>	 Addition der Score-Werte</a:t>
+            </a:r>
+          </a:p>
+          <a:p>
+            <a:r>
+              <a:rPr lang="de-DE" dirty="0" smtClean="0">
+                <a:sym typeface="Wingdings" pitchFamily="2" charset="2"/>
+              </a:rPr>
+              <a:t>	 Kommazahl impliziert Freitexttreffer</a:t>
+            </a:r>
+            <a:endParaRPr lang="de-DE" dirty="0" smtClean="0"/>
+          </a:p>
+        </p:txBody>
+      </p:sp>
+      <p:sp>
+        <p:nvSpPr>
+          <p:cNvPr id="3" name="Datumsplatzhalter 2"/>
+          <p:cNvSpPr>
+            <a:spLocks noGrp="1"/>
+          </p:cNvSpPr>
+          <p:nvPr>
+            <p:ph type="dt" sz="half" idx="14"/>
+          </p:nvPr>
+        </p:nvSpPr>
+        <p:spPr/>
+        <p:txBody>
+          <a:bodyPr/>
+          <a:lstStyle/>
+          <a:p>
+            <a:pPr>
+              <a:defRPr/>
+            </a:pPr>
+            <a:fld id="{EE9AC89C-B0F3-4179-9BF1-A11BD48F530E}" type="datetime1">
+              <a:rPr lang="de-DE" smtClean="0"/>
+              <a:pPr>
+                <a:defRPr/>
+              </a:pPr>
+              <a:t>17.08.2017</a:t>
+            </a:fld>
+            <a:endParaRPr lang="de-DE" dirty="0"/>
+          </a:p>
+        </p:txBody>
+      </p:sp>
+      <p:sp>
+        <p:nvSpPr>
+          <p:cNvPr id="4" name="Fußzeilenplatzhalter 3"/>
+          <p:cNvSpPr>
+            <a:spLocks noGrp="1"/>
+          </p:cNvSpPr>
+          <p:nvPr>
+            <p:ph type="ftr" sz="quarter" idx="15"/>
+          </p:nvPr>
+        </p:nvSpPr>
+        <p:spPr/>
+        <p:txBody>
+          <a:bodyPr/>
+          <a:lstStyle/>
+          <a:p>
+            <a:pPr>
+              <a:defRPr/>
+            </a:pPr>
+            <a:endParaRPr lang="de-DE"/>
+          </a:p>
+        </p:txBody>
+      </p:sp>
+      <p:sp>
+        <p:nvSpPr>
+          <p:cNvPr id="5" name="Foliennummernplatzhalter 4"/>
+          <p:cNvSpPr>
+            <a:spLocks noGrp="1"/>
+          </p:cNvSpPr>
+          <p:nvPr>
+            <p:ph type="sldNum" sz="quarter" idx="16"/>
+          </p:nvPr>
+        </p:nvSpPr>
+        <p:spPr/>
+        <p:txBody>
+          <a:bodyPr/>
+          <a:lstStyle/>
+          <a:p>
+            <a:pPr>
+              <a:defRPr/>
+            </a:pPr>
+            <a:fld id="{B53A9DA1-A25A-429F-A02C-54EE5606360E}" type="slidenum">
+              <a:rPr lang="de-DE" altLang="de-DE" smtClean="0"/>
+              <a:pPr>
+                <a:defRPr/>
+              </a:pPr>
+              <a:t>21</a:t>
+            </a:fld>
+            <a:endParaRPr lang="de-DE" altLang="de-DE" dirty="0"/>
+          </a:p>
+        </p:txBody>
+      </p:sp>
+      <p:sp>
+        <p:nvSpPr>
+          <p:cNvPr id="6" name="Titel 5"/>
+          <p:cNvSpPr>
+            <a:spLocks noGrp="1"/>
+          </p:cNvSpPr>
+          <p:nvPr>
+            <p:ph type="title"/>
+          </p:nvPr>
+        </p:nvSpPr>
+        <p:spPr/>
+        <p:txBody>
+          <a:bodyPr/>
+          <a:lstStyle/>
+          <a:p>
+            <a:r>
+              <a:rPr lang="de-DE" dirty="0" smtClean="0"/>
+              <a:t>Kombination</a:t>
+            </a:r>
+            <a:endParaRPr lang="de-DE" dirty="0"/>
+          </a:p>
+        </p:txBody>
+      </p:sp>
+    </p:spTree>
+  </p:cSld>
+  <p:clrMapOvr>
+    <a:masterClrMapping/>
+  </p:clrMapOvr>
+  <p:timing>
+    <p:tnLst>
+      <p:par>
+        <p:cTn id="1" dur="indefinite" restart="never" nodeType="tmRoot"/>
+      </p:par>
+    </p:tnLst>
+  </p:timing>
+</p:sld>
+</file>
+
+<file path=ppt/slides/slide22.xml><?xml version="1.0" encoding="utf-8"?>
+<p:sld xmlns:a="http://schemas.openxmlformats.org/drawingml/2006/main" xmlns:r="http://schemas.openxmlformats.org/officeDocument/2006/relationships" xmlns:p="http://schemas.openxmlformats.org/presentationml/2006/main">
+  <p:cSld>
+    <p:spTree>
+      <p:nvGrpSpPr>
+        <p:cNvPr id="1" name=""/>
+        <p:cNvGrpSpPr/>
+        <p:nvPr/>
+      </p:nvGrpSpPr>
+      <p:grpSpPr>
+        <a:xfrm>
+          <a:off x="0" y="0"/>
+          <a:ext cx="0" cy="0"/>
+          <a:chOff x="0" y="0"/>
+          <a:chExt cx="0" cy="0"/>
+        </a:xfrm>
+      </p:grpSpPr>
+      <p:sp>
+        <p:nvSpPr>
+          <p:cNvPr id="3" name="Datumsplatzhalter 2"/>
+          <p:cNvSpPr>
+            <a:spLocks noGrp="1"/>
+          </p:cNvSpPr>
+          <p:nvPr>
+            <p:ph type="dt" sz="half" idx="14"/>
+          </p:nvPr>
+        </p:nvSpPr>
+        <p:spPr/>
+        <p:txBody>
+          <a:bodyPr/>
+          <a:lstStyle/>
+          <a:p>
+            <a:pPr>
+              <a:defRPr/>
+            </a:pPr>
+            <a:fld id="{EE9AC89C-B0F3-4179-9BF1-A11BD48F530E}" type="datetime1">
+              <a:rPr lang="de-DE" smtClean="0"/>
+              <a:pPr>
+                <a:defRPr/>
+              </a:pPr>
+              <a:t>17.08.2017</a:t>
+            </a:fld>
+            <a:endParaRPr lang="de-DE" dirty="0"/>
+          </a:p>
+        </p:txBody>
+      </p:sp>
+      <p:sp>
+        <p:nvSpPr>
+          <p:cNvPr id="4" name="Fußzeilenplatzhalter 3"/>
+          <p:cNvSpPr>
+            <a:spLocks noGrp="1"/>
+          </p:cNvSpPr>
+          <p:nvPr>
+            <p:ph type="ftr" sz="quarter" idx="15"/>
+          </p:nvPr>
+        </p:nvSpPr>
+        <p:spPr/>
+        <p:txBody>
+          <a:bodyPr/>
+          <a:lstStyle/>
+          <a:p>
+            <a:pPr>
+              <a:defRPr/>
+            </a:pPr>
+            <a:endParaRPr lang="de-DE"/>
+          </a:p>
+        </p:txBody>
+      </p:sp>
+      <p:sp>
+        <p:nvSpPr>
+          <p:cNvPr id="5" name="Foliennummernplatzhalter 4"/>
+          <p:cNvSpPr>
+            <a:spLocks noGrp="1"/>
+          </p:cNvSpPr>
+          <p:nvPr>
+            <p:ph type="sldNum" sz="quarter" idx="16"/>
+          </p:nvPr>
+        </p:nvSpPr>
+        <p:spPr/>
+        <p:txBody>
+          <a:bodyPr/>
+          <a:lstStyle/>
+          <a:p>
+            <a:pPr>
+              <a:defRPr/>
+            </a:pPr>
+            <a:fld id="{B53A9DA1-A25A-429F-A02C-54EE5606360E}" type="slidenum">
+              <a:rPr lang="de-DE" altLang="de-DE" smtClean="0"/>
+              <a:pPr>
+                <a:defRPr/>
+              </a:pPr>
+              <a:t>22</a:t>
+            </a:fld>
+            <a:endParaRPr lang="de-DE" altLang="de-DE" dirty="0"/>
+          </a:p>
+        </p:txBody>
+      </p:sp>
+      <p:sp>
+        <p:nvSpPr>
+          <p:cNvPr id="6" name="Titel 5"/>
+          <p:cNvSpPr>
+            <a:spLocks noGrp="1"/>
+          </p:cNvSpPr>
+          <p:nvPr>
+            <p:ph type="title"/>
+          </p:nvPr>
+        </p:nvSpPr>
+        <p:spPr/>
+        <p:txBody>
+          <a:bodyPr/>
+          <a:lstStyle/>
+          <a:p>
+            <a:r>
+              <a:rPr lang="de-DE" dirty="0" smtClean="0"/>
+              <a:t>Benutzeroberfläche und Bedienung</a:t>
+            </a:r>
+            <a:endParaRPr lang="de-DE" dirty="0"/>
+          </a:p>
+        </p:txBody>
+      </p:sp>
+      <p:pic>
+        <p:nvPicPr>
+          <p:cNvPr id="36866" name="Picture 2" descr="C:\Users\kreme\Documents\SuchTool\Praesentation\1.png"/>
+          <p:cNvPicPr>
+            <a:picLocks noGrp="1" noChangeAspect="1" noChangeArrowheads="1"/>
+          </p:cNvPicPr>
+          <p:nvPr>
+            <p:ph sz="quarter" idx="13"/>
+          </p:nvPr>
+        </p:nvPicPr>
+        <p:blipFill>
+          <a:blip r:embed="rId2" cstate="print"/>
+          <a:srcRect/>
+          <a:stretch>
+            <a:fillRect/>
+          </a:stretch>
+        </p:blipFill>
+        <p:spPr bwMode="auto">
+          <a:xfrm>
+            <a:off x="1198388" y="1268413"/>
+            <a:ext cx="6745637" cy="5040312"/>
+          </a:xfrm>
+          <a:prstGeom prst="rect">
+            <a:avLst/>
+          </a:prstGeom>
+          <a:noFill/>
+        </p:spPr>
+      </p:pic>
+    </p:spTree>
+  </p:cSld>
+  <p:clrMapOvr>
+    <a:masterClrMapping/>
+  </p:clrMapOvr>
+</p:sld>
+</file>
+
+<file path=ppt/slides/slide23.xml><?xml version="1.0" encoding="utf-8"?>
+<p:sld xmlns:a="http://schemas.openxmlformats.org/drawingml/2006/main" xmlns:r="http://schemas.openxmlformats.org/officeDocument/2006/relationships" xmlns:p="http://schemas.openxmlformats.org/presentationml/2006/main">
+  <p:cSld>
+    <p:spTree>
+      <p:nvGrpSpPr>
+        <p:cNvPr id="1" name=""/>
+        <p:cNvGrpSpPr/>
+        <p:nvPr/>
+      </p:nvGrpSpPr>
+      <p:grpSpPr>
+        <a:xfrm>
+          <a:off x="0" y="0"/>
+          <a:ext cx="0" cy="0"/>
+          <a:chOff x="0" y="0"/>
+          <a:chExt cx="0" cy="0"/>
+        </a:xfrm>
+      </p:grpSpPr>
+      <p:sp>
+        <p:nvSpPr>
+          <p:cNvPr id="3" name="Datumsplatzhalter 2"/>
+          <p:cNvSpPr>
+            <a:spLocks noGrp="1"/>
+          </p:cNvSpPr>
+          <p:nvPr>
+            <p:ph type="dt" sz="half" idx="14"/>
+          </p:nvPr>
+        </p:nvSpPr>
+        <p:spPr/>
+        <p:txBody>
+          <a:bodyPr/>
+          <a:lstStyle/>
+          <a:p>
+            <a:pPr>
+              <a:defRPr/>
+            </a:pPr>
+            <a:fld id="{EE9AC89C-B0F3-4179-9BF1-A11BD48F530E}" type="datetime1">
+              <a:rPr lang="de-DE" smtClean="0"/>
+              <a:pPr>
+                <a:defRPr/>
+              </a:pPr>
+              <a:t>17.08.2017</a:t>
+            </a:fld>
+            <a:endParaRPr lang="de-DE" dirty="0"/>
+          </a:p>
+        </p:txBody>
+      </p:sp>
+      <p:sp>
+        <p:nvSpPr>
+          <p:cNvPr id="4" name="Fußzeilenplatzhalter 3"/>
+          <p:cNvSpPr>
+            <a:spLocks noGrp="1"/>
+          </p:cNvSpPr>
+          <p:nvPr>
+            <p:ph type="ftr" sz="quarter" idx="15"/>
+          </p:nvPr>
+        </p:nvSpPr>
+        <p:spPr/>
+        <p:txBody>
+          <a:bodyPr/>
+          <a:lstStyle/>
+          <a:p>
+            <a:pPr>
+              <a:defRPr/>
+            </a:pPr>
+            <a:endParaRPr lang="de-DE"/>
+          </a:p>
+        </p:txBody>
+      </p:sp>
+      <p:sp>
+        <p:nvSpPr>
+          <p:cNvPr id="5" name="Foliennummernplatzhalter 4"/>
+          <p:cNvSpPr>
+            <a:spLocks noGrp="1"/>
+          </p:cNvSpPr>
+          <p:nvPr>
+            <p:ph type="sldNum" sz="quarter" idx="16"/>
+          </p:nvPr>
+        </p:nvSpPr>
+        <p:spPr/>
+        <p:txBody>
+          <a:bodyPr/>
+          <a:lstStyle/>
+          <a:p>
+            <a:pPr>
+              <a:defRPr/>
+            </a:pPr>
+            <a:fld id="{B53A9DA1-A25A-429F-A02C-54EE5606360E}" type="slidenum">
+              <a:rPr lang="de-DE" altLang="de-DE" smtClean="0"/>
+              <a:pPr>
+                <a:defRPr/>
+              </a:pPr>
+              <a:t>23</a:t>
+            </a:fld>
+            <a:endParaRPr lang="de-DE" altLang="de-DE" dirty="0"/>
+          </a:p>
+        </p:txBody>
+      </p:sp>
+      <p:sp>
+        <p:nvSpPr>
+          <p:cNvPr id="6" name="Titel 5"/>
+          <p:cNvSpPr>
+            <a:spLocks noGrp="1"/>
+          </p:cNvSpPr>
+          <p:nvPr>
+            <p:ph type="title"/>
+          </p:nvPr>
+        </p:nvSpPr>
+        <p:spPr/>
+        <p:txBody>
+          <a:bodyPr/>
+          <a:lstStyle/>
+          <a:p>
+            <a:r>
+              <a:rPr lang="de-DE" dirty="0" smtClean="0"/>
+              <a:t>Benutzeroberfläche und Bedienung</a:t>
+            </a:r>
+            <a:endParaRPr lang="de-DE" dirty="0"/>
+          </a:p>
+        </p:txBody>
+      </p:sp>
+      <p:pic>
+        <p:nvPicPr>
+          <p:cNvPr id="37891" name="Picture 3" descr="C:\Users\kreme\Documents\SuchTool\Praesentation\2.png"/>
+          <p:cNvPicPr>
+            <a:picLocks noGrp="1" noChangeAspect="1" noChangeArrowheads="1"/>
+          </p:cNvPicPr>
+          <p:nvPr>
+            <p:ph sz="quarter" idx="13"/>
+          </p:nvPr>
+        </p:nvPicPr>
+        <p:blipFill>
+          <a:blip r:embed="rId2" cstate="print"/>
+          <a:srcRect/>
+          <a:stretch>
+            <a:fillRect/>
+          </a:stretch>
+        </p:blipFill>
+        <p:spPr bwMode="auto">
+          <a:xfrm>
+            <a:off x="1198388" y="1268413"/>
+            <a:ext cx="6745637" cy="5040312"/>
+          </a:xfrm>
+          <a:prstGeom prst="rect">
+            <a:avLst/>
+          </a:prstGeom>
+          <a:noFill/>
+        </p:spPr>
+      </p:pic>
+    </p:spTree>
+  </p:cSld>
+  <p:clrMapOvr>
+    <a:masterClrMapping/>
+  </p:clrMapOvr>
+</p:sld>
+</file>
+
+<file path=ppt/slides/slide24.xml><?xml version="1.0" encoding="utf-8"?>
+<p:sld xmlns:a="http://schemas.openxmlformats.org/drawingml/2006/main" xmlns:r="http://schemas.openxmlformats.org/officeDocument/2006/relationships" xmlns:p="http://schemas.openxmlformats.org/presentationml/2006/main">
+  <p:cSld>
+    <p:spTree>
+      <p:nvGrpSpPr>
+        <p:cNvPr id="1" name=""/>
+        <p:cNvGrpSpPr/>
+        <p:nvPr/>
+      </p:nvGrpSpPr>
+      <p:grpSpPr>
+        <a:xfrm>
+          <a:off x="0" y="0"/>
+          <a:ext cx="0" cy="0"/>
+          <a:chOff x="0" y="0"/>
+          <a:chExt cx="0" cy="0"/>
+        </a:xfrm>
+      </p:grpSpPr>
+      <p:sp>
+        <p:nvSpPr>
+          <p:cNvPr id="3" name="Datumsplatzhalter 2"/>
+          <p:cNvSpPr>
+            <a:spLocks noGrp="1"/>
+          </p:cNvSpPr>
+          <p:nvPr>
+            <p:ph type="dt" sz="half" idx="14"/>
+          </p:nvPr>
+        </p:nvSpPr>
+        <p:spPr/>
+        <p:txBody>
+          <a:bodyPr/>
+          <a:lstStyle/>
+          <a:p>
+            <a:pPr>
+              <a:defRPr/>
+            </a:pPr>
+            <a:fld id="{EE9AC89C-B0F3-4179-9BF1-A11BD48F530E}" type="datetime1">
+              <a:rPr lang="de-DE" smtClean="0"/>
+              <a:pPr>
+                <a:defRPr/>
+              </a:pPr>
+              <a:t>17.08.2017</a:t>
+            </a:fld>
+            <a:endParaRPr lang="de-DE" dirty="0"/>
+          </a:p>
+        </p:txBody>
+      </p:sp>
+      <p:sp>
+        <p:nvSpPr>
+          <p:cNvPr id="4" name="Fußzeilenplatzhalter 3"/>
+          <p:cNvSpPr>
+            <a:spLocks noGrp="1"/>
+          </p:cNvSpPr>
+          <p:nvPr>
+            <p:ph type="ftr" sz="quarter" idx="15"/>
+          </p:nvPr>
+        </p:nvSpPr>
+        <p:spPr/>
+        <p:txBody>
+          <a:bodyPr/>
+          <a:lstStyle/>
+          <a:p>
+            <a:pPr>
+              <a:defRPr/>
+            </a:pPr>
+            <a:endParaRPr lang="de-DE"/>
+          </a:p>
+        </p:txBody>
+      </p:sp>
+      <p:sp>
+        <p:nvSpPr>
+          <p:cNvPr id="5" name="Foliennummernplatzhalter 4"/>
+          <p:cNvSpPr>
+            <a:spLocks noGrp="1"/>
+          </p:cNvSpPr>
+          <p:nvPr>
+            <p:ph type="sldNum" sz="quarter" idx="16"/>
+          </p:nvPr>
+        </p:nvSpPr>
+        <p:spPr/>
+        <p:txBody>
+          <a:bodyPr/>
+          <a:lstStyle/>
+          <a:p>
+            <a:pPr>
+              <a:defRPr/>
+            </a:pPr>
+            <a:fld id="{B53A9DA1-A25A-429F-A02C-54EE5606360E}" type="slidenum">
+              <a:rPr lang="de-DE" altLang="de-DE" smtClean="0"/>
+              <a:pPr>
+                <a:defRPr/>
+              </a:pPr>
+              <a:t>24</a:t>
+            </a:fld>
+            <a:endParaRPr lang="de-DE" altLang="de-DE" dirty="0"/>
+          </a:p>
+        </p:txBody>
+      </p:sp>
+      <p:sp>
+        <p:nvSpPr>
+          <p:cNvPr id="6" name="Titel 5"/>
+          <p:cNvSpPr>
+            <a:spLocks noGrp="1"/>
+          </p:cNvSpPr>
+          <p:nvPr>
+            <p:ph type="title"/>
+          </p:nvPr>
+        </p:nvSpPr>
+        <p:spPr/>
+        <p:txBody>
+          <a:bodyPr/>
+          <a:lstStyle/>
+          <a:p>
+            <a:r>
+              <a:rPr lang="de-DE" dirty="0" smtClean="0"/>
+              <a:t>Benutzeroberfläche und Bedienung</a:t>
+            </a:r>
+            <a:endParaRPr lang="de-DE" dirty="0"/>
+          </a:p>
+        </p:txBody>
+      </p:sp>
+      <p:pic>
+        <p:nvPicPr>
+          <p:cNvPr id="38914" name="Picture 2" descr="C:\Users\kreme\Documents\SuchTool\Praesentation\3.png"/>
+          <p:cNvPicPr>
+            <a:picLocks noGrp="1" noChangeAspect="1" noChangeArrowheads="1"/>
+          </p:cNvPicPr>
+          <p:nvPr>
+            <p:ph sz="quarter" idx="13"/>
+          </p:nvPr>
+        </p:nvPicPr>
+        <p:blipFill>
+          <a:blip r:embed="rId2" cstate="print"/>
+          <a:srcRect/>
+          <a:stretch>
+            <a:fillRect/>
+          </a:stretch>
+        </p:blipFill>
+        <p:spPr bwMode="auto">
+          <a:xfrm>
+            <a:off x="1198388" y="1268413"/>
+            <a:ext cx="6745637" cy="5040312"/>
+          </a:xfrm>
+          <a:prstGeom prst="rect">
+            <a:avLst/>
+          </a:prstGeom>
+          <a:noFill/>
+        </p:spPr>
+      </p:pic>
+    </p:spTree>
+  </p:cSld>
+  <p:clrMapOvr>
+    <a:masterClrMapping/>
+  </p:clrMapOvr>
+</p:sld>
+</file>
+
+<file path=ppt/slides/slide25.xml><?xml version="1.0" encoding="utf-8"?>
+<p:sld xmlns:a="http://schemas.openxmlformats.org/drawingml/2006/main" xmlns:r="http://schemas.openxmlformats.org/officeDocument/2006/relationships" xmlns:p="http://schemas.openxmlformats.org/presentationml/2006/main">
+  <p:cSld>
+    <p:spTree>
+      <p:nvGrpSpPr>
+        <p:cNvPr id="1" name=""/>
+        <p:cNvGrpSpPr/>
+        <p:nvPr/>
+      </p:nvGrpSpPr>
+      <p:grpSpPr>
+        <a:xfrm>
+          <a:off x="0" y="0"/>
+          <a:ext cx="0" cy="0"/>
+          <a:chOff x="0" y="0"/>
+          <a:chExt cx="0" cy="0"/>
+        </a:xfrm>
+      </p:grpSpPr>
+      <p:sp>
+        <p:nvSpPr>
+          <p:cNvPr id="3" name="Datumsplatzhalter 2"/>
+          <p:cNvSpPr>
+            <a:spLocks noGrp="1"/>
+          </p:cNvSpPr>
+          <p:nvPr>
+            <p:ph type="dt" sz="half" idx="14"/>
+          </p:nvPr>
+        </p:nvSpPr>
+        <p:spPr/>
+        <p:txBody>
+          <a:bodyPr/>
+          <a:lstStyle/>
+          <a:p>
+            <a:pPr>
+              <a:defRPr/>
+            </a:pPr>
+            <a:fld id="{EE9AC89C-B0F3-4179-9BF1-A11BD48F530E}" type="datetime1">
+              <a:rPr lang="de-DE" smtClean="0"/>
+              <a:pPr>
+                <a:defRPr/>
+              </a:pPr>
+              <a:t>17.08.2017</a:t>
+            </a:fld>
+            <a:endParaRPr lang="de-DE" dirty="0"/>
+          </a:p>
+        </p:txBody>
+      </p:sp>
+      <p:sp>
+        <p:nvSpPr>
+          <p:cNvPr id="4" name="Fußzeilenplatzhalter 3"/>
+          <p:cNvSpPr>
+            <a:spLocks noGrp="1"/>
+          </p:cNvSpPr>
+          <p:nvPr>
+            <p:ph type="ftr" sz="quarter" idx="15"/>
+          </p:nvPr>
+        </p:nvSpPr>
+        <p:spPr/>
+        <p:txBody>
+          <a:bodyPr/>
+          <a:lstStyle/>
+          <a:p>
+            <a:pPr>
+              <a:defRPr/>
+            </a:pPr>
+            <a:endParaRPr lang="de-DE"/>
+          </a:p>
+        </p:txBody>
+      </p:sp>
+      <p:sp>
+        <p:nvSpPr>
+          <p:cNvPr id="5" name="Foliennummernplatzhalter 4"/>
+          <p:cNvSpPr>
+            <a:spLocks noGrp="1"/>
+          </p:cNvSpPr>
+          <p:nvPr>
+            <p:ph type="sldNum" sz="quarter" idx="16"/>
+          </p:nvPr>
+        </p:nvSpPr>
+        <p:spPr/>
+        <p:txBody>
+          <a:bodyPr/>
+          <a:lstStyle/>
+          <a:p>
+            <a:pPr>
+              <a:defRPr/>
+            </a:pPr>
+            <a:fld id="{B53A9DA1-A25A-429F-A02C-54EE5606360E}" type="slidenum">
+              <a:rPr lang="de-DE" altLang="de-DE" smtClean="0"/>
+              <a:pPr>
+                <a:defRPr/>
+              </a:pPr>
+              <a:t>25</a:t>
+            </a:fld>
+            <a:endParaRPr lang="de-DE" altLang="de-DE" dirty="0"/>
+          </a:p>
+        </p:txBody>
+      </p:sp>
+      <p:sp>
+        <p:nvSpPr>
+          <p:cNvPr id="6" name="Titel 5"/>
+          <p:cNvSpPr>
+            <a:spLocks noGrp="1"/>
+          </p:cNvSpPr>
+          <p:nvPr>
+            <p:ph type="title"/>
+          </p:nvPr>
+        </p:nvSpPr>
+        <p:spPr/>
+        <p:txBody>
+          <a:bodyPr/>
+          <a:lstStyle/>
+          <a:p>
+            <a:r>
+              <a:rPr lang="de-DE" dirty="0" smtClean="0"/>
+              <a:t>Benutzeroberfläche und Bedienung</a:t>
+            </a:r>
+            <a:endParaRPr lang="de-DE" dirty="0"/>
+          </a:p>
+        </p:txBody>
+      </p:sp>
+      <p:pic>
+        <p:nvPicPr>
+          <p:cNvPr id="39938" name="Picture 2" descr="C:\Users\kreme\Documents\SuchTool\Praesentation\frei.png"/>
+          <p:cNvPicPr>
+            <a:picLocks noGrp="1" noChangeAspect="1" noChangeArrowheads="1"/>
+          </p:cNvPicPr>
+          <p:nvPr>
+            <p:ph sz="quarter" idx="13"/>
+          </p:nvPr>
+        </p:nvPicPr>
+        <p:blipFill>
+          <a:blip r:embed="rId2" cstate="print"/>
+          <a:srcRect/>
+          <a:stretch>
+            <a:fillRect/>
+          </a:stretch>
+        </p:blipFill>
+        <p:spPr bwMode="auto">
+          <a:xfrm>
+            <a:off x="1198388" y="1268413"/>
+            <a:ext cx="6745637" cy="5040312"/>
+          </a:xfrm>
+          <a:prstGeom prst="rect">
+            <a:avLst/>
+          </a:prstGeom>
+          <a:noFill/>
+        </p:spPr>
+      </p:pic>
+    </p:spTree>
+  </p:cSld>
+  <p:clrMapOvr>
+    <a:masterClrMapping/>
+  </p:clrMapOvr>
+</p:sld>
+</file>
+
+<file path=ppt/slides/slide26.xml><?xml version="1.0" encoding="utf-8"?>
+<p:sld xmlns:a="http://schemas.openxmlformats.org/drawingml/2006/main" xmlns:r="http://schemas.openxmlformats.org/officeDocument/2006/relationships" xmlns:p="http://schemas.openxmlformats.org/presentationml/2006/main">
+  <p:cSld>
+    <p:spTree>
+      <p:nvGrpSpPr>
+        <p:cNvPr id="1" name=""/>
+        <p:cNvGrpSpPr/>
+        <p:nvPr/>
+      </p:nvGrpSpPr>
+      <p:grpSpPr>
+        <a:xfrm>
+          <a:off x="0" y="0"/>
+          <a:ext cx="0" cy="0"/>
+          <a:chOff x="0" y="0"/>
+          <a:chExt cx="0" cy="0"/>
+        </a:xfrm>
+      </p:grpSpPr>
+      <p:sp>
+        <p:nvSpPr>
+          <p:cNvPr id="3" name="Datumsplatzhalter 2"/>
+          <p:cNvSpPr>
+            <a:spLocks noGrp="1"/>
+          </p:cNvSpPr>
+          <p:nvPr>
+            <p:ph type="dt" sz="half" idx="14"/>
+          </p:nvPr>
+        </p:nvSpPr>
+        <p:spPr/>
+        <p:txBody>
+          <a:bodyPr/>
+          <a:lstStyle/>
+          <a:p>
+            <a:pPr>
+              <a:defRPr/>
+            </a:pPr>
+            <a:fld id="{EE9AC89C-B0F3-4179-9BF1-A11BD48F530E}" type="datetime1">
+              <a:rPr lang="de-DE" smtClean="0"/>
+              <a:pPr>
+                <a:defRPr/>
+              </a:pPr>
+              <a:t>17.08.2017</a:t>
+            </a:fld>
+            <a:endParaRPr lang="de-DE" dirty="0"/>
+          </a:p>
+        </p:txBody>
+      </p:sp>
+      <p:sp>
+        <p:nvSpPr>
+          <p:cNvPr id="4" name="Fußzeilenplatzhalter 3"/>
+          <p:cNvSpPr>
+            <a:spLocks noGrp="1"/>
+          </p:cNvSpPr>
+          <p:nvPr>
+            <p:ph type="ftr" sz="quarter" idx="15"/>
+          </p:nvPr>
+        </p:nvSpPr>
+        <p:spPr/>
+        <p:txBody>
+          <a:bodyPr/>
+          <a:lstStyle/>
+          <a:p>
+            <a:pPr>
+              <a:defRPr/>
+            </a:pPr>
+            <a:endParaRPr lang="de-DE"/>
+          </a:p>
+        </p:txBody>
+      </p:sp>
+      <p:sp>
+        <p:nvSpPr>
+          <p:cNvPr id="5" name="Foliennummernplatzhalter 4"/>
+          <p:cNvSpPr>
+            <a:spLocks noGrp="1"/>
+          </p:cNvSpPr>
+          <p:nvPr>
+            <p:ph type="sldNum" sz="quarter" idx="16"/>
+          </p:nvPr>
+        </p:nvSpPr>
+        <p:spPr/>
+        <p:txBody>
+          <a:bodyPr/>
+          <a:lstStyle/>
+          <a:p>
+            <a:pPr>
+              <a:defRPr/>
+            </a:pPr>
+            <a:fld id="{B53A9DA1-A25A-429F-A02C-54EE5606360E}" type="slidenum">
+              <a:rPr lang="de-DE" altLang="de-DE" smtClean="0"/>
+              <a:pPr>
+                <a:defRPr/>
+              </a:pPr>
+              <a:t>26</a:t>
+            </a:fld>
+            <a:endParaRPr lang="de-DE" altLang="de-DE" dirty="0"/>
+          </a:p>
+        </p:txBody>
+      </p:sp>
+      <p:sp>
+        <p:nvSpPr>
+          <p:cNvPr id="6" name="Titel 5"/>
+          <p:cNvSpPr>
+            <a:spLocks noGrp="1"/>
+          </p:cNvSpPr>
+          <p:nvPr>
+            <p:ph type="title"/>
+          </p:nvPr>
+        </p:nvSpPr>
+        <p:spPr/>
+        <p:txBody>
+          <a:bodyPr/>
+          <a:lstStyle/>
+          <a:p>
+            <a:r>
+              <a:rPr lang="de-DE" dirty="0" smtClean="0"/>
+              <a:t>Benutzeroberfläche und Bedienung</a:t>
+            </a:r>
+            <a:endParaRPr lang="de-DE" dirty="0"/>
+          </a:p>
+        </p:txBody>
+      </p:sp>
+      <p:pic>
+        <p:nvPicPr>
+          <p:cNvPr id="40962" name="Picture 2" descr="C:\Users\kreme\Documents\SuchTool\Praesentation\meta.png"/>
+          <p:cNvPicPr>
+            <a:picLocks noGrp="1" noChangeAspect="1" noChangeArrowheads="1"/>
+          </p:cNvPicPr>
+          <p:nvPr>
+            <p:ph sz="quarter" idx="13"/>
+          </p:nvPr>
+        </p:nvPicPr>
+        <p:blipFill>
+          <a:blip r:embed="rId2" cstate="print"/>
+          <a:srcRect/>
+          <a:stretch>
+            <a:fillRect/>
+          </a:stretch>
+        </p:blipFill>
+        <p:spPr bwMode="auto">
+          <a:xfrm>
+            <a:off x="1198388" y="1268413"/>
+            <a:ext cx="6745637" cy="5040312"/>
+          </a:xfrm>
+          <a:prstGeom prst="rect">
+            <a:avLst/>
+          </a:prstGeom>
+          <a:noFill/>
+        </p:spPr>
+      </p:pic>
+    </p:spTree>
+  </p:cSld>
+  <p:clrMapOvr>
+    <a:masterClrMapping/>
+  </p:clrMapOvr>
+</p:sld>
+</file>
+
+<file path=ppt/slides/slide27.xml><?xml version="1.0" encoding="utf-8"?>
+<p:sld xmlns:a="http://schemas.openxmlformats.org/drawingml/2006/main" xmlns:r="http://schemas.openxmlformats.org/officeDocument/2006/relationships" xmlns:p="http://schemas.openxmlformats.org/presentationml/2006/main">
+  <p:cSld>
+    <p:spTree>
+      <p:nvGrpSpPr>
+        <p:cNvPr id="1" name=""/>
+        <p:cNvGrpSpPr/>
+        <p:nvPr/>
+      </p:nvGrpSpPr>
+      <p:grpSpPr>
+        <a:xfrm>
+          <a:off x="0" y="0"/>
+          <a:ext cx="0" cy="0"/>
+          <a:chOff x="0" y="0"/>
+          <a:chExt cx="0" cy="0"/>
+        </a:xfrm>
+      </p:grpSpPr>
+      <p:sp>
+        <p:nvSpPr>
+          <p:cNvPr id="3" name="Datumsplatzhalter 2"/>
+          <p:cNvSpPr>
+            <a:spLocks noGrp="1"/>
+          </p:cNvSpPr>
+          <p:nvPr>
+            <p:ph type="dt" sz="half" idx="14"/>
+          </p:nvPr>
+        </p:nvSpPr>
+        <p:spPr/>
+        <p:txBody>
+          <a:bodyPr/>
+          <a:lstStyle/>
+          <a:p>
+            <a:pPr>
+              <a:defRPr/>
+            </a:pPr>
+            <a:fld id="{EE9AC89C-B0F3-4179-9BF1-A11BD48F530E}" type="datetime1">
+              <a:rPr lang="de-DE" smtClean="0"/>
+              <a:pPr>
+                <a:defRPr/>
+              </a:pPr>
+              <a:t>17.08.2017</a:t>
+            </a:fld>
+            <a:endParaRPr lang="de-DE" dirty="0"/>
+          </a:p>
+        </p:txBody>
+      </p:sp>
+      <p:sp>
+        <p:nvSpPr>
+          <p:cNvPr id="4" name="Fußzeilenplatzhalter 3"/>
+          <p:cNvSpPr>
+            <a:spLocks noGrp="1"/>
+          </p:cNvSpPr>
+          <p:nvPr>
+            <p:ph type="ftr" sz="quarter" idx="15"/>
+          </p:nvPr>
+        </p:nvSpPr>
+        <p:spPr/>
+        <p:txBody>
+          <a:bodyPr/>
+          <a:lstStyle/>
+          <a:p>
+            <a:pPr>
+              <a:defRPr/>
+            </a:pPr>
+            <a:endParaRPr lang="de-DE"/>
+          </a:p>
+        </p:txBody>
+      </p:sp>
+      <p:sp>
+        <p:nvSpPr>
+          <p:cNvPr id="5" name="Foliennummernplatzhalter 4"/>
+          <p:cNvSpPr>
+            <a:spLocks noGrp="1"/>
+          </p:cNvSpPr>
+          <p:nvPr>
+            <p:ph type="sldNum" sz="quarter" idx="16"/>
+          </p:nvPr>
+        </p:nvSpPr>
+        <p:spPr/>
+        <p:txBody>
+          <a:bodyPr/>
+          <a:lstStyle/>
+          <a:p>
+            <a:pPr>
+              <a:defRPr/>
+            </a:pPr>
+            <a:fld id="{B53A9DA1-A25A-429F-A02C-54EE5606360E}" type="slidenum">
+              <a:rPr lang="de-DE" altLang="de-DE" smtClean="0"/>
+              <a:pPr>
+                <a:defRPr/>
+              </a:pPr>
+              <a:t>27</a:t>
+            </a:fld>
+            <a:endParaRPr lang="de-DE" altLang="de-DE" dirty="0"/>
+          </a:p>
+        </p:txBody>
+      </p:sp>
+      <p:sp>
+        <p:nvSpPr>
+          <p:cNvPr id="6" name="Titel 5"/>
+          <p:cNvSpPr>
+            <a:spLocks noGrp="1"/>
+          </p:cNvSpPr>
+          <p:nvPr>
+            <p:ph type="title"/>
+          </p:nvPr>
+        </p:nvSpPr>
+        <p:spPr/>
+        <p:txBody>
+          <a:bodyPr/>
+          <a:lstStyle/>
+          <a:p>
+            <a:r>
+              <a:rPr lang="de-DE" dirty="0" smtClean="0"/>
+              <a:t>Benutzeroberfläche und Bedienung</a:t>
+            </a:r>
+            <a:endParaRPr lang="de-DE" dirty="0"/>
+          </a:p>
+        </p:txBody>
+      </p:sp>
+      <p:pic>
+        <p:nvPicPr>
+          <p:cNvPr id="41986" name="Picture 2" descr="C:\Users\kreme\Documents\SuchTool\Praesentation\blubb.png"/>
+          <p:cNvPicPr>
+            <a:picLocks noGrp="1" noChangeAspect="1" noChangeArrowheads="1"/>
+          </p:cNvPicPr>
+          <p:nvPr>
+            <p:ph sz="quarter" idx="13"/>
+          </p:nvPr>
+        </p:nvPicPr>
+        <p:blipFill>
+          <a:blip r:embed="rId2" cstate="print"/>
+          <a:srcRect/>
+          <a:stretch>
+            <a:fillRect/>
+          </a:stretch>
+        </p:blipFill>
+        <p:spPr bwMode="auto">
+          <a:xfrm>
+            <a:off x="1198388" y="1268413"/>
+            <a:ext cx="6745637" cy="5040312"/>
+          </a:xfrm>
+          <a:prstGeom prst="rect">
+            <a:avLst/>
+          </a:prstGeom>
+          <a:noFill/>
+        </p:spPr>
+      </p:pic>
+    </p:spTree>
+  </p:cSld>
+  <p:clrMapOvr>
+    <a:masterClrMapping/>
+  </p:clrMapOvr>
+</p:sld>
+</file>
+
+<file path=ppt/slides/slide28.xml><?xml version="1.0" encoding="utf-8"?>
+<p:sld xmlns:a="http://schemas.openxmlformats.org/drawingml/2006/main" xmlns:r="http://schemas.openxmlformats.org/officeDocument/2006/relationships" xmlns:p="http://schemas.openxmlformats.org/presentationml/2006/main">
+  <p:cSld>
+    <p:spTree>
+      <p:nvGrpSpPr>
+        <p:cNvPr id="1" name=""/>
+        <p:cNvGrpSpPr/>
+        <p:nvPr/>
+      </p:nvGrpSpPr>
+      <p:grpSpPr>
+        <a:xfrm>
+          <a:off x="0" y="0"/>
+          <a:ext cx="0" cy="0"/>
+          <a:chOff x="0" y="0"/>
+          <a:chExt cx="0" cy="0"/>
+        </a:xfrm>
+      </p:grpSpPr>
+      <p:sp>
+        <p:nvSpPr>
+          <p:cNvPr id="3" name="Datumsplatzhalter 2"/>
+          <p:cNvSpPr>
+            <a:spLocks noGrp="1"/>
+          </p:cNvSpPr>
+          <p:nvPr>
+            <p:ph type="dt" sz="half" idx="14"/>
+          </p:nvPr>
+        </p:nvSpPr>
+        <p:spPr/>
+        <p:txBody>
+          <a:bodyPr/>
+          <a:lstStyle/>
+          <a:p>
+            <a:pPr>
+              <a:defRPr/>
+            </a:pPr>
+            <a:fld id="{EE9AC89C-B0F3-4179-9BF1-A11BD48F530E}" type="datetime1">
+              <a:rPr lang="de-DE" smtClean="0"/>
+              <a:pPr>
+                <a:defRPr/>
+              </a:pPr>
+              <a:t>17.08.2017</a:t>
+            </a:fld>
+            <a:endParaRPr lang="de-DE" dirty="0"/>
+          </a:p>
+        </p:txBody>
+      </p:sp>
+      <p:sp>
+        <p:nvSpPr>
+          <p:cNvPr id="4" name="Fußzeilenplatzhalter 3"/>
+          <p:cNvSpPr>
+            <a:spLocks noGrp="1"/>
+          </p:cNvSpPr>
+          <p:nvPr>
+            <p:ph type="ftr" sz="quarter" idx="15"/>
+          </p:nvPr>
+        </p:nvSpPr>
+        <p:spPr/>
+        <p:txBody>
+          <a:bodyPr/>
+          <a:lstStyle/>
+          <a:p>
+            <a:pPr>
+              <a:defRPr/>
+            </a:pPr>
+            <a:endParaRPr lang="de-DE"/>
+          </a:p>
+        </p:txBody>
+      </p:sp>
+      <p:sp>
+        <p:nvSpPr>
+          <p:cNvPr id="5" name="Foliennummernplatzhalter 4"/>
+          <p:cNvSpPr>
+            <a:spLocks noGrp="1"/>
+          </p:cNvSpPr>
+          <p:nvPr>
+            <p:ph type="sldNum" sz="quarter" idx="16"/>
+          </p:nvPr>
+        </p:nvSpPr>
+        <p:spPr/>
+        <p:txBody>
+          <a:bodyPr/>
+          <a:lstStyle/>
+          <a:p>
+            <a:pPr>
+              <a:defRPr/>
+            </a:pPr>
+            <a:fld id="{B53A9DA1-A25A-429F-A02C-54EE5606360E}" type="slidenum">
+              <a:rPr lang="de-DE" altLang="de-DE" smtClean="0"/>
+              <a:pPr>
+                <a:defRPr/>
+              </a:pPr>
+              <a:t>28</a:t>
+            </a:fld>
+            <a:endParaRPr lang="de-DE" altLang="de-DE" dirty="0"/>
+          </a:p>
+        </p:txBody>
+      </p:sp>
+      <p:sp>
+        <p:nvSpPr>
+          <p:cNvPr id="6" name="Titel 5"/>
+          <p:cNvSpPr>
+            <a:spLocks noGrp="1"/>
+          </p:cNvSpPr>
+          <p:nvPr>
+            <p:ph type="title"/>
+          </p:nvPr>
+        </p:nvSpPr>
+        <p:spPr/>
+        <p:txBody>
+          <a:bodyPr/>
+          <a:lstStyle/>
+          <a:p>
+            <a:r>
+              <a:rPr lang="de-DE" dirty="0" smtClean="0"/>
+              <a:t>Benutzeroberfläche und Bedienung</a:t>
+            </a:r>
+            <a:endParaRPr lang="de-DE" dirty="0"/>
+          </a:p>
+        </p:txBody>
+      </p:sp>
+      <p:pic>
+        <p:nvPicPr>
+          <p:cNvPr id="43010" name="Picture 2" descr="C:\Users\kreme\Documents\SuchTool\Praesentation\blaaaaaa.png"/>
+          <p:cNvPicPr>
+            <a:picLocks noGrp="1" noChangeAspect="1" noChangeArrowheads="1"/>
+          </p:cNvPicPr>
+          <p:nvPr>
+            <p:ph sz="quarter" idx="13"/>
+          </p:nvPr>
+        </p:nvPicPr>
+        <p:blipFill>
+          <a:blip r:embed="rId2" cstate="print"/>
+          <a:srcRect/>
+          <a:stretch>
+            <a:fillRect/>
+          </a:stretch>
+        </p:blipFill>
+        <p:spPr bwMode="auto">
+          <a:xfrm>
+            <a:off x="1200352" y="1268413"/>
+            <a:ext cx="6741708" cy="5040312"/>
+          </a:xfrm>
+          <a:prstGeom prst="rect">
+            <a:avLst/>
+          </a:prstGeom>
+          <a:noFill/>
+        </p:spPr>
+      </p:pic>
+    </p:spTree>
+  </p:cSld>
+  <p:clrMapOvr>
+    <a:masterClrMapping/>
+  </p:clrMapOvr>
+</p:sld>
+</file>
+
+<file path=ppt/slides/slide29.xml><?xml version="1.0" encoding="utf-8"?>
+<p:sld xmlns:a="http://schemas.openxmlformats.org/drawingml/2006/main" xmlns:r="http://schemas.openxmlformats.org/officeDocument/2006/relationships" xmlns:p="http://schemas.openxmlformats.org/presentationml/2006/main">
+  <p:cSld>
+    <p:spTree>
+      <p:nvGrpSpPr>
+        <p:cNvPr id="1" name=""/>
+        <p:cNvGrpSpPr/>
+        <p:nvPr/>
+      </p:nvGrpSpPr>
+      <p:grpSpPr>
+        <a:xfrm>
+          <a:off x="0" y="0"/>
+          <a:ext cx="0" cy="0"/>
+          <a:chOff x="0" y="0"/>
+          <a:chExt cx="0" cy="0"/>
+        </a:xfrm>
+      </p:grpSpPr>
+      <p:sp>
+        <p:nvSpPr>
+          <p:cNvPr id="3" name="Datumsplatzhalter 2"/>
+          <p:cNvSpPr>
+            <a:spLocks noGrp="1"/>
+          </p:cNvSpPr>
+          <p:nvPr>
+            <p:ph type="dt" sz="half" idx="14"/>
+          </p:nvPr>
+        </p:nvSpPr>
+        <p:spPr/>
+        <p:txBody>
+          <a:bodyPr/>
+          <a:lstStyle/>
+          <a:p>
+            <a:pPr>
+              <a:defRPr/>
+            </a:pPr>
+            <a:fld id="{EE9AC89C-B0F3-4179-9BF1-A11BD48F530E}" type="datetime1">
+              <a:rPr lang="de-DE" smtClean="0"/>
+              <a:pPr>
+                <a:defRPr/>
+              </a:pPr>
+              <a:t>17.08.2017</a:t>
+            </a:fld>
+            <a:endParaRPr lang="de-DE" dirty="0"/>
+          </a:p>
+        </p:txBody>
+      </p:sp>
+      <p:sp>
+        <p:nvSpPr>
+          <p:cNvPr id="4" name="Fußzeilenplatzhalter 3"/>
+          <p:cNvSpPr>
+            <a:spLocks noGrp="1"/>
+          </p:cNvSpPr>
+          <p:nvPr>
+            <p:ph type="ftr" sz="quarter" idx="15"/>
+          </p:nvPr>
+        </p:nvSpPr>
+        <p:spPr/>
+        <p:txBody>
+          <a:bodyPr/>
+          <a:lstStyle/>
+          <a:p>
+            <a:pPr>
+              <a:defRPr/>
+            </a:pPr>
+            <a:endParaRPr lang="de-DE"/>
+          </a:p>
+        </p:txBody>
+      </p:sp>
+      <p:sp>
+        <p:nvSpPr>
+          <p:cNvPr id="5" name="Foliennummernplatzhalter 4"/>
+          <p:cNvSpPr>
+            <a:spLocks noGrp="1"/>
+          </p:cNvSpPr>
+          <p:nvPr>
+            <p:ph type="sldNum" sz="quarter" idx="16"/>
+          </p:nvPr>
+        </p:nvSpPr>
+        <p:spPr/>
+        <p:txBody>
+          <a:bodyPr/>
+          <a:lstStyle/>
+          <a:p>
+            <a:pPr>
+              <a:defRPr/>
+            </a:pPr>
+            <a:fld id="{B53A9DA1-A25A-429F-A02C-54EE5606360E}" type="slidenum">
+              <a:rPr lang="de-DE" altLang="de-DE" smtClean="0"/>
+              <a:pPr>
+                <a:defRPr/>
+              </a:pPr>
+              <a:t>29</a:t>
+            </a:fld>
+            <a:endParaRPr lang="de-DE" altLang="de-DE" dirty="0"/>
+          </a:p>
+        </p:txBody>
+      </p:sp>
+      <p:sp>
+        <p:nvSpPr>
+          <p:cNvPr id="6" name="Titel 5"/>
+          <p:cNvSpPr>
+            <a:spLocks noGrp="1"/>
+          </p:cNvSpPr>
+          <p:nvPr>
+            <p:ph type="title"/>
+          </p:nvPr>
+        </p:nvSpPr>
+        <p:spPr/>
+        <p:txBody>
+          <a:bodyPr/>
+          <a:lstStyle/>
+          <a:p>
+            <a:r>
+              <a:rPr lang="de-DE" dirty="0" smtClean="0"/>
+              <a:t>Benutzeroberfläche und Bedienung</a:t>
+            </a:r>
+            <a:endParaRPr lang="de-DE" dirty="0"/>
+          </a:p>
+        </p:txBody>
+      </p:sp>
+      <p:pic>
+        <p:nvPicPr>
+          <p:cNvPr id="44034" name="Picture 2" descr="C:\Users\kreme\Documents\SuchTool\Praesentation\ooooor.png"/>
+          <p:cNvPicPr>
+            <a:picLocks noGrp="1" noChangeAspect="1" noChangeArrowheads="1"/>
+          </p:cNvPicPr>
+          <p:nvPr>
+            <p:ph sz="quarter" idx="13"/>
+          </p:nvPr>
+        </p:nvPicPr>
+        <p:blipFill>
+          <a:blip r:embed="rId2" cstate="print"/>
+          <a:srcRect/>
+          <a:stretch>
+            <a:fillRect/>
+          </a:stretch>
+        </p:blipFill>
+        <p:spPr bwMode="auto">
+          <a:xfrm>
+            <a:off x="1210998" y="1268413"/>
+            <a:ext cx="6720416" cy="5040312"/>
           </a:xfrm>
           <a:prstGeom prst="rect">
             <a:avLst/>
@@ -5547,15 +9742,34 @@
             </a:pPr>
             <a:r>
               <a:rPr lang="de-DE" dirty="0" smtClean="0"/>
-              <a:t> Semistrukturierte Dokumente</a:t>
+              <a:t> Hauptanwendungsfall </a:t>
+            </a:r>
+            <a:r>
+              <a:rPr lang="de-DE" dirty="0" smtClean="0"/>
+              <a:t>E-Mail Postfach </a:t>
+            </a:r>
+          </a:p>
+          <a:p>
+            <a:pPr>
+              <a:buFont typeface="Arial" pitchFamily="34" charset="0"/>
+              <a:buChar char="•"/>
+            </a:pPr>
+            <a:r>
+              <a:rPr lang="de-DE" dirty="0" smtClean="0"/>
+              <a:t> Semistrukturierte </a:t>
+            </a:r>
+            <a:r>
+              <a:rPr lang="de-DE" dirty="0" smtClean="0"/>
+              <a:t>Dokumente</a:t>
             </a:r>
           </a:p>
           <a:p>
             <a:pPr lvl="1"/>
             <a:r>
               <a:rPr lang="de-DE" dirty="0" smtClean="0"/>
-              <a:t>Metadaten</a:t>
-            </a:r>
+              <a:t>Metadaten (z.B. Datum, Absender…)</a:t>
+            </a:r>
+            <a:endParaRPr lang="de-DE" i="1" dirty="0" smtClean="0"/>
           </a:p>
           <a:p>
             <a:pPr lvl="1"/>
@@ -5563,23 +9777,7 @@
               <a:rPr lang="de-DE" dirty="0" smtClean="0"/>
               <a:t>Freitext</a:t>
             </a:r>
-          </a:p>
-          <a:p>
-            <a:pPr>
-              <a:buFont typeface="Arial" pitchFamily="34" charset="0"/>
-              <a:buChar char="•"/>
-            </a:pPr>
-            <a:r>
-              <a:rPr lang="de-DE" dirty="0" smtClean="0"/>
-              <a:t>Hauptanwendungsfall E-Mail Postfach </a:t>
-            </a:r>
-          </a:p>
-          <a:p>
-            <a:pPr lvl="1"/>
-            <a:r>
-              <a:rPr lang="de-DE" dirty="0" smtClean="0"/>
-              <a:t>Metadaten wie Datum, Absender etc.</a:t>
-            </a:r>
+            <a:endParaRPr lang="de-DE" b="1" dirty="0" smtClean="0"/>
           </a:p>
           <a:p>
             <a:pPr>
@@ -5676,6 +9874,853 @@
   <p:clrMapOvr>
     <a:masterClrMapping/>
   </p:clrMapOvr>
+  <p:timing>
+    <p:tnLst>
+      <p:par>
+        <p:cTn id="1" dur="indefinite" restart="never" nodeType="tmRoot"/>
+      </p:par>
+    </p:tnLst>
+  </p:timing>
+</p:sld>
+</file>
+
+<file path=ppt/slides/slide30.xml><?xml version="1.0" encoding="utf-8"?>
+<p:sld xmlns:a="http://schemas.openxmlformats.org/drawingml/2006/main" xmlns:r="http://schemas.openxmlformats.org/officeDocument/2006/relationships" xmlns:p="http://schemas.openxmlformats.org/presentationml/2006/main">
+  <p:cSld>
+    <p:spTree>
+      <p:nvGrpSpPr>
+        <p:cNvPr id="1" name=""/>
+        <p:cNvGrpSpPr/>
+        <p:nvPr/>
+      </p:nvGrpSpPr>
+      <p:grpSpPr>
+        <a:xfrm>
+          <a:off x="0" y="0"/>
+          <a:ext cx="0" cy="0"/>
+          <a:chOff x="0" y="0"/>
+          <a:chExt cx="0" cy="0"/>
+        </a:xfrm>
+      </p:grpSpPr>
+      <p:sp>
+        <p:nvSpPr>
+          <p:cNvPr id="3" name="Datumsplatzhalter 2"/>
+          <p:cNvSpPr>
+            <a:spLocks noGrp="1"/>
+          </p:cNvSpPr>
+          <p:nvPr>
+            <p:ph type="dt" sz="half" idx="14"/>
+          </p:nvPr>
+        </p:nvSpPr>
+        <p:spPr/>
+        <p:txBody>
+          <a:bodyPr/>
+          <a:lstStyle/>
+          <a:p>
+            <a:pPr>
+              <a:defRPr/>
+            </a:pPr>
+            <a:fld id="{EE9AC89C-B0F3-4179-9BF1-A11BD48F530E}" type="datetime1">
+              <a:rPr lang="de-DE" smtClean="0"/>
+              <a:pPr>
+                <a:defRPr/>
+              </a:pPr>
+              <a:t>17.08.2017</a:t>
+            </a:fld>
+            <a:endParaRPr lang="de-DE" dirty="0"/>
+          </a:p>
+        </p:txBody>
+      </p:sp>
+      <p:sp>
+        <p:nvSpPr>
+          <p:cNvPr id="4" name="Fußzeilenplatzhalter 3"/>
+          <p:cNvSpPr>
+            <a:spLocks noGrp="1"/>
+          </p:cNvSpPr>
+          <p:nvPr>
+            <p:ph type="ftr" sz="quarter" idx="15"/>
+          </p:nvPr>
+        </p:nvSpPr>
+        <p:spPr/>
+        <p:txBody>
+          <a:bodyPr/>
+          <a:lstStyle/>
+          <a:p>
+            <a:pPr>
+              <a:defRPr/>
+            </a:pPr>
+            <a:endParaRPr lang="de-DE"/>
+          </a:p>
+        </p:txBody>
+      </p:sp>
+      <p:sp>
+        <p:nvSpPr>
+          <p:cNvPr id="5" name="Foliennummernplatzhalter 4"/>
+          <p:cNvSpPr>
+            <a:spLocks noGrp="1"/>
+          </p:cNvSpPr>
+          <p:nvPr>
+            <p:ph type="sldNum" sz="quarter" idx="16"/>
+          </p:nvPr>
+        </p:nvSpPr>
+        <p:spPr/>
+        <p:txBody>
+          <a:bodyPr/>
+          <a:lstStyle/>
+          <a:p>
+            <a:pPr>
+              <a:defRPr/>
+            </a:pPr>
+            <a:fld id="{B53A9DA1-A25A-429F-A02C-54EE5606360E}" type="slidenum">
+              <a:rPr lang="de-DE" altLang="de-DE" smtClean="0"/>
+              <a:pPr>
+                <a:defRPr/>
+              </a:pPr>
+              <a:t>30</a:t>
+            </a:fld>
+            <a:endParaRPr lang="de-DE" altLang="de-DE" dirty="0"/>
+          </a:p>
+        </p:txBody>
+      </p:sp>
+      <p:sp>
+        <p:nvSpPr>
+          <p:cNvPr id="6" name="Titel 5"/>
+          <p:cNvSpPr>
+            <a:spLocks noGrp="1"/>
+          </p:cNvSpPr>
+          <p:nvPr>
+            <p:ph type="title"/>
+          </p:nvPr>
+        </p:nvSpPr>
+        <p:spPr/>
+        <p:txBody>
+          <a:bodyPr/>
+          <a:lstStyle/>
+          <a:p>
+            <a:r>
+              <a:rPr lang="de-DE" dirty="0" smtClean="0"/>
+              <a:t>Benutzeroberfläche und Bedienung</a:t>
+            </a:r>
+            <a:endParaRPr lang="de-DE" dirty="0"/>
+          </a:p>
+        </p:txBody>
+      </p:sp>
+      <p:pic>
+        <p:nvPicPr>
+          <p:cNvPr id="45059" name="Picture 3" descr="C:\Users\kreme\Documents\SuchTool\Praesentation\aaaaalll.png"/>
+          <p:cNvPicPr>
+            <a:picLocks noGrp="1" noChangeAspect="1" noChangeArrowheads="1"/>
+          </p:cNvPicPr>
+          <p:nvPr>
+            <p:ph sz="quarter" idx="13"/>
+          </p:nvPr>
+        </p:nvPicPr>
+        <p:blipFill>
+          <a:blip r:embed="rId2" cstate="print"/>
+          <a:srcRect/>
+          <a:stretch>
+            <a:fillRect/>
+          </a:stretch>
+        </p:blipFill>
+        <p:spPr bwMode="auto">
+          <a:xfrm>
+            <a:off x="1192567" y="1268413"/>
+            <a:ext cx="6757278" cy="5040312"/>
+          </a:xfrm>
+          <a:prstGeom prst="rect">
+            <a:avLst/>
+          </a:prstGeom>
+          <a:noFill/>
+        </p:spPr>
+      </p:pic>
+    </p:spTree>
+  </p:cSld>
+  <p:clrMapOvr>
+    <a:masterClrMapping/>
+  </p:clrMapOvr>
+</p:sld>
+</file>
+
+<file path=ppt/slides/slide31.xml><?xml version="1.0" encoding="utf-8"?>
+<p:sld xmlns:a="http://schemas.openxmlformats.org/drawingml/2006/main" xmlns:r="http://schemas.openxmlformats.org/officeDocument/2006/relationships" xmlns:p="http://schemas.openxmlformats.org/presentationml/2006/main">
+  <p:cSld>
+    <p:spTree>
+      <p:nvGrpSpPr>
+        <p:cNvPr id="1" name=""/>
+        <p:cNvGrpSpPr/>
+        <p:nvPr/>
+      </p:nvGrpSpPr>
+      <p:grpSpPr>
+        <a:xfrm>
+          <a:off x="0" y="0"/>
+          <a:ext cx="0" cy="0"/>
+          <a:chOff x="0" y="0"/>
+          <a:chExt cx="0" cy="0"/>
+        </a:xfrm>
+      </p:grpSpPr>
+      <p:sp>
+        <p:nvSpPr>
+          <p:cNvPr id="3" name="Datumsplatzhalter 2"/>
+          <p:cNvSpPr>
+            <a:spLocks noGrp="1"/>
+          </p:cNvSpPr>
+          <p:nvPr>
+            <p:ph type="dt" sz="half" idx="14"/>
+          </p:nvPr>
+        </p:nvSpPr>
+        <p:spPr/>
+        <p:txBody>
+          <a:bodyPr/>
+          <a:lstStyle/>
+          <a:p>
+            <a:pPr>
+              <a:defRPr/>
+            </a:pPr>
+            <a:fld id="{EE9AC89C-B0F3-4179-9BF1-A11BD48F530E}" type="datetime1">
+              <a:rPr lang="de-DE" smtClean="0"/>
+              <a:pPr>
+                <a:defRPr/>
+              </a:pPr>
+              <a:t>17.08.2017</a:t>
+            </a:fld>
+            <a:endParaRPr lang="de-DE" dirty="0"/>
+          </a:p>
+        </p:txBody>
+      </p:sp>
+      <p:sp>
+        <p:nvSpPr>
+          <p:cNvPr id="4" name="Fußzeilenplatzhalter 3"/>
+          <p:cNvSpPr>
+            <a:spLocks noGrp="1"/>
+          </p:cNvSpPr>
+          <p:nvPr>
+            <p:ph type="ftr" sz="quarter" idx="15"/>
+          </p:nvPr>
+        </p:nvSpPr>
+        <p:spPr/>
+        <p:txBody>
+          <a:bodyPr/>
+          <a:lstStyle/>
+          <a:p>
+            <a:pPr>
+              <a:defRPr/>
+            </a:pPr>
+            <a:endParaRPr lang="de-DE"/>
+          </a:p>
+        </p:txBody>
+      </p:sp>
+      <p:sp>
+        <p:nvSpPr>
+          <p:cNvPr id="5" name="Foliennummernplatzhalter 4"/>
+          <p:cNvSpPr>
+            <a:spLocks noGrp="1"/>
+          </p:cNvSpPr>
+          <p:nvPr>
+            <p:ph type="sldNum" sz="quarter" idx="16"/>
+          </p:nvPr>
+        </p:nvSpPr>
+        <p:spPr/>
+        <p:txBody>
+          <a:bodyPr/>
+          <a:lstStyle/>
+          <a:p>
+            <a:pPr>
+              <a:defRPr/>
+            </a:pPr>
+            <a:fld id="{B53A9DA1-A25A-429F-A02C-54EE5606360E}" type="slidenum">
+              <a:rPr lang="de-DE" altLang="de-DE" smtClean="0"/>
+              <a:pPr>
+                <a:defRPr/>
+              </a:pPr>
+              <a:t>31</a:t>
+            </a:fld>
+            <a:endParaRPr lang="de-DE" altLang="de-DE" dirty="0"/>
+          </a:p>
+        </p:txBody>
+      </p:sp>
+      <p:sp>
+        <p:nvSpPr>
+          <p:cNvPr id="6" name="Titel 5"/>
+          <p:cNvSpPr>
+            <a:spLocks noGrp="1"/>
+          </p:cNvSpPr>
+          <p:nvPr>
+            <p:ph type="title"/>
+          </p:nvPr>
+        </p:nvSpPr>
+        <p:spPr/>
+        <p:txBody>
+          <a:bodyPr/>
+          <a:lstStyle/>
+          <a:p>
+            <a:r>
+              <a:rPr lang="de-DE" dirty="0" smtClean="0"/>
+              <a:t>Benutzeroberfläche und Bedienung</a:t>
+            </a:r>
+            <a:endParaRPr lang="de-DE" dirty="0"/>
+          </a:p>
+        </p:txBody>
+      </p:sp>
+      <p:pic>
+        <p:nvPicPr>
+          <p:cNvPr id="46082" name="Picture 2" descr="C:\Users\kreme\Documents\SuchTool\Praesentation\search.png"/>
+          <p:cNvPicPr>
+            <a:picLocks noGrp="1" noChangeAspect="1" noChangeArrowheads="1"/>
+          </p:cNvPicPr>
+          <p:nvPr>
+            <p:ph sz="quarter" idx="13"/>
+          </p:nvPr>
+        </p:nvPicPr>
+        <p:blipFill>
+          <a:blip r:embed="rId2" cstate="print"/>
+          <a:srcRect/>
+          <a:stretch>
+            <a:fillRect/>
+          </a:stretch>
+        </p:blipFill>
+        <p:spPr bwMode="auto">
+          <a:xfrm>
+            <a:off x="1195477" y="1268413"/>
+            <a:ext cx="6751458" cy="5040312"/>
+          </a:xfrm>
+          <a:prstGeom prst="rect">
+            <a:avLst/>
+          </a:prstGeom>
+          <a:noFill/>
+        </p:spPr>
+      </p:pic>
+    </p:spTree>
+  </p:cSld>
+  <p:clrMapOvr>
+    <a:masterClrMapping/>
+  </p:clrMapOvr>
+</p:sld>
+</file>
+
+<file path=ppt/slides/slide32.xml><?xml version="1.0" encoding="utf-8"?>
+<p:sld xmlns:a="http://schemas.openxmlformats.org/drawingml/2006/main" xmlns:r="http://schemas.openxmlformats.org/officeDocument/2006/relationships" xmlns:p="http://schemas.openxmlformats.org/presentationml/2006/main">
+  <p:cSld>
+    <p:spTree>
+      <p:nvGrpSpPr>
+        <p:cNvPr id="1" name=""/>
+        <p:cNvGrpSpPr/>
+        <p:nvPr/>
+      </p:nvGrpSpPr>
+      <p:grpSpPr>
+        <a:xfrm>
+          <a:off x="0" y="0"/>
+          <a:ext cx="0" cy="0"/>
+          <a:chOff x="0" y="0"/>
+          <a:chExt cx="0" cy="0"/>
+        </a:xfrm>
+      </p:grpSpPr>
+      <p:sp>
+        <p:nvSpPr>
+          <p:cNvPr id="3" name="Datumsplatzhalter 2"/>
+          <p:cNvSpPr>
+            <a:spLocks noGrp="1"/>
+          </p:cNvSpPr>
+          <p:nvPr>
+            <p:ph type="dt" sz="half" idx="14"/>
+          </p:nvPr>
+        </p:nvSpPr>
+        <p:spPr/>
+        <p:txBody>
+          <a:bodyPr/>
+          <a:lstStyle/>
+          <a:p>
+            <a:pPr>
+              <a:defRPr/>
+            </a:pPr>
+            <a:fld id="{EE9AC89C-B0F3-4179-9BF1-A11BD48F530E}" type="datetime1">
+              <a:rPr lang="de-DE" smtClean="0"/>
+              <a:pPr>
+                <a:defRPr/>
+              </a:pPr>
+              <a:t>17.08.2017</a:t>
+            </a:fld>
+            <a:endParaRPr lang="de-DE" dirty="0"/>
+          </a:p>
+        </p:txBody>
+      </p:sp>
+      <p:sp>
+        <p:nvSpPr>
+          <p:cNvPr id="4" name="Fußzeilenplatzhalter 3"/>
+          <p:cNvSpPr>
+            <a:spLocks noGrp="1"/>
+          </p:cNvSpPr>
+          <p:nvPr>
+            <p:ph type="ftr" sz="quarter" idx="15"/>
+          </p:nvPr>
+        </p:nvSpPr>
+        <p:spPr/>
+        <p:txBody>
+          <a:bodyPr/>
+          <a:lstStyle/>
+          <a:p>
+            <a:pPr>
+              <a:defRPr/>
+            </a:pPr>
+            <a:endParaRPr lang="de-DE"/>
+          </a:p>
+        </p:txBody>
+      </p:sp>
+      <p:sp>
+        <p:nvSpPr>
+          <p:cNvPr id="5" name="Foliennummernplatzhalter 4"/>
+          <p:cNvSpPr>
+            <a:spLocks noGrp="1"/>
+          </p:cNvSpPr>
+          <p:nvPr>
+            <p:ph type="sldNum" sz="quarter" idx="16"/>
+          </p:nvPr>
+        </p:nvSpPr>
+        <p:spPr/>
+        <p:txBody>
+          <a:bodyPr/>
+          <a:lstStyle/>
+          <a:p>
+            <a:pPr>
+              <a:defRPr/>
+            </a:pPr>
+            <a:fld id="{B53A9DA1-A25A-429F-A02C-54EE5606360E}" type="slidenum">
+              <a:rPr lang="de-DE" altLang="de-DE" smtClean="0"/>
+              <a:pPr>
+                <a:defRPr/>
+              </a:pPr>
+              <a:t>32</a:t>
+            </a:fld>
+            <a:endParaRPr lang="de-DE" altLang="de-DE" dirty="0"/>
+          </a:p>
+        </p:txBody>
+      </p:sp>
+      <p:sp>
+        <p:nvSpPr>
+          <p:cNvPr id="6" name="Titel 5"/>
+          <p:cNvSpPr>
+            <a:spLocks noGrp="1"/>
+          </p:cNvSpPr>
+          <p:nvPr>
+            <p:ph type="title"/>
+          </p:nvPr>
+        </p:nvSpPr>
+        <p:spPr/>
+        <p:txBody>
+          <a:bodyPr/>
+          <a:lstStyle/>
+          <a:p>
+            <a:r>
+              <a:rPr lang="de-DE" dirty="0" smtClean="0"/>
+              <a:t>Benutzeroberfläche und Bedienung</a:t>
+            </a:r>
+            <a:endParaRPr lang="de-DE" dirty="0"/>
+          </a:p>
+        </p:txBody>
+      </p:sp>
+      <p:pic>
+        <p:nvPicPr>
+          <p:cNvPr id="48130" name="Picture 2" descr="C:\Users\kreme\Documents\SuchTool\Praesentation\Metadatensuche.png"/>
+          <p:cNvPicPr>
+            <a:picLocks noGrp="1" noChangeAspect="1" noChangeArrowheads="1"/>
+          </p:cNvPicPr>
+          <p:nvPr>
+            <p:ph sz="quarter" idx="13"/>
+          </p:nvPr>
+        </p:nvPicPr>
+        <p:blipFill>
+          <a:blip r:embed="rId2" cstate="print"/>
+          <a:srcRect/>
+          <a:stretch>
+            <a:fillRect/>
+          </a:stretch>
+        </p:blipFill>
+        <p:spPr bwMode="auto">
+          <a:xfrm>
+            <a:off x="1193557" y="1268413"/>
+            <a:ext cx="6755298" cy="5040312"/>
+          </a:xfrm>
+          <a:prstGeom prst="rect">
+            <a:avLst/>
+          </a:prstGeom>
+          <a:noFill/>
+        </p:spPr>
+      </p:pic>
+    </p:spTree>
+  </p:cSld>
+  <p:clrMapOvr>
+    <a:masterClrMapping/>
+  </p:clrMapOvr>
+</p:sld>
+</file>
+
+<file path=ppt/slides/slide33.xml><?xml version="1.0" encoding="utf-8"?>
+<p:sld xmlns:a="http://schemas.openxmlformats.org/drawingml/2006/main" xmlns:r="http://schemas.openxmlformats.org/officeDocument/2006/relationships" xmlns:p="http://schemas.openxmlformats.org/presentationml/2006/main">
+  <p:cSld>
+    <p:spTree>
+      <p:nvGrpSpPr>
+        <p:cNvPr id="1" name=""/>
+        <p:cNvGrpSpPr/>
+        <p:nvPr/>
+      </p:nvGrpSpPr>
+      <p:grpSpPr>
+        <a:xfrm>
+          <a:off x="0" y="0"/>
+          <a:ext cx="0" cy="0"/>
+          <a:chOff x="0" y="0"/>
+          <a:chExt cx="0" cy="0"/>
+        </a:xfrm>
+      </p:grpSpPr>
+      <p:sp>
+        <p:nvSpPr>
+          <p:cNvPr id="3" name="Datumsplatzhalter 2"/>
+          <p:cNvSpPr>
+            <a:spLocks noGrp="1"/>
+          </p:cNvSpPr>
+          <p:nvPr>
+            <p:ph type="dt" sz="half" idx="14"/>
+          </p:nvPr>
+        </p:nvSpPr>
+        <p:spPr/>
+        <p:txBody>
+          <a:bodyPr/>
+          <a:lstStyle/>
+          <a:p>
+            <a:pPr>
+              <a:defRPr/>
+            </a:pPr>
+            <a:fld id="{EE9AC89C-B0F3-4179-9BF1-A11BD48F530E}" type="datetime1">
+              <a:rPr lang="de-DE" smtClean="0"/>
+              <a:pPr>
+                <a:defRPr/>
+              </a:pPr>
+              <a:t>17.08.2017</a:t>
+            </a:fld>
+            <a:endParaRPr lang="de-DE" dirty="0"/>
+          </a:p>
+        </p:txBody>
+      </p:sp>
+      <p:sp>
+        <p:nvSpPr>
+          <p:cNvPr id="4" name="Fußzeilenplatzhalter 3"/>
+          <p:cNvSpPr>
+            <a:spLocks noGrp="1"/>
+          </p:cNvSpPr>
+          <p:nvPr>
+            <p:ph type="ftr" sz="quarter" idx="15"/>
+          </p:nvPr>
+        </p:nvSpPr>
+        <p:spPr/>
+        <p:txBody>
+          <a:bodyPr/>
+          <a:lstStyle/>
+          <a:p>
+            <a:pPr>
+              <a:defRPr/>
+            </a:pPr>
+            <a:endParaRPr lang="de-DE"/>
+          </a:p>
+        </p:txBody>
+      </p:sp>
+      <p:sp>
+        <p:nvSpPr>
+          <p:cNvPr id="5" name="Foliennummernplatzhalter 4"/>
+          <p:cNvSpPr>
+            <a:spLocks noGrp="1"/>
+          </p:cNvSpPr>
+          <p:nvPr>
+            <p:ph type="sldNum" sz="quarter" idx="16"/>
+          </p:nvPr>
+        </p:nvSpPr>
+        <p:spPr/>
+        <p:txBody>
+          <a:bodyPr/>
+          <a:lstStyle/>
+          <a:p>
+            <a:pPr>
+              <a:defRPr/>
+            </a:pPr>
+            <a:fld id="{B53A9DA1-A25A-429F-A02C-54EE5606360E}" type="slidenum">
+              <a:rPr lang="de-DE" altLang="de-DE" smtClean="0"/>
+              <a:pPr>
+                <a:defRPr/>
+              </a:pPr>
+              <a:t>33</a:t>
+            </a:fld>
+            <a:endParaRPr lang="de-DE" altLang="de-DE" dirty="0"/>
+          </a:p>
+        </p:txBody>
+      </p:sp>
+      <p:sp>
+        <p:nvSpPr>
+          <p:cNvPr id="6" name="Titel 5"/>
+          <p:cNvSpPr>
+            <a:spLocks noGrp="1"/>
+          </p:cNvSpPr>
+          <p:nvPr>
+            <p:ph type="title"/>
+          </p:nvPr>
+        </p:nvSpPr>
+        <p:spPr/>
+        <p:txBody>
+          <a:bodyPr/>
+          <a:lstStyle/>
+          <a:p>
+            <a:r>
+              <a:rPr lang="de-DE" dirty="0" smtClean="0"/>
+              <a:t>Benutzeroberfläche und Bedienung</a:t>
+            </a:r>
+            <a:endParaRPr lang="de-DE" dirty="0"/>
+          </a:p>
+        </p:txBody>
+      </p:sp>
+      <p:pic>
+        <p:nvPicPr>
+          <p:cNvPr id="49154" name="Picture 2" descr="C:\Users\kreme\Documents\SuchTool\Praesentation\freitextsuche.png"/>
+          <p:cNvPicPr>
+            <a:picLocks noGrp="1" noChangeAspect="1" noChangeArrowheads="1"/>
+          </p:cNvPicPr>
+          <p:nvPr>
+            <p:ph sz="quarter" idx="13"/>
+          </p:nvPr>
+        </p:nvPicPr>
+        <p:blipFill>
+          <a:blip r:embed="rId2" cstate="print"/>
+          <a:srcRect/>
+          <a:stretch>
+            <a:fillRect/>
+          </a:stretch>
+        </p:blipFill>
+        <p:spPr bwMode="auto">
+          <a:xfrm>
+            <a:off x="1193557" y="1268413"/>
+            <a:ext cx="6755298" cy="5040312"/>
+          </a:xfrm>
+          <a:prstGeom prst="rect">
+            <a:avLst/>
+          </a:prstGeom>
+          <a:noFill/>
+        </p:spPr>
+      </p:pic>
+    </p:spTree>
+  </p:cSld>
+  <p:clrMapOvr>
+    <a:masterClrMapping/>
+  </p:clrMapOvr>
+</p:sld>
+</file>
+
+<file path=ppt/slides/slide34.xml><?xml version="1.0" encoding="utf-8"?>
+<p:sld xmlns:a="http://schemas.openxmlformats.org/drawingml/2006/main" xmlns:r="http://schemas.openxmlformats.org/officeDocument/2006/relationships" xmlns:p="http://schemas.openxmlformats.org/presentationml/2006/main">
+  <p:cSld>
+    <p:spTree>
+      <p:nvGrpSpPr>
+        <p:cNvPr id="1" name=""/>
+        <p:cNvGrpSpPr/>
+        <p:nvPr/>
+      </p:nvGrpSpPr>
+      <p:grpSpPr>
+        <a:xfrm>
+          <a:off x="0" y="0"/>
+          <a:ext cx="0" cy="0"/>
+          <a:chOff x="0" y="0"/>
+          <a:chExt cx="0" cy="0"/>
+        </a:xfrm>
+      </p:grpSpPr>
+      <p:sp>
+        <p:nvSpPr>
+          <p:cNvPr id="2" name="Inhaltsplatzhalter 1"/>
+          <p:cNvSpPr>
+            <a:spLocks noGrp="1"/>
+          </p:cNvSpPr>
+          <p:nvPr>
+            <p:ph sz="quarter" idx="13"/>
+          </p:nvPr>
+        </p:nvSpPr>
+        <p:spPr/>
+        <p:txBody>
+          <a:bodyPr/>
+          <a:lstStyle/>
+          <a:p>
+            <a:pPr>
+              <a:buFont typeface="Arial" pitchFamily="34" charset="0"/>
+              <a:buChar char="•"/>
+            </a:pPr>
+            <a:r>
+              <a:rPr lang="de-DE" dirty="0" smtClean="0">
+                <a:hlinkClick r:id="rId2"/>
+              </a:rPr>
+              <a:t>https://de.wikipedia.org/wiki/Google</a:t>
+            </a:r>
+            <a:endParaRPr lang="de-DE" dirty="0" smtClean="0"/>
+          </a:p>
+          <a:p>
+            <a:pPr>
+              <a:buFont typeface="Arial" pitchFamily="34" charset="0"/>
+              <a:buChar char="•"/>
+            </a:pPr>
+            <a:r>
+              <a:rPr lang="de-DE" dirty="0" smtClean="0">
+                <a:hlinkClick r:id="rId3"/>
+              </a:rPr>
+              <a:t>http://www.underconsideration.com/brandnew/archives/new_logo_for_bing.php</a:t>
+            </a:r>
+            <a:endParaRPr lang="de-DE" dirty="0" smtClean="0"/>
+          </a:p>
+          <a:p>
+            <a:pPr>
+              <a:buFont typeface="Arial" pitchFamily="34" charset="0"/>
+              <a:buChar char="•"/>
+            </a:pPr>
+            <a:r>
+              <a:rPr lang="de-DE" dirty="0" smtClean="0">
+                <a:hlinkClick r:id="rId4"/>
+              </a:rPr>
+              <a:t>http://bibserv.fh-trier.de:8080/webOPACClient/search.do?methodToCall=start</a:t>
+            </a:r>
+            <a:endParaRPr lang="de-DE" dirty="0" smtClean="0"/>
+          </a:p>
+          <a:p>
+            <a:pPr>
+              <a:buFont typeface="Arial" pitchFamily="34" charset="0"/>
+              <a:buChar char="•"/>
+            </a:pPr>
+            <a:r>
+              <a:rPr lang="de-DE" dirty="0" smtClean="0">
+                <a:hlinkClick r:id="rId5"/>
+              </a:rPr>
+              <a:t>http://www.arbeitstipps.de/email-postfach-aufraeumen-3-tipps.html</a:t>
+            </a:r>
+            <a:endParaRPr lang="de-DE" dirty="0" smtClean="0"/>
+          </a:p>
+          <a:p>
+            <a:endParaRPr lang="de-DE" dirty="0" smtClean="0"/>
+          </a:p>
+          <a:p>
+            <a:pPr>
+              <a:buFont typeface="Arial" pitchFamily="34" charset="0"/>
+              <a:buChar char="•"/>
+            </a:pPr>
+            <a:endParaRPr lang="de-DE" dirty="0" smtClean="0"/>
+          </a:p>
+          <a:p>
+            <a:endParaRPr lang="de-DE" dirty="0"/>
+          </a:p>
+        </p:txBody>
+      </p:sp>
+      <p:sp>
+        <p:nvSpPr>
+          <p:cNvPr id="3" name="Datumsplatzhalter 2"/>
+          <p:cNvSpPr>
+            <a:spLocks noGrp="1"/>
+          </p:cNvSpPr>
+          <p:nvPr>
+            <p:ph type="dt" sz="half" idx="14"/>
+          </p:nvPr>
+        </p:nvSpPr>
+        <p:spPr/>
+        <p:txBody>
+          <a:bodyPr/>
+          <a:lstStyle/>
+          <a:p>
+            <a:pPr>
+              <a:defRPr/>
+            </a:pPr>
+            <a:fld id="{EE9AC89C-B0F3-4179-9BF1-A11BD48F530E}" type="datetime1">
+              <a:rPr lang="de-DE" smtClean="0"/>
+              <a:pPr>
+                <a:defRPr/>
+              </a:pPr>
+              <a:t>17.08.2017</a:t>
+            </a:fld>
+            <a:endParaRPr lang="de-DE" dirty="0"/>
+          </a:p>
+        </p:txBody>
+      </p:sp>
+      <p:sp>
+        <p:nvSpPr>
+          <p:cNvPr id="4" name="Fußzeilenplatzhalter 3"/>
+          <p:cNvSpPr>
+            <a:spLocks noGrp="1"/>
+          </p:cNvSpPr>
+          <p:nvPr>
+            <p:ph type="ftr" sz="quarter" idx="15"/>
+          </p:nvPr>
+        </p:nvSpPr>
+        <p:spPr/>
+        <p:txBody>
+          <a:bodyPr/>
+          <a:lstStyle/>
+          <a:p>
+            <a:pPr>
+              <a:defRPr/>
+            </a:pPr>
+            <a:endParaRPr lang="de-DE"/>
+          </a:p>
+        </p:txBody>
+      </p:sp>
+      <p:sp>
+        <p:nvSpPr>
+          <p:cNvPr id="5" name="Foliennummernplatzhalter 4"/>
+          <p:cNvSpPr>
+            <a:spLocks noGrp="1"/>
+          </p:cNvSpPr>
+          <p:nvPr>
+            <p:ph type="sldNum" sz="quarter" idx="16"/>
+          </p:nvPr>
+        </p:nvSpPr>
+        <p:spPr/>
+        <p:txBody>
+          <a:bodyPr/>
+          <a:lstStyle/>
+          <a:p>
+            <a:pPr>
+              <a:defRPr/>
+            </a:pPr>
+            <a:fld id="{B53A9DA1-A25A-429F-A02C-54EE5606360E}" type="slidenum">
+              <a:rPr lang="de-DE" altLang="de-DE" smtClean="0"/>
+              <a:pPr>
+                <a:defRPr/>
+              </a:pPr>
+              <a:t>34</a:t>
+            </a:fld>
+            <a:endParaRPr lang="de-DE" altLang="de-DE" dirty="0"/>
+          </a:p>
+        </p:txBody>
+      </p:sp>
+      <p:sp>
+        <p:nvSpPr>
+          <p:cNvPr id="6" name="Titel 5"/>
+          <p:cNvSpPr>
+            <a:spLocks noGrp="1"/>
+          </p:cNvSpPr>
+          <p:nvPr>
+            <p:ph type="title"/>
+          </p:nvPr>
+        </p:nvSpPr>
+        <p:spPr/>
+        <p:txBody>
+          <a:bodyPr/>
+          <a:lstStyle/>
+          <a:p>
+            <a:r>
+              <a:rPr lang="de-DE" dirty="0" smtClean="0"/>
+              <a:t>Bildquellen</a:t>
+            </a:r>
+            <a:endParaRPr lang="de-DE" dirty="0"/>
+          </a:p>
+        </p:txBody>
+      </p:sp>
+    </p:spTree>
+  </p:cSld>
+  <p:clrMapOvr>
+    <a:masterClrMapping/>
+  </p:clrMapOvr>
+  <p:timing>
+    <p:tnLst>
+      <p:par>
+        <p:cTn id="1" dur="indefinite" restart="never" nodeType="tmRoot"/>
+      </p:par>
+    </p:tnLst>
+  </p:timing>
 </p:sld>
 </file>
 
@@ -5716,22 +10761,8 @@
               <a:buChar char="•"/>
             </a:pPr>
             <a:r>
-              <a:rPr lang="de-DE" dirty="0" smtClean="0">
-                <a:hlinkClick r:id="rId2"/>
-              </a:rPr>
-              <a:t>https</a:t>
-            </a:r>
-            <a:r>
-              <a:rPr lang="de-DE" dirty="0" smtClean="0">
-                <a:hlinkClick r:id="rId2"/>
-              </a:rPr>
-              <a:t>://</a:t>
-            </a:r>
-            <a:r>
-              <a:rPr lang="de-DE" dirty="0" smtClean="0">
-                <a:hlinkClick r:id="rId2"/>
-              </a:rPr>
-              <a:t>de.wikipedia.org/wiki/Google</a:t>
+              <a:rPr lang="de-DE" dirty="0" smtClean="0"/>
+              <a:t> Metadatensuche</a:t>
             </a:r>
             <a:endParaRPr lang="de-DE" dirty="0" smtClean="0"/>
           </a:p>
@@ -5741,42 +10772,22 @@
               <a:buChar char="•"/>
             </a:pPr>
             <a:r>
-              <a:rPr lang="de-DE" dirty="0" smtClean="0">
-                <a:hlinkClick r:id="rId3"/>
-              </a:rPr>
-              <a:t>http</a:t>
-            </a:r>
-            <a:r>
-              <a:rPr lang="de-DE" dirty="0" smtClean="0">
-                <a:hlinkClick r:id="rId3"/>
-              </a:rPr>
-              <a:t>://</a:t>
-            </a:r>
-            <a:r>
-              <a:rPr lang="de-DE" dirty="0" smtClean="0">
-                <a:hlinkClick r:id="rId3"/>
-              </a:rPr>
-              <a:t>www.underconsideration.com/brandnew/archives/new_logo_for_bing.php</a:t>
-            </a:r>
-            <a:endParaRPr lang="de-DE" dirty="0" smtClean="0"/>
+              <a:rPr lang="de-DE" dirty="0" smtClean="0"/>
+              <a:t> Charakterisieren </a:t>
+            </a:r>
+            <a:r>
+              <a:rPr lang="de-DE" dirty="0" smtClean="0"/>
+              <a:t>von Mengen durch Attribute</a:t>
+            </a:r>
           </a:p>
           <a:p>
             <a:pPr>
               <a:buFont typeface="Arial" pitchFamily="34" charset="0"/>
               <a:buChar char="•"/>
             </a:pPr>
-            <a:r>
-              <a:rPr lang="de-DE" dirty="0" smtClean="0">
-                <a:hlinkClick r:id="rId4"/>
-              </a:rPr>
-              <a:t>http://</a:t>
-            </a:r>
-            <a:r>
-              <a:rPr lang="de-DE" dirty="0" smtClean="0">
-                <a:hlinkClick r:id="rId4"/>
-              </a:rPr>
-              <a:t>bibserv.fh-trier.de:8080/webOPACClient/search.do?methodToCall=start</a:t>
-            </a:r>
+            <a:endParaRPr lang="de-DE" dirty="0" smtClean="0"/>
+          </a:p>
+          <a:p>
             <a:endParaRPr lang="de-DE" dirty="0" smtClean="0"/>
           </a:p>
           <a:p>
@@ -5784,21 +10795,6 @@
               <a:buFont typeface="Arial" pitchFamily="34" charset="0"/>
               <a:buChar char="•"/>
             </a:pPr>
-            <a:r>
-              <a:rPr lang="de-DE" dirty="0" smtClean="0">
-                <a:hlinkClick r:id="rId5"/>
-              </a:rPr>
-              <a:t>http://</a:t>
-            </a:r>
-            <a:r>
-              <a:rPr lang="de-DE" dirty="0" smtClean="0">
-                <a:hlinkClick r:id="rId5"/>
-              </a:rPr>
-              <a:t>www.arbeitstipps.de/email-postfach-aufraeumen-3-tipps.html</a:t>
-            </a:r>
-            <a:endParaRPr lang="de-DE" dirty="0" smtClean="0"/>
-          </a:p>
-          <a:p>
             <a:endParaRPr lang="de-DE" dirty="0" smtClean="0"/>
           </a:p>
           <a:p>
@@ -5809,7 +10805,46 @@
             <a:endParaRPr lang="de-DE" dirty="0" smtClean="0"/>
           </a:p>
           <a:p>
-            <a:endParaRPr lang="de-DE" dirty="0"/>
+            <a:pPr>
+              <a:buFont typeface="Arial" pitchFamily="34" charset="0"/>
+              <a:buChar char="•"/>
+            </a:pPr>
+            <a:r>
+              <a:rPr lang="de-DE" dirty="0" smtClean="0"/>
+              <a:t> Mengenoperationen </a:t>
+            </a:r>
+            <a:endParaRPr lang="de-DE" dirty="0" smtClean="0"/>
+          </a:p>
+          <a:p>
+            <a:pPr lvl="1"/>
+            <a:r>
+              <a:rPr lang="de-DE" dirty="0" smtClean="0"/>
+              <a:t>Vereinigung</a:t>
+            </a:r>
+          </a:p>
+          <a:p>
+            <a:pPr lvl="1"/>
+            <a:r>
+              <a:rPr lang="de-DE" dirty="0" smtClean="0"/>
+              <a:t>Durchschnitt</a:t>
+            </a:r>
+          </a:p>
+          <a:p>
+            <a:pPr lvl="1"/>
+            <a:r>
+              <a:rPr lang="de-DE" dirty="0" smtClean="0"/>
+              <a:t>Differenz</a:t>
+            </a:r>
+          </a:p>
+          <a:p>
+            <a:pPr lvl="1"/>
+            <a:endParaRPr lang="de-DE" dirty="0" smtClean="0"/>
+          </a:p>
+          <a:p>
+            <a:endParaRPr lang="de-DE" dirty="0" smtClean="0"/>
+          </a:p>
+          <a:p>
+            <a:endParaRPr lang="de-DE" dirty="0" smtClean="0"/>
           </a:p>
         </p:txBody>
       </p:sp>
@@ -5836,7 +10871,7 @@
               <a:pPr>
                 <a:defRPr/>
               </a:pPr>
-              <a:t>30.07.2017</a:t>
+              <a:t>17.08.2017</a:t>
             </a:fld>
             <a:endParaRPr lang="de-DE" dirty="0"/>
           </a:p>
@@ -5910,17 +10945,1134 @@
           <a:p>
             <a:r>
               <a:rPr lang="de-DE" dirty="0" smtClean="0"/>
-              <a:t>Bildquellen</a:t>
+              <a:t>Boolesches </a:t>
+            </a:r>
+            <a:r>
+              <a:rPr lang="de-DE" dirty="0" err="1" smtClean="0"/>
+              <a:t>Retrieval</a:t>
             </a:r>
             <a:endParaRPr lang="de-DE" dirty="0"/>
           </a:p>
         </p:txBody>
       </p:sp>
+      <p:pic>
+        <p:nvPicPr>
+          <p:cNvPr id="1029" name="Picture 5" descr="C:\Users\kreme\Documents\SuchTool\Praesentation\attribut.png"/>
+          <p:cNvPicPr>
+            <a:picLocks noChangeAspect="1" noChangeArrowheads="1"/>
+          </p:cNvPicPr>
+          <p:nvPr/>
+        </p:nvPicPr>
+        <p:blipFill>
+          <a:blip r:embed="rId2" cstate="print"/>
+          <a:srcRect/>
+          <a:stretch>
+            <a:fillRect/>
+          </a:stretch>
+        </p:blipFill>
+        <p:spPr bwMode="auto">
+          <a:xfrm>
+            <a:off x="971600" y="2276872"/>
+            <a:ext cx="2390775" cy="400050"/>
+          </a:xfrm>
+          <a:prstGeom prst="rect">
+            <a:avLst/>
+          </a:prstGeom>
+          <a:noFill/>
+        </p:spPr>
+      </p:pic>
+      <p:pic>
+        <p:nvPicPr>
+          <p:cNvPr id="1031" name="Picture 7" descr="C:\Users\kreme\Documents\SuchTool\Praesentation\menge.png"/>
+          <p:cNvPicPr>
+            <a:picLocks noChangeAspect="1" noChangeArrowheads="1"/>
+          </p:cNvPicPr>
+          <p:nvPr/>
+        </p:nvPicPr>
+        <p:blipFill>
+          <a:blip r:embed="rId3" cstate="print"/>
+          <a:srcRect/>
+          <a:stretch>
+            <a:fillRect/>
+          </a:stretch>
+        </p:blipFill>
+        <p:spPr bwMode="auto">
+          <a:xfrm>
+            <a:off x="971600" y="2708920"/>
+            <a:ext cx="2809875" cy="542925"/>
+          </a:xfrm>
+          <a:prstGeom prst="rect">
+            <a:avLst/>
+          </a:prstGeom>
+          <a:noFill/>
+        </p:spPr>
+      </p:pic>
     </p:spTree>
   </p:cSld>
   <p:clrMapOvr>
     <a:masterClrMapping/>
   </p:clrMapOvr>
+  <p:timing>
+    <p:tnLst>
+      <p:par>
+        <p:cTn id="1" dur="indefinite" restart="never" nodeType="tmRoot"/>
+      </p:par>
+    </p:tnLst>
+  </p:timing>
+</p:sld>
+</file>
+
+<file path=ppt/slides/slide5.xml><?xml version="1.0" encoding="utf-8"?>
+<p:sld xmlns:a="http://schemas.openxmlformats.org/drawingml/2006/main" xmlns:r="http://schemas.openxmlformats.org/officeDocument/2006/relationships" xmlns:p="http://schemas.openxmlformats.org/presentationml/2006/main">
+  <p:cSld>
+    <p:spTree>
+      <p:nvGrpSpPr>
+        <p:cNvPr id="1" name=""/>
+        <p:cNvGrpSpPr/>
+        <p:nvPr/>
+      </p:nvGrpSpPr>
+      <p:grpSpPr>
+        <a:xfrm>
+          <a:off x="0" y="0"/>
+          <a:ext cx="0" cy="0"/>
+          <a:chOff x="0" y="0"/>
+          <a:chExt cx="0" cy="0"/>
+        </a:xfrm>
+      </p:grpSpPr>
+      <p:sp>
+        <p:nvSpPr>
+          <p:cNvPr id="3" name="Datumsplatzhalter 2"/>
+          <p:cNvSpPr>
+            <a:spLocks noGrp="1"/>
+          </p:cNvSpPr>
+          <p:nvPr>
+            <p:ph type="dt" sz="half" idx="14"/>
+          </p:nvPr>
+        </p:nvSpPr>
+        <p:spPr/>
+        <p:txBody>
+          <a:bodyPr/>
+          <a:lstStyle/>
+          <a:p>
+            <a:pPr>
+              <a:defRPr/>
+            </a:pPr>
+            <a:endParaRPr lang="de-DE" dirty="0"/>
+          </a:p>
+        </p:txBody>
+      </p:sp>
+      <p:sp>
+        <p:nvSpPr>
+          <p:cNvPr id="4" name="Fußzeilenplatzhalter 3"/>
+          <p:cNvSpPr>
+            <a:spLocks noGrp="1"/>
+          </p:cNvSpPr>
+          <p:nvPr>
+            <p:ph type="ftr" sz="quarter" idx="15"/>
+          </p:nvPr>
+        </p:nvSpPr>
+        <p:spPr/>
+        <p:txBody>
+          <a:bodyPr/>
+          <a:lstStyle/>
+          <a:p>
+            <a:pPr>
+              <a:defRPr/>
+            </a:pPr>
+            <a:endParaRPr lang="de-DE"/>
+          </a:p>
+        </p:txBody>
+      </p:sp>
+      <p:sp>
+        <p:nvSpPr>
+          <p:cNvPr id="5" name="Foliennummernplatzhalter 4"/>
+          <p:cNvSpPr>
+            <a:spLocks noGrp="1"/>
+          </p:cNvSpPr>
+          <p:nvPr>
+            <p:ph type="sldNum" sz="quarter" idx="16"/>
+          </p:nvPr>
+        </p:nvSpPr>
+        <p:spPr/>
+        <p:txBody>
+          <a:bodyPr/>
+          <a:lstStyle/>
+          <a:p>
+            <a:pPr>
+              <a:defRPr/>
+            </a:pPr>
+            <a:fld id="{B53A9DA1-A25A-429F-A02C-54EE5606360E}" type="slidenum">
+              <a:rPr lang="de-DE" altLang="de-DE" smtClean="0"/>
+              <a:pPr>
+                <a:defRPr/>
+              </a:pPr>
+              <a:t>5</a:t>
+            </a:fld>
+            <a:endParaRPr lang="de-DE" altLang="de-DE" dirty="0"/>
+          </a:p>
+        </p:txBody>
+      </p:sp>
+      <p:sp>
+        <p:nvSpPr>
+          <p:cNvPr id="6" name="Titel 5"/>
+          <p:cNvSpPr>
+            <a:spLocks noGrp="1"/>
+          </p:cNvSpPr>
+          <p:nvPr>
+            <p:ph type="title"/>
+          </p:nvPr>
+        </p:nvSpPr>
+        <p:spPr/>
+        <p:txBody>
+          <a:bodyPr/>
+          <a:lstStyle/>
+          <a:p>
+            <a:r>
+              <a:rPr lang="de-DE" dirty="0" smtClean="0"/>
+              <a:t>Boolesches </a:t>
+            </a:r>
+            <a:r>
+              <a:rPr lang="de-DE" dirty="0" err="1" smtClean="0"/>
+              <a:t>Retrieval</a:t>
+            </a:r>
+            <a:endParaRPr lang="de-DE" dirty="0"/>
+          </a:p>
+        </p:txBody>
+      </p:sp>
+      <p:sp>
+        <p:nvSpPr>
+          <p:cNvPr id="7" name="Inhaltsplatzhalter 6"/>
+          <p:cNvSpPr>
+            <a:spLocks noGrp="1"/>
+          </p:cNvSpPr>
+          <p:nvPr>
+            <p:ph sz="quarter" idx="13"/>
+          </p:nvPr>
+        </p:nvSpPr>
+        <p:spPr/>
+        <p:txBody>
+          <a:bodyPr/>
+          <a:lstStyle/>
+          <a:p>
+            <a:pPr>
+              <a:buFont typeface="Arial" pitchFamily="34" charset="0"/>
+              <a:buChar char="•"/>
+            </a:pPr>
+            <a:r>
+              <a:rPr lang="de-DE" dirty="0" smtClean="0"/>
+              <a:t> Invertierte Liste</a:t>
+            </a:r>
+          </a:p>
+          <a:p>
+            <a:pPr>
+              <a:buFont typeface="Arial" pitchFamily="34" charset="0"/>
+              <a:buChar char="•"/>
+            </a:pPr>
+            <a:endParaRPr lang="de-DE" dirty="0" smtClean="0"/>
+          </a:p>
+          <a:p>
+            <a:pPr>
+              <a:buFont typeface="Arial" pitchFamily="34" charset="0"/>
+              <a:buChar char="•"/>
+            </a:pPr>
+            <a:endParaRPr lang="de-DE" dirty="0"/>
+          </a:p>
+        </p:txBody>
+      </p:sp>
+      <p:pic>
+        <p:nvPicPr>
+          <p:cNvPr id="18435" name="Picture 3" descr="C:\Users\kreme\Documents\SuchTool\Praesentation\Untitled Diagram.jpg"/>
+          <p:cNvPicPr>
+            <a:picLocks noChangeAspect="1" noChangeArrowheads="1"/>
+          </p:cNvPicPr>
+          <p:nvPr/>
+        </p:nvPicPr>
+        <p:blipFill>
+          <a:blip r:embed="rId2" cstate="print"/>
+          <a:srcRect/>
+          <a:stretch>
+            <a:fillRect/>
+          </a:stretch>
+        </p:blipFill>
+        <p:spPr bwMode="auto">
+          <a:xfrm>
+            <a:off x="360000" y="1800000"/>
+            <a:ext cx="7534275" cy="3638550"/>
+          </a:xfrm>
+          <a:prstGeom prst="rect">
+            <a:avLst/>
+          </a:prstGeom>
+          <a:noFill/>
+        </p:spPr>
+      </p:pic>
+    </p:spTree>
+  </p:cSld>
+  <p:clrMapOvr>
+    <a:masterClrMapping/>
+  </p:clrMapOvr>
+  <p:timing>
+    <p:tnLst>
+      <p:par>
+        <p:cTn id="1" dur="indefinite" restart="never" nodeType="tmRoot"/>
+      </p:par>
+    </p:tnLst>
+  </p:timing>
+</p:sld>
+</file>
+
+<file path=ppt/slides/slide6.xml><?xml version="1.0" encoding="utf-8"?>
+<p:sld xmlns:a="http://schemas.openxmlformats.org/drawingml/2006/main" xmlns:r="http://schemas.openxmlformats.org/officeDocument/2006/relationships" xmlns:p="http://schemas.openxmlformats.org/presentationml/2006/main">
+  <p:cSld>
+    <p:spTree>
+      <p:nvGrpSpPr>
+        <p:cNvPr id="1" name=""/>
+        <p:cNvGrpSpPr/>
+        <p:nvPr/>
+      </p:nvGrpSpPr>
+      <p:grpSpPr>
+        <a:xfrm>
+          <a:off x="0" y="0"/>
+          <a:ext cx="0" cy="0"/>
+          <a:chOff x="0" y="0"/>
+          <a:chExt cx="0" cy="0"/>
+        </a:xfrm>
+      </p:grpSpPr>
+      <p:sp>
+        <p:nvSpPr>
+          <p:cNvPr id="3" name="Datumsplatzhalter 2"/>
+          <p:cNvSpPr>
+            <a:spLocks noGrp="1"/>
+          </p:cNvSpPr>
+          <p:nvPr>
+            <p:ph type="dt" sz="half" idx="14"/>
+          </p:nvPr>
+        </p:nvSpPr>
+        <p:spPr/>
+        <p:txBody>
+          <a:bodyPr/>
+          <a:lstStyle/>
+          <a:p>
+            <a:pPr>
+              <a:defRPr/>
+            </a:pPr>
+            <a:endParaRPr lang="de-DE" dirty="0"/>
+          </a:p>
+        </p:txBody>
+      </p:sp>
+      <p:sp>
+        <p:nvSpPr>
+          <p:cNvPr id="4" name="Fußzeilenplatzhalter 3"/>
+          <p:cNvSpPr>
+            <a:spLocks noGrp="1"/>
+          </p:cNvSpPr>
+          <p:nvPr>
+            <p:ph type="ftr" sz="quarter" idx="15"/>
+          </p:nvPr>
+        </p:nvSpPr>
+        <p:spPr/>
+        <p:txBody>
+          <a:bodyPr/>
+          <a:lstStyle/>
+          <a:p>
+            <a:pPr>
+              <a:defRPr/>
+            </a:pPr>
+            <a:endParaRPr lang="de-DE"/>
+          </a:p>
+        </p:txBody>
+      </p:sp>
+      <p:sp>
+        <p:nvSpPr>
+          <p:cNvPr id="5" name="Foliennummernplatzhalter 4"/>
+          <p:cNvSpPr>
+            <a:spLocks noGrp="1"/>
+          </p:cNvSpPr>
+          <p:nvPr>
+            <p:ph type="sldNum" sz="quarter" idx="16"/>
+          </p:nvPr>
+        </p:nvSpPr>
+        <p:spPr/>
+        <p:txBody>
+          <a:bodyPr/>
+          <a:lstStyle/>
+          <a:p>
+            <a:pPr>
+              <a:defRPr/>
+            </a:pPr>
+            <a:fld id="{B53A9DA1-A25A-429F-A02C-54EE5606360E}" type="slidenum">
+              <a:rPr lang="de-DE" altLang="de-DE" smtClean="0"/>
+              <a:pPr>
+                <a:defRPr/>
+              </a:pPr>
+              <a:t>6</a:t>
+            </a:fld>
+            <a:endParaRPr lang="de-DE" altLang="de-DE" dirty="0"/>
+          </a:p>
+        </p:txBody>
+      </p:sp>
+      <p:sp>
+        <p:nvSpPr>
+          <p:cNvPr id="6" name="Titel 5"/>
+          <p:cNvSpPr>
+            <a:spLocks noGrp="1"/>
+          </p:cNvSpPr>
+          <p:nvPr>
+            <p:ph type="title"/>
+          </p:nvPr>
+        </p:nvSpPr>
+        <p:spPr/>
+        <p:txBody>
+          <a:bodyPr/>
+          <a:lstStyle/>
+          <a:p>
+            <a:r>
+              <a:rPr lang="de-DE" dirty="0" smtClean="0"/>
+              <a:t>Metadatensuche</a:t>
+            </a:r>
+            <a:endParaRPr lang="de-DE" dirty="0"/>
+          </a:p>
+        </p:txBody>
+      </p:sp>
+      <p:pic>
+        <p:nvPicPr>
+          <p:cNvPr id="17409" name="Picture 1" descr="C:\Users\kreme\Documents\SuchTool\Praesentation\fancy.jpg"/>
+          <p:cNvPicPr>
+            <a:picLocks noGrp="1" noChangeAspect="1" noChangeArrowheads="1"/>
+          </p:cNvPicPr>
+          <p:nvPr>
+            <p:ph sz="quarter" idx="13"/>
+          </p:nvPr>
+        </p:nvPicPr>
+        <p:blipFill>
+          <a:blip r:embed="rId3" cstate="print"/>
+          <a:srcRect/>
+          <a:stretch>
+            <a:fillRect/>
+          </a:stretch>
+        </p:blipFill>
+        <p:spPr bwMode="auto">
+          <a:xfrm>
+            <a:off x="360000" y="1800000"/>
+            <a:ext cx="8391525" cy="3638550"/>
+          </a:xfrm>
+          <a:prstGeom prst="rect">
+            <a:avLst/>
+          </a:prstGeom>
+          <a:noFill/>
+        </p:spPr>
+      </p:pic>
+    </p:spTree>
+  </p:cSld>
+  <p:clrMapOvr>
+    <a:masterClrMapping/>
+  </p:clrMapOvr>
+  <p:timing>
+    <p:tnLst>
+      <p:par>
+        <p:cTn id="1" dur="indefinite" restart="never" nodeType="tmRoot"/>
+      </p:par>
+    </p:tnLst>
+  </p:timing>
+</p:sld>
+</file>
+
+<file path=ppt/slides/slide7.xml><?xml version="1.0" encoding="utf-8"?>
+<p:sld xmlns:a="http://schemas.openxmlformats.org/drawingml/2006/main" xmlns:r="http://schemas.openxmlformats.org/officeDocument/2006/relationships" xmlns:p="http://schemas.openxmlformats.org/presentationml/2006/main">
+  <p:cSld>
+    <p:spTree>
+      <p:nvGrpSpPr>
+        <p:cNvPr id="1" name=""/>
+        <p:cNvGrpSpPr/>
+        <p:nvPr/>
+      </p:nvGrpSpPr>
+      <p:grpSpPr>
+        <a:xfrm>
+          <a:off x="0" y="0"/>
+          <a:ext cx="0" cy="0"/>
+          <a:chOff x="0" y="0"/>
+          <a:chExt cx="0" cy="0"/>
+        </a:xfrm>
+      </p:grpSpPr>
+      <p:sp>
+        <p:nvSpPr>
+          <p:cNvPr id="2" name="Inhaltsplatzhalter 1"/>
+          <p:cNvSpPr>
+            <a:spLocks noGrp="1"/>
+          </p:cNvSpPr>
+          <p:nvPr>
+            <p:ph sz="quarter" idx="13"/>
+          </p:nvPr>
+        </p:nvSpPr>
+        <p:spPr/>
+        <p:txBody>
+          <a:bodyPr/>
+          <a:lstStyle/>
+          <a:p>
+            <a:pPr>
+              <a:buFont typeface="Arial" pitchFamily="34" charset="0"/>
+              <a:buChar char="•"/>
+            </a:pPr>
+            <a:r>
+              <a:rPr lang="de-DE" dirty="0" smtClean="0"/>
+              <a:t> Grundidee: Repräsentation von Dokumenten und Anfragen als Vektoren</a:t>
+            </a:r>
+          </a:p>
+          <a:p>
+            <a:pPr>
+              <a:buFont typeface="Arial" pitchFamily="34" charset="0"/>
+              <a:buChar char="•"/>
+            </a:pPr>
+            <a:r>
+              <a:rPr lang="de-DE" dirty="0" smtClean="0"/>
+              <a:t> Ähnlichkeiten zwischen Vektoren bestimmen </a:t>
+            </a:r>
+          </a:p>
+          <a:p>
+            <a:r>
+              <a:rPr lang="de-DE" dirty="0" smtClean="0">
+                <a:sym typeface="Wingdings" pitchFamily="2" charset="2"/>
+              </a:rPr>
+              <a:t>	 Ähnlichkeitswert</a:t>
+            </a:r>
+            <a:endParaRPr lang="de-DE" dirty="0" smtClean="0"/>
+          </a:p>
+          <a:p>
+            <a:pPr>
+              <a:buFont typeface="Arial" pitchFamily="34" charset="0"/>
+              <a:buChar char="•"/>
+            </a:pPr>
+            <a:r>
+              <a:rPr lang="de-DE" dirty="0" smtClean="0"/>
+              <a:t> Erlaubt Ranking</a:t>
+            </a:r>
+            <a:endParaRPr lang="de-DE" dirty="0"/>
+          </a:p>
+        </p:txBody>
+      </p:sp>
+      <p:sp>
+        <p:nvSpPr>
+          <p:cNvPr id="3" name="Datumsplatzhalter 2"/>
+          <p:cNvSpPr>
+            <a:spLocks noGrp="1"/>
+          </p:cNvSpPr>
+          <p:nvPr>
+            <p:ph type="dt" sz="half" idx="14"/>
+          </p:nvPr>
+        </p:nvSpPr>
+        <p:spPr/>
+        <p:txBody>
+          <a:bodyPr/>
+          <a:lstStyle/>
+          <a:p>
+            <a:pPr>
+              <a:defRPr/>
+            </a:pPr>
+            <a:fld id="{EE9AC89C-B0F3-4179-9BF1-A11BD48F530E}" type="datetime1">
+              <a:rPr lang="de-DE" smtClean="0"/>
+              <a:pPr>
+                <a:defRPr/>
+              </a:pPr>
+              <a:t>17.08.2017</a:t>
+            </a:fld>
+            <a:endParaRPr lang="de-DE" dirty="0"/>
+          </a:p>
+        </p:txBody>
+      </p:sp>
+      <p:sp>
+        <p:nvSpPr>
+          <p:cNvPr id="4" name="Fußzeilenplatzhalter 3"/>
+          <p:cNvSpPr>
+            <a:spLocks noGrp="1"/>
+          </p:cNvSpPr>
+          <p:nvPr>
+            <p:ph type="ftr" sz="quarter" idx="15"/>
+          </p:nvPr>
+        </p:nvSpPr>
+        <p:spPr/>
+        <p:txBody>
+          <a:bodyPr/>
+          <a:lstStyle/>
+          <a:p>
+            <a:pPr>
+              <a:defRPr/>
+            </a:pPr>
+            <a:endParaRPr lang="de-DE"/>
+          </a:p>
+        </p:txBody>
+      </p:sp>
+      <p:sp>
+        <p:nvSpPr>
+          <p:cNvPr id="5" name="Foliennummernplatzhalter 4"/>
+          <p:cNvSpPr>
+            <a:spLocks noGrp="1"/>
+          </p:cNvSpPr>
+          <p:nvPr>
+            <p:ph type="sldNum" sz="quarter" idx="16"/>
+          </p:nvPr>
+        </p:nvSpPr>
+        <p:spPr/>
+        <p:txBody>
+          <a:bodyPr/>
+          <a:lstStyle/>
+          <a:p>
+            <a:pPr>
+              <a:defRPr/>
+            </a:pPr>
+            <a:fld id="{B53A9DA1-A25A-429F-A02C-54EE5606360E}" type="slidenum">
+              <a:rPr lang="de-DE" altLang="de-DE" smtClean="0"/>
+              <a:pPr>
+                <a:defRPr/>
+              </a:pPr>
+              <a:t>7</a:t>
+            </a:fld>
+            <a:endParaRPr lang="de-DE" altLang="de-DE" dirty="0"/>
+          </a:p>
+        </p:txBody>
+      </p:sp>
+      <p:sp>
+        <p:nvSpPr>
+          <p:cNvPr id="6" name="Titel 5"/>
+          <p:cNvSpPr>
+            <a:spLocks noGrp="1"/>
+          </p:cNvSpPr>
+          <p:nvPr>
+            <p:ph type="title"/>
+          </p:nvPr>
+        </p:nvSpPr>
+        <p:spPr/>
+        <p:txBody>
+          <a:bodyPr/>
+          <a:lstStyle/>
+          <a:p>
+            <a:r>
+              <a:rPr lang="de-DE" dirty="0" smtClean="0"/>
+              <a:t>Vektorraummodell</a:t>
+            </a:r>
+            <a:endParaRPr lang="de-DE" dirty="0"/>
+          </a:p>
+        </p:txBody>
+      </p:sp>
+    </p:spTree>
+  </p:cSld>
+  <p:clrMapOvr>
+    <a:masterClrMapping/>
+  </p:clrMapOvr>
+  <p:timing>
+    <p:tnLst>
+      <p:par>
+        <p:cTn id="1" dur="indefinite" restart="never" nodeType="tmRoot"/>
+      </p:par>
+    </p:tnLst>
+  </p:timing>
+</p:sld>
+</file>
+
+<file path=ppt/slides/slide8.xml><?xml version="1.0" encoding="utf-8"?>
+<p:sld xmlns:a="http://schemas.openxmlformats.org/drawingml/2006/main" xmlns:r="http://schemas.openxmlformats.org/officeDocument/2006/relationships" xmlns:p="http://schemas.openxmlformats.org/presentationml/2006/main">
+  <p:cSld>
+    <p:spTree>
+      <p:nvGrpSpPr>
+        <p:cNvPr id="1" name=""/>
+        <p:cNvGrpSpPr/>
+        <p:nvPr/>
+      </p:nvGrpSpPr>
+      <p:grpSpPr>
+        <a:xfrm>
+          <a:off x="0" y="0"/>
+          <a:ext cx="0" cy="0"/>
+          <a:chOff x="0" y="0"/>
+          <a:chExt cx="0" cy="0"/>
+        </a:xfrm>
+      </p:grpSpPr>
+      <p:sp>
+        <p:nvSpPr>
+          <p:cNvPr id="2" name="Inhaltsplatzhalter 1"/>
+          <p:cNvSpPr>
+            <a:spLocks noGrp="1"/>
+          </p:cNvSpPr>
+          <p:nvPr>
+            <p:ph sz="quarter" idx="13"/>
+          </p:nvPr>
+        </p:nvSpPr>
+        <p:spPr/>
+        <p:txBody>
+          <a:bodyPr/>
+          <a:lstStyle/>
+          <a:p>
+            <a:pPr>
+              <a:buFont typeface="Arial" pitchFamily="34" charset="0"/>
+              <a:buChar char="•"/>
+            </a:pPr>
+            <a:r>
+              <a:rPr lang="de-DE" dirty="0" smtClean="0"/>
+              <a:t> Indexierung der Terme</a:t>
+            </a:r>
+          </a:p>
+          <a:p>
+            <a:pPr>
+              <a:buFont typeface="Arial" pitchFamily="34" charset="0"/>
+              <a:buChar char="•"/>
+            </a:pPr>
+            <a:endParaRPr lang="de-DE" dirty="0" smtClean="0"/>
+          </a:p>
+          <a:p>
+            <a:pPr>
+              <a:buFont typeface="Arial" pitchFamily="34" charset="0"/>
+              <a:buChar char="•"/>
+            </a:pPr>
+            <a:endParaRPr lang="de-DE" dirty="0" smtClean="0"/>
+          </a:p>
+          <a:p>
+            <a:pPr>
+              <a:buFont typeface="Arial" pitchFamily="34" charset="0"/>
+              <a:buChar char="•"/>
+            </a:pPr>
+            <a:endParaRPr lang="de-DE" dirty="0" smtClean="0"/>
+          </a:p>
+          <a:p>
+            <a:pPr>
+              <a:buFont typeface="Arial" pitchFamily="34" charset="0"/>
+              <a:buChar char="•"/>
+            </a:pPr>
+            <a:endParaRPr lang="de-DE" dirty="0" smtClean="0"/>
+          </a:p>
+          <a:p>
+            <a:pPr>
+              <a:buFont typeface="Arial" pitchFamily="34" charset="0"/>
+              <a:buChar char="•"/>
+            </a:pPr>
+            <a:endParaRPr lang="de-DE" dirty="0" smtClean="0"/>
+          </a:p>
+          <a:p>
+            <a:pPr>
+              <a:buFont typeface="Arial" pitchFamily="34" charset="0"/>
+              <a:buChar char="•"/>
+            </a:pPr>
+            <a:endParaRPr lang="de-DE" dirty="0" smtClean="0"/>
+          </a:p>
+          <a:p>
+            <a:pPr>
+              <a:buFont typeface="Arial" pitchFamily="34" charset="0"/>
+              <a:buChar char="•"/>
+            </a:pPr>
+            <a:endParaRPr lang="de-DE" dirty="0" smtClean="0"/>
+          </a:p>
+          <a:p>
+            <a:pPr>
+              <a:buFont typeface="Arial" pitchFamily="34" charset="0"/>
+              <a:buChar char="•"/>
+            </a:pPr>
+            <a:endParaRPr lang="de-DE" dirty="0" smtClean="0"/>
+          </a:p>
+          <a:p>
+            <a:endParaRPr lang="de-DE" dirty="0" smtClean="0"/>
+          </a:p>
+        </p:txBody>
+      </p:sp>
+      <p:sp>
+        <p:nvSpPr>
+          <p:cNvPr id="3" name="Datumsplatzhalter 2"/>
+          <p:cNvSpPr>
+            <a:spLocks noGrp="1"/>
+          </p:cNvSpPr>
+          <p:nvPr>
+            <p:ph type="dt" sz="half" idx="14"/>
+          </p:nvPr>
+        </p:nvSpPr>
+        <p:spPr/>
+        <p:txBody>
+          <a:bodyPr/>
+          <a:lstStyle/>
+          <a:p>
+            <a:pPr>
+              <a:defRPr/>
+            </a:pPr>
+            <a:fld id="{EE9AC89C-B0F3-4179-9BF1-A11BD48F530E}" type="datetime1">
+              <a:rPr lang="de-DE" smtClean="0"/>
+              <a:pPr>
+                <a:defRPr/>
+              </a:pPr>
+              <a:t>17.08.2017</a:t>
+            </a:fld>
+            <a:endParaRPr lang="de-DE" dirty="0"/>
+          </a:p>
+        </p:txBody>
+      </p:sp>
+      <p:sp>
+        <p:nvSpPr>
+          <p:cNvPr id="4" name="Fußzeilenplatzhalter 3"/>
+          <p:cNvSpPr>
+            <a:spLocks noGrp="1"/>
+          </p:cNvSpPr>
+          <p:nvPr>
+            <p:ph type="ftr" sz="quarter" idx="15"/>
+          </p:nvPr>
+        </p:nvSpPr>
+        <p:spPr/>
+        <p:txBody>
+          <a:bodyPr/>
+          <a:lstStyle/>
+          <a:p>
+            <a:pPr>
+              <a:defRPr/>
+            </a:pPr>
+            <a:endParaRPr lang="de-DE"/>
+          </a:p>
+        </p:txBody>
+      </p:sp>
+      <p:sp>
+        <p:nvSpPr>
+          <p:cNvPr id="5" name="Foliennummernplatzhalter 4"/>
+          <p:cNvSpPr>
+            <a:spLocks noGrp="1"/>
+          </p:cNvSpPr>
+          <p:nvPr>
+            <p:ph type="sldNum" sz="quarter" idx="16"/>
+          </p:nvPr>
+        </p:nvSpPr>
+        <p:spPr/>
+        <p:txBody>
+          <a:bodyPr/>
+          <a:lstStyle/>
+          <a:p>
+            <a:pPr>
+              <a:defRPr/>
+            </a:pPr>
+            <a:fld id="{B53A9DA1-A25A-429F-A02C-54EE5606360E}" type="slidenum">
+              <a:rPr lang="de-DE" altLang="de-DE" smtClean="0"/>
+              <a:pPr>
+                <a:defRPr/>
+              </a:pPr>
+              <a:t>8</a:t>
+            </a:fld>
+            <a:endParaRPr lang="de-DE" altLang="de-DE" dirty="0"/>
+          </a:p>
+        </p:txBody>
+      </p:sp>
+      <p:sp>
+        <p:nvSpPr>
+          <p:cNvPr id="6" name="Titel 5"/>
+          <p:cNvSpPr>
+            <a:spLocks noGrp="1"/>
+          </p:cNvSpPr>
+          <p:nvPr>
+            <p:ph type="title"/>
+          </p:nvPr>
+        </p:nvSpPr>
+        <p:spPr/>
+        <p:txBody>
+          <a:bodyPr/>
+          <a:lstStyle/>
+          <a:p>
+            <a:r>
+              <a:rPr lang="de-DE" dirty="0" smtClean="0"/>
+              <a:t>Vektorraummodell</a:t>
+            </a:r>
+            <a:endParaRPr lang="de-DE" dirty="0"/>
+          </a:p>
+        </p:txBody>
+      </p:sp>
+      <p:pic>
+        <p:nvPicPr>
+          <p:cNvPr id="9" name="Picture 2" descr="C:\Users\kreme\Documents\SuchTool\Praesentation\B.png"/>
+          <p:cNvPicPr>
+            <a:picLocks noChangeAspect="1" noChangeArrowheads="1"/>
+          </p:cNvPicPr>
+          <p:nvPr/>
+        </p:nvPicPr>
+        <p:blipFill>
+          <a:blip r:embed="rId2" cstate="print"/>
+          <a:srcRect/>
+          <a:stretch>
+            <a:fillRect/>
+          </a:stretch>
+        </p:blipFill>
+        <p:spPr bwMode="auto">
+          <a:xfrm>
+            <a:off x="539552" y="1844824"/>
+            <a:ext cx="6611273" cy="2648320"/>
+          </a:xfrm>
+          <a:prstGeom prst="rect">
+            <a:avLst/>
+          </a:prstGeom>
+          <a:noFill/>
+        </p:spPr>
+      </p:pic>
+    </p:spTree>
+  </p:cSld>
+  <p:clrMapOvr>
+    <a:masterClrMapping/>
+  </p:clrMapOvr>
+  <p:timing>
+    <p:tnLst>
+      <p:par>
+        <p:cTn id="1" dur="indefinite" restart="never" nodeType="tmRoot"/>
+      </p:par>
+    </p:tnLst>
+  </p:timing>
+</p:sld>
+</file>
+
+<file path=ppt/slides/slide9.xml><?xml version="1.0" encoding="utf-8"?>
+<p:sld xmlns:a="http://schemas.openxmlformats.org/drawingml/2006/main" xmlns:r="http://schemas.openxmlformats.org/officeDocument/2006/relationships" xmlns:p="http://schemas.openxmlformats.org/presentationml/2006/main">
+  <p:cSld>
+    <p:spTree>
+      <p:nvGrpSpPr>
+        <p:cNvPr id="1" name=""/>
+        <p:cNvGrpSpPr/>
+        <p:nvPr/>
+      </p:nvGrpSpPr>
+      <p:grpSpPr>
+        <a:xfrm>
+          <a:off x="0" y="0"/>
+          <a:ext cx="0" cy="0"/>
+          <a:chOff x="0" y="0"/>
+          <a:chExt cx="0" cy="0"/>
+        </a:xfrm>
+      </p:grpSpPr>
+      <p:sp>
+        <p:nvSpPr>
+          <p:cNvPr id="2" name="Inhaltsplatzhalter 1"/>
+          <p:cNvSpPr>
+            <a:spLocks noGrp="1"/>
+          </p:cNvSpPr>
+          <p:nvPr>
+            <p:ph sz="quarter" idx="13"/>
+          </p:nvPr>
+        </p:nvSpPr>
+        <p:spPr/>
+        <p:txBody>
+          <a:bodyPr/>
+          <a:lstStyle/>
+          <a:p>
+            <a:pPr>
+              <a:buFont typeface="Arial" pitchFamily="34" charset="0"/>
+              <a:buChar char="•"/>
+            </a:pPr>
+            <a:r>
+              <a:rPr lang="de-DE" dirty="0" smtClean="0"/>
+              <a:t> Indexierung der Terme</a:t>
+            </a:r>
+          </a:p>
+          <a:p>
+            <a:pPr>
+              <a:buFont typeface="Arial" pitchFamily="34" charset="0"/>
+              <a:buChar char="•"/>
+            </a:pPr>
+            <a:endParaRPr lang="de-DE" dirty="0" smtClean="0"/>
+          </a:p>
+          <a:p>
+            <a:pPr>
+              <a:buFont typeface="Arial" pitchFamily="34" charset="0"/>
+              <a:buChar char="•"/>
+            </a:pPr>
+            <a:endParaRPr lang="de-DE" dirty="0" smtClean="0"/>
+          </a:p>
+          <a:p>
+            <a:pPr>
+              <a:buFont typeface="Arial" pitchFamily="34" charset="0"/>
+              <a:buChar char="•"/>
+            </a:pPr>
+            <a:endParaRPr lang="de-DE" dirty="0" smtClean="0"/>
+          </a:p>
+          <a:p>
+            <a:pPr>
+              <a:buFont typeface="Arial" pitchFamily="34" charset="0"/>
+              <a:buChar char="•"/>
+            </a:pPr>
+            <a:endParaRPr lang="de-DE" dirty="0" smtClean="0"/>
+          </a:p>
+          <a:p>
+            <a:pPr>
+              <a:buFont typeface="Arial" pitchFamily="34" charset="0"/>
+              <a:buChar char="•"/>
+            </a:pPr>
+            <a:endParaRPr lang="de-DE" dirty="0" smtClean="0"/>
+          </a:p>
+          <a:p>
+            <a:pPr>
+              <a:buFont typeface="Arial" pitchFamily="34" charset="0"/>
+              <a:buChar char="•"/>
+            </a:pPr>
+            <a:endParaRPr lang="de-DE" dirty="0" smtClean="0"/>
+          </a:p>
+          <a:p>
+            <a:pPr>
+              <a:buFont typeface="Arial" pitchFamily="34" charset="0"/>
+              <a:buChar char="•"/>
+            </a:pPr>
+            <a:endParaRPr lang="de-DE" dirty="0" smtClean="0"/>
+          </a:p>
+          <a:p>
+            <a:pPr>
+              <a:buFont typeface="Arial" pitchFamily="34" charset="0"/>
+              <a:buChar char="•"/>
+            </a:pPr>
+            <a:endParaRPr lang="de-DE" dirty="0" smtClean="0"/>
+          </a:p>
+          <a:p>
+            <a:pPr>
+              <a:buFont typeface="Arial" pitchFamily="34" charset="0"/>
+              <a:buChar char="•"/>
+            </a:pPr>
+            <a:endParaRPr lang="de-DE" dirty="0" smtClean="0"/>
+          </a:p>
+          <a:p>
+            <a:pPr>
+              <a:buFont typeface="Arial" pitchFamily="34" charset="0"/>
+              <a:buChar char="•"/>
+            </a:pPr>
+            <a:r>
+              <a:rPr lang="de-DE" dirty="0" smtClean="0"/>
+              <a:t> Problem: Viele überflüssige Terme</a:t>
+            </a:r>
+          </a:p>
+          <a:p>
+            <a:endParaRPr lang="de-DE" dirty="0"/>
+          </a:p>
+        </p:txBody>
+      </p:sp>
+      <p:sp>
+        <p:nvSpPr>
+          <p:cNvPr id="3" name="Datumsplatzhalter 2"/>
+          <p:cNvSpPr>
+            <a:spLocks noGrp="1"/>
+          </p:cNvSpPr>
+          <p:nvPr>
+            <p:ph type="dt" sz="half" idx="14"/>
+          </p:nvPr>
+        </p:nvSpPr>
+        <p:spPr/>
+        <p:txBody>
+          <a:bodyPr/>
+          <a:lstStyle/>
+          <a:p>
+            <a:pPr>
+              <a:defRPr/>
+            </a:pPr>
+            <a:fld id="{EE9AC89C-B0F3-4179-9BF1-A11BD48F530E}" type="datetime1">
+              <a:rPr lang="de-DE" smtClean="0"/>
+              <a:pPr>
+                <a:defRPr/>
+              </a:pPr>
+              <a:t>17.08.2017</a:t>
+            </a:fld>
+            <a:endParaRPr lang="de-DE" dirty="0"/>
+          </a:p>
+        </p:txBody>
+      </p:sp>
+      <p:sp>
+        <p:nvSpPr>
+          <p:cNvPr id="4" name="Fußzeilenplatzhalter 3"/>
+          <p:cNvSpPr>
+            <a:spLocks noGrp="1"/>
+          </p:cNvSpPr>
+          <p:nvPr>
+            <p:ph type="ftr" sz="quarter" idx="15"/>
+          </p:nvPr>
+        </p:nvSpPr>
+        <p:spPr/>
+        <p:txBody>
+          <a:bodyPr/>
+          <a:lstStyle/>
+          <a:p>
+            <a:pPr>
+              <a:defRPr/>
+            </a:pPr>
+            <a:endParaRPr lang="de-DE"/>
+          </a:p>
+        </p:txBody>
+      </p:sp>
+      <p:sp>
+        <p:nvSpPr>
+          <p:cNvPr id="5" name="Foliennummernplatzhalter 4"/>
+          <p:cNvSpPr>
+            <a:spLocks noGrp="1"/>
+          </p:cNvSpPr>
+          <p:nvPr>
+            <p:ph type="sldNum" sz="quarter" idx="16"/>
+          </p:nvPr>
+        </p:nvSpPr>
+        <p:spPr/>
+        <p:txBody>
+          <a:bodyPr/>
+          <a:lstStyle/>
+          <a:p>
+            <a:pPr>
+              <a:defRPr/>
+            </a:pPr>
+            <a:fld id="{B53A9DA1-A25A-429F-A02C-54EE5606360E}" type="slidenum">
+              <a:rPr lang="de-DE" altLang="de-DE" smtClean="0"/>
+              <a:pPr>
+                <a:defRPr/>
+              </a:pPr>
+              <a:t>9</a:t>
+            </a:fld>
+            <a:endParaRPr lang="de-DE" altLang="de-DE" dirty="0"/>
+          </a:p>
+        </p:txBody>
+      </p:sp>
+      <p:sp>
+        <p:nvSpPr>
+          <p:cNvPr id="6" name="Titel 5"/>
+          <p:cNvSpPr>
+            <a:spLocks noGrp="1"/>
+          </p:cNvSpPr>
+          <p:nvPr>
+            <p:ph type="title"/>
+          </p:nvPr>
+        </p:nvSpPr>
+        <p:spPr/>
+        <p:txBody>
+          <a:bodyPr/>
+          <a:lstStyle/>
+          <a:p>
+            <a:r>
+              <a:rPr lang="de-DE" dirty="0" smtClean="0"/>
+              <a:t>Vektorraummodell</a:t>
+            </a:r>
+            <a:endParaRPr lang="de-DE" dirty="0"/>
+          </a:p>
+        </p:txBody>
+      </p:sp>
+      <p:pic>
+        <p:nvPicPr>
+          <p:cNvPr id="9" name="Picture 2" descr="C:\Users\kreme\Documents\SuchTool\Praesentation\B.png"/>
+          <p:cNvPicPr>
+            <a:picLocks noChangeAspect="1" noChangeArrowheads="1"/>
+          </p:cNvPicPr>
+          <p:nvPr/>
+        </p:nvPicPr>
+        <p:blipFill>
+          <a:blip r:embed="rId2" cstate="print"/>
+          <a:srcRect/>
+          <a:stretch>
+            <a:fillRect/>
+          </a:stretch>
+        </p:blipFill>
+        <p:spPr bwMode="auto">
+          <a:xfrm>
+            <a:off x="539552" y="1844824"/>
+            <a:ext cx="6611273" cy="2648320"/>
+          </a:xfrm>
+          <a:prstGeom prst="rect">
+            <a:avLst/>
+          </a:prstGeom>
+          <a:noFill/>
+        </p:spPr>
+      </p:pic>
+    </p:spTree>
+  </p:cSld>
+  <p:clrMapOvr>
+    <a:masterClrMapping/>
+  </p:clrMapOvr>
+  <p:timing>
+    <p:tnLst>
+      <p:par>
+        <p:cTn id="1" dur="indefinite" restart="never" nodeType="tmRoot"/>
+      </p:par>
+    </p:tnLst>
+  </p:timing>
 </p:sld>
 </file>
 

--- a/Praesentation/Praesi.pptx
+++ b/Praesentation/Praesi.pptx
@@ -5,10 +5,10 @@
     <p:sldMasterId id="2147483648" r:id="rId1"/>
   </p:sldMasterIdLst>
   <p:notesMasterIdLst>
-    <p:notesMasterId r:id="rId36"/>
+    <p:notesMasterId r:id="rId50"/>
   </p:notesMasterIdLst>
   <p:handoutMasterIdLst>
-    <p:handoutMasterId r:id="rId37"/>
+    <p:handoutMasterId r:id="rId51"/>
   </p:handoutMasterIdLst>
   <p:sldIdLst>
     <p:sldId id="258" r:id="rId2"/>
@@ -32,19 +32,33 @@
     <p:sldId id="267" r:id="rId20"/>
     <p:sldId id="287" r:id="rId21"/>
     <p:sldId id="288" r:id="rId22"/>
-    <p:sldId id="289" r:id="rId23"/>
-    <p:sldId id="290" r:id="rId24"/>
-    <p:sldId id="291" r:id="rId25"/>
-    <p:sldId id="292" r:id="rId26"/>
-    <p:sldId id="294" r:id="rId27"/>
-    <p:sldId id="293" r:id="rId28"/>
-    <p:sldId id="295" r:id="rId29"/>
-    <p:sldId id="296" r:id="rId30"/>
-    <p:sldId id="297" r:id="rId31"/>
-    <p:sldId id="298" r:id="rId32"/>
-    <p:sldId id="300" r:id="rId33"/>
-    <p:sldId id="301" r:id="rId34"/>
-    <p:sldId id="260" r:id="rId35"/>
+    <p:sldId id="302" r:id="rId23"/>
+    <p:sldId id="303" r:id="rId24"/>
+    <p:sldId id="304" r:id="rId25"/>
+    <p:sldId id="305" r:id="rId26"/>
+    <p:sldId id="306" r:id="rId27"/>
+    <p:sldId id="308" r:id="rId28"/>
+    <p:sldId id="309" r:id="rId29"/>
+    <p:sldId id="338" r:id="rId30"/>
+    <p:sldId id="339" r:id="rId31"/>
+    <p:sldId id="319" r:id="rId32"/>
+    <p:sldId id="320" r:id="rId33"/>
+    <p:sldId id="321" r:id="rId34"/>
+    <p:sldId id="322" r:id="rId35"/>
+    <p:sldId id="323" r:id="rId36"/>
+    <p:sldId id="324" r:id="rId37"/>
+    <p:sldId id="325" r:id="rId38"/>
+    <p:sldId id="327" r:id="rId39"/>
+    <p:sldId id="328" r:id="rId40"/>
+    <p:sldId id="329" r:id="rId41"/>
+    <p:sldId id="333" r:id="rId42"/>
+    <p:sldId id="331" r:id="rId43"/>
+    <p:sldId id="332" r:id="rId44"/>
+    <p:sldId id="334" r:id="rId45"/>
+    <p:sldId id="336" r:id="rId46"/>
+    <p:sldId id="335" r:id="rId47"/>
+    <p:sldId id="337" r:id="rId48"/>
+    <p:sldId id="260" r:id="rId49"/>
   </p:sldIdLst>
   <p:sldSz cx="9144000" cy="6858000" type="screen4x3"/>
   <p:notesSz cx="6858000" cy="9144000"/>
@@ -290,7 +304,7 @@
               <a:pPr>
                 <a:defRPr/>
               </a:pPr>
-              <a:t>17.08.2017</a:t>
+              <a:t>25.08.2017</a:t>
             </a:fld>
             <a:endParaRPr lang="de-DE"/>
           </a:p>
@@ -471,7 +485,7 @@
               <a:pPr>
                 <a:defRPr/>
               </a:pPr>
-              <a:t>17.08.2017</a:t>
+              <a:t>25.08.2017</a:t>
             </a:fld>
             <a:endParaRPr lang="de-DE"/>
           </a:p>
@@ -1462,7 +1476,7 @@
               <a:pPr>
                 <a:defRPr/>
               </a:pPr>
-              <a:t>17.08.2017</a:t>
+              <a:t>25.08.2017</a:t>
             </a:fld>
             <a:endParaRPr lang="de-DE" dirty="0"/>
           </a:p>
@@ -2282,7 +2296,7 @@
               <a:pPr>
                 <a:defRPr/>
               </a:pPr>
-              <a:t>17.08.2017</a:t>
+              <a:t>25.08.2017</a:t>
             </a:fld>
             <a:endParaRPr lang="de-DE" dirty="0"/>
           </a:p>
@@ -2636,7 +2650,7 @@
               <a:pPr>
                 <a:defRPr/>
               </a:pPr>
-              <a:t>17.08.2017</a:t>
+              <a:t>25.08.2017</a:t>
             </a:fld>
             <a:endParaRPr lang="de-DE" dirty="0"/>
           </a:p>
@@ -2979,7 +2993,7 @@
               <a:pPr>
                 <a:defRPr/>
               </a:pPr>
-              <a:t>17.08.2017</a:t>
+              <a:t>25.08.2017</a:t>
             </a:fld>
             <a:endParaRPr lang="de-DE" dirty="0"/>
           </a:p>
@@ -3307,7 +3321,7 @@
               <a:pPr>
                 <a:defRPr/>
               </a:pPr>
-              <a:t>17.08.2017</a:t>
+              <a:t>25.08.2017</a:t>
             </a:fld>
             <a:endParaRPr lang="de-DE" dirty="0"/>
           </a:p>
@@ -3635,7 +3649,7 @@
               <a:pPr>
                 <a:defRPr/>
               </a:pPr>
-              <a:t>17.08.2017</a:t>
+              <a:t>25.08.2017</a:t>
             </a:fld>
             <a:endParaRPr lang="de-DE" dirty="0"/>
           </a:p>
@@ -4043,7 +4057,7 @@
               <a:pPr>
                 <a:defRPr/>
               </a:pPr>
-              <a:t>17.08.2017</a:t>
+              <a:t>25.08.2017</a:t>
             </a:fld>
             <a:endParaRPr lang="de-DE" dirty="0"/>
           </a:p>
@@ -4411,7 +4425,7 @@
               <a:pPr>
                 <a:defRPr/>
               </a:pPr>
-              <a:t>17.08.2017</a:t>
+              <a:t>25.08.2017</a:t>
             </a:fld>
             <a:endParaRPr lang="de-DE" dirty="0"/>
           </a:p>
@@ -4674,7 +4688,7 @@
               <a:pPr>
                 <a:defRPr/>
               </a:pPr>
-              <a:t>17.08.2017</a:t>
+              <a:t>25.08.2017</a:t>
             </a:fld>
             <a:endParaRPr lang="de-DE" dirty="0"/>
           </a:p>
@@ -6052,11 +6066,7 @@
             </a:pPr>
             <a:r>
               <a:rPr lang="de-DE" dirty="0" smtClean="0"/>
-              <a:t> Problem</a:t>
-            </a:r>
-            <a:r>
-              <a:rPr lang="de-DE" dirty="0" smtClean="0"/>
-              <a:t>: Wichtigkeit des Terms?</a:t>
+              <a:t> Problem: Wichtigkeit des Terms?</a:t>
             </a:r>
           </a:p>
           <a:p>
@@ -6798,11 +6808,7 @@
             </a:pPr>
             <a:r>
               <a:rPr lang="de-DE" dirty="0" smtClean="0"/>
-              <a:t> Ähnlichkeitsfunktion</a:t>
-            </a:r>
-            <a:r>
-              <a:rPr lang="de-DE" dirty="0" smtClean="0"/>
-              <a:t>: Cosinus-Maß</a:t>
+              <a:t> Ähnlichkeitsfunktion: Cosinus-Maß</a:t>
             </a:r>
           </a:p>
         </p:txBody>
@@ -6830,7 +6836,7 @@
               <a:pPr>
                 <a:defRPr/>
               </a:pPr>
-              <a:t>17.08.2017</a:t>
+              <a:t>25.08.2017</a:t>
             </a:fld>
             <a:endParaRPr lang="de-DE" dirty="0"/>
           </a:p>
@@ -7173,7 +7179,7 @@
               <a:pPr>
                 <a:defRPr/>
               </a:pPr>
-              <a:t>17.08.2017</a:t>
+              <a:t>25.08.2017</a:t>
             </a:fld>
             <a:endParaRPr lang="de-DE" dirty="0"/>
           </a:p>
@@ -7336,7 +7342,7 @@
               <a:pPr>
                 <a:defRPr/>
               </a:pPr>
-              <a:t>17.08.2017</a:t>
+              <a:t>25.08.2017</a:t>
             </a:fld>
             <a:endParaRPr lang="de-DE" dirty="0"/>
           </a:p>
@@ -7523,11 +7529,7 @@
             </a:pPr>
             <a:r>
               <a:rPr lang="de-DE" dirty="0" smtClean="0"/>
-              <a:t> Längenunabhängige </a:t>
-            </a:r>
-            <a:r>
-              <a:rPr lang="de-DE" dirty="0" smtClean="0"/>
-              <a:t>Ähnlichkeitsfunktion</a:t>
+              <a:t> Längenunabhängige Ähnlichkeitsfunktion</a:t>
             </a:r>
           </a:p>
           <a:p>
@@ -7539,7 +7541,6 @@
               <a:rPr lang="de-DE" dirty="0" smtClean="0"/>
               <a:t> Cosinus-Maß</a:t>
             </a:r>
-            <a:endParaRPr lang="de-DE" dirty="0" smtClean="0"/>
           </a:p>
           <a:p>
             <a:endParaRPr lang="de-DE" dirty="0" smtClean="0"/>
@@ -7746,11 +7747,7 @@
             </a:pPr>
             <a:r>
               <a:rPr lang="de-DE" dirty="0" smtClean="0"/>
-              <a:t> Verarbeitung </a:t>
-            </a:r>
-            <a:r>
-              <a:rPr lang="de-DE" dirty="0" smtClean="0"/>
-              <a:t>unstrukturierter Dokumente</a:t>
+              <a:t> Verarbeitung unstrukturierter Dokumente</a:t>
             </a:r>
           </a:p>
           <a:p>
@@ -7760,11 +7757,7 @@
             </a:pPr>
             <a:r>
               <a:rPr lang="de-DE" dirty="0" smtClean="0"/>
-              <a:t> Beispiele</a:t>
-            </a:r>
-            <a:r>
-              <a:rPr lang="de-DE" dirty="0" smtClean="0"/>
-              <a:t>:</a:t>
+              <a:t> Beispiele:</a:t>
             </a:r>
           </a:p>
           <a:p>
@@ -8025,15 +8018,7 @@
             </a:pPr>
             <a:r>
               <a:rPr lang="de-DE" dirty="0" smtClean="0"/>
-              <a:t> AND: </a:t>
-            </a:r>
-            <a:r>
-              <a:rPr lang="de-DE" dirty="0" smtClean="0"/>
-              <a:t>Durchschnitt </a:t>
-            </a:r>
-            <a:r>
-              <a:rPr lang="de-DE" dirty="0" smtClean="0"/>
-              <a:t>der </a:t>
+              <a:t> AND: Durchschnitt der </a:t>
             </a:r>
             <a:r>
               <a:rPr lang="de-DE" dirty="0" err="1" smtClean="0"/>
@@ -8048,15 +8033,7 @@
             </a:pPr>
             <a:r>
               <a:rPr lang="de-DE" dirty="0" smtClean="0"/>
-              <a:t> </a:t>
-            </a:r>
-            <a:r>
-              <a:rPr lang="de-DE" dirty="0" smtClean="0"/>
-              <a:t>OR: Vereinigung </a:t>
-            </a:r>
-            <a:r>
-              <a:rPr lang="de-DE" dirty="0" smtClean="0"/>
-              <a:t>der </a:t>
+              <a:t> OR: Vereinigung der </a:t>
             </a:r>
             <a:r>
               <a:rPr lang="de-DE" dirty="0" err="1" smtClean="0"/>
@@ -8099,7 +8076,7 @@
               <a:pPr>
                 <a:defRPr/>
               </a:pPr>
-              <a:t>17.08.2017</a:t>
+              <a:t>25.08.2017</a:t>
             </a:fld>
             <a:endParaRPr lang="de-DE" dirty="0"/>
           </a:p>
@@ -8281,15 +8258,7 @@
             </a:pPr>
             <a:r>
               <a:rPr lang="de-DE" dirty="0" smtClean="0"/>
-              <a:t> OR: </a:t>
-            </a:r>
-            <a:r>
-              <a:rPr lang="de-DE" dirty="0" smtClean="0"/>
-              <a:t>Vereinigung </a:t>
-            </a:r>
-            <a:r>
-              <a:rPr lang="de-DE" dirty="0" smtClean="0"/>
-              <a:t>der </a:t>
+              <a:t> OR: Vereinigung der </a:t>
             </a:r>
             <a:r>
               <a:rPr lang="de-DE" dirty="0" err="1" smtClean="0"/>
@@ -8361,7 +8330,7 @@
               <a:pPr>
                 <a:defRPr/>
               </a:pPr>
-              <a:t>17.08.2017</a:t>
+              <a:t>25.08.2017</a:t>
             </a:fld>
             <a:endParaRPr lang="de-DE" dirty="0"/>
           </a:p>
@@ -8496,7 +8465,7 @@
               <a:pPr>
                 <a:defRPr/>
               </a:pPr>
-              <a:t>17.08.2017</a:t>
+              <a:t>25.08.2017</a:t>
             </a:fld>
             <a:endParaRPr lang="de-DE" dirty="0"/>
           </a:p>
@@ -8578,7 +8547,7 @@
       </p:sp>
       <p:pic>
         <p:nvPicPr>
-          <p:cNvPr id="36866" name="Picture 2" descr="C:\Users\kreme\Documents\SuchTool\Praesentation\1.png"/>
+          <p:cNvPr id="37890" name="Picture 2" descr="C:\Users\kreme\Documents\SuchTool\Bilder\Overview.png"/>
           <p:cNvPicPr>
             <a:picLocks noGrp="1" noChangeAspect="1" noChangeArrowheads="1"/>
           </p:cNvPicPr>
@@ -8595,8 +8564,8 @@
         </p:blipFill>
         <p:spPr bwMode="auto">
           <a:xfrm>
-            <a:off x="1198388" y="1268413"/>
-            <a:ext cx="6745637" cy="5040312"/>
+            <a:off x="179512" y="1080000"/>
+            <a:ext cx="6759128" cy="5040312"/>
           </a:xfrm>
           <a:prstGeom prst="rect">
             <a:avLst/>
@@ -8652,7 +8621,7 @@
               <a:pPr>
                 <a:defRPr/>
               </a:pPr>
-              <a:t>17.08.2017</a:t>
+              <a:t>25.08.2017</a:t>
             </a:fld>
             <a:endParaRPr lang="de-DE" dirty="0"/>
           </a:p>
@@ -8676,7 +8645,7 @@
             <a:pPr>
               <a:defRPr/>
             </a:pPr>
-            <a:endParaRPr lang="de-DE"/>
+            <a:endParaRPr lang="de-DE" dirty="0"/>
           </a:p>
         </p:txBody>
       </p:sp>
@@ -8734,7 +8703,7 @@
       </p:sp>
       <p:pic>
         <p:nvPicPr>
-          <p:cNvPr id="37891" name="Picture 3" descr="C:\Users\kreme\Documents\SuchTool\Praesentation\2.png"/>
+          <p:cNvPr id="38915" name="Picture 3" descr="C:\Users\kreme\Documents\SuchTool\Bilder\a.png"/>
           <p:cNvPicPr>
             <a:picLocks noGrp="1" noChangeAspect="1" noChangeArrowheads="1"/>
           </p:cNvPicPr>
@@ -8751,8 +8720,8 @@
         </p:blipFill>
         <p:spPr bwMode="auto">
           <a:xfrm>
-            <a:off x="1198388" y="1268413"/>
-            <a:ext cx="6745637" cy="5040312"/>
+            <a:off x="180000" y="1080000"/>
+            <a:ext cx="6759128" cy="5040312"/>
           </a:xfrm>
           <a:prstGeom prst="rect">
             <a:avLst/>
@@ -8760,6 +8729,36 @@
           <a:noFill/>
         </p:spPr>
       </p:pic>
+      <p:sp>
+        <p:nvSpPr>
+          <p:cNvPr id="9" name="Textfeld 8"/>
+          <p:cNvSpPr txBox="1"/>
+          <p:nvPr/>
+        </p:nvSpPr>
+        <p:spPr>
+          <a:xfrm>
+            <a:off x="7020272" y="1340768"/>
+            <a:ext cx="2212209" cy="400110"/>
+          </a:xfrm>
+          <a:prstGeom prst="rect">
+            <a:avLst/>
+          </a:prstGeom>
+          <a:noFill/>
+        </p:spPr>
+        <p:txBody>
+          <a:bodyPr wrap="none" rtlCol="0">
+            <a:spAutoFit/>
+          </a:bodyPr>
+          <a:lstStyle/>
+          <a:p>
+            <a:r>
+              <a:rPr lang="de-DE" sz="2000" dirty="0" smtClean="0"/>
+              <a:t>Verzeichnisauswahl</a:t>
+            </a:r>
+            <a:endParaRPr lang="de-DE" sz="2000" dirty="0"/>
+          </a:p>
+        </p:txBody>
+      </p:sp>
     </p:spTree>
   </p:cSld>
   <p:clrMapOvr>
@@ -8808,7 +8807,7 @@
               <a:pPr>
                 <a:defRPr/>
               </a:pPr>
-              <a:t>17.08.2017</a:t>
+              <a:t>25.08.2017</a:t>
             </a:fld>
             <a:endParaRPr lang="de-DE" dirty="0"/>
           </a:p>
@@ -8890,7 +8889,7 @@
       </p:sp>
       <p:pic>
         <p:nvPicPr>
-          <p:cNvPr id="38914" name="Picture 2" descr="C:\Users\kreme\Documents\SuchTool\Praesentation\3.png"/>
+          <p:cNvPr id="39938" name="Picture 2" descr="C:\Users\kreme\Documents\SuchTool\Bilder\b.png"/>
           <p:cNvPicPr>
             <a:picLocks noGrp="1" noChangeAspect="1" noChangeArrowheads="1"/>
           </p:cNvPicPr>
@@ -8907,8 +8906,8 @@
         </p:blipFill>
         <p:spPr bwMode="auto">
           <a:xfrm>
-            <a:off x="1198388" y="1268413"/>
-            <a:ext cx="6745637" cy="5040312"/>
+            <a:off x="180000" y="1080000"/>
+            <a:ext cx="6759128" cy="5040312"/>
           </a:xfrm>
           <a:prstGeom prst="rect">
             <a:avLst/>
@@ -8916,6 +8915,36 @@
           <a:noFill/>
         </p:spPr>
       </p:pic>
+      <p:sp>
+        <p:nvSpPr>
+          <p:cNvPr id="9" name="Textfeld 8"/>
+          <p:cNvSpPr txBox="1"/>
+          <p:nvPr/>
+        </p:nvSpPr>
+        <p:spPr>
+          <a:xfrm>
+            <a:off x="7092280" y="2204864"/>
+            <a:ext cx="2160240" cy="400110"/>
+          </a:xfrm>
+          <a:prstGeom prst="rect">
+            <a:avLst/>
+          </a:prstGeom>
+          <a:noFill/>
+        </p:spPr>
+        <p:txBody>
+          <a:bodyPr wrap="square" rtlCol="0">
+            <a:spAutoFit/>
+          </a:bodyPr>
+          <a:lstStyle/>
+          <a:p>
+            <a:r>
+              <a:rPr lang="de-DE" sz="2000" dirty="0" smtClean="0"/>
+              <a:t>Gesamtanfrage</a:t>
+            </a:r>
+            <a:endParaRPr lang="de-DE" sz="2000" dirty="0"/>
+          </a:p>
+        </p:txBody>
+      </p:sp>
     </p:spTree>
   </p:cSld>
   <p:clrMapOvr>
@@ -8964,7 +8993,7 @@
               <a:pPr>
                 <a:defRPr/>
               </a:pPr>
-              <a:t>17.08.2017</a:t>
+              <a:t>25.08.2017</a:t>
             </a:fld>
             <a:endParaRPr lang="de-DE" dirty="0"/>
           </a:p>
@@ -9046,7 +9075,7 @@
       </p:sp>
       <p:pic>
         <p:nvPicPr>
-          <p:cNvPr id="39938" name="Picture 2" descr="C:\Users\kreme\Documents\SuchTool\Praesentation\frei.png"/>
+          <p:cNvPr id="40962" name="Picture 2" descr="C:\Users\kreme\Documents\SuchTool\Bilder\c.png"/>
           <p:cNvPicPr>
             <a:picLocks noGrp="1" noChangeAspect="1" noChangeArrowheads="1"/>
           </p:cNvPicPr>
@@ -9063,8 +9092,8 @@
         </p:blipFill>
         <p:spPr bwMode="auto">
           <a:xfrm>
-            <a:off x="1198388" y="1268413"/>
-            <a:ext cx="6745637" cy="5040312"/>
+            <a:off x="180000" y="1080000"/>
+            <a:ext cx="6759128" cy="5040312"/>
           </a:xfrm>
           <a:prstGeom prst="rect">
             <a:avLst/>
@@ -9072,6 +9101,36 @@
           <a:noFill/>
         </p:spPr>
       </p:pic>
+      <p:sp>
+        <p:nvSpPr>
+          <p:cNvPr id="8" name="Textfeld 7"/>
+          <p:cNvSpPr txBox="1"/>
+          <p:nvPr/>
+        </p:nvSpPr>
+        <p:spPr>
+          <a:xfrm>
+            <a:off x="7092280" y="4437112"/>
+            <a:ext cx="1512168" cy="400110"/>
+          </a:xfrm>
+          <a:prstGeom prst="rect">
+            <a:avLst/>
+          </a:prstGeom>
+          <a:noFill/>
+        </p:spPr>
+        <p:txBody>
+          <a:bodyPr wrap="square" rtlCol="0">
+            <a:spAutoFit/>
+          </a:bodyPr>
+          <a:lstStyle/>
+          <a:p>
+            <a:r>
+              <a:rPr lang="de-DE" sz="2000" dirty="0" smtClean="0"/>
+              <a:t>Teilanfrage</a:t>
+            </a:r>
+            <a:endParaRPr lang="de-DE" sz="2000" dirty="0"/>
+          </a:p>
+        </p:txBody>
+      </p:sp>
     </p:spTree>
   </p:cSld>
   <p:clrMapOvr>
@@ -9120,7 +9179,7 @@
               <a:pPr>
                 <a:defRPr/>
               </a:pPr>
-              <a:t>17.08.2017</a:t>
+              <a:t>25.08.2017</a:t>
             </a:fld>
             <a:endParaRPr lang="de-DE" dirty="0"/>
           </a:p>
@@ -9202,7 +9261,7 @@
       </p:sp>
       <p:pic>
         <p:nvPicPr>
-          <p:cNvPr id="40962" name="Picture 2" descr="C:\Users\kreme\Documents\SuchTool\Praesentation\meta.png"/>
+          <p:cNvPr id="41986" name="Picture 2" descr="C:\Users\kreme\Documents\SuchTool\Bilder\d.png"/>
           <p:cNvPicPr>
             <a:picLocks noGrp="1" noChangeAspect="1" noChangeArrowheads="1"/>
           </p:cNvPicPr>
@@ -9219,8 +9278,8 @@
         </p:blipFill>
         <p:spPr bwMode="auto">
           <a:xfrm>
-            <a:off x="1198388" y="1268413"/>
-            <a:ext cx="6745637" cy="5040312"/>
+            <a:off x="180000" y="1080000"/>
+            <a:ext cx="6759128" cy="5040312"/>
           </a:xfrm>
           <a:prstGeom prst="rect">
             <a:avLst/>
@@ -9228,6 +9287,41 @@
           <a:noFill/>
         </p:spPr>
       </p:pic>
+      <p:sp>
+        <p:nvSpPr>
+          <p:cNvPr id="8" name="Textfeld 7"/>
+          <p:cNvSpPr txBox="1"/>
+          <p:nvPr/>
+        </p:nvSpPr>
+        <p:spPr>
+          <a:xfrm>
+            <a:off x="7092280" y="5301208"/>
+            <a:ext cx="1584176" cy="707886"/>
+          </a:xfrm>
+          <a:prstGeom prst="rect">
+            <a:avLst/>
+          </a:prstGeom>
+          <a:noFill/>
+        </p:spPr>
+        <p:txBody>
+          <a:bodyPr wrap="square" rtlCol="0">
+            <a:spAutoFit/>
+          </a:bodyPr>
+          <a:lstStyle/>
+          <a:p>
+            <a:r>
+              <a:rPr lang="de-DE" sz="2000" dirty="0" smtClean="0"/>
+              <a:t>Suchbereiche</a:t>
+            </a:r>
+          </a:p>
+          <a:p>
+            <a:r>
+              <a:rPr lang="de-DE" sz="2000" dirty="0" smtClean="0"/>
+              <a:t>auswählen</a:t>
+            </a:r>
+          </a:p>
+        </p:txBody>
+      </p:sp>
     </p:spTree>
   </p:cSld>
   <p:clrMapOvr>
@@ -9276,7 +9370,7 @@
               <a:pPr>
                 <a:defRPr/>
               </a:pPr>
-              <a:t>17.08.2017</a:t>
+              <a:t>25.08.2017</a:t>
             </a:fld>
             <a:endParaRPr lang="de-DE" dirty="0"/>
           </a:p>
@@ -9358,7 +9452,7 @@
       </p:sp>
       <p:pic>
         <p:nvPicPr>
-          <p:cNvPr id="41986" name="Picture 2" descr="C:\Users\kreme\Documents\SuchTool\Praesentation\blubb.png"/>
+          <p:cNvPr id="43010" name="Picture 2" descr="C:\Users\kreme\Documents\SuchTool\Bilder\e.png"/>
           <p:cNvPicPr>
             <a:picLocks noGrp="1" noChangeAspect="1" noChangeArrowheads="1"/>
           </p:cNvPicPr>
@@ -9375,8 +9469,8 @@
         </p:blipFill>
         <p:spPr bwMode="auto">
           <a:xfrm>
-            <a:off x="1198388" y="1268413"/>
-            <a:ext cx="6745637" cy="5040312"/>
+            <a:off x="180000" y="1412775"/>
+            <a:ext cx="3372321" cy="4758402"/>
           </a:xfrm>
           <a:prstGeom prst="rect">
             <a:avLst/>
@@ -9384,6 +9478,36 @@
           <a:noFill/>
         </p:spPr>
       </p:pic>
+      <p:sp>
+        <p:nvSpPr>
+          <p:cNvPr id="8" name="Textfeld 7"/>
+          <p:cNvSpPr txBox="1"/>
+          <p:nvPr/>
+        </p:nvSpPr>
+        <p:spPr>
+          <a:xfrm>
+            <a:off x="3923928" y="1916832"/>
+            <a:ext cx="3024336" cy="400110"/>
+          </a:xfrm>
+          <a:prstGeom prst="rect">
+            <a:avLst/>
+          </a:prstGeom>
+          <a:noFill/>
+        </p:spPr>
+        <p:txBody>
+          <a:bodyPr wrap="square" rtlCol="0">
+            <a:spAutoFit/>
+          </a:bodyPr>
+          <a:lstStyle/>
+          <a:p>
+            <a:r>
+              <a:rPr lang="de-DE" sz="2000" dirty="0" smtClean="0"/>
+              <a:t>Freitextsuche auswählen</a:t>
+            </a:r>
+            <a:endParaRPr lang="de-DE" sz="2000" dirty="0"/>
+          </a:p>
+        </p:txBody>
+      </p:sp>
     </p:spTree>
   </p:cSld>
   <p:clrMapOvr>
@@ -9432,7 +9556,7 @@
               <a:pPr>
                 <a:defRPr/>
               </a:pPr>
-              <a:t>17.08.2017</a:t>
+              <a:t>25.08.2017</a:t>
             </a:fld>
             <a:endParaRPr lang="de-DE" dirty="0"/>
           </a:p>
@@ -9514,7 +9638,7 @@
       </p:sp>
       <p:pic>
         <p:nvPicPr>
-          <p:cNvPr id="43010" name="Picture 2" descr="C:\Users\kreme\Documents\SuchTool\Praesentation\blaaaaaa.png"/>
+          <p:cNvPr id="45058" name="Picture 2" descr="C:\Users\kreme\Documents\SuchTool\Bilder\f.png"/>
           <p:cNvPicPr>
             <a:picLocks noGrp="1" noChangeAspect="1" noChangeArrowheads="1"/>
           </p:cNvPicPr>
@@ -9531,8 +9655,8 @@
         </p:blipFill>
         <p:spPr bwMode="auto">
           <a:xfrm>
-            <a:off x="1200352" y="1268413"/>
-            <a:ext cx="6741708" cy="5040312"/>
+            <a:off x="180000" y="1080000"/>
+            <a:ext cx="6759128" cy="5040312"/>
           </a:xfrm>
           <a:prstGeom prst="rect">
             <a:avLst/>
@@ -9588,7 +9712,7 @@
               <a:pPr>
                 <a:defRPr/>
               </a:pPr>
-              <a:t>17.08.2017</a:t>
+              <a:t>25.08.2017</a:t>
             </a:fld>
             <a:endParaRPr lang="de-DE" dirty="0"/>
           </a:p>
@@ -9670,7 +9794,7 @@
       </p:sp>
       <p:pic>
         <p:nvPicPr>
-          <p:cNvPr id="44034" name="Picture 2" descr="C:\Users\kreme\Documents\SuchTool\Praesentation\ooooor.png"/>
+          <p:cNvPr id="79874" name="Picture 2" descr="C:\Users\kreme\Documents\SuchTool\Bilder\dfki.png"/>
           <p:cNvPicPr>
             <a:picLocks noGrp="1" noChangeAspect="1" noChangeArrowheads="1"/>
           </p:cNvPicPr>
@@ -9687,8 +9811,8 @@
         </p:blipFill>
         <p:spPr bwMode="auto">
           <a:xfrm>
-            <a:off x="1210998" y="1268413"/>
-            <a:ext cx="6720416" cy="5040312"/>
+            <a:off x="180000" y="2160000"/>
+            <a:ext cx="8640763" cy="2136795"/>
           </a:xfrm>
           <a:prstGeom prst="rect">
             <a:avLst/>
@@ -9696,6 +9820,40 @@
           <a:noFill/>
         </p:spPr>
       </p:pic>
+      <p:sp>
+        <p:nvSpPr>
+          <p:cNvPr id="8" name="Textfeld 7"/>
+          <p:cNvSpPr txBox="1"/>
+          <p:nvPr/>
+        </p:nvSpPr>
+        <p:spPr>
+          <a:xfrm>
+            <a:off x="180000" y="1080000"/>
+            <a:ext cx="2255126" cy="401200"/>
+          </a:xfrm>
+          <a:prstGeom prst="rect">
+            <a:avLst/>
+          </a:prstGeom>
+          <a:noFill/>
+        </p:spPr>
+        <p:txBody>
+          <a:bodyPr wrap="none" lIns="90000" tIns="46800" rtlCol="0">
+            <a:spAutoFit/>
+          </a:bodyPr>
+          <a:lstStyle/>
+          <a:p>
+            <a:pPr>
+              <a:buFont typeface="Arial" pitchFamily="34" charset="0"/>
+              <a:buChar char="•"/>
+            </a:pPr>
+            <a:r>
+              <a:rPr lang="de-DE" sz="2000" dirty="0" smtClean="0"/>
+              <a:t> Suchtext eingeben</a:t>
+            </a:r>
+            <a:endParaRPr lang="de-DE" sz="2000" dirty="0"/>
+          </a:p>
+        </p:txBody>
+      </p:sp>
     </p:spTree>
   </p:cSld>
   <p:clrMapOvr>
@@ -9742,11 +9900,7 @@
             </a:pPr>
             <a:r>
               <a:rPr lang="de-DE" dirty="0" smtClean="0"/>
-              <a:t> Hauptanwendungsfall </a:t>
-            </a:r>
-            <a:r>
-              <a:rPr lang="de-DE" dirty="0" smtClean="0"/>
-              <a:t>E-Mail Postfach </a:t>
+              <a:t> Hauptanwendungsfall E-Mail Postfach </a:t>
             </a:r>
           </a:p>
           <a:p>
@@ -9756,11 +9910,7 @@
             </a:pPr>
             <a:r>
               <a:rPr lang="de-DE" dirty="0" smtClean="0"/>
-              <a:t> Semistrukturierte </a:t>
-            </a:r>
-            <a:r>
-              <a:rPr lang="de-DE" dirty="0" smtClean="0"/>
-              <a:t>Dokumente</a:t>
+              <a:t> Semistrukturierte Dokumente</a:t>
             </a:r>
           </a:p>
           <a:p>
@@ -9924,7 +10074,7 @@
               <a:pPr>
                 <a:defRPr/>
               </a:pPr>
-              <a:t>17.08.2017</a:t>
+              <a:t>25.08.2017</a:t>
             </a:fld>
             <a:endParaRPr lang="de-DE" dirty="0"/>
           </a:p>
@@ -10006,7 +10156,7 @@
       </p:sp>
       <p:pic>
         <p:nvPicPr>
-          <p:cNvPr id="45059" name="Picture 3" descr="C:\Users\kreme\Documents\SuchTool\Praesentation\aaaaalll.png"/>
+          <p:cNvPr id="80898" name="Picture 2" descr="C:\Users\kreme\Documents\SuchTool\Bilder\add.png"/>
           <p:cNvPicPr>
             <a:picLocks noGrp="1" noChangeAspect="1" noChangeArrowheads="1"/>
           </p:cNvPicPr>
@@ -10023,8 +10173,8 @@
         </p:blipFill>
         <p:spPr bwMode="auto">
           <a:xfrm>
-            <a:off x="1192567" y="1268413"/>
-            <a:ext cx="6757278" cy="5040312"/>
+            <a:off x="180000" y="2160000"/>
+            <a:ext cx="8640763" cy="2136795"/>
           </a:xfrm>
           <a:prstGeom prst="rect">
             <a:avLst/>
@@ -10032,6 +10182,40 @@
           <a:noFill/>
         </p:spPr>
       </p:pic>
+      <p:sp>
+        <p:nvSpPr>
+          <p:cNvPr id="8" name="Textfeld 7"/>
+          <p:cNvSpPr txBox="1"/>
+          <p:nvPr/>
+        </p:nvSpPr>
+        <p:spPr>
+          <a:xfrm>
+            <a:off x="180000" y="1080000"/>
+            <a:ext cx="2684153" cy="400110"/>
+          </a:xfrm>
+          <a:prstGeom prst="rect">
+            <a:avLst/>
+          </a:prstGeom>
+          <a:noFill/>
+        </p:spPr>
+        <p:txBody>
+          <a:bodyPr wrap="none" lIns="90000" rtlCol="0">
+            <a:spAutoFit/>
+          </a:bodyPr>
+          <a:lstStyle/>
+          <a:p>
+            <a:pPr>
+              <a:buFont typeface="Arial" pitchFamily="34" charset="0"/>
+              <a:buChar char="•"/>
+            </a:pPr>
+            <a:r>
+              <a:rPr lang="de-DE" sz="2000" dirty="0" smtClean="0"/>
+              <a:t> Teilanfrage hinzufügen</a:t>
+            </a:r>
+            <a:endParaRPr lang="de-DE" sz="2000" dirty="0"/>
+          </a:p>
+        </p:txBody>
+      </p:sp>
     </p:spTree>
   </p:cSld>
   <p:clrMapOvr>
@@ -10080,7 +10264,7 @@
               <a:pPr>
                 <a:defRPr/>
               </a:pPr>
-              <a:t>17.08.2017</a:t>
+              <a:t>25.08.2017</a:t>
             </a:fld>
             <a:endParaRPr lang="de-DE" dirty="0"/>
           </a:p>
@@ -10156,13 +10340,16 @@
               <a:rPr lang="de-DE" dirty="0" smtClean="0"/>
               <a:t>Benutzeroberfläche und Bedienung</a:t>
             </a:r>
+            <a:br>
+              <a:rPr lang="de-DE" dirty="0" smtClean="0"/>
+            </a:br>
             <a:endParaRPr lang="de-DE" dirty="0"/>
           </a:p>
         </p:txBody>
       </p:sp>
       <p:pic>
         <p:nvPicPr>
-          <p:cNvPr id="46082" name="Picture 2" descr="C:\Users\kreme\Documents\SuchTool\Praesentation\search.png"/>
+          <p:cNvPr id="40962" name="Picture 2" descr="C:\Users\kreme\Documents\SuchTool\Bilder\blubb.png"/>
           <p:cNvPicPr>
             <a:picLocks noGrp="1" noChangeAspect="1" noChangeArrowheads="1"/>
           </p:cNvPicPr>
@@ -10179,8 +10366,8 @@
         </p:blipFill>
         <p:spPr bwMode="auto">
           <a:xfrm>
-            <a:off x="1195477" y="1268413"/>
-            <a:ext cx="6751458" cy="5040312"/>
+            <a:off x="180000" y="1080000"/>
+            <a:ext cx="6755297" cy="5040312"/>
           </a:xfrm>
           <a:prstGeom prst="rect">
             <a:avLst/>
@@ -10236,7 +10423,7 @@
               <a:pPr>
                 <a:defRPr/>
               </a:pPr>
-              <a:t>17.08.2017</a:t>
+              <a:t>25.08.2017</a:t>
             </a:fld>
             <a:endParaRPr lang="de-DE" dirty="0"/>
           </a:p>
@@ -10312,13 +10499,16 @@
               <a:rPr lang="de-DE" dirty="0" smtClean="0"/>
               <a:t>Benutzeroberfläche und Bedienung</a:t>
             </a:r>
+            <a:br>
+              <a:rPr lang="de-DE" dirty="0" smtClean="0"/>
+            </a:br>
             <a:endParaRPr lang="de-DE" dirty="0"/>
           </a:p>
         </p:txBody>
       </p:sp>
       <p:pic>
         <p:nvPicPr>
-          <p:cNvPr id="48130" name="Picture 2" descr="C:\Users\kreme\Documents\SuchTool\Praesentation\Metadatensuche.png"/>
+          <p:cNvPr id="41986" name="Picture 2" descr="C:\Users\kreme\Documents\SuchTool\Bilder\2.png"/>
           <p:cNvPicPr>
             <a:picLocks noGrp="1" noChangeAspect="1" noChangeArrowheads="1"/>
           </p:cNvPicPr>
@@ -10335,8 +10525,8 @@
         </p:blipFill>
         <p:spPr bwMode="auto">
           <a:xfrm>
-            <a:off x="1193557" y="1268413"/>
-            <a:ext cx="6755298" cy="5040312"/>
+            <a:off x="250825" y="2926039"/>
+            <a:ext cx="8640763" cy="1725059"/>
           </a:xfrm>
           <a:prstGeom prst="rect">
             <a:avLst/>
@@ -10344,6 +10534,40 @@
           <a:noFill/>
         </p:spPr>
       </p:pic>
+      <p:sp>
+        <p:nvSpPr>
+          <p:cNvPr id="9" name="Textfeld 8"/>
+          <p:cNvSpPr txBox="1"/>
+          <p:nvPr/>
+        </p:nvSpPr>
+        <p:spPr>
+          <a:xfrm>
+            <a:off x="180000" y="1080000"/>
+            <a:ext cx="1144993" cy="400110"/>
+          </a:xfrm>
+          <a:prstGeom prst="rect">
+            <a:avLst/>
+          </a:prstGeom>
+          <a:noFill/>
+        </p:spPr>
+        <p:txBody>
+          <a:bodyPr wrap="none" rtlCol="0">
+            <a:spAutoFit/>
+          </a:bodyPr>
+          <a:lstStyle/>
+          <a:p>
+            <a:pPr>
+              <a:buFont typeface="Arial" pitchFamily="34" charset="0"/>
+              <a:buChar char="•"/>
+            </a:pPr>
+            <a:r>
+              <a:rPr lang="de-DE" sz="2000" dirty="0" smtClean="0"/>
+              <a:t> Anzeige</a:t>
+            </a:r>
+            <a:endParaRPr lang="de-DE" sz="2000" dirty="0"/>
+          </a:p>
+        </p:txBody>
+      </p:sp>
     </p:spTree>
   </p:cSld>
   <p:clrMapOvr>
@@ -10392,7 +10616,7 @@
               <a:pPr>
                 <a:defRPr/>
               </a:pPr>
-              <a:t>17.08.2017</a:t>
+              <a:t>25.08.2017</a:t>
             </a:fld>
             <a:endParaRPr lang="de-DE" dirty="0"/>
           </a:p>
@@ -10474,7 +10698,7 @@
       </p:sp>
       <p:pic>
         <p:nvPicPr>
-          <p:cNvPr id="49154" name="Picture 2" descr="C:\Users\kreme\Documents\SuchTool\Praesentation\freitextsuche.png"/>
+          <p:cNvPr id="43010" name="Picture 2" descr="C:\Users\kreme\Documents\SuchTool\Bilder\3.png"/>
           <p:cNvPicPr>
             <a:picLocks noGrp="1" noChangeAspect="1" noChangeArrowheads="1"/>
           </p:cNvPicPr>
@@ -10491,8 +10715,8 @@
         </p:blipFill>
         <p:spPr bwMode="auto">
           <a:xfrm>
-            <a:off x="1193557" y="1268413"/>
-            <a:ext cx="6755298" cy="5040312"/>
+            <a:off x="250825" y="2926039"/>
+            <a:ext cx="8640763" cy="1725059"/>
           </a:xfrm>
           <a:prstGeom prst="rect">
             <a:avLst/>
@@ -10500,6 +10724,40 @@
           <a:noFill/>
         </p:spPr>
       </p:pic>
+      <p:sp>
+        <p:nvSpPr>
+          <p:cNvPr id="10" name="Textfeld 9"/>
+          <p:cNvSpPr txBox="1"/>
+          <p:nvPr/>
+        </p:nvSpPr>
+        <p:spPr>
+          <a:xfrm>
+            <a:off x="180000" y="1080000"/>
+            <a:ext cx="2232248" cy="400110"/>
+          </a:xfrm>
+          <a:prstGeom prst="rect">
+            <a:avLst/>
+          </a:prstGeom>
+          <a:noFill/>
+        </p:spPr>
+        <p:txBody>
+          <a:bodyPr wrap="square" rtlCol="0">
+            <a:spAutoFit/>
+          </a:bodyPr>
+          <a:lstStyle/>
+          <a:p>
+            <a:pPr>
+              <a:buFont typeface="Arial" pitchFamily="34" charset="0"/>
+              <a:buChar char="•"/>
+            </a:pPr>
+            <a:r>
+              <a:rPr lang="de-DE" sz="2000" dirty="0" smtClean="0"/>
+              <a:t> Anzeige</a:t>
+            </a:r>
+            <a:endParaRPr lang="de-DE" sz="2000" dirty="0"/>
+          </a:p>
+        </p:txBody>
+      </p:sp>
     </p:spTree>
   </p:cSld>
   <p:clrMapOvr>
@@ -10527,87 +10785,6 @@
       </p:grpSpPr>
       <p:sp>
         <p:nvSpPr>
-          <p:cNvPr id="2" name="Inhaltsplatzhalter 1"/>
-          <p:cNvSpPr>
-            <a:spLocks noGrp="1"/>
-          </p:cNvSpPr>
-          <p:nvPr>
-            <p:ph sz="quarter" idx="13"/>
-          </p:nvPr>
-        </p:nvSpPr>
-        <p:spPr/>
-        <p:txBody>
-          <a:bodyPr/>
-          <a:lstStyle/>
-          <a:p>
-            <a:pPr>
-              <a:buFont typeface="Arial" pitchFamily="34" charset="0"/>
-              <a:buChar char="•"/>
-            </a:pPr>
-            <a:r>
-              <a:rPr lang="de-DE" dirty="0" smtClean="0">
-                <a:hlinkClick r:id="rId2"/>
-              </a:rPr>
-              <a:t>https://de.wikipedia.org/wiki/Google</a:t>
-            </a:r>
-            <a:endParaRPr lang="de-DE" dirty="0" smtClean="0"/>
-          </a:p>
-          <a:p>
-            <a:pPr>
-              <a:buFont typeface="Arial" pitchFamily="34" charset="0"/>
-              <a:buChar char="•"/>
-            </a:pPr>
-            <a:r>
-              <a:rPr lang="de-DE" dirty="0" smtClean="0">
-                <a:hlinkClick r:id="rId3"/>
-              </a:rPr>
-              <a:t>http://www.underconsideration.com/brandnew/archives/new_logo_for_bing.php</a:t>
-            </a:r>
-            <a:endParaRPr lang="de-DE" dirty="0" smtClean="0"/>
-          </a:p>
-          <a:p>
-            <a:pPr>
-              <a:buFont typeface="Arial" pitchFamily="34" charset="0"/>
-              <a:buChar char="•"/>
-            </a:pPr>
-            <a:r>
-              <a:rPr lang="de-DE" dirty="0" smtClean="0">
-                <a:hlinkClick r:id="rId4"/>
-              </a:rPr>
-              <a:t>http://bibserv.fh-trier.de:8080/webOPACClient/search.do?methodToCall=start</a:t>
-            </a:r>
-            <a:endParaRPr lang="de-DE" dirty="0" smtClean="0"/>
-          </a:p>
-          <a:p>
-            <a:pPr>
-              <a:buFont typeface="Arial" pitchFamily="34" charset="0"/>
-              <a:buChar char="•"/>
-            </a:pPr>
-            <a:r>
-              <a:rPr lang="de-DE" dirty="0" smtClean="0">
-                <a:hlinkClick r:id="rId5"/>
-              </a:rPr>
-              <a:t>http://www.arbeitstipps.de/email-postfach-aufraeumen-3-tipps.html</a:t>
-            </a:r>
-            <a:endParaRPr lang="de-DE" dirty="0" smtClean="0"/>
-          </a:p>
-          <a:p>
-            <a:endParaRPr lang="de-DE" dirty="0" smtClean="0"/>
-          </a:p>
-          <a:p>
-            <a:pPr>
-              <a:buFont typeface="Arial" pitchFamily="34" charset="0"/>
-              <a:buChar char="•"/>
-            </a:pPr>
-            <a:endParaRPr lang="de-DE" dirty="0" smtClean="0"/>
-          </a:p>
-          <a:p>
-            <a:endParaRPr lang="de-DE" dirty="0"/>
-          </a:p>
-        </p:txBody>
-      </p:sp>
-      <p:sp>
-        <p:nvSpPr>
           <p:cNvPr id="3" name="Datumsplatzhalter 2"/>
           <p:cNvSpPr>
             <a:spLocks noGrp="1"/>
@@ -10629,7 +10806,7 @@
               <a:pPr>
                 <a:defRPr/>
               </a:pPr>
-              <a:t>17.08.2017</a:t>
+              <a:t>25.08.2017</a:t>
             </a:fld>
             <a:endParaRPr lang="de-DE" dirty="0"/>
           </a:p>
@@ -10703,24 +10880,855 @@
           <a:p>
             <a:r>
               <a:rPr lang="de-DE" dirty="0" smtClean="0"/>
-              <a:t>Bildquellen</a:t>
+              <a:t>Benutzeroberfläche und Bedienung</a:t>
             </a:r>
             <a:endParaRPr lang="de-DE" dirty="0"/>
           </a:p>
         </p:txBody>
       </p:sp>
+      <p:pic>
+        <p:nvPicPr>
+          <p:cNvPr id="44034" name="Picture 2" descr="C:\Users\kreme\Documents\SuchTool\Bilder\4.png"/>
+          <p:cNvPicPr>
+            <a:picLocks noGrp="1" noChangeAspect="1" noChangeArrowheads="1"/>
+          </p:cNvPicPr>
+          <p:nvPr>
+            <p:ph sz="quarter" idx="13"/>
+          </p:nvPr>
+        </p:nvPicPr>
+        <p:blipFill>
+          <a:blip r:embed="rId2" cstate="print"/>
+          <a:srcRect/>
+          <a:stretch>
+            <a:fillRect/>
+          </a:stretch>
+        </p:blipFill>
+        <p:spPr bwMode="auto">
+          <a:xfrm>
+            <a:off x="250825" y="2926039"/>
+            <a:ext cx="8640763" cy="1725059"/>
+          </a:xfrm>
+          <a:prstGeom prst="rect">
+            <a:avLst/>
+          </a:prstGeom>
+          <a:noFill/>
+        </p:spPr>
+      </p:pic>
     </p:spTree>
   </p:cSld>
   <p:clrMapOvr>
     <a:masterClrMapping/>
   </p:clrMapOvr>
-  <p:timing>
-    <p:tnLst>
-      <p:par>
-        <p:cTn id="1" dur="indefinite" restart="never" nodeType="tmRoot"/>
-      </p:par>
-    </p:tnLst>
-  </p:timing>
+</p:sld>
+</file>
+
+<file path=ppt/slides/slide35.xml><?xml version="1.0" encoding="utf-8"?>
+<p:sld xmlns:a="http://schemas.openxmlformats.org/drawingml/2006/main" xmlns:r="http://schemas.openxmlformats.org/officeDocument/2006/relationships" xmlns:p="http://schemas.openxmlformats.org/presentationml/2006/main">
+  <p:cSld>
+    <p:spTree>
+      <p:nvGrpSpPr>
+        <p:cNvPr id="1" name=""/>
+        <p:cNvGrpSpPr/>
+        <p:nvPr/>
+      </p:nvGrpSpPr>
+      <p:grpSpPr>
+        <a:xfrm>
+          <a:off x="0" y="0"/>
+          <a:ext cx="0" cy="0"/>
+          <a:chOff x="0" y="0"/>
+          <a:chExt cx="0" cy="0"/>
+        </a:xfrm>
+      </p:grpSpPr>
+      <p:sp>
+        <p:nvSpPr>
+          <p:cNvPr id="3" name="Datumsplatzhalter 2"/>
+          <p:cNvSpPr>
+            <a:spLocks noGrp="1"/>
+          </p:cNvSpPr>
+          <p:nvPr>
+            <p:ph type="dt" sz="half" idx="14"/>
+          </p:nvPr>
+        </p:nvSpPr>
+        <p:spPr/>
+        <p:txBody>
+          <a:bodyPr/>
+          <a:lstStyle/>
+          <a:p>
+            <a:pPr>
+              <a:defRPr/>
+            </a:pPr>
+            <a:fld id="{EE9AC89C-B0F3-4179-9BF1-A11BD48F530E}" type="datetime1">
+              <a:rPr lang="de-DE" smtClean="0"/>
+              <a:pPr>
+                <a:defRPr/>
+              </a:pPr>
+              <a:t>25.08.2017</a:t>
+            </a:fld>
+            <a:endParaRPr lang="de-DE" dirty="0"/>
+          </a:p>
+        </p:txBody>
+      </p:sp>
+      <p:sp>
+        <p:nvSpPr>
+          <p:cNvPr id="4" name="Fußzeilenplatzhalter 3"/>
+          <p:cNvSpPr>
+            <a:spLocks noGrp="1"/>
+          </p:cNvSpPr>
+          <p:nvPr>
+            <p:ph type="ftr" sz="quarter" idx="15"/>
+          </p:nvPr>
+        </p:nvSpPr>
+        <p:spPr/>
+        <p:txBody>
+          <a:bodyPr/>
+          <a:lstStyle/>
+          <a:p>
+            <a:pPr>
+              <a:defRPr/>
+            </a:pPr>
+            <a:endParaRPr lang="de-DE"/>
+          </a:p>
+        </p:txBody>
+      </p:sp>
+      <p:sp>
+        <p:nvSpPr>
+          <p:cNvPr id="5" name="Foliennummernplatzhalter 4"/>
+          <p:cNvSpPr>
+            <a:spLocks noGrp="1"/>
+          </p:cNvSpPr>
+          <p:nvPr>
+            <p:ph type="sldNum" sz="quarter" idx="16"/>
+          </p:nvPr>
+        </p:nvSpPr>
+        <p:spPr/>
+        <p:txBody>
+          <a:bodyPr/>
+          <a:lstStyle/>
+          <a:p>
+            <a:pPr>
+              <a:defRPr/>
+            </a:pPr>
+            <a:fld id="{B53A9DA1-A25A-429F-A02C-54EE5606360E}" type="slidenum">
+              <a:rPr lang="de-DE" altLang="de-DE" smtClean="0"/>
+              <a:pPr>
+                <a:defRPr/>
+              </a:pPr>
+              <a:t>35</a:t>
+            </a:fld>
+            <a:endParaRPr lang="de-DE" altLang="de-DE" dirty="0"/>
+          </a:p>
+        </p:txBody>
+      </p:sp>
+      <p:sp>
+        <p:nvSpPr>
+          <p:cNvPr id="6" name="Titel 5"/>
+          <p:cNvSpPr>
+            <a:spLocks noGrp="1"/>
+          </p:cNvSpPr>
+          <p:nvPr>
+            <p:ph type="title"/>
+          </p:nvPr>
+        </p:nvSpPr>
+        <p:spPr/>
+        <p:txBody>
+          <a:bodyPr/>
+          <a:lstStyle/>
+          <a:p>
+            <a:r>
+              <a:rPr lang="de-DE" dirty="0" smtClean="0"/>
+              <a:t>Benutzeroberfläche und Bedienung</a:t>
+            </a:r>
+            <a:endParaRPr lang="de-DE" dirty="0"/>
+          </a:p>
+        </p:txBody>
+      </p:sp>
+      <p:pic>
+        <p:nvPicPr>
+          <p:cNvPr id="45058" name="Picture 2" descr="C:\Users\kreme\Documents\SuchTool\Bilder\5.png"/>
+          <p:cNvPicPr>
+            <a:picLocks noGrp="1" noChangeAspect="1" noChangeArrowheads="1"/>
+          </p:cNvPicPr>
+          <p:nvPr>
+            <p:ph sz="quarter" idx="13"/>
+          </p:nvPr>
+        </p:nvPicPr>
+        <p:blipFill>
+          <a:blip r:embed="rId2" cstate="print"/>
+          <a:srcRect/>
+          <a:stretch>
+            <a:fillRect/>
+          </a:stretch>
+        </p:blipFill>
+        <p:spPr bwMode="auto">
+          <a:xfrm>
+            <a:off x="250825" y="2926039"/>
+            <a:ext cx="8640763" cy="1725059"/>
+          </a:xfrm>
+          <a:prstGeom prst="rect">
+            <a:avLst/>
+          </a:prstGeom>
+          <a:noFill/>
+        </p:spPr>
+      </p:pic>
+    </p:spTree>
+  </p:cSld>
+  <p:clrMapOvr>
+    <a:masterClrMapping/>
+  </p:clrMapOvr>
+</p:sld>
+</file>
+
+<file path=ppt/slides/slide36.xml><?xml version="1.0" encoding="utf-8"?>
+<p:sld xmlns:a="http://schemas.openxmlformats.org/drawingml/2006/main" xmlns:r="http://schemas.openxmlformats.org/officeDocument/2006/relationships" xmlns:p="http://schemas.openxmlformats.org/presentationml/2006/main">
+  <p:cSld>
+    <p:spTree>
+      <p:nvGrpSpPr>
+        <p:cNvPr id="1" name=""/>
+        <p:cNvGrpSpPr/>
+        <p:nvPr/>
+      </p:nvGrpSpPr>
+      <p:grpSpPr>
+        <a:xfrm>
+          <a:off x="0" y="0"/>
+          <a:ext cx="0" cy="0"/>
+          <a:chOff x="0" y="0"/>
+          <a:chExt cx="0" cy="0"/>
+        </a:xfrm>
+      </p:grpSpPr>
+      <p:sp>
+        <p:nvSpPr>
+          <p:cNvPr id="3" name="Datumsplatzhalter 2"/>
+          <p:cNvSpPr>
+            <a:spLocks noGrp="1"/>
+          </p:cNvSpPr>
+          <p:nvPr>
+            <p:ph type="dt" sz="half" idx="14"/>
+          </p:nvPr>
+        </p:nvSpPr>
+        <p:spPr/>
+        <p:txBody>
+          <a:bodyPr/>
+          <a:lstStyle/>
+          <a:p>
+            <a:pPr>
+              <a:defRPr/>
+            </a:pPr>
+            <a:fld id="{EE9AC89C-B0F3-4179-9BF1-A11BD48F530E}" type="datetime1">
+              <a:rPr lang="de-DE" smtClean="0"/>
+              <a:pPr>
+                <a:defRPr/>
+              </a:pPr>
+              <a:t>25.08.2017</a:t>
+            </a:fld>
+            <a:endParaRPr lang="de-DE" dirty="0"/>
+          </a:p>
+        </p:txBody>
+      </p:sp>
+      <p:sp>
+        <p:nvSpPr>
+          <p:cNvPr id="4" name="Fußzeilenplatzhalter 3"/>
+          <p:cNvSpPr>
+            <a:spLocks noGrp="1"/>
+          </p:cNvSpPr>
+          <p:nvPr>
+            <p:ph type="ftr" sz="quarter" idx="15"/>
+          </p:nvPr>
+        </p:nvSpPr>
+        <p:spPr/>
+        <p:txBody>
+          <a:bodyPr/>
+          <a:lstStyle/>
+          <a:p>
+            <a:pPr>
+              <a:defRPr/>
+            </a:pPr>
+            <a:endParaRPr lang="de-DE"/>
+          </a:p>
+        </p:txBody>
+      </p:sp>
+      <p:sp>
+        <p:nvSpPr>
+          <p:cNvPr id="5" name="Foliennummernplatzhalter 4"/>
+          <p:cNvSpPr>
+            <a:spLocks noGrp="1"/>
+          </p:cNvSpPr>
+          <p:nvPr>
+            <p:ph type="sldNum" sz="quarter" idx="16"/>
+          </p:nvPr>
+        </p:nvSpPr>
+        <p:spPr/>
+        <p:txBody>
+          <a:bodyPr/>
+          <a:lstStyle/>
+          <a:p>
+            <a:pPr>
+              <a:defRPr/>
+            </a:pPr>
+            <a:fld id="{B53A9DA1-A25A-429F-A02C-54EE5606360E}" type="slidenum">
+              <a:rPr lang="de-DE" altLang="de-DE" smtClean="0"/>
+              <a:pPr>
+                <a:defRPr/>
+              </a:pPr>
+              <a:t>36</a:t>
+            </a:fld>
+            <a:endParaRPr lang="de-DE" altLang="de-DE" dirty="0"/>
+          </a:p>
+        </p:txBody>
+      </p:sp>
+      <p:sp>
+        <p:nvSpPr>
+          <p:cNvPr id="6" name="Titel 5"/>
+          <p:cNvSpPr>
+            <a:spLocks noGrp="1"/>
+          </p:cNvSpPr>
+          <p:nvPr>
+            <p:ph type="title"/>
+          </p:nvPr>
+        </p:nvSpPr>
+        <p:spPr/>
+        <p:txBody>
+          <a:bodyPr/>
+          <a:lstStyle/>
+          <a:p>
+            <a:r>
+              <a:rPr lang="de-DE" dirty="0" smtClean="0"/>
+              <a:t>Benutzeroberfläche und Bedienung</a:t>
+            </a:r>
+            <a:endParaRPr lang="de-DE" dirty="0"/>
+          </a:p>
+        </p:txBody>
+      </p:sp>
+      <p:pic>
+        <p:nvPicPr>
+          <p:cNvPr id="46082" name="Picture 2" descr="C:\Users\kreme\Documents\SuchTool\Bilder\d.png"/>
+          <p:cNvPicPr>
+            <a:picLocks noGrp="1" noChangeAspect="1" noChangeArrowheads="1"/>
+          </p:cNvPicPr>
+          <p:nvPr>
+            <p:ph sz="quarter" idx="13"/>
+          </p:nvPr>
+        </p:nvPicPr>
+        <p:blipFill>
+          <a:blip r:embed="rId2" cstate="print"/>
+          <a:srcRect/>
+          <a:stretch>
+            <a:fillRect/>
+          </a:stretch>
+        </p:blipFill>
+        <p:spPr bwMode="auto">
+          <a:xfrm>
+            <a:off x="1191642" y="1268413"/>
+            <a:ext cx="6759128" cy="5040312"/>
+          </a:xfrm>
+          <a:prstGeom prst="rect">
+            <a:avLst/>
+          </a:prstGeom>
+          <a:noFill/>
+        </p:spPr>
+      </p:pic>
+    </p:spTree>
+  </p:cSld>
+  <p:clrMapOvr>
+    <a:masterClrMapping/>
+  </p:clrMapOvr>
+</p:sld>
+</file>
+
+<file path=ppt/slides/slide37.xml><?xml version="1.0" encoding="utf-8"?>
+<p:sld xmlns:a="http://schemas.openxmlformats.org/drawingml/2006/main" xmlns:r="http://schemas.openxmlformats.org/officeDocument/2006/relationships" xmlns:p="http://schemas.openxmlformats.org/presentationml/2006/main">
+  <p:cSld>
+    <p:spTree>
+      <p:nvGrpSpPr>
+        <p:cNvPr id="1" name=""/>
+        <p:cNvGrpSpPr/>
+        <p:nvPr/>
+      </p:nvGrpSpPr>
+      <p:grpSpPr>
+        <a:xfrm>
+          <a:off x="0" y="0"/>
+          <a:ext cx="0" cy="0"/>
+          <a:chOff x="0" y="0"/>
+          <a:chExt cx="0" cy="0"/>
+        </a:xfrm>
+      </p:grpSpPr>
+      <p:sp>
+        <p:nvSpPr>
+          <p:cNvPr id="3" name="Datumsplatzhalter 2"/>
+          <p:cNvSpPr>
+            <a:spLocks noGrp="1"/>
+          </p:cNvSpPr>
+          <p:nvPr>
+            <p:ph type="dt" sz="half" idx="14"/>
+          </p:nvPr>
+        </p:nvSpPr>
+        <p:spPr/>
+        <p:txBody>
+          <a:bodyPr/>
+          <a:lstStyle/>
+          <a:p>
+            <a:pPr>
+              <a:defRPr/>
+            </a:pPr>
+            <a:fld id="{EE9AC89C-B0F3-4179-9BF1-A11BD48F530E}" type="datetime1">
+              <a:rPr lang="de-DE" smtClean="0"/>
+              <a:pPr>
+                <a:defRPr/>
+              </a:pPr>
+              <a:t>25.08.2017</a:t>
+            </a:fld>
+            <a:endParaRPr lang="de-DE" dirty="0"/>
+          </a:p>
+        </p:txBody>
+      </p:sp>
+      <p:sp>
+        <p:nvSpPr>
+          <p:cNvPr id="4" name="Fußzeilenplatzhalter 3"/>
+          <p:cNvSpPr>
+            <a:spLocks noGrp="1"/>
+          </p:cNvSpPr>
+          <p:nvPr>
+            <p:ph type="ftr" sz="quarter" idx="15"/>
+          </p:nvPr>
+        </p:nvSpPr>
+        <p:spPr/>
+        <p:txBody>
+          <a:bodyPr/>
+          <a:lstStyle/>
+          <a:p>
+            <a:pPr>
+              <a:defRPr/>
+            </a:pPr>
+            <a:endParaRPr lang="de-DE"/>
+          </a:p>
+        </p:txBody>
+      </p:sp>
+      <p:sp>
+        <p:nvSpPr>
+          <p:cNvPr id="5" name="Foliennummernplatzhalter 4"/>
+          <p:cNvSpPr>
+            <a:spLocks noGrp="1"/>
+          </p:cNvSpPr>
+          <p:nvPr>
+            <p:ph type="sldNum" sz="quarter" idx="16"/>
+          </p:nvPr>
+        </p:nvSpPr>
+        <p:spPr/>
+        <p:txBody>
+          <a:bodyPr/>
+          <a:lstStyle/>
+          <a:p>
+            <a:pPr>
+              <a:defRPr/>
+            </a:pPr>
+            <a:fld id="{B53A9DA1-A25A-429F-A02C-54EE5606360E}" type="slidenum">
+              <a:rPr lang="de-DE" altLang="de-DE" smtClean="0"/>
+              <a:pPr>
+                <a:defRPr/>
+              </a:pPr>
+              <a:t>37</a:t>
+            </a:fld>
+            <a:endParaRPr lang="de-DE" altLang="de-DE" dirty="0"/>
+          </a:p>
+        </p:txBody>
+      </p:sp>
+      <p:sp>
+        <p:nvSpPr>
+          <p:cNvPr id="6" name="Titel 5"/>
+          <p:cNvSpPr>
+            <a:spLocks noGrp="1"/>
+          </p:cNvSpPr>
+          <p:nvPr>
+            <p:ph type="title"/>
+          </p:nvPr>
+        </p:nvSpPr>
+        <p:spPr/>
+        <p:txBody>
+          <a:bodyPr/>
+          <a:lstStyle/>
+          <a:p>
+            <a:r>
+              <a:rPr lang="de-DE" dirty="0" smtClean="0"/>
+              <a:t>Benutzeroberfläche und Bedienung</a:t>
+            </a:r>
+            <a:endParaRPr lang="de-DE" dirty="0"/>
+          </a:p>
+        </p:txBody>
+      </p:sp>
+      <p:pic>
+        <p:nvPicPr>
+          <p:cNvPr id="47106" name="Picture 2" descr="C:\Users\kreme\Documents\SuchTool\Bilder\m.png"/>
+          <p:cNvPicPr>
+            <a:picLocks noGrp="1" noChangeAspect="1" noChangeArrowheads="1"/>
+          </p:cNvPicPr>
+          <p:nvPr>
+            <p:ph sz="quarter" idx="13"/>
+          </p:nvPr>
+        </p:nvPicPr>
+        <p:blipFill>
+          <a:blip r:embed="rId2" cstate="print"/>
+          <a:srcRect/>
+          <a:stretch>
+            <a:fillRect/>
+          </a:stretch>
+        </p:blipFill>
+        <p:spPr bwMode="auto">
+          <a:xfrm>
+            <a:off x="467544" y="1340768"/>
+            <a:ext cx="3456384" cy="4622914"/>
+          </a:xfrm>
+          <a:prstGeom prst="rect">
+            <a:avLst/>
+          </a:prstGeom>
+          <a:noFill/>
+        </p:spPr>
+      </p:pic>
+      <p:sp>
+        <p:nvSpPr>
+          <p:cNvPr id="8" name="Textfeld 7"/>
+          <p:cNvSpPr txBox="1"/>
+          <p:nvPr/>
+        </p:nvSpPr>
+        <p:spPr>
+          <a:xfrm>
+            <a:off x="4283968" y="2132856"/>
+            <a:ext cx="3960440" cy="369332"/>
+          </a:xfrm>
+          <a:prstGeom prst="rect">
+            <a:avLst/>
+          </a:prstGeom>
+          <a:noFill/>
+        </p:spPr>
+        <p:txBody>
+          <a:bodyPr wrap="square" rtlCol="0">
+            <a:spAutoFit/>
+          </a:bodyPr>
+          <a:lstStyle/>
+          <a:p>
+            <a:r>
+              <a:rPr lang="de-DE" dirty="0" smtClean="0"/>
+              <a:t>Metadaten auswählen</a:t>
+            </a:r>
+            <a:endParaRPr lang="de-DE" dirty="0"/>
+          </a:p>
+        </p:txBody>
+      </p:sp>
+    </p:spTree>
+  </p:cSld>
+  <p:clrMapOvr>
+    <a:masterClrMapping/>
+  </p:clrMapOvr>
+</p:sld>
+</file>
+
+<file path=ppt/slides/slide38.xml><?xml version="1.0" encoding="utf-8"?>
+<p:sld xmlns:a="http://schemas.openxmlformats.org/drawingml/2006/main" xmlns:r="http://schemas.openxmlformats.org/officeDocument/2006/relationships" xmlns:p="http://schemas.openxmlformats.org/presentationml/2006/main">
+  <p:cSld>
+    <p:spTree>
+      <p:nvGrpSpPr>
+        <p:cNvPr id="1" name=""/>
+        <p:cNvGrpSpPr/>
+        <p:nvPr/>
+      </p:nvGrpSpPr>
+      <p:grpSpPr>
+        <a:xfrm>
+          <a:off x="0" y="0"/>
+          <a:ext cx="0" cy="0"/>
+          <a:chOff x="0" y="0"/>
+          <a:chExt cx="0" cy="0"/>
+        </a:xfrm>
+      </p:grpSpPr>
+      <p:sp>
+        <p:nvSpPr>
+          <p:cNvPr id="3" name="Datumsplatzhalter 2"/>
+          <p:cNvSpPr>
+            <a:spLocks noGrp="1"/>
+          </p:cNvSpPr>
+          <p:nvPr>
+            <p:ph type="dt" sz="half" idx="14"/>
+          </p:nvPr>
+        </p:nvSpPr>
+        <p:spPr/>
+        <p:txBody>
+          <a:bodyPr/>
+          <a:lstStyle/>
+          <a:p>
+            <a:pPr>
+              <a:defRPr/>
+            </a:pPr>
+            <a:fld id="{EE9AC89C-B0F3-4179-9BF1-A11BD48F530E}" type="datetime1">
+              <a:rPr lang="de-DE" smtClean="0"/>
+              <a:pPr>
+                <a:defRPr/>
+              </a:pPr>
+              <a:t>25.08.2017</a:t>
+            </a:fld>
+            <a:endParaRPr lang="de-DE" dirty="0"/>
+          </a:p>
+        </p:txBody>
+      </p:sp>
+      <p:sp>
+        <p:nvSpPr>
+          <p:cNvPr id="4" name="Fußzeilenplatzhalter 3"/>
+          <p:cNvSpPr>
+            <a:spLocks noGrp="1"/>
+          </p:cNvSpPr>
+          <p:nvPr>
+            <p:ph type="ftr" sz="quarter" idx="15"/>
+          </p:nvPr>
+        </p:nvSpPr>
+        <p:spPr/>
+        <p:txBody>
+          <a:bodyPr/>
+          <a:lstStyle/>
+          <a:p>
+            <a:pPr>
+              <a:defRPr/>
+            </a:pPr>
+            <a:endParaRPr lang="de-DE"/>
+          </a:p>
+        </p:txBody>
+      </p:sp>
+      <p:sp>
+        <p:nvSpPr>
+          <p:cNvPr id="5" name="Foliennummernplatzhalter 4"/>
+          <p:cNvSpPr>
+            <a:spLocks noGrp="1"/>
+          </p:cNvSpPr>
+          <p:nvPr>
+            <p:ph type="sldNum" sz="quarter" idx="16"/>
+          </p:nvPr>
+        </p:nvSpPr>
+        <p:spPr/>
+        <p:txBody>
+          <a:bodyPr/>
+          <a:lstStyle/>
+          <a:p>
+            <a:pPr>
+              <a:defRPr/>
+            </a:pPr>
+            <a:fld id="{B53A9DA1-A25A-429F-A02C-54EE5606360E}" type="slidenum">
+              <a:rPr lang="de-DE" altLang="de-DE" smtClean="0"/>
+              <a:pPr>
+                <a:defRPr/>
+              </a:pPr>
+              <a:t>38</a:t>
+            </a:fld>
+            <a:endParaRPr lang="de-DE" altLang="de-DE" dirty="0"/>
+          </a:p>
+        </p:txBody>
+      </p:sp>
+      <p:sp>
+        <p:nvSpPr>
+          <p:cNvPr id="6" name="Titel 5"/>
+          <p:cNvSpPr>
+            <a:spLocks noGrp="1"/>
+          </p:cNvSpPr>
+          <p:nvPr>
+            <p:ph type="title"/>
+          </p:nvPr>
+        </p:nvSpPr>
+        <p:spPr/>
+        <p:txBody>
+          <a:bodyPr/>
+          <a:lstStyle/>
+          <a:p>
+            <a:r>
+              <a:rPr lang="de-DE" dirty="0" smtClean="0"/>
+              <a:t>Benutzeroberfläche und Bedienung</a:t>
+            </a:r>
+            <a:endParaRPr lang="de-DE" dirty="0"/>
+          </a:p>
+        </p:txBody>
+      </p:sp>
+      <p:pic>
+        <p:nvPicPr>
+          <p:cNvPr id="49154" name="Picture 2" descr="C:\Users\kreme\Documents\SuchTool\Bilder\m_1.png"/>
+          <p:cNvPicPr>
+            <a:picLocks noGrp="1" noChangeAspect="1" noChangeArrowheads="1"/>
+          </p:cNvPicPr>
+          <p:nvPr>
+            <p:ph sz="quarter" idx="13"/>
+          </p:nvPr>
+        </p:nvPicPr>
+        <p:blipFill>
+          <a:blip r:embed="rId2" cstate="print"/>
+          <a:srcRect/>
+          <a:stretch>
+            <a:fillRect/>
+          </a:stretch>
+        </p:blipFill>
+        <p:spPr bwMode="auto">
+          <a:xfrm>
+            <a:off x="180000" y="1080000"/>
+            <a:ext cx="6749585" cy="5040312"/>
+          </a:xfrm>
+          <a:prstGeom prst="rect">
+            <a:avLst/>
+          </a:prstGeom>
+          <a:noFill/>
+        </p:spPr>
+      </p:pic>
+    </p:spTree>
+  </p:cSld>
+  <p:clrMapOvr>
+    <a:masterClrMapping/>
+  </p:clrMapOvr>
+</p:sld>
+</file>
+
+<file path=ppt/slides/slide39.xml><?xml version="1.0" encoding="utf-8"?>
+<p:sld xmlns:a="http://schemas.openxmlformats.org/drawingml/2006/main" xmlns:r="http://schemas.openxmlformats.org/officeDocument/2006/relationships" xmlns:p="http://schemas.openxmlformats.org/presentationml/2006/main">
+  <p:cSld>
+    <p:spTree>
+      <p:nvGrpSpPr>
+        <p:cNvPr id="1" name=""/>
+        <p:cNvGrpSpPr/>
+        <p:nvPr/>
+      </p:nvGrpSpPr>
+      <p:grpSpPr>
+        <a:xfrm>
+          <a:off x="0" y="0"/>
+          <a:ext cx="0" cy="0"/>
+          <a:chOff x="0" y="0"/>
+          <a:chExt cx="0" cy="0"/>
+        </a:xfrm>
+      </p:grpSpPr>
+      <p:sp>
+        <p:nvSpPr>
+          <p:cNvPr id="3" name="Datumsplatzhalter 2"/>
+          <p:cNvSpPr>
+            <a:spLocks noGrp="1"/>
+          </p:cNvSpPr>
+          <p:nvPr>
+            <p:ph type="dt" sz="half" idx="14"/>
+          </p:nvPr>
+        </p:nvSpPr>
+        <p:spPr/>
+        <p:txBody>
+          <a:bodyPr/>
+          <a:lstStyle/>
+          <a:p>
+            <a:pPr>
+              <a:defRPr/>
+            </a:pPr>
+            <a:fld id="{EE9AC89C-B0F3-4179-9BF1-A11BD48F530E}" type="datetime1">
+              <a:rPr lang="de-DE" smtClean="0"/>
+              <a:pPr>
+                <a:defRPr/>
+              </a:pPr>
+              <a:t>25.08.2017</a:t>
+            </a:fld>
+            <a:endParaRPr lang="de-DE" dirty="0"/>
+          </a:p>
+        </p:txBody>
+      </p:sp>
+      <p:sp>
+        <p:nvSpPr>
+          <p:cNvPr id="4" name="Fußzeilenplatzhalter 3"/>
+          <p:cNvSpPr>
+            <a:spLocks noGrp="1"/>
+          </p:cNvSpPr>
+          <p:nvPr>
+            <p:ph type="ftr" sz="quarter" idx="15"/>
+          </p:nvPr>
+        </p:nvSpPr>
+        <p:spPr/>
+        <p:txBody>
+          <a:bodyPr/>
+          <a:lstStyle/>
+          <a:p>
+            <a:pPr>
+              <a:defRPr/>
+            </a:pPr>
+            <a:endParaRPr lang="de-DE"/>
+          </a:p>
+        </p:txBody>
+      </p:sp>
+      <p:sp>
+        <p:nvSpPr>
+          <p:cNvPr id="5" name="Foliennummernplatzhalter 4"/>
+          <p:cNvSpPr>
+            <a:spLocks noGrp="1"/>
+          </p:cNvSpPr>
+          <p:nvPr>
+            <p:ph type="sldNum" sz="quarter" idx="16"/>
+          </p:nvPr>
+        </p:nvSpPr>
+        <p:spPr/>
+        <p:txBody>
+          <a:bodyPr/>
+          <a:lstStyle/>
+          <a:p>
+            <a:pPr>
+              <a:defRPr/>
+            </a:pPr>
+            <a:fld id="{B53A9DA1-A25A-429F-A02C-54EE5606360E}" type="slidenum">
+              <a:rPr lang="de-DE" altLang="de-DE" smtClean="0"/>
+              <a:pPr>
+                <a:defRPr/>
+              </a:pPr>
+              <a:t>39</a:t>
+            </a:fld>
+            <a:endParaRPr lang="de-DE" altLang="de-DE" dirty="0"/>
+          </a:p>
+        </p:txBody>
+      </p:sp>
+      <p:sp>
+        <p:nvSpPr>
+          <p:cNvPr id="6" name="Titel 5"/>
+          <p:cNvSpPr>
+            <a:spLocks noGrp="1"/>
+          </p:cNvSpPr>
+          <p:nvPr>
+            <p:ph type="title"/>
+          </p:nvPr>
+        </p:nvSpPr>
+        <p:spPr/>
+        <p:txBody>
+          <a:bodyPr/>
+          <a:lstStyle/>
+          <a:p>
+            <a:r>
+              <a:rPr lang="de-DE" dirty="0" smtClean="0"/>
+              <a:t>Benutzeroberfläche und Bedienung</a:t>
+            </a:r>
+            <a:endParaRPr lang="de-DE" dirty="0"/>
+          </a:p>
+        </p:txBody>
+      </p:sp>
+      <p:pic>
+        <p:nvPicPr>
+          <p:cNvPr id="50178" name="Picture 2" descr="C:\Users\kreme\Documents\SuchTool\Bilder\n.png"/>
+          <p:cNvPicPr>
+            <a:picLocks noGrp="1" noChangeAspect="1" noChangeArrowheads="1"/>
+          </p:cNvPicPr>
+          <p:nvPr>
+            <p:ph sz="quarter" idx="13"/>
+          </p:nvPr>
+        </p:nvPicPr>
+        <p:blipFill>
+          <a:blip r:embed="rId2" cstate="print"/>
+          <a:srcRect/>
+          <a:stretch>
+            <a:fillRect/>
+          </a:stretch>
+        </p:blipFill>
+        <p:spPr bwMode="auto">
+          <a:xfrm>
+            <a:off x="180000" y="2160000"/>
+            <a:ext cx="8640763" cy="1225586"/>
+          </a:xfrm>
+          <a:prstGeom prst="rect">
+            <a:avLst/>
+          </a:prstGeom>
+          <a:noFill/>
+        </p:spPr>
+      </p:pic>
+    </p:spTree>
+  </p:cSld>
+  <p:clrMapOvr>
+    <a:masterClrMapping/>
+  </p:clrMapOvr>
 </p:sld>
 </file>
 
@@ -10764,7 +11772,6 @@
               <a:rPr lang="de-DE" dirty="0" smtClean="0"/>
               <a:t> Metadatensuche</a:t>
             </a:r>
-            <a:endParaRPr lang="de-DE" dirty="0" smtClean="0"/>
           </a:p>
           <a:p>
             <a:pPr>
@@ -10773,11 +11780,7 @@
             </a:pPr>
             <a:r>
               <a:rPr lang="de-DE" dirty="0" smtClean="0"/>
-              <a:t> Charakterisieren </a:t>
-            </a:r>
-            <a:r>
-              <a:rPr lang="de-DE" dirty="0" smtClean="0"/>
-              <a:t>von Mengen durch Attribute</a:t>
+              <a:t> Charakterisieren von Mengen durch Attribute</a:t>
             </a:r>
           </a:p>
           <a:p>
@@ -10813,7 +11816,6 @@
               <a:rPr lang="de-DE" dirty="0" smtClean="0"/>
               <a:t> Mengenoperationen </a:t>
             </a:r>
-            <a:endParaRPr lang="de-DE" dirty="0" smtClean="0"/>
           </a:p>
           <a:p>
             <a:pPr lvl="1"/>
@@ -10871,7 +11873,7 @@
               <a:pPr>
                 <a:defRPr/>
               </a:pPr>
-              <a:t>17.08.2017</a:t>
+              <a:t>25.08.2017</a:t>
             </a:fld>
             <a:endParaRPr lang="de-DE" dirty="0"/>
           </a:p>
@@ -11022,6 +12024,1526 @@
 </p:sld>
 </file>
 
+<file path=ppt/slides/slide40.xml><?xml version="1.0" encoding="utf-8"?>
+<p:sld xmlns:a="http://schemas.openxmlformats.org/drawingml/2006/main" xmlns:r="http://schemas.openxmlformats.org/officeDocument/2006/relationships" xmlns:p="http://schemas.openxmlformats.org/presentationml/2006/main">
+  <p:cSld>
+    <p:spTree>
+      <p:nvGrpSpPr>
+        <p:cNvPr id="1" name=""/>
+        <p:cNvGrpSpPr/>
+        <p:nvPr/>
+      </p:nvGrpSpPr>
+      <p:grpSpPr>
+        <a:xfrm>
+          <a:off x="0" y="0"/>
+          <a:ext cx="0" cy="0"/>
+          <a:chOff x="0" y="0"/>
+          <a:chExt cx="0" cy="0"/>
+        </a:xfrm>
+      </p:grpSpPr>
+      <p:sp>
+        <p:nvSpPr>
+          <p:cNvPr id="3" name="Datumsplatzhalter 2"/>
+          <p:cNvSpPr>
+            <a:spLocks noGrp="1"/>
+          </p:cNvSpPr>
+          <p:nvPr>
+            <p:ph type="dt" sz="half" idx="14"/>
+          </p:nvPr>
+        </p:nvSpPr>
+        <p:spPr/>
+        <p:txBody>
+          <a:bodyPr/>
+          <a:lstStyle/>
+          <a:p>
+            <a:pPr>
+              <a:defRPr/>
+            </a:pPr>
+            <a:fld id="{EE9AC89C-B0F3-4179-9BF1-A11BD48F530E}" type="datetime1">
+              <a:rPr lang="de-DE" smtClean="0"/>
+              <a:pPr>
+                <a:defRPr/>
+              </a:pPr>
+              <a:t>25.08.2017</a:t>
+            </a:fld>
+            <a:endParaRPr lang="de-DE" dirty="0"/>
+          </a:p>
+        </p:txBody>
+      </p:sp>
+      <p:sp>
+        <p:nvSpPr>
+          <p:cNvPr id="4" name="Fußzeilenplatzhalter 3"/>
+          <p:cNvSpPr>
+            <a:spLocks noGrp="1"/>
+          </p:cNvSpPr>
+          <p:nvPr>
+            <p:ph type="ftr" sz="quarter" idx="15"/>
+          </p:nvPr>
+        </p:nvSpPr>
+        <p:spPr/>
+        <p:txBody>
+          <a:bodyPr/>
+          <a:lstStyle/>
+          <a:p>
+            <a:pPr>
+              <a:defRPr/>
+            </a:pPr>
+            <a:endParaRPr lang="de-DE"/>
+          </a:p>
+        </p:txBody>
+      </p:sp>
+      <p:sp>
+        <p:nvSpPr>
+          <p:cNvPr id="5" name="Foliennummernplatzhalter 4"/>
+          <p:cNvSpPr>
+            <a:spLocks noGrp="1"/>
+          </p:cNvSpPr>
+          <p:nvPr>
+            <p:ph type="sldNum" sz="quarter" idx="16"/>
+          </p:nvPr>
+        </p:nvSpPr>
+        <p:spPr/>
+        <p:txBody>
+          <a:bodyPr/>
+          <a:lstStyle/>
+          <a:p>
+            <a:pPr>
+              <a:defRPr/>
+            </a:pPr>
+            <a:fld id="{B53A9DA1-A25A-429F-A02C-54EE5606360E}" type="slidenum">
+              <a:rPr lang="de-DE" altLang="de-DE" smtClean="0"/>
+              <a:pPr>
+                <a:defRPr/>
+              </a:pPr>
+              <a:t>40</a:t>
+            </a:fld>
+            <a:endParaRPr lang="de-DE" altLang="de-DE" dirty="0"/>
+          </a:p>
+        </p:txBody>
+      </p:sp>
+      <p:sp>
+        <p:nvSpPr>
+          <p:cNvPr id="6" name="Titel 5"/>
+          <p:cNvSpPr>
+            <a:spLocks noGrp="1"/>
+          </p:cNvSpPr>
+          <p:nvPr>
+            <p:ph type="title"/>
+          </p:nvPr>
+        </p:nvSpPr>
+        <p:spPr/>
+        <p:txBody>
+          <a:bodyPr/>
+          <a:lstStyle/>
+          <a:p>
+            <a:r>
+              <a:rPr lang="de-DE" dirty="0" smtClean="0"/>
+              <a:t>Benutzeroberfläche und Bedienung</a:t>
+            </a:r>
+            <a:endParaRPr lang="de-DE" dirty="0"/>
+          </a:p>
+        </p:txBody>
+      </p:sp>
+      <p:pic>
+        <p:nvPicPr>
+          <p:cNvPr id="51202" name="Picture 2" descr="C:\Users\kreme\Documents\SuchTool\Bilder\o.png"/>
+          <p:cNvPicPr>
+            <a:picLocks noGrp="1" noChangeAspect="1" noChangeArrowheads="1"/>
+          </p:cNvPicPr>
+          <p:nvPr>
+            <p:ph sz="quarter" idx="13"/>
+          </p:nvPr>
+        </p:nvPicPr>
+        <p:blipFill>
+          <a:blip r:embed="rId2" cstate="print"/>
+          <a:srcRect/>
+          <a:stretch>
+            <a:fillRect/>
+          </a:stretch>
+        </p:blipFill>
+        <p:spPr bwMode="auto">
+          <a:xfrm>
+            <a:off x="180000" y="2160000"/>
+            <a:ext cx="8640763" cy="1225586"/>
+          </a:xfrm>
+          <a:prstGeom prst="rect">
+            <a:avLst/>
+          </a:prstGeom>
+          <a:noFill/>
+        </p:spPr>
+      </p:pic>
+    </p:spTree>
+  </p:cSld>
+  <p:clrMapOvr>
+    <a:masterClrMapping/>
+  </p:clrMapOvr>
+</p:sld>
+</file>
+
+<file path=ppt/slides/slide41.xml><?xml version="1.0" encoding="utf-8"?>
+<p:sld xmlns:a="http://schemas.openxmlformats.org/drawingml/2006/main" xmlns:r="http://schemas.openxmlformats.org/officeDocument/2006/relationships" xmlns:p="http://schemas.openxmlformats.org/presentationml/2006/main">
+  <p:cSld>
+    <p:spTree>
+      <p:nvGrpSpPr>
+        <p:cNvPr id="1" name=""/>
+        <p:cNvGrpSpPr/>
+        <p:nvPr/>
+      </p:nvGrpSpPr>
+      <p:grpSpPr>
+        <a:xfrm>
+          <a:off x="0" y="0"/>
+          <a:ext cx="0" cy="0"/>
+          <a:chOff x="0" y="0"/>
+          <a:chExt cx="0" cy="0"/>
+        </a:xfrm>
+      </p:grpSpPr>
+      <p:sp>
+        <p:nvSpPr>
+          <p:cNvPr id="3" name="Datumsplatzhalter 2"/>
+          <p:cNvSpPr>
+            <a:spLocks noGrp="1"/>
+          </p:cNvSpPr>
+          <p:nvPr>
+            <p:ph type="dt" sz="half" idx="14"/>
+          </p:nvPr>
+        </p:nvSpPr>
+        <p:spPr/>
+        <p:txBody>
+          <a:bodyPr/>
+          <a:lstStyle/>
+          <a:p>
+            <a:pPr>
+              <a:defRPr/>
+            </a:pPr>
+            <a:fld id="{EE9AC89C-B0F3-4179-9BF1-A11BD48F530E}" type="datetime1">
+              <a:rPr lang="de-DE" smtClean="0"/>
+              <a:pPr>
+                <a:defRPr/>
+              </a:pPr>
+              <a:t>25.08.2017</a:t>
+            </a:fld>
+            <a:endParaRPr lang="de-DE" dirty="0"/>
+          </a:p>
+        </p:txBody>
+      </p:sp>
+      <p:sp>
+        <p:nvSpPr>
+          <p:cNvPr id="4" name="Fußzeilenplatzhalter 3"/>
+          <p:cNvSpPr>
+            <a:spLocks noGrp="1"/>
+          </p:cNvSpPr>
+          <p:nvPr>
+            <p:ph type="ftr" sz="quarter" idx="15"/>
+          </p:nvPr>
+        </p:nvSpPr>
+        <p:spPr/>
+        <p:txBody>
+          <a:bodyPr/>
+          <a:lstStyle/>
+          <a:p>
+            <a:pPr>
+              <a:defRPr/>
+            </a:pPr>
+            <a:endParaRPr lang="de-DE"/>
+          </a:p>
+        </p:txBody>
+      </p:sp>
+      <p:sp>
+        <p:nvSpPr>
+          <p:cNvPr id="5" name="Foliennummernplatzhalter 4"/>
+          <p:cNvSpPr>
+            <a:spLocks noGrp="1"/>
+          </p:cNvSpPr>
+          <p:nvPr>
+            <p:ph type="sldNum" sz="quarter" idx="16"/>
+          </p:nvPr>
+        </p:nvSpPr>
+        <p:spPr/>
+        <p:txBody>
+          <a:bodyPr/>
+          <a:lstStyle/>
+          <a:p>
+            <a:pPr>
+              <a:defRPr/>
+            </a:pPr>
+            <a:fld id="{B53A9DA1-A25A-429F-A02C-54EE5606360E}" type="slidenum">
+              <a:rPr lang="de-DE" altLang="de-DE" smtClean="0"/>
+              <a:pPr>
+                <a:defRPr/>
+              </a:pPr>
+              <a:t>41</a:t>
+            </a:fld>
+            <a:endParaRPr lang="de-DE" altLang="de-DE" dirty="0"/>
+          </a:p>
+        </p:txBody>
+      </p:sp>
+      <p:sp>
+        <p:nvSpPr>
+          <p:cNvPr id="6" name="Titel 5"/>
+          <p:cNvSpPr>
+            <a:spLocks noGrp="1"/>
+          </p:cNvSpPr>
+          <p:nvPr>
+            <p:ph type="title"/>
+          </p:nvPr>
+        </p:nvSpPr>
+        <p:spPr/>
+        <p:txBody>
+          <a:bodyPr/>
+          <a:lstStyle/>
+          <a:p>
+            <a:r>
+              <a:rPr lang="de-DE" dirty="0" smtClean="0"/>
+              <a:t>Benutzeroberfläche und Bedienung</a:t>
+            </a:r>
+            <a:endParaRPr lang="de-DE" dirty="0"/>
+          </a:p>
+        </p:txBody>
+      </p:sp>
+      <p:pic>
+        <p:nvPicPr>
+          <p:cNvPr id="53250" name="Picture 2" descr="C:\Users\kreme\Documents\SuchTool\Bilder\p.png"/>
+          <p:cNvPicPr>
+            <a:picLocks noGrp="1" noChangeAspect="1" noChangeArrowheads="1"/>
+          </p:cNvPicPr>
+          <p:nvPr>
+            <p:ph sz="quarter" idx="13"/>
+          </p:nvPr>
+        </p:nvPicPr>
+        <p:blipFill>
+          <a:blip r:embed="rId2" cstate="print"/>
+          <a:srcRect/>
+          <a:stretch>
+            <a:fillRect/>
+          </a:stretch>
+        </p:blipFill>
+        <p:spPr bwMode="auto">
+          <a:xfrm>
+            <a:off x="180000" y="1080000"/>
+            <a:ext cx="6755297" cy="5040312"/>
+          </a:xfrm>
+          <a:prstGeom prst="rect">
+            <a:avLst/>
+          </a:prstGeom>
+          <a:noFill/>
+        </p:spPr>
+      </p:pic>
+    </p:spTree>
+  </p:cSld>
+  <p:clrMapOvr>
+    <a:masterClrMapping/>
+  </p:clrMapOvr>
+</p:sld>
+</file>
+
+<file path=ppt/slides/slide42.xml><?xml version="1.0" encoding="utf-8"?>
+<p:sld xmlns:a="http://schemas.openxmlformats.org/drawingml/2006/main" xmlns:r="http://schemas.openxmlformats.org/officeDocument/2006/relationships" xmlns:p="http://schemas.openxmlformats.org/presentationml/2006/main">
+  <p:cSld>
+    <p:spTree>
+      <p:nvGrpSpPr>
+        <p:cNvPr id="1" name=""/>
+        <p:cNvGrpSpPr/>
+        <p:nvPr/>
+      </p:nvGrpSpPr>
+      <p:grpSpPr>
+        <a:xfrm>
+          <a:off x="0" y="0"/>
+          <a:ext cx="0" cy="0"/>
+          <a:chOff x="0" y="0"/>
+          <a:chExt cx="0" cy="0"/>
+        </a:xfrm>
+      </p:grpSpPr>
+      <p:sp>
+        <p:nvSpPr>
+          <p:cNvPr id="3" name="Datumsplatzhalter 2"/>
+          <p:cNvSpPr>
+            <a:spLocks noGrp="1"/>
+          </p:cNvSpPr>
+          <p:nvPr>
+            <p:ph type="dt" sz="half" idx="14"/>
+          </p:nvPr>
+        </p:nvSpPr>
+        <p:spPr/>
+        <p:txBody>
+          <a:bodyPr/>
+          <a:lstStyle/>
+          <a:p>
+            <a:pPr>
+              <a:defRPr/>
+            </a:pPr>
+            <a:fld id="{EE9AC89C-B0F3-4179-9BF1-A11BD48F530E}" type="datetime1">
+              <a:rPr lang="de-DE" smtClean="0"/>
+              <a:pPr>
+                <a:defRPr/>
+              </a:pPr>
+              <a:t>25.08.2017</a:t>
+            </a:fld>
+            <a:endParaRPr lang="de-DE" dirty="0"/>
+          </a:p>
+        </p:txBody>
+      </p:sp>
+      <p:sp>
+        <p:nvSpPr>
+          <p:cNvPr id="4" name="Fußzeilenplatzhalter 3"/>
+          <p:cNvSpPr>
+            <a:spLocks noGrp="1"/>
+          </p:cNvSpPr>
+          <p:nvPr>
+            <p:ph type="ftr" sz="quarter" idx="15"/>
+          </p:nvPr>
+        </p:nvSpPr>
+        <p:spPr/>
+        <p:txBody>
+          <a:bodyPr/>
+          <a:lstStyle/>
+          <a:p>
+            <a:pPr>
+              <a:defRPr/>
+            </a:pPr>
+            <a:endParaRPr lang="de-DE" dirty="0"/>
+          </a:p>
+        </p:txBody>
+      </p:sp>
+      <p:sp>
+        <p:nvSpPr>
+          <p:cNvPr id="5" name="Foliennummernplatzhalter 4"/>
+          <p:cNvSpPr>
+            <a:spLocks noGrp="1"/>
+          </p:cNvSpPr>
+          <p:nvPr>
+            <p:ph type="sldNum" sz="quarter" idx="16"/>
+          </p:nvPr>
+        </p:nvSpPr>
+        <p:spPr/>
+        <p:txBody>
+          <a:bodyPr/>
+          <a:lstStyle/>
+          <a:p>
+            <a:pPr>
+              <a:defRPr/>
+            </a:pPr>
+            <a:fld id="{B53A9DA1-A25A-429F-A02C-54EE5606360E}" type="slidenum">
+              <a:rPr lang="de-DE" altLang="de-DE" smtClean="0"/>
+              <a:pPr>
+                <a:defRPr/>
+              </a:pPr>
+              <a:t>42</a:t>
+            </a:fld>
+            <a:endParaRPr lang="de-DE" altLang="de-DE" dirty="0"/>
+          </a:p>
+        </p:txBody>
+      </p:sp>
+      <p:sp>
+        <p:nvSpPr>
+          <p:cNvPr id="6" name="Titel 5"/>
+          <p:cNvSpPr>
+            <a:spLocks noGrp="1"/>
+          </p:cNvSpPr>
+          <p:nvPr>
+            <p:ph type="title"/>
+          </p:nvPr>
+        </p:nvSpPr>
+        <p:spPr/>
+        <p:txBody>
+          <a:bodyPr/>
+          <a:lstStyle/>
+          <a:p>
+            <a:r>
+              <a:rPr lang="de-DE" dirty="0" smtClean="0"/>
+              <a:t>Benutzeroberfläche und Bedienung</a:t>
+            </a:r>
+            <a:endParaRPr lang="de-DE" dirty="0"/>
+          </a:p>
+        </p:txBody>
+      </p:sp>
+      <p:pic>
+        <p:nvPicPr>
+          <p:cNvPr id="54274" name="Picture 2" descr="C:\Users\kreme\Documents\SuchTool\Bilder\r.png"/>
+          <p:cNvPicPr>
+            <a:picLocks noGrp="1" noChangeAspect="1" noChangeArrowheads="1"/>
+          </p:cNvPicPr>
+          <p:nvPr>
+            <p:ph sz="quarter" idx="13"/>
+          </p:nvPr>
+        </p:nvPicPr>
+        <p:blipFill>
+          <a:blip r:embed="rId2" cstate="print"/>
+          <a:srcRect/>
+          <a:stretch>
+            <a:fillRect/>
+          </a:stretch>
+        </p:blipFill>
+        <p:spPr bwMode="auto">
+          <a:xfrm>
+            <a:off x="180000" y="2160000"/>
+            <a:ext cx="8640763" cy="1843363"/>
+          </a:xfrm>
+          <a:prstGeom prst="rect">
+            <a:avLst/>
+          </a:prstGeom>
+          <a:noFill/>
+        </p:spPr>
+      </p:pic>
+    </p:spTree>
+  </p:cSld>
+  <p:clrMapOvr>
+    <a:masterClrMapping/>
+  </p:clrMapOvr>
+</p:sld>
+</file>
+
+<file path=ppt/slides/slide43.xml><?xml version="1.0" encoding="utf-8"?>
+<p:sld xmlns:a="http://schemas.openxmlformats.org/drawingml/2006/main" xmlns:r="http://schemas.openxmlformats.org/officeDocument/2006/relationships" xmlns:p="http://schemas.openxmlformats.org/presentationml/2006/main">
+  <p:cSld>
+    <p:spTree>
+      <p:nvGrpSpPr>
+        <p:cNvPr id="1" name=""/>
+        <p:cNvGrpSpPr/>
+        <p:nvPr/>
+      </p:nvGrpSpPr>
+      <p:grpSpPr>
+        <a:xfrm>
+          <a:off x="0" y="0"/>
+          <a:ext cx="0" cy="0"/>
+          <a:chOff x="0" y="0"/>
+          <a:chExt cx="0" cy="0"/>
+        </a:xfrm>
+      </p:grpSpPr>
+      <p:sp>
+        <p:nvSpPr>
+          <p:cNvPr id="3" name="Datumsplatzhalter 2"/>
+          <p:cNvSpPr>
+            <a:spLocks noGrp="1"/>
+          </p:cNvSpPr>
+          <p:nvPr>
+            <p:ph type="dt" sz="half" idx="14"/>
+          </p:nvPr>
+        </p:nvSpPr>
+        <p:spPr/>
+        <p:txBody>
+          <a:bodyPr/>
+          <a:lstStyle/>
+          <a:p>
+            <a:pPr>
+              <a:defRPr/>
+            </a:pPr>
+            <a:fld id="{EE9AC89C-B0F3-4179-9BF1-A11BD48F530E}" type="datetime1">
+              <a:rPr lang="de-DE" smtClean="0"/>
+              <a:pPr>
+                <a:defRPr/>
+              </a:pPr>
+              <a:t>25.08.2017</a:t>
+            </a:fld>
+            <a:endParaRPr lang="de-DE" dirty="0"/>
+          </a:p>
+        </p:txBody>
+      </p:sp>
+      <p:sp>
+        <p:nvSpPr>
+          <p:cNvPr id="4" name="Fußzeilenplatzhalter 3"/>
+          <p:cNvSpPr>
+            <a:spLocks noGrp="1"/>
+          </p:cNvSpPr>
+          <p:nvPr>
+            <p:ph type="ftr" sz="quarter" idx="15"/>
+          </p:nvPr>
+        </p:nvSpPr>
+        <p:spPr/>
+        <p:txBody>
+          <a:bodyPr/>
+          <a:lstStyle/>
+          <a:p>
+            <a:pPr>
+              <a:defRPr/>
+            </a:pPr>
+            <a:endParaRPr lang="de-DE"/>
+          </a:p>
+        </p:txBody>
+      </p:sp>
+      <p:sp>
+        <p:nvSpPr>
+          <p:cNvPr id="5" name="Foliennummernplatzhalter 4"/>
+          <p:cNvSpPr>
+            <a:spLocks noGrp="1"/>
+          </p:cNvSpPr>
+          <p:nvPr>
+            <p:ph type="sldNum" sz="quarter" idx="16"/>
+          </p:nvPr>
+        </p:nvSpPr>
+        <p:spPr/>
+        <p:txBody>
+          <a:bodyPr/>
+          <a:lstStyle/>
+          <a:p>
+            <a:pPr>
+              <a:defRPr/>
+            </a:pPr>
+            <a:fld id="{B53A9DA1-A25A-429F-A02C-54EE5606360E}" type="slidenum">
+              <a:rPr lang="de-DE" altLang="de-DE" smtClean="0"/>
+              <a:pPr>
+                <a:defRPr/>
+              </a:pPr>
+              <a:t>43</a:t>
+            </a:fld>
+            <a:endParaRPr lang="de-DE" altLang="de-DE" dirty="0"/>
+          </a:p>
+        </p:txBody>
+      </p:sp>
+      <p:sp>
+        <p:nvSpPr>
+          <p:cNvPr id="6" name="Titel 5"/>
+          <p:cNvSpPr>
+            <a:spLocks noGrp="1"/>
+          </p:cNvSpPr>
+          <p:nvPr>
+            <p:ph type="title"/>
+          </p:nvPr>
+        </p:nvSpPr>
+        <p:spPr/>
+        <p:txBody>
+          <a:bodyPr/>
+          <a:lstStyle/>
+          <a:p>
+            <a:r>
+              <a:rPr lang="de-DE" dirty="0" smtClean="0"/>
+              <a:t>Benutzeroberfläche und Bedienung</a:t>
+            </a:r>
+            <a:endParaRPr lang="de-DE" dirty="0"/>
+          </a:p>
+        </p:txBody>
+      </p:sp>
+      <p:pic>
+        <p:nvPicPr>
+          <p:cNvPr id="55298" name="Picture 2" descr="C:\Users\kreme\Documents\SuchTool\Bilder\s.png"/>
+          <p:cNvPicPr>
+            <a:picLocks noGrp="1" noChangeAspect="1" noChangeArrowheads="1"/>
+          </p:cNvPicPr>
+          <p:nvPr>
+            <p:ph sz="quarter" idx="13"/>
+          </p:nvPr>
+        </p:nvPicPr>
+        <p:blipFill>
+          <a:blip r:embed="rId2" cstate="print"/>
+          <a:srcRect/>
+          <a:stretch>
+            <a:fillRect/>
+          </a:stretch>
+        </p:blipFill>
+        <p:spPr bwMode="auto">
+          <a:xfrm>
+            <a:off x="180000" y="2160000"/>
+            <a:ext cx="8640763" cy="1843363"/>
+          </a:xfrm>
+          <a:prstGeom prst="rect">
+            <a:avLst/>
+          </a:prstGeom>
+          <a:noFill/>
+        </p:spPr>
+      </p:pic>
+    </p:spTree>
+  </p:cSld>
+  <p:clrMapOvr>
+    <a:masterClrMapping/>
+  </p:clrMapOvr>
+</p:sld>
+</file>
+
+<file path=ppt/slides/slide44.xml><?xml version="1.0" encoding="utf-8"?>
+<p:sld xmlns:a="http://schemas.openxmlformats.org/drawingml/2006/main" xmlns:r="http://schemas.openxmlformats.org/officeDocument/2006/relationships" xmlns:p="http://schemas.openxmlformats.org/presentationml/2006/main">
+  <p:cSld>
+    <p:spTree>
+      <p:nvGrpSpPr>
+        <p:cNvPr id="1" name=""/>
+        <p:cNvGrpSpPr/>
+        <p:nvPr/>
+      </p:nvGrpSpPr>
+      <p:grpSpPr>
+        <a:xfrm>
+          <a:off x="0" y="0"/>
+          <a:ext cx="0" cy="0"/>
+          <a:chOff x="0" y="0"/>
+          <a:chExt cx="0" cy="0"/>
+        </a:xfrm>
+      </p:grpSpPr>
+      <p:sp>
+        <p:nvSpPr>
+          <p:cNvPr id="3" name="Datumsplatzhalter 2"/>
+          <p:cNvSpPr>
+            <a:spLocks noGrp="1"/>
+          </p:cNvSpPr>
+          <p:nvPr>
+            <p:ph type="dt" sz="half" idx="14"/>
+          </p:nvPr>
+        </p:nvSpPr>
+        <p:spPr/>
+        <p:txBody>
+          <a:bodyPr/>
+          <a:lstStyle/>
+          <a:p>
+            <a:pPr>
+              <a:defRPr/>
+            </a:pPr>
+            <a:fld id="{EE9AC89C-B0F3-4179-9BF1-A11BD48F530E}" type="datetime1">
+              <a:rPr lang="de-DE" smtClean="0"/>
+              <a:pPr>
+                <a:defRPr/>
+              </a:pPr>
+              <a:t>25.08.2017</a:t>
+            </a:fld>
+            <a:endParaRPr lang="de-DE" dirty="0"/>
+          </a:p>
+        </p:txBody>
+      </p:sp>
+      <p:sp>
+        <p:nvSpPr>
+          <p:cNvPr id="4" name="Fußzeilenplatzhalter 3"/>
+          <p:cNvSpPr>
+            <a:spLocks noGrp="1"/>
+          </p:cNvSpPr>
+          <p:nvPr>
+            <p:ph type="ftr" sz="quarter" idx="15"/>
+          </p:nvPr>
+        </p:nvSpPr>
+        <p:spPr/>
+        <p:txBody>
+          <a:bodyPr/>
+          <a:lstStyle/>
+          <a:p>
+            <a:pPr>
+              <a:defRPr/>
+            </a:pPr>
+            <a:endParaRPr lang="de-DE"/>
+          </a:p>
+        </p:txBody>
+      </p:sp>
+      <p:sp>
+        <p:nvSpPr>
+          <p:cNvPr id="5" name="Foliennummernplatzhalter 4"/>
+          <p:cNvSpPr>
+            <a:spLocks noGrp="1"/>
+          </p:cNvSpPr>
+          <p:nvPr>
+            <p:ph type="sldNum" sz="quarter" idx="16"/>
+          </p:nvPr>
+        </p:nvSpPr>
+        <p:spPr/>
+        <p:txBody>
+          <a:bodyPr/>
+          <a:lstStyle/>
+          <a:p>
+            <a:pPr>
+              <a:defRPr/>
+            </a:pPr>
+            <a:fld id="{B53A9DA1-A25A-429F-A02C-54EE5606360E}" type="slidenum">
+              <a:rPr lang="de-DE" altLang="de-DE" smtClean="0"/>
+              <a:pPr>
+                <a:defRPr/>
+              </a:pPr>
+              <a:t>44</a:t>
+            </a:fld>
+            <a:endParaRPr lang="de-DE" altLang="de-DE" dirty="0"/>
+          </a:p>
+        </p:txBody>
+      </p:sp>
+      <p:sp>
+        <p:nvSpPr>
+          <p:cNvPr id="6" name="Titel 5"/>
+          <p:cNvSpPr>
+            <a:spLocks noGrp="1"/>
+          </p:cNvSpPr>
+          <p:nvPr>
+            <p:ph type="title"/>
+          </p:nvPr>
+        </p:nvSpPr>
+        <p:spPr/>
+        <p:txBody>
+          <a:bodyPr/>
+          <a:lstStyle/>
+          <a:p>
+            <a:r>
+              <a:rPr lang="de-DE" dirty="0" smtClean="0"/>
+              <a:t>Benutzeroberfläche und Bedienung</a:t>
+            </a:r>
+            <a:endParaRPr lang="de-DE" dirty="0"/>
+          </a:p>
+        </p:txBody>
+      </p:sp>
+      <p:pic>
+        <p:nvPicPr>
+          <p:cNvPr id="56322" name="Picture 2" descr="C:\Users\kreme\Documents\SuchTool\Bilder\t.png"/>
+          <p:cNvPicPr>
+            <a:picLocks noGrp="1" noChangeAspect="1" noChangeArrowheads="1"/>
+          </p:cNvPicPr>
+          <p:nvPr>
+            <p:ph sz="quarter" idx="13"/>
+          </p:nvPr>
+        </p:nvPicPr>
+        <p:blipFill>
+          <a:blip r:embed="rId2" cstate="print"/>
+          <a:srcRect/>
+          <a:stretch>
+            <a:fillRect/>
+          </a:stretch>
+        </p:blipFill>
+        <p:spPr bwMode="auto">
+          <a:xfrm>
+            <a:off x="180000" y="2160000"/>
+            <a:ext cx="8640763" cy="2344859"/>
+          </a:xfrm>
+          <a:prstGeom prst="rect">
+            <a:avLst/>
+          </a:prstGeom>
+          <a:noFill/>
+        </p:spPr>
+      </p:pic>
+    </p:spTree>
+  </p:cSld>
+  <p:clrMapOvr>
+    <a:masterClrMapping/>
+  </p:clrMapOvr>
+</p:sld>
+</file>
+
+<file path=ppt/slides/slide45.xml><?xml version="1.0" encoding="utf-8"?>
+<p:sld xmlns:a="http://schemas.openxmlformats.org/drawingml/2006/main" xmlns:r="http://schemas.openxmlformats.org/officeDocument/2006/relationships" xmlns:p="http://schemas.openxmlformats.org/presentationml/2006/main">
+  <p:cSld>
+    <p:spTree>
+      <p:nvGrpSpPr>
+        <p:cNvPr id="1" name=""/>
+        <p:cNvGrpSpPr/>
+        <p:nvPr/>
+      </p:nvGrpSpPr>
+      <p:grpSpPr>
+        <a:xfrm>
+          <a:off x="0" y="0"/>
+          <a:ext cx="0" cy="0"/>
+          <a:chOff x="0" y="0"/>
+          <a:chExt cx="0" cy="0"/>
+        </a:xfrm>
+      </p:grpSpPr>
+      <p:sp>
+        <p:nvSpPr>
+          <p:cNvPr id="3" name="Datumsplatzhalter 2"/>
+          <p:cNvSpPr>
+            <a:spLocks noGrp="1"/>
+          </p:cNvSpPr>
+          <p:nvPr>
+            <p:ph type="dt" sz="half" idx="14"/>
+          </p:nvPr>
+        </p:nvSpPr>
+        <p:spPr/>
+        <p:txBody>
+          <a:bodyPr/>
+          <a:lstStyle/>
+          <a:p>
+            <a:pPr>
+              <a:defRPr/>
+            </a:pPr>
+            <a:fld id="{EE9AC89C-B0F3-4179-9BF1-A11BD48F530E}" type="datetime1">
+              <a:rPr lang="de-DE" smtClean="0"/>
+              <a:pPr>
+                <a:defRPr/>
+              </a:pPr>
+              <a:t>25.08.2017</a:t>
+            </a:fld>
+            <a:endParaRPr lang="de-DE" dirty="0"/>
+          </a:p>
+        </p:txBody>
+      </p:sp>
+      <p:sp>
+        <p:nvSpPr>
+          <p:cNvPr id="4" name="Fußzeilenplatzhalter 3"/>
+          <p:cNvSpPr>
+            <a:spLocks noGrp="1"/>
+          </p:cNvSpPr>
+          <p:nvPr>
+            <p:ph type="ftr" sz="quarter" idx="15"/>
+          </p:nvPr>
+        </p:nvSpPr>
+        <p:spPr/>
+        <p:txBody>
+          <a:bodyPr/>
+          <a:lstStyle/>
+          <a:p>
+            <a:pPr>
+              <a:defRPr/>
+            </a:pPr>
+            <a:endParaRPr lang="de-DE"/>
+          </a:p>
+        </p:txBody>
+      </p:sp>
+      <p:sp>
+        <p:nvSpPr>
+          <p:cNvPr id="5" name="Foliennummernplatzhalter 4"/>
+          <p:cNvSpPr>
+            <a:spLocks noGrp="1"/>
+          </p:cNvSpPr>
+          <p:nvPr>
+            <p:ph type="sldNum" sz="quarter" idx="16"/>
+          </p:nvPr>
+        </p:nvSpPr>
+        <p:spPr/>
+        <p:txBody>
+          <a:bodyPr/>
+          <a:lstStyle/>
+          <a:p>
+            <a:pPr>
+              <a:defRPr/>
+            </a:pPr>
+            <a:fld id="{B53A9DA1-A25A-429F-A02C-54EE5606360E}" type="slidenum">
+              <a:rPr lang="de-DE" altLang="de-DE" smtClean="0"/>
+              <a:pPr>
+                <a:defRPr/>
+              </a:pPr>
+              <a:t>45</a:t>
+            </a:fld>
+            <a:endParaRPr lang="de-DE" altLang="de-DE" dirty="0"/>
+          </a:p>
+        </p:txBody>
+      </p:sp>
+      <p:sp>
+        <p:nvSpPr>
+          <p:cNvPr id="6" name="Titel 5"/>
+          <p:cNvSpPr>
+            <a:spLocks noGrp="1"/>
+          </p:cNvSpPr>
+          <p:nvPr>
+            <p:ph type="title"/>
+          </p:nvPr>
+        </p:nvSpPr>
+        <p:spPr/>
+        <p:txBody>
+          <a:bodyPr/>
+          <a:lstStyle/>
+          <a:p>
+            <a:r>
+              <a:rPr lang="de-DE" dirty="0" smtClean="0"/>
+              <a:t>Benutzeroberfläche und Bedienung</a:t>
+            </a:r>
+            <a:endParaRPr lang="de-DE" dirty="0"/>
+          </a:p>
+        </p:txBody>
+      </p:sp>
+      <p:pic>
+        <p:nvPicPr>
+          <p:cNvPr id="57346" name="Picture 2" descr="C:\Users\kreme\Documents\SuchTool\Bilder\u.png"/>
+          <p:cNvPicPr>
+            <a:picLocks noGrp="1" noChangeAspect="1" noChangeArrowheads="1"/>
+          </p:cNvPicPr>
+          <p:nvPr>
+            <p:ph sz="quarter" idx="13"/>
+          </p:nvPr>
+        </p:nvPicPr>
+        <p:blipFill>
+          <a:blip r:embed="rId2" cstate="print"/>
+          <a:srcRect/>
+          <a:stretch>
+            <a:fillRect/>
+          </a:stretch>
+        </p:blipFill>
+        <p:spPr bwMode="auto">
+          <a:xfrm>
+            <a:off x="180000" y="2160000"/>
+            <a:ext cx="8640763" cy="2344859"/>
+          </a:xfrm>
+          <a:prstGeom prst="rect">
+            <a:avLst/>
+          </a:prstGeom>
+          <a:noFill/>
+        </p:spPr>
+      </p:pic>
+    </p:spTree>
+  </p:cSld>
+  <p:clrMapOvr>
+    <a:masterClrMapping/>
+  </p:clrMapOvr>
+</p:sld>
+</file>
+
+<file path=ppt/slides/slide46.xml><?xml version="1.0" encoding="utf-8"?>
+<p:sld xmlns:a="http://schemas.openxmlformats.org/drawingml/2006/main" xmlns:r="http://schemas.openxmlformats.org/officeDocument/2006/relationships" xmlns:p="http://schemas.openxmlformats.org/presentationml/2006/main">
+  <p:cSld>
+    <p:spTree>
+      <p:nvGrpSpPr>
+        <p:cNvPr id="1" name=""/>
+        <p:cNvGrpSpPr/>
+        <p:nvPr/>
+      </p:nvGrpSpPr>
+      <p:grpSpPr>
+        <a:xfrm>
+          <a:off x="0" y="0"/>
+          <a:ext cx="0" cy="0"/>
+          <a:chOff x="0" y="0"/>
+          <a:chExt cx="0" cy="0"/>
+        </a:xfrm>
+      </p:grpSpPr>
+      <p:sp>
+        <p:nvSpPr>
+          <p:cNvPr id="3" name="Datumsplatzhalter 2"/>
+          <p:cNvSpPr>
+            <a:spLocks noGrp="1"/>
+          </p:cNvSpPr>
+          <p:nvPr>
+            <p:ph type="dt" sz="half" idx="14"/>
+          </p:nvPr>
+        </p:nvSpPr>
+        <p:spPr/>
+        <p:txBody>
+          <a:bodyPr/>
+          <a:lstStyle/>
+          <a:p>
+            <a:pPr>
+              <a:defRPr/>
+            </a:pPr>
+            <a:fld id="{EE9AC89C-B0F3-4179-9BF1-A11BD48F530E}" type="datetime1">
+              <a:rPr lang="de-DE" smtClean="0"/>
+              <a:pPr>
+                <a:defRPr/>
+              </a:pPr>
+              <a:t>25.08.2017</a:t>
+            </a:fld>
+            <a:endParaRPr lang="de-DE" dirty="0"/>
+          </a:p>
+        </p:txBody>
+      </p:sp>
+      <p:sp>
+        <p:nvSpPr>
+          <p:cNvPr id="4" name="Fußzeilenplatzhalter 3"/>
+          <p:cNvSpPr>
+            <a:spLocks noGrp="1"/>
+          </p:cNvSpPr>
+          <p:nvPr>
+            <p:ph type="ftr" sz="quarter" idx="15"/>
+          </p:nvPr>
+        </p:nvSpPr>
+        <p:spPr/>
+        <p:txBody>
+          <a:bodyPr/>
+          <a:lstStyle/>
+          <a:p>
+            <a:pPr>
+              <a:defRPr/>
+            </a:pPr>
+            <a:endParaRPr lang="de-DE"/>
+          </a:p>
+        </p:txBody>
+      </p:sp>
+      <p:sp>
+        <p:nvSpPr>
+          <p:cNvPr id="5" name="Foliennummernplatzhalter 4"/>
+          <p:cNvSpPr>
+            <a:spLocks noGrp="1"/>
+          </p:cNvSpPr>
+          <p:nvPr>
+            <p:ph type="sldNum" sz="quarter" idx="16"/>
+          </p:nvPr>
+        </p:nvSpPr>
+        <p:spPr/>
+        <p:txBody>
+          <a:bodyPr/>
+          <a:lstStyle/>
+          <a:p>
+            <a:pPr>
+              <a:defRPr/>
+            </a:pPr>
+            <a:fld id="{B53A9DA1-A25A-429F-A02C-54EE5606360E}" type="slidenum">
+              <a:rPr lang="de-DE" altLang="de-DE" smtClean="0"/>
+              <a:pPr>
+                <a:defRPr/>
+              </a:pPr>
+              <a:t>46</a:t>
+            </a:fld>
+            <a:endParaRPr lang="de-DE" altLang="de-DE" dirty="0"/>
+          </a:p>
+        </p:txBody>
+      </p:sp>
+      <p:sp>
+        <p:nvSpPr>
+          <p:cNvPr id="6" name="Titel 5"/>
+          <p:cNvSpPr>
+            <a:spLocks noGrp="1"/>
+          </p:cNvSpPr>
+          <p:nvPr>
+            <p:ph type="title"/>
+          </p:nvPr>
+        </p:nvSpPr>
+        <p:spPr/>
+        <p:txBody>
+          <a:bodyPr/>
+          <a:lstStyle/>
+          <a:p>
+            <a:r>
+              <a:rPr lang="de-DE" dirty="0" smtClean="0"/>
+              <a:t>Benutzeroberfläche und Bedienung</a:t>
+            </a:r>
+            <a:endParaRPr lang="de-DE" dirty="0"/>
+          </a:p>
+        </p:txBody>
+      </p:sp>
+      <p:pic>
+        <p:nvPicPr>
+          <p:cNvPr id="58370" name="Picture 2" descr="C:\Users\kreme\Documents\SuchTool\Bilder\v.png"/>
+          <p:cNvPicPr>
+            <a:picLocks noGrp="1" noChangeAspect="1" noChangeArrowheads="1"/>
+          </p:cNvPicPr>
+          <p:nvPr>
+            <p:ph sz="quarter" idx="13"/>
+          </p:nvPr>
+        </p:nvPicPr>
+        <p:blipFill>
+          <a:blip r:embed="rId2" cstate="print"/>
+          <a:srcRect/>
+          <a:stretch>
+            <a:fillRect/>
+          </a:stretch>
+        </p:blipFill>
+        <p:spPr bwMode="auto">
+          <a:xfrm>
+            <a:off x="755576" y="2420888"/>
+            <a:ext cx="7135221" cy="1905266"/>
+          </a:xfrm>
+          <a:prstGeom prst="rect">
+            <a:avLst/>
+          </a:prstGeom>
+          <a:noFill/>
+        </p:spPr>
+      </p:pic>
+    </p:spTree>
+  </p:cSld>
+  <p:clrMapOvr>
+    <a:masterClrMapping/>
+  </p:clrMapOvr>
+</p:sld>
+</file>
+
+<file path=ppt/slides/slide47.xml><?xml version="1.0" encoding="utf-8"?>
+<p:sld xmlns:a="http://schemas.openxmlformats.org/drawingml/2006/main" xmlns:r="http://schemas.openxmlformats.org/officeDocument/2006/relationships" xmlns:p="http://schemas.openxmlformats.org/presentationml/2006/main">
+  <p:cSld>
+    <p:spTree>
+      <p:nvGrpSpPr>
+        <p:cNvPr id="1" name=""/>
+        <p:cNvGrpSpPr/>
+        <p:nvPr/>
+      </p:nvGrpSpPr>
+      <p:grpSpPr>
+        <a:xfrm>
+          <a:off x="0" y="0"/>
+          <a:ext cx="0" cy="0"/>
+          <a:chOff x="0" y="0"/>
+          <a:chExt cx="0" cy="0"/>
+        </a:xfrm>
+      </p:grpSpPr>
+      <p:sp>
+        <p:nvSpPr>
+          <p:cNvPr id="2" name="Inhaltsplatzhalter 1"/>
+          <p:cNvSpPr>
+            <a:spLocks noGrp="1"/>
+          </p:cNvSpPr>
+          <p:nvPr>
+            <p:ph sz="quarter" idx="13"/>
+          </p:nvPr>
+        </p:nvSpPr>
+        <p:spPr/>
+        <p:txBody>
+          <a:bodyPr/>
+          <a:lstStyle/>
+          <a:p>
+            <a:endParaRPr lang="de-DE" dirty="0" smtClean="0"/>
+          </a:p>
+          <a:p>
+            <a:pPr>
+              <a:buFont typeface="Arial" pitchFamily="34" charset="0"/>
+              <a:buChar char="•"/>
+            </a:pPr>
+            <a:r>
+              <a:rPr lang="de-DE" dirty="0" smtClean="0"/>
+              <a:t> Noch Fragen?</a:t>
+            </a:r>
+            <a:endParaRPr lang="de-DE" dirty="0"/>
+          </a:p>
+        </p:txBody>
+      </p:sp>
+      <p:sp>
+        <p:nvSpPr>
+          <p:cNvPr id="3" name="Datumsplatzhalter 2"/>
+          <p:cNvSpPr>
+            <a:spLocks noGrp="1"/>
+          </p:cNvSpPr>
+          <p:nvPr>
+            <p:ph type="dt" sz="half" idx="14"/>
+          </p:nvPr>
+        </p:nvSpPr>
+        <p:spPr/>
+        <p:txBody>
+          <a:bodyPr/>
+          <a:lstStyle/>
+          <a:p>
+            <a:pPr>
+              <a:defRPr/>
+            </a:pPr>
+            <a:fld id="{EE9AC89C-B0F3-4179-9BF1-A11BD48F530E}" type="datetime1">
+              <a:rPr lang="de-DE" smtClean="0"/>
+              <a:pPr>
+                <a:defRPr/>
+              </a:pPr>
+              <a:t>25.08.2017</a:t>
+            </a:fld>
+            <a:endParaRPr lang="de-DE" dirty="0"/>
+          </a:p>
+        </p:txBody>
+      </p:sp>
+      <p:sp>
+        <p:nvSpPr>
+          <p:cNvPr id="4" name="Fußzeilenplatzhalter 3"/>
+          <p:cNvSpPr>
+            <a:spLocks noGrp="1"/>
+          </p:cNvSpPr>
+          <p:nvPr>
+            <p:ph type="ftr" sz="quarter" idx="15"/>
+          </p:nvPr>
+        </p:nvSpPr>
+        <p:spPr/>
+        <p:txBody>
+          <a:bodyPr/>
+          <a:lstStyle/>
+          <a:p>
+            <a:pPr>
+              <a:defRPr/>
+            </a:pPr>
+            <a:endParaRPr lang="de-DE"/>
+          </a:p>
+        </p:txBody>
+      </p:sp>
+      <p:sp>
+        <p:nvSpPr>
+          <p:cNvPr id="5" name="Foliennummernplatzhalter 4"/>
+          <p:cNvSpPr>
+            <a:spLocks noGrp="1"/>
+          </p:cNvSpPr>
+          <p:nvPr>
+            <p:ph type="sldNum" sz="quarter" idx="16"/>
+          </p:nvPr>
+        </p:nvSpPr>
+        <p:spPr/>
+        <p:txBody>
+          <a:bodyPr/>
+          <a:lstStyle/>
+          <a:p>
+            <a:pPr>
+              <a:defRPr/>
+            </a:pPr>
+            <a:fld id="{B53A9DA1-A25A-429F-A02C-54EE5606360E}" type="slidenum">
+              <a:rPr lang="de-DE" altLang="de-DE" smtClean="0"/>
+              <a:pPr>
+                <a:defRPr/>
+              </a:pPr>
+              <a:t>47</a:t>
+            </a:fld>
+            <a:endParaRPr lang="de-DE" altLang="de-DE" dirty="0"/>
+          </a:p>
+        </p:txBody>
+      </p:sp>
+      <p:sp>
+        <p:nvSpPr>
+          <p:cNvPr id="6" name="Titel 5"/>
+          <p:cNvSpPr>
+            <a:spLocks noGrp="1"/>
+          </p:cNvSpPr>
+          <p:nvPr>
+            <p:ph type="title"/>
+          </p:nvPr>
+        </p:nvSpPr>
+        <p:spPr/>
+        <p:txBody>
+          <a:bodyPr/>
+          <a:lstStyle/>
+          <a:p>
+            <a:r>
+              <a:rPr lang="de-DE" dirty="0" smtClean="0"/>
+              <a:t>Ende</a:t>
+            </a:r>
+            <a:endParaRPr lang="de-DE" dirty="0"/>
+          </a:p>
+        </p:txBody>
+      </p:sp>
+      <p:pic>
+        <p:nvPicPr>
+          <p:cNvPr id="59400" name="Picture 8" descr="Bildergebnis für fragezeichen"/>
+          <p:cNvPicPr>
+            <a:picLocks noChangeAspect="1" noChangeArrowheads="1"/>
+          </p:cNvPicPr>
+          <p:nvPr/>
+        </p:nvPicPr>
+        <p:blipFill>
+          <a:blip r:embed="rId2" cstate="print"/>
+          <a:srcRect/>
+          <a:stretch>
+            <a:fillRect/>
+          </a:stretch>
+        </p:blipFill>
+        <p:spPr bwMode="auto">
+          <a:xfrm>
+            <a:off x="3203848" y="2060848"/>
+            <a:ext cx="3370362" cy="3370362"/>
+          </a:xfrm>
+          <a:prstGeom prst="rect">
+            <a:avLst/>
+          </a:prstGeom>
+          <a:noFill/>
+        </p:spPr>
+      </p:pic>
+    </p:spTree>
+  </p:cSld>
+  <p:clrMapOvr>
+    <a:masterClrMapping/>
+  </p:clrMapOvr>
+</p:sld>
+</file>
+
+<file path=ppt/slides/slide48.xml><?xml version="1.0" encoding="utf-8"?>
+<p:sld xmlns:a="http://schemas.openxmlformats.org/drawingml/2006/main" xmlns:r="http://schemas.openxmlformats.org/officeDocument/2006/relationships" xmlns:p="http://schemas.openxmlformats.org/presentationml/2006/main">
+  <p:cSld>
+    <p:spTree>
+      <p:nvGrpSpPr>
+        <p:cNvPr id="1" name=""/>
+        <p:cNvGrpSpPr/>
+        <p:nvPr/>
+      </p:nvGrpSpPr>
+      <p:grpSpPr>
+        <a:xfrm>
+          <a:off x="0" y="0"/>
+          <a:ext cx="0" cy="0"/>
+          <a:chOff x="0" y="0"/>
+          <a:chExt cx="0" cy="0"/>
+        </a:xfrm>
+      </p:grpSpPr>
+      <p:sp>
+        <p:nvSpPr>
+          <p:cNvPr id="2" name="Inhaltsplatzhalter 1"/>
+          <p:cNvSpPr>
+            <a:spLocks noGrp="1"/>
+          </p:cNvSpPr>
+          <p:nvPr>
+            <p:ph sz="quarter" idx="13"/>
+          </p:nvPr>
+        </p:nvSpPr>
+        <p:spPr/>
+        <p:txBody>
+          <a:bodyPr/>
+          <a:lstStyle/>
+          <a:p>
+            <a:pPr>
+              <a:buFont typeface="Arial" pitchFamily="34" charset="0"/>
+              <a:buChar char="•"/>
+            </a:pPr>
+            <a:r>
+              <a:rPr lang="de-DE" dirty="0" smtClean="0">
+                <a:hlinkClick r:id="rId2"/>
+              </a:rPr>
+              <a:t>https</a:t>
+            </a:r>
+            <a:r>
+              <a:rPr lang="de-DE" dirty="0" smtClean="0">
+                <a:hlinkClick r:id="rId2"/>
+              </a:rPr>
+              <a:t>://de.wikipedia.org/wiki/Google</a:t>
+            </a:r>
+            <a:endParaRPr lang="de-DE" dirty="0" smtClean="0"/>
+          </a:p>
+          <a:p>
+            <a:pPr>
+              <a:buFont typeface="Arial" pitchFamily="34" charset="0"/>
+              <a:buChar char="•"/>
+            </a:pPr>
+            <a:r>
+              <a:rPr lang="de-DE" dirty="0" smtClean="0">
+                <a:hlinkClick r:id="rId3"/>
+              </a:rPr>
+              <a:t>http</a:t>
+            </a:r>
+            <a:r>
+              <a:rPr lang="de-DE" dirty="0" smtClean="0">
+                <a:hlinkClick r:id="rId3"/>
+              </a:rPr>
+              <a:t>://www.underconsideration.com/brandnew/archives/new_logo_for_bing.php</a:t>
+            </a:r>
+            <a:endParaRPr lang="de-DE" dirty="0" smtClean="0"/>
+          </a:p>
+          <a:p>
+            <a:pPr>
+              <a:buFont typeface="Arial" pitchFamily="34" charset="0"/>
+              <a:buChar char="•"/>
+            </a:pPr>
+            <a:r>
+              <a:rPr lang="de-DE" dirty="0" smtClean="0">
+                <a:hlinkClick r:id="rId4"/>
+              </a:rPr>
+              <a:t>http://bibserv.fh-trier.de:8080/webOPACClient/search.do?methodToCall=start</a:t>
+            </a:r>
+            <a:endParaRPr lang="de-DE" dirty="0" smtClean="0"/>
+          </a:p>
+          <a:p>
+            <a:pPr>
+              <a:buFont typeface="Arial" pitchFamily="34" charset="0"/>
+              <a:buChar char="•"/>
+            </a:pPr>
+            <a:r>
+              <a:rPr lang="de-DE" dirty="0" smtClean="0">
+                <a:hlinkClick r:id="rId5"/>
+              </a:rPr>
+              <a:t>http://</a:t>
+            </a:r>
+            <a:r>
+              <a:rPr lang="de-DE" dirty="0" smtClean="0">
+                <a:hlinkClick r:id="rId5"/>
+              </a:rPr>
+              <a:t>www.arbeitstipps.de/email-postfach-aufraeumen-3-tipps.html</a:t>
+            </a:r>
+            <a:endParaRPr lang="de-DE" dirty="0" smtClean="0"/>
+          </a:p>
+          <a:p>
+            <a:pPr>
+              <a:buFont typeface="Arial" pitchFamily="34" charset="0"/>
+              <a:buChar char="•"/>
+            </a:pPr>
+            <a:r>
+              <a:rPr lang="de-DE" dirty="0" smtClean="0">
+                <a:hlinkClick r:id="rId6"/>
+              </a:rPr>
+              <a:t>http://</a:t>
+            </a:r>
+            <a:r>
+              <a:rPr lang="de-DE" dirty="0" smtClean="0">
+                <a:hlinkClick r:id="rId6"/>
+              </a:rPr>
+              <a:t>de.freepik.com/freie-ikonen/fragezeichen_731610.htm</a:t>
+            </a:r>
+            <a:r>
+              <a:rPr lang="de-DE" dirty="0" smtClean="0"/>
+              <a:t> </a:t>
+            </a:r>
+            <a:endParaRPr lang="de-DE" dirty="0"/>
+          </a:p>
+        </p:txBody>
+      </p:sp>
+      <p:sp>
+        <p:nvSpPr>
+          <p:cNvPr id="3" name="Datumsplatzhalter 2"/>
+          <p:cNvSpPr>
+            <a:spLocks noGrp="1"/>
+          </p:cNvSpPr>
+          <p:nvPr>
+            <p:ph type="dt" sz="half" idx="14"/>
+          </p:nvPr>
+        </p:nvSpPr>
+        <p:spPr/>
+        <p:txBody>
+          <a:bodyPr/>
+          <a:lstStyle/>
+          <a:p>
+            <a:pPr>
+              <a:defRPr/>
+            </a:pPr>
+            <a:fld id="{EE9AC89C-B0F3-4179-9BF1-A11BD48F530E}" type="datetime1">
+              <a:rPr lang="de-DE" smtClean="0"/>
+              <a:pPr>
+                <a:defRPr/>
+              </a:pPr>
+              <a:t>25.08.2017</a:t>
+            </a:fld>
+            <a:endParaRPr lang="de-DE" dirty="0"/>
+          </a:p>
+        </p:txBody>
+      </p:sp>
+      <p:sp>
+        <p:nvSpPr>
+          <p:cNvPr id="4" name="Fußzeilenplatzhalter 3"/>
+          <p:cNvSpPr>
+            <a:spLocks noGrp="1"/>
+          </p:cNvSpPr>
+          <p:nvPr>
+            <p:ph type="ftr" sz="quarter" idx="15"/>
+          </p:nvPr>
+        </p:nvSpPr>
+        <p:spPr/>
+        <p:txBody>
+          <a:bodyPr/>
+          <a:lstStyle/>
+          <a:p>
+            <a:pPr>
+              <a:defRPr/>
+            </a:pPr>
+            <a:endParaRPr lang="de-DE"/>
+          </a:p>
+        </p:txBody>
+      </p:sp>
+      <p:sp>
+        <p:nvSpPr>
+          <p:cNvPr id="5" name="Foliennummernplatzhalter 4"/>
+          <p:cNvSpPr>
+            <a:spLocks noGrp="1"/>
+          </p:cNvSpPr>
+          <p:nvPr>
+            <p:ph type="sldNum" sz="quarter" idx="16"/>
+          </p:nvPr>
+        </p:nvSpPr>
+        <p:spPr/>
+        <p:txBody>
+          <a:bodyPr/>
+          <a:lstStyle/>
+          <a:p>
+            <a:pPr>
+              <a:defRPr/>
+            </a:pPr>
+            <a:fld id="{B53A9DA1-A25A-429F-A02C-54EE5606360E}" type="slidenum">
+              <a:rPr lang="de-DE" altLang="de-DE" smtClean="0"/>
+              <a:pPr>
+                <a:defRPr/>
+              </a:pPr>
+              <a:t>48</a:t>
+            </a:fld>
+            <a:endParaRPr lang="de-DE" altLang="de-DE" dirty="0"/>
+          </a:p>
+        </p:txBody>
+      </p:sp>
+      <p:sp>
+        <p:nvSpPr>
+          <p:cNvPr id="6" name="Titel 5"/>
+          <p:cNvSpPr>
+            <a:spLocks noGrp="1"/>
+          </p:cNvSpPr>
+          <p:nvPr>
+            <p:ph type="title"/>
+          </p:nvPr>
+        </p:nvSpPr>
+        <p:spPr/>
+        <p:txBody>
+          <a:bodyPr/>
+          <a:lstStyle/>
+          <a:p>
+            <a:r>
+              <a:rPr lang="de-DE" dirty="0" smtClean="0"/>
+              <a:t>Bildquellen</a:t>
+            </a:r>
+            <a:endParaRPr lang="de-DE" dirty="0"/>
+          </a:p>
+        </p:txBody>
+      </p:sp>
+    </p:spTree>
+  </p:cSld>
+  <p:clrMapOvr>
+    <a:masterClrMapping/>
+  </p:clrMapOvr>
+  <p:timing>
+    <p:tnLst>
+      <p:par>
+        <p:cTn id="1" dur="indefinite" restart="never" nodeType="tmRoot"/>
+      </p:par>
+    </p:tnLst>
+  </p:timing>
+</p:sld>
+</file>
+
 <file path=ppt/slides/slide5.xml><?xml version="1.0" encoding="utf-8"?>
 <p:sld xmlns:a="http://schemas.openxmlformats.org/drawingml/2006/main" xmlns:r="http://schemas.openxmlformats.org/officeDocument/2006/relationships" xmlns:p="http://schemas.openxmlformats.org/presentationml/2006/main">
   <p:cSld>
@@ -11472,7 +13994,7 @@
               <a:pPr>
                 <a:defRPr/>
               </a:pPr>
-              <a:t>17.08.2017</a:t>
+              <a:t>25.08.2017</a:t>
             </a:fld>
             <a:endParaRPr lang="de-DE" dirty="0"/>
           </a:p>
@@ -11692,7 +14214,7 @@
               <a:pPr>
                 <a:defRPr/>
               </a:pPr>
-              <a:t>17.08.2017</a:t>
+              <a:t>25.08.2017</a:t>
             </a:fld>
             <a:endParaRPr lang="de-DE" dirty="0"/>
           </a:p>
@@ -11955,7 +14477,7 @@
               <a:pPr>
                 <a:defRPr/>
               </a:pPr>
-              <a:t>17.08.2017</a:t>
+              <a:t>25.08.2017</a:t>
             </a:fld>
             <a:endParaRPr lang="de-DE" dirty="0"/>
           </a:p>

--- a/Praesentation/Praesi.pptx
+++ b/Praesentation/Praesi.pptx
@@ -5,60 +5,62 @@
     <p:sldMasterId id="2147483648" r:id="rId1"/>
   </p:sldMasterIdLst>
   <p:notesMasterIdLst>
-    <p:notesMasterId r:id="rId50"/>
+    <p:notesMasterId r:id="rId52"/>
   </p:notesMasterIdLst>
   <p:handoutMasterIdLst>
-    <p:handoutMasterId r:id="rId51"/>
+    <p:handoutMasterId r:id="rId53"/>
   </p:handoutMasterIdLst>
   <p:sldIdLst>
     <p:sldId id="258" r:id="rId2"/>
     <p:sldId id="261" r:id="rId3"/>
-    <p:sldId id="262" r:id="rId4"/>
-    <p:sldId id="263" r:id="rId5"/>
-    <p:sldId id="265" r:id="rId6"/>
-    <p:sldId id="264" r:id="rId7"/>
-    <p:sldId id="266" r:id="rId8"/>
-    <p:sldId id="270" r:id="rId9"/>
-    <p:sldId id="275" r:id="rId10"/>
-    <p:sldId id="271" r:id="rId11"/>
-    <p:sldId id="273" r:id="rId12"/>
-    <p:sldId id="274" r:id="rId13"/>
-    <p:sldId id="276" r:id="rId14"/>
-    <p:sldId id="277" r:id="rId15"/>
-    <p:sldId id="278" r:id="rId16"/>
-    <p:sldId id="282" r:id="rId17"/>
-    <p:sldId id="283" r:id="rId18"/>
-    <p:sldId id="285" r:id="rId19"/>
-    <p:sldId id="267" r:id="rId20"/>
-    <p:sldId id="287" r:id="rId21"/>
-    <p:sldId id="288" r:id="rId22"/>
-    <p:sldId id="302" r:id="rId23"/>
-    <p:sldId id="303" r:id="rId24"/>
-    <p:sldId id="304" r:id="rId25"/>
-    <p:sldId id="305" r:id="rId26"/>
-    <p:sldId id="306" r:id="rId27"/>
-    <p:sldId id="308" r:id="rId28"/>
-    <p:sldId id="309" r:id="rId29"/>
-    <p:sldId id="338" r:id="rId30"/>
-    <p:sldId id="339" r:id="rId31"/>
-    <p:sldId id="319" r:id="rId32"/>
-    <p:sldId id="320" r:id="rId33"/>
-    <p:sldId id="321" r:id="rId34"/>
-    <p:sldId id="322" r:id="rId35"/>
-    <p:sldId id="323" r:id="rId36"/>
-    <p:sldId id="324" r:id="rId37"/>
-    <p:sldId id="325" r:id="rId38"/>
-    <p:sldId id="327" r:id="rId39"/>
-    <p:sldId id="328" r:id="rId40"/>
-    <p:sldId id="329" r:id="rId41"/>
-    <p:sldId id="333" r:id="rId42"/>
-    <p:sldId id="331" r:id="rId43"/>
-    <p:sldId id="332" r:id="rId44"/>
-    <p:sldId id="334" r:id="rId45"/>
-    <p:sldId id="336" r:id="rId46"/>
-    <p:sldId id="335" r:id="rId47"/>
-    <p:sldId id="337" r:id="rId48"/>
-    <p:sldId id="260" r:id="rId49"/>
+    <p:sldId id="341" r:id="rId4"/>
+    <p:sldId id="342" r:id="rId5"/>
+    <p:sldId id="343" r:id="rId6"/>
+    <p:sldId id="263" r:id="rId7"/>
+    <p:sldId id="265" r:id="rId8"/>
+    <p:sldId id="264" r:id="rId9"/>
+    <p:sldId id="266" r:id="rId10"/>
+    <p:sldId id="270" r:id="rId11"/>
+    <p:sldId id="275" r:id="rId12"/>
+    <p:sldId id="271" r:id="rId13"/>
+    <p:sldId id="273" r:id="rId14"/>
+    <p:sldId id="274" r:id="rId15"/>
+    <p:sldId id="276" r:id="rId16"/>
+    <p:sldId id="277" r:id="rId17"/>
+    <p:sldId id="278" r:id="rId18"/>
+    <p:sldId id="282" r:id="rId19"/>
+    <p:sldId id="283" r:id="rId20"/>
+    <p:sldId id="285" r:id="rId21"/>
+    <p:sldId id="267" r:id="rId22"/>
+    <p:sldId id="287" r:id="rId23"/>
+    <p:sldId id="288" r:id="rId24"/>
+    <p:sldId id="302" r:id="rId25"/>
+    <p:sldId id="303" r:id="rId26"/>
+    <p:sldId id="304" r:id="rId27"/>
+    <p:sldId id="305" r:id="rId28"/>
+    <p:sldId id="306" r:id="rId29"/>
+    <p:sldId id="308" r:id="rId30"/>
+    <p:sldId id="309" r:id="rId31"/>
+    <p:sldId id="338" r:id="rId32"/>
+    <p:sldId id="339" r:id="rId33"/>
+    <p:sldId id="319" r:id="rId34"/>
+    <p:sldId id="320" r:id="rId35"/>
+    <p:sldId id="321" r:id="rId36"/>
+    <p:sldId id="322" r:id="rId37"/>
+    <p:sldId id="323" r:id="rId38"/>
+    <p:sldId id="324" r:id="rId39"/>
+    <p:sldId id="325" r:id="rId40"/>
+    <p:sldId id="327" r:id="rId41"/>
+    <p:sldId id="328" r:id="rId42"/>
+    <p:sldId id="329" r:id="rId43"/>
+    <p:sldId id="333" r:id="rId44"/>
+    <p:sldId id="331" r:id="rId45"/>
+    <p:sldId id="332" r:id="rId46"/>
+    <p:sldId id="334" r:id="rId47"/>
+    <p:sldId id="336" r:id="rId48"/>
+    <p:sldId id="335" r:id="rId49"/>
+    <p:sldId id="337" r:id="rId50"/>
+    <p:sldId id="260" r:id="rId51"/>
   </p:sldIdLst>
   <p:sldSz cx="9144000" cy="6858000" type="screen4x3"/>
   <p:notesSz cx="6858000" cy="9144000"/>
@@ -1120,7 +1122,7 @@
               <a:pPr>
                 <a:defRPr/>
               </a:pPr>
-              <a:t>6</a:t>
+              <a:t>8</a:t>
             </a:fld>
             <a:endParaRPr lang="de-DE"/>
           </a:p>
@@ -5453,23 +5455,7 @@
             </a:pPr>
             <a:r>
               <a:rPr lang="de-DE" dirty="0" smtClean="0"/>
-              <a:t> Lösung: Stoppwörter (engl. </a:t>
-            </a:r>
-            <a:r>
-              <a:rPr lang="de-DE" dirty="0" err="1" smtClean="0"/>
-              <a:t>stop</a:t>
-            </a:r>
-            <a:r>
-              <a:rPr lang="de-DE" dirty="0" smtClean="0"/>
-              <a:t> </a:t>
-            </a:r>
-            <a:r>
-              <a:rPr lang="de-DE" dirty="0" err="1" smtClean="0"/>
-              <a:t>words</a:t>
-            </a:r>
-            <a:r>
-              <a:rPr lang="de-DE" dirty="0" smtClean="0"/>
-              <a:t>)</a:t>
+              <a:t> Indexierung der Terme</a:t>
             </a:r>
           </a:p>
           <a:p>
@@ -5477,10 +5463,7 @@
               <a:buFont typeface="Arial" pitchFamily="34" charset="0"/>
               <a:buChar char="•"/>
             </a:pPr>
-            <a:r>
-              <a:rPr lang="de-DE" dirty="0" smtClean="0"/>
-              <a:t> Indexierung mit Stoppwörtern:</a:t>
-            </a:r>
+            <a:endParaRPr lang="de-DE" dirty="0" smtClean="0"/>
           </a:p>
           <a:p>
             <a:pPr>
@@ -5518,7 +5501,21 @@
             <a:endParaRPr lang="de-DE" dirty="0" smtClean="0"/>
           </a:p>
           <a:p>
-            <a:endParaRPr lang="de-DE" dirty="0"/>
+            <a:pPr>
+              <a:buFont typeface="Arial" pitchFamily="34" charset="0"/>
+              <a:buChar char="•"/>
+            </a:pPr>
+            <a:endParaRPr lang="de-DE" dirty="0" smtClean="0"/>
+          </a:p>
+          <a:p>
+            <a:pPr>
+              <a:buFont typeface="Arial" pitchFamily="34" charset="0"/>
+              <a:buChar char="•"/>
+            </a:pPr>
+            <a:endParaRPr lang="de-DE" dirty="0" smtClean="0"/>
+          </a:p>
+          <a:p>
+            <a:endParaRPr lang="de-DE" dirty="0" smtClean="0"/>
           </a:p>
         </p:txBody>
       </p:sp>
@@ -5612,7 +5609,7 @@
           <a:p>
             <a:r>
               <a:rPr lang="de-DE" dirty="0" smtClean="0"/>
-              <a:t>Vektorraummodell </a:t>
+              <a:t>4. Vektorraummodell</a:t>
             </a:r>
             <a:endParaRPr lang="de-DE" dirty="0"/>
           </a:p>
@@ -5620,7 +5617,7 @@
       </p:sp>
       <p:pic>
         <p:nvPicPr>
-          <p:cNvPr id="11" name="Picture 2" descr="C:\Users\kreme\Documents\SuchTool\Praesentation\C.png"/>
+          <p:cNvPr id="9" name="Picture 2" descr="C:\Users\kreme\Documents\SuchTool\Praesentation\B.png"/>
           <p:cNvPicPr>
             <a:picLocks noChangeAspect="1" noChangeArrowheads="1"/>
           </p:cNvPicPr>
@@ -5635,8 +5632,8 @@
         </p:blipFill>
         <p:spPr bwMode="auto">
           <a:xfrm>
-            <a:off x="323528" y="2492896"/>
-            <a:ext cx="6613023" cy="2649021"/>
+            <a:off x="539552" y="1844824"/>
+            <a:ext cx="6611273" cy="2648320"/>
           </a:xfrm>
           <a:prstGeom prst="rect">
             <a:avLst/>
@@ -5678,6 +5675,108 @@
       </p:grpSpPr>
       <p:sp>
         <p:nvSpPr>
+          <p:cNvPr id="2" name="Inhaltsplatzhalter 1"/>
+          <p:cNvSpPr>
+            <a:spLocks noGrp="1"/>
+          </p:cNvSpPr>
+          <p:nvPr>
+            <p:ph sz="quarter" idx="13"/>
+          </p:nvPr>
+        </p:nvSpPr>
+        <p:spPr/>
+        <p:txBody>
+          <a:bodyPr/>
+          <a:lstStyle/>
+          <a:p>
+            <a:pPr>
+              <a:buFont typeface="Arial" pitchFamily="34" charset="0"/>
+              <a:buChar char="•"/>
+            </a:pPr>
+            <a:r>
+              <a:rPr lang="de-DE" dirty="0" smtClean="0"/>
+              <a:t> Indexierung der Terme</a:t>
+            </a:r>
+          </a:p>
+          <a:p>
+            <a:pPr>
+              <a:buFont typeface="Arial" pitchFamily="34" charset="0"/>
+              <a:buChar char="•"/>
+            </a:pPr>
+            <a:endParaRPr lang="de-DE" dirty="0" smtClean="0"/>
+          </a:p>
+          <a:p>
+            <a:pPr>
+              <a:buFont typeface="Arial" pitchFamily="34" charset="0"/>
+              <a:buChar char="•"/>
+            </a:pPr>
+            <a:endParaRPr lang="de-DE" dirty="0" smtClean="0"/>
+          </a:p>
+          <a:p>
+            <a:pPr>
+              <a:buFont typeface="Arial" pitchFamily="34" charset="0"/>
+              <a:buChar char="•"/>
+            </a:pPr>
+            <a:endParaRPr lang="de-DE" dirty="0" smtClean="0"/>
+          </a:p>
+          <a:p>
+            <a:pPr>
+              <a:buFont typeface="Arial" pitchFamily="34" charset="0"/>
+              <a:buChar char="•"/>
+            </a:pPr>
+            <a:endParaRPr lang="de-DE" dirty="0" smtClean="0"/>
+          </a:p>
+          <a:p>
+            <a:pPr>
+              <a:buFont typeface="Arial" pitchFamily="34" charset="0"/>
+              <a:buChar char="•"/>
+            </a:pPr>
+            <a:endParaRPr lang="de-DE" dirty="0" smtClean="0"/>
+          </a:p>
+          <a:p>
+            <a:pPr>
+              <a:buFont typeface="Arial" pitchFamily="34" charset="0"/>
+              <a:buChar char="•"/>
+            </a:pPr>
+            <a:endParaRPr lang="de-DE" dirty="0" smtClean="0"/>
+          </a:p>
+          <a:p>
+            <a:pPr>
+              <a:buFont typeface="Arial" pitchFamily="34" charset="0"/>
+              <a:buChar char="•"/>
+            </a:pPr>
+            <a:endParaRPr lang="de-DE" dirty="0" smtClean="0"/>
+          </a:p>
+          <a:p>
+            <a:pPr>
+              <a:buFont typeface="Arial" pitchFamily="34" charset="0"/>
+              <a:buChar char="•"/>
+            </a:pPr>
+            <a:endParaRPr lang="de-DE" dirty="0" smtClean="0"/>
+          </a:p>
+          <a:p>
+            <a:pPr>
+              <a:buFont typeface="Arial" pitchFamily="34" charset="0"/>
+              <a:buChar char="•"/>
+            </a:pPr>
+            <a:endParaRPr lang="de-DE" dirty="0" smtClean="0"/>
+          </a:p>
+          <a:p>
+            <a:pPr>
+              <a:buFont typeface="Arial" pitchFamily="34" charset="0"/>
+              <a:buChar char="•"/>
+            </a:pPr>
+            <a:r>
+              <a:rPr lang="de-DE" dirty="0" smtClean="0"/>
+              <a:t> Problem: Viele überflüssige Terme</a:t>
+            </a:r>
+          </a:p>
+          <a:p>
+            <a:endParaRPr lang="de-DE" dirty="0"/>
+          </a:p>
+        </p:txBody>
+      </p:sp>
+      <p:sp>
+        <p:nvSpPr>
           <p:cNvPr id="3" name="Datumsplatzhalter 2"/>
           <p:cNvSpPr>
             <a:spLocks noGrp="1"/>
@@ -5766,49 +5865,15 @@
           <a:p>
             <a:r>
               <a:rPr lang="de-DE" dirty="0" smtClean="0"/>
-              <a:t>Vektorraummodell</a:t>
-            </a:r>
-            <a:endParaRPr lang="de-DE" dirty="0"/>
-          </a:p>
-        </p:txBody>
-      </p:sp>
-      <p:sp>
-        <p:nvSpPr>
-          <p:cNvPr id="9" name="Inhaltsplatzhalter 8"/>
-          <p:cNvSpPr>
-            <a:spLocks noGrp="1"/>
-          </p:cNvSpPr>
-          <p:nvPr>
-            <p:ph sz="quarter" idx="13"/>
-          </p:nvPr>
-        </p:nvSpPr>
-        <p:spPr/>
-        <p:txBody>
-          <a:bodyPr/>
-          <a:lstStyle/>
-          <a:p>
-            <a:pPr>
-              <a:buFont typeface="Arial" pitchFamily="34" charset="0"/>
-              <a:buChar char="•"/>
-            </a:pPr>
-            <a:r>
-              <a:rPr lang="de-DE" dirty="0" smtClean="0"/>
-              <a:t> Dokumentvektoren mit </a:t>
-            </a:r>
-            <a:r>
-              <a:rPr lang="de-DE" dirty="0" err="1" smtClean="0"/>
-              <a:t>Termhäufigkeiten</a:t>
-            </a:r>
-            <a:endParaRPr lang="de-DE" dirty="0" smtClean="0"/>
-          </a:p>
-          <a:p>
+              <a:t>4. Vektorraummodell</a:t>
+            </a:r>
             <a:endParaRPr lang="de-DE" dirty="0"/>
           </a:p>
         </p:txBody>
       </p:sp>
       <p:pic>
         <p:nvPicPr>
-          <p:cNvPr id="12" name="Picture 4" descr="C:\Users\kreme\Documents\SuchTool\Praesentation\D.png"/>
+          <p:cNvPr id="9" name="Picture 2" descr="C:\Users\kreme\Documents\SuchTool\Praesentation\B.png"/>
           <p:cNvPicPr>
             <a:picLocks noChangeAspect="1" noChangeArrowheads="1"/>
           </p:cNvPicPr>
@@ -5823,8 +5888,8 @@
         </p:blipFill>
         <p:spPr bwMode="auto">
           <a:xfrm>
-            <a:off x="683568" y="1844824"/>
-            <a:ext cx="6963747" cy="3238952"/>
+            <a:off x="539552" y="1844824"/>
+            <a:ext cx="6611273" cy="2648320"/>
           </a:xfrm>
           <a:prstGeom prst="rect">
             <a:avLst/>
@@ -5866,6 +5931,96 @@
       </p:grpSpPr>
       <p:sp>
         <p:nvSpPr>
+          <p:cNvPr id="2" name="Inhaltsplatzhalter 1"/>
+          <p:cNvSpPr>
+            <a:spLocks noGrp="1"/>
+          </p:cNvSpPr>
+          <p:nvPr>
+            <p:ph sz="quarter" idx="13"/>
+          </p:nvPr>
+        </p:nvSpPr>
+        <p:spPr/>
+        <p:txBody>
+          <a:bodyPr/>
+          <a:lstStyle/>
+          <a:p>
+            <a:pPr>
+              <a:buFont typeface="Arial" pitchFamily="34" charset="0"/>
+              <a:buChar char="•"/>
+            </a:pPr>
+            <a:r>
+              <a:rPr lang="de-DE" dirty="0" smtClean="0"/>
+              <a:t> Lösung: Stoppwörter (engl. </a:t>
+            </a:r>
+            <a:r>
+              <a:rPr lang="de-DE" dirty="0" err="1" smtClean="0"/>
+              <a:t>stop</a:t>
+            </a:r>
+            <a:r>
+              <a:rPr lang="de-DE" dirty="0" smtClean="0"/>
+              <a:t> </a:t>
+            </a:r>
+            <a:r>
+              <a:rPr lang="de-DE" dirty="0" err="1" smtClean="0"/>
+              <a:t>words</a:t>
+            </a:r>
+            <a:r>
+              <a:rPr lang="de-DE" dirty="0" smtClean="0"/>
+              <a:t>)</a:t>
+            </a:r>
+          </a:p>
+          <a:p>
+            <a:pPr>
+              <a:buFont typeface="Arial" pitchFamily="34" charset="0"/>
+              <a:buChar char="•"/>
+            </a:pPr>
+            <a:r>
+              <a:rPr lang="de-DE" dirty="0" smtClean="0"/>
+              <a:t> Indexierung mit Stoppwörtern:</a:t>
+            </a:r>
+          </a:p>
+          <a:p>
+            <a:pPr>
+              <a:buFont typeface="Arial" pitchFamily="34" charset="0"/>
+              <a:buChar char="•"/>
+            </a:pPr>
+            <a:endParaRPr lang="de-DE" dirty="0" smtClean="0"/>
+          </a:p>
+          <a:p>
+            <a:pPr>
+              <a:buFont typeface="Arial" pitchFamily="34" charset="0"/>
+              <a:buChar char="•"/>
+            </a:pPr>
+            <a:endParaRPr lang="de-DE" dirty="0" smtClean="0"/>
+          </a:p>
+          <a:p>
+            <a:pPr>
+              <a:buFont typeface="Arial" pitchFamily="34" charset="0"/>
+              <a:buChar char="•"/>
+            </a:pPr>
+            <a:endParaRPr lang="de-DE" dirty="0" smtClean="0"/>
+          </a:p>
+          <a:p>
+            <a:pPr>
+              <a:buFont typeface="Arial" pitchFamily="34" charset="0"/>
+              <a:buChar char="•"/>
+            </a:pPr>
+            <a:endParaRPr lang="de-DE" dirty="0" smtClean="0"/>
+          </a:p>
+          <a:p>
+            <a:pPr>
+              <a:buFont typeface="Arial" pitchFamily="34" charset="0"/>
+              <a:buChar char="•"/>
+            </a:pPr>
+            <a:endParaRPr lang="de-DE" dirty="0" smtClean="0"/>
+          </a:p>
+          <a:p>
+            <a:endParaRPr lang="de-DE" dirty="0"/>
+          </a:p>
+        </p:txBody>
+      </p:sp>
+      <p:sp>
+        <p:nvSpPr>
           <p:cNvPr id="3" name="Datumsplatzhalter 2"/>
           <p:cNvSpPr>
             <a:spLocks noGrp="1"/>
@@ -5954,129 +6109,15 @@
           <a:p>
             <a:r>
               <a:rPr lang="de-DE" dirty="0" smtClean="0"/>
-              <a:t>Vektorraummodell</a:t>
-            </a:r>
-            <a:endParaRPr lang="de-DE" dirty="0"/>
-          </a:p>
-        </p:txBody>
-      </p:sp>
-      <p:sp>
-        <p:nvSpPr>
-          <p:cNvPr id="9" name="Inhaltsplatzhalter 8"/>
-          <p:cNvSpPr>
-            <a:spLocks noGrp="1"/>
-          </p:cNvSpPr>
-          <p:nvPr>
-            <p:ph sz="quarter" idx="13"/>
-          </p:nvPr>
-        </p:nvSpPr>
-        <p:spPr/>
-        <p:txBody>
-          <a:bodyPr/>
-          <a:lstStyle/>
-          <a:p>
-            <a:pPr>
-              <a:buFont typeface="Arial" pitchFamily="34" charset="0"/>
-              <a:buChar char="•"/>
-            </a:pPr>
-            <a:r>
-              <a:rPr lang="de-DE" dirty="0" smtClean="0"/>
-              <a:t> Dokumentvektoren mit </a:t>
-            </a:r>
-            <a:r>
-              <a:rPr lang="de-DE" dirty="0" err="1" smtClean="0"/>
-              <a:t>Termhäufigkeiten</a:t>
-            </a:r>
-            <a:endParaRPr lang="de-DE" dirty="0" smtClean="0"/>
-          </a:p>
-          <a:p>
-            <a:pPr>
-              <a:buFont typeface="Arial" pitchFamily="34" charset="0"/>
-              <a:buChar char="•"/>
-            </a:pPr>
-            <a:endParaRPr lang="de-DE" dirty="0" smtClean="0"/>
-          </a:p>
-          <a:p>
-            <a:pPr>
-              <a:buFont typeface="Arial" pitchFamily="34" charset="0"/>
-              <a:buChar char="•"/>
-            </a:pPr>
-            <a:endParaRPr lang="de-DE" dirty="0" smtClean="0"/>
-          </a:p>
-          <a:p>
-            <a:pPr>
-              <a:buFont typeface="Arial" pitchFamily="34" charset="0"/>
-              <a:buChar char="•"/>
-            </a:pPr>
-            <a:endParaRPr lang="de-DE" dirty="0" smtClean="0"/>
-          </a:p>
-          <a:p>
-            <a:pPr>
-              <a:buFont typeface="Arial" pitchFamily="34" charset="0"/>
-              <a:buChar char="•"/>
-            </a:pPr>
-            <a:endParaRPr lang="de-DE" dirty="0" smtClean="0"/>
-          </a:p>
-          <a:p>
-            <a:pPr>
-              <a:buFont typeface="Arial" pitchFamily="34" charset="0"/>
-              <a:buChar char="•"/>
-            </a:pPr>
-            <a:endParaRPr lang="de-DE" dirty="0" smtClean="0"/>
-          </a:p>
-          <a:p>
-            <a:pPr>
-              <a:buFont typeface="Arial" pitchFamily="34" charset="0"/>
-              <a:buChar char="•"/>
-            </a:pPr>
-            <a:endParaRPr lang="de-DE" dirty="0" smtClean="0"/>
-          </a:p>
-          <a:p>
-            <a:pPr>
-              <a:buFont typeface="Arial" pitchFamily="34" charset="0"/>
-              <a:buChar char="•"/>
-            </a:pPr>
-            <a:endParaRPr lang="de-DE" dirty="0" smtClean="0"/>
-          </a:p>
-          <a:p>
-            <a:pPr>
-              <a:buFont typeface="Arial" pitchFamily="34" charset="0"/>
-              <a:buChar char="•"/>
-            </a:pPr>
-            <a:endParaRPr lang="de-DE" dirty="0" smtClean="0"/>
-          </a:p>
-          <a:p>
-            <a:pPr>
-              <a:buFont typeface="Arial" pitchFamily="34" charset="0"/>
-              <a:buChar char="•"/>
-            </a:pPr>
-            <a:endParaRPr lang="de-DE" dirty="0" smtClean="0"/>
-          </a:p>
-          <a:p>
-            <a:pPr>
-              <a:buFont typeface="Arial" pitchFamily="34" charset="0"/>
-              <a:buChar char="•"/>
-            </a:pPr>
-            <a:endParaRPr lang="de-DE" dirty="0" smtClean="0"/>
-          </a:p>
-          <a:p>
-            <a:pPr>
-              <a:buFont typeface="Arial" pitchFamily="34" charset="0"/>
-              <a:buChar char="•"/>
-            </a:pPr>
-            <a:r>
-              <a:rPr lang="de-DE" dirty="0" smtClean="0"/>
-              <a:t> Problem: Wichtigkeit des Terms?</a:t>
-            </a:r>
-          </a:p>
-          <a:p>
+              <a:t>4. Vektorraummodell </a:t>
+            </a:r>
             <a:endParaRPr lang="de-DE" dirty="0"/>
           </a:p>
         </p:txBody>
       </p:sp>
       <p:pic>
         <p:nvPicPr>
-          <p:cNvPr id="12" name="Picture 4" descr="C:\Users\kreme\Documents\SuchTool\Praesentation\D.png"/>
+          <p:cNvPr id="11" name="Picture 2" descr="C:\Users\kreme\Documents\SuchTool\Praesentation\C.png"/>
           <p:cNvPicPr>
             <a:picLocks noChangeAspect="1" noChangeArrowheads="1"/>
           </p:cNvPicPr>
@@ -6091,8 +6132,8 @@
         </p:blipFill>
         <p:spPr bwMode="auto">
           <a:xfrm>
-            <a:off x="683568" y="1844824"/>
-            <a:ext cx="6963747" cy="3238952"/>
+            <a:off x="323528" y="2492896"/>
+            <a:ext cx="6613023" cy="2649021"/>
           </a:xfrm>
           <a:prstGeom prst="rect">
             <a:avLst/>
@@ -6134,106 +6175,6 @@
       </p:grpSpPr>
       <p:sp>
         <p:nvSpPr>
-          <p:cNvPr id="2" name="Inhaltsplatzhalter 1"/>
-          <p:cNvSpPr>
-            <a:spLocks noGrp="1"/>
-          </p:cNvSpPr>
-          <p:nvPr>
-            <p:ph sz="quarter" idx="13"/>
-          </p:nvPr>
-        </p:nvSpPr>
-        <p:spPr/>
-        <p:txBody>
-          <a:bodyPr/>
-          <a:lstStyle/>
-          <a:p>
-            <a:pPr>
-              <a:buFont typeface="Arial" pitchFamily="34" charset="0"/>
-              <a:buChar char="•"/>
-            </a:pPr>
-            <a:r>
-              <a:rPr lang="de-DE" dirty="0" smtClean="0"/>
-              <a:t> Lösung: zusätzlich Dokumenthäufigkeit</a:t>
-            </a:r>
-          </a:p>
-          <a:p>
-            <a:r>
-              <a:rPr lang="de-DE" dirty="0" smtClean="0"/>
-              <a:t> </a:t>
-            </a:r>
-          </a:p>
-          <a:p>
-            <a:pPr>
-              <a:buFont typeface="Arial" pitchFamily="34" charset="0"/>
-              <a:buChar char="•"/>
-            </a:pPr>
-            <a:r>
-              <a:rPr lang="de-DE" dirty="0" smtClean="0"/>
-              <a:t> invertierte Dokumenthäufigkeit</a:t>
-            </a:r>
-          </a:p>
-          <a:p>
-            <a:pPr>
-              <a:buFont typeface="Arial" pitchFamily="34" charset="0"/>
-              <a:buChar char="•"/>
-            </a:pPr>
-            <a:endParaRPr lang="de-DE" dirty="0" smtClean="0"/>
-          </a:p>
-          <a:p>
-            <a:pPr>
-              <a:buFont typeface="Arial" pitchFamily="34" charset="0"/>
-              <a:buChar char="•"/>
-            </a:pPr>
-            <a:r>
-              <a:rPr lang="de-DE" dirty="0" smtClean="0"/>
-              <a:t> mit Dämpfung </a:t>
-            </a:r>
-          </a:p>
-          <a:p>
-            <a:endParaRPr lang="de-DE" dirty="0" smtClean="0"/>
-          </a:p>
-          <a:p>
-            <a:pPr>
-              <a:buFont typeface="Arial" pitchFamily="34" charset="0"/>
-              <a:buChar char="•"/>
-            </a:pPr>
-            <a:r>
-              <a:rPr lang="de-DE" dirty="0" smtClean="0"/>
-              <a:t> TF-IDF-Gewichtung</a:t>
-            </a:r>
-          </a:p>
-          <a:p>
-            <a:pPr>
-              <a:buFont typeface="Arial" pitchFamily="34" charset="0"/>
-              <a:buChar char="•"/>
-            </a:pPr>
-            <a:endParaRPr lang="de-DE" dirty="0" smtClean="0"/>
-          </a:p>
-          <a:p>
-            <a:pPr>
-              <a:buFont typeface="Arial" pitchFamily="34" charset="0"/>
-              <a:buChar char="•"/>
-            </a:pPr>
-            <a:endParaRPr lang="de-DE" dirty="0" smtClean="0"/>
-          </a:p>
-          <a:p>
-            <a:pPr>
-              <a:buFont typeface="Arial" pitchFamily="34" charset="0"/>
-              <a:buChar char="•"/>
-            </a:pPr>
-            <a:endParaRPr lang="de-DE" dirty="0" smtClean="0"/>
-          </a:p>
-          <a:p>
-            <a:pPr>
-              <a:buFont typeface="Arial" pitchFamily="34" charset="0"/>
-              <a:buChar char="•"/>
-            </a:pPr>
-            <a:endParaRPr lang="de-DE" b="1" dirty="0"/>
-          </a:p>
-        </p:txBody>
-      </p:sp>
-      <p:sp>
-        <p:nvSpPr>
           <p:cNvPr id="3" name="Datumsplatzhalter 2"/>
           <p:cNvSpPr>
             <a:spLocks noGrp="1"/>
@@ -6322,7 +6263,563 @@
           <a:p>
             <a:r>
               <a:rPr lang="de-DE" dirty="0" smtClean="0"/>
-              <a:t>Vektorraummodell</a:t>
+              <a:t>4. Vektorraummodell</a:t>
+            </a:r>
+            <a:endParaRPr lang="de-DE" dirty="0"/>
+          </a:p>
+        </p:txBody>
+      </p:sp>
+      <p:sp>
+        <p:nvSpPr>
+          <p:cNvPr id="9" name="Inhaltsplatzhalter 8"/>
+          <p:cNvSpPr>
+            <a:spLocks noGrp="1"/>
+          </p:cNvSpPr>
+          <p:nvPr>
+            <p:ph sz="quarter" idx="13"/>
+          </p:nvPr>
+        </p:nvSpPr>
+        <p:spPr/>
+        <p:txBody>
+          <a:bodyPr/>
+          <a:lstStyle/>
+          <a:p>
+            <a:pPr>
+              <a:buFont typeface="Arial" pitchFamily="34" charset="0"/>
+              <a:buChar char="•"/>
+            </a:pPr>
+            <a:r>
+              <a:rPr lang="de-DE" dirty="0" smtClean="0"/>
+              <a:t> Dokumentvektoren mit </a:t>
+            </a:r>
+            <a:r>
+              <a:rPr lang="de-DE" dirty="0" err="1" smtClean="0"/>
+              <a:t>Termhäufigkeiten</a:t>
+            </a:r>
+            <a:endParaRPr lang="de-DE" dirty="0" smtClean="0"/>
+          </a:p>
+          <a:p>
+            <a:endParaRPr lang="de-DE" dirty="0"/>
+          </a:p>
+        </p:txBody>
+      </p:sp>
+      <p:pic>
+        <p:nvPicPr>
+          <p:cNvPr id="12" name="Picture 4" descr="C:\Users\kreme\Documents\SuchTool\Praesentation\D.png"/>
+          <p:cNvPicPr>
+            <a:picLocks noChangeAspect="1" noChangeArrowheads="1"/>
+          </p:cNvPicPr>
+          <p:nvPr/>
+        </p:nvPicPr>
+        <p:blipFill>
+          <a:blip r:embed="rId2" cstate="print"/>
+          <a:srcRect/>
+          <a:stretch>
+            <a:fillRect/>
+          </a:stretch>
+        </p:blipFill>
+        <p:spPr bwMode="auto">
+          <a:xfrm>
+            <a:off x="683568" y="1844824"/>
+            <a:ext cx="6963747" cy="3238952"/>
+          </a:xfrm>
+          <a:prstGeom prst="rect">
+            <a:avLst/>
+          </a:prstGeom>
+          <a:noFill/>
+        </p:spPr>
+      </p:pic>
+    </p:spTree>
+  </p:cSld>
+  <p:clrMapOvr>
+    <a:masterClrMapping/>
+  </p:clrMapOvr>
+  <p:timing>
+    <p:tnLst>
+      <p:par>
+        <p:cTn id="1" dur="indefinite" restart="never" nodeType="tmRoot"/>
+      </p:par>
+    </p:tnLst>
+  </p:timing>
+</p:sld>
+</file>
+
+<file path=ppt/slides/slide14.xml><?xml version="1.0" encoding="utf-8"?>
+<p:sld xmlns:a="http://schemas.openxmlformats.org/drawingml/2006/main" xmlns:r="http://schemas.openxmlformats.org/officeDocument/2006/relationships" xmlns:p="http://schemas.openxmlformats.org/presentationml/2006/main">
+  <p:cSld>
+    <p:spTree>
+      <p:nvGrpSpPr>
+        <p:cNvPr id="1" name=""/>
+        <p:cNvGrpSpPr/>
+        <p:nvPr/>
+      </p:nvGrpSpPr>
+      <p:grpSpPr>
+        <a:xfrm>
+          <a:off x="0" y="0"/>
+          <a:ext cx="0" cy="0"/>
+          <a:chOff x="0" y="0"/>
+          <a:chExt cx="0" cy="0"/>
+        </a:xfrm>
+      </p:grpSpPr>
+      <p:sp>
+        <p:nvSpPr>
+          <p:cNvPr id="3" name="Datumsplatzhalter 2"/>
+          <p:cNvSpPr>
+            <a:spLocks noGrp="1"/>
+          </p:cNvSpPr>
+          <p:nvPr>
+            <p:ph type="dt" sz="half" idx="14"/>
+          </p:nvPr>
+        </p:nvSpPr>
+        <p:spPr/>
+        <p:txBody>
+          <a:bodyPr/>
+          <a:lstStyle/>
+          <a:p>
+            <a:pPr>
+              <a:defRPr/>
+            </a:pPr>
+            <a:endParaRPr lang="de-DE" dirty="0"/>
+          </a:p>
+        </p:txBody>
+      </p:sp>
+      <p:sp>
+        <p:nvSpPr>
+          <p:cNvPr id="4" name="Fußzeilenplatzhalter 3"/>
+          <p:cNvSpPr>
+            <a:spLocks noGrp="1"/>
+          </p:cNvSpPr>
+          <p:nvPr>
+            <p:ph type="ftr" sz="quarter" idx="15"/>
+          </p:nvPr>
+        </p:nvSpPr>
+        <p:spPr/>
+        <p:txBody>
+          <a:bodyPr/>
+          <a:lstStyle/>
+          <a:p>
+            <a:pPr>
+              <a:defRPr/>
+            </a:pPr>
+            <a:endParaRPr lang="de-DE"/>
+          </a:p>
+        </p:txBody>
+      </p:sp>
+      <p:sp>
+        <p:nvSpPr>
+          <p:cNvPr id="5" name="Foliennummernplatzhalter 4"/>
+          <p:cNvSpPr>
+            <a:spLocks noGrp="1"/>
+          </p:cNvSpPr>
+          <p:nvPr>
+            <p:ph type="sldNum" sz="quarter" idx="16"/>
+          </p:nvPr>
+        </p:nvSpPr>
+        <p:spPr/>
+        <p:txBody>
+          <a:bodyPr/>
+          <a:lstStyle/>
+          <a:p>
+            <a:pPr>
+              <a:defRPr/>
+            </a:pPr>
+            <a:fld id="{B53A9DA1-A25A-429F-A02C-54EE5606360E}" type="slidenum">
+              <a:rPr lang="de-DE" altLang="de-DE" smtClean="0"/>
+              <a:pPr>
+                <a:defRPr/>
+              </a:pPr>
+              <a:t>14</a:t>
+            </a:fld>
+            <a:endParaRPr lang="de-DE" altLang="de-DE" dirty="0"/>
+          </a:p>
+        </p:txBody>
+      </p:sp>
+      <p:sp>
+        <p:nvSpPr>
+          <p:cNvPr id="6" name="Titel 5"/>
+          <p:cNvSpPr>
+            <a:spLocks noGrp="1"/>
+          </p:cNvSpPr>
+          <p:nvPr>
+            <p:ph type="title"/>
+          </p:nvPr>
+        </p:nvSpPr>
+        <p:spPr/>
+        <p:txBody>
+          <a:bodyPr/>
+          <a:lstStyle/>
+          <a:p>
+            <a:r>
+              <a:rPr lang="de-DE" dirty="0" smtClean="0"/>
+              <a:t>4. Vektorraummodell</a:t>
+            </a:r>
+            <a:endParaRPr lang="de-DE" dirty="0"/>
+          </a:p>
+        </p:txBody>
+      </p:sp>
+      <p:sp>
+        <p:nvSpPr>
+          <p:cNvPr id="9" name="Inhaltsplatzhalter 8"/>
+          <p:cNvSpPr>
+            <a:spLocks noGrp="1"/>
+          </p:cNvSpPr>
+          <p:nvPr>
+            <p:ph sz="quarter" idx="13"/>
+          </p:nvPr>
+        </p:nvSpPr>
+        <p:spPr/>
+        <p:txBody>
+          <a:bodyPr/>
+          <a:lstStyle/>
+          <a:p>
+            <a:pPr>
+              <a:buFont typeface="Arial" pitchFamily="34" charset="0"/>
+              <a:buChar char="•"/>
+            </a:pPr>
+            <a:r>
+              <a:rPr lang="de-DE" dirty="0" smtClean="0"/>
+              <a:t> Dokumentvektoren mit </a:t>
+            </a:r>
+            <a:r>
+              <a:rPr lang="de-DE" dirty="0" err="1" smtClean="0"/>
+              <a:t>Termhäufigkeiten</a:t>
+            </a:r>
+            <a:endParaRPr lang="de-DE" dirty="0" smtClean="0"/>
+          </a:p>
+          <a:p>
+            <a:pPr>
+              <a:buFont typeface="Arial" pitchFamily="34" charset="0"/>
+              <a:buChar char="•"/>
+            </a:pPr>
+            <a:endParaRPr lang="de-DE" dirty="0" smtClean="0"/>
+          </a:p>
+          <a:p>
+            <a:pPr>
+              <a:buFont typeface="Arial" pitchFamily="34" charset="0"/>
+              <a:buChar char="•"/>
+            </a:pPr>
+            <a:endParaRPr lang="de-DE" dirty="0" smtClean="0"/>
+          </a:p>
+          <a:p>
+            <a:pPr>
+              <a:buFont typeface="Arial" pitchFamily="34" charset="0"/>
+              <a:buChar char="•"/>
+            </a:pPr>
+            <a:endParaRPr lang="de-DE" dirty="0" smtClean="0"/>
+          </a:p>
+          <a:p>
+            <a:pPr>
+              <a:buFont typeface="Arial" pitchFamily="34" charset="0"/>
+              <a:buChar char="•"/>
+            </a:pPr>
+            <a:endParaRPr lang="de-DE" dirty="0" smtClean="0"/>
+          </a:p>
+          <a:p>
+            <a:pPr>
+              <a:buFont typeface="Arial" pitchFamily="34" charset="0"/>
+              <a:buChar char="•"/>
+            </a:pPr>
+            <a:endParaRPr lang="de-DE" dirty="0" smtClean="0"/>
+          </a:p>
+          <a:p>
+            <a:pPr>
+              <a:buFont typeface="Arial" pitchFamily="34" charset="0"/>
+              <a:buChar char="•"/>
+            </a:pPr>
+            <a:endParaRPr lang="de-DE" dirty="0" smtClean="0"/>
+          </a:p>
+          <a:p>
+            <a:pPr>
+              <a:buFont typeface="Arial" pitchFamily="34" charset="0"/>
+              <a:buChar char="•"/>
+            </a:pPr>
+            <a:endParaRPr lang="de-DE" dirty="0" smtClean="0"/>
+          </a:p>
+          <a:p>
+            <a:pPr>
+              <a:buFont typeface="Arial" pitchFamily="34" charset="0"/>
+              <a:buChar char="•"/>
+            </a:pPr>
+            <a:endParaRPr lang="de-DE" dirty="0" smtClean="0"/>
+          </a:p>
+          <a:p>
+            <a:pPr>
+              <a:buFont typeface="Arial" pitchFamily="34" charset="0"/>
+              <a:buChar char="•"/>
+            </a:pPr>
+            <a:endParaRPr lang="de-DE" dirty="0" smtClean="0"/>
+          </a:p>
+          <a:p>
+            <a:pPr>
+              <a:buFont typeface="Arial" pitchFamily="34" charset="0"/>
+              <a:buChar char="•"/>
+            </a:pPr>
+            <a:endParaRPr lang="de-DE" dirty="0" smtClean="0"/>
+          </a:p>
+          <a:p>
+            <a:pPr>
+              <a:buFont typeface="Arial" pitchFamily="34" charset="0"/>
+              <a:buChar char="•"/>
+            </a:pPr>
+            <a:r>
+              <a:rPr lang="de-DE" dirty="0" smtClean="0"/>
+              <a:t> Problem: Wichtigkeit des Terms?</a:t>
+            </a:r>
+          </a:p>
+          <a:p>
+            <a:endParaRPr lang="de-DE" dirty="0"/>
+          </a:p>
+        </p:txBody>
+      </p:sp>
+      <p:pic>
+        <p:nvPicPr>
+          <p:cNvPr id="12" name="Picture 4" descr="C:\Users\kreme\Documents\SuchTool\Praesentation\D.png"/>
+          <p:cNvPicPr>
+            <a:picLocks noChangeAspect="1" noChangeArrowheads="1"/>
+          </p:cNvPicPr>
+          <p:nvPr/>
+        </p:nvPicPr>
+        <p:blipFill>
+          <a:blip r:embed="rId2" cstate="print"/>
+          <a:srcRect/>
+          <a:stretch>
+            <a:fillRect/>
+          </a:stretch>
+        </p:blipFill>
+        <p:spPr bwMode="auto">
+          <a:xfrm>
+            <a:off x="683568" y="1844824"/>
+            <a:ext cx="6963747" cy="3238952"/>
+          </a:xfrm>
+          <a:prstGeom prst="rect">
+            <a:avLst/>
+          </a:prstGeom>
+          <a:noFill/>
+        </p:spPr>
+      </p:pic>
+    </p:spTree>
+  </p:cSld>
+  <p:clrMapOvr>
+    <a:masterClrMapping/>
+  </p:clrMapOvr>
+  <p:timing>
+    <p:tnLst>
+      <p:par>
+        <p:cTn id="1" dur="indefinite" restart="never" nodeType="tmRoot"/>
+      </p:par>
+    </p:tnLst>
+  </p:timing>
+</p:sld>
+</file>
+
+<file path=ppt/slides/slide15.xml><?xml version="1.0" encoding="utf-8"?>
+<p:sld xmlns:a="http://schemas.openxmlformats.org/drawingml/2006/main" xmlns:r="http://schemas.openxmlformats.org/officeDocument/2006/relationships" xmlns:p="http://schemas.openxmlformats.org/presentationml/2006/main">
+  <p:cSld>
+    <p:spTree>
+      <p:nvGrpSpPr>
+        <p:cNvPr id="1" name=""/>
+        <p:cNvGrpSpPr/>
+        <p:nvPr/>
+      </p:nvGrpSpPr>
+      <p:grpSpPr>
+        <a:xfrm>
+          <a:off x="0" y="0"/>
+          <a:ext cx="0" cy="0"/>
+          <a:chOff x="0" y="0"/>
+          <a:chExt cx="0" cy="0"/>
+        </a:xfrm>
+      </p:grpSpPr>
+      <p:sp>
+        <p:nvSpPr>
+          <p:cNvPr id="2" name="Inhaltsplatzhalter 1"/>
+          <p:cNvSpPr>
+            <a:spLocks noGrp="1"/>
+          </p:cNvSpPr>
+          <p:nvPr>
+            <p:ph sz="quarter" idx="13"/>
+          </p:nvPr>
+        </p:nvSpPr>
+        <p:spPr/>
+        <p:txBody>
+          <a:bodyPr/>
+          <a:lstStyle/>
+          <a:p>
+            <a:pPr>
+              <a:buFont typeface="Arial" pitchFamily="34" charset="0"/>
+              <a:buChar char="•"/>
+            </a:pPr>
+            <a:r>
+              <a:rPr lang="de-DE" dirty="0" smtClean="0"/>
+              <a:t> Lösung: zusätzlich Dokumenthäufigkeit</a:t>
+            </a:r>
+          </a:p>
+          <a:p>
+            <a:r>
+              <a:rPr lang="de-DE" dirty="0" smtClean="0"/>
+              <a:t> </a:t>
+            </a:r>
+          </a:p>
+          <a:p>
+            <a:pPr>
+              <a:buFont typeface="Arial" pitchFamily="34" charset="0"/>
+              <a:buChar char="•"/>
+            </a:pPr>
+            <a:r>
+              <a:rPr lang="de-DE" dirty="0" smtClean="0"/>
+              <a:t> invertierte Dokumenthäufigkeit</a:t>
+            </a:r>
+          </a:p>
+          <a:p>
+            <a:pPr>
+              <a:buFont typeface="Arial" pitchFamily="34" charset="0"/>
+              <a:buChar char="•"/>
+            </a:pPr>
+            <a:endParaRPr lang="de-DE" dirty="0" smtClean="0"/>
+          </a:p>
+          <a:p>
+            <a:pPr>
+              <a:buFont typeface="Arial" pitchFamily="34" charset="0"/>
+              <a:buChar char="•"/>
+            </a:pPr>
+            <a:r>
+              <a:rPr lang="de-DE" dirty="0" smtClean="0"/>
+              <a:t> mit Dämpfung </a:t>
+            </a:r>
+          </a:p>
+          <a:p>
+            <a:endParaRPr lang="de-DE" dirty="0" smtClean="0"/>
+          </a:p>
+          <a:p>
+            <a:pPr>
+              <a:buFont typeface="Arial" pitchFamily="34" charset="0"/>
+              <a:buChar char="•"/>
+            </a:pPr>
+            <a:r>
+              <a:rPr lang="de-DE" dirty="0" smtClean="0"/>
+              <a:t> TF-IDF-Gewichtung</a:t>
+            </a:r>
+          </a:p>
+          <a:p>
+            <a:pPr>
+              <a:buFont typeface="Arial" pitchFamily="34" charset="0"/>
+              <a:buChar char="•"/>
+            </a:pPr>
+            <a:endParaRPr lang="de-DE" dirty="0" smtClean="0"/>
+          </a:p>
+          <a:p>
+            <a:pPr>
+              <a:buFont typeface="Arial" pitchFamily="34" charset="0"/>
+              <a:buChar char="•"/>
+            </a:pPr>
+            <a:endParaRPr lang="de-DE" dirty="0" smtClean="0"/>
+          </a:p>
+          <a:p>
+            <a:pPr>
+              <a:buFont typeface="Arial" pitchFamily="34" charset="0"/>
+              <a:buChar char="•"/>
+            </a:pPr>
+            <a:endParaRPr lang="de-DE" dirty="0" smtClean="0"/>
+          </a:p>
+          <a:p>
+            <a:pPr>
+              <a:buFont typeface="Arial" pitchFamily="34" charset="0"/>
+              <a:buChar char="•"/>
+            </a:pPr>
+            <a:endParaRPr lang="de-DE" b="1" dirty="0"/>
+          </a:p>
+        </p:txBody>
+      </p:sp>
+      <p:sp>
+        <p:nvSpPr>
+          <p:cNvPr id="3" name="Datumsplatzhalter 2"/>
+          <p:cNvSpPr>
+            <a:spLocks noGrp="1"/>
+          </p:cNvSpPr>
+          <p:nvPr>
+            <p:ph type="dt" sz="half" idx="14"/>
+          </p:nvPr>
+        </p:nvSpPr>
+        <p:spPr/>
+        <p:txBody>
+          <a:bodyPr/>
+          <a:lstStyle/>
+          <a:p>
+            <a:pPr>
+              <a:defRPr/>
+            </a:pPr>
+            <a:endParaRPr lang="de-DE" dirty="0"/>
+          </a:p>
+        </p:txBody>
+      </p:sp>
+      <p:sp>
+        <p:nvSpPr>
+          <p:cNvPr id="4" name="Fußzeilenplatzhalter 3"/>
+          <p:cNvSpPr>
+            <a:spLocks noGrp="1"/>
+          </p:cNvSpPr>
+          <p:nvPr>
+            <p:ph type="ftr" sz="quarter" idx="15"/>
+          </p:nvPr>
+        </p:nvSpPr>
+        <p:spPr/>
+        <p:txBody>
+          <a:bodyPr/>
+          <a:lstStyle/>
+          <a:p>
+            <a:pPr>
+              <a:defRPr/>
+            </a:pPr>
+            <a:endParaRPr lang="de-DE"/>
+          </a:p>
+        </p:txBody>
+      </p:sp>
+      <p:sp>
+        <p:nvSpPr>
+          <p:cNvPr id="5" name="Foliennummernplatzhalter 4"/>
+          <p:cNvSpPr>
+            <a:spLocks noGrp="1"/>
+          </p:cNvSpPr>
+          <p:nvPr>
+            <p:ph type="sldNum" sz="quarter" idx="16"/>
+          </p:nvPr>
+        </p:nvSpPr>
+        <p:spPr/>
+        <p:txBody>
+          <a:bodyPr/>
+          <a:lstStyle/>
+          <a:p>
+            <a:pPr>
+              <a:defRPr/>
+            </a:pPr>
+            <a:fld id="{B53A9DA1-A25A-429F-A02C-54EE5606360E}" type="slidenum">
+              <a:rPr lang="de-DE" altLang="de-DE" smtClean="0"/>
+              <a:pPr>
+                <a:defRPr/>
+              </a:pPr>
+              <a:t>15</a:t>
+            </a:fld>
+            <a:endParaRPr lang="de-DE" altLang="de-DE" dirty="0"/>
+          </a:p>
+        </p:txBody>
+      </p:sp>
+      <p:sp>
+        <p:nvSpPr>
+          <p:cNvPr id="6" name="Titel 5"/>
+          <p:cNvSpPr>
+            <a:spLocks noGrp="1"/>
+          </p:cNvSpPr>
+          <p:nvPr>
+            <p:ph type="title"/>
+          </p:nvPr>
+        </p:nvSpPr>
+        <p:spPr/>
+        <p:txBody>
+          <a:bodyPr/>
+          <a:lstStyle/>
+          <a:p>
+            <a:r>
+              <a:rPr lang="de-DE" dirty="0" smtClean="0"/>
+              <a:t>4. Vektorraummodell</a:t>
             </a:r>
             <a:endParaRPr lang="de-DE" dirty="0"/>
           </a:p>
@@ -6423,7 +6920,7 @@
 </p:sld>
 </file>
 
-<file path=ppt/slides/slide14.xml><?xml version="1.0" encoding="utf-8"?>
+<file path=ppt/slides/slide16.xml><?xml version="1.0" encoding="utf-8"?>
 <p:sld xmlns:a="http://schemas.openxmlformats.org/drawingml/2006/main" xmlns:r="http://schemas.openxmlformats.org/officeDocument/2006/relationships" xmlns:p="http://schemas.openxmlformats.org/presentationml/2006/main">
   <p:cSld>
     <p:spTree>
@@ -6611,7 +7108,7 @@
               <a:pPr>
                 <a:defRPr/>
               </a:pPr>
-              <a:t>14</a:t>
+              <a:t>16</a:t>
             </a:fld>
             <a:endParaRPr lang="de-DE" altLang="de-DE" dirty="0"/>
           </a:p>
@@ -6634,7 +7131,7 @@
           <a:p>
             <a:r>
               <a:rPr lang="de-DE" dirty="0" smtClean="0"/>
-              <a:t>Vektorraummodell</a:t>
+              <a:t>4. Vektorraummodell</a:t>
             </a:r>
             <a:endParaRPr lang="de-DE" dirty="0"/>
           </a:p>
@@ -6685,438 +7182,6 @@
           <a:xfrm>
             <a:off x="2915816" y="4581128"/>
             <a:ext cx="2483371" cy="1618687"/>
-          </a:xfrm>
-          <a:prstGeom prst="rect">
-            <a:avLst/>
-          </a:prstGeom>
-          <a:noFill/>
-        </p:spPr>
-      </p:pic>
-    </p:spTree>
-  </p:cSld>
-  <p:clrMapOvr>
-    <a:masterClrMapping/>
-  </p:clrMapOvr>
-  <p:timing>
-    <p:tnLst>
-      <p:par>
-        <p:cTn id="1" dur="indefinite" restart="never" nodeType="tmRoot"/>
-      </p:par>
-    </p:tnLst>
-  </p:timing>
-</p:sld>
-</file>
-
-<file path=ppt/slides/slide15.xml><?xml version="1.0" encoding="utf-8"?>
-<p:sld xmlns:a="http://schemas.openxmlformats.org/drawingml/2006/main" xmlns:r="http://schemas.openxmlformats.org/officeDocument/2006/relationships" xmlns:p="http://schemas.openxmlformats.org/presentationml/2006/main">
-  <p:cSld>
-    <p:spTree>
-      <p:nvGrpSpPr>
-        <p:cNvPr id="1" name=""/>
-        <p:cNvGrpSpPr/>
-        <p:nvPr/>
-      </p:nvGrpSpPr>
-      <p:grpSpPr>
-        <a:xfrm>
-          <a:off x="0" y="0"/>
-          <a:ext cx="0" cy="0"/>
-          <a:chOff x="0" y="0"/>
-          <a:chExt cx="0" cy="0"/>
-        </a:xfrm>
-      </p:grpSpPr>
-      <p:sp>
-        <p:nvSpPr>
-          <p:cNvPr id="2" name="Inhaltsplatzhalter 1"/>
-          <p:cNvSpPr>
-            <a:spLocks noGrp="1"/>
-          </p:cNvSpPr>
-          <p:nvPr>
-            <p:ph sz="quarter" idx="13"/>
-          </p:nvPr>
-        </p:nvSpPr>
-        <p:spPr/>
-        <p:txBody>
-          <a:bodyPr/>
-          <a:lstStyle/>
-          <a:p>
-            <a:pPr>
-              <a:buFont typeface="Arial" pitchFamily="34" charset="0"/>
-              <a:buChar char="•"/>
-            </a:pPr>
-            <a:r>
-              <a:rPr lang="de-DE" dirty="0" smtClean="0"/>
-              <a:t> Repräsentation der Anfrage durch Query-Vektor</a:t>
-            </a:r>
-          </a:p>
-          <a:p>
-            <a:pPr>
-              <a:buFont typeface="Arial" pitchFamily="34" charset="0"/>
-              <a:buChar char="•"/>
-            </a:pPr>
-            <a:r>
-              <a:rPr lang="de-DE" dirty="0" smtClean="0"/>
-              <a:t> </a:t>
-            </a:r>
-            <a:r>
-              <a:rPr lang="de-DE" dirty="0" err="1" smtClean="0"/>
-              <a:t>Bsp</a:t>
-            </a:r>
-            <a:r>
-              <a:rPr lang="de-DE" dirty="0" smtClean="0"/>
-              <a:t>: </a:t>
-            </a:r>
-          </a:p>
-          <a:p>
-            <a:pPr lvl="1"/>
-            <a:r>
-              <a:rPr lang="de-DE" dirty="0" smtClean="0"/>
-              <a:t>„Formular“</a:t>
-            </a:r>
-          </a:p>
-          <a:p>
-            <a:pPr>
-              <a:buFont typeface="Arial" pitchFamily="34" charset="0"/>
-              <a:buChar char="•"/>
-            </a:pPr>
-            <a:endParaRPr lang="de-DE" dirty="0" smtClean="0"/>
-          </a:p>
-          <a:p>
-            <a:pPr>
-              <a:buFont typeface="Arial" pitchFamily="34" charset="0"/>
-              <a:buChar char="•"/>
-            </a:pPr>
-            <a:endParaRPr lang="de-DE" dirty="0" smtClean="0"/>
-          </a:p>
-          <a:p>
-            <a:pPr>
-              <a:buFont typeface="Arial" pitchFamily="34" charset="0"/>
-              <a:buChar char="•"/>
-            </a:pPr>
-            <a:endParaRPr lang="de-DE" dirty="0" smtClean="0"/>
-          </a:p>
-          <a:p>
-            <a:pPr>
-              <a:buFont typeface="Arial" pitchFamily="34" charset="0"/>
-              <a:buChar char="•"/>
-            </a:pPr>
-            <a:endParaRPr lang="de-DE" dirty="0" smtClean="0"/>
-          </a:p>
-          <a:p>
-            <a:pPr>
-              <a:buFont typeface="Arial" pitchFamily="34" charset="0"/>
-              <a:buChar char="•"/>
-            </a:pPr>
-            <a:r>
-              <a:rPr lang="de-DE" dirty="0" smtClean="0"/>
-              <a:t> Ähnlichkeitsfunktion: Cosinus-Maß</a:t>
-            </a:r>
-          </a:p>
-        </p:txBody>
-      </p:sp>
-      <p:sp>
-        <p:nvSpPr>
-          <p:cNvPr id="3" name="Datumsplatzhalter 2"/>
-          <p:cNvSpPr>
-            <a:spLocks noGrp="1"/>
-          </p:cNvSpPr>
-          <p:nvPr>
-            <p:ph type="dt" sz="half" idx="14"/>
-          </p:nvPr>
-        </p:nvSpPr>
-        <p:spPr/>
-        <p:txBody>
-          <a:bodyPr/>
-          <a:lstStyle/>
-          <a:p>
-            <a:pPr>
-              <a:defRPr/>
-            </a:pPr>
-            <a:fld id="{EE9AC89C-B0F3-4179-9BF1-A11BD48F530E}" type="datetime1">
-              <a:rPr lang="de-DE" smtClean="0"/>
-              <a:pPr>
-                <a:defRPr/>
-              </a:pPr>
-              <a:t>25.08.2017</a:t>
-            </a:fld>
-            <a:endParaRPr lang="de-DE" dirty="0"/>
-          </a:p>
-        </p:txBody>
-      </p:sp>
-      <p:sp>
-        <p:nvSpPr>
-          <p:cNvPr id="4" name="Fußzeilenplatzhalter 3"/>
-          <p:cNvSpPr>
-            <a:spLocks noGrp="1"/>
-          </p:cNvSpPr>
-          <p:nvPr>
-            <p:ph type="ftr" sz="quarter" idx="15"/>
-          </p:nvPr>
-        </p:nvSpPr>
-        <p:spPr/>
-        <p:txBody>
-          <a:bodyPr/>
-          <a:lstStyle/>
-          <a:p>
-            <a:pPr>
-              <a:defRPr/>
-            </a:pPr>
-            <a:endParaRPr lang="de-DE"/>
-          </a:p>
-        </p:txBody>
-      </p:sp>
-      <p:sp>
-        <p:nvSpPr>
-          <p:cNvPr id="5" name="Foliennummernplatzhalter 4"/>
-          <p:cNvSpPr>
-            <a:spLocks noGrp="1"/>
-          </p:cNvSpPr>
-          <p:nvPr>
-            <p:ph type="sldNum" sz="quarter" idx="16"/>
-          </p:nvPr>
-        </p:nvSpPr>
-        <p:spPr/>
-        <p:txBody>
-          <a:bodyPr/>
-          <a:lstStyle/>
-          <a:p>
-            <a:pPr>
-              <a:defRPr/>
-            </a:pPr>
-            <a:fld id="{B53A9DA1-A25A-429F-A02C-54EE5606360E}" type="slidenum">
-              <a:rPr lang="de-DE" altLang="de-DE" smtClean="0"/>
-              <a:pPr>
-                <a:defRPr/>
-              </a:pPr>
-              <a:t>15</a:t>
-            </a:fld>
-            <a:endParaRPr lang="de-DE" altLang="de-DE" dirty="0"/>
-          </a:p>
-        </p:txBody>
-      </p:sp>
-      <p:sp>
-        <p:nvSpPr>
-          <p:cNvPr id="6" name="Titel 5"/>
-          <p:cNvSpPr>
-            <a:spLocks noGrp="1"/>
-          </p:cNvSpPr>
-          <p:nvPr>
-            <p:ph type="title"/>
-          </p:nvPr>
-        </p:nvSpPr>
-        <p:spPr/>
-        <p:txBody>
-          <a:bodyPr/>
-          <a:lstStyle/>
-          <a:p>
-            <a:r>
-              <a:rPr lang="de-DE" dirty="0" smtClean="0"/>
-              <a:t>Vektorraummodell</a:t>
-            </a:r>
-            <a:endParaRPr lang="de-DE" dirty="0"/>
-          </a:p>
-        </p:txBody>
-      </p:sp>
-      <p:pic>
-        <p:nvPicPr>
-          <p:cNvPr id="15364" name="Picture 4" descr="C:\Users\kreme\Documents\SuchTool\Praesentation\q.png"/>
-          <p:cNvPicPr>
-            <a:picLocks noChangeAspect="1" noChangeArrowheads="1"/>
-          </p:cNvPicPr>
-          <p:nvPr/>
-        </p:nvPicPr>
-        <p:blipFill>
-          <a:blip r:embed="rId2" cstate="print"/>
-          <a:srcRect/>
-          <a:stretch>
-            <a:fillRect/>
-          </a:stretch>
-        </p:blipFill>
-        <p:spPr bwMode="auto">
-          <a:xfrm>
-            <a:off x="2915816" y="1628800"/>
-            <a:ext cx="2247900" cy="2038350"/>
-          </a:xfrm>
-          <a:prstGeom prst="rect">
-            <a:avLst/>
-          </a:prstGeom>
-          <a:noFill/>
-        </p:spPr>
-      </p:pic>
-      <p:pic>
-        <p:nvPicPr>
-          <p:cNvPr id="15366" name="Picture 6" descr="C:\Users\kreme\Documents\SuchTool\Praesentation\formel.png"/>
-          <p:cNvPicPr>
-            <a:picLocks noChangeAspect="1" noChangeArrowheads="1"/>
-          </p:cNvPicPr>
-          <p:nvPr/>
-        </p:nvPicPr>
-        <p:blipFill>
-          <a:blip r:embed="rId3" cstate="print"/>
-          <a:srcRect/>
-          <a:stretch>
-            <a:fillRect/>
-          </a:stretch>
-        </p:blipFill>
-        <p:spPr bwMode="auto">
-          <a:xfrm>
-            <a:off x="5148064" y="3789040"/>
-            <a:ext cx="3266306" cy="1847153"/>
-          </a:xfrm>
-          <a:prstGeom prst="rect">
-            <a:avLst/>
-          </a:prstGeom>
-          <a:noFill/>
-        </p:spPr>
-      </p:pic>
-    </p:spTree>
-  </p:cSld>
-  <p:clrMapOvr>
-    <a:masterClrMapping/>
-  </p:clrMapOvr>
-  <p:timing>
-    <p:tnLst>
-      <p:par>
-        <p:cTn id="1" dur="indefinite" restart="never" nodeType="tmRoot"/>
-      </p:par>
-    </p:tnLst>
-  </p:timing>
-</p:sld>
-</file>
-
-<file path=ppt/slides/slide16.xml><?xml version="1.0" encoding="utf-8"?>
-<p:sld xmlns:a="http://schemas.openxmlformats.org/drawingml/2006/main" xmlns:r="http://schemas.openxmlformats.org/officeDocument/2006/relationships" xmlns:p="http://schemas.openxmlformats.org/presentationml/2006/main">
-  <p:cSld>
-    <p:spTree>
-      <p:nvGrpSpPr>
-        <p:cNvPr id="1" name=""/>
-        <p:cNvGrpSpPr/>
-        <p:nvPr/>
-      </p:nvGrpSpPr>
-      <p:grpSpPr>
-        <a:xfrm>
-          <a:off x="0" y="0"/>
-          <a:ext cx="0" cy="0"/>
-          <a:chOff x="0" y="0"/>
-          <a:chExt cx="0" cy="0"/>
-        </a:xfrm>
-      </p:grpSpPr>
-      <p:sp>
-        <p:nvSpPr>
-          <p:cNvPr id="3" name="Datumsplatzhalter 2"/>
-          <p:cNvSpPr>
-            <a:spLocks noGrp="1"/>
-          </p:cNvSpPr>
-          <p:nvPr>
-            <p:ph type="dt" sz="half" idx="14"/>
-          </p:nvPr>
-        </p:nvSpPr>
-        <p:spPr/>
-        <p:txBody>
-          <a:bodyPr/>
-          <a:lstStyle/>
-          <a:p>
-            <a:pPr>
-              <a:defRPr/>
-            </a:pPr>
-            <a:endParaRPr lang="de-DE" dirty="0"/>
-          </a:p>
-        </p:txBody>
-      </p:sp>
-      <p:sp>
-        <p:nvSpPr>
-          <p:cNvPr id="4" name="Fußzeilenplatzhalter 3"/>
-          <p:cNvSpPr>
-            <a:spLocks noGrp="1"/>
-          </p:cNvSpPr>
-          <p:nvPr>
-            <p:ph type="ftr" sz="quarter" idx="15"/>
-          </p:nvPr>
-        </p:nvSpPr>
-        <p:spPr/>
-        <p:txBody>
-          <a:bodyPr/>
-          <a:lstStyle/>
-          <a:p>
-            <a:pPr>
-              <a:defRPr/>
-            </a:pPr>
-            <a:endParaRPr lang="de-DE"/>
-          </a:p>
-        </p:txBody>
-      </p:sp>
-      <p:sp>
-        <p:nvSpPr>
-          <p:cNvPr id="5" name="Foliennummernplatzhalter 4"/>
-          <p:cNvSpPr>
-            <a:spLocks noGrp="1"/>
-          </p:cNvSpPr>
-          <p:nvPr>
-            <p:ph type="sldNum" sz="quarter" idx="16"/>
-          </p:nvPr>
-        </p:nvSpPr>
-        <p:spPr/>
-        <p:txBody>
-          <a:bodyPr/>
-          <a:lstStyle/>
-          <a:p>
-            <a:pPr>
-              <a:defRPr/>
-            </a:pPr>
-            <a:fld id="{B53A9DA1-A25A-429F-A02C-54EE5606360E}" type="slidenum">
-              <a:rPr lang="de-DE" altLang="de-DE" smtClean="0"/>
-              <a:pPr>
-                <a:defRPr/>
-              </a:pPr>
-              <a:t>16</a:t>
-            </a:fld>
-            <a:endParaRPr lang="de-DE" altLang="de-DE" dirty="0"/>
-          </a:p>
-        </p:txBody>
-      </p:sp>
-      <p:sp>
-        <p:nvSpPr>
-          <p:cNvPr id="6" name="Titel 5"/>
-          <p:cNvSpPr>
-            <a:spLocks noGrp="1"/>
-          </p:cNvSpPr>
-          <p:nvPr>
-            <p:ph type="title"/>
-          </p:nvPr>
-        </p:nvSpPr>
-        <p:spPr/>
-        <p:txBody>
-          <a:bodyPr/>
-          <a:lstStyle/>
-          <a:p>
-            <a:r>
-              <a:rPr lang="de-DE" dirty="0" smtClean="0"/>
-              <a:t>Vektorraummodell</a:t>
-            </a:r>
-            <a:endParaRPr lang="de-DE" dirty="0"/>
-          </a:p>
-        </p:txBody>
-      </p:sp>
-      <p:pic>
-        <p:nvPicPr>
-          <p:cNvPr id="40962" name="Picture 2" descr="C:\Users\kreme\Documents\SuchTool\Praesentation\berechnung.png"/>
-          <p:cNvPicPr>
-            <a:picLocks noGrp="1" noChangeAspect="1" noChangeArrowheads="1"/>
-          </p:cNvPicPr>
-          <p:nvPr>
-            <p:ph sz="quarter" idx="13"/>
-          </p:nvPr>
-        </p:nvPicPr>
-        <p:blipFill>
-          <a:blip r:embed="rId2" cstate="print"/>
-          <a:srcRect/>
-          <a:stretch>
-            <a:fillRect/>
-          </a:stretch>
-        </p:blipFill>
-        <p:spPr bwMode="auto">
-          <a:xfrm>
-            <a:off x="107504" y="980728"/>
-            <a:ext cx="6748049" cy="5040312"/>
           </a:xfrm>
           <a:prstGeom prst="rect">
             <a:avLst/>
@@ -7158,6 +7223,95 @@
       </p:grpSpPr>
       <p:sp>
         <p:nvSpPr>
+          <p:cNvPr id="2" name="Inhaltsplatzhalter 1"/>
+          <p:cNvSpPr>
+            <a:spLocks noGrp="1"/>
+          </p:cNvSpPr>
+          <p:nvPr>
+            <p:ph sz="quarter" idx="13"/>
+          </p:nvPr>
+        </p:nvSpPr>
+        <p:spPr/>
+        <p:txBody>
+          <a:bodyPr/>
+          <a:lstStyle/>
+          <a:p>
+            <a:pPr>
+              <a:buFont typeface="Arial" pitchFamily="34" charset="0"/>
+              <a:buChar char="•"/>
+            </a:pPr>
+            <a:r>
+              <a:rPr lang="de-DE" dirty="0" smtClean="0"/>
+              <a:t> Repräsentation der Anfrage durch Query-Vektor</a:t>
+            </a:r>
+          </a:p>
+          <a:p>
+            <a:pPr>
+              <a:buFont typeface="Arial" pitchFamily="34" charset="0"/>
+              <a:buChar char="•"/>
+            </a:pPr>
+            <a:r>
+              <a:rPr lang="de-DE" dirty="0" smtClean="0"/>
+              <a:t> </a:t>
+            </a:r>
+            <a:r>
+              <a:rPr lang="de-DE" dirty="0" err="1" smtClean="0"/>
+              <a:t>Bsp</a:t>
+            </a:r>
+            <a:r>
+              <a:rPr lang="de-DE" dirty="0" smtClean="0"/>
+              <a:t>: </a:t>
+            </a:r>
+          </a:p>
+          <a:p>
+            <a:pPr lvl="1"/>
+            <a:r>
+              <a:rPr lang="de-DE" dirty="0" smtClean="0"/>
+              <a:t>„Formular“</a:t>
+            </a:r>
+          </a:p>
+          <a:p>
+            <a:pPr>
+              <a:buFont typeface="Arial" pitchFamily="34" charset="0"/>
+              <a:buChar char="•"/>
+            </a:pPr>
+            <a:endParaRPr lang="de-DE" dirty="0" smtClean="0"/>
+          </a:p>
+          <a:p>
+            <a:pPr>
+              <a:buFont typeface="Arial" pitchFamily="34" charset="0"/>
+              <a:buChar char="•"/>
+            </a:pPr>
+            <a:endParaRPr lang="de-DE" dirty="0" smtClean="0"/>
+          </a:p>
+          <a:p>
+            <a:pPr>
+              <a:buFont typeface="Arial" pitchFamily="34" charset="0"/>
+              <a:buChar char="•"/>
+            </a:pPr>
+            <a:endParaRPr lang="de-DE" dirty="0" smtClean="0"/>
+          </a:p>
+          <a:p>
+            <a:pPr>
+              <a:buFont typeface="Arial" pitchFamily="34" charset="0"/>
+              <a:buChar char="•"/>
+            </a:pPr>
+            <a:endParaRPr lang="de-DE" dirty="0" smtClean="0"/>
+          </a:p>
+          <a:p>
+            <a:pPr>
+              <a:buFont typeface="Arial" pitchFamily="34" charset="0"/>
+              <a:buChar char="•"/>
+            </a:pPr>
+            <a:r>
+              <a:rPr lang="de-DE" dirty="0" smtClean="0"/>
+              <a:t> Ähnlichkeitsfunktion: Cosinus-Maß</a:t>
+            </a:r>
+          </a:p>
+        </p:txBody>
+      </p:sp>
+      <p:sp>
+        <p:nvSpPr>
           <p:cNvPr id="3" name="Datumsplatzhalter 2"/>
           <p:cNvSpPr>
             <a:spLocks noGrp="1"/>
@@ -7174,13 +7328,6 @@
             <a:pPr>
               <a:defRPr/>
             </a:pPr>
-            <a:fld id="{EE9AC89C-B0F3-4179-9BF1-A11BD48F530E}" type="datetime1">
-              <a:rPr lang="de-DE" smtClean="0"/>
-              <a:pPr>
-                <a:defRPr/>
-              </a:pPr>
-              <a:t>25.08.2017</a:t>
-            </a:fld>
             <a:endParaRPr lang="de-DE" dirty="0"/>
           </a:p>
         </p:txBody>
@@ -7253,7 +7400,7 @@
           <a:p>
             <a:r>
               <a:rPr lang="de-DE" dirty="0" smtClean="0"/>
-              <a:t>Vektorraummodell</a:t>
+              <a:t>4. Vektorraummodell</a:t>
             </a:r>
             <a:endParaRPr lang="de-DE" dirty="0"/>
           </a:p>
@@ -7261,13 +7408,11 @@
       </p:sp>
       <p:pic>
         <p:nvPicPr>
-          <p:cNvPr id="39938" name="Picture 2" descr="C:\Users\kreme\Documents\SuchTool\Praesentation\berechnungB.png"/>
+          <p:cNvPr id="15364" name="Picture 4" descr="C:\Users\kreme\Documents\SuchTool\Praesentation\q.png"/>
           <p:cNvPicPr>
-            <a:picLocks noGrp="1" noChangeAspect="1" noChangeArrowheads="1"/>
+            <a:picLocks noChangeAspect="1" noChangeArrowheads="1"/>
           </p:cNvPicPr>
-          <p:nvPr>
-            <p:ph sz="quarter" idx="13"/>
-          </p:nvPr>
+          <p:nvPr/>
         </p:nvPicPr>
         <p:blipFill>
           <a:blip r:embed="rId2" cstate="print"/>
@@ -7278,8 +7423,34 @@
         </p:blipFill>
         <p:spPr bwMode="auto">
           <a:xfrm>
-            <a:off x="107504" y="980728"/>
-            <a:ext cx="6748049" cy="5040312"/>
+            <a:off x="2915816" y="1628800"/>
+            <a:ext cx="2247900" cy="2038350"/>
+          </a:xfrm>
+          <a:prstGeom prst="rect">
+            <a:avLst/>
+          </a:prstGeom>
+          <a:noFill/>
+        </p:spPr>
+      </p:pic>
+      <p:pic>
+        <p:nvPicPr>
+          <p:cNvPr id="15366" name="Picture 6" descr="C:\Users\kreme\Documents\SuchTool\Praesentation\formel.png"/>
+          <p:cNvPicPr>
+            <a:picLocks noChangeAspect="1" noChangeArrowheads="1"/>
+          </p:cNvPicPr>
+          <p:nvPr/>
+        </p:nvPicPr>
+        <p:blipFill>
+          <a:blip r:embed="rId3" cstate="print"/>
+          <a:srcRect/>
+          <a:stretch>
+            <a:fillRect/>
+          </a:stretch>
+        </p:blipFill>
+        <p:spPr bwMode="auto">
+          <a:xfrm>
+            <a:off x="5148064" y="3789040"/>
+            <a:ext cx="3266306" cy="1847153"/>
           </a:xfrm>
           <a:prstGeom prst="rect">
             <a:avLst/>
@@ -7337,13 +7508,6 @@
             <a:pPr>
               <a:defRPr/>
             </a:pPr>
-            <a:fld id="{EE9AC89C-B0F3-4179-9BF1-A11BD48F530E}" type="datetime1">
-              <a:rPr lang="de-DE" smtClean="0"/>
-              <a:pPr>
-                <a:defRPr/>
-              </a:pPr>
-              <a:t>25.08.2017</a:t>
-            </a:fld>
             <a:endParaRPr lang="de-DE" dirty="0"/>
           </a:p>
         </p:txBody>
@@ -7416,7 +7580,7 @@
           <a:p>
             <a:r>
               <a:rPr lang="de-DE" dirty="0" smtClean="0"/>
-              <a:t>Vektorraummodell</a:t>
+              <a:t>4. Vektorraummodell</a:t>
             </a:r>
             <a:endParaRPr lang="de-DE" dirty="0"/>
           </a:p>
@@ -7424,7 +7588,7 @@
       </p:sp>
       <p:pic>
         <p:nvPicPr>
-          <p:cNvPr id="39938" name="Picture 2" descr="C:\Users\kreme\Documents\SuchTool\Praesentation\berechnungB.png"/>
+          <p:cNvPr id="40962" name="Picture 2" descr="C:\Users\kreme\Documents\SuchTool\Praesentation\berechnung.png"/>
           <p:cNvPicPr>
             <a:picLocks noGrp="1" noChangeAspect="1" noChangeArrowheads="1"/>
           </p:cNvPicPr>
@@ -7443,32 +7607,6 @@
           <a:xfrm>
             <a:off x="107504" y="980728"/>
             <a:ext cx="6748049" cy="5040312"/>
-          </a:xfrm>
-          <a:prstGeom prst="rect">
-            <a:avLst/>
-          </a:prstGeom>
-          <a:noFill/>
-        </p:spPr>
-      </p:pic>
-      <p:pic>
-        <p:nvPicPr>
-          <p:cNvPr id="43011" name="Picture 3" descr="C:\Users\kreme\Documents\SuchTool\Praesentation\berechnungC.png"/>
-          <p:cNvPicPr>
-            <a:picLocks noChangeAspect="1" noChangeArrowheads="1"/>
-          </p:cNvPicPr>
-          <p:nvPr/>
-        </p:nvPicPr>
-        <p:blipFill>
-          <a:blip r:embed="rId3" cstate="print"/>
-          <a:srcRect/>
-          <a:stretch>
-            <a:fillRect/>
-          </a:stretch>
-        </p:blipFill>
-        <p:spPr bwMode="auto">
-          <a:xfrm>
-            <a:off x="6300192" y="1772816"/>
-            <a:ext cx="2727734" cy="2456999"/>
           </a:xfrm>
           <a:prstGeom prst="rect">
             <a:avLst/>
@@ -7510,45 +7648,6 @@
       </p:grpSpPr>
       <p:sp>
         <p:nvSpPr>
-          <p:cNvPr id="2" name="Inhaltsplatzhalter 1"/>
-          <p:cNvSpPr>
-            <a:spLocks noGrp="1"/>
-          </p:cNvSpPr>
-          <p:nvPr>
-            <p:ph sz="quarter" idx="13"/>
-          </p:nvPr>
-        </p:nvSpPr>
-        <p:spPr/>
-        <p:txBody>
-          <a:bodyPr/>
-          <a:lstStyle/>
-          <a:p>
-            <a:pPr>
-              <a:buFont typeface="Arial" pitchFamily="34" charset="0"/>
-              <a:buChar char="•"/>
-            </a:pPr>
-            <a:r>
-              <a:rPr lang="de-DE" dirty="0" smtClean="0"/>
-              <a:t> Längenunabhängige Ähnlichkeitsfunktion</a:t>
-            </a:r>
-          </a:p>
-          <a:p>
-            <a:pPr>
-              <a:buFont typeface="Arial" pitchFamily="34" charset="0"/>
-              <a:buChar char="•"/>
-            </a:pPr>
-            <a:r>
-              <a:rPr lang="de-DE" dirty="0" smtClean="0"/>
-              <a:t> Cosinus-Maß</a:t>
-            </a:r>
-          </a:p>
-          <a:p>
-            <a:endParaRPr lang="de-DE" dirty="0" smtClean="0"/>
-          </a:p>
-        </p:txBody>
-      </p:sp>
-      <p:sp>
-        <p:nvSpPr>
           <p:cNvPr id="3" name="Datumsplatzhalter 2"/>
           <p:cNvSpPr>
             <a:spLocks noGrp="1"/>
@@ -7637,7 +7736,7 @@
           <a:p>
             <a:r>
               <a:rPr lang="de-DE" dirty="0" smtClean="0"/>
-              <a:t>Vektorraummodell</a:t>
+              <a:t>4. Vektorraummodell</a:t>
             </a:r>
             <a:endParaRPr lang="de-DE" dirty="0"/>
           </a:p>
@@ -7645,11 +7744,13 @@
       </p:sp>
       <p:pic>
         <p:nvPicPr>
-          <p:cNvPr id="8" name="Picture 2" descr="C:\Users\kreme\Documents\SuchTool\Ausarbeitung\images\vector_space.png"/>
+          <p:cNvPr id="39938" name="Picture 2" descr="C:\Users\kreme\Documents\SuchTool\Praesentation\berechnungB.png"/>
           <p:cNvPicPr>
-            <a:picLocks noChangeAspect="1" noChangeArrowheads="1"/>
+            <a:picLocks noGrp="1" noChangeAspect="1" noChangeArrowheads="1"/>
           </p:cNvPicPr>
-          <p:nvPr/>
+          <p:nvPr>
+            <p:ph sz="quarter" idx="13"/>
+          </p:nvPr>
         </p:nvPicPr>
         <p:blipFill>
           <a:blip r:embed="rId2" cstate="print"/>
@@ -7660,8 +7761,8 @@
         </p:blipFill>
         <p:spPr bwMode="auto">
           <a:xfrm>
-            <a:off x="2051720" y="1916832"/>
-            <a:ext cx="4248472" cy="3948407"/>
+            <a:off x="107504" y="980728"/>
+            <a:ext cx="6748049" cy="5040312"/>
           </a:xfrm>
           <a:prstGeom prst="rect">
             <a:avLst/>
@@ -7722,17 +7823,7 @@
             </a:pPr>
             <a:r>
               <a:rPr lang="de-DE" dirty="0" smtClean="0"/>
-              <a:t> Informationssuche </a:t>
-            </a:r>
-            <a:r>
-              <a:rPr lang="de-DE" dirty="0" smtClean="0">
-                <a:sym typeface="Wingdings" pitchFamily="2" charset="2"/>
-              </a:rPr>
-              <a:t> </a:t>
-            </a:r>
-            <a:r>
-              <a:rPr lang="de-DE" dirty="0" smtClean="0"/>
-              <a:t>Information </a:t>
+              <a:t> Information </a:t>
             </a:r>
             <a:r>
               <a:rPr lang="de-DE" dirty="0" err="1" smtClean="0"/>
@@ -7747,7 +7838,11 @@
             </a:pPr>
             <a:r>
               <a:rPr lang="de-DE" dirty="0" smtClean="0"/>
-              <a:t> Verarbeitung unstrukturierter Dokumente</a:t>
+              <a:t> </a:t>
+            </a:r>
+            <a:r>
+              <a:rPr lang="de-DE" dirty="0" smtClean="0"/>
+              <a:t>unstrukturierte/semistrukturierte Dokumente</a:t>
             </a:r>
           </a:p>
           <a:p>
@@ -7757,7 +7852,11 @@
             </a:pPr>
             <a:r>
               <a:rPr lang="de-DE" dirty="0" smtClean="0"/>
-              <a:t> Beispiele:</a:t>
+              <a:t> Beispiele</a:t>
+            </a:r>
+            <a:r>
+              <a:rPr lang="de-DE" dirty="0" smtClean="0"/>
+              <a:t>:</a:t>
             </a:r>
           </a:p>
           <a:p>
@@ -7847,7 +7946,7 @@
           <a:p>
             <a:r>
               <a:rPr lang="de-DE" dirty="0" smtClean="0"/>
-              <a:t>Einleitung</a:t>
+              <a:t>1. Einleitung</a:t>
             </a:r>
             <a:endParaRPr lang="de-DE" dirty="0"/>
           </a:p>
@@ -7870,7 +7969,7 @@
         </p:blipFill>
         <p:spPr bwMode="auto">
           <a:xfrm>
-            <a:off x="395536" y="3645024"/>
+            <a:off x="395536" y="3789040"/>
             <a:ext cx="6985000" cy="1895475"/>
           </a:xfrm>
           <a:prstGeom prst="rect">
@@ -7965,96 +8064,6 @@
       </p:grpSpPr>
       <p:sp>
         <p:nvSpPr>
-          <p:cNvPr id="2" name="Inhaltsplatzhalter 1"/>
-          <p:cNvSpPr>
-            <a:spLocks noGrp="1"/>
-          </p:cNvSpPr>
-          <p:nvPr>
-            <p:ph sz="quarter" idx="13"/>
-          </p:nvPr>
-        </p:nvSpPr>
-        <p:spPr/>
-        <p:txBody>
-          <a:bodyPr/>
-          <a:lstStyle/>
-          <a:p>
-            <a:pPr>
-              <a:buFont typeface="Arial" pitchFamily="34" charset="0"/>
-              <a:buChar char="•"/>
-            </a:pPr>
-            <a:r>
-              <a:rPr lang="de-DE" dirty="0" smtClean="0"/>
-              <a:t> Bsp.:</a:t>
-            </a:r>
-          </a:p>
-          <a:p>
-            <a:pPr lvl="1">
-              <a:buNone/>
-            </a:pPr>
-            <a:r>
-              <a:rPr lang="de-DE" dirty="0" smtClean="0"/>
-              <a:t>((Freitext = DFKI) OR </a:t>
-            </a:r>
-          </a:p>
-          <a:p>
-            <a:pPr lvl="1">
-              <a:buNone/>
-            </a:pPr>
-            <a:r>
-              <a:rPr lang="de-DE" dirty="0" smtClean="0"/>
-              <a:t>		((Absender = Daniel) AND  (Absender-Mail-Adresse = Daniel)))</a:t>
-            </a:r>
-          </a:p>
-          <a:p>
-            <a:pPr lvl="1">
-              <a:buNone/>
-            </a:pPr>
-            <a:endParaRPr lang="de-DE" dirty="0" smtClean="0"/>
-          </a:p>
-          <a:p>
-            <a:pPr>
-              <a:buFont typeface="Arial" pitchFamily="34" charset="0"/>
-              <a:buChar char="•"/>
-            </a:pPr>
-            <a:r>
-              <a:rPr lang="de-DE" dirty="0" smtClean="0"/>
-              <a:t> AND: Durchschnitt der </a:t>
-            </a:r>
-            <a:r>
-              <a:rPr lang="de-DE" dirty="0" err="1" smtClean="0"/>
-              <a:t>docIDs</a:t>
-            </a:r>
-            <a:endParaRPr lang="de-DE" dirty="0" smtClean="0"/>
-          </a:p>
-          <a:p>
-            <a:pPr>
-              <a:buFont typeface="Arial" pitchFamily="34" charset="0"/>
-              <a:buChar char="•"/>
-            </a:pPr>
-            <a:r>
-              <a:rPr lang="de-DE" dirty="0" smtClean="0"/>
-              <a:t> OR: Vereinigung der </a:t>
-            </a:r>
-            <a:r>
-              <a:rPr lang="de-DE" dirty="0" err="1" smtClean="0"/>
-              <a:t>docIDs</a:t>
-            </a:r>
-            <a:endParaRPr lang="de-DE" dirty="0" smtClean="0"/>
-          </a:p>
-          <a:p>
-            <a:pPr>
-              <a:buFont typeface="Arial" pitchFamily="34" charset="0"/>
-              <a:buChar char="•"/>
-            </a:pPr>
-            <a:r>
-              <a:rPr lang="de-DE" dirty="0" smtClean="0"/>
-              <a:t> Problem: Score</a:t>
-            </a:r>
-          </a:p>
-        </p:txBody>
-      </p:sp>
-      <p:sp>
-        <p:nvSpPr>
           <p:cNvPr id="3" name="Datumsplatzhalter 2"/>
           <p:cNvSpPr>
             <a:spLocks noGrp="1"/>
@@ -8071,13 +8080,6 @@
             <a:pPr>
               <a:defRPr/>
             </a:pPr>
-            <a:fld id="{EE9AC89C-B0F3-4179-9BF1-A11BD48F530E}" type="datetime1">
-              <a:rPr lang="de-DE" smtClean="0"/>
-              <a:pPr>
-                <a:defRPr/>
-              </a:pPr>
-              <a:t>25.08.2017</a:t>
-            </a:fld>
             <a:endParaRPr lang="de-DE" dirty="0"/>
           </a:p>
         </p:txBody>
@@ -8150,12 +8152,66 @@
           <a:p>
             <a:r>
               <a:rPr lang="de-DE" dirty="0" smtClean="0"/>
-              <a:t>Kombination</a:t>
+              <a:t>4. Vektorraummodell</a:t>
             </a:r>
             <a:endParaRPr lang="de-DE" dirty="0"/>
           </a:p>
         </p:txBody>
       </p:sp>
+      <p:pic>
+        <p:nvPicPr>
+          <p:cNvPr id="39938" name="Picture 2" descr="C:\Users\kreme\Documents\SuchTool\Praesentation\berechnungB.png"/>
+          <p:cNvPicPr>
+            <a:picLocks noGrp="1" noChangeAspect="1" noChangeArrowheads="1"/>
+          </p:cNvPicPr>
+          <p:nvPr>
+            <p:ph sz="quarter" idx="13"/>
+          </p:nvPr>
+        </p:nvPicPr>
+        <p:blipFill>
+          <a:blip r:embed="rId2" cstate="print"/>
+          <a:srcRect/>
+          <a:stretch>
+            <a:fillRect/>
+          </a:stretch>
+        </p:blipFill>
+        <p:spPr bwMode="auto">
+          <a:xfrm>
+            <a:off x="107504" y="980728"/>
+            <a:ext cx="6748049" cy="5040312"/>
+          </a:xfrm>
+          <a:prstGeom prst="rect">
+            <a:avLst/>
+          </a:prstGeom>
+          <a:noFill/>
+        </p:spPr>
+      </p:pic>
+      <p:pic>
+        <p:nvPicPr>
+          <p:cNvPr id="43011" name="Picture 3" descr="C:\Users\kreme\Documents\SuchTool\Praesentation\berechnungC.png"/>
+          <p:cNvPicPr>
+            <a:picLocks noChangeAspect="1" noChangeArrowheads="1"/>
+          </p:cNvPicPr>
+          <p:nvPr/>
+        </p:nvPicPr>
+        <p:blipFill>
+          <a:blip r:embed="rId3" cstate="print"/>
+          <a:srcRect/>
+          <a:stretch>
+            <a:fillRect/>
+          </a:stretch>
+        </p:blipFill>
+        <p:spPr bwMode="auto">
+          <a:xfrm>
+            <a:off x="6300192" y="1772816"/>
+            <a:ext cx="2727734" cy="2456999"/>
+          </a:xfrm>
+          <a:prstGeom prst="rect">
+            <a:avLst/>
+          </a:prstGeom>
+          <a:noFill/>
+        </p:spPr>
+      </p:pic>
     </p:spTree>
   </p:cSld>
   <p:clrMapOvr>
@@ -8209,32 +8265,8 @@
             </a:pPr>
             <a:r>
               <a:rPr lang="de-DE" dirty="0" smtClean="0"/>
-              <a:t> Bsp.:</a:t>
-            </a:r>
-          </a:p>
-          <a:p>
-            <a:pPr lvl="1">
-              <a:buNone/>
-            </a:pPr>
-            <a:r>
-              <a:rPr lang="de-DE" dirty="0" smtClean="0"/>
-              <a:t>((Freitext = DFKI) OR </a:t>
-            </a:r>
-          </a:p>
-          <a:p>
-            <a:pPr lvl="1">
-              <a:buNone/>
-            </a:pPr>
-            <a:r>
-              <a:rPr lang="de-DE" dirty="0" smtClean="0"/>
-              <a:t>		((Absender = Daniel) AND  (Absender-Mail-Adresse = Daniel)))</a:t>
-            </a:r>
-          </a:p>
-          <a:p>
-            <a:pPr lvl="1">
-              <a:buNone/>
-            </a:pPr>
-            <a:endParaRPr lang="de-DE" dirty="0" smtClean="0"/>
+              <a:t> Längenunabhängige Ähnlichkeitsfunktion</a:t>
+            </a:r>
           </a:p>
           <a:p>
             <a:pPr>
@@ -8243,68 +8275,12 @@
             </a:pPr>
             <a:r>
               <a:rPr lang="de-DE" dirty="0" smtClean="0"/>
-              <a:t> AND: Durchschnitt der </a:t>
-            </a:r>
-            <a:r>
-              <a:rPr lang="de-DE" dirty="0" err="1" smtClean="0"/>
-              <a:t>docIDs</a:t>
-            </a:r>
+              <a:t> Cosinus-Maß</a:t>
+            </a:r>
+          </a:p>
+          <a:p>
             <a:endParaRPr lang="de-DE" dirty="0" smtClean="0"/>
           </a:p>
-          <a:p>
-            <a:pPr>
-              <a:buFont typeface="Arial" pitchFamily="34" charset="0"/>
-              <a:buChar char="•"/>
-            </a:pPr>
-            <a:r>
-              <a:rPr lang="de-DE" dirty="0" smtClean="0"/>
-              <a:t> OR: Vereinigung der </a:t>
-            </a:r>
-            <a:r>
-              <a:rPr lang="de-DE" dirty="0" err="1" smtClean="0"/>
-              <a:t>docIDs</a:t>
-            </a:r>
-            <a:endParaRPr lang="de-DE" dirty="0" smtClean="0"/>
-          </a:p>
-          <a:p>
-            <a:pPr>
-              <a:buFont typeface="Arial" pitchFamily="34" charset="0"/>
-              <a:buChar char="•"/>
-            </a:pPr>
-            <a:r>
-              <a:rPr lang="de-DE" dirty="0" smtClean="0"/>
-              <a:t> Problem: Score</a:t>
-            </a:r>
-          </a:p>
-          <a:p>
-            <a:r>
-              <a:rPr lang="de-DE" dirty="0" smtClean="0"/>
-              <a:t>	</a:t>
-            </a:r>
-            <a:r>
-              <a:rPr lang="de-DE" dirty="0" smtClean="0">
-                <a:sym typeface="Wingdings" pitchFamily="2" charset="2"/>
-              </a:rPr>
-              <a:t> Lösung: Metadatentreffer mit Score 1 versehen</a:t>
-            </a:r>
-          </a:p>
-          <a:p>
-            <a:r>
-              <a:rPr lang="de-DE" dirty="0" smtClean="0">
-                <a:sym typeface="Wingdings" pitchFamily="2" charset="2"/>
-              </a:rPr>
-              <a:t>	 Addition der Score-Werte</a:t>
-            </a:r>
-          </a:p>
-          <a:p>
-            <a:r>
-              <a:rPr lang="de-DE" dirty="0" smtClean="0">
-                <a:sym typeface="Wingdings" pitchFamily="2" charset="2"/>
-              </a:rPr>
-              <a:t>	 Kommazahl impliziert Freitexttreffer</a:t>
-            </a:r>
-            <a:endParaRPr lang="de-DE" dirty="0" smtClean="0"/>
-          </a:p>
         </p:txBody>
       </p:sp>
       <p:sp>
@@ -8325,13 +8301,6 @@
             <a:pPr>
               <a:defRPr/>
             </a:pPr>
-            <a:fld id="{EE9AC89C-B0F3-4179-9BF1-A11BD48F530E}" type="datetime1">
-              <a:rPr lang="de-DE" smtClean="0"/>
-              <a:pPr>
-                <a:defRPr/>
-              </a:pPr>
-              <a:t>25.08.2017</a:t>
-            </a:fld>
             <a:endParaRPr lang="de-DE" dirty="0"/>
           </a:p>
         </p:txBody>
@@ -8404,12 +8373,38 @@
           <a:p>
             <a:r>
               <a:rPr lang="de-DE" dirty="0" smtClean="0"/>
-              <a:t>Kombination</a:t>
+              <a:t>4. Vektorraummodell</a:t>
             </a:r>
             <a:endParaRPr lang="de-DE" dirty="0"/>
           </a:p>
         </p:txBody>
       </p:sp>
+      <p:pic>
+        <p:nvPicPr>
+          <p:cNvPr id="37890" name="Picture 2" descr="C:\Users\kreme\Documents\SuchTool\Bilder\cos-maß.png"/>
+          <p:cNvPicPr>
+            <a:picLocks noChangeAspect="1" noChangeArrowheads="1"/>
+          </p:cNvPicPr>
+          <p:nvPr/>
+        </p:nvPicPr>
+        <p:blipFill>
+          <a:blip r:embed="rId2" cstate="print"/>
+          <a:srcRect/>
+          <a:stretch>
+            <a:fillRect/>
+          </a:stretch>
+        </p:blipFill>
+        <p:spPr bwMode="auto">
+          <a:xfrm>
+            <a:off x="1403648" y="1988840"/>
+            <a:ext cx="5644553" cy="4147883"/>
+          </a:xfrm>
+          <a:prstGeom prst="rect">
+            <a:avLst/>
+          </a:prstGeom>
+          <a:noFill/>
+        </p:spPr>
+      </p:pic>
     </p:spTree>
   </p:cSld>
   <p:clrMapOvr>
@@ -8444,6 +8439,96 @@
       </p:grpSpPr>
       <p:sp>
         <p:nvSpPr>
+          <p:cNvPr id="2" name="Inhaltsplatzhalter 1"/>
+          <p:cNvSpPr>
+            <a:spLocks noGrp="1"/>
+          </p:cNvSpPr>
+          <p:nvPr>
+            <p:ph sz="quarter" idx="13"/>
+          </p:nvPr>
+        </p:nvSpPr>
+        <p:spPr/>
+        <p:txBody>
+          <a:bodyPr/>
+          <a:lstStyle/>
+          <a:p>
+            <a:pPr>
+              <a:buFont typeface="Arial" pitchFamily="34" charset="0"/>
+              <a:buChar char="•"/>
+            </a:pPr>
+            <a:r>
+              <a:rPr lang="de-DE" dirty="0" smtClean="0"/>
+              <a:t> Bsp.:</a:t>
+            </a:r>
+          </a:p>
+          <a:p>
+            <a:pPr lvl="1">
+              <a:buNone/>
+            </a:pPr>
+            <a:r>
+              <a:rPr lang="de-DE" dirty="0" smtClean="0"/>
+              <a:t>((Freitext = DFKI) OR </a:t>
+            </a:r>
+          </a:p>
+          <a:p>
+            <a:pPr lvl="1">
+              <a:buNone/>
+            </a:pPr>
+            <a:r>
+              <a:rPr lang="de-DE" dirty="0" smtClean="0"/>
+              <a:t>		((Absender = Daniel) AND  (Absender-Mail-Adresse = Daniel)))</a:t>
+            </a:r>
+          </a:p>
+          <a:p>
+            <a:pPr lvl="1">
+              <a:buNone/>
+            </a:pPr>
+            <a:endParaRPr lang="de-DE" dirty="0" smtClean="0"/>
+          </a:p>
+          <a:p>
+            <a:pPr>
+              <a:buFont typeface="Arial" pitchFamily="34" charset="0"/>
+              <a:buChar char="•"/>
+            </a:pPr>
+            <a:r>
+              <a:rPr lang="de-DE" dirty="0" smtClean="0"/>
+              <a:t> AND: Durchschnitt der </a:t>
+            </a:r>
+            <a:r>
+              <a:rPr lang="de-DE" dirty="0" err="1" smtClean="0"/>
+              <a:t>docIDs</a:t>
+            </a:r>
+            <a:endParaRPr lang="de-DE" dirty="0" smtClean="0"/>
+          </a:p>
+          <a:p>
+            <a:pPr>
+              <a:buFont typeface="Arial" pitchFamily="34" charset="0"/>
+              <a:buChar char="•"/>
+            </a:pPr>
+            <a:r>
+              <a:rPr lang="de-DE" dirty="0" smtClean="0"/>
+              <a:t> OR: Vereinigung der </a:t>
+            </a:r>
+            <a:r>
+              <a:rPr lang="de-DE" dirty="0" err="1" smtClean="0"/>
+              <a:t>docIDs</a:t>
+            </a:r>
+            <a:endParaRPr lang="de-DE" dirty="0" smtClean="0"/>
+          </a:p>
+          <a:p>
+            <a:pPr>
+              <a:buFont typeface="Arial" pitchFamily="34" charset="0"/>
+              <a:buChar char="•"/>
+            </a:pPr>
+            <a:r>
+              <a:rPr lang="de-DE" dirty="0" smtClean="0"/>
+              <a:t> Problem: Score</a:t>
+            </a:r>
+          </a:p>
+        </p:txBody>
+      </p:sp>
+      <p:sp>
+        <p:nvSpPr>
           <p:cNvPr id="3" name="Datumsplatzhalter 2"/>
           <p:cNvSpPr>
             <a:spLocks noGrp="1"/>
@@ -8460,13 +8545,6 @@
             <a:pPr>
               <a:defRPr/>
             </a:pPr>
-            <a:fld id="{EE9AC89C-B0F3-4179-9BF1-A11BD48F530E}" type="datetime1">
-              <a:rPr lang="de-DE" smtClean="0"/>
-              <a:pPr>
-                <a:defRPr/>
-              </a:pPr>
-              <a:t>25.08.2017</a:t>
-            </a:fld>
             <a:endParaRPr lang="de-DE" dirty="0"/>
           </a:p>
         </p:txBody>
@@ -8539,45 +8617,24 @@
           <a:p>
             <a:r>
               <a:rPr lang="de-DE" dirty="0" smtClean="0"/>
-              <a:t>Benutzeroberfläche und Bedienung</a:t>
+              <a:t>5. Kombination</a:t>
             </a:r>
             <a:endParaRPr lang="de-DE" dirty="0"/>
           </a:p>
         </p:txBody>
       </p:sp>
-      <p:pic>
-        <p:nvPicPr>
-          <p:cNvPr id="37890" name="Picture 2" descr="C:\Users\kreme\Documents\SuchTool\Bilder\Overview.png"/>
-          <p:cNvPicPr>
-            <a:picLocks noGrp="1" noChangeAspect="1" noChangeArrowheads="1"/>
-          </p:cNvPicPr>
-          <p:nvPr>
-            <p:ph sz="quarter" idx="13"/>
-          </p:nvPr>
-        </p:nvPicPr>
-        <p:blipFill>
-          <a:blip r:embed="rId2" cstate="print"/>
-          <a:srcRect/>
-          <a:stretch>
-            <a:fillRect/>
-          </a:stretch>
-        </p:blipFill>
-        <p:spPr bwMode="auto">
-          <a:xfrm>
-            <a:off x="179512" y="1080000"/>
-            <a:ext cx="6759128" cy="5040312"/>
-          </a:xfrm>
-          <a:prstGeom prst="rect">
-            <a:avLst/>
-          </a:prstGeom>
-          <a:noFill/>
-        </p:spPr>
-      </p:pic>
     </p:spTree>
   </p:cSld>
   <p:clrMapOvr>
     <a:masterClrMapping/>
   </p:clrMapOvr>
+  <p:timing>
+    <p:tnLst>
+      <p:par>
+        <p:cTn id="1" dur="indefinite" restart="never" nodeType="tmRoot"/>
+      </p:par>
+    </p:tnLst>
+  </p:timing>
 </p:sld>
 </file>
 
@@ -8600,6 +8657,125 @@
       </p:grpSpPr>
       <p:sp>
         <p:nvSpPr>
+          <p:cNvPr id="2" name="Inhaltsplatzhalter 1"/>
+          <p:cNvSpPr>
+            <a:spLocks noGrp="1"/>
+          </p:cNvSpPr>
+          <p:nvPr>
+            <p:ph sz="quarter" idx="13"/>
+          </p:nvPr>
+        </p:nvSpPr>
+        <p:spPr/>
+        <p:txBody>
+          <a:bodyPr/>
+          <a:lstStyle/>
+          <a:p>
+            <a:pPr>
+              <a:buFont typeface="Arial" pitchFamily="34" charset="0"/>
+              <a:buChar char="•"/>
+            </a:pPr>
+            <a:r>
+              <a:rPr lang="de-DE" dirty="0" smtClean="0"/>
+              <a:t> Bsp.:</a:t>
+            </a:r>
+          </a:p>
+          <a:p>
+            <a:pPr lvl="1">
+              <a:buNone/>
+            </a:pPr>
+            <a:r>
+              <a:rPr lang="de-DE" dirty="0" smtClean="0"/>
+              <a:t>((Freitext = DFKI) OR </a:t>
+            </a:r>
+          </a:p>
+          <a:p>
+            <a:pPr lvl="1">
+              <a:buNone/>
+            </a:pPr>
+            <a:r>
+              <a:rPr lang="de-DE" dirty="0" smtClean="0"/>
+              <a:t>		((Absender = Daniel) AND  (Absender-Mail-Adresse = Daniel)))</a:t>
+            </a:r>
+          </a:p>
+          <a:p>
+            <a:pPr lvl="1">
+              <a:buNone/>
+            </a:pPr>
+            <a:endParaRPr lang="de-DE" dirty="0" smtClean="0"/>
+          </a:p>
+          <a:p>
+            <a:pPr>
+              <a:buFont typeface="Arial" pitchFamily="34" charset="0"/>
+              <a:buChar char="•"/>
+            </a:pPr>
+            <a:r>
+              <a:rPr lang="de-DE" dirty="0" smtClean="0"/>
+              <a:t> AND: Durchschnitt der </a:t>
+            </a:r>
+            <a:r>
+              <a:rPr lang="de-DE" dirty="0" err="1" smtClean="0"/>
+              <a:t>docIDs</a:t>
+            </a:r>
+            <a:endParaRPr lang="de-DE" dirty="0" smtClean="0"/>
+          </a:p>
+          <a:p>
+            <a:pPr>
+              <a:buFont typeface="Arial" pitchFamily="34" charset="0"/>
+              <a:buChar char="•"/>
+            </a:pPr>
+            <a:r>
+              <a:rPr lang="de-DE" dirty="0" smtClean="0"/>
+              <a:t> OR: Vereinigung der </a:t>
+            </a:r>
+            <a:r>
+              <a:rPr lang="de-DE" dirty="0" err="1" smtClean="0"/>
+              <a:t>docIDs</a:t>
+            </a:r>
+            <a:endParaRPr lang="de-DE" dirty="0" smtClean="0"/>
+          </a:p>
+          <a:p>
+            <a:pPr>
+              <a:buFont typeface="Arial" pitchFamily="34" charset="0"/>
+              <a:buChar char="•"/>
+            </a:pPr>
+            <a:r>
+              <a:rPr lang="de-DE" dirty="0" smtClean="0"/>
+              <a:t> Problem: Score</a:t>
+            </a:r>
+          </a:p>
+          <a:p>
+            <a:r>
+              <a:rPr lang="de-DE" dirty="0" smtClean="0"/>
+              <a:t>	</a:t>
+            </a:r>
+            <a:r>
+              <a:rPr lang="de-DE" dirty="0" smtClean="0">
+                <a:sym typeface="Wingdings" pitchFamily="2" charset="2"/>
+              </a:rPr>
+              <a:t> Lösung: Metadatentreffer mit Score 1 versehen</a:t>
+            </a:r>
+          </a:p>
+          <a:p>
+            <a:r>
+              <a:rPr lang="de-DE" dirty="0" smtClean="0">
+                <a:sym typeface="Wingdings" pitchFamily="2" charset="2"/>
+              </a:rPr>
+              <a:t>	 Addition der Score-Werte</a:t>
+            </a:r>
+          </a:p>
+          <a:p>
+            <a:r>
+              <a:rPr lang="de-DE" dirty="0" smtClean="0">
+                <a:sym typeface="Wingdings" pitchFamily="2" charset="2"/>
+              </a:rPr>
+              <a:t>	 Kommazahl impliziert Freitexttreffer</a:t>
+            </a:r>
+            <a:endParaRPr lang="de-DE" dirty="0" smtClean="0"/>
+          </a:p>
+        </p:txBody>
+      </p:sp>
+      <p:sp>
+        <p:nvSpPr>
           <p:cNvPr id="3" name="Datumsplatzhalter 2"/>
           <p:cNvSpPr>
             <a:spLocks noGrp="1"/>
@@ -8616,13 +8792,6 @@
             <a:pPr>
               <a:defRPr/>
             </a:pPr>
-            <a:fld id="{EE9AC89C-B0F3-4179-9BF1-A11BD48F530E}" type="datetime1">
-              <a:rPr lang="de-DE" smtClean="0"/>
-              <a:pPr>
-                <a:defRPr/>
-              </a:pPr>
-              <a:t>25.08.2017</a:t>
-            </a:fld>
             <a:endParaRPr lang="de-DE" dirty="0"/>
           </a:p>
         </p:txBody>
@@ -8645,7 +8814,7 @@
             <a:pPr>
               <a:defRPr/>
             </a:pPr>
-            <a:endParaRPr lang="de-DE" dirty="0"/>
+            <a:endParaRPr lang="de-DE"/>
           </a:p>
         </p:txBody>
       </p:sp>
@@ -8695,67 +8864,9 @@
           <a:p>
             <a:r>
               <a:rPr lang="de-DE" dirty="0" smtClean="0"/>
-              <a:t>Benutzeroberfläche und Bedienung</a:t>
+              <a:t>5. Kombination</a:t>
             </a:r>
             <a:endParaRPr lang="de-DE" dirty="0"/>
-          </a:p>
-        </p:txBody>
-      </p:sp>
-      <p:pic>
-        <p:nvPicPr>
-          <p:cNvPr id="38915" name="Picture 3" descr="C:\Users\kreme\Documents\SuchTool\Bilder\a.png"/>
-          <p:cNvPicPr>
-            <a:picLocks noGrp="1" noChangeAspect="1" noChangeArrowheads="1"/>
-          </p:cNvPicPr>
-          <p:nvPr>
-            <p:ph sz="quarter" idx="13"/>
-          </p:nvPr>
-        </p:nvPicPr>
-        <p:blipFill>
-          <a:blip r:embed="rId2" cstate="print"/>
-          <a:srcRect/>
-          <a:stretch>
-            <a:fillRect/>
-          </a:stretch>
-        </p:blipFill>
-        <p:spPr bwMode="auto">
-          <a:xfrm>
-            <a:off x="180000" y="1080000"/>
-            <a:ext cx="6759128" cy="5040312"/>
-          </a:xfrm>
-          <a:prstGeom prst="rect">
-            <a:avLst/>
-          </a:prstGeom>
-          <a:noFill/>
-        </p:spPr>
-      </p:pic>
-      <p:sp>
-        <p:nvSpPr>
-          <p:cNvPr id="9" name="Textfeld 8"/>
-          <p:cNvSpPr txBox="1"/>
-          <p:nvPr/>
-        </p:nvSpPr>
-        <p:spPr>
-          <a:xfrm>
-            <a:off x="7020272" y="1340768"/>
-            <a:ext cx="2212209" cy="400110"/>
-          </a:xfrm>
-          <a:prstGeom prst="rect">
-            <a:avLst/>
-          </a:prstGeom>
-          <a:noFill/>
-        </p:spPr>
-        <p:txBody>
-          <a:bodyPr wrap="none" rtlCol="0">
-            <a:spAutoFit/>
-          </a:bodyPr>
-          <a:lstStyle/>
-          <a:p>
-            <a:r>
-              <a:rPr lang="de-DE" sz="2000" dirty="0" smtClean="0"/>
-              <a:t>Verzeichnisauswahl</a:t>
-            </a:r>
-            <a:endParaRPr lang="de-DE" sz="2000" dirty="0"/>
           </a:p>
         </p:txBody>
       </p:sp>
@@ -8764,6 +8875,13 @@
   <p:clrMapOvr>
     <a:masterClrMapping/>
   </p:clrMapOvr>
+  <p:timing>
+    <p:tnLst>
+      <p:par>
+        <p:cTn id="1" dur="indefinite" restart="never" nodeType="tmRoot"/>
+      </p:par>
+    </p:tnLst>
+  </p:timing>
 </p:sld>
 </file>
 
@@ -8802,13 +8920,6 @@
             <a:pPr>
               <a:defRPr/>
             </a:pPr>
-            <a:fld id="{EE9AC89C-B0F3-4179-9BF1-A11BD48F530E}" type="datetime1">
-              <a:rPr lang="de-DE" smtClean="0"/>
-              <a:pPr>
-                <a:defRPr/>
-              </a:pPr>
-              <a:t>25.08.2017</a:t>
-            </a:fld>
             <a:endParaRPr lang="de-DE" dirty="0"/>
           </a:p>
         </p:txBody>
@@ -8881,7 +8992,7 @@
           <a:p>
             <a:r>
               <a:rPr lang="de-DE" dirty="0" smtClean="0"/>
-              <a:t>Benutzeroberfläche und Bedienung</a:t>
+              <a:t>6. Benutzeroberfläche und Bedienung</a:t>
             </a:r>
             <a:endParaRPr lang="de-DE" dirty="0"/>
           </a:p>
@@ -8889,7 +9000,7 @@
       </p:sp>
       <p:pic>
         <p:nvPicPr>
-          <p:cNvPr id="39938" name="Picture 2" descr="C:\Users\kreme\Documents\SuchTool\Bilder\b.png"/>
+          <p:cNvPr id="37890" name="Picture 2" descr="C:\Users\kreme\Documents\SuchTool\Bilder\Overview.png"/>
           <p:cNvPicPr>
             <a:picLocks noGrp="1" noChangeAspect="1" noChangeArrowheads="1"/>
           </p:cNvPicPr>
@@ -8906,7 +9017,7 @@
         </p:blipFill>
         <p:spPr bwMode="auto">
           <a:xfrm>
-            <a:off x="180000" y="1080000"/>
+            <a:off x="179512" y="1080000"/>
             <a:ext cx="6759128" cy="5040312"/>
           </a:xfrm>
           <a:prstGeom prst="rect">
@@ -8915,36 +9026,6 @@
           <a:noFill/>
         </p:spPr>
       </p:pic>
-      <p:sp>
-        <p:nvSpPr>
-          <p:cNvPr id="9" name="Textfeld 8"/>
-          <p:cNvSpPr txBox="1"/>
-          <p:nvPr/>
-        </p:nvSpPr>
-        <p:spPr>
-          <a:xfrm>
-            <a:off x="7092280" y="2204864"/>
-            <a:ext cx="2160240" cy="400110"/>
-          </a:xfrm>
-          <a:prstGeom prst="rect">
-            <a:avLst/>
-          </a:prstGeom>
-          <a:noFill/>
-        </p:spPr>
-        <p:txBody>
-          <a:bodyPr wrap="square" rtlCol="0">
-            <a:spAutoFit/>
-          </a:bodyPr>
-          <a:lstStyle/>
-          <a:p>
-            <a:r>
-              <a:rPr lang="de-DE" sz="2000" dirty="0" smtClean="0"/>
-              <a:t>Gesamtanfrage</a:t>
-            </a:r>
-            <a:endParaRPr lang="de-DE" sz="2000" dirty="0"/>
-          </a:p>
-        </p:txBody>
-      </p:sp>
     </p:spTree>
   </p:cSld>
   <p:clrMapOvr>
@@ -8988,13 +9069,6 @@
             <a:pPr>
               <a:defRPr/>
             </a:pPr>
-            <a:fld id="{EE9AC89C-B0F3-4179-9BF1-A11BD48F530E}" type="datetime1">
-              <a:rPr lang="de-DE" smtClean="0"/>
-              <a:pPr>
-                <a:defRPr/>
-              </a:pPr>
-              <a:t>25.08.2017</a:t>
-            </a:fld>
             <a:endParaRPr lang="de-DE" dirty="0"/>
           </a:p>
         </p:txBody>
@@ -9017,7 +9091,7 @@
             <a:pPr>
               <a:defRPr/>
             </a:pPr>
-            <a:endParaRPr lang="de-DE"/>
+            <a:endParaRPr lang="de-DE" dirty="0"/>
           </a:p>
         </p:txBody>
       </p:sp>
@@ -9067,7 +9141,7 @@
           <a:p>
             <a:r>
               <a:rPr lang="de-DE" dirty="0" smtClean="0"/>
-              <a:t>Benutzeroberfläche und Bedienung</a:t>
+              <a:t>6. Benutzeroberfläche und Bedienung</a:t>
             </a:r>
             <a:endParaRPr lang="de-DE" dirty="0"/>
           </a:p>
@@ -9075,7 +9149,7 @@
       </p:sp>
       <p:pic>
         <p:nvPicPr>
-          <p:cNvPr id="40962" name="Picture 2" descr="C:\Users\kreme\Documents\SuchTool\Bilder\c.png"/>
+          <p:cNvPr id="38915" name="Picture 3" descr="C:\Users\kreme\Documents\SuchTool\Bilder\a.png"/>
           <p:cNvPicPr>
             <a:picLocks noGrp="1" noChangeAspect="1" noChangeArrowheads="1"/>
           </p:cNvPicPr>
@@ -9103,14 +9177,14 @@
       </p:pic>
       <p:sp>
         <p:nvSpPr>
-          <p:cNvPr id="8" name="Textfeld 7"/>
+          <p:cNvPr id="9" name="Textfeld 8"/>
           <p:cNvSpPr txBox="1"/>
           <p:nvPr/>
         </p:nvSpPr>
         <p:spPr>
           <a:xfrm>
-            <a:off x="7092280" y="4437112"/>
-            <a:ext cx="1512168" cy="400110"/>
+            <a:off x="7020272" y="1340768"/>
+            <a:ext cx="2212209" cy="400110"/>
           </a:xfrm>
           <a:prstGeom prst="rect">
             <a:avLst/>
@@ -9118,14 +9192,14 @@
           <a:noFill/>
         </p:spPr>
         <p:txBody>
-          <a:bodyPr wrap="square" rtlCol="0">
+          <a:bodyPr wrap="none" rtlCol="0">
             <a:spAutoFit/>
           </a:bodyPr>
           <a:lstStyle/>
           <a:p>
             <a:r>
               <a:rPr lang="de-DE" sz="2000" dirty="0" smtClean="0"/>
-              <a:t>Teilanfrage</a:t>
+              <a:t>Verzeichnisauswahl</a:t>
             </a:r>
             <a:endParaRPr lang="de-DE" sz="2000" dirty="0"/>
           </a:p>
@@ -9174,13 +9248,6 @@
             <a:pPr>
               <a:defRPr/>
             </a:pPr>
-            <a:fld id="{EE9AC89C-B0F3-4179-9BF1-A11BD48F530E}" type="datetime1">
-              <a:rPr lang="de-DE" smtClean="0"/>
-              <a:pPr>
-                <a:defRPr/>
-              </a:pPr>
-              <a:t>25.08.2017</a:t>
-            </a:fld>
             <a:endParaRPr lang="de-DE" dirty="0"/>
           </a:p>
         </p:txBody>
@@ -9253,7 +9320,7 @@
           <a:p>
             <a:r>
               <a:rPr lang="de-DE" dirty="0" smtClean="0"/>
-              <a:t>Benutzeroberfläche und Bedienung</a:t>
+              <a:t>6. Benutzeroberfläche und Bedienung</a:t>
             </a:r>
             <a:endParaRPr lang="de-DE" dirty="0"/>
           </a:p>
@@ -9261,7 +9328,7 @@
       </p:sp>
       <p:pic>
         <p:nvPicPr>
-          <p:cNvPr id="41986" name="Picture 2" descr="C:\Users\kreme\Documents\SuchTool\Bilder\d.png"/>
+          <p:cNvPr id="39938" name="Picture 2" descr="C:\Users\kreme\Documents\SuchTool\Bilder\b.png"/>
           <p:cNvPicPr>
             <a:picLocks noGrp="1" noChangeAspect="1" noChangeArrowheads="1"/>
           </p:cNvPicPr>
@@ -9289,14 +9356,14 @@
       </p:pic>
       <p:sp>
         <p:nvSpPr>
-          <p:cNvPr id="8" name="Textfeld 7"/>
+          <p:cNvPr id="9" name="Textfeld 8"/>
           <p:cNvSpPr txBox="1"/>
           <p:nvPr/>
         </p:nvSpPr>
         <p:spPr>
           <a:xfrm>
-            <a:off x="7092280" y="5301208"/>
-            <a:ext cx="1584176" cy="707886"/>
+            <a:off x="7092280" y="2204864"/>
+            <a:ext cx="2160240" cy="400110"/>
           </a:xfrm>
           <a:prstGeom prst="rect">
             <a:avLst/>
@@ -9311,14 +9378,9 @@
           <a:p>
             <a:r>
               <a:rPr lang="de-DE" sz="2000" dirty="0" smtClean="0"/>
-              <a:t>Suchbereiche</a:t>
-            </a:r>
-          </a:p>
-          <a:p>
-            <a:r>
-              <a:rPr lang="de-DE" sz="2000" dirty="0" smtClean="0"/>
-              <a:t>auswählen</a:t>
-            </a:r>
+              <a:t>Gesamtanfrage</a:t>
+            </a:r>
+            <a:endParaRPr lang="de-DE" sz="2000" dirty="0"/>
           </a:p>
         </p:txBody>
       </p:sp>
@@ -9365,13 +9427,6 @@
             <a:pPr>
               <a:defRPr/>
             </a:pPr>
-            <a:fld id="{EE9AC89C-B0F3-4179-9BF1-A11BD48F530E}" type="datetime1">
-              <a:rPr lang="de-DE" smtClean="0"/>
-              <a:pPr>
-                <a:defRPr/>
-              </a:pPr>
-              <a:t>25.08.2017</a:t>
-            </a:fld>
             <a:endParaRPr lang="de-DE" dirty="0"/>
           </a:p>
         </p:txBody>
@@ -9444,7 +9499,7 @@
           <a:p>
             <a:r>
               <a:rPr lang="de-DE" dirty="0" smtClean="0"/>
-              <a:t>Benutzeroberfläche und Bedienung</a:t>
+              <a:t>6. Benutzeroberfläche und Bedienung</a:t>
             </a:r>
             <a:endParaRPr lang="de-DE" dirty="0"/>
           </a:p>
@@ -9452,7 +9507,7 @@
       </p:sp>
       <p:pic>
         <p:nvPicPr>
-          <p:cNvPr id="43010" name="Picture 2" descr="C:\Users\kreme\Documents\SuchTool\Bilder\e.png"/>
+          <p:cNvPr id="40962" name="Picture 2" descr="C:\Users\kreme\Documents\SuchTool\Bilder\c.png"/>
           <p:cNvPicPr>
             <a:picLocks noGrp="1" noChangeAspect="1" noChangeArrowheads="1"/>
           </p:cNvPicPr>
@@ -9469,8 +9524,8 @@
         </p:blipFill>
         <p:spPr bwMode="auto">
           <a:xfrm>
-            <a:off x="180000" y="1412775"/>
-            <a:ext cx="3372321" cy="4758402"/>
+            <a:off x="180000" y="1080000"/>
+            <a:ext cx="6759128" cy="5040312"/>
           </a:xfrm>
           <a:prstGeom prst="rect">
             <a:avLst/>
@@ -9486,8 +9541,8 @@
         </p:nvSpPr>
         <p:spPr>
           <a:xfrm>
-            <a:off x="3923928" y="1916832"/>
-            <a:ext cx="3024336" cy="400110"/>
+            <a:off x="7092280" y="4437112"/>
+            <a:ext cx="1512168" cy="400110"/>
           </a:xfrm>
           <a:prstGeom prst="rect">
             <a:avLst/>
@@ -9502,7 +9557,7 @@
           <a:p>
             <a:r>
               <a:rPr lang="de-DE" sz="2000" dirty="0" smtClean="0"/>
-              <a:t>Freitextsuche auswählen</a:t>
+              <a:t>Teilanfrage</a:t>
             </a:r>
             <a:endParaRPr lang="de-DE" sz="2000" dirty="0"/>
           </a:p>
@@ -9551,13 +9606,6 @@
             <a:pPr>
               <a:defRPr/>
             </a:pPr>
-            <a:fld id="{EE9AC89C-B0F3-4179-9BF1-A11BD48F530E}" type="datetime1">
-              <a:rPr lang="de-DE" smtClean="0"/>
-              <a:pPr>
-                <a:defRPr/>
-              </a:pPr>
-              <a:t>25.08.2017</a:t>
-            </a:fld>
             <a:endParaRPr lang="de-DE" dirty="0"/>
           </a:p>
         </p:txBody>
@@ -9630,7 +9678,7 @@
           <a:p>
             <a:r>
               <a:rPr lang="de-DE" dirty="0" smtClean="0"/>
-              <a:t>Benutzeroberfläche und Bedienung</a:t>
+              <a:t>6. Benutzeroberfläche und Bedienung</a:t>
             </a:r>
             <a:endParaRPr lang="de-DE" dirty="0"/>
           </a:p>
@@ -9638,7 +9686,7 @@
       </p:sp>
       <p:pic>
         <p:nvPicPr>
-          <p:cNvPr id="45058" name="Picture 2" descr="C:\Users\kreme\Documents\SuchTool\Bilder\f.png"/>
+          <p:cNvPr id="41986" name="Picture 2" descr="C:\Users\kreme\Documents\SuchTool\Bilder\d.png"/>
           <p:cNvPicPr>
             <a:picLocks noGrp="1" noChangeAspect="1" noChangeArrowheads="1"/>
           </p:cNvPicPr>
@@ -9664,6 +9712,41 @@
           <a:noFill/>
         </p:spPr>
       </p:pic>
+      <p:sp>
+        <p:nvSpPr>
+          <p:cNvPr id="8" name="Textfeld 7"/>
+          <p:cNvSpPr txBox="1"/>
+          <p:nvPr/>
+        </p:nvSpPr>
+        <p:spPr>
+          <a:xfrm>
+            <a:off x="7092280" y="5301208"/>
+            <a:ext cx="1584176" cy="707886"/>
+          </a:xfrm>
+          <a:prstGeom prst="rect">
+            <a:avLst/>
+          </a:prstGeom>
+          <a:noFill/>
+        </p:spPr>
+        <p:txBody>
+          <a:bodyPr wrap="square" rtlCol="0">
+            <a:spAutoFit/>
+          </a:bodyPr>
+          <a:lstStyle/>
+          <a:p>
+            <a:r>
+              <a:rPr lang="de-DE" sz="2000" dirty="0" smtClean="0"/>
+              <a:t>Suchbereiche</a:t>
+            </a:r>
+          </a:p>
+          <a:p>
+            <a:r>
+              <a:rPr lang="de-DE" sz="2000" dirty="0" smtClean="0"/>
+              <a:t>auswählen</a:t>
+            </a:r>
+          </a:p>
+        </p:txBody>
+      </p:sp>
     </p:spTree>
   </p:cSld>
   <p:clrMapOvr>
@@ -9707,13 +9790,6 @@
             <a:pPr>
               <a:defRPr/>
             </a:pPr>
-            <a:fld id="{EE9AC89C-B0F3-4179-9BF1-A11BD48F530E}" type="datetime1">
-              <a:rPr lang="de-DE" smtClean="0"/>
-              <a:pPr>
-                <a:defRPr/>
-              </a:pPr>
-              <a:t>25.08.2017</a:t>
-            </a:fld>
             <a:endParaRPr lang="de-DE" dirty="0"/>
           </a:p>
         </p:txBody>
@@ -9786,7 +9862,7 @@
           <a:p>
             <a:r>
               <a:rPr lang="de-DE" dirty="0" smtClean="0"/>
-              <a:t>Benutzeroberfläche und Bedienung</a:t>
+              <a:t>6. Benutzeroberfläche und Bedienung</a:t>
             </a:r>
             <a:endParaRPr lang="de-DE" dirty="0"/>
           </a:p>
@@ -9794,7 +9870,7 @@
       </p:sp>
       <p:pic>
         <p:nvPicPr>
-          <p:cNvPr id="79874" name="Picture 2" descr="C:\Users\kreme\Documents\SuchTool\Bilder\dfki.png"/>
+          <p:cNvPr id="43010" name="Picture 2" descr="C:\Users\kreme\Documents\SuchTool\Bilder\e.png"/>
           <p:cNvPicPr>
             <a:picLocks noGrp="1" noChangeAspect="1" noChangeArrowheads="1"/>
           </p:cNvPicPr>
@@ -9811,8 +9887,8 @@
         </p:blipFill>
         <p:spPr bwMode="auto">
           <a:xfrm>
-            <a:off x="180000" y="2160000"/>
-            <a:ext cx="8640763" cy="2136795"/>
+            <a:off x="180000" y="1412775"/>
+            <a:ext cx="3372321" cy="4758402"/>
           </a:xfrm>
           <a:prstGeom prst="rect">
             <a:avLst/>
@@ -9828,8 +9904,8 @@
         </p:nvSpPr>
         <p:spPr>
           <a:xfrm>
-            <a:off x="180000" y="1080000"/>
-            <a:ext cx="2255126" cy="401200"/>
+            <a:off x="3923928" y="1916832"/>
+            <a:ext cx="3024336" cy="400110"/>
           </a:xfrm>
           <a:prstGeom prst="rect">
             <a:avLst/>
@@ -9837,18 +9913,14 @@
           <a:noFill/>
         </p:spPr>
         <p:txBody>
-          <a:bodyPr wrap="none" lIns="90000" tIns="46800" rtlCol="0">
+          <a:bodyPr wrap="square" rtlCol="0">
             <a:spAutoFit/>
           </a:bodyPr>
           <a:lstStyle/>
           <a:p>
-            <a:pPr>
-              <a:buFont typeface="Arial" pitchFamily="34" charset="0"/>
-              <a:buChar char="•"/>
-            </a:pPr>
             <a:r>
               <a:rPr lang="de-DE" sz="2000" dirty="0" smtClean="0"/>
-              <a:t> Suchtext eingeben</a:t>
+              <a:t>Freitextsuche auswählen</a:t>
             </a:r>
             <a:endParaRPr lang="de-DE" sz="2000" dirty="0"/>
           </a:p>
@@ -9917,7 +9989,11 @@
             <a:pPr lvl="1"/>
             <a:r>
               <a:rPr lang="de-DE" dirty="0" smtClean="0"/>
-              <a:t>Metadaten (z.B. Datum, Absender…)</a:t>
+              <a:t>Metadaten </a:t>
+            </a:r>
+            <a:r>
+              <a:rPr lang="de-DE" dirty="0" smtClean="0"/>
+              <a:t>(z.B. Datum, Absender…)</a:t>
             </a:r>
             <a:endParaRPr lang="de-DE" i="1" dirty="0" smtClean="0"/>
           </a:p>
@@ -9936,8 +10012,59 @@
             </a:pPr>
             <a:r>
               <a:rPr lang="de-DE" dirty="0" smtClean="0"/>
-              <a:t> Logische Verknüpfung der Suchkriterien mit AND, OR, NOT in beliebig tiefer Schachtelung </a:t>
-            </a:r>
+              <a:t> </a:t>
+            </a:r>
+            <a:r>
+              <a:rPr lang="de-DE" dirty="0" smtClean="0"/>
+              <a:t>Logische Verknüpfung der Suchkriterien mit AND, OR, NOT in beliebig tiefer Schachtelung </a:t>
+            </a:r>
+          </a:p>
+          <a:p>
+            <a:endParaRPr lang="de-DE" dirty="0"/>
+          </a:p>
+        </p:txBody>
+      </p:sp>
+      <p:sp>
+        <p:nvSpPr>
+          <p:cNvPr id="3" name="Datumsplatzhalter 2"/>
+          <p:cNvSpPr>
+            <a:spLocks noGrp="1"/>
+          </p:cNvSpPr>
+          <p:nvPr>
+            <p:ph type="dt" sz="half" idx="14"/>
+          </p:nvPr>
+        </p:nvSpPr>
+        <p:spPr/>
+        <p:txBody>
+          <a:bodyPr/>
+          <a:lstStyle/>
+          <a:p>
+            <a:pPr>
+              <a:defRPr/>
+            </a:pPr>
+            <a:endParaRPr lang="de-DE" dirty="0"/>
+          </a:p>
+        </p:txBody>
+      </p:sp>
+      <p:sp>
+        <p:nvSpPr>
+          <p:cNvPr id="4" name="Fußzeilenplatzhalter 3"/>
+          <p:cNvSpPr>
+            <a:spLocks noGrp="1"/>
+          </p:cNvSpPr>
+          <p:nvPr>
+            <p:ph type="ftr" sz="quarter" idx="15"/>
+          </p:nvPr>
+        </p:nvSpPr>
+        <p:spPr/>
+        <p:txBody>
+          <a:bodyPr/>
+          <a:lstStyle/>
+          <a:p>
+            <a:pPr>
+              <a:defRPr/>
+            </a:pPr>
+            <a:endParaRPr lang="de-DE" dirty="0"/>
           </a:p>
         </p:txBody>
       </p:sp>
@@ -9987,7 +10114,7 @@
           <a:p>
             <a:r>
               <a:rPr lang="de-DE" dirty="0" smtClean="0"/>
-              <a:t>Problemstellung</a:t>
+              <a:t>2. Problemstellung</a:t>
             </a:r>
             <a:endParaRPr lang="de-DE" dirty="0"/>
           </a:p>
@@ -9995,7 +10122,7 @@
       </p:sp>
       <p:pic>
         <p:nvPicPr>
-          <p:cNvPr id="18434" name="Picture 2" descr="Email Postfach aufräumen mit diesen Tipps"/>
+          <p:cNvPr id="7" name="Picture 2" descr="Email Postfach aufräumen mit diesen Tipps"/>
           <p:cNvPicPr>
             <a:picLocks noChangeAspect="1" noChangeArrowheads="1"/>
           </p:cNvPicPr>
@@ -10069,13 +10196,6 @@
             <a:pPr>
               <a:defRPr/>
             </a:pPr>
-            <a:fld id="{EE9AC89C-B0F3-4179-9BF1-A11BD48F530E}" type="datetime1">
-              <a:rPr lang="de-DE" smtClean="0"/>
-              <a:pPr>
-                <a:defRPr/>
-              </a:pPr>
-              <a:t>25.08.2017</a:t>
-            </a:fld>
             <a:endParaRPr lang="de-DE" dirty="0"/>
           </a:p>
         </p:txBody>
@@ -10148,7 +10268,7 @@
           <a:p>
             <a:r>
               <a:rPr lang="de-DE" dirty="0" smtClean="0"/>
-              <a:t>Benutzeroberfläche und Bedienung</a:t>
+              <a:t>6. Benutzeroberfläche und Bedienung</a:t>
             </a:r>
             <a:endParaRPr lang="de-DE" dirty="0"/>
           </a:p>
@@ -10156,7 +10276,7 @@
       </p:sp>
       <p:pic>
         <p:nvPicPr>
-          <p:cNvPr id="80898" name="Picture 2" descr="C:\Users\kreme\Documents\SuchTool\Bilder\add.png"/>
+          <p:cNvPr id="45058" name="Picture 2" descr="C:\Users\kreme\Documents\SuchTool\Bilder\f.png"/>
           <p:cNvPicPr>
             <a:picLocks noGrp="1" noChangeAspect="1" noChangeArrowheads="1"/>
           </p:cNvPicPr>
@@ -10173,8 +10293,8 @@
         </p:blipFill>
         <p:spPr bwMode="auto">
           <a:xfrm>
-            <a:off x="180000" y="2160000"/>
-            <a:ext cx="8640763" cy="2136795"/>
+            <a:off x="180000" y="1080000"/>
+            <a:ext cx="6759128" cy="5040312"/>
           </a:xfrm>
           <a:prstGeom prst="rect">
             <a:avLst/>
@@ -10182,40 +10302,6 @@
           <a:noFill/>
         </p:spPr>
       </p:pic>
-      <p:sp>
-        <p:nvSpPr>
-          <p:cNvPr id="8" name="Textfeld 7"/>
-          <p:cNvSpPr txBox="1"/>
-          <p:nvPr/>
-        </p:nvSpPr>
-        <p:spPr>
-          <a:xfrm>
-            <a:off x="180000" y="1080000"/>
-            <a:ext cx="2684153" cy="400110"/>
-          </a:xfrm>
-          <a:prstGeom prst="rect">
-            <a:avLst/>
-          </a:prstGeom>
-          <a:noFill/>
-        </p:spPr>
-        <p:txBody>
-          <a:bodyPr wrap="none" lIns="90000" rtlCol="0">
-            <a:spAutoFit/>
-          </a:bodyPr>
-          <a:lstStyle/>
-          <a:p>
-            <a:pPr>
-              <a:buFont typeface="Arial" pitchFamily="34" charset="0"/>
-              <a:buChar char="•"/>
-            </a:pPr>
-            <a:r>
-              <a:rPr lang="de-DE" sz="2000" dirty="0" smtClean="0"/>
-              <a:t> Teilanfrage hinzufügen</a:t>
-            </a:r>
-            <a:endParaRPr lang="de-DE" sz="2000" dirty="0"/>
-          </a:p>
-        </p:txBody>
-      </p:sp>
     </p:spTree>
   </p:cSld>
   <p:clrMapOvr>
@@ -10259,13 +10345,6 @@
             <a:pPr>
               <a:defRPr/>
             </a:pPr>
-            <a:fld id="{EE9AC89C-B0F3-4179-9BF1-A11BD48F530E}" type="datetime1">
-              <a:rPr lang="de-DE" smtClean="0"/>
-              <a:pPr>
-                <a:defRPr/>
-              </a:pPr>
-              <a:t>25.08.2017</a:t>
-            </a:fld>
             <a:endParaRPr lang="de-DE" dirty="0"/>
           </a:p>
         </p:txBody>
@@ -10338,18 +10417,15 @@
           <a:p>
             <a:r>
               <a:rPr lang="de-DE" dirty="0" smtClean="0"/>
-              <a:t>Benutzeroberfläche und Bedienung</a:t>
-            </a:r>
-            <a:br>
-              <a:rPr lang="de-DE" dirty="0" smtClean="0"/>
-            </a:br>
+              <a:t>6. Benutzeroberfläche und Bedienung</a:t>
+            </a:r>
             <a:endParaRPr lang="de-DE" dirty="0"/>
           </a:p>
         </p:txBody>
       </p:sp>
       <p:pic>
         <p:nvPicPr>
-          <p:cNvPr id="40962" name="Picture 2" descr="C:\Users\kreme\Documents\SuchTool\Bilder\blubb.png"/>
+          <p:cNvPr id="79874" name="Picture 2" descr="C:\Users\kreme\Documents\SuchTool\Bilder\dfki.png"/>
           <p:cNvPicPr>
             <a:picLocks noGrp="1" noChangeAspect="1" noChangeArrowheads="1"/>
           </p:cNvPicPr>
@@ -10366,8 +10442,8 @@
         </p:blipFill>
         <p:spPr bwMode="auto">
           <a:xfrm>
-            <a:off x="180000" y="1080000"/>
-            <a:ext cx="6755297" cy="5040312"/>
+            <a:off x="180000" y="2160000"/>
+            <a:ext cx="8640763" cy="2136795"/>
           </a:xfrm>
           <a:prstGeom prst="rect">
             <a:avLst/>
@@ -10375,6 +10451,40 @@
           <a:noFill/>
         </p:spPr>
       </p:pic>
+      <p:sp>
+        <p:nvSpPr>
+          <p:cNvPr id="8" name="Textfeld 7"/>
+          <p:cNvSpPr txBox="1"/>
+          <p:nvPr/>
+        </p:nvSpPr>
+        <p:spPr>
+          <a:xfrm>
+            <a:off x="180000" y="1080000"/>
+            <a:ext cx="2255126" cy="401200"/>
+          </a:xfrm>
+          <a:prstGeom prst="rect">
+            <a:avLst/>
+          </a:prstGeom>
+          <a:noFill/>
+        </p:spPr>
+        <p:txBody>
+          <a:bodyPr wrap="none" lIns="90000" tIns="46800" rtlCol="0">
+            <a:spAutoFit/>
+          </a:bodyPr>
+          <a:lstStyle/>
+          <a:p>
+            <a:pPr>
+              <a:buFont typeface="Arial" pitchFamily="34" charset="0"/>
+              <a:buChar char="•"/>
+            </a:pPr>
+            <a:r>
+              <a:rPr lang="de-DE" sz="2000" dirty="0" smtClean="0"/>
+              <a:t> Suchtext eingeben</a:t>
+            </a:r>
+            <a:endParaRPr lang="de-DE" sz="2000" dirty="0"/>
+          </a:p>
+        </p:txBody>
+      </p:sp>
     </p:spTree>
   </p:cSld>
   <p:clrMapOvr>
@@ -10418,13 +10528,6 @@
             <a:pPr>
               <a:defRPr/>
             </a:pPr>
-            <a:fld id="{EE9AC89C-B0F3-4179-9BF1-A11BD48F530E}" type="datetime1">
-              <a:rPr lang="de-DE" smtClean="0"/>
-              <a:pPr>
-                <a:defRPr/>
-              </a:pPr>
-              <a:t>25.08.2017</a:t>
-            </a:fld>
             <a:endParaRPr lang="de-DE" dirty="0"/>
           </a:p>
         </p:txBody>
@@ -10497,18 +10600,15 @@
           <a:p>
             <a:r>
               <a:rPr lang="de-DE" dirty="0" smtClean="0"/>
-              <a:t>Benutzeroberfläche und Bedienung</a:t>
-            </a:r>
-            <a:br>
-              <a:rPr lang="de-DE" dirty="0" smtClean="0"/>
-            </a:br>
+              <a:t>6. Benutzeroberfläche und Bedienung</a:t>
+            </a:r>
             <a:endParaRPr lang="de-DE" dirty="0"/>
           </a:p>
         </p:txBody>
       </p:sp>
       <p:pic>
         <p:nvPicPr>
-          <p:cNvPr id="41986" name="Picture 2" descr="C:\Users\kreme\Documents\SuchTool\Bilder\2.png"/>
+          <p:cNvPr id="80898" name="Picture 2" descr="C:\Users\kreme\Documents\SuchTool\Bilder\add.png"/>
           <p:cNvPicPr>
             <a:picLocks noGrp="1" noChangeAspect="1" noChangeArrowheads="1"/>
           </p:cNvPicPr>
@@ -10525,8 +10625,8 @@
         </p:blipFill>
         <p:spPr bwMode="auto">
           <a:xfrm>
-            <a:off x="250825" y="2926039"/>
-            <a:ext cx="8640763" cy="1725059"/>
+            <a:off x="180000" y="2160000"/>
+            <a:ext cx="8640763" cy="2136795"/>
           </a:xfrm>
           <a:prstGeom prst="rect">
             <a:avLst/>
@@ -10536,14 +10636,14 @@
       </p:pic>
       <p:sp>
         <p:nvSpPr>
-          <p:cNvPr id="9" name="Textfeld 8"/>
+          <p:cNvPr id="8" name="Textfeld 7"/>
           <p:cNvSpPr txBox="1"/>
           <p:nvPr/>
         </p:nvSpPr>
         <p:spPr>
           <a:xfrm>
             <a:off x="180000" y="1080000"/>
-            <a:ext cx="1144993" cy="400110"/>
+            <a:ext cx="2684153" cy="400110"/>
           </a:xfrm>
           <a:prstGeom prst="rect">
             <a:avLst/>
@@ -10551,7 +10651,7 @@
           <a:noFill/>
         </p:spPr>
         <p:txBody>
-          <a:bodyPr wrap="none" rtlCol="0">
+          <a:bodyPr wrap="none" lIns="90000" rtlCol="0">
             <a:spAutoFit/>
           </a:bodyPr>
           <a:lstStyle/>
@@ -10562,7 +10662,7 @@
             </a:pPr>
             <a:r>
               <a:rPr lang="de-DE" sz="2000" dirty="0" smtClean="0"/>
-              <a:t> Anzeige</a:t>
+              <a:t> Teilanfrage hinzufügen</a:t>
             </a:r>
             <a:endParaRPr lang="de-DE" sz="2000" dirty="0"/>
           </a:p>
@@ -10611,13 +10711,6 @@
             <a:pPr>
               <a:defRPr/>
             </a:pPr>
-            <a:fld id="{EE9AC89C-B0F3-4179-9BF1-A11BD48F530E}" type="datetime1">
-              <a:rPr lang="de-DE" smtClean="0"/>
-              <a:pPr>
-                <a:defRPr/>
-              </a:pPr>
-              <a:t>25.08.2017</a:t>
-            </a:fld>
             <a:endParaRPr lang="de-DE" dirty="0"/>
           </a:p>
         </p:txBody>
@@ -10690,7 +10783,7 @@
           <a:p>
             <a:r>
               <a:rPr lang="de-DE" dirty="0" smtClean="0"/>
-              <a:t>Benutzeroberfläche und Bedienung</a:t>
+              <a:t>6. Benutzeroberfläche und Bedienung</a:t>
             </a:r>
             <a:endParaRPr lang="de-DE" dirty="0"/>
           </a:p>
@@ -10698,7 +10791,7 @@
       </p:sp>
       <p:pic>
         <p:nvPicPr>
-          <p:cNvPr id="43010" name="Picture 2" descr="C:\Users\kreme\Documents\SuchTool\Bilder\3.png"/>
+          <p:cNvPr id="40962" name="Picture 2" descr="C:\Users\kreme\Documents\SuchTool\Bilder\blubb.png"/>
           <p:cNvPicPr>
             <a:picLocks noGrp="1" noChangeAspect="1" noChangeArrowheads="1"/>
           </p:cNvPicPr>
@@ -10715,8 +10808,8 @@
         </p:blipFill>
         <p:spPr bwMode="auto">
           <a:xfrm>
-            <a:off x="250825" y="2926039"/>
-            <a:ext cx="8640763" cy="1725059"/>
+            <a:off x="180000" y="1080000"/>
+            <a:ext cx="6755297" cy="5040312"/>
           </a:xfrm>
           <a:prstGeom prst="rect">
             <a:avLst/>
@@ -10724,40 +10817,6 @@
           <a:noFill/>
         </p:spPr>
       </p:pic>
-      <p:sp>
-        <p:nvSpPr>
-          <p:cNvPr id="10" name="Textfeld 9"/>
-          <p:cNvSpPr txBox="1"/>
-          <p:nvPr/>
-        </p:nvSpPr>
-        <p:spPr>
-          <a:xfrm>
-            <a:off x="180000" y="1080000"/>
-            <a:ext cx="2232248" cy="400110"/>
-          </a:xfrm>
-          <a:prstGeom prst="rect">
-            <a:avLst/>
-          </a:prstGeom>
-          <a:noFill/>
-        </p:spPr>
-        <p:txBody>
-          <a:bodyPr wrap="square" rtlCol="0">
-            <a:spAutoFit/>
-          </a:bodyPr>
-          <a:lstStyle/>
-          <a:p>
-            <a:pPr>
-              <a:buFont typeface="Arial" pitchFamily="34" charset="0"/>
-              <a:buChar char="•"/>
-            </a:pPr>
-            <a:r>
-              <a:rPr lang="de-DE" sz="2000" dirty="0" smtClean="0"/>
-              <a:t> Anzeige</a:t>
-            </a:r>
-            <a:endParaRPr lang="de-DE" sz="2000" dirty="0"/>
-          </a:p>
-        </p:txBody>
-      </p:sp>
     </p:spTree>
   </p:cSld>
   <p:clrMapOvr>
@@ -10801,13 +10860,6 @@
             <a:pPr>
               <a:defRPr/>
             </a:pPr>
-            <a:fld id="{EE9AC89C-B0F3-4179-9BF1-A11BD48F530E}" type="datetime1">
-              <a:rPr lang="de-DE" smtClean="0"/>
-              <a:pPr>
-                <a:defRPr/>
-              </a:pPr>
-              <a:t>25.08.2017</a:t>
-            </a:fld>
             <a:endParaRPr lang="de-DE" dirty="0"/>
           </a:p>
         </p:txBody>
@@ -10880,15 +10932,18 @@
           <a:p>
             <a:r>
               <a:rPr lang="de-DE" dirty="0" smtClean="0"/>
-              <a:t>Benutzeroberfläche und Bedienung</a:t>
-            </a:r>
+              <a:t>6. Benutzeroberfläche und Bedienung</a:t>
+            </a:r>
+            <a:br>
+              <a:rPr lang="de-DE" dirty="0" smtClean="0"/>
+            </a:br>
             <a:endParaRPr lang="de-DE" dirty="0"/>
           </a:p>
         </p:txBody>
       </p:sp>
       <p:pic>
         <p:nvPicPr>
-          <p:cNvPr id="44034" name="Picture 2" descr="C:\Users\kreme\Documents\SuchTool\Bilder\4.png"/>
+          <p:cNvPr id="41986" name="Picture 2" descr="C:\Users\kreme\Documents\SuchTool\Bilder\2.png"/>
           <p:cNvPicPr>
             <a:picLocks noGrp="1" noChangeAspect="1" noChangeArrowheads="1"/>
           </p:cNvPicPr>
@@ -10914,6 +10969,40 @@
           <a:noFill/>
         </p:spPr>
       </p:pic>
+      <p:sp>
+        <p:nvSpPr>
+          <p:cNvPr id="9" name="Textfeld 8"/>
+          <p:cNvSpPr txBox="1"/>
+          <p:nvPr/>
+        </p:nvSpPr>
+        <p:spPr>
+          <a:xfrm>
+            <a:off x="180000" y="1080000"/>
+            <a:ext cx="1144993" cy="400110"/>
+          </a:xfrm>
+          <a:prstGeom prst="rect">
+            <a:avLst/>
+          </a:prstGeom>
+          <a:noFill/>
+        </p:spPr>
+        <p:txBody>
+          <a:bodyPr wrap="none" rtlCol="0">
+            <a:spAutoFit/>
+          </a:bodyPr>
+          <a:lstStyle/>
+          <a:p>
+            <a:pPr>
+              <a:buFont typeface="Arial" pitchFamily="34" charset="0"/>
+              <a:buChar char="•"/>
+            </a:pPr>
+            <a:r>
+              <a:rPr lang="de-DE" sz="2000" dirty="0" smtClean="0"/>
+              <a:t> Anzeige</a:t>
+            </a:r>
+            <a:endParaRPr lang="de-DE" sz="2000" dirty="0"/>
+          </a:p>
+        </p:txBody>
+      </p:sp>
     </p:spTree>
   </p:cSld>
   <p:clrMapOvr>
@@ -10957,13 +11046,6 @@
             <a:pPr>
               <a:defRPr/>
             </a:pPr>
-            <a:fld id="{EE9AC89C-B0F3-4179-9BF1-A11BD48F530E}" type="datetime1">
-              <a:rPr lang="de-DE" smtClean="0"/>
-              <a:pPr>
-                <a:defRPr/>
-              </a:pPr>
-              <a:t>25.08.2017</a:t>
-            </a:fld>
             <a:endParaRPr lang="de-DE" dirty="0"/>
           </a:p>
         </p:txBody>
@@ -11036,7 +11118,7 @@
           <a:p>
             <a:r>
               <a:rPr lang="de-DE" dirty="0" smtClean="0"/>
-              <a:t>Benutzeroberfläche und Bedienung</a:t>
+              <a:t>6. Benutzeroberfläche und Bedienung</a:t>
             </a:r>
             <a:endParaRPr lang="de-DE" dirty="0"/>
           </a:p>
@@ -11044,7 +11126,7 @@
       </p:sp>
       <p:pic>
         <p:nvPicPr>
-          <p:cNvPr id="45058" name="Picture 2" descr="C:\Users\kreme\Documents\SuchTool\Bilder\5.png"/>
+          <p:cNvPr id="43010" name="Picture 2" descr="C:\Users\kreme\Documents\SuchTool\Bilder\3.png"/>
           <p:cNvPicPr>
             <a:picLocks noGrp="1" noChangeAspect="1" noChangeArrowheads="1"/>
           </p:cNvPicPr>
@@ -11070,6 +11152,40 @@
           <a:noFill/>
         </p:spPr>
       </p:pic>
+      <p:sp>
+        <p:nvSpPr>
+          <p:cNvPr id="10" name="Textfeld 9"/>
+          <p:cNvSpPr txBox="1"/>
+          <p:nvPr/>
+        </p:nvSpPr>
+        <p:spPr>
+          <a:xfrm>
+            <a:off x="180000" y="1080000"/>
+            <a:ext cx="2232248" cy="400110"/>
+          </a:xfrm>
+          <a:prstGeom prst="rect">
+            <a:avLst/>
+          </a:prstGeom>
+          <a:noFill/>
+        </p:spPr>
+        <p:txBody>
+          <a:bodyPr wrap="square" rtlCol="0">
+            <a:spAutoFit/>
+          </a:bodyPr>
+          <a:lstStyle/>
+          <a:p>
+            <a:pPr>
+              <a:buFont typeface="Arial" pitchFamily="34" charset="0"/>
+              <a:buChar char="•"/>
+            </a:pPr>
+            <a:r>
+              <a:rPr lang="de-DE" sz="2000" dirty="0" smtClean="0"/>
+              <a:t> Anzeige</a:t>
+            </a:r>
+            <a:endParaRPr lang="de-DE" sz="2000" dirty="0"/>
+          </a:p>
+        </p:txBody>
+      </p:sp>
     </p:spTree>
   </p:cSld>
   <p:clrMapOvr>
@@ -11097,35 +11213,6 @@
       </p:grpSpPr>
       <p:sp>
         <p:nvSpPr>
-          <p:cNvPr id="3" name="Datumsplatzhalter 2"/>
-          <p:cNvSpPr>
-            <a:spLocks noGrp="1"/>
-          </p:cNvSpPr>
-          <p:nvPr>
-            <p:ph type="dt" sz="half" idx="14"/>
-          </p:nvPr>
-        </p:nvSpPr>
-        <p:spPr/>
-        <p:txBody>
-          <a:bodyPr/>
-          <a:lstStyle/>
-          <a:p>
-            <a:pPr>
-              <a:defRPr/>
-            </a:pPr>
-            <a:fld id="{EE9AC89C-B0F3-4179-9BF1-A11BD48F530E}" type="datetime1">
-              <a:rPr lang="de-DE" smtClean="0"/>
-              <a:pPr>
-                <a:defRPr/>
-              </a:pPr>
-              <a:t>25.08.2017</a:t>
-            </a:fld>
-            <a:endParaRPr lang="de-DE" dirty="0"/>
-          </a:p>
-        </p:txBody>
-      </p:sp>
-      <p:sp>
-        <p:nvSpPr>
           <p:cNvPr id="4" name="Fußzeilenplatzhalter 3"/>
           <p:cNvSpPr>
             <a:spLocks noGrp="1"/>
@@ -11192,7 +11279,7 @@
           <a:p>
             <a:r>
               <a:rPr lang="de-DE" dirty="0" smtClean="0"/>
-              <a:t>Benutzeroberfläche und Bedienung</a:t>
+              <a:t>6. Benutzeroberfläche und Bedienung</a:t>
             </a:r>
             <a:endParaRPr lang="de-DE" dirty="0"/>
           </a:p>
@@ -11200,7 +11287,7 @@
       </p:sp>
       <p:pic>
         <p:nvPicPr>
-          <p:cNvPr id="46082" name="Picture 2" descr="C:\Users\kreme\Documents\SuchTool\Bilder\d.png"/>
+          <p:cNvPr id="44034" name="Picture 2" descr="C:\Users\kreme\Documents\SuchTool\Bilder\4.png"/>
           <p:cNvPicPr>
             <a:picLocks noGrp="1" noChangeAspect="1" noChangeArrowheads="1"/>
           </p:cNvPicPr>
@@ -11217,8 +11304,8 @@
         </p:blipFill>
         <p:spPr bwMode="auto">
           <a:xfrm>
-            <a:off x="1191642" y="1268413"/>
-            <a:ext cx="6759128" cy="5040312"/>
+            <a:off x="250825" y="2926039"/>
+            <a:ext cx="8640763" cy="1725059"/>
           </a:xfrm>
           <a:prstGeom prst="rect">
             <a:avLst/>
@@ -11269,13 +11356,6 @@
             <a:pPr>
               <a:defRPr/>
             </a:pPr>
-            <a:fld id="{EE9AC89C-B0F3-4179-9BF1-A11BD48F530E}" type="datetime1">
-              <a:rPr lang="de-DE" smtClean="0"/>
-              <a:pPr>
-                <a:defRPr/>
-              </a:pPr>
-              <a:t>25.08.2017</a:t>
-            </a:fld>
             <a:endParaRPr lang="de-DE" dirty="0"/>
           </a:p>
         </p:txBody>
@@ -11348,7 +11428,7 @@
           <a:p>
             <a:r>
               <a:rPr lang="de-DE" dirty="0" smtClean="0"/>
-              <a:t>Benutzeroberfläche und Bedienung</a:t>
+              <a:t>6. Benutzeroberfläche und Bedienung</a:t>
             </a:r>
             <a:endParaRPr lang="de-DE" dirty="0"/>
           </a:p>
@@ -11356,7 +11436,7 @@
       </p:sp>
       <p:pic>
         <p:nvPicPr>
-          <p:cNvPr id="47106" name="Picture 2" descr="C:\Users\kreme\Documents\SuchTool\Bilder\m.png"/>
+          <p:cNvPr id="45058" name="Picture 2" descr="C:\Users\kreme\Documents\SuchTool\Bilder\5.png"/>
           <p:cNvPicPr>
             <a:picLocks noGrp="1" noChangeAspect="1" noChangeArrowheads="1"/>
           </p:cNvPicPr>
@@ -11373,8 +11453,8 @@
         </p:blipFill>
         <p:spPr bwMode="auto">
           <a:xfrm>
-            <a:off x="467544" y="1340768"/>
-            <a:ext cx="3456384" cy="4622914"/>
+            <a:off x="250825" y="2926039"/>
+            <a:ext cx="8640763" cy="1725059"/>
           </a:xfrm>
           <a:prstGeom prst="rect">
             <a:avLst/>
@@ -11382,36 +11462,6 @@
           <a:noFill/>
         </p:spPr>
       </p:pic>
-      <p:sp>
-        <p:nvSpPr>
-          <p:cNvPr id="8" name="Textfeld 7"/>
-          <p:cNvSpPr txBox="1"/>
-          <p:nvPr/>
-        </p:nvSpPr>
-        <p:spPr>
-          <a:xfrm>
-            <a:off x="4283968" y="2132856"/>
-            <a:ext cx="3960440" cy="369332"/>
-          </a:xfrm>
-          <a:prstGeom prst="rect">
-            <a:avLst/>
-          </a:prstGeom>
-          <a:noFill/>
-        </p:spPr>
-        <p:txBody>
-          <a:bodyPr wrap="square" rtlCol="0">
-            <a:spAutoFit/>
-          </a:bodyPr>
-          <a:lstStyle/>
-          <a:p>
-            <a:r>
-              <a:rPr lang="de-DE" dirty="0" smtClean="0"/>
-              <a:t>Metadaten auswählen</a:t>
-            </a:r>
-            <a:endParaRPr lang="de-DE" dirty="0"/>
-          </a:p>
-        </p:txBody>
-      </p:sp>
     </p:spTree>
   </p:cSld>
   <p:clrMapOvr>
@@ -11455,13 +11505,6 @@
             <a:pPr>
               <a:defRPr/>
             </a:pPr>
-            <a:fld id="{EE9AC89C-B0F3-4179-9BF1-A11BD48F530E}" type="datetime1">
-              <a:rPr lang="de-DE" smtClean="0"/>
-              <a:pPr>
-                <a:defRPr/>
-              </a:pPr>
-              <a:t>25.08.2017</a:t>
-            </a:fld>
             <a:endParaRPr lang="de-DE" dirty="0"/>
           </a:p>
         </p:txBody>
@@ -11534,7 +11577,7 @@
           <a:p>
             <a:r>
               <a:rPr lang="de-DE" dirty="0" smtClean="0"/>
-              <a:t>Benutzeroberfläche und Bedienung</a:t>
+              <a:t>6. Benutzeroberfläche und Bedienung</a:t>
             </a:r>
             <a:endParaRPr lang="de-DE" dirty="0"/>
           </a:p>
@@ -11542,7 +11585,7 @@
       </p:sp>
       <p:pic>
         <p:nvPicPr>
-          <p:cNvPr id="49154" name="Picture 2" descr="C:\Users\kreme\Documents\SuchTool\Bilder\m_1.png"/>
+          <p:cNvPr id="46082" name="Picture 2" descr="C:\Users\kreme\Documents\SuchTool\Bilder\d.png"/>
           <p:cNvPicPr>
             <a:picLocks noGrp="1" noChangeAspect="1" noChangeArrowheads="1"/>
           </p:cNvPicPr>
@@ -11559,8 +11602,8 @@
         </p:blipFill>
         <p:spPr bwMode="auto">
           <a:xfrm>
-            <a:off x="180000" y="1080000"/>
-            <a:ext cx="6749585" cy="5040312"/>
+            <a:off x="1191642" y="1268413"/>
+            <a:ext cx="6759128" cy="5040312"/>
           </a:xfrm>
           <a:prstGeom prst="rect">
             <a:avLst/>
@@ -11611,13 +11654,6 @@
             <a:pPr>
               <a:defRPr/>
             </a:pPr>
-            <a:fld id="{EE9AC89C-B0F3-4179-9BF1-A11BD48F530E}" type="datetime1">
-              <a:rPr lang="de-DE" smtClean="0"/>
-              <a:pPr>
-                <a:defRPr/>
-              </a:pPr>
-              <a:t>25.08.2017</a:t>
-            </a:fld>
             <a:endParaRPr lang="de-DE" dirty="0"/>
           </a:p>
         </p:txBody>
@@ -11690,7 +11726,7 @@
           <a:p>
             <a:r>
               <a:rPr lang="de-DE" dirty="0" smtClean="0"/>
-              <a:t>Benutzeroberfläche und Bedienung</a:t>
+              <a:t>6. Benutzeroberfläche und Bedienung</a:t>
             </a:r>
             <a:endParaRPr lang="de-DE" dirty="0"/>
           </a:p>
@@ -11698,7 +11734,7 @@
       </p:sp>
       <p:pic>
         <p:nvPicPr>
-          <p:cNvPr id="50178" name="Picture 2" descr="C:\Users\kreme\Documents\SuchTool\Bilder\n.png"/>
+          <p:cNvPr id="47106" name="Picture 2" descr="C:\Users\kreme\Documents\SuchTool\Bilder\m.png"/>
           <p:cNvPicPr>
             <a:picLocks noGrp="1" noChangeAspect="1" noChangeArrowheads="1"/>
           </p:cNvPicPr>
@@ -11715,8 +11751,8 @@
         </p:blipFill>
         <p:spPr bwMode="auto">
           <a:xfrm>
-            <a:off x="180000" y="2160000"/>
-            <a:ext cx="8640763" cy="1225586"/>
+            <a:off x="467544" y="1340768"/>
+            <a:ext cx="3456384" cy="4622914"/>
           </a:xfrm>
           <a:prstGeom prst="rect">
             <a:avLst/>
@@ -11724,6 +11760,36 @@
           <a:noFill/>
         </p:spPr>
       </p:pic>
+      <p:sp>
+        <p:nvSpPr>
+          <p:cNvPr id="8" name="Textfeld 7"/>
+          <p:cNvSpPr txBox="1"/>
+          <p:nvPr/>
+        </p:nvSpPr>
+        <p:spPr>
+          <a:xfrm>
+            <a:off x="4283968" y="2132856"/>
+            <a:ext cx="3960440" cy="369332"/>
+          </a:xfrm>
+          <a:prstGeom prst="rect">
+            <a:avLst/>
+          </a:prstGeom>
+          <a:noFill/>
+        </p:spPr>
+        <p:txBody>
+          <a:bodyPr wrap="square" rtlCol="0">
+            <a:spAutoFit/>
+          </a:bodyPr>
+          <a:lstStyle/>
+          <a:p>
+            <a:r>
+              <a:rPr lang="de-DE" dirty="0" smtClean="0"/>
+              <a:t>Metadaten auswählen</a:t>
+            </a:r>
+            <a:endParaRPr lang="de-DE" dirty="0"/>
+          </a:p>
+        </p:txBody>
+      </p:sp>
     </p:spTree>
   </p:cSld>
   <p:clrMapOvr>
@@ -11751,107 +11817,6 @@
       </p:grpSpPr>
       <p:sp>
         <p:nvSpPr>
-          <p:cNvPr id="2" name="Inhaltsplatzhalter 1"/>
-          <p:cNvSpPr>
-            <a:spLocks noGrp="1"/>
-          </p:cNvSpPr>
-          <p:nvPr>
-            <p:ph sz="quarter" idx="13"/>
-          </p:nvPr>
-        </p:nvSpPr>
-        <p:spPr/>
-        <p:txBody>
-          <a:bodyPr/>
-          <a:lstStyle/>
-          <a:p>
-            <a:pPr>
-              <a:buFont typeface="Arial" pitchFamily="34" charset="0"/>
-              <a:buChar char="•"/>
-            </a:pPr>
-            <a:r>
-              <a:rPr lang="de-DE" dirty="0" smtClean="0"/>
-              <a:t> Metadatensuche</a:t>
-            </a:r>
-          </a:p>
-          <a:p>
-            <a:pPr>
-              <a:buFont typeface="Arial" pitchFamily="34" charset="0"/>
-              <a:buChar char="•"/>
-            </a:pPr>
-            <a:r>
-              <a:rPr lang="de-DE" dirty="0" smtClean="0"/>
-              <a:t> Charakterisieren von Mengen durch Attribute</a:t>
-            </a:r>
-          </a:p>
-          <a:p>
-            <a:pPr>
-              <a:buFont typeface="Arial" pitchFamily="34" charset="0"/>
-              <a:buChar char="•"/>
-            </a:pPr>
-            <a:endParaRPr lang="de-DE" dirty="0" smtClean="0"/>
-          </a:p>
-          <a:p>
-            <a:endParaRPr lang="de-DE" dirty="0" smtClean="0"/>
-          </a:p>
-          <a:p>
-            <a:pPr>
-              <a:buFont typeface="Arial" pitchFamily="34" charset="0"/>
-              <a:buChar char="•"/>
-            </a:pPr>
-            <a:endParaRPr lang="de-DE" dirty="0" smtClean="0"/>
-          </a:p>
-          <a:p>
-            <a:pPr>
-              <a:buFont typeface="Arial" pitchFamily="34" charset="0"/>
-              <a:buChar char="•"/>
-            </a:pPr>
-            <a:endParaRPr lang="de-DE" dirty="0" smtClean="0"/>
-          </a:p>
-          <a:p>
-            <a:pPr>
-              <a:buFont typeface="Arial" pitchFamily="34" charset="0"/>
-              <a:buChar char="•"/>
-            </a:pPr>
-            <a:r>
-              <a:rPr lang="de-DE" dirty="0" smtClean="0"/>
-              <a:t> Mengenoperationen </a:t>
-            </a:r>
-          </a:p>
-          <a:p>
-            <a:pPr lvl="1"/>
-            <a:r>
-              <a:rPr lang="de-DE" dirty="0" smtClean="0"/>
-              <a:t>Vereinigung</a:t>
-            </a:r>
-          </a:p>
-          <a:p>
-            <a:pPr lvl="1"/>
-            <a:r>
-              <a:rPr lang="de-DE" dirty="0" smtClean="0"/>
-              <a:t>Durchschnitt</a:t>
-            </a:r>
-          </a:p>
-          <a:p>
-            <a:pPr lvl="1"/>
-            <a:r>
-              <a:rPr lang="de-DE" dirty="0" smtClean="0"/>
-              <a:t>Differenz</a:t>
-            </a:r>
-          </a:p>
-          <a:p>
-            <a:pPr lvl="1"/>
-            <a:endParaRPr lang="de-DE" dirty="0" smtClean="0"/>
-          </a:p>
-          <a:p>
-            <a:endParaRPr lang="de-DE" dirty="0" smtClean="0"/>
-          </a:p>
-          <a:p>
-            <a:endParaRPr lang="de-DE" dirty="0" smtClean="0"/>
-          </a:p>
-        </p:txBody>
-      </p:sp>
-      <p:sp>
-        <p:nvSpPr>
           <p:cNvPr id="3" name="Datumsplatzhalter 2"/>
           <p:cNvSpPr>
             <a:spLocks noGrp="1"/>
@@ -11868,13 +11833,6 @@
             <a:pPr>
               <a:defRPr/>
             </a:pPr>
-            <a:fld id="{EE9AC89C-B0F3-4179-9BF1-A11BD48F530E}" type="datetime1">
-              <a:rPr lang="de-DE" smtClean="0"/>
-              <a:pPr>
-                <a:defRPr/>
-              </a:pPr>
-              <a:t>25.08.2017</a:t>
-            </a:fld>
             <a:endParaRPr lang="de-DE" dirty="0"/>
           </a:p>
         </p:txBody>
@@ -11947,11 +11905,7 @@
           <a:p>
             <a:r>
               <a:rPr lang="de-DE" dirty="0" smtClean="0"/>
-              <a:t>Boolesches </a:t>
-            </a:r>
-            <a:r>
-              <a:rPr lang="de-DE" dirty="0" err="1" smtClean="0"/>
-              <a:t>Retrieval</a:t>
+              <a:t>2. Problemstellung</a:t>
             </a:r>
             <a:endParaRPr lang="de-DE" dirty="0"/>
           </a:p>
@@ -11959,11 +11913,13 @@
       </p:sp>
       <p:pic>
         <p:nvPicPr>
-          <p:cNvPr id="1029" name="Picture 5" descr="C:\Users\kreme\Documents\SuchTool\Praesentation\attribut.png"/>
+          <p:cNvPr id="37890" name="Picture 2" descr="C:\Users\kreme\Documents\SuchTool\Bilder\mail.png"/>
           <p:cNvPicPr>
-            <a:picLocks noChangeAspect="1" noChangeArrowheads="1"/>
+            <a:picLocks noGrp="1" noChangeAspect="1" noChangeArrowheads="1"/>
           </p:cNvPicPr>
-          <p:nvPr/>
+          <p:nvPr>
+            <p:ph sz="quarter" idx="13"/>
+          </p:nvPr>
         </p:nvPicPr>
         <p:blipFill>
           <a:blip r:embed="rId2" cstate="print"/>
@@ -11974,8 +11930,8 @@
         </p:blipFill>
         <p:spPr bwMode="auto">
           <a:xfrm>
-            <a:off x="971600" y="2276872"/>
-            <a:ext cx="2390775" cy="400050"/>
+            <a:off x="539552" y="1916832"/>
+            <a:ext cx="7920880" cy="2493026"/>
           </a:xfrm>
           <a:prstGeom prst="rect">
             <a:avLst/>
@@ -11983,44 +11939,40 @@
           <a:noFill/>
         </p:spPr>
       </p:pic>
-      <p:pic>
-        <p:nvPicPr>
-          <p:cNvPr id="1031" name="Picture 7" descr="C:\Users\kreme\Documents\SuchTool\Praesentation\menge.png"/>
-          <p:cNvPicPr>
-            <a:picLocks noChangeAspect="1" noChangeArrowheads="1"/>
-          </p:cNvPicPr>
+      <p:sp>
+        <p:nvSpPr>
+          <p:cNvPr id="8" name="Textfeld 7"/>
+          <p:cNvSpPr txBox="1"/>
           <p:nvPr/>
-        </p:nvPicPr>
-        <p:blipFill>
-          <a:blip r:embed="rId3" cstate="print"/>
-          <a:srcRect/>
-          <a:stretch>
-            <a:fillRect/>
-          </a:stretch>
-        </p:blipFill>
-        <p:spPr bwMode="auto">
-          <a:xfrm>
-            <a:off x="971600" y="2708920"/>
-            <a:ext cx="2809875" cy="542925"/>
+        </p:nvSpPr>
+        <p:spPr>
+          <a:xfrm>
+            <a:off x="827584" y="4437112"/>
+            <a:ext cx="401072" cy="369332"/>
           </a:xfrm>
           <a:prstGeom prst="rect">
             <a:avLst/>
           </a:prstGeom>
           <a:noFill/>
         </p:spPr>
-      </p:pic>
+        <p:txBody>
+          <a:bodyPr wrap="none" rtlCol="0">
+            <a:spAutoFit/>
+          </a:bodyPr>
+          <a:lstStyle/>
+          <a:p>
+            <a:r>
+              <a:rPr lang="de-DE" dirty="0" smtClean="0"/>
+              <a:t>….</a:t>
+            </a:r>
+          </a:p>
+        </p:txBody>
+      </p:sp>
     </p:spTree>
   </p:cSld>
   <p:clrMapOvr>
     <a:masterClrMapping/>
   </p:clrMapOvr>
-  <p:timing>
-    <p:tnLst>
-      <p:par>
-        <p:cTn id="1" dur="indefinite" restart="never" nodeType="tmRoot"/>
-      </p:par>
-    </p:tnLst>
-  </p:timing>
 </p:sld>
 </file>
 
@@ -12059,13 +12011,6 @@
             <a:pPr>
               <a:defRPr/>
             </a:pPr>
-            <a:fld id="{EE9AC89C-B0F3-4179-9BF1-A11BD48F530E}" type="datetime1">
-              <a:rPr lang="de-DE" smtClean="0"/>
-              <a:pPr>
-                <a:defRPr/>
-              </a:pPr>
-              <a:t>25.08.2017</a:t>
-            </a:fld>
             <a:endParaRPr lang="de-DE" dirty="0"/>
           </a:p>
         </p:txBody>
@@ -12138,7 +12083,7 @@
           <a:p>
             <a:r>
               <a:rPr lang="de-DE" dirty="0" smtClean="0"/>
-              <a:t>Benutzeroberfläche und Bedienung</a:t>
+              <a:t>6. Benutzeroberfläche und Bedienung</a:t>
             </a:r>
             <a:endParaRPr lang="de-DE" dirty="0"/>
           </a:p>
@@ -12146,7 +12091,7 @@
       </p:sp>
       <p:pic>
         <p:nvPicPr>
-          <p:cNvPr id="51202" name="Picture 2" descr="C:\Users\kreme\Documents\SuchTool\Bilder\o.png"/>
+          <p:cNvPr id="49154" name="Picture 2" descr="C:\Users\kreme\Documents\SuchTool\Bilder\m_1.png"/>
           <p:cNvPicPr>
             <a:picLocks noGrp="1" noChangeAspect="1" noChangeArrowheads="1"/>
           </p:cNvPicPr>
@@ -12163,8 +12108,8 @@
         </p:blipFill>
         <p:spPr bwMode="auto">
           <a:xfrm>
-            <a:off x="180000" y="2160000"/>
-            <a:ext cx="8640763" cy="1225586"/>
+            <a:off x="180000" y="1080000"/>
+            <a:ext cx="6749585" cy="5040312"/>
           </a:xfrm>
           <a:prstGeom prst="rect">
             <a:avLst/>
@@ -12215,13 +12160,6 @@
             <a:pPr>
               <a:defRPr/>
             </a:pPr>
-            <a:fld id="{EE9AC89C-B0F3-4179-9BF1-A11BD48F530E}" type="datetime1">
-              <a:rPr lang="de-DE" smtClean="0"/>
-              <a:pPr>
-                <a:defRPr/>
-              </a:pPr>
-              <a:t>25.08.2017</a:t>
-            </a:fld>
             <a:endParaRPr lang="de-DE" dirty="0"/>
           </a:p>
         </p:txBody>
@@ -12294,7 +12232,7 @@
           <a:p>
             <a:r>
               <a:rPr lang="de-DE" dirty="0" smtClean="0"/>
-              <a:t>Benutzeroberfläche und Bedienung</a:t>
+              <a:t>6. Benutzeroberfläche und Bedienung</a:t>
             </a:r>
             <a:endParaRPr lang="de-DE" dirty="0"/>
           </a:p>
@@ -12302,7 +12240,7 @@
       </p:sp>
       <p:pic>
         <p:nvPicPr>
-          <p:cNvPr id="53250" name="Picture 2" descr="C:\Users\kreme\Documents\SuchTool\Bilder\p.png"/>
+          <p:cNvPr id="50178" name="Picture 2" descr="C:\Users\kreme\Documents\SuchTool\Bilder\n.png"/>
           <p:cNvPicPr>
             <a:picLocks noGrp="1" noChangeAspect="1" noChangeArrowheads="1"/>
           </p:cNvPicPr>
@@ -12319,8 +12257,8 @@
         </p:blipFill>
         <p:spPr bwMode="auto">
           <a:xfrm>
-            <a:off x="180000" y="1080000"/>
-            <a:ext cx="6755297" cy="5040312"/>
+            <a:off x="180000" y="2160000"/>
+            <a:ext cx="8640763" cy="1225586"/>
           </a:xfrm>
           <a:prstGeom prst="rect">
             <a:avLst/>
@@ -12371,13 +12309,6 @@
             <a:pPr>
               <a:defRPr/>
             </a:pPr>
-            <a:fld id="{EE9AC89C-B0F3-4179-9BF1-A11BD48F530E}" type="datetime1">
-              <a:rPr lang="de-DE" smtClean="0"/>
-              <a:pPr>
-                <a:defRPr/>
-              </a:pPr>
-              <a:t>25.08.2017</a:t>
-            </a:fld>
             <a:endParaRPr lang="de-DE" dirty="0"/>
           </a:p>
         </p:txBody>
@@ -12400,7 +12331,7 @@
             <a:pPr>
               <a:defRPr/>
             </a:pPr>
-            <a:endParaRPr lang="de-DE" dirty="0"/>
+            <a:endParaRPr lang="de-DE"/>
           </a:p>
         </p:txBody>
       </p:sp>
@@ -12450,7 +12381,7 @@
           <a:p>
             <a:r>
               <a:rPr lang="de-DE" dirty="0" smtClean="0"/>
-              <a:t>Benutzeroberfläche und Bedienung</a:t>
+              <a:t>6. Benutzeroberfläche und Bedienung</a:t>
             </a:r>
             <a:endParaRPr lang="de-DE" dirty="0"/>
           </a:p>
@@ -12458,7 +12389,7 @@
       </p:sp>
       <p:pic>
         <p:nvPicPr>
-          <p:cNvPr id="54274" name="Picture 2" descr="C:\Users\kreme\Documents\SuchTool\Bilder\r.png"/>
+          <p:cNvPr id="51202" name="Picture 2" descr="C:\Users\kreme\Documents\SuchTool\Bilder\o.png"/>
           <p:cNvPicPr>
             <a:picLocks noGrp="1" noChangeAspect="1" noChangeArrowheads="1"/>
           </p:cNvPicPr>
@@ -12476,7 +12407,7 @@
         <p:spPr bwMode="auto">
           <a:xfrm>
             <a:off x="180000" y="2160000"/>
-            <a:ext cx="8640763" cy="1843363"/>
+            <a:ext cx="8640763" cy="1225586"/>
           </a:xfrm>
           <a:prstGeom prst="rect">
             <a:avLst/>
@@ -12527,13 +12458,6 @@
             <a:pPr>
               <a:defRPr/>
             </a:pPr>
-            <a:fld id="{EE9AC89C-B0F3-4179-9BF1-A11BD48F530E}" type="datetime1">
-              <a:rPr lang="de-DE" smtClean="0"/>
-              <a:pPr>
-                <a:defRPr/>
-              </a:pPr>
-              <a:t>25.08.2017</a:t>
-            </a:fld>
             <a:endParaRPr lang="de-DE" dirty="0"/>
           </a:p>
         </p:txBody>
@@ -12606,7 +12530,7 @@
           <a:p>
             <a:r>
               <a:rPr lang="de-DE" dirty="0" smtClean="0"/>
-              <a:t>Benutzeroberfläche und Bedienung</a:t>
+              <a:t>6. Benutzeroberfläche und Bedienung</a:t>
             </a:r>
             <a:endParaRPr lang="de-DE" dirty="0"/>
           </a:p>
@@ -12614,7 +12538,7 @@
       </p:sp>
       <p:pic>
         <p:nvPicPr>
-          <p:cNvPr id="55298" name="Picture 2" descr="C:\Users\kreme\Documents\SuchTool\Bilder\s.png"/>
+          <p:cNvPr id="53250" name="Picture 2" descr="C:\Users\kreme\Documents\SuchTool\Bilder\p.png"/>
           <p:cNvPicPr>
             <a:picLocks noGrp="1" noChangeAspect="1" noChangeArrowheads="1"/>
           </p:cNvPicPr>
@@ -12631,8 +12555,8 @@
         </p:blipFill>
         <p:spPr bwMode="auto">
           <a:xfrm>
-            <a:off x="180000" y="2160000"/>
-            <a:ext cx="8640763" cy="1843363"/>
+            <a:off x="180000" y="1080000"/>
+            <a:ext cx="6755297" cy="5040312"/>
           </a:xfrm>
           <a:prstGeom prst="rect">
             <a:avLst/>
@@ -12683,13 +12607,6 @@
             <a:pPr>
               <a:defRPr/>
             </a:pPr>
-            <a:fld id="{EE9AC89C-B0F3-4179-9BF1-A11BD48F530E}" type="datetime1">
-              <a:rPr lang="de-DE" smtClean="0"/>
-              <a:pPr>
-                <a:defRPr/>
-              </a:pPr>
-              <a:t>25.08.2017</a:t>
-            </a:fld>
             <a:endParaRPr lang="de-DE" dirty="0"/>
           </a:p>
         </p:txBody>
@@ -12712,7 +12629,7 @@
             <a:pPr>
               <a:defRPr/>
             </a:pPr>
-            <a:endParaRPr lang="de-DE"/>
+            <a:endParaRPr lang="de-DE" dirty="0"/>
           </a:p>
         </p:txBody>
       </p:sp>
@@ -12762,7 +12679,7 @@
           <a:p>
             <a:r>
               <a:rPr lang="de-DE" dirty="0" smtClean="0"/>
-              <a:t>Benutzeroberfläche und Bedienung</a:t>
+              <a:t>6. Benutzeroberfläche und Bedienung</a:t>
             </a:r>
             <a:endParaRPr lang="de-DE" dirty="0"/>
           </a:p>
@@ -12770,7 +12687,7 @@
       </p:sp>
       <p:pic>
         <p:nvPicPr>
-          <p:cNvPr id="56322" name="Picture 2" descr="C:\Users\kreme\Documents\SuchTool\Bilder\t.png"/>
+          <p:cNvPr id="54274" name="Picture 2" descr="C:\Users\kreme\Documents\SuchTool\Bilder\r.png"/>
           <p:cNvPicPr>
             <a:picLocks noGrp="1" noChangeAspect="1" noChangeArrowheads="1"/>
           </p:cNvPicPr>
@@ -12788,7 +12705,7 @@
         <p:spPr bwMode="auto">
           <a:xfrm>
             <a:off x="180000" y="2160000"/>
-            <a:ext cx="8640763" cy="2344859"/>
+            <a:ext cx="8640763" cy="1843363"/>
           </a:xfrm>
           <a:prstGeom prst="rect">
             <a:avLst/>
@@ -12839,13 +12756,6 @@
             <a:pPr>
               <a:defRPr/>
             </a:pPr>
-            <a:fld id="{EE9AC89C-B0F3-4179-9BF1-A11BD48F530E}" type="datetime1">
-              <a:rPr lang="de-DE" smtClean="0"/>
-              <a:pPr>
-                <a:defRPr/>
-              </a:pPr>
-              <a:t>25.08.2017</a:t>
-            </a:fld>
             <a:endParaRPr lang="de-DE" dirty="0"/>
           </a:p>
         </p:txBody>
@@ -12918,7 +12828,7 @@
           <a:p>
             <a:r>
               <a:rPr lang="de-DE" dirty="0" smtClean="0"/>
-              <a:t>Benutzeroberfläche und Bedienung</a:t>
+              <a:t>6. Benutzeroberfläche und Bedienung</a:t>
             </a:r>
             <a:endParaRPr lang="de-DE" dirty="0"/>
           </a:p>
@@ -12926,7 +12836,7 @@
       </p:sp>
       <p:pic>
         <p:nvPicPr>
-          <p:cNvPr id="57346" name="Picture 2" descr="C:\Users\kreme\Documents\SuchTool\Bilder\u.png"/>
+          <p:cNvPr id="55298" name="Picture 2" descr="C:\Users\kreme\Documents\SuchTool\Bilder\s.png"/>
           <p:cNvPicPr>
             <a:picLocks noGrp="1" noChangeAspect="1" noChangeArrowheads="1"/>
           </p:cNvPicPr>
@@ -12944,7 +12854,7 @@
         <p:spPr bwMode="auto">
           <a:xfrm>
             <a:off x="180000" y="2160000"/>
-            <a:ext cx="8640763" cy="2344859"/>
+            <a:ext cx="8640763" cy="1843363"/>
           </a:xfrm>
           <a:prstGeom prst="rect">
             <a:avLst/>
@@ -12995,13 +12905,6 @@
             <a:pPr>
               <a:defRPr/>
             </a:pPr>
-            <a:fld id="{EE9AC89C-B0F3-4179-9BF1-A11BD48F530E}" type="datetime1">
-              <a:rPr lang="de-DE" smtClean="0"/>
-              <a:pPr>
-                <a:defRPr/>
-              </a:pPr>
-              <a:t>25.08.2017</a:t>
-            </a:fld>
             <a:endParaRPr lang="de-DE" dirty="0"/>
           </a:p>
         </p:txBody>
@@ -13074,7 +12977,7 @@
           <a:p>
             <a:r>
               <a:rPr lang="de-DE" dirty="0" smtClean="0"/>
-              <a:t>Benutzeroberfläche und Bedienung</a:t>
+              <a:t>6. Benutzeroberfläche und Bedienung</a:t>
             </a:r>
             <a:endParaRPr lang="de-DE" dirty="0"/>
           </a:p>
@@ -13082,7 +12985,7 @@
       </p:sp>
       <p:pic>
         <p:nvPicPr>
-          <p:cNvPr id="58370" name="Picture 2" descr="C:\Users\kreme\Documents\SuchTool\Bilder\v.png"/>
+          <p:cNvPr id="56322" name="Picture 2" descr="C:\Users\kreme\Documents\SuchTool\Bilder\t.png"/>
           <p:cNvPicPr>
             <a:picLocks noGrp="1" noChangeAspect="1" noChangeArrowheads="1"/>
           </p:cNvPicPr>
@@ -13099,8 +13002,8 @@
         </p:blipFill>
         <p:spPr bwMode="auto">
           <a:xfrm>
-            <a:off x="755576" y="2420888"/>
-            <a:ext cx="7135221" cy="1905266"/>
+            <a:off x="180000" y="2160000"/>
+            <a:ext cx="8640763" cy="2344859"/>
           </a:xfrm>
           <a:prstGeom prst="rect">
             <a:avLst/>
@@ -13135,36 +13038,6 @@
       </p:grpSpPr>
       <p:sp>
         <p:nvSpPr>
-          <p:cNvPr id="2" name="Inhaltsplatzhalter 1"/>
-          <p:cNvSpPr>
-            <a:spLocks noGrp="1"/>
-          </p:cNvSpPr>
-          <p:nvPr>
-            <p:ph sz="quarter" idx="13"/>
-          </p:nvPr>
-        </p:nvSpPr>
-        <p:spPr/>
-        <p:txBody>
-          <a:bodyPr/>
-          <a:lstStyle/>
-          <a:p>
-            <a:endParaRPr lang="de-DE" dirty="0" smtClean="0"/>
-          </a:p>
-          <a:p>
-            <a:pPr>
-              <a:buFont typeface="Arial" pitchFamily="34" charset="0"/>
-              <a:buChar char="•"/>
-            </a:pPr>
-            <a:r>
-              <a:rPr lang="de-DE" dirty="0" smtClean="0"/>
-              <a:t> Noch Fragen?</a:t>
-            </a:r>
-            <a:endParaRPr lang="de-DE" dirty="0"/>
-          </a:p>
-        </p:txBody>
-      </p:sp>
-      <p:sp>
-        <p:nvSpPr>
           <p:cNvPr id="3" name="Datumsplatzhalter 2"/>
           <p:cNvSpPr>
             <a:spLocks noGrp="1"/>
@@ -13181,13 +13054,6 @@
             <a:pPr>
               <a:defRPr/>
             </a:pPr>
-            <a:fld id="{EE9AC89C-B0F3-4179-9BF1-A11BD48F530E}" type="datetime1">
-              <a:rPr lang="de-DE" smtClean="0"/>
-              <a:pPr>
-                <a:defRPr/>
-              </a:pPr>
-              <a:t>25.08.2017</a:t>
-            </a:fld>
             <a:endParaRPr lang="de-DE" dirty="0"/>
           </a:p>
         </p:txBody>
@@ -13260,7 +13126,7 @@
           <a:p>
             <a:r>
               <a:rPr lang="de-DE" dirty="0" smtClean="0"/>
-              <a:t>Ende</a:t>
+              <a:t>6. Benutzeroberfläche und Bedienung</a:t>
             </a:r>
             <a:endParaRPr lang="de-DE" dirty="0"/>
           </a:p>
@@ -13268,11 +13134,13 @@
       </p:sp>
       <p:pic>
         <p:nvPicPr>
-          <p:cNvPr id="59400" name="Picture 8" descr="Bildergebnis für fragezeichen"/>
+          <p:cNvPr id="57346" name="Picture 2" descr="C:\Users\kreme\Documents\SuchTool\Bilder\u.png"/>
           <p:cNvPicPr>
-            <a:picLocks noChangeAspect="1" noChangeArrowheads="1"/>
+            <a:picLocks noGrp="1" noChangeAspect="1" noChangeArrowheads="1"/>
           </p:cNvPicPr>
-          <p:nvPr/>
+          <p:nvPr>
+            <p:ph sz="quarter" idx="13"/>
+          </p:nvPr>
         </p:nvPicPr>
         <p:blipFill>
           <a:blip r:embed="rId2" cstate="print"/>
@@ -13283,8 +13151,8 @@
         </p:blipFill>
         <p:spPr bwMode="auto">
           <a:xfrm>
-            <a:off x="3203848" y="2060848"/>
-            <a:ext cx="3370362" cy="3370362"/>
+            <a:off x="180000" y="2160000"/>
+            <a:ext cx="8640763" cy="2344859"/>
           </a:xfrm>
           <a:prstGeom prst="rect">
             <a:avLst/>
@@ -13319,115 +13187,6 @@
       </p:grpSpPr>
       <p:sp>
         <p:nvSpPr>
-          <p:cNvPr id="2" name="Inhaltsplatzhalter 1"/>
-          <p:cNvSpPr>
-            <a:spLocks noGrp="1"/>
-          </p:cNvSpPr>
-          <p:nvPr>
-            <p:ph sz="quarter" idx="13"/>
-          </p:nvPr>
-        </p:nvSpPr>
-        <p:spPr/>
-        <p:txBody>
-          <a:bodyPr/>
-          <a:lstStyle/>
-          <a:p>
-            <a:pPr>
-              <a:buFont typeface="Arial" pitchFamily="34" charset="0"/>
-              <a:buChar char="•"/>
-            </a:pPr>
-            <a:r>
-              <a:rPr lang="de-DE" dirty="0" smtClean="0">
-                <a:hlinkClick r:id="rId2"/>
-              </a:rPr>
-              <a:t>https</a:t>
-            </a:r>
-            <a:r>
-              <a:rPr lang="de-DE" dirty="0" smtClean="0">
-                <a:hlinkClick r:id="rId2"/>
-              </a:rPr>
-              <a:t>://de.wikipedia.org/wiki/Google</a:t>
-            </a:r>
-            <a:endParaRPr lang="de-DE" dirty="0" smtClean="0"/>
-          </a:p>
-          <a:p>
-            <a:pPr>
-              <a:buFont typeface="Arial" pitchFamily="34" charset="0"/>
-              <a:buChar char="•"/>
-            </a:pPr>
-            <a:r>
-              <a:rPr lang="de-DE" dirty="0" smtClean="0">
-                <a:hlinkClick r:id="rId3"/>
-              </a:rPr>
-              <a:t>http</a:t>
-            </a:r>
-            <a:r>
-              <a:rPr lang="de-DE" dirty="0" smtClean="0">
-                <a:hlinkClick r:id="rId3"/>
-              </a:rPr>
-              <a:t>://www.underconsideration.com/brandnew/archives/new_logo_for_bing.php</a:t>
-            </a:r>
-            <a:endParaRPr lang="de-DE" dirty="0" smtClean="0"/>
-          </a:p>
-          <a:p>
-            <a:pPr>
-              <a:buFont typeface="Arial" pitchFamily="34" charset="0"/>
-              <a:buChar char="•"/>
-            </a:pPr>
-            <a:r>
-              <a:rPr lang="de-DE" dirty="0" smtClean="0">
-                <a:hlinkClick r:id="rId4"/>
-              </a:rPr>
-              <a:t>http://bibserv.fh-trier.de:8080/webOPACClient/search.do?methodToCall=start</a:t>
-            </a:r>
-            <a:endParaRPr lang="de-DE" dirty="0" smtClean="0"/>
-          </a:p>
-          <a:p>
-            <a:pPr>
-              <a:buFont typeface="Arial" pitchFamily="34" charset="0"/>
-              <a:buChar char="•"/>
-            </a:pPr>
-            <a:r>
-              <a:rPr lang="de-DE" dirty="0" smtClean="0">
-                <a:hlinkClick r:id="rId5"/>
-              </a:rPr>
-              <a:t>http://</a:t>
-            </a:r>
-            <a:r>
-              <a:rPr lang="de-DE" dirty="0" smtClean="0">
-                <a:hlinkClick r:id="rId5"/>
-              </a:rPr>
-              <a:t>www.arbeitstipps.de/email-postfach-aufraeumen-3-tipps.html</a:t>
-            </a:r>
-            <a:endParaRPr lang="de-DE" dirty="0" smtClean="0"/>
-          </a:p>
-          <a:p>
-            <a:pPr>
-              <a:buFont typeface="Arial" pitchFamily="34" charset="0"/>
-              <a:buChar char="•"/>
-            </a:pPr>
-            <a:r>
-              <a:rPr lang="de-DE" dirty="0" smtClean="0">
-                <a:hlinkClick r:id="rId6"/>
-              </a:rPr>
-              <a:t>http://</a:t>
-            </a:r>
-            <a:r>
-              <a:rPr lang="de-DE" dirty="0" smtClean="0">
-                <a:hlinkClick r:id="rId6"/>
-              </a:rPr>
-              <a:t>de.freepik.com/freie-ikonen/fragezeichen_731610.htm</a:t>
-            </a:r>
-            <a:r>
-              <a:rPr lang="de-DE" dirty="0" smtClean="0"/>
-              <a:t> </a:t>
-            </a:r>
-            <a:endParaRPr lang="de-DE" dirty="0"/>
-          </a:p>
-        </p:txBody>
-      </p:sp>
-      <p:sp>
-        <p:nvSpPr>
           <p:cNvPr id="3" name="Datumsplatzhalter 2"/>
           <p:cNvSpPr>
             <a:spLocks noGrp="1"/>
@@ -13444,13 +13203,6 @@
             <a:pPr>
               <a:defRPr/>
             </a:pPr>
-            <a:fld id="{EE9AC89C-B0F3-4179-9BF1-A11BD48F530E}" type="datetime1">
-              <a:rPr lang="de-DE" smtClean="0"/>
-              <a:pPr>
-                <a:defRPr/>
-              </a:pPr>
-              <a:t>25.08.2017</a:t>
-            </a:fld>
             <a:endParaRPr lang="de-DE" dirty="0"/>
           </a:p>
         </p:txBody>
@@ -13523,24 +13275,222 @@
           <a:p>
             <a:r>
               <a:rPr lang="de-DE" dirty="0" smtClean="0"/>
-              <a:t>Bildquellen</a:t>
+              <a:t>6. Benutzeroberfläche und Bedienung</a:t>
             </a:r>
             <a:endParaRPr lang="de-DE" dirty="0"/>
           </a:p>
         </p:txBody>
       </p:sp>
+      <p:pic>
+        <p:nvPicPr>
+          <p:cNvPr id="58370" name="Picture 2" descr="C:\Users\kreme\Documents\SuchTool\Bilder\v.png"/>
+          <p:cNvPicPr>
+            <a:picLocks noGrp="1" noChangeAspect="1" noChangeArrowheads="1"/>
+          </p:cNvPicPr>
+          <p:nvPr>
+            <p:ph sz="quarter" idx="13"/>
+          </p:nvPr>
+        </p:nvPicPr>
+        <p:blipFill>
+          <a:blip r:embed="rId2" cstate="print"/>
+          <a:srcRect/>
+          <a:stretch>
+            <a:fillRect/>
+          </a:stretch>
+        </p:blipFill>
+        <p:spPr bwMode="auto">
+          <a:xfrm>
+            <a:off x="755576" y="2420888"/>
+            <a:ext cx="7135221" cy="1905266"/>
+          </a:xfrm>
+          <a:prstGeom prst="rect">
+            <a:avLst/>
+          </a:prstGeom>
+          <a:noFill/>
+        </p:spPr>
+      </p:pic>
     </p:spTree>
   </p:cSld>
   <p:clrMapOvr>
     <a:masterClrMapping/>
   </p:clrMapOvr>
-  <p:timing>
-    <p:tnLst>
-      <p:par>
-        <p:cTn id="1" dur="indefinite" restart="never" nodeType="tmRoot"/>
-      </p:par>
-    </p:tnLst>
-  </p:timing>
+</p:sld>
+</file>
+
+<file path=ppt/slides/slide49.xml><?xml version="1.0" encoding="utf-8"?>
+<p:sld xmlns:a="http://schemas.openxmlformats.org/drawingml/2006/main" xmlns:r="http://schemas.openxmlformats.org/officeDocument/2006/relationships" xmlns:p="http://schemas.openxmlformats.org/presentationml/2006/main">
+  <p:cSld>
+    <p:spTree>
+      <p:nvGrpSpPr>
+        <p:cNvPr id="1" name=""/>
+        <p:cNvGrpSpPr/>
+        <p:nvPr/>
+      </p:nvGrpSpPr>
+      <p:grpSpPr>
+        <a:xfrm>
+          <a:off x="0" y="0"/>
+          <a:ext cx="0" cy="0"/>
+          <a:chOff x="0" y="0"/>
+          <a:chExt cx="0" cy="0"/>
+        </a:xfrm>
+      </p:grpSpPr>
+      <p:sp>
+        <p:nvSpPr>
+          <p:cNvPr id="2" name="Inhaltsplatzhalter 1"/>
+          <p:cNvSpPr>
+            <a:spLocks noGrp="1"/>
+          </p:cNvSpPr>
+          <p:nvPr>
+            <p:ph sz="quarter" idx="13"/>
+          </p:nvPr>
+        </p:nvSpPr>
+        <p:spPr/>
+        <p:txBody>
+          <a:bodyPr/>
+          <a:lstStyle/>
+          <a:p>
+            <a:endParaRPr lang="de-DE" dirty="0" smtClean="0"/>
+          </a:p>
+          <a:p>
+            <a:pPr>
+              <a:buFont typeface="Arial" pitchFamily="34" charset="0"/>
+              <a:buChar char="•"/>
+            </a:pPr>
+            <a:r>
+              <a:rPr lang="de-DE" dirty="0" smtClean="0"/>
+              <a:t> Noch Fragen?</a:t>
+            </a:r>
+            <a:endParaRPr lang="de-DE" dirty="0"/>
+          </a:p>
+        </p:txBody>
+      </p:sp>
+      <p:sp>
+        <p:nvSpPr>
+          <p:cNvPr id="3" name="Datumsplatzhalter 2"/>
+          <p:cNvSpPr>
+            <a:spLocks noGrp="1"/>
+          </p:cNvSpPr>
+          <p:nvPr>
+            <p:ph type="dt" sz="half" idx="14"/>
+          </p:nvPr>
+        </p:nvSpPr>
+        <p:spPr/>
+        <p:txBody>
+          <a:bodyPr/>
+          <a:lstStyle/>
+          <a:p>
+            <a:pPr>
+              <a:defRPr/>
+            </a:pPr>
+            <a:endParaRPr lang="de-DE" dirty="0"/>
+          </a:p>
+        </p:txBody>
+      </p:sp>
+      <p:sp>
+        <p:nvSpPr>
+          <p:cNvPr id="4" name="Fußzeilenplatzhalter 3"/>
+          <p:cNvSpPr>
+            <a:spLocks noGrp="1"/>
+          </p:cNvSpPr>
+          <p:nvPr>
+            <p:ph type="ftr" sz="quarter" idx="15"/>
+          </p:nvPr>
+        </p:nvSpPr>
+        <p:spPr/>
+        <p:txBody>
+          <a:bodyPr/>
+          <a:lstStyle/>
+          <a:p>
+            <a:pPr>
+              <a:defRPr/>
+            </a:pPr>
+            <a:endParaRPr lang="de-DE"/>
+          </a:p>
+        </p:txBody>
+      </p:sp>
+      <p:sp>
+        <p:nvSpPr>
+          <p:cNvPr id="5" name="Foliennummernplatzhalter 4"/>
+          <p:cNvSpPr>
+            <a:spLocks noGrp="1"/>
+          </p:cNvSpPr>
+          <p:nvPr>
+            <p:ph type="sldNum" sz="quarter" idx="16"/>
+          </p:nvPr>
+        </p:nvSpPr>
+        <p:spPr/>
+        <p:txBody>
+          <a:bodyPr/>
+          <a:lstStyle/>
+          <a:p>
+            <a:pPr>
+              <a:defRPr/>
+            </a:pPr>
+            <a:fld id="{B53A9DA1-A25A-429F-A02C-54EE5606360E}" type="slidenum">
+              <a:rPr lang="de-DE" altLang="de-DE" smtClean="0"/>
+              <a:pPr>
+                <a:defRPr/>
+              </a:pPr>
+              <a:t>49</a:t>
+            </a:fld>
+            <a:endParaRPr lang="de-DE" altLang="de-DE" dirty="0"/>
+          </a:p>
+        </p:txBody>
+      </p:sp>
+      <p:sp>
+        <p:nvSpPr>
+          <p:cNvPr id="6" name="Titel 5"/>
+          <p:cNvSpPr>
+            <a:spLocks noGrp="1"/>
+          </p:cNvSpPr>
+          <p:nvPr>
+            <p:ph type="title"/>
+          </p:nvPr>
+        </p:nvSpPr>
+        <p:spPr/>
+        <p:txBody>
+          <a:bodyPr/>
+          <a:lstStyle/>
+          <a:p>
+            <a:r>
+              <a:rPr lang="de-DE" dirty="0" smtClean="0"/>
+              <a:t>Ende</a:t>
+            </a:r>
+            <a:endParaRPr lang="de-DE" dirty="0"/>
+          </a:p>
+        </p:txBody>
+      </p:sp>
+      <p:pic>
+        <p:nvPicPr>
+          <p:cNvPr id="59400" name="Picture 8" descr="Bildergebnis für fragezeichen"/>
+          <p:cNvPicPr>
+            <a:picLocks noChangeAspect="1" noChangeArrowheads="1"/>
+          </p:cNvPicPr>
+          <p:nvPr/>
+        </p:nvPicPr>
+        <p:blipFill>
+          <a:blip r:embed="rId2" cstate="print"/>
+          <a:srcRect/>
+          <a:stretch>
+            <a:fillRect/>
+          </a:stretch>
+        </p:blipFill>
+        <p:spPr bwMode="auto">
+          <a:xfrm>
+            <a:off x="3203848" y="2060848"/>
+            <a:ext cx="3370362" cy="3370362"/>
+          </a:xfrm>
+          <a:prstGeom prst="rect">
+            <a:avLst/>
+          </a:prstGeom>
+          <a:noFill/>
+        </p:spPr>
+      </p:pic>
+    </p:spTree>
+  </p:cSld>
+  <p:clrMapOvr>
+    <a:masterClrMapping/>
+  </p:clrMapOvr>
 </p:sld>
 </file>
 
@@ -13651,63 +13601,21 @@
           <a:p>
             <a:r>
               <a:rPr lang="de-DE" dirty="0" smtClean="0"/>
-              <a:t>Boolesches </a:t>
-            </a:r>
-            <a:r>
-              <a:rPr lang="de-DE" dirty="0" err="1" smtClean="0"/>
-              <a:t>Retrieval</a:t>
-            </a:r>
-            <a:endParaRPr lang="de-DE" dirty="0"/>
-          </a:p>
-        </p:txBody>
-      </p:sp>
-      <p:sp>
-        <p:nvSpPr>
-          <p:cNvPr id="7" name="Inhaltsplatzhalter 6"/>
-          <p:cNvSpPr>
-            <a:spLocks noGrp="1"/>
-          </p:cNvSpPr>
-          <p:nvPr>
-            <p:ph sz="quarter" idx="13"/>
-          </p:nvPr>
-        </p:nvSpPr>
-        <p:spPr/>
-        <p:txBody>
-          <a:bodyPr/>
-          <a:lstStyle/>
-          <a:p>
-            <a:pPr>
-              <a:buFont typeface="Arial" pitchFamily="34" charset="0"/>
-              <a:buChar char="•"/>
-            </a:pPr>
-            <a:r>
-              <a:rPr lang="de-DE" dirty="0" smtClean="0"/>
-              <a:t> Invertierte Liste</a:t>
-            </a:r>
-          </a:p>
-          <a:p>
-            <a:pPr>
-              <a:buFont typeface="Arial" pitchFamily="34" charset="0"/>
-              <a:buChar char="•"/>
-            </a:pPr>
-            <a:endParaRPr lang="de-DE" dirty="0" smtClean="0"/>
-          </a:p>
-          <a:p>
-            <a:pPr>
-              <a:buFont typeface="Arial" pitchFamily="34" charset="0"/>
-              <a:buChar char="•"/>
-            </a:pPr>
+              <a:t>2.Problemstellung</a:t>
+            </a:r>
             <a:endParaRPr lang="de-DE" dirty="0"/>
           </a:p>
         </p:txBody>
       </p:sp>
       <p:pic>
         <p:nvPicPr>
-          <p:cNvPr id="18435" name="Picture 3" descr="C:\Users\kreme\Documents\SuchTool\Praesentation\Untitled Diagram.jpg"/>
+          <p:cNvPr id="38914" name="Picture 2" descr="C:\Users\kreme\Documents\SuchTool\Bilder\mail2.png"/>
           <p:cNvPicPr>
-            <a:picLocks noChangeAspect="1" noChangeArrowheads="1"/>
+            <a:picLocks noGrp="1" noChangeAspect="1" noChangeArrowheads="1"/>
           </p:cNvPicPr>
-          <p:nvPr/>
+          <p:nvPr>
+            <p:ph sz="quarter" idx="13"/>
+          </p:nvPr>
         </p:nvPicPr>
         <p:blipFill>
           <a:blip r:embed="rId2" cstate="print"/>
@@ -13718,8 +13626,8 @@
         </p:blipFill>
         <p:spPr bwMode="auto">
           <a:xfrm>
-            <a:off x="360000" y="1800000"/>
-            <a:ext cx="7534275" cy="3638550"/>
+            <a:off x="971600" y="1628800"/>
+            <a:ext cx="5518601" cy="3736277"/>
           </a:xfrm>
           <a:prstGeom prst="rect">
             <a:avLst/>
@@ -13727,6 +13635,242 @@
           <a:noFill/>
         </p:spPr>
       </p:pic>
+      <p:sp>
+        <p:nvSpPr>
+          <p:cNvPr id="8" name="Textfeld 7"/>
+          <p:cNvSpPr txBox="1"/>
+          <p:nvPr/>
+        </p:nvSpPr>
+        <p:spPr>
+          <a:xfrm>
+            <a:off x="1043608" y="1196752"/>
+            <a:ext cx="343364" cy="369332"/>
+          </a:xfrm>
+          <a:prstGeom prst="rect">
+            <a:avLst/>
+          </a:prstGeom>
+          <a:noFill/>
+        </p:spPr>
+        <p:txBody>
+          <a:bodyPr wrap="none" rtlCol="0">
+            <a:spAutoFit/>
+          </a:bodyPr>
+          <a:lstStyle/>
+          <a:p>
+            <a:r>
+              <a:rPr lang="de-DE" dirty="0" smtClean="0"/>
+              <a:t>…</a:t>
+            </a:r>
+            <a:endParaRPr lang="de-DE" dirty="0"/>
+          </a:p>
+        </p:txBody>
+      </p:sp>
+    </p:spTree>
+  </p:cSld>
+  <p:clrMapOvr>
+    <a:masterClrMapping/>
+  </p:clrMapOvr>
+</p:sld>
+</file>
+
+<file path=ppt/slides/slide50.xml><?xml version="1.0" encoding="utf-8"?>
+<p:sld xmlns:a="http://schemas.openxmlformats.org/drawingml/2006/main" xmlns:r="http://schemas.openxmlformats.org/officeDocument/2006/relationships" xmlns:p="http://schemas.openxmlformats.org/presentationml/2006/main">
+  <p:cSld>
+    <p:spTree>
+      <p:nvGrpSpPr>
+        <p:cNvPr id="1" name=""/>
+        <p:cNvGrpSpPr/>
+        <p:nvPr/>
+      </p:nvGrpSpPr>
+      <p:grpSpPr>
+        <a:xfrm>
+          <a:off x="0" y="0"/>
+          <a:ext cx="0" cy="0"/>
+          <a:chOff x="0" y="0"/>
+          <a:chExt cx="0" cy="0"/>
+        </a:xfrm>
+      </p:grpSpPr>
+      <p:sp>
+        <p:nvSpPr>
+          <p:cNvPr id="2" name="Inhaltsplatzhalter 1"/>
+          <p:cNvSpPr>
+            <a:spLocks noGrp="1"/>
+          </p:cNvSpPr>
+          <p:nvPr>
+            <p:ph sz="quarter" idx="13"/>
+          </p:nvPr>
+        </p:nvSpPr>
+        <p:spPr/>
+        <p:txBody>
+          <a:bodyPr/>
+          <a:lstStyle/>
+          <a:p>
+            <a:pPr>
+              <a:buFont typeface="Arial" pitchFamily="34" charset="0"/>
+              <a:buChar char="•"/>
+            </a:pPr>
+            <a:r>
+              <a:rPr lang="de-DE" dirty="0" smtClean="0">
+                <a:hlinkClick r:id="rId2"/>
+              </a:rPr>
+              <a:t>https://de.wikipedia.org/wiki/Google</a:t>
+            </a:r>
+            <a:endParaRPr lang="de-DE" dirty="0" smtClean="0"/>
+          </a:p>
+          <a:p>
+            <a:pPr>
+              <a:buFont typeface="Arial" pitchFamily="34" charset="0"/>
+              <a:buChar char="•"/>
+            </a:pPr>
+            <a:r>
+              <a:rPr lang="de-DE" dirty="0" smtClean="0">
+                <a:hlinkClick r:id="rId3"/>
+              </a:rPr>
+              <a:t>http://www.underconsideration.com/brandnew/archives/new_logo_for_bing.php</a:t>
+            </a:r>
+            <a:endParaRPr lang="de-DE" dirty="0" smtClean="0"/>
+          </a:p>
+          <a:p>
+            <a:pPr>
+              <a:buFont typeface="Arial" pitchFamily="34" charset="0"/>
+              <a:buChar char="•"/>
+            </a:pPr>
+            <a:r>
+              <a:rPr lang="de-DE" dirty="0" smtClean="0">
+                <a:hlinkClick r:id="rId4"/>
+              </a:rPr>
+              <a:t>http://bibserv.fh-trier.de:8080/webOPACClient/search.do?methodToCall=start</a:t>
+            </a:r>
+            <a:endParaRPr lang="de-DE" dirty="0" smtClean="0"/>
+          </a:p>
+          <a:p>
+            <a:pPr>
+              <a:buFont typeface="Arial" pitchFamily="34" charset="0"/>
+              <a:buChar char="•"/>
+            </a:pPr>
+            <a:r>
+              <a:rPr lang="de-DE" dirty="0" smtClean="0">
+                <a:hlinkClick r:id="rId5"/>
+              </a:rPr>
+              <a:t>http://www.arbeitstipps.de/email-postfach-aufraeumen-3-tipps.html</a:t>
+            </a:r>
+            <a:endParaRPr lang="de-DE" dirty="0" smtClean="0"/>
+          </a:p>
+          <a:p>
+            <a:pPr>
+              <a:buFont typeface="Arial" pitchFamily="34" charset="0"/>
+              <a:buChar char="•"/>
+            </a:pPr>
+            <a:r>
+              <a:rPr lang="de-DE" dirty="0" smtClean="0">
+                <a:hlinkClick r:id="rId6"/>
+              </a:rPr>
+              <a:t>http://de.freepik.com/freie-ikonen/fragezeichen_731610.htm</a:t>
+            </a:r>
+            <a:r>
+              <a:rPr lang="de-DE" dirty="0" smtClean="0"/>
+              <a:t> </a:t>
+            </a:r>
+            <a:endParaRPr lang="de-DE" dirty="0"/>
+          </a:p>
+        </p:txBody>
+      </p:sp>
+      <p:sp>
+        <p:nvSpPr>
+          <p:cNvPr id="3" name="Datumsplatzhalter 2"/>
+          <p:cNvSpPr>
+            <a:spLocks noGrp="1"/>
+          </p:cNvSpPr>
+          <p:nvPr>
+            <p:ph type="dt" sz="half" idx="14"/>
+          </p:nvPr>
+        </p:nvSpPr>
+        <p:spPr/>
+        <p:txBody>
+          <a:bodyPr/>
+          <a:lstStyle/>
+          <a:p>
+            <a:pPr>
+              <a:defRPr/>
+            </a:pPr>
+            <a:endParaRPr lang="de-DE" dirty="0"/>
+          </a:p>
+        </p:txBody>
+      </p:sp>
+      <p:sp>
+        <p:nvSpPr>
+          <p:cNvPr id="4" name="Fußzeilenplatzhalter 3"/>
+          <p:cNvSpPr>
+            <a:spLocks noGrp="1"/>
+          </p:cNvSpPr>
+          <p:nvPr>
+            <p:ph type="ftr" sz="quarter" idx="15"/>
+          </p:nvPr>
+        </p:nvSpPr>
+        <p:spPr/>
+        <p:txBody>
+          <a:bodyPr/>
+          <a:lstStyle/>
+          <a:p>
+            <a:pPr>
+              <a:defRPr/>
+            </a:pPr>
+            <a:endParaRPr lang="de-DE"/>
+          </a:p>
+        </p:txBody>
+      </p:sp>
+      <p:sp>
+        <p:nvSpPr>
+          <p:cNvPr id="5" name="Foliennummernplatzhalter 4"/>
+          <p:cNvSpPr>
+            <a:spLocks noGrp="1"/>
+          </p:cNvSpPr>
+          <p:nvPr>
+            <p:ph type="sldNum" sz="quarter" idx="16"/>
+          </p:nvPr>
+        </p:nvSpPr>
+        <p:spPr/>
+        <p:txBody>
+          <a:bodyPr/>
+          <a:lstStyle/>
+          <a:p>
+            <a:pPr>
+              <a:defRPr/>
+            </a:pPr>
+            <a:fld id="{B53A9DA1-A25A-429F-A02C-54EE5606360E}" type="slidenum">
+              <a:rPr lang="de-DE" altLang="de-DE" smtClean="0"/>
+              <a:pPr>
+                <a:defRPr/>
+              </a:pPr>
+              <a:t>50</a:t>
+            </a:fld>
+            <a:endParaRPr lang="de-DE" altLang="de-DE" dirty="0"/>
+          </a:p>
+        </p:txBody>
+      </p:sp>
+      <p:sp>
+        <p:nvSpPr>
+          <p:cNvPr id="6" name="Titel 5"/>
+          <p:cNvSpPr>
+            <a:spLocks noGrp="1"/>
+          </p:cNvSpPr>
+          <p:nvPr>
+            <p:ph type="title"/>
+          </p:nvPr>
+        </p:nvSpPr>
+        <p:spPr/>
+        <p:txBody>
+          <a:bodyPr/>
+          <a:lstStyle/>
+          <a:p>
+            <a:r>
+              <a:rPr lang="de-DE" dirty="0" smtClean="0"/>
+              <a:t>Bildquellen</a:t>
+            </a:r>
+            <a:endParaRPr lang="de-DE" dirty="0"/>
+          </a:p>
+        </p:txBody>
+      </p:sp>
     </p:spTree>
   </p:cSld>
   <p:clrMapOvr>
@@ -13761,23 +13905,102 @@
       </p:grpSpPr>
       <p:sp>
         <p:nvSpPr>
-          <p:cNvPr id="3" name="Datumsplatzhalter 2"/>
-          <p:cNvSpPr>
-            <a:spLocks noGrp="1"/>
-          </p:cNvSpPr>
-          <p:nvPr>
-            <p:ph type="dt" sz="half" idx="14"/>
-          </p:nvPr>
-        </p:nvSpPr>
-        <p:spPr/>
-        <p:txBody>
-          <a:bodyPr/>
-          <a:lstStyle/>
-          <a:p>
-            <a:pPr>
-              <a:defRPr/>
-            </a:pPr>
-            <a:endParaRPr lang="de-DE" dirty="0"/>
+          <p:cNvPr id="2" name="Inhaltsplatzhalter 1"/>
+          <p:cNvSpPr>
+            <a:spLocks noGrp="1"/>
+          </p:cNvSpPr>
+          <p:nvPr>
+            <p:ph sz="quarter" idx="13"/>
+          </p:nvPr>
+        </p:nvSpPr>
+        <p:spPr/>
+        <p:txBody>
+          <a:bodyPr/>
+          <a:lstStyle/>
+          <a:p>
+            <a:pPr>
+              <a:buFont typeface="Arial" pitchFamily="34" charset="0"/>
+              <a:buChar char="•"/>
+            </a:pPr>
+            <a:r>
+              <a:rPr lang="de-DE" dirty="0" smtClean="0"/>
+              <a:t> Metadatensuche</a:t>
+            </a:r>
+          </a:p>
+          <a:p>
+            <a:pPr>
+              <a:buFont typeface="Arial" pitchFamily="34" charset="0"/>
+              <a:buChar char="•"/>
+            </a:pPr>
+            <a:r>
+              <a:rPr lang="de-DE" dirty="0" smtClean="0"/>
+              <a:t> Charakterisieren von Mengen durch Attribute</a:t>
+            </a:r>
+          </a:p>
+          <a:p>
+            <a:pPr>
+              <a:buFont typeface="Arial" pitchFamily="34" charset="0"/>
+              <a:buChar char="•"/>
+            </a:pPr>
+            <a:endParaRPr lang="de-DE" dirty="0" smtClean="0"/>
+          </a:p>
+          <a:p>
+            <a:endParaRPr lang="de-DE" dirty="0" smtClean="0"/>
+          </a:p>
+          <a:p>
+            <a:pPr>
+              <a:buFont typeface="Arial" pitchFamily="34" charset="0"/>
+              <a:buChar char="•"/>
+            </a:pPr>
+            <a:endParaRPr lang="de-DE" dirty="0" smtClean="0"/>
+          </a:p>
+          <a:p>
+            <a:pPr>
+              <a:buFont typeface="Arial" pitchFamily="34" charset="0"/>
+              <a:buChar char="•"/>
+            </a:pPr>
+            <a:endParaRPr lang="de-DE" dirty="0" smtClean="0"/>
+          </a:p>
+          <a:p>
+            <a:pPr>
+              <a:buFont typeface="Arial" pitchFamily="34" charset="0"/>
+              <a:buChar char="•"/>
+            </a:pPr>
+            <a:r>
+              <a:rPr lang="de-DE" dirty="0" smtClean="0"/>
+              <a:t> Mengenoperationen </a:t>
+            </a:r>
+          </a:p>
+          <a:p>
+            <a:pPr lvl="1"/>
+            <a:r>
+              <a:rPr lang="de-DE" dirty="0" smtClean="0"/>
+              <a:t>Vereinigung - OR</a:t>
+            </a:r>
+          </a:p>
+          <a:p>
+            <a:pPr lvl="1"/>
+            <a:r>
+              <a:rPr lang="de-DE" dirty="0" smtClean="0"/>
+              <a:t>Durchschnitt - AND</a:t>
+            </a:r>
+          </a:p>
+          <a:p>
+            <a:pPr lvl="1"/>
+            <a:r>
+              <a:rPr lang="de-DE" dirty="0" smtClean="0"/>
+              <a:t>Differenz - NOT</a:t>
+            </a:r>
+          </a:p>
+          <a:p>
+            <a:pPr lvl="1"/>
+            <a:endParaRPr lang="de-DE" dirty="0" smtClean="0"/>
+          </a:p>
+          <a:p>
+            <a:endParaRPr lang="de-DE" dirty="0" smtClean="0"/>
+          </a:p>
+          <a:p>
+            <a:endParaRPr lang="de-DE" dirty="0" smtClean="0"/>
           </a:p>
         </p:txBody>
       </p:sp>
@@ -13849,7 +14072,11 @@
           <a:p>
             <a:r>
               <a:rPr lang="de-DE" dirty="0" smtClean="0"/>
-              <a:t>Metadatensuche</a:t>
+              <a:t>3. Boolesches </a:t>
+            </a:r>
+            <a:r>
+              <a:rPr lang="de-DE" dirty="0" err="1" smtClean="0"/>
+              <a:t>Retrieval</a:t>
             </a:r>
             <a:endParaRPr lang="de-DE" dirty="0"/>
           </a:p>
@@ -13857,13 +14084,37 @@
       </p:sp>
       <p:pic>
         <p:nvPicPr>
-          <p:cNvPr id="17409" name="Picture 1" descr="C:\Users\kreme\Documents\SuchTool\Praesentation\fancy.jpg"/>
+          <p:cNvPr id="1029" name="Picture 5" descr="C:\Users\kreme\Documents\SuchTool\Praesentation\attribut.png"/>
           <p:cNvPicPr>
-            <a:picLocks noGrp="1" noChangeAspect="1" noChangeArrowheads="1"/>
+            <a:picLocks noChangeAspect="1" noChangeArrowheads="1"/>
           </p:cNvPicPr>
-          <p:nvPr>
-            <p:ph sz="quarter" idx="13"/>
-          </p:nvPr>
+          <p:nvPr/>
+        </p:nvPicPr>
+        <p:blipFill>
+          <a:blip r:embed="rId2" cstate="print"/>
+          <a:srcRect/>
+          <a:stretch>
+            <a:fillRect/>
+          </a:stretch>
+        </p:blipFill>
+        <p:spPr bwMode="auto">
+          <a:xfrm>
+            <a:off x="971600" y="2276872"/>
+            <a:ext cx="2390775" cy="400050"/>
+          </a:xfrm>
+          <a:prstGeom prst="rect">
+            <a:avLst/>
+          </a:prstGeom>
+          <a:noFill/>
+        </p:spPr>
+      </p:pic>
+      <p:pic>
+        <p:nvPicPr>
+          <p:cNvPr id="1031" name="Picture 7" descr="C:\Users\kreme\Documents\SuchTool\Praesentation\menge.png"/>
+          <p:cNvPicPr>
+            <a:picLocks noChangeAspect="1" noChangeArrowheads="1"/>
+          </p:cNvPicPr>
+          <p:nvPr/>
         </p:nvPicPr>
         <p:blipFill>
           <a:blip r:embed="rId3" cstate="print"/>
@@ -13874,8 +14125,8 @@
         </p:blipFill>
         <p:spPr bwMode="auto">
           <a:xfrm>
-            <a:off x="360000" y="1800000"/>
-            <a:ext cx="8391525" cy="3638550"/>
+            <a:off x="971600" y="2708920"/>
+            <a:ext cx="2809875" cy="542925"/>
           </a:xfrm>
           <a:prstGeom prst="rect">
             <a:avLst/>
@@ -13917,62 +14168,6 @@
       </p:grpSpPr>
       <p:sp>
         <p:nvSpPr>
-          <p:cNvPr id="2" name="Inhaltsplatzhalter 1"/>
-          <p:cNvSpPr>
-            <a:spLocks noGrp="1"/>
-          </p:cNvSpPr>
-          <p:nvPr>
-            <p:ph sz="quarter" idx="13"/>
-          </p:nvPr>
-        </p:nvSpPr>
-        <p:spPr/>
-        <p:txBody>
-          <a:bodyPr/>
-          <a:lstStyle/>
-          <a:p>
-            <a:pPr>
-              <a:buFont typeface="Arial" pitchFamily="34" charset="0"/>
-              <a:buChar char="•"/>
-            </a:pPr>
-            <a:r>
-              <a:rPr lang="de-DE" dirty="0" smtClean="0"/>
-              <a:t> Grundidee: Repräsentation von Dokumenten und Anfragen als Vektoren</a:t>
-            </a:r>
-          </a:p>
-          <a:p>
-            <a:pPr>
-              <a:buFont typeface="Arial" pitchFamily="34" charset="0"/>
-              <a:buChar char="•"/>
-            </a:pPr>
-            <a:r>
-              <a:rPr lang="de-DE" dirty="0" smtClean="0"/>
-              <a:t> Ähnlichkeiten zwischen Vektoren bestimmen </a:t>
-            </a:r>
-          </a:p>
-          <a:p>
-            <a:r>
-              <a:rPr lang="de-DE" dirty="0" smtClean="0">
-                <a:sym typeface="Wingdings" pitchFamily="2" charset="2"/>
-              </a:rPr>
-              <a:t>	 Ähnlichkeitswert</a:t>
-            </a:r>
-            <a:endParaRPr lang="de-DE" dirty="0" smtClean="0"/>
-          </a:p>
-          <a:p>
-            <a:pPr>
-              <a:buFont typeface="Arial" pitchFamily="34" charset="0"/>
-              <a:buChar char="•"/>
-            </a:pPr>
-            <a:r>
-              <a:rPr lang="de-DE" dirty="0" smtClean="0"/>
-              <a:t> Erlaubt Ranking</a:t>
-            </a:r>
-            <a:endParaRPr lang="de-DE" dirty="0"/>
-          </a:p>
-        </p:txBody>
-      </p:sp>
-      <p:sp>
-        <p:nvSpPr>
           <p:cNvPr id="3" name="Datumsplatzhalter 2"/>
           <p:cNvSpPr>
             <a:spLocks noGrp="1"/>
@@ -13989,13 +14184,6 @@
             <a:pPr>
               <a:defRPr/>
             </a:pPr>
-            <a:fld id="{EE9AC89C-B0F3-4179-9BF1-A11BD48F530E}" type="datetime1">
-              <a:rPr lang="de-DE" smtClean="0"/>
-              <a:pPr>
-                <a:defRPr/>
-              </a:pPr>
-              <a:t>25.08.2017</a:t>
-            </a:fld>
             <a:endParaRPr lang="de-DE" dirty="0"/>
           </a:p>
         </p:txBody>
@@ -14068,9 +14256,99 @@
           <a:p>
             <a:r>
               <a:rPr lang="de-DE" dirty="0" smtClean="0"/>
-              <a:t>Vektorraummodell</a:t>
+              <a:t>3. Boolesches </a:t>
+            </a:r>
+            <a:r>
+              <a:rPr lang="de-DE" dirty="0" err="1" smtClean="0"/>
+              <a:t>Retrieval</a:t>
             </a:r>
             <a:endParaRPr lang="de-DE" dirty="0"/>
+          </a:p>
+        </p:txBody>
+      </p:sp>
+      <p:sp>
+        <p:nvSpPr>
+          <p:cNvPr id="7" name="Inhaltsplatzhalter 6"/>
+          <p:cNvSpPr>
+            <a:spLocks noGrp="1"/>
+          </p:cNvSpPr>
+          <p:nvPr>
+            <p:ph sz="quarter" idx="13"/>
+          </p:nvPr>
+        </p:nvSpPr>
+        <p:spPr/>
+        <p:txBody>
+          <a:bodyPr/>
+          <a:lstStyle/>
+          <a:p>
+            <a:endParaRPr lang="de-DE" dirty="0" smtClean="0"/>
+          </a:p>
+          <a:p>
+            <a:pPr>
+              <a:buFont typeface="Arial" pitchFamily="34" charset="0"/>
+              <a:buChar char="•"/>
+            </a:pPr>
+            <a:endParaRPr lang="de-DE" dirty="0"/>
+          </a:p>
+        </p:txBody>
+      </p:sp>
+      <p:pic>
+        <p:nvPicPr>
+          <p:cNvPr id="18435" name="Picture 3" descr="C:\Users\kreme\Documents\SuchTool\Praesentation\Untitled Diagram.jpg"/>
+          <p:cNvPicPr>
+            <a:picLocks noChangeAspect="1" noChangeArrowheads="1"/>
+          </p:cNvPicPr>
+          <p:nvPr/>
+        </p:nvPicPr>
+        <p:blipFill>
+          <a:blip r:embed="rId2" cstate="print"/>
+          <a:srcRect/>
+          <a:stretch>
+            <a:fillRect/>
+          </a:stretch>
+        </p:blipFill>
+        <p:spPr bwMode="auto">
+          <a:xfrm>
+            <a:off x="360000" y="1800000"/>
+            <a:ext cx="7534275" cy="3638550"/>
+          </a:xfrm>
+          <a:prstGeom prst="rect">
+            <a:avLst/>
+          </a:prstGeom>
+          <a:noFill/>
+        </p:spPr>
+      </p:pic>
+      <p:sp>
+        <p:nvSpPr>
+          <p:cNvPr id="8" name="Textfeld 7"/>
+          <p:cNvSpPr txBox="1"/>
+          <p:nvPr/>
+        </p:nvSpPr>
+        <p:spPr>
+          <a:xfrm>
+            <a:off x="252000" y="1080000"/>
+            <a:ext cx="1968103" cy="400110"/>
+          </a:xfrm>
+          <a:prstGeom prst="rect">
+            <a:avLst/>
+          </a:prstGeom>
+          <a:noFill/>
+        </p:spPr>
+        <p:txBody>
+          <a:bodyPr wrap="none" rtlCol="0">
+            <a:spAutoFit/>
+          </a:bodyPr>
+          <a:lstStyle/>
+          <a:p>
+            <a:pPr>
+              <a:buFont typeface="Arial" pitchFamily="34" charset="0"/>
+              <a:buChar char="•"/>
+            </a:pPr>
+            <a:r>
+              <a:rPr lang="de-DE" sz="2000" dirty="0" smtClean="0"/>
+              <a:t> Invertierte Liste</a:t>
+            </a:r>
+            <a:endParaRPr lang="de-DE" sz="2000" dirty="0"/>
           </a:p>
         </p:txBody>
       </p:sp>
@@ -14108,91 +14386,6 @@
       </p:grpSpPr>
       <p:sp>
         <p:nvSpPr>
-          <p:cNvPr id="2" name="Inhaltsplatzhalter 1"/>
-          <p:cNvSpPr>
-            <a:spLocks noGrp="1"/>
-          </p:cNvSpPr>
-          <p:nvPr>
-            <p:ph sz="quarter" idx="13"/>
-          </p:nvPr>
-        </p:nvSpPr>
-        <p:spPr/>
-        <p:txBody>
-          <a:bodyPr/>
-          <a:lstStyle/>
-          <a:p>
-            <a:pPr>
-              <a:buFont typeface="Arial" pitchFamily="34" charset="0"/>
-              <a:buChar char="•"/>
-            </a:pPr>
-            <a:r>
-              <a:rPr lang="de-DE" dirty="0" smtClean="0"/>
-              <a:t> Indexierung der Terme</a:t>
-            </a:r>
-          </a:p>
-          <a:p>
-            <a:pPr>
-              <a:buFont typeface="Arial" pitchFamily="34" charset="0"/>
-              <a:buChar char="•"/>
-            </a:pPr>
-            <a:endParaRPr lang="de-DE" dirty="0" smtClean="0"/>
-          </a:p>
-          <a:p>
-            <a:pPr>
-              <a:buFont typeface="Arial" pitchFamily="34" charset="0"/>
-              <a:buChar char="•"/>
-            </a:pPr>
-            <a:endParaRPr lang="de-DE" dirty="0" smtClean="0"/>
-          </a:p>
-          <a:p>
-            <a:pPr>
-              <a:buFont typeface="Arial" pitchFamily="34" charset="0"/>
-              <a:buChar char="•"/>
-            </a:pPr>
-            <a:endParaRPr lang="de-DE" dirty="0" smtClean="0"/>
-          </a:p>
-          <a:p>
-            <a:pPr>
-              <a:buFont typeface="Arial" pitchFamily="34" charset="0"/>
-              <a:buChar char="•"/>
-            </a:pPr>
-            <a:endParaRPr lang="de-DE" dirty="0" smtClean="0"/>
-          </a:p>
-          <a:p>
-            <a:pPr>
-              <a:buFont typeface="Arial" pitchFamily="34" charset="0"/>
-              <a:buChar char="•"/>
-            </a:pPr>
-            <a:endParaRPr lang="de-DE" dirty="0" smtClean="0"/>
-          </a:p>
-          <a:p>
-            <a:pPr>
-              <a:buFont typeface="Arial" pitchFamily="34" charset="0"/>
-              <a:buChar char="•"/>
-            </a:pPr>
-            <a:endParaRPr lang="de-DE" dirty="0" smtClean="0"/>
-          </a:p>
-          <a:p>
-            <a:pPr>
-              <a:buFont typeface="Arial" pitchFamily="34" charset="0"/>
-              <a:buChar char="•"/>
-            </a:pPr>
-            <a:endParaRPr lang="de-DE" dirty="0" smtClean="0"/>
-          </a:p>
-          <a:p>
-            <a:pPr>
-              <a:buFont typeface="Arial" pitchFamily="34" charset="0"/>
-              <a:buChar char="•"/>
-            </a:pPr>
-            <a:endParaRPr lang="de-DE" dirty="0" smtClean="0"/>
-          </a:p>
-          <a:p>
-            <a:endParaRPr lang="de-DE" dirty="0" smtClean="0"/>
-          </a:p>
-        </p:txBody>
-      </p:sp>
-      <p:sp>
-        <p:nvSpPr>
           <p:cNvPr id="3" name="Datumsplatzhalter 2"/>
           <p:cNvSpPr>
             <a:spLocks noGrp="1"/>
@@ -14209,13 +14402,6 @@
             <a:pPr>
               <a:defRPr/>
             </a:pPr>
-            <a:fld id="{EE9AC89C-B0F3-4179-9BF1-A11BD48F530E}" type="datetime1">
-              <a:rPr lang="de-DE" smtClean="0"/>
-              <a:pPr>
-                <a:defRPr/>
-              </a:pPr>
-              <a:t>25.08.2017</a:t>
-            </a:fld>
             <a:endParaRPr lang="de-DE" dirty="0"/>
           </a:p>
         </p:txBody>
@@ -14288,7 +14474,11 @@
           <a:p>
             <a:r>
               <a:rPr lang="de-DE" dirty="0" smtClean="0"/>
-              <a:t>Vektorraummodell</a:t>
+              <a:t>3. Boolesches </a:t>
+            </a:r>
+            <a:r>
+              <a:rPr lang="de-DE" dirty="0" err="1" smtClean="0"/>
+              <a:t>Retrieval</a:t>
             </a:r>
             <a:endParaRPr lang="de-DE" dirty="0"/>
           </a:p>
@@ -14296,14 +14486,16 @@
       </p:sp>
       <p:pic>
         <p:nvPicPr>
-          <p:cNvPr id="9" name="Picture 2" descr="C:\Users\kreme\Documents\SuchTool\Praesentation\B.png"/>
+          <p:cNvPr id="17409" name="Picture 1" descr="C:\Users\kreme\Documents\SuchTool\Praesentation\fancy.jpg"/>
           <p:cNvPicPr>
-            <a:picLocks noChangeAspect="1" noChangeArrowheads="1"/>
+            <a:picLocks noGrp="1" noChangeAspect="1" noChangeArrowheads="1"/>
           </p:cNvPicPr>
-          <p:nvPr/>
+          <p:nvPr>
+            <p:ph sz="quarter" idx="13"/>
+          </p:nvPr>
         </p:nvPicPr>
         <p:blipFill>
-          <a:blip r:embed="rId2" cstate="print"/>
+          <a:blip r:embed="rId3" cstate="print"/>
           <a:srcRect/>
           <a:stretch>
             <a:fillRect/>
@@ -14311,8 +14503,8 @@
         </p:blipFill>
         <p:spPr bwMode="auto">
           <a:xfrm>
-            <a:off x="539552" y="1844824"/>
-            <a:ext cx="6611273" cy="2648320"/>
+            <a:off x="360000" y="1800000"/>
+            <a:ext cx="8391525" cy="3638550"/>
           </a:xfrm>
           <a:prstGeom prst="rect">
             <a:avLst/>
@@ -14320,6 +14512,40 @@
           <a:noFill/>
         </p:spPr>
       </p:pic>
+      <p:sp>
+        <p:nvSpPr>
+          <p:cNvPr id="7" name="Textfeld 6"/>
+          <p:cNvSpPr txBox="1"/>
+          <p:nvPr/>
+        </p:nvSpPr>
+        <p:spPr>
+          <a:xfrm>
+            <a:off x="252000" y="1080000"/>
+            <a:ext cx="7776864" cy="400110"/>
+          </a:xfrm>
+          <a:prstGeom prst="rect">
+            <a:avLst/>
+          </a:prstGeom>
+          <a:noFill/>
+        </p:spPr>
+        <p:txBody>
+          <a:bodyPr wrap="square" rtlCol="0">
+            <a:spAutoFit/>
+          </a:bodyPr>
+          <a:lstStyle/>
+          <a:p>
+            <a:pPr>
+              <a:buFont typeface="Arial" pitchFamily="34" charset="0"/>
+              <a:buChar char="•"/>
+            </a:pPr>
+            <a:r>
+              <a:rPr lang="de-DE" sz="2000" dirty="0" smtClean="0"/>
+              <a:t> Modifizierte invertiere Liste für Metadatensuche</a:t>
+            </a:r>
+            <a:endParaRPr lang="de-DE" sz="2000" dirty="0"/>
+          </a:p>
+        </p:txBody>
+      </p:sp>
     </p:spTree>
   </p:cSld>
   <p:clrMapOvr>
@@ -14373,7 +14599,7 @@
             </a:pPr>
             <a:r>
               <a:rPr lang="de-DE" dirty="0" smtClean="0"/>
-              <a:t> Indexierung der Terme</a:t>
+              <a:t> Grundidee: Repräsentation von Dokumenten und Anfragen als Vektoren</a:t>
             </a:r>
           </a:p>
           <a:p>
@@ -14381,6 +14607,18 @@
               <a:buFont typeface="Arial" pitchFamily="34" charset="0"/>
               <a:buChar char="•"/>
             </a:pPr>
+            <a:r>
+              <a:rPr lang="de-DE" dirty="0" smtClean="0"/>
+              <a:t> Ähnlichkeiten zwischen Vektoren bestimmen </a:t>
+            </a:r>
+          </a:p>
+          <a:p>
+            <a:r>
+              <a:rPr lang="de-DE" dirty="0" smtClean="0">
+                <a:sym typeface="Wingdings" pitchFamily="2" charset="2"/>
+              </a:rPr>
+              <a:t>	 Ähnlichkeitswert</a:t>
+            </a:r>
             <a:endParaRPr lang="de-DE" dirty="0" smtClean="0"/>
           </a:p>
           <a:p>
@@ -14388,68 +14626,10 @@
               <a:buFont typeface="Arial" pitchFamily="34" charset="0"/>
               <a:buChar char="•"/>
             </a:pPr>
-            <a:endParaRPr lang="de-DE" dirty="0" smtClean="0"/>
-          </a:p>
-          <a:p>
-            <a:pPr>
-              <a:buFont typeface="Arial" pitchFamily="34" charset="0"/>
-              <a:buChar char="•"/>
-            </a:pPr>
-            <a:endParaRPr lang="de-DE" dirty="0" smtClean="0"/>
-          </a:p>
-          <a:p>
-            <a:pPr>
-              <a:buFont typeface="Arial" pitchFamily="34" charset="0"/>
-              <a:buChar char="•"/>
-            </a:pPr>
-            <a:endParaRPr lang="de-DE" dirty="0" smtClean="0"/>
-          </a:p>
-          <a:p>
-            <a:pPr>
-              <a:buFont typeface="Arial" pitchFamily="34" charset="0"/>
-              <a:buChar char="•"/>
-            </a:pPr>
-            <a:endParaRPr lang="de-DE" dirty="0" smtClean="0"/>
-          </a:p>
-          <a:p>
-            <a:pPr>
-              <a:buFont typeface="Arial" pitchFamily="34" charset="0"/>
-              <a:buChar char="•"/>
-            </a:pPr>
-            <a:endParaRPr lang="de-DE" dirty="0" smtClean="0"/>
-          </a:p>
-          <a:p>
-            <a:pPr>
-              <a:buFont typeface="Arial" pitchFamily="34" charset="0"/>
-              <a:buChar char="•"/>
-            </a:pPr>
-            <a:endParaRPr lang="de-DE" dirty="0" smtClean="0"/>
-          </a:p>
-          <a:p>
-            <a:pPr>
-              <a:buFont typeface="Arial" pitchFamily="34" charset="0"/>
-              <a:buChar char="•"/>
-            </a:pPr>
-            <a:endParaRPr lang="de-DE" dirty="0" smtClean="0"/>
-          </a:p>
-          <a:p>
-            <a:pPr>
-              <a:buFont typeface="Arial" pitchFamily="34" charset="0"/>
-              <a:buChar char="•"/>
-            </a:pPr>
-            <a:endParaRPr lang="de-DE" dirty="0" smtClean="0"/>
-          </a:p>
-          <a:p>
-            <a:pPr>
-              <a:buFont typeface="Arial" pitchFamily="34" charset="0"/>
-              <a:buChar char="•"/>
-            </a:pPr>
             <a:r>
               <a:rPr lang="de-DE" dirty="0" smtClean="0"/>
-              <a:t> Problem: Viele überflüssige Terme</a:t>
-            </a:r>
-          </a:p>
-          <a:p>
+              <a:t> Erlaubt Ranking</a:t>
+            </a:r>
             <a:endParaRPr lang="de-DE" dirty="0"/>
           </a:p>
         </p:txBody>
@@ -14472,13 +14652,6 @@
             <a:pPr>
               <a:defRPr/>
             </a:pPr>
-            <a:fld id="{EE9AC89C-B0F3-4179-9BF1-A11BD48F530E}" type="datetime1">
-              <a:rPr lang="de-DE" smtClean="0"/>
-              <a:pPr>
-                <a:defRPr/>
-              </a:pPr>
-              <a:t>25.08.2017</a:t>
-            </a:fld>
             <a:endParaRPr lang="de-DE" dirty="0"/>
           </a:p>
         </p:txBody>
@@ -14551,38 +14724,12 @@
           <a:p>
             <a:r>
               <a:rPr lang="de-DE" dirty="0" smtClean="0"/>
-              <a:t>Vektorraummodell</a:t>
+              <a:t>4. Vektorraummodell</a:t>
             </a:r>
             <a:endParaRPr lang="de-DE" dirty="0"/>
           </a:p>
         </p:txBody>
       </p:sp>
-      <p:pic>
-        <p:nvPicPr>
-          <p:cNvPr id="9" name="Picture 2" descr="C:\Users\kreme\Documents\SuchTool\Praesentation\B.png"/>
-          <p:cNvPicPr>
-            <a:picLocks noChangeAspect="1" noChangeArrowheads="1"/>
-          </p:cNvPicPr>
-          <p:nvPr/>
-        </p:nvPicPr>
-        <p:blipFill>
-          <a:blip r:embed="rId2" cstate="print"/>
-          <a:srcRect/>
-          <a:stretch>
-            <a:fillRect/>
-          </a:stretch>
-        </p:blipFill>
-        <p:spPr bwMode="auto">
-          <a:xfrm>
-            <a:off x="539552" y="1844824"/>
-            <a:ext cx="6611273" cy="2648320"/>
-          </a:xfrm>
-          <a:prstGeom prst="rect">
-            <a:avLst/>
-          </a:prstGeom>
-          <a:noFill/>
-        </p:spPr>
-      </p:pic>
     </p:spTree>
   </p:cSld>
   <p:clrMapOvr>

--- a/Praesentation/Praesi.pptx
+++ b/Praesentation/Praesi.pptx
@@ -5,10 +5,10 @@
     <p:sldMasterId id="2147483648" r:id="rId1"/>
   </p:sldMasterIdLst>
   <p:notesMasterIdLst>
-    <p:notesMasterId r:id="rId52"/>
+    <p:notesMasterId r:id="rId51"/>
   </p:notesMasterIdLst>
   <p:handoutMasterIdLst>
-    <p:handoutMasterId r:id="rId53"/>
+    <p:handoutMasterId r:id="rId52"/>
   </p:handoutMasterIdLst>
   <p:sldIdLst>
     <p:sldId id="258" r:id="rId2"/>
@@ -51,16 +51,15 @@
     <p:sldId id="324" r:id="rId39"/>
     <p:sldId id="325" r:id="rId40"/>
     <p:sldId id="327" r:id="rId41"/>
-    <p:sldId id="328" r:id="rId42"/>
-    <p:sldId id="329" r:id="rId43"/>
+    <p:sldId id="344" r:id="rId42"/>
+    <p:sldId id="345" r:id="rId43"/>
     <p:sldId id="333" r:id="rId44"/>
     <p:sldId id="331" r:id="rId45"/>
     <p:sldId id="332" r:id="rId46"/>
     <p:sldId id="334" r:id="rId47"/>
     <p:sldId id="336" r:id="rId48"/>
-    <p:sldId id="335" r:id="rId49"/>
-    <p:sldId id="337" r:id="rId50"/>
-    <p:sldId id="260" r:id="rId51"/>
+    <p:sldId id="337" r:id="rId49"/>
+    <p:sldId id="260" r:id="rId50"/>
   </p:sldIdLst>
   <p:sldSz cx="9144000" cy="6858000" type="screen4x3"/>
   <p:notesSz cx="6858000" cy="9144000"/>
@@ -306,7 +305,7 @@
               <a:pPr>
                 <a:defRPr/>
               </a:pPr>
-              <a:t>25.08.2017</a:t>
+              <a:t>26.08.2017</a:t>
             </a:fld>
             <a:endParaRPr lang="de-DE"/>
           </a:p>
@@ -487,7 +486,7 @@
               <a:pPr>
                 <a:defRPr/>
               </a:pPr>
-              <a:t>25.08.2017</a:t>
+              <a:t>26.08.2017</a:t>
             </a:fld>
             <a:endParaRPr lang="de-DE"/>
           </a:p>
@@ -1478,7 +1477,7 @@
               <a:pPr>
                 <a:defRPr/>
               </a:pPr>
-              <a:t>25.08.2017</a:t>
+              <a:t>26.08.2017</a:t>
             </a:fld>
             <a:endParaRPr lang="de-DE" dirty="0"/>
           </a:p>
@@ -2298,7 +2297,7 @@
               <a:pPr>
                 <a:defRPr/>
               </a:pPr>
-              <a:t>25.08.2017</a:t>
+              <a:t>26.08.2017</a:t>
             </a:fld>
             <a:endParaRPr lang="de-DE" dirty="0"/>
           </a:p>
@@ -2652,7 +2651,7 @@
               <a:pPr>
                 <a:defRPr/>
               </a:pPr>
-              <a:t>25.08.2017</a:t>
+              <a:t>26.08.2017</a:t>
             </a:fld>
             <a:endParaRPr lang="de-DE" dirty="0"/>
           </a:p>
@@ -2995,7 +2994,7 @@
               <a:pPr>
                 <a:defRPr/>
               </a:pPr>
-              <a:t>25.08.2017</a:t>
+              <a:t>26.08.2017</a:t>
             </a:fld>
             <a:endParaRPr lang="de-DE" dirty="0"/>
           </a:p>
@@ -3323,7 +3322,7 @@
               <a:pPr>
                 <a:defRPr/>
               </a:pPr>
-              <a:t>25.08.2017</a:t>
+              <a:t>26.08.2017</a:t>
             </a:fld>
             <a:endParaRPr lang="de-DE" dirty="0"/>
           </a:p>
@@ -3651,7 +3650,7 @@
               <a:pPr>
                 <a:defRPr/>
               </a:pPr>
-              <a:t>25.08.2017</a:t>
+              <a:t>26.08.2017</a:t>
             </a:fld>
             <a:endParaRPr lang="de-DE" dirty="0"/>
           </a:p>
@@ -4059,7 +4058,7 @@
               <a:pPr>
                 <a:defRPr/>
               </a:pPr>
-              <a:t>25.08.2017</a:t>
+              <a:t>26.08.2017</a:t>
             </a:fld>
             <a:endParaRPr lang="de-DE" dirty="0"/>
           </a:p>
@@ -4427,7 +4426,7 @@
               <a:pPr>
                 <a:defRPr/>
               </a:pPr>
-              <a:t>25.08.2017</a:t>
+              <a:t>26.08.2017</a:t>
             </a:fld>
             <a:endParaRPr lang="de-DE" dirty="0"/>
           </a:p>
@@ -4690,7 +4689,7 @@
               <a:pPr>
                 <a:defRPr/>
               </a:pPr>
-              <a:t>25.08.2017</a:t>
+              <a:t>26.08.2017</a:t>
             </a:fld>
             <a:endParaRPr lang="de-DE" dirty="0"/>
           </a:p>
@@ -6320,8 +6319,8 @@
         </p:blipFill>
         <p:spPr bwMode="auto">
           <a:xfrm>
-            <a:off x="683568" y="1844824"/>
-            <a:ext cx="6963747" cy="3238952"/>
+            <a:off x="683568" y="1918800"/>
+            <a:ext cx="7586043" cy="3528392"/>
           </a:xfrm>
           <a:prstGeom prst="rect">
             <a:avLst/>
@@ -6557,6 +6556,9 @@
             <a:endParaRPr lang="de-DE" dirty="0" smtClean="0"/>
           </a:p>
           <a:p>
+            <a:endParaRPr lang="de-DE" dirty="0" smtClean="0"/>
+          </a:p>
+          <a:p>
             <a:pPr>
               <a:buFont typeface="Arial" pitchFamily="34" charset="0"/>
               <a:buChar char="•"/>
@@ -6588,8 +6590,8 @@
         </p:blipFill>
         <p:spPr bwMode="auto">
           <a:xfrm>
-            <a:off x="683568" y="1844824"/>
-            <a:ext cx="6963747" cy="3238952"/>
+            <a:off x="683568" y="1916832"/>
+            <a:ext cx="7585200" cy="3528000"/>
           </a:xfrm>
           <a:prstGeom prst="rect">
             <a:avLst/>
@@ -6654,6 +6656,9 @@
             </a:r>
           </a:p>
           <a:p>
+            <a:endParaRPr lang="de-DE" dirty="0" smtClean="0"/>
+          </a:p>
+          <a:p>
             <a:r>
               <a:rPr lang="de-DE" dirty="0" smtClean="0"/>
               <a:t> </a:t>
@@ -6666,7 +6671,15 @@
             </a:pPr>
             <a:r>
               <a:rPr lang="de-DE" dirty="0" smtClean="0"/>
-              <a:t> invertierte Dokumenthäufigkeit</a:t>
+              <a:t> </a:t>
+            </a:r>
+            <a:r>
+              <a:rPr lang="de-DE" dirty="0" smtClean="0"/>
+              <a:t>Invertierte </a:t>
+            </a:r>
+            <a:r>
+              <a:rPr lang="de-DE" dirty="0" smtClean="0"/>
+              <a:t>Dokumenthäufigkeit</a:t>
             </a:r>
           </a:p>
           <a:p>
@@ -6681,10 +6694,28 @@
               <a:buFont typeface="Arial" pitchFamily="34" charset="0"/>
               <a:buChar char="•"/>
             </a:pPr>
+            <a:endParaRPr lang="de-DE" dirty="0" smtClean="0"/>
+          </a:p>
+          <a:p>
+            <a:pPr>
+              <a:buFont typeface="Arial" pitchFamily="34" charset="0"/>
+              <a:buChar char="•"/>
+            </a:pPr>
             <a:r>
               <a:rPr lang="de-DE" dirty="0" smtClean="0"/>
-              <a:t> mit Dämpfung </a:t>
-            </a:r>
+              <a:t> </a:t>
+            </a:r>
+            <a:r>
+              <a:rPr lang="de-DE" dirty="0" smtClean="0"/>
+              <a:t>Mit </a:t>
+            </a:r>
+            <a:r>
+              <a:rPr lang="de-DE" dirty="0" smtClean="0"/>
+              <a:t>Dämpfung </a:t>
+            </a:r>
+          </a:p>
+          <a:p>
+            <a:endParaRPr lang="de-DE" dirty="0" smtClean="0"/>
           </a:p>
           <a:p>
             <a:endParaRPr lang="de-DE" dirty="0" smtClean="0"/>
@@ -6834,8 +6865,8 @@
           <p:nvPr/>
         </p:nvGraphicFramePr>
         <p:xfrm>
-          <a:off x="467544" y="4221088"/>
-          <a:ext cx="3312368" cy="504056"/>
+          <a:off x="3491880" y="4509120"/>
+          <a:ext cx="3240360" cy="493098"/>
         </p:xfrm>
         <a:graphic>
           <a:graphicData uri="http://schemas.openxmlformats.org/presentationml/2006/ole">
@@ -6874,7 +6905,7 @@
           <p:nvPr/>
         </p:nvGraphicFramePr>
         <p:xfrm>
-          <a:off x="2627784" y="2564904"/>
+          <a:off x="2699792" y="3284984"/>
           <a:ext cx="1872208" cy="792088"/>
         </p:xfrm>
         <a:graphic>
@@ -6894,7 +6925,7 @@
           <p:nvPr/>
         </p:nvGraphicFramePr>
         <p:xfrm>
-          <a:off x="4860032" y="1844824"/>
+          <a:off x="4788024" y="2204864"/>
           <a:ext cx="1440160" cy="792088"/>
         </p:xfrm>
         <a:graphic>
@@ -6952,6 +6983,9 @@
           <a:bodyPr/>
           <a:lstStyle/>
           <a:p>
+            <a:endParaRPr lang="de-DE" dirty="0" smtClean="0"/>
+          </a:p>
+          <a:p>
             <a:pPr>
               <a:buFont typeface="Arial" pitchFamily="34" charset="0"/>
               <a:buChar char="•"/>
@@ -6962,31 +6996,12 @@
             </a:r>
           </a:p>
           <a:p>
-            <a:pPr>
-              <a:buFont typeface="Arial" pitchFamily="34" charset="0"/>
-              <a:buChar char="•"/>
-            </a:pPr>
             <a:endParaRPr lang="de-DE" dirty="0" smtClean="0"/>
           </a:p>
           <a:p>
-            <a:pPr>
-              <a:buFont typeface="Arial" pitchFamily="34" charset="0"/>
-              <a:buChar char="•"/>
-            </a:pPr>
             <a:endParaRPr lang="de-DE" dirty="0" smtClean="0"/>
           </a:p>
           <a:p>
-            <a:pPr>
-              <a:buFont typeface="Arial" pitchFamily="34" charset="0"/>
-              <a:buChar char="•"/>
-            </a:pPr>
-            <a:endParaRPr lang="de-DE" dirty="0" smtClean="0"/>
-          </a:p>
-          <a:p>
-            <a:pPr>
-              <a:buFont typeface="Arial" pitchFamily="34" charset="0"/>
-              <a:buChar char="•"/>
-            </a:pPr>
             <a:endParaRPr lang="de-DE" dirty="0" smtClean="0"/>
           </a:p>
           <a:p>
@@ -7010,6 +7025,14 @@
               </a:rPr>
               <a:t>Gewicht 0 weil nicht aussagekräftig</a:t>
             </a:r>
+          </a:p>
+          <a:p>
+            <a:pPr lvl="1">
+              <a:buNone/>
+            </a:pPr>
+            <a:endParaRPr lang="de-DE" dirty="0" smtClean="0">
+              <a:sym typeface="Wingdings" pitchFamily="2" charset="2"/>
+            </a:endParaRPr>
           </a:p>
           <a:p>
             <a:pPr lvl="1">
@@ -7139,7 +7162,7 @@
       </p:sp>
       <p:pic>
         <p:nvPicPr>
-          <p:cNvPr id="12" name="Picture 2" descr="C:\Users\kreme\Documents\SuchTool\Praesentation\gewichte.png"/>
+          <p:cNvPr id="17" name="Picture 2" descr="C:\Users\kreme\Documents\SuchTool\Praesentation\dvekt.png"/>
           <p:cNvPicPr>
             <a:picLocks noChangeAspect="1" noChangeArrowheads="1"/>
           </p:cNvPicPr>
@@ -7154,8 +7177,8 @@
         </p:blipFill>
         <p:spPr bwMode="auto">
           <a:xfrm>
-            <a:off x="2915816" y="980728"/>
-            <a:ext cx="4638675" cy="2190750"/>
+            <a:off x="6084168" y="3789040"/>
+            <a:ext cx="2915816" cy="2044575"/>
           </a:xfrm>
           <a:prstGeom prst="rect">
             <a:avLst/>
@@ -7165,7 +7188,7 @@
       </p:pic>
       <p:pic>
         <p:nvPicPr>
-          <p:cNvPr id="17" name="Picture 2" descr="C:\Users\kreme\Documents\SuchTool\Praesentation\dvekt.png"/>
+          <p:cNvPr id="41986" name="Picture 2" descr="C:\Users\kreme\Documents\SuchTool\Bilder\rechnen.png"/>
           <p:cNvPicPr>
             <a:picLocks noChangeAspect="1" noChangeArrowheads="1"/>
           </p:cNvPicPr>
@@ -7180,8 +7203,8 @@
         </p:blipFill>
         <p:spPr bwMode="auto">
           <a:xfrm>
-            <a:off x="2915816" y="4581128"/>
-            <a:ext cx="2483371" cy="1618687"/>
+            <a:off x="2051720" y="980728"/>
+            <a:ext cx="4657725" cy="1809750"/>
           </a:xfrm>
           <a:prstGeom prst="rect">
             <a:avLst/>
@@ -7242,7 +7265,7 @@
             </a:pPr>
             <a:r>
               <a:rPr lang="de-DE" dirty="0" smtClean="0"/>
-              <a:t> Repräsentation der Anfrage durch Query-Vektor</a:t>
+              <a:t> Repräsentation der Anfrage durch Anfragevektor</a:t>
             </a:r>
           </a:p>
           <a:p>
@@ -7250,31 +7273,33 @@
               <a:buFont typeface="Arial" pitchFamily="34" charset="0"/>
               <a:buChar char="•"/>
             </a:pPr>
-            <a:r>
-              <a:rPr lang="de-DE" dirty="0" smtClean="0"/>
-              <a:t> </a:t>
-            </a:r>
-            <a:r>
-              <a:rPr lang="de-DE" dirty="0" err="1" smtClean="0"/>
-              <a:t>Bsp</a:t>
-            </a:r>
-            <a:r>
-              <a:rPr lang="de-DE" dirty="0" smtClean="0"/>
-              <a:t>: </a:t>
-            </a:r>
-          </a:p>
-          <a:p>
-            <a:pPr lvl="1"/>
-            <a:r>
-              <a:rPr lang="de-DE" dirty="0" smtClean="0"/>
-              <a:t>„Formular“</a:t>
-            </a:r>
+            <a:endParaRPr lang="de-DE" dirty="0" smtClean="0"/>
           </a:p>
           <a:p>
             <a:pPr>
               <a:buFont typeface="Arial" pitchFamily="34" charset="0"/>
               <a:buChar char="•"/>
             </a:pPr>
+            <a:endParaRPr lang="de-DE" dirty="0" smtClean="0"/>
+          </a:p>
+          <a:p>
+            <a:pPr>
+              <a:buFont typeface="Arial" pitchFamily="34" charset="0"/>
+              <a:buChar char="•"/>
+            </a:pPr>
+            <a:endParaRPr lang="de-DE" dirty="0" smtClean="0"/>
+          </a:p>
+          <a:p>
+            <a:pPr>
+              <a:buFont typeface="Arial" pitchFamily="34" charset="0"/>
+              <a:buChar char="•"/>
+            </a:pPr>
+            <a:r>
+              <a:rPr lang="de-DE" dirty="0" smtClean="0"/>
+              <a:t>  Beispiel: „Formular“</a:t>
+            </a:r>
+          </a:p>
+          <a:p>
             <a:endParaRPr lang="de-DE" dirty="0" smtClean="0"/>
           </a:p>
           <a:p>
@@ -7423,8 +7448,8 @@
         </p:blipFill>
         <p:spPr bwMode="auto">
           <a:xfrm>
-            <a:off x="2915816" y="1628800"/>
-            <a:ext cx="2247900" cy="2038350"/>
+            <a:off x="3131840" y="1772816"/>
+            <a:ext cx="2779374" cy="2520280"/>
           </a:xfrm>
           <a:prstGeom prst="rect">
             <a:avLst/>
@@ -7449,8 +7474,8 @@
         </p:blipFill>
         <p:spPr bwMode="auto">
           <a:xfrm>
-            <a:off x="5148064" y="3789040"/>
-            <a:ext cx="3266306" cy="1847153"/>
+            <a:off x="5364088" y="4005064"/>
+            <a:ext cx="1982855" cy="1121338"/>
           </a:xfrm>
           <a:prstGeom prst="rect">
             <a:avLst/>
@@ -7842,7 +7867,11 @@
             </a:r>
             <a:r>
               <a:rPr lang="de-DE" dirty="0" smtClean="0"/>
-              <a:t>unstrukturierte/semistrukturierte Dokumente</a:t>
+              <a:t>Unstrukturierte/semistrukturierte </a:t>
+            </a:r>
+            <a:r>
+              <a:rPr lang="de-DE" dirty="0" smtClean="0"/>
+              <a:t>Dokumente</a:t>
             </a:r>
           </a:p>
           <a:p>
@@ -7852,25 +7881,21 @@
             </a:pPr>
             <a:r>
               <a:rPr lang="de-DE" dirty="0" smtClean="0"/>
-              <a:t> Beispiele</a:t>
-            </a:r>
+              <a:t> Beispiele:</a:t>
+            </a:r>
+          </a:p>
+          <a:p>
+            <a:pPr lvl="1"/>
             <a:r>
               <a:rPr lang="de-DE" dirty="0" smtClean="0"/>
-              <a:t>:</a:t>
+              <a:t>Onlinekatalog Bibliothek</a:t>
             </a:r>
           </a:p>
           <a:p>
             <a:pPr lvl="1"/>
             <a:r>
               <a:rPr lang="de-DE" dirty="0" smtClean="0"/>
-              <a:t>Websuche </a:t>
-            </a:r>
-          </a:p>
-          <a:p>
-            <a:pPr lvl="1"/>
-            <a:r>
-              <a:rPr lang="de-DE" dirty="0" smtClean="0"/>
-              <a:t>Onlinekatalog Bibliothek </a:t>
+              <a:t>Websuche</a:t>
             </a:r>
           </a:p>
           <a:p>
@@ -8495,10 +8520,10 @@
               <a:t> AND: Durchschnitt der </a:t>
             </a:r>
             <a:r>
-              <a:rPr lang="de-DE" dirty="0" err="1" smtClean="0"/>
+              <a:rPr lang="de-DE" i="1" dirty="0" err="1" smtClean="0"/>
               <a:t>docIDs</a:t>
             </a:r>
-            <a:endParaRPr lang="de-DE" dirty="0" smtClean="0"/>
+            <a:endParaRPr lang="de-DE" i="1" dirty="0" smtClean="0"/>
           </a:p>
           <a:p>
             <a:pPr>
@@ -8510,10 +8535,10 @@
               <a:t> OR: Vereinigung der </a:t>
             </a:r>
             <a:r>
-              <a:rPr lang="de-DE" dirty="0" err="1" smtClean="0"/>
+              <a:rPr lang="de-DE" i="1" dirty="0" err="1" smtClean="0"/>
               <a:t>docIDs</a:t>
             </a:r>
-            <a:endParaRPr lang="de-DE" dirty="0" smtClean="0"/>
+            <a:endParaRPr lang="de-DE" i="1" dirty="0" smtClean="0"/>
           </a:p>
           <a:p>
             <a:pPr>
@@ -8992,7 +9017,7 @@
           <a:p>
             <a:r>
               <a:rPr lang="de-DE" dirty="0" smtClean="0"/>
-              <a:t>6. Benutzeroberfläche und Bedienung</a:t>
+              <a:t>6. Benutzeroberfläche</a:t>
             </a:r>
             <a:endParaRPr lang="de-DE" dirty="0"/>
           </a:p>
@@ -9031,6 +9056,13 @@
   <p:clrMapOvr>
     <a:masterClrMapping/>
   </p:clrMapOvr>
+  <p:timing>
+    <p:tnLst>
+      <p:par>
+        <p:cTn id="1" dur="indefinite" restart="never" nodeType="tmRoot"/>
+      </p:par>
+    </p:tnLst>
+  </p:timing>
 </p:sld>
 </file>
 
@@ -9141,7 +9173,7 @@
           <a:p>
             <a:r>
               <a:rPr lang="de-DE" dirty="0" smtClean="0"/>
-              <a:t>6. Benutzeroberfläche und Bedienung</a:t>
+              <a:t>6. Benutzeroberfläche</a:t>
             </a:r>
             <a:endParaRPr lang="de-DE" dirty="0"/>
           </a:p>
@@ -9183,8 +9215,8 @@
         </p:nvSpPr>
         <p:spPr>
           <a:xfrm>
-            <a:off x="7020272" y="1340768"/>
-            <a:ext cx="2212209" cy="400110"/>
+            <a:off x="6984000" y="1196752"/>
+            <a:ext cx="1944216" cy="646331"/>
           </a:xfrm>
           <a:prstGeom prst="rect">
             <a:avLst/>
@@ -9192,16 +9224,32 @@
           <a:noFill/>
         </p:spPr>
         <p:txBody>
-          <a:bodyPr wrap="none" rtlCol="0">
+          <a:bodyPr wrap="square" rtlCol="0">
             <a:spAutoFit/>
           </a:bodyPr>
           <a:lstStyle/>
           <a:p>
             <a:r>
-              <a:rPr lang="de-DE" sz="2000" dirty="0" smtClean="0"/>
-              <a:t>Verzeichnisauswahl</a:t>
-            </a:r>
-            <a:endParaRPr lang="de-DE" sz="2000" dirty="0"/>
+              <a:rPr lang="de-DE" dirty="0" smtClean="0">
+                <a:latin typeface="Verdana" pitchFamily="34" charset="0"/>
+                <a:ea typeface="Verdana" pitchFamily="34" charset="0"/>
+                <a:cs typeface="Verdana" pitchFamily="34" charset="0"/>
+              </a:rPr>
+              <a:t>Verzeichnis-</a:t>
+            </a:r>
+            <a:r>
+              <a:rPr lang="de-DE" dirty="0" err="1" smtClean="0">
+                <a:latin typeface="Verdana" pitchFamily="34" charset="0"/>
+                <a:ea typeface="Verdana" pitchFamily="34" charset="0"/>
+                <a:cs typeface="Verdana" pitchFamily="34" charset="0"/>
+              </a:rPr>
+              <a:t>auswahl</a:t>
+            </a:r>
+            <a:endParaRPr lang="de-DE" dirty="0">
+              <a:latin typeface="Verdana" pitchFamily="34" charset="0"/>
+              <a:ea typeface="Verdana" pitchFamily="34" charset="0"/>
+              <a:cs typeface="Verdana" pitchFamily="34" charset="0"/>
+            </a:endParaRPr>
           </a:p>
         </p:txBody>
       </p:sp>
@@ -9210,6 +9258,13 @@
   <p:clrMapOvr>
     <a:masterClrMapping/>
   </p:clrMapOvr>
+  <p:timing>
+    <p:tnLst>
+      <p:par>
+        <p:cTn id="1" dur="indefinite" restart="never" nodeType="tmRoot"/>
+      </p:par>
+    </p:tnLst>
+  </p:timing>
 </p:sld>
 </file>
 
@@ -9320,7 +9375,7 @@
           <a:p>
             <a:r>
               <a:rPr lang="de-DE" dirty="0" smtClean="0"/>
-              <a:t>6. Benutzeroberfläche und Bedienung</a:t>
+              <a:t>6. Benutzeroberfläche</a:t>
             </a:r>
             <a:endParaRPr lang="de-DE" dirty="0"/>
           </a:p>
@@ -9362,8 +9417,8 @@
         </p:nvSpPr>
         <p:spPr>
           <a:xfrm>
-            <a:off x="7092280" y="2204864"/>
-            <a:ext cx="2160240" cy="400110"/>
+            <a:off x="6983760" y="2060848"/>
+            <a:ext cx="2160240" cy="369332"/>
           </a:xfrm>
           <a:prstGeom prst="rect">
             <a:avLst/>
@@ -9377,10 +9432,18 @@
           <a:lstStyle/>
           <a:p>
             <a:r>
-              <a:rPr lang="de-DE" sz="2000" dirty="0" smtClean="0"/>
+              <a:rPr lang="de-DE" dirty="0" smtClean="0">
+                <a:latin typeface="Verdana" pitchFamily="34" charset="0"/>
+                <a:ea typeface="Verdana" pitchFamily="34" charset="0"/>
+                <a:cs typeface="Verdana" pitchFamily="34" charset="0"/>
+              </a:rPr>
               <a:t>Gesamtanfrage</a:t>
             </a:r>
-            <a:endParaRPr lang="de-DE" sz="2000" dirty="0"/>
+            <a:endParaRPr lang="de-DE" dirty="0">
+              <a:latin typeface="Verdana" pitchFamily="34" charset="0"/>
+              <a:ea typeface="Verdana" pitchFamily="34" charset="0"/>
+              <a:cs typeface="Verdana" pitchFamily="34" charset="0"/>
+            </a:endParaRPr>
           </a:p>
         </p:txBody>
       </p:sp>
@@ -9389,6 +9452,13 @@
   <p:clrMapOvr>
     <a:masterClrMapping/>
   </p:clrMapOvr>
+  <p:timing>
+    <p:tnLst>
+      <p:par>
+        <p:cTn id="1" dur="indefinite" restart="never" nodeType="tmRoot"/>
+      </p:par>
+    </p:tnLst>
+  </p:timing>
 </p:sld>
 </file>
 
@@ -9499,7 +9569,7 @@
           <a:p>
             <a:r>
               <a:rPr lang="de-DE" dirty="0" smtClean="0"/>
-              <a:t>6. Benutzeroberfläche und Bedienung</a:t>
+              <a:t>6. Benutzeroberfläche</a:t>
             </a:r>
             <a:endParaRPr lang="de-DE" dirty="0"/>
           </a:p>
@@ -9541,8 +9611,8 @@
         </p:nvSpPr>
         <p:spPr>
           <a:xfrm>
-            <a:off x="7092280" y="4437112"/>
-            <a:ext cx="1512168" cy="400110"/>
+            <a:off x="6984000" y="4437112"/>
+            <a:ext cx="1872208" cy="369332"/>
           </a:xfrm>
           <a:prstGeom prst="rect">
             <a:avLst/>
@@ -9556,10 +9626,18 @@
           <a:lstStyle/>
           <a:p>
             <a:r>
-              <a:rPr lang="de-DE" sz="2000" dirty="0" smtClean="0"/>
+              <a:rPr lang="de-DE" dirty="0" smtClean="0">
+                <a:latin typeface="Verdana" pitchFamily="34" charset="0"/>
+                <a:ea typeface="Verdana" pitchFamily="34" charset="0"/>
+                <a:cs typeface="Verdana" pitchFamily="34" charset="0"/>
+              </a:rPr>
               <a:t>Teilanfrage</a:t>
             </a:r>
-            <a:endParaRPr lang="de-DE" sz="2000" dirty="0"/>
+            <a:endParaRPr lang="de-DE" dirty="0">
+              <a:latin typeface="Verdana" pitchFamily="34" charset="0"/>
+              <a:ea typeface="Verdana" pitchFamily="34" charset="0"/>
+              <a:cs typeface="Verdana" pitchFamily="34" charset="0"/>
+            </a:endParaRPr>
           </a:p>
         </p:txBody>
       </p:sp>
@@ -9568,6 +9646,13 @@
   <p:clrMapOvr>
     <a:masterClrMapping/>
   </p:clrMapOvr>
+  <p:timing>
+    <p:tnLst>
+      <p:par>
+        <p:cTn id="1" dur="indefinite" restart="never" nodeType="tmRoot"/>
+      </p:par>
+    </p:tnLst>
+  </p:timing>
 </p:sld>
 </file>
 
@@ -9678,7 +9763,7 @@
           <a:p>
             <a:r>
               <a:rPr lang="de-DE" dirty="0" smtClean="0"/>
-              <a:t>6. Benutzeroberfläche und Bedienung</a:t>
+              <a:t>6. Benutzeroberfläche</a:t>
             </a:r>
             <a:endParaRPr lang="de-DE" dirty="0"/>
           </a:p>
@@ -9720,8 +9805,8 @@
         </p:nvSpPr>
         <p:spPr>
           <a:xfrm>
-            <a:off x="7092280" y="5301208"/>
-            <a:ext cx="1584176" cy="707886"/>
+            <a:off x="6984000" y="5301208"/>
+            <a:ext cx="1944216" cy="646331"/>
           </a:xfrm>
           <a:prstGeom prst="rect">
             <a:avLst/>
@@ -9735,13 +9820,21 @@
           <a:lstStyle/>
           <a:p>
             <a:r>
-              <a:rPr lang="de-DE" sz="2000" dirty="0" smtClean="0"/>
+              <a:rPr lang="de-DE" dirty="0" smtClean="0">
+                <a:latin typeface="Verdana" pitchFamily="34" charset="0"/>
+                <a:ea typeface="Verdana" pitchFamily="34" charset="0"/>
+                <a:cs typeface="Verdana" pitchFamily="34" charset="0"/>
+              </a:rPr>
               <a:t>Suchbereiche</a:t>
             </a:r>
           </a:p>
           <a:p>
             <a:r>
-              <a:rPr lang="de-DE" sz="2000" dirty="0" smtClean="0"/>
+              <a:rPr lang="de-DE" dirty="0" smtClean="0">
+                <a:latin typeface="Verdana" pitchFamily="34" charset="0"/>
+                <a:ea typeface="Verdana" pitchFamily="34" charset="0"/>
+                <a:cs typeface="Verdana" pitchFamily="34" charset="0"/>
+              </a:rPr>
               <a:t>auswählen</a:t>
             </a:r>
           </a:p>
@@ -9752,6 +9845,13 @@
   <p:clrMapOvr>
     <a:masterClrMapping/>
   </p:clrMapOvr>
+  <p:timing>
+    <p:tnLst>
+      <p:par>
+        <p:cTn id="1" dur="indefinite" restart="never" nodeType="tmRoot"/>
+      </p:par>
+    </p:tnLst>
+  </p:timing>
 </p:sld>
 </file>
 
@@ -9862,7 +9962,7 @@
           <a:p>
             <a:r>
               <a:rPr lang="de-DE" dirty="0" smtClean="0"/>
-              <a:t>6. Benutzeroberfläche und Bedienung</a:t>
+              <a:t>6. Benutzeroberfläche</a:t>
             </a:r>
             <a:endParaRPr lang="de-DE" dirty="0"/>
           </a:p>
@@ -9905,7 +10005,7 @@
         <p:spPr>
           <a:xfrm>
             <a:off x="3923928" y="1916832"/>
-            <a:ext cx="3024336" cy="400110"/>
+            <a:ext cx="3024336" cy="707886"/>
           </a:xfrm>
           <a:prstGeom prst="rect">
             <a:avLst/>
@@ -9919,10 +10019,30 @@
           <a:lstStyle/>
           <a:p>
             <a:r>
+              <a:rPr lang="de-DE" sz="2000" dirty="0" smtClean="0">
+                <a:latin typeface="Verdana" pitchFamily="34" charset="0"/>
+                <a:ea typeface="Verdana" pitchFamily="34" charset="0"/>
+                <a:cs typeface="Verdana" pitchFamily="34" charset="0"/>
+              </a:rPr>
+              <a:t>Freitextsuche</a:t>
+            </a:r>
+            <a:r>
               <a:rPr lang="de-DE" sz="2000" dirty="0" smtClean="0"/>
-              <a:t>Freitextsuche auswählen</a:t>
-            </a:r>
-            <a:endParaRPr lang="de-DE" sz="2000" dirty="0"/>
+              <a:t> </a:t>
+            </a:r>
+            <a:r>
+              <a:rPr lang="de-DE" sz="2000" dirty="0" smtClean="0">
+                <a:latin typeface="Verdana" pitchFamily="34" charset="0"/>
+                <a:ea typeface="Verdana" pitchFamily="34" charset="0"/>
+                <a:cs typeface="Verdana" pitchFamily="34" charset="0"/>
+              </a:rPr>
+              <a:t>auswählen</a:t>
+            </a:r>
+            <a:endParaRPr lang="de-DE" sz="2000" dirty="0">
+              <a:latin typeface="Verdana" pitchFamily="34" charset="0"/>
+              <a:ea typeface="Verdana" pitchFamily="34" charset="0"/>
+              <a:cs typeface="Verdana" pitchFamily="34" charset="0"/>
+            </a:endParaRPr>
           </a:p>
         </p:txBody>
       </p:sp>
@@ -9931,6 +10051,13 @@
   <p:clrMapOvr>
     <a:masterClrMapping/>
   </p:clrMapOvr>
+  <p:timing>
+    <p:tnLst>
+      <p:par>
+        <p:cTn id="1" dur="indefinite" restart="never" nodeType="tmRoot"/>
+      </p:par>
+    </p:tnLst>
+  </p:timing>
 </p:sld>
 </file>
 
@@ -9982,18 +10109,19 @@
             </a:pPr>
             <a:r>
               <a:rPr lang="de-DE" dirty="0" smtClean="0"/>
-              <a:t> Semistrukturierte Dokumente</a:t>
-            </a:r>
+              <a:t> Semistrukturierte </a:t>
+            </a:r>
+            <a:r>
+              <a:rPr lang="de-DE" dirty="0" smtClean="0"/>
+              <a:t>Dokumente</a:t>
+            </a:r>
+            <a:endParaRPr lang="de-DE" dirty="0" smtClean="0"/>
           </a:p>
           <a:p>
             <a:pPr lvl="1"/>
             <a:r>
               <a:rPr lang="de-DE" dirty="0" smtClean="0"/>
-              <a:t>Metadaten </a:t>
-            </a:r>
-            <a:r>
-              <a:rPr lang="de-DE" dirty="0" smtClean="0"/>
-              <a:t>(z.B. Datum, Absender…)</a:t>
+              <a:t>Metadaten (z.B. Datum, Absender…)</a:t>
             </a:r>
             <a:endParaRPr lang="de-DE" i="1" dirty="0" smtClean="0"/>
           </a:p>
@@ -10012,11 +10140,7 @@
             </a:pPr>
             <a:r>
               <a:rPr lang="de-DE" dirty="0" smtClean="0"/>
-              <a:t> </a:t>
-            </a:r>
-            <a:r>
-              <a:rPr lang="de-DE" dirty="0" smtClean="0"/>
-              <a:t>Logische Verknüpfung der Suchkriterien mit AND, OR, NOT in beliebig tiefer Schachtelung </a:t>
+              <a:t> Logische Verknüpfung der Suchkriterien mit AND, OR, NOT in beliebig tiefer Schachtelung </a:t>
             </a:r>
           </a:p>
           <a:p>
@@ -10268,7 +10392,7 @@
           <a:p>
             <a:r>
               <a:rPr lang="de-DE" dirty="0" smtClean="0"/>
-              <a:t>6. Benutzeroberfläche und Bedienung</a:t>
+              <a:t>6. Benutzeroberfläche</a:t>
             </a:r>
             <a:endParaRPr lang="de-DE" dirty="0"/>
           </a:p>
@@ -10307,6 +10431,13 @@
   <p:clrMapOvr>
     <a:masterClrMapping/>
   </p:clrMapOvr>
+  <p:timing>
+    <p:tnLst>
+      <p:par>
+        <p:cTn id="1" dur="indefinite" restart="never" nodeType="tmRoot"/>
+      </p:par>
+    </p:tnLst>
+  </p:timing>
 </p:sld>
 </file>
 
@@ -10417,7 +10548,7 @@
           <a:p>
             <a:r>
               <a:rPr lang="de-DE" dirty="0" smtClean="0"/>
-              <a:t>6. Benutzeroberfläche und Bedienung</a:t>
+              <a:t>6. Benutzeroberfläche</a:t>
             </a:r>
             <a:endParaRPr lang="de-DE" dirty="0"/>
           </a:p>
@@ -10460,7 +10591,7 @@
         <p:spPr>
           <a:xfrm>
             <a:off x="180000" y="1080000"/>
-            <a:ext cx="2255126" cy="401200"/>
+            <a:ext cx="2762444" cy="401200"/>
           </a:xfrm>
           <a:prstGeom prst="rect">
             <a:avLst/>
@@ -10478,10 +10609,18 @@
               <a:buChar char="•"/>
             </a:pPr>
             <a:r>
-              <a:rPr lang="de-DE" sz="2000" dirty="0" smtClean="0"/>
+              <a:rPr lang="de-DE" sz="2000" dirty="0" smtClean="0">
+                <a:latin typeface="Verdana" pitchFamily="34" charset="0"/>
+                <a:ea typeface="Verdana" pitchFamily="34" charset="0"/>
+                <a:cs typeface="Verdana" pitchFamily="34" charset="0"/>
+              </a:rPr>
               <a:t> Suchtext eingeben</a:t>
             </a:r>
-            <a:endParaRPr lang="de-DE" sz="2000" dirty="0"/>
+            <a:endParaRPr lang="de-DE" sz="2000" dirty="0">
+              <a:latin typeface="Verdana" pitchFamily="34" charset="0"/>
+              <a:ea typeface="Verdana" pitchFamily="34" charset="0"/>
+              <a:cs typeface="Verdana" pitchFamily="34" charset="0"/>
+            </a:endParaRPr>
           </a:p>
         </p:txBody>
       </p:sp>
@@ -10490,6 +10629,13 @@
   <p:clrMapOvr>
     <a:masterClrMapping/>
   </p:clrMapOvr>
+  <p:timing>
+    <p:tnLst>
+      <p:par>
+        <p:cTn id="1" dur="indefinite" restart="never" nodeType="tmRoot"/>
+      </p:par>
+    </p:tnLst>
+  </p:timing>
 </p:sld>
 </file>
 
@@ -10600,7 +10746,7 @@
           <a:p>
             <a:r>
               <a:rPr lang="de-DE" dirty="0" smtClean="0"/>
-              <a:t>6. Benutzeroberfläche und Bedienung</a:t>
+              <a:t>6. Benutzeroberfläche</a:t>
             </a:r>
             <a:endParaRPr lang="de-DE" dirty="0"/>
           </a:p>
@@ -10643,7 +10789,7 @@
         <p:spPr>
           <a:xfrm>
             <a:off x="180000" y="1080000"/>
-            <a:ext cx="2684153" cy="400110"/>
+            <a:ext cx="3270596" cy="400110"/>
           </a:xfrm>
           <a:prstGeom prst="rect">
             <a:avLst/>
@@ -10661,10 +10807,18 @@
               <a:buChar char="•"/>
             </a:pPr>
             <a:r>
-              <a:rPr lang="de-DE" sz="2000" dirty="0" smtClean="0"/>
+              <a:rPr lang="de-DE" sz="2000" dirty="0" smtClean="0">
+                <a:latin typeface="Verdana" pitchFamily="34" charset="0"/>
+                <a:ea typeface="Verdana" pitchFamily="34" charset="0"/>
+                <a:cs typeface="Verdana" pitchFamily="34" charset="0"/>
+              </a:rPr>
               <a:t> Teilanfrage hinzufügen</a:t>
             </a:r>
-            <a:endParaRPr lang="de-DE" sz="2000" dirty="0"/>
+            <a:endParaRPr lang="de-DE" sz="2000" dirty="0">
+              <a:latin typeface="Verdana" pitchFamily="34" charset="0"/>
+              <a:ea typeface="Verdana" pitchFamily="34" charset="0"/>
+              <a:cs typeface="Verdana" pitchFamily="34" charset="0"/>
+            </a:endParaRPr>
           </a:p>
         </p:txBody>
       </p:sp>
@@ -10673,6 +10827,13 @@
   <p:clrMapOvr>
     <a:masterClrMapping/>
   </p:clrMapOvr>
+  <p:timing>
+    <p:tnLst>
+      <p:par>
+        <p:cTn id="1" dur="indefinite" restart="never" nodeType="tmRoot"/>
+      </p:par>
+    </p:tnLst>
+  </p:timing>
 </p:sld>
 </file>
 
@@ -10783,7 +10944,7 @@
           <a:p>
             <a:r>
               <a:rPr lang="de-DE" dirty="0" smtClean="0"/>
-              <a:t>6. Benutzeroberfläche und Bedienung</a:t>
+              <a:t>6. Benutzeroberfläche</a:t>
             </a:r>
             <a:endParaRPr lang="de-DE" dirty="0"/>
           </a:p>
@@ -10822,6 +10983,13 @@
   <p:clrMapOvr>
     <a:masterClrMapping/>
   </p:clrMapOvr>
+  <p:timing>
+    <p:tnLst>
+      <p:par>
+        <p:cTn id="1" dur="indefinite" restart="never" nodeType="tmRoot"/>
+      </p:par>
+    </p:tnLst>
+  </p:timing>
 </p:sld>
 </file>
 
@@ -10932,7 +11100,7 @@
           <a:p>
             <a:r>
               <a:rPr lang="de-DE" dirty="0" smtClean="0"/>
-              <a:t>6. Benutzeroberfläche und Bedienung</a:t>
+              <a:t>6. Benutzeroberfläche </a:t>
             </a:r>
             <a:br>
               <a:rPr lang="de-DE" dirty="0" smtClean="0"/>
@@ -10978,7 +11146,7 @@
         <p:spPr>
           <a:xfrm>
             <a:off x="180000" y="1080000"/>
-            <a:ext cx="1144993" cy="400110"/>
+            <a:ext cx="1337354" cy="400110"/>
           </a:xfrm>
           <a:prstGeom prst="rect">
             <a:avLst/>
@@ -10997,9 +11165,21 @@
             </a:pPr>
             <a:r>
               <a:rPr lang="de-DE" sz="2000" dirty="0" smtClean="0"/>
-              <a:t> Anzeige</a:t>
-            </a:r>
-            <a:endParaRPr lang="de-DE" sz="2000" dirty="0"/>
+              <a:t> </a:t>
+            </a:r>
+            <a:r>
+              <a:rPr lang="de-DE" sz="2000" dirty="0" smtClean="0">
+                <a:latin typeface="Verdana" pitchFamily="34" charset="0"/>
+                <a:ea typeface="Verdana" pitchFamily="34" charset="0"/>
+                <a:cs typeface="Verdana" pitchFamily="34" charset="0"/>
+              </a:rPr>
+              <a:t>Anzeige</a:t>
+            </a:r>
+            <a:endParaRPr lang="de-DE" sz="2000" dirty="0">
+              <a:latin typeface="Verdana" pitchFamily="34" charset="0"/>
+              <a:ea typeface="Verdana" pitchFamily="34" charset="0"/>
+              <a:cs typeface="Verdana" pitchFamily="34" charset="0"/>
+            </a:endParaRPr>
           </a:p>
         </p:txBody>
       </p:sp>
@@ -11008,6 +11188,13 @@
   <p:clrMapOvr>
     <a:masterClrMapping/>
   </p:clrMapOvr>
+  <p:timing>
+    <p:tnLst>
+      <p:par>
+        <p:cTn id="1" dur="indefinite" restart="never" nodeType="tmRoot"/>
+      </p:par>
+    </p:tnLst>
+  </p:timing>
 </p:sld>
 </file>
 
@@ -11118,21 +11305,65 @@
           <a:p>
             <a:r>
               <a:rPr lang="de-DE" dirty="0" smtClean="0"/>
-              <a:t>6. Benutzeroberfläche und Bedienung</a:t>
+              <a:t>6. Benutzeroberfläche</a:t>
             </a:r>
             <a:endParaRPr lang="de-DE" dirty="0"/>
+          </a:p>
+        </p:txBody>
+      </p:sp>
+      <p:sp>
+        <p:nvSpPr>
+          <p:cNvPr id="10" name="Textfeld 9"/>
+          <p:cNvSpPr txBox="1"/>
+          <p:nvPr/>
+        </p:nvSpPr>
+        <p:spPr>
+          <a:xfrm>
+            <a:off x="180000" y="1080000"/>
+            <a:ext cx="2232248" cy="400110"/>
+          </a:xfrm>
+          <a:prstGeom prst="rect">
+            <a:avLst/>
+          </a:prstGeom>
+          <a:noFill/>
+        </p:spPr>
+        <p:txBody>
+          <a:bodyPr wrap="square" rtlCol="0">
+            <a:spAutoFit/>
+          </a:bodyPr>
+          <a:lstStyle/>
+          <a:p>
+            <a:pPr>
+              <a:buFont typeface="Arial" pitchFamily="34" charset="0"/>
+              <a:buChar char="•"/>
+            </a:pPr>
+            <a:r>
+              <a:rPr lang="de-DE" sz="2000" dirty="0" smtClean="0"/>
+              <a:t> </a:t>
+            </a:r>
+            <a:r>
+              <a:rPr lang="de-DE" sz="2000" dirty="0" smtClean="0">
+                <a:latin typeface="Verdana" pitchFamily="34" charset="0"/>
+                <a:ea typeface="Verdana" pitchFamily="34" charset="0"/>
+                <a:cs typeface="Verdana" pitchFamily="34" charset="0"/>
+              </a:rPr>
+              <a:t>Anzeige</a:t>
+            </a:r>
+            <a:endParaRPr lang="de-DE" sz="2000" dirty="0">
+              <a:latin typeface="Verdana" pitchFamily="34" charset="0"/>
+              <a:ea typeface="Verdana" pitchFamily="34" charset="0"/>
+              <a:cs typeface="Verdana" pitchFamily="34" charset="0"/>
+            </a:endParaRPr>
           </a:p>
         </p:txBody>
       </p:sp>
       <p:pic>
         <p:nvPicPr>
-          <p:cNvPr id="43010" name="Picture 2" descr="C:\Users\kreme\Documents\SuchTool\Bilder\3.png"/>
+          <p:cNvPr id="43011" name="Picture 3" descr="C:\Users\kreme\Documents\SuchTool\Bilder\3_schoener.png"/>
           <p:cNvPicPr>
-            <a:picLocks noGrp="1" noChangeAspect="1" noChangeArrowheads="1"/>
+            <a:picLocks noChangeAspect="1" noChangeArrowheads="1"/>
           </p:cNvPicPr>
-          <p:nvPr>
-            <p:ph sz="quarter" idx="13"/>
-          </p:nvPr>
+          <p:nvPr/>
         </p:nvPicPr>
         <p:blipFill>
           <a:blip r:embed="rId2" cstate="print"/>
@@ -11143,8 +11374,8 @@
         </p:blipFill>
         <p:spPr bwMode="auto">
           <a:xfrm>
-            <a:off x="250825" y="2926039"/>
-            <a:ext cx="8640763" cy="1725059"/>
+            <a:off x="251520" y="1710000"/>
+            <a:ext cx="8640000" cy="2931566"/>
           </a:xfrm>
           <a:prstGeom prst="rect">
             <a:avLst/>
@@ -11152,45 +11383,18 @@
           <a:noFill/>
         </p:spPr>
       </p:pic>
-      <p:sp>
-        <p:nvSpPr>
-          <p:cNvPr id="10" name="Textfeld 9"/>
-          <p:cNvSpPr txBox="1"/>
-          <p:nvPr/>
-        </p:nvSpPr>
-        <p:spPr>
-          <a:xfrm>
-            <a:off x="180000" y="1080000"/>
-            <a:ext cx="2232248" cy="400110"/>
-          </a:xfrm>
-          <a:prstGeom prst="rect">
-            <a:avLst/>
-          </a:prstGeom>
-          <a:noFill/>
-        </p:spPr>
-        <p:txBody>
-          <a:bodyPr wrap="square" rtlCol="0">
-            <a:spAutoFit/>
-          </a:bodyPr>
-          <a:lstStyle/>
-          <a:p>
-            <a:pPr>
-              <a:buFont typeface="Arial" pitchFamily="34" charset="0"/>
-              <a:buChar char="•"/>
-            </a:pPr>
-            <a:r>
-              <a:rPr lang="de-DE" sz="2000" dirty="0" smtClean="0"/>
-              <a:t> Anzeige</a:t>
-            </a:r>
-            <a:endParaRPr lang="de-DE" sz="2000" dirty="0"/>
-          </a:p>
-        </p:txBody>
-      </p:sp>
     </p:spTree>
   </p:cSld>
   <p:clrMapOvr>
     <a:masterClrMapping/>
   </p:clrMapOvr>
+  <p:timing>
+    <p:tnLst>
+      <p:par>
+        <p:cTn id="1" dur="indefinite" restart="never" nodeType="tmRoot"/>
+      </p:par>
+    </p:tnLst>
+  </p:timing>
 </p:sld>
 </file>
 
@@ -11313,11 +11517,60 @@
           <a:noFill/>
         </p:spPr>
       </p:pic>
+      <p:sp>
+        <p:nvSpPr>
+          <p:cNvPr id="7" name="Textfeld 6"/>
+          <p:cNvSpPr txBox="1"/>
+          <p:nvPr/>
+        </p:nvSpPr>
+        <p:spPr>
+          <a:xfrm>
+            <a:off x="180000" y="1080000"/>
+            <a:ext cx="3167864" cy="400110"/>
+          </a:xfrm>
+          <a:prstGeom prst="rect">
+            <a:avLst/>
+          </a:prstGeom>
+          <a:noFill/>
+        </p:spPr>
+        <p:txBody>
+          <a:bodyPr wrap="square" rtlCol="0">
+            <a:spAutoFit/>
+          </a:bodyPr>
+          <a:lstStyle/>
+          <a:p>
+            <a:pPr>
+              <a:buFont typeface="Arial" pitchFamily="34" charset="0"/>
+              <a:buChar char="•"/>
+            </a:pPr>
+            <a:r>
+              <a:rPr lang="de-DE" sz="2000" dirty="0" smtClean="0">
+                <a:latin typeface="Verdana" pitchFamily="34" charset="0"/>
+                <a:ea typeface="Verdana" pitchFamily="34" charset="0"/>
+                <a:cs typeface="Verdana" pitchFamily="34" charset="0"/>
+              </a:rPr>
+              <a:t> Operator auswählen</a:t>
+            </a:r>
+            <a:endParaRPr lang="de-DE" sz="2000" dirty="0">
+              <a:latin typeface="Verdana" pitchFamily="34" charset="0"/>
+              <a:ea typeface="Verdana" pitchFamily="34" charset="0"/>
+              <a:cs typeface="Verdana" pitchFamily="34" charset="0"/>
+            </a:endParaRPr>
+          </a:p>
+        </p:txBody>
+      </p:sp>
     </p:spTree>
   </p:cSld>
   <p:clrMapOvr>
     <a:masterClrMapping/>
   </p:clrMapOvr>
+  <p:timing>
+    <p:tnLst>
+      <p:par>
+        <p:cTn id="1" dur="indefinite" restart="never" nodeType="tmRoot"/>
+      </p:par>
+    </p:tnLst>
+  </p:timing>
 </p:sld>
 </file>
 
@@ -11462,11 +11715,60 @@
           <a:noFill/>
         </p:spPr>
       </p:pic>
+      <p:sp>
+        <p:nvSpPr>
+          <p:cNvPr id="7" name="Textfeld 6"/>
+          <p:cNvSpPr txBox="1"/>
+          <p:nvPr/>
+        </p:nvSpPr>
+        <p:spPr>
+          <a:xfrm>
+            <a:off x="180000" y="1080000"/>
+            <a:ext cx="3167864" cy="400110"/>
+          </a:xfrm>
+          <a:prstGeom prst="rect">
+            <a:avLst/>
+          </a:prstGeom>
+          <a:noFill/>
+        </p:spPr>
+        <p:txBody>
+          <a:bodyPr wrap="square" rtlCol="0">
+            <a:spAutoFit/>
+          </a:bodyPr>
+          <a:lstStyle/>
+          <a:p>
+            <a:pPr>
+              <a:buFont typeface="Arial" pitchFamily="34" charset="0"/>
+              <a:buChar char="•"/>
+            </a:pPr>
+            <a:r>
+              <a:rPr lang="de-DE" sz="2000" dirty="0" smtClean="0">
+                <a:latin typeface="Verdana" pitchFamily="34" charset="0"/>
+                <a:ea typeface="Verdana" pitchFamily="34" charset="0"/>
+                <a:cs typeface="Verdana" pitchFamily="34" charset="0"/>
+              </a:rPr>
+              <a:t> Operator auswählen</a:t>
+            </a:r>
+            <a:endParaRPr lang="de-DE" sz="2000" dirty="0">
+              <a:latin typeface="Verdana" pitchFamily="34" charset="0"/>
+              <a:ea typeface="Verdana" pitchFamily="34" charset="0"/>
+              <a:cs typeface="Verdana" pitchFamily="34" charset="0"/>
+            </a:endParaRPr>
+          </a:p>
+        </p:txBody>
+      </p:sp>
     </p:spTree>
   </p:cSld>
   <p:clrMapOvr>
     <a:masterClrMapping/>
   </p:clrMapOvr>
+  <p:timing>
+    <p:tnLst>
+      <p:par>
+        <p:cTn id="1" dur="indefinite" restart="never" nodeType="tmRoot"/>
+      </p:par>
+    </p:tnLst>
+  </p:timing>
 </p:sld>
 </file>
 
@@ -11577,7 +11879,7 @@
           <a:p>
             <a:r>
               <a:rPr lang="de-DE" dirty="0" smtClean="0"/>
-              <a:t>6. Benutzeroberfläche und Bedienung</a:t>
+              <a:t>6. Benutzeroberfläche</a:t>
             </a:r>
             <a:endParaRPr lang="de-DE" dirty="0"/>
           </a:p>
@@ -11616,6 +11918,13 @@
   <p:clrMapOvr>
     <a:masterClrMapping/>
   </p:clrMapOvr>
+  <p:timing>
+    <p:tnLst>
+      <p:par>
+        <p:cTn id="1" dur="indefinite" restart="never" nodeType="tmRoot"/>
+      </p:par>
+    </p:tnLst>
+  </p:timing>
 </p:sld>
 </file>
 
@@ -11726,7 +12035,7 @@
           <a:p>
             <a:r>
               <a:rPr lang="de-DE" dirty="0" smtClean="0"/>
-              <a:t>6. Benutzeroberfläche und Bedienung</a:t>
+              <a:t>6. Benutzeroberfläche</a:t>
             </a:r>
             <a:endParaRPr lang="de-DE" dirty="0"/>
           </a:p>
@@ -11769,7 +12078,7 @@
         <p:spPr>
           <a:xfrm>
             <a:off x="4283968" y="2132856"/>
-            <a:ext cx="3960440" cy="369332"/>
+            <a:ext cx="3960440" cy="707886"/>
           </a:xfrm>
           <a:prstGeom prst="rect">
             <a:avLst/>
@@ -11783,10 +12092,28 @@
           <a:lstStyle/>
           <a:p>
             <a:r>
-              <a:rPr lang="de-DE" dirty="0" smtClean="0"/>
-              <a:t>Metadaten auswählen</a:t>
-            </a:r>
-            <a:endParaRPr lang="de-DE" dirty="0"/>
+              <a:rPr lang="de-DE" sz="2000" dirty="0" smtClean="0">
+                <a:latin typeface="Verdana" pitchFamily="34" charset="0"/>
+                <a:ea typeface="Verdana" pitchFamily="34" charset="0"/>
+                <a:cs typeface="Verdana" pitchFamily="34" charset="0"/>
+              </a:rPr>
+              <a:t>Metadaten</a:t>
+            </a:r>
+          </a:p>
+          <a:p>
+            <a:r>
+              <a:rPr lang="de-DE" sz="2000" dirty="0" smtClean="0">
+                <a:latin typeface="Verdana" pitchFamily="34" charset="0"/>
+                <a:ea typeface="Verdana" pitchFamily="34" charset="0"/>
+                <a:cs typeface="Verdana" pitchFamily="34" charset="0"/>
+              </a:rPr>
+              <a:t>auswählen</a:t>
+            </a:r>
+            <a:endParaRPr lang="de-DE" sz="2000" dirty="0">
+              <a:latin typeface="Verdana" pitchFamily="34" charset="0"/>
+              <a:ea typeface="Verdana" pitchFamily="34" charset="0"/>
+              <a:cs typeface="Verdana" pitchFamily="34" charset="0"/>
+            </a:endParaRPr>
           </a:p>
         </p:txBody>
       </p:sp>
@@ -11795,6 +12122,13 @@
   <p:clrMapOvr>
     <a:masterClrMapping/>
   </p:clrMapOvr>
+  <p:timing>
+    <p:tnLst>
+      <p:par>
+        <p:cTn id="1" dur="indefinite" restart="never" nodeType="tmRoot"/>
+      </p:par>
+    </p:tnLst>
+  </p:timing>
 </p:sld>
 </file>
 
@@ -11973,6 +12307,13 @@
   <p:clrMapOvr>
     <a:masterClrMapping/>
   </p:clrMapOvr>
+  <p:timing>
+    <p:tnLst>
+      <p:par>
+        <p:cTn id="1" dur="indefinite" restart="never" nodeType="tmRoot"/>
+      </p:par>
+    </p:tnLst>
+  </p:timing>
 </p:sld>
 </file>
 
@@ -12083,7 +12424,7 @@
           <a:p>
             <a:r>
               <a:rPr lang="de-DE" dirty="0" smtClean="0"/>
-              <a:t>6. Benutzeroberfläche und Bedienung</a:t>
+              <a:t>6. Benutzeroberfläche</a:t>
             </a:r>
             <a:endParaRPr lang="de-DE" dirty="0"/>
           </a:p>
@@ -12122,6 +12463,13 @@
   <p:clrMapOvr>
     <a:masterClrMapping/>
   </p:clrMapOvr>
+  <p:timing>
+    <p:tnLst>
+      <p:par>
+        <p:cTn id="1" dur="indefinite" restart="never" nodeType="tmRoot"/>
+      </p:par>
+    </p:tnLst>
+  </p:timing>
 </p:sld>
 </file>
 
@@ -12160,6 +12508,13 @@
             <a:pPr>
               <a:defRPr/>
             </a:pPr>
+            <a:fld id="{EE9AC89C-B0F3-4179-9BF1-A11BD48F530E}" type="datetime1">
+              <a:rPr lang="de-DE" smtClean="0"/>
+              <a:pPr>
+                <a:defRPr/>
+              </a:pPr>
+              <a:t>26.08.2017</a:t>
+            </a:fld>
             <a:endParaRPr lang="de-DE" dirty="0"/>
           </a:p>
         </p:txBody>
@@ -12232,21 +12587,61 @@
           <a:p>
             <a:r>
               <a:rPr lang="de-DE" dirty="0" smtClean="0"/>
-              <a:t>6. Benutzeroberfläche und Bedienung</a:t>
+              <a:t>6. Benutzeroberfläche</a:t>
             </a:r>
             <a:endParaRPr lang="de-DE" dirty="0"/>
+          </a:p>
+        </p:txBody>
+      </p:sp>
+      <p:sp>
+        <p:nvSpPr>
+          <p:cNvPr id="8" name="Textfeld 7"/>
+          <p:cNvSpPr txBox="1"/>
+          <p:nvPr/>
+        </p:nvSpPr>
+        <p:spPr>
+          <a:xfrm>
+            <a:off x="252000" y="1340768"/>
+            <a:ext cx="3701654" cy="400110"/>
+          </a:xfrm>
+          <a:prstGeom prst="rect">
+            <a:avLst/>
+          </a:prstGeom>
+          <a:noFill/>
+        </p:spPr>
+        <p:txBody>
+          <a:bodyPr wrap="none" rtlCol="0">
+            <a:spAutoFit/>
+          </a:bodyPr>
+          <a:lstStyle/>
+          <a:p>
+            <a:pPr>
+              <a:buFont typeface="Arial" pitchFamily="34" charset="0"/>
+              <a:buChar char="•"/>
+            </a:pPr>
+            <a:r>
+              <a:rPr lang="de-DE" sz="2000" dirty="0" smtClean="0">
+                <a:latin typeface="Verdana" pitchFamily="34" charset="0"/>
+                <a:ea typeface="Verdana" pitchFamily="34" charset="0"/>
+                <a:cs typeface="Verdana" pitchFamily="34" charset="0"/>
+              </a:rPr>
+              <a:t> Erneut Suchtext eingeben</a:t>
+            </a:r>
+            <a:endParaRPr lang="de-DE" sz="2000" dirty="0">
+              <a:latin typeface="Verdana" pitchFamily="34" charset="0"/>
+              <a:ea typeface="Verdana" pitchFamily="34" charset="0"/>
+              <a:cs typeface="Verdana" pitchFamily="34" charset="0"/>
+            </a:endParaRPr>
           </a:p>
         </p:txBody>
       </p:sp>
       <p:pic>
         <p:nvPicPr>
-          <p:cNvPr id="50178" name="Picture 2" descr="C:\Users\kreme\Documents\SuchTool\Bilder\n.png"/>
+          <p:cNvPr id="44035" name="Picture 3" descr="C:\Users\kreme\Documents\SuchTool\Bilder\eingabe.png"/>
           <p:cNvPicPr>
-            <a:picLocks noGrp="1" noChangeAspect="1" noChangeArrowheads="1"/>
+            <a:picLocks noChangeAspect="1" noChangeArrowheads="1"/>
           </p:cNvPicPr>
-          <p:nvPr>
-            <p:ph sz="quarter" idx="13"/>
-          </p:nvPr>
+          <p:nvPr/>
         </p:nvPicPr>
         <p:blipFill>
           <a:blip r:embed="rId2" cstate="print"/>
@@ -12257,8 +12652,8 @@
         </p:blipFill>
         <p:spPr bwMode="auto">
           <a:xfrm>
-            <a:off x="180000" y="2160000"/>
-            <a:ext cx="8640763" cy="1225586"/>
+            <a:off x="251520" y="2204864"/>
+            <a:ext cx="8640000" cy="2126540"/>
           </a:xfrm>
           <a:prstGeom prst="rect">
             <a:avLst/>
@@ -12271,6 +12666,13 @@
   <p:clrMapOvr>
     <a:masterClrMapping/>
   </p:clrMapOvr>
+  <p:timing>
+    <p:tnLst>
+      <p:par>
+        <p:cTn id="1" dur="indefinite" restart="never" nodeType="tmRoot"/>
+      </p:par>
+    </p:tnLst>
+  </p:timing>
 </p:sld>
 </file>
 
@@ -12309,6 +12711,13 @@
             <a:pPr>
               <a:defRPr/>
             </a:pPr>
+            <a:fld id="{EE9AC89C-B0F3-4179-9BF1-A11BD48F530E}" type="datetime1">
+              <a:rPr lang="de-DE" smtClean="0"/>
+              <a:pPr>
+                <a:defRPr/>
+              </a:pPr>
+              <a:t>26.08.2017</a:t>
+            </a:fld>
             <a:endParaRPr lang="de-DE" dirty="0"/>
           </a:p>
         </p:txBody>
@@ -12381,7 +12790,7 @@
           <a:p>
             <a:r>
               <a:rPr lang="de-DE" dirty="0" smtClean="0"/>
-              <a:t>6. Benutzeroberfläche und Bedienung</a:t>
+              <a:t>6. Benutzeroberfläche</a:t>
             </a:r>
             <a:endParaRPr lang="de-DE" dirty="0"/>
           </a:p>
@@ -12389,13 +12798,11 @@
       </p:sp>
       <p:pic>
         <p:nvPicPr>
-          <p:cNvPr id="51202" name="Picture 2" descr="C:\Users\kreme\Documents\SuchTool\Bilder\o.png"/>
+          <p:cNvPr id="45059" name="Picture 3" descr="C:\Users\kreme\Documents\SuchTool\Bilder\vorlage.png"/>
           <p:cNvPicPr>
-            <a:picLocks noGrp="1" noChangeAspect="1" noChangeArrowheads="1"/>
+            <a:picLocks noChangeAspect="1" noChangeArrowheads="1"/>
           </p:cNvPicPr>
-          <p:nvPr>
-            <p:ph sz="quarter" idx="13"/>
-          </p:nvPr>
+          <p:nvPr/>
         </p:nvPicPr>
         <p:blipFill>
           <a:blip r:embed="rId2" cstate="print"/>
@@ -12406,8 +12813,8 @@
         </p:blipFill>
         <p:spPr bwMode="auto">
           <a:xfrm>
-            <a:off x="180000" y="2160000"/>
-            <a:ext cx="8640763" cy="1225586"/>
+            <a:off x="251520" y="3013200"/>
+            <a:ext cx="8640000" cy="1316075"/>
           </a:xfrm>
           <a:prstGeom prst="rect">
             <a:avLst/>
@@ -12415,11 +12822,64 @@
           <a:noFill/>
         </p:spPr>
       </p:pic>
+      <p:sp>
+        <p:nvSpPr>
+          <p:cNvPr id="10" name="Textfeld 9"/>
+          <p:cNvSpPr txBox="1"/>
+          <p:nvPr/>
+        </p:nvSpPr>
+        <p:spPr>
+          <a:xfrm>
+            <a:off x="252000" y="1339200"/>
+            <a:ext cx="2376264" cy="400110"/>
+          </a:xfrm>
+          <a:prstGeom prst="rect">
+            <a:avLst/>
+          </a:prstGeom>
+          <a:noFill/>
+        </p:spPr>
+        <p:txBody>
+          <a:bodyPr wrap="square" rtlCol="0">
+            <a:spAutoFit/>
+          </a:bodyPr>
+          <a:lstStyle/>
+          <a:p>
+            <a:pPr>
+              <a:buFont typeface="Arial" pitchFamily="34" charset="0"/>
+              <a:buChar char="•"/>
+            </a:pPr>
+            <a:r>
+              <a:rPr lang="de-DE" sz="2000" dirty="0" smtClean="0"/>
+              <a:t> </a:t>
+            </a:r>
+            <a:r>
+              <a:rPr lang="de-DE" sz="2000" dirty="0" smtClean="0">
+                <a:latin typeface="Verdana" pitchFamily="34" charset="0"/>
+                <a:ea typeface="Verdana" pitchFamily="34" charset="0"/>
+                <a:cs typeface="Verdana" pitchFamily="34" charset="0"/>
+              </a:rPr>
+              <a:t>Hinzufügen</a:t>
+            </a:r>
+            <a:endParaRPr lang="de-DE" sz="2000" dirty="0">
+              <a:latin typeface="Verdana" pitchFamily="34" charset="0"/>
+              <a:ea typeface="Verdana" pitchFamily="34" charset="0"/>
+              <a:cs typeface="Verdana" pitchFamily="34" charset="0"/>
+            </a:endParaRPr>
+          </a:p>
+        </p:txBody>
+      </p:sp>
     </p:spTree>
   </p:cSld>
   <p:clrMapOvr>
     <a:masterClrMapping/>
   </p:clrMapOvr>
+  <p:timing>
+    <p:tnLst>
+      <p:par>
+        <p:cTn id="1" dur="indefinite" restart="never" nodeType="tmRoot"/>
+      </p:par>
+    </p:tnLst>
+  </p:timing>
 </p:sld>
 </file>
 
@@ -12530,7 +12990,7 @@
           <a:p>
             <a:r>
               <a:rPr lang="de-DE" dirty="0" smtClean="0"/>
-              <a:t>6. Benutzeroberfläche und Bedienung</a:t>
+              <a:t>6. Benutzeroberfläche</a:t>
             </a:r>
             <a:endParaRPr lang="de-DE" dirty="0"/>
           </a:p>
@@ -12569,6 +13029,13 @@
   <p:clrMapOvr>
     <a:masterClrMapping/>
   </p:clrMapOvr>
+  <p:timing>
+    <p:tnLst>
+      <p:par>
+        <p:cTn id="1" dur="indefinite" restart="never" nodeType="tmRoot"/>
+      </p:par>
+    </p:tnLst>
+  </p:timing>
 </p:sld>
 </file>
 
@@ -12679,7 +13146,7 @@
           <a:p>
             <a:r>
               <a:rPr lang="de-DE" dirty="0" smtClean="0"/>
-              <a:t>6. Benutzeroberfläche und Bedienung</a:t>
+              <a:t>6. Benutzeroberfläche</a:t>
             </a:r>
             <a:endParaRPr lang="de-DE" dirty="0"/>
           </a:p>
@@ -12713,11 +13180,64 @@
           <a:noFill/>
         </p:spPr>
       </p:pic>
+      <p:sp>
+        <p:nvSpPr>
+          <p:cNvPr id="7" name="Textfeld 6"/>
+          <p:cNvSpPr txBox="1"/>
+          <p:nvPr/>
+        </p:nvSpPr>
+        <p:spPr>
+          <a:xfrm>
+            <a:off x="180000" y="1080000"/>
+            <a:ext cx="3167864" cy="400110"/>
+          </a:xfrm>
+          <a:prstGeom prst="rect">
+            <a:avLst/>
+          </a:prstGeom>
+          <a:noFill/>
+        </p:spPr>
+        <p:txBody>
+          <a:bodyPr wrap="square" rtlCol="0">
+            <a:spAutoFit/>
+          </a:bodyPr>
+          <a:lstStyle/>
+          <a:p>
+            <a:pPr>
+              <a:buFont typeface="Arial" pitchFamily="34" charset="0"/>
+              <a:buChar char="•"/>
+            </a:pPr>
+            <a:r>
+              <a:rPr lang="de-DE" sz="2000" dirty="0" smtClean="0"/>
+              <a:t> </a:t>
+            </a:r>
+            <a:r>
+              <a:rPr lang="de-DE" sz="2000" dirty="0" smtClean="0">
+                <a:latin typeface="Verdana" pitchFamily="34" charset="0"/>
+                <a:ea typeface="Verdana" pitchFamily="34" charset="0"/>
+                <a:cs typeface="Verdana" pitchFamily="34" charset="0"/>
+              </a:rPr>
+              <a:t>Anzeige</a:t>
+            </a:r>
+            <a:endParaRPr lang="de-DE" sz="2000" dirty="0">
+              <a:latin typeface="Verdana" pitchFamily="34" charset="0"/>
+              <a:ea typeface="Verdana" pitchFamily="34" charset="0"/>
+              <a:cs typeface="Verdana" pitchFamily="34" charset="0"/>
+            </a:endParaRPr>
+          </a:p>
+        </p:txBody>
+      </p:sp>
     </p:spTree>
   </p:cSld>
   <p:clrMapOvr>
     <a:masterClrMapping/>
   </p:clrMapOvr>
+  <p:timing>
+    <p:tnLst>
+      <p:par>
+        <p:cTn id="1" dur="indefinite" restart="never" nodeType="tmRoot"/>
+      </p:par>
+    </p:tnLst>
+  </p:timing>
 </p:sld>
 </file>
 
@@ -12828,7 +13348,7 @@
           <a:p>
             <a:r>
               <a:rPr lang="de-DE" dirty="0" smtClean="0"/>
-              <a:t>6. Benutzeroberfläche und Bedienung</a:t>
+              <a:t>6. Benutzeroberfläche </a:t>
             </a:r>
             <a:endParaRPr lang="de-DE" dirty="0"/>
           </a:p>
@@ -12862,11 +13382,76 @@
           <a:noFill/>
         </p:spPr>
       </p:pic>
+      <p:sp>
+        <p:nvSpPr>
+          <p:cNvPr id="7" name="Textfeld 6"/>
+          <p:cNvSpPr txBox="1"/>
+          <p:nvPr/>
+        </p:nvSpPr>
+        <p:spPr>
+          <a:xfrm>
+            <a:off x="180000" y="1080000"/>
+            <a:ext cx="3167864" cy="400110"/>
+          </a:xfrm>
+          <a:prstGeom prst="rect">
+            <a:avLst/>
+          </a:prstGeom>
+          <a:noFill/>
+        </p:spPr>
+        <p:txBody>
+          <a:bodyPr wrap="square" rtlCol="0">
+            <a:spAutoFit/>
+          </a:bodyPr>
+          <a:lstStyle/>
+          <a:p>
+            <a:pPr>
+              <a:buFont typeface="Arial" pitchFamily="34" charset="0"/>
+              <a:buChar char="•"/>
+            </a:pPr>
+            <a:r>
+              <a:rPr lang="de-DE" sz="2000" dirty="0" smtClean="0"/>
+              <a:t> </a:t>
+            </a:r>
+            <a:r>
+              <a:rPr lang="de-DE" sz="2000" dirty="0" smtClean="0">
+                <a:latin typeface="Verdana" pitchFamily="34" charset="0"/>
+                <a:ea typeface="Verdana" pitchFamily="34" charset="0"/>
+                <a:cs typeface="Verdana" pitchFamily="34" charset="0"/>
+              </a:rPr>
+              <a:t>Suche</a:t>
+            </a:r>
+            <a:r>
+              <a:rPr lang="de-DE" sz="2000" dirty="0" smtClean="0"/>
+              <a:t> </a:t>
+            </a:r>
+            <a:r>
+              <a:rPr lang="de-DE" sz="2000" dirty="0" smtClean="0">
+                <a:latin typeface="Verdana" pitchFamily="34" charset="0"/>
+                <a:ea typeface="Verdana" pitchFamily="34" charset="0"/>
+                <a:cs typeface="Verdana" pitchFamily="34" charset="0"/>
+              </a:rPr>
+              <a:t>starten</a:t>
+            </a:r>
+            <a:endParaRPr lang="de-DE" sz="2000" dirty="0">
+              <a:latin typeface="Verdana" pitchFamily="34" charset="0"/>
+              <a:ea typeface="Verdana" pitchFamily="34" charset="0"/>
+              <a:cs typeface="Verdana" pitchFamily="34" charset="0"/>
+            </a:endParaRPr>
+          </a:p>
+        </p:txBody>
+      </p:sp>
     </p:spTree>
   </p:cSld>
   <p:clrMapOvr>
     <a:masterClrMapping/>
   </p:clrMapOvr>
+  <p:timing>
+    <p:tnLst>
+      <p:par>
+        <p:cTn id="1" dur="indefinite" restart="never" nodeType="tmRoot"/>
+      </p:par>
+    </p:tnLst>
+  </p:timing>
 </p:sld>
 </file>
 
@@ -12977,7 +13562,7 @@
           <a:p>
             <a:r>
               <a:rPr lang="de-DE" dirty="0" smtClean="0"/>
-              <a:t>6. Benutzeroberfläche und Bedienung</a:t>
+              <a:t>6. Benutzeroberfläche</a:t>
             </a:r>
             <a:endParaRPr lang="de-DE" dirty="0"/>
           </a:p>
@@ -13011,11 +13596,64 @@
           <a:noFill/>
         </p:spPr>
       </p:pic>
+      <p:sp>
+        <p:nvSpPr>
+          <p:cNvPr id="7" name="Textfeld 6"/>
+          <p:cNvSpPr txBox="1"/>
+          <p:nvPr/>
+        </p:nvSpPr>
+        <p:spPr>
+          <a:xfrm>
+            <a:off x="180000" y="1080000"/>
+            <a:ext cx="3167864" cy="400110"/>
+          </a:xfrm>
+          <a:prstGeom prst="rect">
+            <a:avLst/>
+          </a:prstGeom>
+          <a:noFill/>
+        </p:spPr>
+        <p:txBody>
+          <a:bodyPr wrap="square" rtlCol="0">
+            <a:spAutoFit/>
+          </a:bodyPr>
+          <a:lstStyle/>
+          <a:p>
+            <a:pPr>
+              <a:buFont typeface="Arial" pitchFamily="34" charset="0"/>
+              <a:buChar char="•"/>
+            </a:pPr>
+            <a:r>
+              <a:rPr lang="de-DE" sz="2000" dirty="0" smtClean="0"/>
+              <a:t> </a:t>
+            </a:r>
+            <a:r>
+              <a:rPr lang="de-DE" sz="2000" dirty="0" smtClean="0">
+                <a:latin typeface="Verdana" pitchFamily="34" charset="0"/>
+                <a:ea typeface="Verdana" pitchFamily="34" charset="0"/>
+                <a:cs typeface="Verdana" pitchFamily="34" charset="0"/>
+              </a:rPr>
+              <a:t>Ergebnisanzeige</a:t>
+            </a:r>
+            <a:endParaRPr lang="de-DE" sz="2000" dirty="0">
+              <a:latin typeface="Verdana" pitchFamily="34" charset="0"/>
+              <a:ea typeface="Verdana" pitchFamily="34" charset="0"/>
+              <a:cs typeface="Verdana" pitchFamily="34" charset="0"/>
+            </a:endParaRPr>
+          </a:p>
+        </p:txBody>
+      </p:sp>
     </p:spTree>
   </p:cSld>
   <p:clrMapOvr>
     <a:masterClrMapping/>
   </p:clrMapOvr>
+  <p:timing>
+    <p:tnLst>
+      <p:par>
+        <p:cTn id="1" dur="indefinite" restart="never" nodeType="tmRoot"/>
+      </p:par>
+    </p:tnLst>
+  </p:timing>
 </p:sld>
 </file>
 
@@ -13126,7 +13764,7 @@
           <a:p>
             <a:r>
               <a:rPr lang="de-DE" dirty="0" smtClean="0"/>
-              <a:t>6. Benutzeroberfläche und Bedienung</a:t>
+              <a:t>6. Benutzeroberfläche</a:t>
             </a:r>
             <a:endParaRPr lang="de-DE" dirty="0"/>
           </a:p>
@@ -13160,11 +13798,64 @@
           <a:noFill/>
         </p:spPr>
       </p:pic>
+      <p:sp>
+        <p:nvSpPr>
+          <p:cNvPr id="7" name="Textfeld 6"/>
+          <p:cNvSpPr txBox="1"/>
+          <p:nvPr/>
+        </p:nvSpPr>
+        <p:spPr>
+          <a:xfrm>
+            <a:off x="180000" y="1080000"/>
+            <a:ext cx="3167864" cy="400110"/>
+          </a:xfrm>
+          <a:prstGeom prst="rect">
+            <a:avLst/>
+          </a:prstGeom>
+          <a:noFill/>
+        </p:spPr>
+        <p:txBody>
+          <a:bodyPr wrap="square" rtlCol="0">
+            <a:spAutoFit/>
+          </a:bodyPr>
+          <a:lstStyle/>
+          <a:p>
+            <a:pPr>
+              <a:buFont typeface="Arial" pitchFamily="34" charset="0"/>
+              <a:buChar char="•"/>
+            </a:pPr>
+            <a:r>
+              <a:rPr lang="de-DE" sz="2000" dirty="0" smtClean="0"/>
+              <a:t> </a:t>
+            </a:r>
+            <a:r>
+              <a:rPr lang="de-DE" sz="2000" dirty="0" smtClean="0">
+                <a:latin typeface="Verdana" pitchFamily="34" charset="0"/>
+                <a:ea typeface="Verdana" pitchFamily="34" charset="0"/>
+                <a:cs typeface="Verdana" pitchFamily="34" charset="0"/>
+              </a:rPr>
+              <a:t>Ergebnisanzeige</a:t>
+            </a:r>
+            <a:endParaRPr lang="de-DE" sz="2000" dirty="0">
+              <a:latin typeface="Verdana" pitchFamily="34" charset="0"/>
+              <a:ea typeface="Verdana" pitchFamily="34" charset="0"/>
+              <a:cs typeface="Verdana" pitchFamily="34" charset="0"/>
+            </a:endParaRPr>
+          </a:p>
+        </p:txBody>
+      </p:sp>
     </p:spTree>
   </p:cSld>
   <p:clrMapOvr>
     <a:masterClrMapping/>
   </p:clrMapOvr>
+  <p:timing>
+    <p:tnLst>
+      <p:par>
+        <p:cTn id="1" dur="indefinite" restart="never" nodeType="tmRoot"/>
+      </p:par>
+    </p:tnLst>
+  </p:timing>
 </p:sld>
 </file>
 
@@ -13187,6 +13878,36 @@
       </p:grpSpPr>
       <p:sp>
         <p:nvSpPr>
+          <p:cNvPr id="2" name="Inhaltsplatzhalter 1"/>
+          <p:cNvSpPr>
+            <a:spLocks noGrp="1"/>
+          </p:cNvSpPr>
+          <p:nvPr>
+            <p:ph sz="quarter" idx="13"/>
+          </p:nvPr>
+        </p:nvSpPr>
+        <p:spPr/>
+        <p:txBody>
+          <a:bodyPr/>
+          <a:lstStyle/>
+          <a:p>
+            <a:endParaRPr lang="de-DE" dirty="0" smtClean="0"/>
+          </a:p>
+          <a:p>
+            <a:pPr>
+              <a:buFont typeface="Arial" pitchFamily="34" charset="0"/>
+              <a:buChar char="•"/>
+            </a:pPr>
+            <a:r>
+              <a:rPr lang="de-DE" dirty="0" smtClean="0"/>
+              <a:t> Noch Fragen?</a:t>
+            </a:r>
+            <a:endParaRPr lang="de-DE" dirty="0"/>
+          </a:p>
+        </p:txBody>
+      </p:sp>
+      <p:sp>
+        <p:nvSpPr>
           <p:cNvPr id="3" name="Datumsplatzhalter 2"/>
           <p:cNvSpPr>
             <a:spLocks noGrp="1"/>
@@ -13275,7 +13996,7 @@
           <a:p>
             <a:r>
               <a:rPr lang="de-DE" dirty="0" smtClean="0"/>
-              <a:t>6. Benutzeroberfläche und Bedienung</a:t>
+              <a:t>Ende</a:t>
             </a:r>
             <a:endParaRPr lang="de-DE" dirty="0"/>
           </a:p>
@@ -13283,13 +14004,11 @@
       </p:sp>
       <p:pic>
         <p:nvPicPr>
-          <p:cNvPr id="58370" name="Picture 2" descr="C:\Users\kreme\Documents\SuchTool\Bilder\v.png"/>
+          <p:cNvPr id="59400" name="Picture 8" descr="Bildergebnis für fragezeichen"/>
           <p:cNvPicPr>
-            <a:picLocks noGrp="1" noChangeAspect="1" noChangeArrowheads="1"/>
+            <a:picLocks noChangeAspect="1" noChangeArrowheads="1"/>
           </p:cNvPicPr>
-          <p:nvPr>
-            <p:ph sz="quarter" idx="13"/>
-          </p:nvPr>
+          <p:nvPr/>
         </p:nvPicPr>
         <p:blipFill>
           <a:blip r:embed="rId2" cstate="print"/>
@@ -13300,8 +14019,8 @@
         </p:blipFill>
         <p:spPr bwMode="auto">
           <a:xfrm>
-            <a:off x="755576" y="2420888"/>
-            <a:ext cx="7135221" cy="1905266"/>
+            <a:off x="3203848" y="2060848"/>
+            <a:ext cx="3370362" cy="3370362"/>
           </a:xfrm>
           <a:prstGeom prst="rect">
             <a:avLst/>
@@ -13314,6 +14033,13 @@
   <p:clrMapOvr>
     <a:masterClrMapping/>
   </p:clrMapOvr>
+  <p:timing>
+    <p:tnLst>
+      <p:par>
+        <p:cTn id="1" dur="indefinite" restart="never" nodeType="tmRoot"/>
+      </p:par>
+    </p:tnLst>
+  </p:timing>
 </p:sld>
 </file>
 
@@ -13349,16 +14075,71 @@
           <a:bodyPr/>
           <a:lstStyle/>
           <a:p>
-            <a:endParaRPr lang="de-DE" dirty="0" smtClean="0"/>
-          </a:p>
-          <a:p>
             <a:pPr>
               <a:buFont typeface="Arial" pitchFamily="34" charset="0"/>
               <a:buChar char="•"/>
             </a:pPr>
             <a:r>
+              <a:rPr lang="de-DE" dirty="0" smtClean="0">
+                <a:hlinkClick r:id="rId2"/>
+              </a:rPr>
+              <a:t>https://de.wikipedia.org/wiki/Google</a:t>
+            </a:r>
+            <a:endParaRPr lang="de-DE" dirty="0" smtClean="0"/>
+          </a:p>
+          <a:p>
+            <a:pPr>
+              <a:buFont typeface="Arial" pitchFamily="34" charset="0"/>
+              <a:buChar char="•"/>
+            </a:pPr>
+            <a:r>
+              <a:rPr lang="de-DE" dirty="0" smtClean="0">
+                <a:hlinkClick r:id="rId3"/>
+              </a:rPr>
+              <a:t>http://www.underconsideration.com/brandnew/archives/new_logo_for_bing.php</a:t>
+            </a:r>
+            <a:endParaRPr lang="de-DE" dirty="0" smtClean="0"/>
+          </a:p>
+          <a:p>
+            <a:pPr>
+              <a:buFont typeface="Arial" pitchFamily="34" charset="0"/>
+              <a:buChar char="•"/>
+            </a:pPr>
+            <a:r>
+              <a:rPr lang="de-DE" dirty="0" smtClean="0">
+                <a:hlinkClick r:id="rId4"/>
+              </a:rPr>
+              <a:t>http://bibserv.fh-trier.de:8080/webOPACClient/search.do?methodToCall=start</a:t>
+            </a:r>
+            <a:endParaRPr lang="de-DE" dirty="0" smtClean="0"/>
+          </a:p>
+          <a:p>
+            <a:pPr>
+              <a:buFont typeface="Arial" pitchFamily="34" charset="0"/>
+              <a:buChar char="•"/>
+            </a:pPr>
+            <a:r>
+              <a:rPr lang="de-DE" dirty="0" smtClean="0">
+                <a:hlinkClick r:id="rId5"/>
+              </a:rPr>
+              <a:t>http://www.arbeitstipps.de/email-postfach-aufraeumen-3-tipps.html</a:t>
+            </a:r>
+            <a:endParaRPr lang="de-DE" dirty="0" smtClean="0"/>
+          </a:p>
+          <a:p>
+            <a:pPr>
+              <a:buFont typeface="Arial" pitchFamily="34" charset="0"/>
+              <a:buChar char="•"/>
+            </a:pPr>
+            <a:r>
+              <a:rPr lang="de-DE" dirty="0" smtClean="0">
+                <a:hlinkClick r:id="rId6"/>
+              </a:rPr>
+              <a:t>http://de.freepik.com/freie-ikonen/fragezeichen_731610.htm</a:t>
+            </a:r>
+            <a:r>
               <a:rPr lang="de-DE" dirty="0" smtClean="0"/>
-              <a:t> Noch Fragen?</a:t>
+              <a:t> </a:t>
             </a:r>
             <a:endParaRPr lang="de-DE" dirty="0"/>
           </a:p>
@@ -13454,43 +14235,24 @@
           <a:p>
             <a:r>
               <a:rPr lang="de-DE" dirty="0" smtClean="0"/>
-              <a:t>Ende</a:t>
+              <a:t>Bildquellen</a:t>
             </a:r>
             <a:endParaRPr lang="de-DE" dirty="0"/>
           </a:p>
         </p:txBody>
       </p:sp>
-      <p:pic>
-        <p:nvPicPr>
-          <p:cNvPr id="59400" name="Picture 8" descr="Bildergebnis für fragezeichen"/>
-          <p:cNvPicPr>
-            <a:picLocks noChangeAspect="1" noChangeArrowheads="1"/>
-          </p:cNvPicPr>
-          <p:nvPr/>
-        </p:nvPicPr>
-        <p:blipFill>
-          <a:blip r:embed="rId2" cstate="print"/>
-          <a:srcRect/>
-          <a:stretch>
-            <a:fillRect/>
-          </a:stretch>
-        </p:blipFill>
-        <p:spPr bwMode="auto">
-          <a:xfrm>
-            <a:off x="3203848" y="2060848"/>
-            <a:ext cx="3370362" cy="3370362"/>
-          </a:xfrm>
-          <a:prstGeom prst="rect">
-            <a:avLst/>
-          </a:prstGeom>
-          <a:noFill/>
-        </p:spPr>
-      </p:pic>
     </p:spTree>
   </p:cSld>
   <p:clrMapOvr>
     <a:masterClrMapping/>
   </p:clrMapOvr>
+  <p:timing>
+    <p:tnLst>
+      <p:par>
+        <p:cTn id="1" dur="indefinite" restart="never" nodeType="tmRoot"/>
+      </p:par>
+    </p:tnLst>
+  </p:timing>
 </p:sld>
 </file>
 
@@ -13660,212 +14422,6 @@
             <a:r>
               <a:rPr lang="de-DE" dirty="0" smtClean="0"/>
               <a:t>…</a:t>
-            </a:r>
-            <a:endParaRPr lang="de-DE" dirty="0"/>
-          </a:p>
-        </p:txBody>
-      </p:sp>
-    </p:spTree>
-  </p:cSld>
-  <p:clrMapOvr>
-    <a:masterClrMapping/>
-  </p:clrMapOvr>
-</p:sld>
-</file>
-
-<file path=ppt/slides/slide50.xml><?xml version="1.0" encoding="utf-8"?>
-<p:sld xmlns:a="http://schemas.openxmlformats.org/drawingml/2006/main" xmlns:r="http://schemas.openxmlformats.org/officeDocument/2006/relationships" xmlns:p="http://schemas.openxmlformats.org/presentationml/2006/main">
-  <p:cSld>
-    <p:spTree>
-      <p:nvGrpSpPr>
-        <p:cNvPr id="1" name=""/>
-        <p:cNvGrpSpPr/>
-        <p:nvPr/>
-      </p:nvGrpSpPr>
-      <p:grpSpPr>
-        <a:xfrm>
-          <a:off x="0" y="0"/>
-          <a:ext cx="0" cy="0"/>
-          <a:chOff x="0" y="0"/>
-          <a:chExt cx="0" cy="0"/>
-        </a:xfrm>
-      </p:grpSpPr>
-      <p:sp>
-        <p:nvSpPr>
-          <p:cNvPr id="2" name="Inhaltsplatzhalter 1"/>
-          <p:cNvSpPr>
-            <a:spLocks noGrp="1"/>
-          </p:cNvSpPr>
-          <p:nvPr>
-            <p:ph sz="quarter" idx="13"/>
-          </p:nvPr>
-        </p:nvSpPr>
-        <p:spPr/>
-        <p:txBody>
-          <a:bodyPr/>
-          <a:lstStyle/>
-          <a:p>
-            <a:pPr>
-              <a:buFont typeface="Arial" pitchFamily="34" charset="0"/>
-              <a:buChar char="•"/>
-            </a:pPr>
-            <a:r>
-              <a:rPr lang="de-DE" dirty="0" smtClean="0">
-                <a:hlinkClick r:id="rId2"/>
-              </a:rPr>
-              <a:t>https://de.wikipedia.org/wiki/Google</a:t>
-            </a:r>
-            <a:endParaRPr lang="de-DE" dirty="0" smtClean="0"/>
-          </a:p>
-          <a:p>
-            <a:pPr>
-              <a:buFont typeface="Arial" pitchFamily="34" charset="0"/>
-              <a:buChar char="•"/>
-            </a:pPr>
-            <a:r>
-              <a:rPr lang="de-DE" dirty="0" smtClean="0">
-                <a:hlinkClick r:id="rId3"/>
-              </a:rPr>
-              <a:t>http://www.underconsideration.com/brandnew/archives/new_logo_for_bing.php</a:t>
-            </a:r>
-            <a:endParaRPr lang="de-DE" dirty="0" smtClean="0"/>
-          </a:p>
-          <a:p>
-            <a:pPr>
-              <a:buFont typeface="Arial" pitchFamily="34" charset="0"/>
-              <a:buChar char="•"/>
-            </a:pPr>
-            <a:r>
-              <a:rPr lang="de-DE" dirty="0" smtClean="0">
-                <a:hlinkClick r:id="rId4"/>
-              </a:rPr>
-              <a:t>http://bibserv.fh-trier.de:8080/webOPACClient/search.do?methodToCall=start</a:t>
-            </a:r>
-            <a:endParaRPr lang="de-DE" dirty="0" smtClean="0"/>
-          </a:p>
-          <a:p>
-            <a:pPr>
-              <a:buFont typeface="Arial" pitchFamily="34" charset="0"/>
-              <a:buChar char="•"/>
-            </a:pPr>
-            <a:r>
-              <a:rPr lang="de-DE" dirty="0" smtClean="0">
-                <a:hlinkClick r:id="rId5"/>
-              </a:rPr>
-              <a:t>http://www.arbeitstipps.de/email-postfach-aufraeumen-3-tipps.html</a:t>
-            </a:r>
-            <a:endParaRPr lang="de-DE" dirty="0" smtClean="0"/>
-          </a:p>
-          <a:p>
-            <a:pPr>
-              <a:buFont typeface="Arial" pitchFamily="34" charset="0"/>
-              <a:buChar char="•"/>
-            </a:pPr>
-            <a:r>
-              <a:rPr lang="de-DE" dirty="0" smtClean="0">
-                <a:hlinkClick r:id="rId6"/>
-              </a:rPr>
-              <a:t>http://de.freepik.com/freie-ikonen/fragezeichen_731610.htm</a:t>
-            </a:r>
-            <a:r>
-              <a:rPr lang="de-DE" dirty="0" smtClean="0"/>
-              <a:t> </a:t>
-            </a:r>
-            <a:endParaRPr lang="de-DE" dirty="0"/>
-          </a:p>
-        </p:txBody>
-      </p:sp>
-      <p:sp>
-        <p:nvSpPr>
-          <p:cNvPr id="3" name="Datumsplatzhalter 2"/>
-          <p:cNvSpPr>
-            <a:spLocks noGrp="1"/>
-          </p:cNvSpPr>
-          <p:nvPr>
-            <p:ph type="dt" sz="half" idx="14"/>
-          </p:nvPr>
-        </p:nvSpPr>
-        <p:spPr/>
-        <p:txBody>
-          <a:bodyPr/>
-          <a:lstStyle/>
-          <a:p>
-            <a:pPr>
-              <a:defRPr/>
-            </a:pPr>
-            <a:endParaRPr lang="de-DE" dirty="0"/>
-          </a:p>
-        </p:txBody>
-      </p:sp>
-      <p:sp>
-        <p:nvSpPr>
-          <p:cNvPr id="4" name="Fußzeilenplatzhalter 3"/>
-          <p:cNvSpPr>
-            <a:spLocks noGrp="1"/>
-          </p:cNvSpPr>
-          <p:nvPr>
-            <p:ph type="ftr" sz="quarter" idx="15"/>
-          </p:nvPr>
-        </p:nvSpPr>
-        <p:spPr/>
-        <p:txBody>
-          <a:bodyPr/>
-          <a:lstStyle/>
-          <a:p>
-            <a:pPr>
-              <a:defRPr/>
-            </a:pPr>
-            <a:endParaRPr lang="de-DE"/>
-          </a:p>
-        </p:txBody>
-      </p:sp>
-      <p:sp>
-        <p:nvSpPr>
-          <p:cNvPr id="5" name="Foliennummernplatzhalter 4"/>
-          <p:cNvSpPr>
-            <a:spLocks noGrp="1"/>
-          </p:cNvSpPr>
-          <p:nvPr>
-            <p:ph type="sldNum" sz="quarter" idx="16"/>
-          </p:nvPr>
-        </p:nvSpPr>
-        <p:spPr/>
-        <p:txBody>
-          <a:bodyPr/>
-          <a:lstStyle/>
-          <a:p>
-            <a:pPr>
-              <a:defRPr/>
-            </a:pPr>
-            <a:fld id="{B53A9DA1-A25A-429F-A02C-54EE5606360E}" type="slidenum">
-              <a:rPr lang="de-DE" altLang="de-DE" smtClean="0"/>
-              <a:pPr>
-                <a:defRPr/>
-              </a:pPr>
-              <a:t>50</a:t>
-            </a:fld>
-            <a:endParaRPr lang="de-DE" altLang="de-DE" dirty="0"/>
-          </a:p>
-        </p:txBody>
-      </p:sp>
-      <p:sp>
-        <p:nvSpPr>
-          <p:cNvPr id="6" name="Titel 5"/>
-          <p:cNvSpPr>
-            <a:spLocks noGrp="1"/>
-          </p:cNvSpPr>
-          <p:nvPr>
-            <p:ph type="title"/>
-          </p:nvPr>
-        </p:nvSpPr>
-        <p:spPr/>
-        <p:txBody>
-          <a:bodyPr/>
-          <a:lstStyle/>
-          <a:p>
-            <a:r>
-              <a:rPr lang="de-DE" dirty="0" smtClean="0"/>
-              <a:t>Bildquellen</a:t>
             </a:r>
             <a:endParaRPr lang="de-DE" dirty="0"/>
           </a:p>
@@ -13924,7 +14480,7 @@
             </a:pPr>
             <a:r>
               <a:rPr lang="de-DE" dirty="0" smtClean="0"/>
-              <a:t> Metadatensuche</a:t>
+              <a:t> Einsatz in Metadatensuche</a:t>
             </a:r>
           </a:p>
           <a:p>
@@ -13948,42 +14504,50 @@
             <a:endParaRPr lang="de-DE" dirty="0" smtClean="0"/>
           </a:p>
           <a:p>
+            <a:endParaRPr lang="de-DE" dirty="0" smtClean="0"/>
+          </a:p>
+          <a:p>
+            <a:endParaRPr lang="de-DE" dirty="0" smtClean="0"/>
+          </a:p>
+          <a:p>
             <a:pPr>
               <a:buFont typeface="Arial" pitchFamily="34" charset="0"/>
               <a:buChar char="•"/>
             </a:pPr>
-            <a:endParaRPr lang="de-DE" dirty="0" smtClean="0"/>
-          </a:p>
-          <a:p>
-            <a:pPr>
-              <a:buFont typeface="Arial" pitchFamily="34" charset="0"/>
-              <a:buChar char="•"/>
-            </a:pPr>
-            <a:endParaRPr lang="de-DE" dirty="0" smtClean="0"/>
-          </a:p>
-          <a:p>
-            <a:pPr>
-              <a:buFont typeface="Arial" pitchFamily="34" charset="0"/>
-              <a:buChar char="•"/>
-            </a:pPr>
             <a:r>
               <a:rPr lang="de-DE" dirty="0" smtClean="0"/>
               <a:t> Mengenoperationen </a:t>
             </a:r>
           </a:p>
           <a:p>
+            <a:endParaRPr lang="de-DE" dirty="0" smtClean="0"/>
+          </a:p>
+          <a:p>
             <a:pPr lvl="1"/>
             <a:r>
               <a:rPr lang="de-DE" dirty="0" smtClean="0"/>
-              <a:t>Vereinigung - OR</a:t>
+              <a:t>Durchschnitt – AND   </a:t>
+            </a:r>
+          </a:p>
+          <a:p>
+            <a:pPr lvl="1">
+              <a:buNone/>
+            </a:pPr>
+            <a:r>
+              <a:rPr lang="de-DE" dirty="0" smtClean="0"/>
+              <a:t>  </a:t>
             </a:r>
           </a:p>
           <a:p>
             <a:pPr lvl="1"/>
             <a:r>
               <a:rPr lang="de-DE" dirty="0" smtClean="0"/>
-              <a:t>Durchschnitt - AND</a:t>
-            </a:r>
+              <a:t>Vereinigung – OR </a:t>
+            </a:r>
+          </a:p>
+          <a:p>
+            <a:pPr lvl="1"/>
+            <a:endParaRPr lang="de-DE" dirty="0" smtClean="0"/>
           </a:p>
           <a:p>
             <a:pPr lvl="1"/>
@@ -14084,7 +14648,7 @@
       </p:sp>
       <p:pic>
         <p:nvPicPr>
-          <p:cNvPr id="1029" name="Picture 5" descr="C:\Users\kreme\Documents\SuchTool\Praesentation\attribut.png"/>
+          <p:cNvPr id="11" name="Picture 2" descr="C:\Users\kreme\Documents\SuchTool\Bilder\durchschnitt.png"/>
           <p:cNvPicPr>
             <a:picLocks noChangeAspect="1" noChangeArrowheads="1"/>
           </p:cNvPicPr>
@@ -14099,8 +14663,8 @@
         </p:blipFill>
         <p:spPr bwMode="auto">
           <a:xfrm>
-            <a:off x="971600" y="2276872"/>
-            <a:ext cx="2390775" cy="400050"/>
+            <a:off x="3491880" y="4005064"/>
+            <a:ext cx="1875600" cy="718603"/>
           </a:xfrm>
           <a:prstGeom prst="rect">
             <a:avLst/>
@@ -14110,7 +14674,7 @@
       </p:pic>
       <p:pic>
         <p:nvPicPr>
-          <p:cNvPr id="1031" name="Picture 7" descr="C:\Users\kreme\Documents\SuchTool\Praesentation\menge.png"/>
+          <p:cNvPr id="12" name="Picture 3" descr="C:\Users\kreme\Documents\SuchTool\Bilder\differenz.png"/>
           <p:cNvPicPr>
             <a:picLocks noChangeAspect="1" noChangeArrowheads="1"/>
           </p:cNvPicPr>
@@ -14125,8 +14689,86 @@
         </p:blipFill>
         <p:spPr bwMode="auto">
           <a:xfrm>
-            <a:off x="971600" y="2708920"/>
-            <a:ext cx="2809875" cy="542925"/>
+            <a:off x="3419872" y="5445224"/>
+            <a:ext cx="1460859" cy="468000"/>
+          </a:xfrm>
+          <a:prstGeom prst="rect">
+            <a:avLst/>
+          </a:prstGeom>
+          <a:noFill/>
+        </p:spPr>
+      </p:pic>
+      <p:pic>
+        <p:nvPicPr>
+          <p:cNvPr id="20484" name="Picture 4" descr="C:\Users\kreme\Documents\SuchTool\Bilder\vereinigung.png"/>
+          <p:cNvPicPr>
+            <a:picLocks noChangeAspect="1" noChangeArrowheads="1"/>
+          </p:cNvPicPr>
+          <p:nvPr/>
+        </p:nvPicPr>
+        <p:blipFill>
+          <a:blip r:embed="rId4" cstate="print"/>
+          <a:srcRect/>
+          <a:stretch>
+            <a:fillRect/>
+          </a:stretch>
+        </p:blipFill>
+        <p:spPr bwMode="auto">
+          <a:xfrm>
+            <a:off x="3491880" y="4797152"/>
+            <a:ext cx="1876271" cy="540000"/>
+          </a:xfrm>
+          <a:prstGeom prst="rect">
+            <a:avLst/>
+          </a:prstGeom>
+          <a:noFill/>
+        </p:spPr>
+      </p:pic>
+      <p:pic>
+        <p:nvPicPr>
+          <p:cNvPr id="20485" name="Picture 5" descr="C:\Users\kreme\Documents\SuchTool\Bilder\menge.png"/>
+          <p:cNvPicPr>
+            <a:picLocks noChangeAspect="1" noChangeArrowheads="1"/>
+          </p:cNvPicPr>
+          <p:nvPr/>
+        </p:nvPicPr>
+        <p:blipFill>
+          <a:blip r:embed="rId5" cstate="print"/>
+          <a:srcRect/>
+          <a:stretch>
+            <a:fillRect/>
+          </a:stretch>
+        </p:blipFill>
+        <p:spPr bwMode="auto">
+          <a:xfrm>
+            <a:off x="971600" y="2780928"/>
+            <a:ext cx="4032448" cy="500651"/>
+          </a:xfrm>
+          <a:prstGeom prst="rect">
+            <a:avLst/>
+          </a:prstGeom>
+          <a:noFill/>
+        </p:spPr>
+      </p:pic>
+      <p:pic>
+        <p:nvPicPr>
+          <p:cNvPr id="17" name="Picture 2" descr="C:\Users\kreme\Documents\SuchTool\Bilder\attribut.png"/>
+          <p:cNvPicPr>
+            <a:picLocks noChangeAspect="1" noChangeArrowheads="1"/>
+          </p:cNvPicPr>
+          <p:nvPr/>
+        </p:nvPicPr>
+        <p:blipFill>
+          <a:blip r:embed="rId6" cstate="print"/>
+          <a:srcRect/>
+          <a:stretch>
+            <a:fillRect/>
+          </a:stretch>
+        </p:blipFill>
+        <p:spPr bwMode="auto">
+          <a:xfrm>
+            <a:off x="971600" y="2132856"/>
+            <a:ext cx="3384376" cy="510069"/>
           </a:xfrm>
           <a:prstGeom prst="rect">
             <a:avLst/>
@@ -14327,7 +14969,7 @@
         <p:spPr>
           <a:xfrm>
             <a:off x="252000" y="1080000"/>
-            <a:ext cx="1968103" cy="400110"/>
+            <a:ext cx="4570610" cy="400110"/>
           </a:xfrm>
           <a:prstGeom prst="rect">
             <a:avLst/>
@@ -14346,9 +14988,21 @@
             </a:pPr>
             <a:r>
               <a:rPr lang="de-DE" sz="2000" dirty="0" smtClean="0"/>
-              <a:t> Invertierte Liste</a:t>
-            </a:r>
-            <a:endParaRPr lang="de-DE" sz="2000" dirty="0"/>
+              <a:t> Invertierte Liste </a:t>
+            </a:r>
+            <a:r>
+              <a:rPr lang="de-DE" sz="2000" dirty="0" smtClean="0">
+                <a:sym typeface="Wingdings" pitchFamily="2" charset="2"/>
+              </a:rPr>
+              <a:t> Speichern von </a:t>
+            </a:r>
+            <a:r>
+              <a:rPr lang="de-DE" sz="2000" i="1" dirty="0" err="1" smtClean="0">
+                <a:sym typeface="Wingdings" pitchFamily="2" charset="2"/>
+              </a:rPr>
+              <a:t>docIDs</a:t>
+            </a:r>
+            <a:endParaRPr lang="de-DE" sz="2000" i="1" dirty="0"/>
           </a:p>
         </p:txBody>
       </p:sp>
@@ -14599,7 +15253,21 @@
             </a:pPr>
             <a:r>
               <a:rPr lang="de-DE" dirty="0" smtClean="0"/>
-              <a:t> Grundidee: Repräsentation von Dokumenten und Anfragen als Vektoren</a:t>
+              <a:t>  Einsatz in Freitextsuche</a:t>
+            </a:r>
+          </a:p>
+          <a:p>
+            <a:pPr lvl="1"/>
+            <a:r>
+              <a:rPr lang="de-DE" dirty="0" smtClean="0"/>
+              <a:t>Bestimmen der Übereinstimmung</a:t>
+            </a:r>
+          </a:p>
+          <a:p>
+            <a:pPr lvl="1"/>
+            <a:r>
+              <a:rPr lang="de-DE" dirty="0" smtClean="0"/>
+              <a:t>Teiltreffer möglich</a:t>
             </a:r>
           </a:p>
           <a:p>
@@ -14609,15 +15277,47 @@
             </a:pPr>
             <a:r>
               <a:rPr lang="de-DE" dirty="0" smtClean="0"/>
+              <a:t> Grundidee: </a:t>
+            </a:r>
+          </a:p>
+          <a:p>
+            <a:pPr lvl="1"/>
+            <a:r>
+              <a:rPr lang="de-DE" dirty="0" smtClean="0"/>
+              <a:t>Repräsentation von Dokumenten und Anfragen als Vektoren</a:t>
+            </a:r>
+          </a:p>
+          <a:p>
+            <a:pPr lvl="1"/>
+            <a:r>
+              <a:rPr lang="de-DE" dirty="0" smtClean="0"/>
               <a:t> Ähnlichkeiten zwischen Vektoren bestimmen </a:t>
             </a:r>
           </a:p>
           <a:p>
+            <a:pPr lvl="1">
+              <a:buNone/>
+            </a:pPr>
+            <a:r>
+              <a:rPr lang="de-DE" dirty="0" smtClean="0"/>
+              <a:t>		</a:t>
+            </a:r>
             <a:r>
               <a:rPr lang="de-DE" dirty="0" smtClean="0">
                 <a:sym typeface="Wingdings" pitchFamily="2" charset="2"/>
               </a:rPr>
-              <a:t>	 Ähnlichkeitswert</a:t>
+              <a:t> Ähnlichkeitsfunktion</a:t>
+            </a:r>
+          </a:p>
+          <a:p>
+            <a:pPr lvl="1">
+              <a:buNone/>
+            </a:pPr>
+            <a:r>
+              <a:rPr lang="de-DE" dirty="0" smtClean="0">
+                <a:sym typeface="Wingdings" pitchFamily="2" charset="2"/>
+              </a:rPr>
+              <a:t>		 Ähnlichkeitswert</a:t>
             </a:r>
             <a:endParaRPr lang="de-DE" dirty="0" smtClean="0"/>
           </a:p>

--- a/Praesentation/Praesi.pptx
+++ b/Praesentation/Praesi.pptx
@@ -5,61 +5,62 @@
     <p:sldMasterId id="2147483648" r:id="rId1"/>
   </p:sldMasterIdLst>
   <p:notesMasterIdLst>
-    <p:notesMasterId r:id="rId51"/>
+    <p:notesMasterId r:id="rId52"/>
   </p:notesMasterIdLst>
   <p:handoutMasterIdLst>
-    <p:handoutMasterId r:id="rId52"/>
+    <p:handoutMasterId r:id="rId53"/>
   </p:handoutMasterIdLst>
   <p:sldIdLst>
     <p:sldId id="258" r:id="rId2"/>
     <p:sldId id="261" r:id="rId3"/>
-    <p:sldId id="341" r:id="rId4"/>
-    <p:sldId id="342" r:id="rId5"/>
-    <p:sldId id="343" r:id="rId6"/>
-    <p:sldId id="263" r:id="rId7"/>
-    <p:sldId id="265" r:id="rId8"/>
-    <p:sldId id="264" r:id="rId9"/>
-    <p:sldId id="266" r:id="rId10"/>
-    <p:sldId id="270" r:id="rId11"/>
-    <p:sldId id="275" r:id="rId12"/>
-    <p:sldId id="271" r:id="rId13"/>
-    <p:sldId id="273" r:id="rId14"/>
-    <p:sldId id="274" r:id="rId15"/>
-    <p:sldId id="276" r:id="rId16"/>
-    <p:sldId id="277" r:id="rId17"/>
-    <p:sldId id="278" r:id="rId18"/>
-    <p:sldId id="282" r:id="rId19"/>
-    <p:sldId id="283" r:id="rId20"/>
-    <p:sldId id="285" r:id="rId21"/>
-    <p:sldId id="267" r:id="rId22"/>
-    <p:sldId id="287" r:id="rId23"/>
-    <p:sldId id="288" r:id="rId24"/>
-    <p:sldId id="302" r:id="rId25"/>
-    <p:sldId id="303" r:id="rId26"/>
-    <p:sldId id="304" r:id="rId27"/>
-    <p:sldId id="305" r:id="rId28"/>
-    <p:sldId id="306" r:id="rId29"/>
-    <p:sldId id="308" r:id="rId30"/>
-    <p:sldId id="309" r:id="rId31"/>
-    <p:sldId id="338" r:id="rId32"/>
-    <p:sldId id="339" r:id="rId33"/>
-    <p:sldId id="319" r:id="rId34"/>
-    <p:sldId id="320" r:id="rId35"/>
-    <p:sldId id="321" r:id="rId36"/>
-    <p:sldId id="322" r:id="rId37"/>
-    <p:sldId id="323" r:id="rId38"/>
-    <p:sldId id="324" r:id="rId39"/>
-    <p:sldId id="325" r:id="rId40"/>
-    <p:sldId id="327" r:id="rId41"/>
-    <p:sldId id="344" r:id="rId42"/>
-    <p:sldId id="345" r:id="rId43"/>
-    <p:sldId id="333" r:id="rId44"/>
-    <p:sldId id="331" r:id="rId45"/>
-    <p:sldId id="332" r:id="rId46"/>
-    <p:sldId id="334" r:id="rId47"/>
-    <p:sldId id="336" r:id="rId48"/>
-    <p:sldId id="337" r:id="rId49"/>
-    <p:sldId id="260" r:id="rId50"/>
+    <p:sldId id="346" r:id="rId4"/>
+    <p:sldId id="341" r:id="rId5"/>
+    <p:sldId id="342" r:id="rId6"/>
+    <p:sldId id="343" r:id="rId7"/>
+    <p:sldId id="263" r:id="rId8"/>
+    <p:sldId id="265" r:id="rId9"/>
+    <p:sldId id="264" r:id="rId10"/>
+    <p:sldId id="266" r:id="rId11"/>
+    <p:sldId id="270" r:id="rId12"/>
+    <p:sldId id="275" r:id="rId13"/>
+    <p:sldId id="271" r:id="rId14"/>
+    <p:sldId id="273" r:id="rId15"/>
+    <p:sldId id="274" r:id="rId16"/>
+    <p:sldId id="276" r:id="rId17"/>
+    <p:sldId id="277" r:id="rId18"/>
+    <p:sldId id="278" r:id="rId19"/>
+    <p:sldId id="282" r:id="rId20"/>
+    <p:sldId id="283" r:id="rId21"/>
+    <p:sldId id="285" r:id="rId22"/>
+    <p:sldId id="267" r:id="rId23"/>
+    <p:sldId id="287" r:id="rId24"/>
+    <p:sldId id="288" r:id="rId25"/>
+    <p:sldId id="302" r:id="rId26"/>
+    <p:sldId id="303" r:id="rId27"/>
+    <p:sldId id="304" r:id="rId28"/>
+    <p:sldId id="305" r:id="rId29"/>
+    <p:sldId id="306" r:id="rId30"/>
+    <p:sldId id="308" r:id="rId31"/>
+    <p:sldId id="309" r:id="rId32"/>
+    <p:sldId id="338" r:id="rId33"/>
+    <p:sldId id="339" r:id="rId34"/>
+    <p:sldId id="319" r:id="rId35"/>
+    <p:sldId id="320" r:id="rId36"/>
+    <p:sldId id="321" r:id="rId37"/>
+    <p:sldId id="322" r:id="rId38"/>
+    <p:sldId id="323" r:id="rId39"/>
+    <p:sldId id="324" r:id="rId40"/>
+    <p:sldId id="325" r:id="rId41"/>
+    <p:sldId id="327" r:id="rId42"/>
+    <p:sldId id="344" r:id="rId43"/>
+    <p:sldId id="345" r:id="rId44"/>
+    <p:sldId id="333" r:id="rId45"/>
+    <p:sldId id="331" r:id="rId46"/>
+    <p:sldId id="332" r:id="rId47"/>
+    <p:sldId id="334" r:id="rId48"/>
+    <p:sldId id="336" r:id="rId49"/>
+    <p:sldId id="337" r:id="rId50"/>
+    <p:sldId id="260" r:id="rId51"/>
   </p:sldIdLst>
   <p:sldSz cx="9144000" cy="6858000" type="screen4x3"/>
   <p:notesSz cx="6858000" cy="9144000"/>
@@ -191,7 +192,7 @@
   </p:defaultTextStyle>
   <p:extLst>
     <p:ext uri="{EFAFB233-063F-42B5-8137-9DF3F51BA10A}">
-      <p15:sldGuideLst xmlns:p15="http://schemas.microsoft.com/office/powerpoint/2012/main" xmlns="">
+      <p15:sldGuideLst xmlns="" xmlns:p15="http://schemas.microsoft.com/office/powerpoint/2012/main">
         <p15:guide id="1" orient="horz" pos="2160">
           <p15:clr>
             <a:srgbClr val="A4A3A4"/>
@@ -205,7 +206,7 @@
       </p15:sldGuideLst>
     </p:ext>
     <p:ext uri="{2D200454-40CA-4A62-9FC3-DE9A4176ACB9}">
-      <p15:notesGuideLst xmlns:p15="http://schemas.microsoft.com/office/powerpoint/2012/main" xmlns=""/>
+      <p15:notesGuideLst xmlns="" xmlns:p15="http://schemas.microsoft.com/office/powerpoint/2012/main"/>
     </p:ext>
   </p:extLst>
 </p:presentation>
@@ -827,7 +828,7 @@
           </a:ln>
           <a:extLst>
             <a:ext uri="{909E8E84-426E-40DD-AFC4-6F175D3DCCD1}">
-              <a14:hiddenFill xmlns:a14="http://schemas.microsoft.com/office/drawing/2010/main" xmlns="">
+              <a14:hiddenFill xmlns="" xmlns:a14="http://schemas.microsoft.com/office/drawing/2010/main">
                 <a:solidFill>
                   <a:srgbClr val="FFFFFF"/>
                 </a:solidFill>
@@ -850,14 +851,14 @@
           <a:noFill/>
           <a:extLst>
             <a:ext uri="{909E8E84-426E-40DD-AFC4-6F175D3DCCD1}">
-              <a14:hiddenFill xmlns:a14="http://schemas.microsoft.com/office/drawing/2010/main" xmlns="">
+              <a14:hiddenFill xmlns="" xmlns:a14="http://schemas.microsoft.com/office/drawing/2010/main">
                 <a:solidFill>
                   <a:srgbClr val="FFFFFF"/>
                 </a:solidFill>
               </a14:hiddenFill>
             </a:ext>
             <a:ext uri="{91240B29-F687-4F45-9708-019B960494DF}">
-              <a14:hiddenLine xmlns:a14="http://schemas.microsoft.com/office/drawing/2010/main" xmlns="" w="9525">
+              <a14:hiddenLine xmlns="" xmlns:a14="http://schemas.microsoft.com/office/drawing/2010/main" w="9525">
                 <a:solidFill>
                   <a:srgbClr val="000000"/>
                 </a:solidFill>
@@ -899,14 +900,14 @@
           <a:noFill/>
           <a:extLst>
             <a:ext uri="{909E8E84-426E-40DD-AFC4-6F175D3DCCD1}">
-              <a14:hiddenFill xmlns:a14="http://schemas.microsoft.com/office/drawing/2010/main" xmlns="">
+              <a14:hiddenFill xmlns="" xmlns:a14="http://schemas.microsoft.com/office/drawing/2010/main">
                 <a:solidFill>
                   <a:srgbClr val="FFFFFF"/>
                 </a:solidFill>
               </a14:hiddenFill>
             </a:ext>
             <a:ext uri="{91240B29-F687-4F45-9708-019B960494DF}">
-              <a14:hiddenLine xmlns:a14="http://schemas.microsoft.com/office/drawing/2010/main" xmlns="" w="9525">
+              <a14:hiddenLine xmlns="" xmlns:a14="http://schemas.microsoft.com/office/drawing/2010/main" w="9525">
                 <a:solidFill>
                   <a:srgbClr val="000000"/>
                 </a:solidFill>
@@ -1121,7 +1122,7 @@
               <a:pPr>
                 <a:defRPr/>
               </a:pPr>
-              <a:t>8</a:t>
+              <a:t>9</a:t>
             </a:fld>
             <a:endParaRPr lang="de-DE"/>
           </a:p>
@@ -1310,7 +1311,7 @@
           <a:blip r:embed="rId2" cstate="print">
             <a:extLst>
               <a:ext uri="{28A0092B-C50C-407E-A947-70E740481C1C}">
-                <a14:useLocalDpi xmlns:a14="http://schemas.microsoft.com/office/drawing/2010/main" xmlns="" val="0"/>
+                <a14:useLocalDpi xmlns="" xmlns:a14="http://schemas.microsoft.com/office/drawing/2010/main" val="0"/>
               </a:ext>
             </a:extLst>
           </a:blip>
@@ -1331,7 +1332,7 @@
     </p:spTree>
     <p:extLst>
       <p:ext uri="{BB962C8B-B14F-4D97-AF65-F5344CB8AC3E}">
-        <p14:creationId xmlns:p14="http://schemas.microsoft.com/office/powerpoint/2010/main" xmlns="" val="184969757"/>
+        <p14:creationId xmlns="" xmlns:p14="http://schemas.microsoft.com/office/powerpoint/2010/main" val="184969757"/>
       </p:ext>
     </p:extLst>
   </p:cSld>
@@ -1564,7 +1565,7 @@
           <a:blip r:embed="rId2" cstate="print">
             <a:extLst>
               <a:ext uri="{28A0092B-C50C-407E-A947-70E740481C1C}">
-                <a14:useLocalDpi xmlns:a14="http://schemas.microsoft.com/office/drawing/2010/main" xmlns="" val="0"/>
+                <a14:useLocalDpi xmlns="" xmlns:a14="http://schemas.microsoft.com/office/drawing/2010/main" val="0"/>
               </a:ext>
             </a:extLst>
           </a:blip>
@@ -1939,7 +1940,7 @@
     </p:spTree>
     <p:extLst>
       <p:ext uri="{BB962C8B-B14F-4D97-AF65-F5344CB8AC3E}">
-        <p14:creationId xmlns:p14="http://schemas.microsoft.com/office/powerpoint/2010/main" xmlns="" val="2553447711"/>
+        <p14:creationId xmlns="" xmlns:p14="http://schemas.microsoft.com/office/powerpoint/2010/main" val="2553447711"/>
       </p:ext>
     </p:extLst>
   </p:cSld>
@@ -2128,7 +2129,7 @@
           <a:blip r:embed="rId2" cstate="print">
             <a:extLst>
               <a:ext uri="{28A0092B-C50C-407E-A947-70E740481C1C}">
-                <a14:useLocalDpi xmlns:a14="http://schemas.microsoft.com/office/drawing/2010/main" xmlns="" val="0"/>
+                <a14:useLocalDpi xmlns="" xmlns:a14="http://schemas.microsoft.com/office/drawing/2010/main" val="0"/>
               </a:ext>
             </a:extLst>
           </a:blip>
@@ -2149,7 +2150,7 @@
     </p:spTree>
     <p:extLst>
       <p:ext uri="{BB962C8B-B14F-4D97-AF65-F5344CB8AC3E}">
-        <p14:creationId xmlns:p14="http://schemas.microsoft.com/office/powerpoint/2010/main" xmlns="" val="1444908455"/>
+        <p14:creationId xmlns="" xmlns:p14="http://schemas.microsoft.com/office/powerpoint/2010/main" val="1444908455"/>
       </p:ext>
     </p:extLst>
   </p:cSld>
@@ -2384,7 +2385,7 @@
           <a:blip r:embed="rId2" cstate="print">
             <a:extLst>
               <a:ext uri="{28A0092B-C50C-407E-A947-70E740481C1C}">
-                <a14:useLocalDpi xmlns:a14="http://schemas.microsoft.com/office/drawing/2010/main" xmlns="" val="0"/>
+                <a14:useLocalDpi xmlns="" xmlns:a14="http://schemas.microsoft.com/office/drawing/2010/main" val="0"/>
               </a:ext>
             </a:extLst>
           </a:blip>
@@ -2479,7 +2480,7 @@
     </p:spTree>
     <p:extLst>
       <p:ext uri="{BB962C8B-B14F-4D97-AF65-F5344CB8AC3E}">
-        <p14:creationId xmlns:p14="http://schemas.microsoft.com/office/powerpoint/2010/main" xmlns="" val="2673114969"/>
+        <p14:creationId xmlns="" xmlns:p14="http://schemas.microsoft.com/office/powerpoint/2010/main" val="2673114969"/>
       </p:ext>
     </p:extLst>
   </p:cSld>
@@ -2738,7 +2739,7 @@
           <a:blip r:embed="rId2" cstate="print">
             <a:extLst>
               <a:ext uri="{28A0092B-C50C-407E-A947-70E740481C1C}">
-                <a14:useLocalDpi xmlns:a14="http://schemas.microsoft.com/office/drawing/2010/main" xmlns="" val="0"/>
+                <a14:useLocalDpi xmlns="" xmlns:a14="http://schemas.microsoft.com/office/drawing/2010/main" val="0"/>
               </a:ext>
             </a:extLst>
           </a:blip>
@@ -2833,7 +2834,7 @@
     </p:spTree>
     <p:extLst>
       <p:ext uri="{BB962C8B-B14F-4D97-AF65-F5344CB8AC3E}">
-        <p14:creationId xmlns:p14="http://schemas.microsoft.com/office/powerpoint/2010/main" xmlns="" val="2009134814"/>
+        <p14:creationId xmlns="" xmlns:p14="http://schemas.microsoft.com/office/powerpoint/2010/main" val="2009134814"/>
       </p:ext>
     </p:extLst>
   </p:cSld>
@@ -3081,7 +3082,7 @@
           <a:blip r:embed="rId2" cstate="print">
             <a:extLst>
               <a:ext uri="{28A0092B-C50C-407E-A947-70E740481C1C}">
-                <a14:useLocalDpi xmlns:a14="http://schemas.microsoft.com/office/drawing/2010/main" xmlns="" val="0"/>
+                <a14:useLocalDpi xmlns="" xmlns:a14="http://schemas.microsoft.com/office/drawing/2010/main" val="0"/>
               </a:ext>
             </a:extLst>
           </a:blip>
@@ -3176,7 +3177,7 @@
     </p:spTree>
     <p:extLst>
       <p:ext uri="{BB962C8B-B14F-4D97-AF65-F5344CB8AC3E}">
-        <p14:creationId xmlns:p14="http://schemas.microsoft.com/office/powerpoint/2010/main" xmlns="" val="3517490032"/>
+        <p14:creationId xmlns="" xmlns:p14="http://schemas.microsoft.com/office/powerpoint/2010/main" val="3517490032"/>
       </p:ext>
     </p:extLst>
   </p:cSld>
@@ -3409,7 +3410,7 @@
           <a:blip r:embed="rId2" cstate="print">
             <a:extLst>
               <a:ext uri="{28A0092B-C50C-407E-A947-70E740481C1C}">
-                <a14:useLocalDpi xmlns:a14="http://schemas.microsoft.com/office/drawing/2010/main" xmlns="" val="0"/>
+                <a14:useLocalDpi xmlns="" xmlns:a14="http://schemas.microsoft.com/office/drawing/2010/main" val="0"/>
               </a:ext>
             </a:extLst>
           </a:blip>
@@ -3504,7 +3505,7 @@
     </p:spTree>
     <p:extLst>
       <p:ext uri="{BB962C8B-B14F-4D97-AF65-F5344CB8AC3E}">
-        <p14:creationId xmlns:p14="http://schemas.microsoft.com/office/powerpoint/2010/main" xmlns="" val="3541788738"/>
+        <p14:creationId xmlns="" xmlns:p14="http://schemas.microsoft.com/office/powerpoint/2010/main" val="3541788738"/>
       </p:ext>
     </p:extLst>
   </p:cSld>
@@ -3737,7 +3738,7 @@
           <a:blip r:embed="rId2" cstate="print">
             <a:extLst>
               <a:ext uri="{28A0092B-C50C-407E-A947-70E740481C1C}">
-                <a14:useLocalDpi xmlns:a14="http://schemas.microsoft.com/office/drawing/2010/main" xmlns="" val="0"/>
+                <a14:useLocalDpi xmlns="" xmlns:a14="http://schemas.microsoft.com/office/drawing/2010/main" val="0"/>
               </a:ext>
             </a:extLst>
           </a:blip>
@@ -3832,7 +3833,7 @@
     </p:spTree>
     <p:extLst>
       <p:ext uri="{BB962C8B-B14F-4D97-AF65-F5344CB8AC3E}">
-        <p14:creationId xmlns:p14="http://schemas.microsoft.com/office/powerpoint/2010/main" xmlns="" val="535431886"/>
+        <p14:creationId xmlns="" xmlns:p14="http://schemas.microsoft.com/office/powerpoint/2010/main" val="535431886"/>
       </p:ext>
     </p:extLst>
   </p:cSld>
@@ -4145,7 +4146,7 @@
           <a:blip r:embed="rId2" cstate="print">
             <a:extLst>
               <a:ext uri="{28A0092B-C50C-407E-A947-70E740481C1C}">
-                <a14:useLocalDpi xmlns:a14="http://schemas.microsoft.com/office/drawing/2010/main" xmlns="" val="0"/>
+                <a14:useLocalDpi xmlns="" xmlns:a14="http://schemas.microsoft.com/office/drawing/2010/main" val="0"/>
               </a:ext>
             </a:extLst>
           </a:blip>
@@ -4240,7 +4241,7 @@
     </p:spTree>
     <p:extLst>
       <p:ext uri="{BB962C8B-B14F-4D97-AF65-F5344CB8AC3E}">
-        <p14:creationId xmlns:p14="http://schemas.microsoft.com/office/powerpoint/2010/main" xmlns="" val="971211048"/>
+        <p14:creationId xmlns="" xmlns:p14="http://schemas.microsoft.com/office/powerpoint/2010/main" val="971211048"/>
       </p:ext>
     </p:extLst>
   </p:cSld>
@@ -4513,7 +4514,7 @@
           <a:blip r:embed="rId2" cstate="print">
             <a:extLst>
               <a:ext uri="{28A0092B-C50C-407E-A947-70E740481C1C}">
-                <a14:useLocalDpi xmlns:a14="http://schemas.microsoft.com/office/drawing/2010/main" xmlns="" val="0"/>
+                <a14:useLocalDpi xmlns="" xmlns:a14="http://schemas.microsoft.com/office/drawing/2010/main" val="0"/>
               </a:ext>
             </a:extLst>
           </a:blip>
@@ -4608,7 +4609,7 @@
     </p:spTree>
     <p:extLst>
       <p:ext uri="{BB962C8B-B14F-4D97-AF65-F5344CB8AC3E}">
-        <p14:creationId xmlns:p14="http://schemas.microsoft.com/office/powerpoint/2010/main" xmlns="" val="2334999609"/>
+        <p14:creationId xmlns="" xmlns:p14="http://schemas.microsoft.com/office/powerpoint/2010/main" val="2334999609"/>
       </p:ext>
     </p:extLst>
   </p:cSld>
@@ -5314,14 +5315,14 @@
           <a:noFill/>
           <a:extLst>
             <a:ext uri="{909E8E84-426E-40DD-AFC4-6F175D3DCCD1}">
-              <a14:hiddenFill xmlns:a14="http://schemas.microsoft.com/office/drawing/2010/main" xmlns="">
+              <a14:hiddenFill xmlns="" xmlns:a14="http://schemas.microsoft.com/office/drawing/2010/main">
                 <a:solidFill>
                   <a:srgbClr val="FFFFFF"/>
                 </a:solidFill>
               </a14:hiddenFill>
             </a:ext>
             <a:ext uri="{91240B29-F687-4F45-9708-019B960494DF}">
-              <a14:hiddenLine xmlns:a14="http://schemas.microsoft.com/office/drawing/2010/main" xmlns="" w="9525">
+              <a14:hiddenLine xmlns="" xmlns:a14="http://schemas.microsoft.com/office/drawing/2010/main" w="9525">
                 <a:solidFill>
                   <a:srgbClr val="000000"/>
                 </a:solidFill>
@@ -5454,7 +5455,21 @@
             </a:pPr>
             <a:r>
               <a:rPr lang="de-DE" dirty="0" smtClean="0"/>
-              <a:t> Indexierung der Terme</a:t>
+              <a:t>  Einsatz in Freitextsuche</a:t>
+            </a:r>
+          </a:p>
+          <a:p>
+            <a:pPr lvl="1"/>
+            <a:r>
+              <a:rPr lang="de-DE" dirty="0" smtClean="0"/>
+              <a:t>Bestimmen der Übereinstimmung</a:t>
+            </a:r>
+          </a:p>
+          <a:p>
+            <a:pPr lvl="1"/>
+            <a:r>
+              <a:rPr lang="de-DE" dirty="0" smtClean="0"/>
+              <a:t>Teiltreffer möglich</a:t>
             </a:r>
           </a:p>
           <a:p>
@@ -5462,6 +5477,50 @@
               <a:buFont typeface="Arial" pitchFamily="34" charset="0"/>
               <a:buChar char="•"/>
             </a:pPr>
+            <a:r>
+              <a:rPr lang="de-DE" dirty="0" smtClean="0"/>
+              <a:t> Grundidee: </a:t>
+            </a:r>
+          </a:p>
+          <a:p>
+            <a:pPr lvl="1"/>
+            <a:r>
+              <a:rPr lang="de-DE" dirty="0" smtClean="0"/>
+              <a:t>Repräsentation von Dokumenten und Anfragen als Vektoren</a:t>
+            </a:r>
+          </a:p>
+          <a:p>
+            <a:pPr lvl="1"/>
+            <a:r>
+              <a:rPr lang="de-DE" dirty="0" smtClean="0"/>
+              <a:t> Ähnlichkeiten zwischen Vektoren bestimmen </a:t>
+            </a:r>
+          </a:p>
+          <a:p>
+            <a:pPr lvl="1">
+              <a:buNone/>
+            </a:pPr>
+            <a:r>
+              <a:rPr lang="de-DE" dirty="0" smtClean="0"/>
+              <a:t>		</a:t>
+            </a:r>
+            <a:r>
+              <a:rPr lang="de-DE" dirty="0" smtClean="0">
+                <a:sym typeface="Wingdings" pitchFamily="2" charset="2"/>
+              </a:rPr>
+              <a:t> Ähnlichkeitsfunktion</a:t>
+            </a:r>
+          </a:p>
+          <a:p>
+            <a:pPr lvl="1">
+              <a:buNone/>
+            </a:pPr>
+            <a:r>
+              <a:rPr lang="de-DE" dirty="0" smtClean="0">
+                <a:sym typeface="Wingdings" pitchFamily="2" charset="2"/>
+              </a:rPr>
+              <a:t>		 Ähnlichkeitswert</a:t>
+            </a:r>
             <a:endParaRPr lang="de-DE" dirty="0" smtClean="0"/>
           </a:p>
           <a:p>
@@ -5469,52 +5528,11 @@
               <a:buFont typeface="Arial" pitchFamily="34" charset="0"/>
               <a:buChar char="•"/>
             </a:pPr>
-            <a:endParaRPr lang="de-DE" dirty="0" smtClean="0"/>
-          </a:p>
-          <a:p>
-            <a:pPr>
-              <a:buFont typeface="Arial" pitchFamily="34" charset="0"/>
-              <a:buChar char="•"/>
-            </a:pPr>
-            <a:endParaRPr lang="de-DE" dirty="0" smtClean="0"/>
-          </a:p>
-          <a:p>
-            <a:pPr>
-              <a:buFont typeface="Arial" pitchFamily="34" charset="0"/>
-              <a:buChar char="•"/>
-            </a:pPr>
-            <a:endParaRPr lang="de-DE" dirty="0" smtClean="0"/>
-          </a:p>
-          <a:p>
-            <a:pPr>
-              <a:buFont typeface="Arial" pitchFamily="34" charset="0"/>
-              <a:buChar char="•"/>
-            </a:pPr>
-            <a:endParaRPr lang="de-DE" dirty="0" smtClean="0"/>
-          </a:p>
-          <a:p>
-            <a:pPr>
-              <a:buFont typeface="Arial" pitchFamily="34" charset="0"/>
-              <a:buChar char="•"/>
-            </a:pPr>
-            <a:endParaRPr lang="de-DE" dirty="0" smtClean="0"/>
-          </a:p>
-          <a:p>
-            <a:pPr>
-              <a:buFont typeface="Arial" pitchFamily="34" charset="0"/>
-              <a:buChar char="•"/>
-            </a:pPr>
-            <a:endParaRPr lang="de-DE" dirty="0" smtClean="0"/>
-          </a:p>
-          <a:p>
-            <a:pPr>
-              <a:buFont typeface="Arial" pitchFamily="34" charset="0"/>
-              <a:buChar char="•"/>
-            </a:pPr>
-            <a:endParaRPr lang="de-DE" dirty="0" smtClean="0"/>
-          </a:p>
-          <a:p>
-            <a:endParaRPr lang="de-DE" dirty="0" smtClean="0"/>
+            <a:r>
+              <a:rPr lang="de-DE" dirty="0" smtClean="0"/>
+              <a:t> Erlaubt Ranking</a:t>
+            </a:r>
+            <a:endParaRPr lang="de-DE" dirty="0"/>
           </a:p>
         </p:txBody>
       </p:sp>
@@ -5614,32 +5632,6 @@
           </a:p>
         </p:txBody>
       </p:sp>
-      <p:pic>
-        <p:nvPicPr>
-          <p:cNvPr id="9" name="Picture 2" descr="C:\Users\kreme\Documents\SuchTool\Praesentation\B.png"/>
-          <p:cNvPicPr>
-            <a:picLocks noChangeAspect="1" noChangeArrowheads="1"/>
-          </p:cNvPicPr>
-          <p:nvPr/>
-        </p:nvPicPr>
-        <p:blipFill>
-          <a:blip r:embed="rId2" cstate="print"/>
-          <a:srcRect/>
-          <a:stretch>
-            <a:fillRect/>
-          </a:stretch>
-        </p:blipFill>
-        <p:spPr bwMode="auto">
-          <a:xfrm>
-            <a:off x="539552" y="1844824"/>
-            <a:ext cx="6611273" cy="2648320"/>
-          </a:xfrm>
-          <a:prstGeom prst="rect">
-            <a:avLst/>
-          </a:prstGeom>
-          <a:noFill/>
-        </p:spPr>
-      </p:pic>
     </p:spTree>
   </p:cSld>
   <p:clrMapOvr>
@@ -5753,24 +5745,7 @@
             <a:endParaRPr lang="de-DE" dirty="0" smtClean="0"/>
           </a:p>
           <a:p>
-            <a:pPr>
-              <a:buFont typeface="Arial" pitchFamily="34" charset="0"/>
-              <a:buChar char="•"/>
-            </a:pPr>
             <a:endParaRPr lang="de-DE" dirty="0" smtClean="0"/>
-          </a:p>
-          <a:p>
-            <a:pPr>
-              <a:buFont typeface="Arial" pitchFamily="34" charset="0"/>
-              <a:buChar char="•"/>
-            </a:pPr>
-            <a:r>
-              <a:rPr lang="de-DE" dirty="0" smtClean="0"/>
-              <a:t> Problem: Viele überflüssige Terme</a:t>
-            </a:r>
-          </a:p>
-          <a:p>
-            <a:endParaRPr lang="de-DE" dirty="0"/>
           </a:p>
         </p:txBody>
       </p:sp>
@@ -5949,23 +5924,7 @@
             </a:pPr>
             <a:r>
               <a:rPr lang="de-DE" dirty="0" smtClean="0"/>
-              <a:t> Lösung: Stoppwörter (engl. </a:t>
-            </a:r>
-            <a:r>
-              <a:rPr lang="de-DE" dirty="0" err="1" smtClean="0"/>
-              <a:t>stop</a:t>
-            </a:r>
-            <a:r>
-              <a:rPr lang="de-DE" dirty="0" smtClean="0"/>
-              <a:t> </a:t>
-            </a:r>
-            <a:r>
-              <a:rPr lang="de-DE" dirty="0" err="1" smtClean="0"/>
-              <a:t>words</a:t>
-            </a:r>
-            <a:r>
-              <a:rPr lang="de-DE" dirty="0" smtClean="0"/>
-              <a:t>)</a:t>
+              <a:t> Indexierung der Terme</a:t>
             </a:r>
           </a:p>
           <a:p>
@@ -5973,10 +5932,7 @@
               <a:buFont typeface="Arial" pitchFamily="34" charset="0"/>
               <a:buChar char="•"/>
             </a:pPr>
-            <a:r>
-              <a:rPr lang="de-DE" dirty="0" smtClean="0"/>
-              <a:t> Indexierung mit Stoppwörtern:</a:t>
-            </a:r>
+            <a:endParaRPr lang="de-DE" dirty="0" smtClean="0"/>
           </a:p>
           <a:p>
             <a:pPr>
@@ -6012,6 +5968,37 @@
               <a:buChar char="•"/>
             </a:pPr>
             <a:endParaRPr lang="de-DE" dirty="0" smtClean="0"/>
+          </a:p>
+          <a:p>
+            <a:pPr>
+              <a:buFont typeface="Arial" pitchFamily="34" charset="0"/>
+              <a:buChar char="•"/>
+            </a:pPr>
+            <a:endParaRPr lang="de-DE" dirty="0" smtClean="0"/>
+          </a:p>
+          <a:p>
+            <a:pPr>
+              <a:buFont typeface="Arial" pitchFamily="34" charset="0"/>
+              <a:buChar char="•"/>
+            </a:pPr>
+            <a:endParaRPr lang="de-DE" dirty="0" smtClean="0"/>
+          </a:p>
+          <a:p>
+            <a:pPr>
+              <a:buFont typeface="Arial" pitchFamily="34" charset="0"/>
+              <a:buChar char="•"/>
+            </a:pPr>
+            <a:endParaRPr lang="de-DE" dirty="0" smtClean="0"/>
+          </a:p>
+          <a:p>
+            <a:pPr>
+              <a:buFont typeface="Arial" pitchFamily="34" charset="0"/>
+              <a:buChar char="•"/>
+            </a:pPr>
+            <a:r>
+              <a:rPr lang="de-DE" dirty="0" smtClean="0"/>
+              <a:t> Problem: Viele überflüssige Terme</a:t>
+            </a:r>
           </a:p>
           <a:p>
             <a:endParaRPr lang="de-DE" dirty="0"/>
@@ -6108,7 +6095,7 @@
           <a:p>
             <a:r>
               <a:rPr lang="de-DE" dirty="0" smtClean="0"/>
-              <a:t>4. Vektorraummodell </a:t>
+              <a:t>4. Vektorraummodell</a:t>
             </a:r>
             <a:endParaRPr lang="de-DE" dirty="0"/>
           </a:p>
@@ -6116,7 +6103,7 @@
       </p:sp>
       <p:pic>
         <p:nvPicPr>
-          <p:cNvPr id="11" name="Picture 2" descr="C:\Users\kreme\Documents\SuchTool\Praesentation\C.png"/>
+          <p:cNvPr id="9" name="Picture 2" descr="C:\Users\kreme\Documents\SuchTool\Praesentation\B.png"/>
           <p:cNvPicPr>
             <a:picLocks noChangeAspect="1" noChangeArrowheads="1"/>
           </p:cNvPicPr>
@@ -6131,8 +6118,8 @@
         </p:blipFill>
         <p:spPr bwMode="auto">
           <a:xfrm>
-            <a:off x="323528" y="2492896"/>
-            <a:ext cx="6613023" cy="2649021"/>
+            <a:off x="539552" y="1844824"/>
+            <a:ext cx="6611273" cy="2648320"/>
           </a:xfrm>
           <a:prstGeom prst="rect">
             <a:avLst/>
@@ -6174,6 +6161,96 @@
       </p:grpSpPr>
       <p:sp>
         <p:nvSpPr>
+          <p:cNvPr id="2" name="Inhaltsplatzhalter 1"/>
+          <p:cNvSpPr>
+            <a:spLocks noGrp="1"/>
+          </p:cNvSpPr>
+          <p:nvPr>
+            <p:ph sz="quarter" idx="13"/>
+          </p:nvPr>
+        </p:nvSpPr>
+        <p:spPr/>
+        <p:txBody>
+          <a:bodyPr/>
+          <a:lstStyle/>
+          <a:p>
+            <a:pPr>
+              <a:buFont typeface="Arial" pitchFamily="34" charset="0"/>
+              <a:buChar char="•"/>
+            </a:pPr>
+            <a:r>
+              <a:rPr lang="de-DE" dirty="0" smtClean="0"/>
+              <a:t> Lösung: Stoppwörter (engl. </a:t>
+            </a:r>
+            <a:r>
+              <a:rPr lang="de-DE" dirty="0" err="1" smtClean="0"/>
+              <a:t>stop</a:t>
+            </a:r>
+            <a:r>
+              <a:rPr lang="de-DE" dirty="0" smtClean="0"/>
+              <a:t> </a:t>
+            </a:r>
+            <a:r>
+              <a:rPr lang="de-DE" dirty="0" err="1" smtClean="0"/>
+              <a:t>words</a:t>
+            </a:r>
+            <a:r>
+              <a:rPr lang="de-DE" dirty="0" smtClean="0"/>
+              <a:t>)</a:t>
+            </a:r>
+          </a:p>
+          <a:p>
+            <a:pPr>
+              <a:buFont typeface="Arial" pitchFamily="34" charset="0"/>
+              <a:buChar char="•"/>
+            </a:pPr>
+            <a:r>
+              <a:rPr lang="de-DE" dirty="0" smtClean="0"/>
+              <a:t> Indexierung mit Stoppwörtern:</a:t>
+            </a:r>
+          </a:p>
+          <a:p>
+            <a:pPr>
+              <a:buFont typeface="Arial" pitchFamily="34" charset="0"/>
+              <a:buChar char="•"/>
+            </a:pPr>
+            <a:endParaRPr lang="de-DE" dirty="0" smtClean="0"/>
+          </a:p>
+          <a:p>
+            <a:pPr>
+              <a:buFont typeface="Arial" pitchFamily="34" charset="0"/>
+              <a:buChar char="•"/>
+            </a:pPr>
+            <a:endParaRPr lang="de-DE" dirty="0" smtClean="0"/>
+          </a:p>
+          <a:p>
+            <a:pPr>
+              <a:buFont typeface="Arial" pitchFamily="34" charset="0"/>
+              <a:buChar char="•"/>
+            </a:pPr>
+            <a:endParaRPr lang="de-DE" dirty="0" smtClean="0"/>
+          </a:p>
+          <a:p>
+            <a:pPr>
+              <a:buFont typeface="Arial" pitchFamily="34" charset="0"/>
+              <a:buChar char="•"/>
+            </a:pPr>
+            <a:endParaRPr lang="de-DE" dirty="0" smtClean="0"/>
+          </a:p>
+          <a:p>
+            <a:pPr>
+              <a:buFont typeface="Arial" pitchFamily="34" charset="0"/>
+              <a:buChar char="•"/>
+            </a:pPr>
+            <a:endParaRPr lang="de-DE" dirty="0" smtClean="0"/>
+          </a:p>
+          <a:p>
+            <a:endParaRPr lang="de-DE" dirty="0"/>
+          </a:p>
+        </p:txBody>
+      </p:sp>
+      <p:sp>
+        <p:nvSpPr>
           <p:cNvPr id="3" name="Datumsplatzhalter 2"/>
           <p:cNvSpPr>
             <a:spLocks noGrp="1"/>
@@ -6262,49 +6339,15 @@
           <a:p>
             <a:r>
               <a:rPr lang="de-DE" dirty="0" smtClean="0"/>
-              <a:t>4. Vektorraummodell</a:t>
-            </a:r>
-            <a:endParaRPr lang="de-DE" dirty="0"/>
-          </a:p>
-        </p:txBody>
-      </p:sp>
-      <p:sp>
-        <p:nvSpPr>
-          <p:cNvPr id="9" name="Inhaltsplatzhalter 8"/>
-          <p:cNvSpPr>
-            <a:spLocks noGrp="1"/>
-          </p:cNvSpPr>
-          <p:nvPr>
-            <p:ph sz="quarter" idx="13"/>
-          </p:nvPr>
-        </p:nvSpPr>
-        <p:spPr/>
-        <p:txBody>
-          <a:bodyPr/>
-          <a:lstStyle/>
-          <a:p>
-            <a:pPr>
-              <a:buFont typeface="Arial" pitchFamily="34" charset="0"/>
-              <a:buChar char="•"/>
-            </a:pPr>
-            <a:r>
-              <a:rPr lang="de-DE" dirty="0" smtClean="0"/>
-              <a:t> Dokumentvektoren mit </a:t>
-            </a:r>
-            <a:r>
-              <a:rPr lang="de-DE" dirty="0" err="1" smtClean="0"/>
-              <a:t>Termhäufigkeiten</a:t>
-            </a:r>
-            <a:endParaRPr lang="de-DE" dirty="0" smtClean="0"/>
-          </a:p>
-          <a:p>
+              <a:t>4. Vektorraummodell </a:t>
+            </a:r>
             <a:endParaRPr lang="de-DE" dirty="0"/>
           </a:p>
         </p:txBody>
       </p:sp>
       <p:pic>
         <p:nvPicPr>
-          <p:cNvPr id="12" name="Picture 4" descr="C:\Users\kreme\Documents\SuchTool\Praesentation\D.png"/>
+          <p:cNvPr id="11" name="Picture 2" descr="C:\Users\kreme\Documents\SuchTool\Praesentation\C.png"/>
           <p:cNvPicPr>
             <a:picLocks noChangeAspect="1" noChangeArrowheads="1"/>
           </p:cNvPicPr>
@@ -6319,8 +6362,8 @@
         </p:blipFill>
         <p:spPr bwMode="auto">
           <a:xfrm>
-            <a:off x="683568" y="1918800"/>
-            <a:ext cx="7586043" cy="3528392"/>
+            <a:off x="323528" y="2492896"/>
+            <a:ext cx="6613023" cy="2649021"/>
           </a:xfrm>
           <a:prstGeom prst="rect">
             <a:avLst/>
@@ -6486,89 +6529,6 @@
             <a:endParaRPr lang="de-DE" dirty="0" smtClean="0"/>
           </a:p>
           <a:p>
-            <a:pPr>
-              <a:buFont typeface="Arial" pitchFamily="34" charset="0"/>
-              <a:buChar char="•"/>
-            </a:pPr>
-            <a:endParaRPr lang="de-DE" dirty="0" smtClean="0"/>
-          </a:p>
-          <a:p>
-            <a:pPr>
-              <a:buFont typeface="Arial" pitchFamily="34" charset="0"/>
-              <a:buChar char="•"/>
-            </a:pPr>
-            <a:endParaRPr lang="de-DE" dirty="0" smtClean="0"/>
-          </a:p>
-          <a:p>
-            <a:pPr>
-              <a:buFont typeface="Arial" pitchFamily="34" charset="0"/>
-              <a:buChar char="•"/>
-            </a:pPr>
-            <a:endParaRPr lang="de-DE" dirty="0" smtClean="0"/>
-          </a:p>
-          <a:p>
-            <a:pPr>
-              <a:buFont typeface="Arial" pitchFamily="34" charset="0"/>
-              <a:buChar char="•"/>
-            </a:pPr>
-            <a:endParaRPr lang="de-DE" dirty="0" smtClean="0"/>
-          </a:p>
-          <a:p>
-            <a:pPr>
-              <a:buFont typeface="Arial" pitchFamily="34" charset="0"/>
-              <a:buChar char="•"/>
-            </a:pPr>
-            <a:endParaRPr lang="de-DE" dirty="0" smtClean="0"/>
-          </a:p>
-          <a:p>
-            <a:pPr>
-              <a:buFont typeface="Arial" pitchFamily="34" charset="0"/>
-              <a:buChar char="•"/>
-            </a:pPr>
-            <a:endParaRPr lang="de-DE" dirty="0" smtClean="0"/>
-          </a:p>
-          <a:p>
-            <a:pPr>
-              <a:buFont typeface="Arial" pitchFamily="34" charset="0"/>
-              <a:buChar char="•"/>
-            </a:pPr>
-            <a:endParaRPr lang="de-DE" dirty="0" smtClean="0"/>
-          </a:p>
-          <a:p>
-            <a:pPr>
-              <a:buFont typeface="Arial" pitchFamily="34" charset="0"/>
-              <a:buChar char="•"/>
-            </a:pPr>
-            <a:endParaRPr lang="de-DE" dirty="0" smtClean="0"/>
-          </a:p>
-          <a:p>
-            <a:pPr>
-              <a:buFont typeface="Arial" pitchFamily="34" charset="0"/>
-              <a:buChar char="•"/>
-            </a:pPr>
-            <a:endParaRPr lang="de-DE" dirty="0" smtClean="0"/>
-          </a:p>
-          <a:p>
-            <a:pPr>
-              <a:buFont typeface="Arial" pitchFamily="34" charset="0"/>
-              <a:buChar char="•"/>
-            </a:pPr>
-            <a:endParaRPr lang="de-DE" dirty="0" smtClean="0"/>
-          </a:p>
-          <a:p>
-            <a:endParaRPr lang="de-DE" dirty="0" smtClean="0"/>
-          </a:p>
-          <a:p>
-            <a:pPr>
-              <a:buFont typeface="Arial" pitchFamily="34" charset="0"/>
-              <a:buChar char="•"/>
-            </a:pPr>
-            <a:r>
-              <a:rPr lang="de-DE" dirty="0" smtClean="0"/>
-              <a:t> Problem: Wichtigkeit des Terms?</a:t>
-            </a:r>
-          </a:p>
-          <a:p>
             <a:endParaRPr lang="de-DE" dirty="0"/>
           </a:p>
         </p:txBody>
@@ -6590,8 +6550,8 @@
         </p:blipFill>
         <p:spPr bwMode="auto">
           <a:xfrm>
-            <a:off x="683568" y="1916832"/>
-            <a:ext cx="7585200" cy="3528000"/>
+            <a:off x="683568" y="1918800"/>
+            <a:ext cx="7586043" cy="3528392"/>
           </a:xfrm>
           <a:prstGeom prst="rect">
             <a:avLst/>
@@ -6633,135 +6593,6 @@
       </p:grpSpPr>
       <p:sp>
         <p:nvSpPr>
-          <p:cNvPr id="2" name="Inhaltsplatzhalter 1"/>
-          <p:cNvSpPr>
-            <a:spLocks noGrp="1"/>
-          </p:cNvSpPr>
-          <p:nvPr>
-            <p:ph sz="quarter" idx="13"/>
-          </p:nvPr>
-        </p:nvSpPr>
-        <p:spPr/>
-        <p:txBody>
-          <a:bodyPr/>
-          <a:lstStyle/>
-          <a:p>
-            <a:pPr>
-              <a:buFont typeface="Arial" pitchFamily="34" charset="0"/>
-              <a:buChar char="•"/>
-            </a:pPr>
-            <a:r>
-              <a:rPr lang="de-DE" dirty="0" smtClean="0"/>
-              <a:t> Lösung: zusätzlich Dokumenthäufigkeit</a:t>
-            </a:r>
-          </a:p>
-          <a:p>
-            <a:endParaRPr lang="de-DE" dirty="0" smtClean="0"/>
-          </a:p>
-          <a:p>
-            <a:r>
-              <a:rPr lang="de-DE" dirty="0" smtClean="0"/>
-              <a:t> </a:t>
-            </a:r>
-          </a:p>
-          <a:p>
-            <a:pPr>
-              <a:buFont typeface="Arial" pitchFamily="34" charset="0"/>
-              <a:buChar char="•"/>
-            </a:pPr>
-            <a:r>
-              <a:rPr lang="de-DE" dirty="0" smtClean="0"/>
-              <a:t> </a:t>
-            </a:r>
-            <a:r>
-              <a:rPr lang="de-DE" dirty="0" smtClean="0"/>
-              <a:t>Invertierte </a:t>
-            </a:r>
-            <a:r>
-              <a:rPr lang="de-DE" dirty="0" smtClean="0"/>
-              <a:t>Dokumenthäufigkeit</a:t>
-            </a:r>
-          </a:p>
-          <a:p>
-            <a:pPr>
-              <a:buFont typeface="Arial" pitchFamily="34" charset="0"/>
-              <a:buChar char="•"/>
-            </a:pPr>
-            <a:endParaRPr lang="de-DE" dirty="0" smtClean="0"/>
-          </a:p>
-          <a:p>
-            <a:pPr>
-              <a:buFont typeface="Arial" pitchFamily="34" charset="0"/>
-              <a:buChar char="•"/>
-            </a:pPr>
-            <a:endParaRPr lang="de-DE" dirty="0" smtClean="0"/>
-          </a:p>
-          <a:p>
-            <a:pPr>
-              <a:buFont typeface="Arial" pitchFamily="34" charset="0"/>
-              <a:buChar char="•"/>
-            </a:pPr>
-            <a:r>
-              <a:rPr lang="de-DE" dirty="0" smtClean="0"/>
-              <a:t> </a:t>
-            </a:r>
-            <a:r>
-              <a:rPr lang="de-DE" dirty="0" smtClean="0"/>
-              <a:t>Mit </a:t>
-            </a:r>
-            <a:r>
-              <a:rPr lang="de-DE" dirty="0" smtClean="0"/>
-              <a:t>Dämpfung </a:t>
-            </a:r>
-          </a:p>
-          <a:p>
-            <a:endParaRPr lang="de-DE" dirty="0" smtClean="0"/>
-          </a:p>
-          <a:p>
-            <a:endParaRPr lang="de-DE" dirty="0" smtClean="0"/>
-          </a:p>
-          <a:p>
-            <a:pPr>
-              <a:buFont typeface="Arial" pitchFamily="34" charset="0"/>
-              <a:buChar char="•"/>
-            </a:pPr>
-            <a:r>
-              <a:rPr lang="de-DE" dirty="0" smtClean="0"/>
-              <a:t> TF-IDF-Gewichtung</a:t>
-            </a:r>
-          </a:p>
-          <a:p>
-            <a:pPr>
-              <a:buFont typeface="Arial" pitchFamily="34" charset="0"/>
-              <a:buChar char="•"/>
-            </a:pPr>
-            <a:endParaRPr lang="de-DE" dirty="0" smtClean="0"/>
-          </a:p>
-          <a:p>
-            <a:pPr>
-              <a:buFont typeface="Arial" pitchFamily="34" charset="0"/>
-              <a:buChar char="•"/>
-            </a:pPr>
-            <a:endParaRPr lang="de-DE" dirty="0" smtClean="0"/>
-          </a:p>
-          <a:p>
-            <a:pPr>
-              <a:buFont typeface="Arial" pitchFamily="34" charset="0"/>
-              <a:buChar char="•"/>
-            </a:pPr>
-            <a:endParaRPr lang="de-DE" dirty="0" smtClean="0"/>
-          </a:p>
-          <a:p>
-            <a:pPr>
-              <a:buFont typeface="Arial" pitchFamily="34" charset="0"/>
-              <a:buChar char="•"/>
-            </a:pPr>
-            <a:endParaRPr lang="de-DE" b="1" dirty="0"/>
-          </a:p>
-        </p:txBody>
-      </p:sp>
-      <p:sp>
-        <p:nvSpPr>
           <p:cNvPr id="3" name="Datumsplatzhalter 2"/>
           <p:cNvSpPr>
             <a:spLocks noGrp="1"/>
@@ -6828,6 +6659,390 @@
                 <a:defRPr/>
               </a:pPr>
               <a:t>15</a:t>
+            </a:fld>
+            <a:endParaRPr lang="de-DE" altLang="de-DE" dirty="0"/>
+          </a:p>
+        </p:txBody>
+      </p:sp>
+      <p:sp>
+        <p:nvSpPr>
+          <p:cNvPr id="6" name="Titel 5"/>
+          <p:cNvSpPr>
+            <a:spLocks noGrp="1"/>
+          </p:cNvSpPr>
+          <p:nvPr>
+            <p:ph type="title"/>
+          </p:nvPr>
+        </p:nvSpPr>
+        <p:spPr/>
+        <p:txBody>
+          <a:bodyPr/>
+          <a:lstStyle/>
+          <a:p>
+            <a:r>
+              <a:rPr lang="de-DE" dirty="0" smtClean="0"/>
+              <a:t>4. Vektorraummodell</a:t>
+            </a:r>
+            <a:endParaRPr lang="de-DE" dirty="0"/>
+          </a:p>
+        </p:txBody>
+      </p:sp>
+      <p:sp>
+        <p:nvSpPr>
+          <p:cNvPr id="9" name="Inhaltsplatzhalter 8"/>
+          <p:cNvSpPr>
+            <a:spLocks noGrp="1"/>
+          </p:cNvSpPr>
+          <p:nvPr>
+            <p:ph sz="quarter" idx="13"/>
+          </p:nvPr>
+        </p:nvSpPr>
+        <p:spPr/>
+        <p:txBody>
+          <a:bodyPr/>
+          <a:lstStyle/>
+          <a:p>
+            <a:pPr>
+              <a:buFont typeface="Arial" pitchFamily="34" charset="0"/>
+              <a:buChar char="•"/>
+            </a:pPr>
+            <a:r>
+              <a:rPr lang="de-DE" dirty="0" smtClean="0"/>
+              <a:t> Dokumentvektoren mit </a:t>
+            </a:r>
+            <a:r>
+              <a:rPr lang="de-DE" dirty="0" err="1" smtClean="0"/>
+              <a:t>Termhäufigkeiten</a:t>
+            </a:r>
+            <a:endParaRPr lang="de-DE" dirty="0" smtClean="0"/>
+          </a:p>
+          <a:p>
+            <a:pPr>
+              <a:buFont typeface="Arial" pitchFamily="34" charset="0"/>
+              <a:buChar char="•"/>
+            </a:pPr>
+            <a:endParaRPr lang="de-DE" dirty="0" smtClean="0"/>
+          </a:p>
+          <a:p>
+            <a:pPr>
+              <a:buFont typeface="Arial" pitchFamily="34" charset="0"/>
+              <a:buChar char="•"/>
+            </a:pPr>
+            <a:endParaRPr lang="de-DE" dirty="0" smtClean="0"/>
+          </a:p>
+          <a:p>
+            <a:pPr>
+              <a:buFont typeface="Arial" pitchFamily="34" charset="0"/>
+              <a:buChar char="•"/>
+            </a:pPr>
+            <a:endParaRPr lang="de-DE" dirty="0" smtClean="0"/>
+          </a:p>
+          <a:p>
+            <a:pPr>
+              <a:buFont typeface="Arial" pitchFamily="34" charset="0"/>
+              <a:buChar char="•"/>
+            </a:pPr>
+            <a:endParaRPr lang="de-DE" dirty="0" smtClean="0"/>
+          </a:p>
+          <a:p>
+            <a:pPr>
+              <a:buFont typeface="Arial" pitchFamily="34" charset="0"/>
+              <a:buChar char="•"/>
+            </a:pPr>
+            <a:endParaRPr lang="de-DE" dirty="0" smtClean="0"/>
+          </a:p>
+          <a:p>
+            <a:pPr>
+              <a:buFont typeface="Arial" pitchFamily="34" charset="0"/>
+              <a:buChar char="•"/>
+            </a:pPr>
+            <a:endParaRPr lang="de-DE" dirty="0" smtClean="0"/>
+          </a:p>
+          <a:p>
+            <a:pPr>
+              <a:buFont typeface="Arial" pitchFamily="34" charset="0"/>
+              <a:buChar char="•"/>
+            </a:pPr>
+            <a:endParaRPr lang="de-DE" dirty="0" smtClean="0"/>
+          </a:p>
+          <a:p>
+            <a:pPr>
+              <a:buFont typeface="Arial" pitchFamily="34" charset="0"/>
+              <a:buChar char="•"/>
+            </a:pPr>
+            <a:endParaRPr lang="de-DE" dirty="0" smtClean="0"/>
+          </a:p>
+          <a:p>
+            <a:pPr>
+              <a:buFont typeface="Arial" pitchFamily="34" charset="0"/>
+              <a:buChar char="•"/>
+            </a:pPr>
+            <a:endParaRPr lang="de-DE" dirty="0" smtClean="0"/>
+          </a:p>
+          <a:p>
+            <a:pPr>
+              <a:buFont typeface="Arial" pitchFamily="34" charset="0"/>
+              <a:buChar char="•"/>
+            </a:pPr>
+            <a:endParaRPr lang="de-DE" dirty="0" smtClean="0"/>
+          </a:p>
+          <a:p>
+            <a:endParaRPr lang="de-DE" dirty="0" smtClean="0"/>
+          </a:p>
+          <a:p>
+            <a:pPr>
+              <a:buFont typeface="Arial" pitchFamily="34" charset="0"/>
+              <a:buChar char="•"/>
+            </a:pPr>
+            <a:r>
+              <a:rPr lang="de-DE" dirty="0" smtClean="0"/>
+              <a:t> Problem: Wichtigkeit des Terms?</a:t>
+            </a:r>
+          </a:p>
+          <a:p>
+            <a:endParaRPr lang="de-DE" dirty="0"/>
+          </a:p>
+        </p:txBody>
+      </p:sp>
+      <p:pic>
+        <p:nvPicPr>
+          <p:cNvPr id="12" name="Picture 4" descr="C:\Users\kreme\Documents\SuchTool\Praesentation\D.png"/>
+          <p:cNvPicPr>
+            <a:picLocks noChangeAspect="1" noChangeArrowheads="1"/>
+          </p:cNvPicPr>
+          <p:nvPr/>
+        </p:nvPicPr>
+        <p:blipFill>
+          <a:blip r:embed="rId2" cstate="print"/>
+          <a:srcRect/>
+          <a:stretch>
+            <a:fillRect/>
+          </a:stretch>
+        </p:blipFill>
+        <p:spPr bwMode="auto">
+          <a:xfrm>
+            <a:off x="683568" y="1916832"/>
+            <a:ext cx="7585200" cy="3528000"/>
+          </a:xfrm>
+          <a:prstGeom prst="rect">
+            <a:avLst/>
+          </a:prstGeom>
+          <a:noFill/>
+        </p:spPr>
+      </p:pic>
+    </p:spTree>
+  </p:cSld>
+  <p:clrMapOvr>
+    <a:masterClrMapping/>
+  </p:clrMapOvr>
+  <p:timing>
+    <p:tnLst>
+      <p:par>
+        <p:cTn id="1" dur="indefinite" restart="never" nodeType="tmRoot"/>
+      </p:par>
+    </p:tnLst>
+  </p:timing>
+</p:sld>
+</file>
+
+<file path=ppt/slides/slide16.xml><?xml version="1.0" encoding="utf-8"?>
+<p:sld xmlns:a="http://schemas.openxmlformats.org/drawingml/2006/main" xmlns:r="http://schemas.openxmlformats.org/officeDocument/2006/relationships" xmlns:p="http://schemas.openxmlformats.org/presentationml/2006/main">
+  <p:cSld>
+    <p:spTree>
+      <p:nvGrpSpPr>
+        <p:cNvPr id="1" name=""/>
+        <p:cNvGrpSpPr/>
+        <p:nvPr/>
+      </p:nvGrpSpPr>
+      <p:grpSpPr>
+        <a:xfrm>
+          <a:off x="0" y="0"/>
+          <a:ext cx="0" cy="0"/>
+          <a:chOff x="0" y="0"/>
+          <a:chExt cx="0" cy="0"/>
+        </a:xfrm>
+      </p:grpSpPr>
+      <p:sp>
+        <p:nvSpPr>
+          <p:cNvPr id="2" name="Inhaltsplatzhalter 1"/>
+          <p:cNvSpPr>
+            <a:spLocks noGrp="1"/>
+          </p:cNvSpPr>
+          <p:nvPr>
+            <p:ph sz="quarter" idx="13"/>
+          </p:nvPr>
+        </p:nvSpPr>
+        <p:spPr/>
+        <p:txBody>
+          <a:bodyPr/>
+          <a:lstStyle/>
+          <a:p>
+            <a:pPr>
+              <a:buFont typeface="Arial" pitchFamily="34" charset="0"/>
+              <a:buChar char="•"/>
+            </a:pPr>
+            <a:r>
+              <a:rPr lang="de-DE" dirty="0" smtClean="0"/>
+              <a:t> Lösung: zusätzlich Dokumenthäufigkeit</a:t>
+            </a:r>
+          </a:p>
+          <a:p>
+            <a:endParaRPr lang="de-DE" dirty="0" smtClean="0"/>
+          </a:p>
+          <a:p>
+            <a:r>
+              <a:rPr lang="de-DE" dirty="0" smtClean="0"/>
+              <a:t> </a:t>
+            </a:r>
+          </a:p>
+          <a:p>
+            <a:pPr>
+              <a:buFont typeface="Arial" pitchFamily="34" charset="0"/>
+              <a:buChar char="•"/>
+            </a:pPr>
+            <a:r>
+              <a:rPr lang="de-DE" dirty="0" smtClean="0"/>
+              <a:t> Invertierte Dokumenthäufigkeit</a:t>
+            </a:r>
+          </a:p>
+          <a:p>
+            <a:pPr>
+              <a:buFont typeface="Arial" pitchFamily="34" charset="0"/>
+              <a:buChar char="•"/>
+            </a:pPr>
+            <a:endParaRPr lang="de-DE" dirty="0" smtClean="0"/>
+          </a:p>
+          <a:p>
+            <a:pPr>
+              <a:buFont typeface="Arial" pitchFamily="34" charset="0"/>
+              <a:buChar char="•"/>
+            </a:pPr>
+            <a:endParaRPr lang="de-DE" dirty="0" smtClean="0"/>
+          </a:p>
+          <a:p>
+            <a:pPr>
+              <a:buFont typeface="Arial" pitchFamily="34" charset="0"/>
+              <a:buChar char="•"/>
+            </a:pPr>
+            <a:r>
+              <a:rPr lang="de-DE" dirty="0" smtClean="0"/>
+              <a:t> Mit Dämpfung </a:t>
+            </a:r>
+          </a:p>
+          <a:p>
+            <a:endParaRPr lang="de-DE" dirty="0" smtClean="0"/>
+          </a:p>
+          <a:p>
+            <a:endParaRPr lang="de-DE" dirty="0" smtClean="0"/>
+          </a:p>
+          <a:p>
+            <a:pPr>
+              <a:buFont typeface="Arial" pitchFamily="34" charset="0"/>
+              <a:buChar char="•"/>
+            </a:pPr>
+            <a:r>
+              <a:rPr lang="de-DE" dirty="0" smtClean="0"/>
+              <a:t> TF-IDF-Gewichtung</a:t>
+            </a:r>
+          </a:p>
+          <a:p>
+            <a:pPr>
+              <a:buFont typeface="Arial" pitchFamily="34" charset="0"/>
+              <a:buChar char="•"/>
+            </a:pPr>
+            <a:endParaRPr lang="de-DE" dirty="0" smtClean="0"/>
+          </a:p>
+          <a:p>
+            <a:pPr>
+              <a:buFont typeface="Arial" pitchFamily="34" charset="0"/>
+              <a:buChar char="•"/>
+            </a:pPr>
+            <a:endParaRPr lang="de-DE" dirty="0" smtClean="0"/>
+          </a:p>
+          <a:p>
+            <a:pPr>
+              <a:buFont typeface="Arial" pitchFamily="34" charset="0"/>
+              <a:buChar char="•"/>
+            </a:pPr>
+            <a:endParaRPr lang="de-DE" dirty="0" smtClean="0"/>
+          </a:p>
+          <a:p>
+            <a:pPr>
+              <a:buFont typeface="Arial" pitchFamily="34" charset="0"/>
+              <a:buChar char="•"/>
+            </a:pPr>
+            <a:endParaRPr lang="de-DE" b="1" dirty="0"/>
+          </a:p>
+        </p:txBody>
+      </p:sp>
+      <p:sp>
+        <p:nvSpPr>
+          <p:cNvPr id="3" name="Datumsplatzhalter 2"/>
+          <p:cNvSpPr>
+            <a:spLocks noGrp="1"/>
+          </p:cNvSpPr>
+          <p:nvPr>
+            <p:ph type="dt" sz="half" idx="14"/>
+          </p:nvPr>
+        </p:nvSpPr>
+        <p:spPr/>
+        <p:txBody>
+          <a:bodyPr/>
+          <a:lstStyle/>
+          <a:p>
+            <a:pPr>
+              <a:defRPr/>
+            </a:pPr>
+            <a:endParaRPr lang="de-DE" dirty="0"/>
+          </a:p>
+        </p:txBody>
+      </p:sp>
+      <p:sp>
+        <p:nvSpPr>
+          <p:cNvPr id="4" name="Fußzeilenplatzhalter 3"/>
+          <p:cNvSpPr>
+            <a:spLocks noGrp="1"/>
+          </p:cNvSpPr>
+          <p:nvPr>
+            <p:ph type="ftr" sz="quarter" idx="15"/>
+          </p:nvPr>
+        </p:nvSpPr>
+        <p:spPr/>
+        <p:txBody>
+          <a:bodyPr/>
+          <a:lstStyle/>
+          <a:p>
+            <a:pPr>
+              <a:defRPr/>
+            </a:pPr>
+            <a:endParaRPr lang="de-DE"/>
+          </a:p>
+        </p:txBody>
+      </p:sp>
+      <p:sp>
+        <p:nvSpPr>
+          <p:cNvPr id="5" name="Foliennummernplatzhalter 4"/>
+          <p:cNvSpPr>
+            <a:spLocks noGrp="1"/>
+          </p:cNvSpPr>
+          <p:nvPr>
+            <p:ph type="sldNum" sz="quarter" idx="16"/>
+          </p:nvPr>
+        </p:nvSpPr>
+        <p:spPr/>
+        <p:txBody>
+          <a:bodyPr/>
+          <a:lstStyle/>
+          <a:p>
+            <a:pPr>
+              <a:defRPr/>
+            </a:pPr>
+            <a:fld id="{B53A9DA1-A25A-429F-A02C-54EE5606360E}" type="slidenum">
+              <a:rPr lang="de-DE" altLang="de-DE" smtClean="0"/>
+              <a:pPr>
+                <a:defRPr/>
+              </a:pPr>
+              <a:t>16</a:t>
             </a:fld>
             <a:endParaRPr lang="de-DE" altLang="de-DE" dirty="0"/>
           </a:p>
@@ -6951,7 +7166,7 @@
 </p:sld>
 </file>
 
-<file path=ppt/slides/slide16.xml><?xml version="1.0" encoding="utf-8"?>
+<file path=ppt/slides/slide17.xml><?xml version="1.0" encoding="utf-8"?>
 <p:sld xmlns:a="http://schemas.openxmlformats.org/drawingml/2006/main" xmlns:r="http://schemas.openxmlformats.org/officeDocument/2006/relationships" xmlns:p="http://schemas.openxmlformats.org/presentationml/2006/main">
   <p:cSld>
     <p:spTree>
@@ -7131,7 +7346,7 @@
               <a:pPr>
                 <a:defRPr/>
               </a:pPr>
-              <a:t>16</a:t>
+              <a:t>17</a:t>
             </a:fld>
             <a:endParaRPr lang="de-DE" altLang="de-DE" dirty="0"/>
           </a:p>
@@ -7205,277 +7420,6 @@
           <a:xfrm>
             <a:off x="2051720" y="980728"/>
             <a:ext cx="4657725" cy="1809750"/>
-          </a:xfrm>
-          <a:prstGeom prst="rect">
-            <a:avLst/>
-          </a:prstGeom>
-          <a:noFill/>
-        </p:spPr>
-      </p:pic>
-    </p:spTree>
-  </p:cSld>
-  <p:clrMapOvr>
-    <a:masterClrMapping/>
-  </p:clrMapOvr>
-  <p:timing>
-    <p:tnLst>
-      <p:par>
-        <p:cTn id="1" dur="indefinite" restart="never" nodeType="tmRoot"/>
-      </p:par>
-    </p:tnLst>
-  </p:timing>
-</p:sld>
-</file>
-
-<file path=ppt/slides/slide17.xml><?xml version="1.0" encoding="utf-8"?>
-<p:sld xmlns:a="http://schemas.openxmlformats.org/drawingml/2006/main" xmlns:r="http://schemas.openxmlformats.org/officeDocument/2006/relationships" xmlns:p="http://schemas.openxmlformats.org/presentationml/2006/main">
-  <p:cSld>
-    <p:spTree>
-      <p:nvGrpSpPr>
-        <p:cNvPr id="1" name=""/>
-        <p:cNvGrpSpPr/>
-        <p:nvPr/>
-      </p:nvGrpSpPr>
-      <p:grpSpPr>
-        <a:xfrm>
-          <a:off x="0" y="0"/>
-          <a:ext cx="0" cy="0"/>
-          <a:chOff x="0" y="0"/>
-          <a:chExt cx="0" cy="0"/>
-        </a:xfrm>
-      </p:grpSpPr>
-      <p:sp>
-        <p:nvSpPr>
-          <p:cNvPr id="2" name="Inhaltsplatzhalter 1"/>
-          <p:cNvSpPr>
-            <a:spLocks noGrp="1"/>
-          </p:cNvSpPr>
-          <p:nvPr>
-            <p:ph sz="quarter" idx="13"/>
-          </p:nvPr>
-        </p:nvSpPr>
-        <p:spPr/>
-        <p:txBody>
-          <a:bodyPr/>
-          <a:lstStyle/>
-          <a:p>
-            <a:pPr>
-              <a:buFont typeface="Arial" pitchFamily="34" charset="0"/>
-              <a:buChar char="•"/>
-            </a:pPr>
-            <a:r>
-              <a:rPr lang="de-DE" dirty="0" smtClean="0"/>
-              <a:t> Repräsentation der Anfrage durch Anfragevektor</a:t>
-            </a:r>
-          </a:p>
-          <a:p>
-            <a:pPr>
-              <a:buFont typeface="Arial" pitchFamily="34" charset="0"/>
-              <a:buChar char="•"/>
-            </a:pPr>
-            <a:endParaRPr lang="de-DE" dirty="0" smtClean="0"/>
-          </a:p>
-          <a:p>
-            <a:pPr>
-              <a:buFont typeface="Arial" pitchFamily="34" charset="0"/>
-              <a:buChar char="•"/>
-            </a:pPr>
-            <a:endParaRPr lang="de-DE" dirty="0" smtClean="0"/>
-          </a:p>
-          <a:p>
-            <a:pPr>
-              <a:buFont typeface="Arial" pitchFamily="34" charset="0"/>
-              <a:buChar char="•"/>
-            </a:pPr>
-            <a:endParaRPr lang="de-DE" dirty="0" smtClean="0"/>
-          </a:p>
-          <a:p>
-            <a:pPr>
-              <a:buFont typeface="Arial" pitchFamily="34" charset="0"/>
-              <a:buChar char="•"/>
-            </a:pPr>
-            <a:r>
-              <a:rPr lang="de-DE" dirty="0" smtClean="0"/>
-              <a:t>  Beispiel: „Formular“</a:t>
-            </a:r>
-          </a:p>
-          <a:p>
-            <a:endParaRPr lang="de-DE" dirty="0" smtClean="0"/>
-          </a:p>
-          <a:p>
-            <a:pPr>
-              <a:buFont typeface="Arial" pitchFamily="34" charset="0"/>
-              <a:buChar char="•"/>
-            </a:pPr>
-            <a:endParaRPr lang="de-DE" dirty="0" smtClean="0"/>
-          </a:p>
-          <a:p>
-            <a:pPr>
-              <a:buFont typeface="Arial" pitchFamily="34" charset="0"/>
-              <a:buChar char="•"/>
-            </a:pPr>
-            <a:endParaRPr lang="de-DE" dirty="0" smtClean="0"/>
-          </a:p>
-          <a:p>
-            <a:pPr>
-              <a:buFont typeface="Arial" pitchFamily="34" charset="0"/>
-              <a:buChar char="•"/>
-            </a:pPr>
-            <a:endParaRPr lang="de-DE" dirty="0" smtClean="0"/>
-          </a:p>
-          <a:p>
-            <a:pPr>
-              <a:buFont typeface="Arial" pitchFamily="34" charset="0"/>
-              <a:buChar char="•"/>
-            </a:pPr>
-            <a:r>
-              <a:rPr lang="de-DE" dirty="0" smtClean="0"/>
-              <a:t> Ähnlichkeitsfunktion: Cosinus-Maß</a:t>
-            </a:r>
-          </a:p>
-        </p:txBody>
-      </p:sp>
-      <p:sp>
-        <p:nvSpPr>
-          <p:cNvPr id="3" name="Datumsplatzhalter 2"/>
-          <p:cNvSpPr>
-            <a:spLocks noGrp="1"/>
-          </p:cNvSpPr>
-          <p:nvPr>
-            <p:ph type="dt" sz="half" idx="14"/>
-          </p:nvPr>
-        </p:nvSpPr>
-        <p:spPr/>
-        <p:txBody>
-          <a:bodyPr/>
-          <a:lstStyle/>
-          <a:p>
-            <a:pPr>
-              <a:defRPr/>
-            </a:pPr>
-            <a:endParaRPr lang="de-DE" dirty="0"/>
-          </a:p>
-        </p:txBody>
-      </p:sp>
-      <p:sp>
-        <p:nvSpPr>
-          <p:cNvPr id="4" name="Fußzeilenplatzhalter 3"/>
-          <p:cNvSpPr>
-            <a:spLocks noGrp="1"/>
-          </p:cNvSpPr>
-          <p:nvPr>
-            <p:ph type="ftr" sz="quarter" idx="15"/>
-          </p:nvPr>
-        </p:nvSpPr>
-        <p:spPr/>
-        <p:txBody>
-          <a:bodyPr/>
-          <a:lstStyle/>
-          <a:p>
-            <a:pPr>
-              <a:defRPr/>
-            </a:pPr>
-            <a:endParaRPr lang="de-DE"/>
-          </a:p>
-        </p:txBody>
-      </p:sp>
-      <p:sp>
-        <p:nvSpPr>
-          <p:cNvPr id="5" name="Foliennummernplatzhalter 4"/>
-          <p:cNvSpPr>
-            <a:spLocks noGrp="1"/>
-          </p:cNvSpPr>
-          <p:nvPr>
-            <p:ph type="sldNum" sz="quarter" idx="16"/>
-          </p:nvPr>
-        </p:nvSpPr>
-        <p:spPr/>
-        <p:txBody>
-          <a:bodyPr/>
-          <a:lstStyle/>
-          <a:p>
-            <a:pPr>
-              <a:defRPr/>
-            </a:pPr>
-            <a:fld id="{B53A9DA1-A25A-429F-A02C-54EE5606360E}" type="slidenum">
-              <a:rPr lang="de-DE" altLang="de-DE" smtClean="0"/>
-              <a:pPr>
-                <a:defRPr/>
-              </a:pPr>
-              <a:t>17</a:t>
-            </a:fld>
-            <a:endParaRPr lang="de-DE" altLang="de-DE" dirty="0"/>
-          </a:p>
-        </p:txBody>
-      </p:sp>
-      <p:sp>
-        <p:nvSpPr>
-          <p:cNvPr id="6" name="Titel 5"/>
-          <p:cNvSpPr>
-            <a:spLocks noGrp="1"/>
-          </p:cNvSpPr>
-          <p:nvPr>
-            <p:ph type="title"/>
-          </p:nvPr>
-        </p:nvSpPr>
-        <p:spPr/>
-        <p:txBody>
-          <a:bodyPr/>
-          <a:lstStyle/>
-          <a:p>
-            <a:r>
-              <a:rPr lang="de-DE" dirty="0" smtClean="0"/>
-              <a:t>4. Vektorraummodell</a:t>
-            </a:r>
-            <a:endParaRPr lang="de-DE" dirty="0"/>
-          </a:p>
-        </p:txBody>
-      </p:sp>
-      <p:pic>
-        <p:nvPicPr>
-          <p:cNvPr id="15364" name="Picture 4" descr="C:\Users\kreme\Documents\SuchTool\Praesentation\q.png"/>
-          <p:cNvPicPr>
-            <a:picLocks noChangeAspect="1" noChangeArrowheads="1"/>
-          </p:cNvPicPr>
-          <p:nvPr/>
-        </p:nvPicPr>
-        <p:blipFill>
-          <a:blip r:embed="rId2" cstate="print"/>
-          <a:srcRect/>
-          <a:stretch>
-            <a:fillRect/>
-          </a:stretch>
-        </p:blipFill>
-        <p:spPr bwMode="auto">
-          <a:xfrm>
-            <a:off x="3131840" y="1772816"/>
-            <a:ext cx="2779374" cy="2520280"/>
-          </a:xfrm>
-          <a:prstGeom prst="rect">
-            <a:avLst/>
-          </a:prstGeom>
-          <a:noFill/>
-        </p:spPr>
-      </p:pic>
-      <p:pic>
-        <p:nvPicPr>
-          <p:cNvPr id="15366" name="Picture 6" descr="C:\Users\kreme\Documents\SuchTool\Praesentation\formel.png"/>
-          <p:cNvPicPr>
-            <a:picLocks noChangeAspect="1" noChangeArrowheads="1"/>
-          </p:cNvPicPr>
-          <p:nvPr/>
-        </p:nvPicPr>
-        <p:blipFill>
-          <a:blip r:embed="rId3" cstate="print"/>
-          <a:srcRect/>
-          <a:stretch>
-            <a:fillRect/>
-          </a:stretch>
-        </p:blipFill>
-        <p:spPr bwMode="auto">
-          <a:xfrm>
-            <a:off x="5364088" y="4005064"/>
-            <a:ext cx="1982855" cy="1121338"/>
           </a:xfrm>
           <a:prstGeom prst="rect">
             <a:avLst/>
@@ -7517,6 +7461,97 @@
       </p:grpSpPr>
       <p:sp>
         <p:nvSpPr>
+          <p:cNvPr id="2" name="Inhaltsplatzhalter 1"/>
+          <p:cNvSpPr>
+            <a:spLocks noGrp="1"/>
+          </p:cNvSpPr>
+          <p:nvPr>
+            <p:ph sz="quarter" idx="13"/>
+          </p:nvPr>
+        </p:nvSpPr>
+        <p:spPr/>
+        <p:txBody>
+          <a:bodyPr/>
+          <a:lstStyle/>
+          <a:p>
+            <a:pPr>
+              <a:buFont typeface="Arial" pitchFamily="34" charset="0"/>
+              <a:buChar char="•"/>
+            </a:pPr>
+            <a:r>
+              <a:rPr lang="de-DE" dirty="0" smtClean="0"/>
+              <a:t> Repräsentation der Anfrage durch Anfragevektor</a:t>
+            </a:r>
+          </a:p>
+          <a:p>
+            <a:pPr>
+              <a:buFont typeface="Arial" pitchFamily="34" charset="0"/>
+              <a:buChar char="•"/>
+            </a:pPr>
+            <a:endParaRPr lang="de-DE" dirty="0" smtClean="0"/>
+          </a:p>
+          <a:p>
+            <a:pPr>
+              <a:buFont typeface="Arial" pitchFamily="34" charset="0"/>
+              <a:buChar char="•"/>
+            </a:pPr>
+            <a:endParaRPr lang="de-DE" dirty="0" smtClean="0"/>
+          </a:p>
+          <a:p>
+            <a:pPr>
+              <a:buFont typeface="Arial" pitchFamily="34" charset="0"/>
+              <a:buChar char="•"/>
+            </a:pPr>
+            <a:endParaRPr lang="de-DE" dirty="0" smtClean="0"/>
+          </a:p>
+          <a:p>
+            <a:pPr>
+              <a:buFont typeface="Arial" pitchFamily="34" charset="0"/>
+              <a:buChar char="•"/>
+            </a:pPr>
+            <a:r>
+              <a:rPr lang="de-DE" dirty="0" smtClean="0"/>
+              <a:t>  Beispiel: „Formular“</a:t>
+            </a:r>
+          </a:p>
+          <a:p>
+            <a:endParaRPr lang="de-DE" dirty="0" smtClean="0"/>
+          </a:p>
+          <a:p>
+            <a:pPr>
+              <a:buFont typeface="Arial" pitchFamily="34" charset="0"/>
+              <a:buChar char="•"/>
+            </a:pPr>
+            <a:endParaRPr lang="de-DE" dirty="0" smtClean="0"/>
+          </a:p>
+          <a:p>
+            <a:pPr>
+              <a:buFont typeface="Arial" pitchFamily="34" charset="0"/>
+              <a:buChar char="•"/>
+            </a:pPr>
+            <a:endParaRPr lang="de-DE" dirty="0" smtClean="0"/>
+          </a:p>
+          <a:p>
+            <a:pPr>
+              <a:buFont typeface="Arial" pitchFamily="34" charset="0"/>
+              <a:buChar char="•"/>
+            </a:pPr>
+            <a:endParaRPr lang="de-DE" dirty="0" smtClean="0"/>
+          </a:p>
+          <a:p>
+            <a:pPr>
+              <a:buFont typeface="Arial" pitchFamily="34" charset="0"/>
+              <a:buChar char="•"/>
+            </a:pPr>
+            <a:r>
+              <a:rPr lang="de-DE" dirty="0" smtClean="0"/>
+              <a:t> Ähnlichkeitsfunktion: Cosinus-Maß</a:t>
+            </a:r>
+          </a:p>
+        </p:txBody>
+      </p:sp>
+      <p:sp>
+        <p:nvSpPr>
           <p:cNvPr id="3" name="Datumsplatzhalter 2"/>
           <p:cNvSpPr>
             <a:spLocks noGrp="1"/>
@@ -7613,13 +7648,11 @@
       </p:sp>
       <p:pic>
         <p:nvPicPr>
-          <p:cNvPr id="40962" name="Picture 2" descr="C:\Users\kreme\Documents\SuchTool\Praesentation\berechnung.png"/>
+          <p:cNvPr id="15364" name="Picture 4" descr="C:\Users\kreme\Documents\SuchTool\Praesentation\q.png"/>
           <p:cNvPicPr>
-            <a:picLocks noGrp="1" noChangeAspect="1" noChangeArrowheads="1"/>
+            <a:picLocks noChangeAspect="1" noChangeArrowheads="1"/>
           </p:cNvPicPr>
-          <p:nvPr>
-            <p:ph sz="quarter" idx="13"/>
-          </p:nvPr>
+          <p:nvPr/>
         </p:nvPicPr>
         <p:blipFill>
           <a:blip r:embed="rId2" cstate="print"/>
@@ -7630,8 +7663,34 @@
         </p:blipFill>
         <p:spPr bwMode="auto">
           <a:xfrm>
-            <a:off x="107504" y="980728"/>
-            <a:ext cx="6748049" cy="5040312"/>
+            <a:off x="3131840" y="1772816"/>
+            <a:ext cx="2779374" cy="2520280"/>
+          </a:xfrm>
+          <a:prstGeom prst="rect">
+            <a:avLst/>
+          </a:prstGeom>
+          <a:noFill/>
+        </p:spPr>
+      </p:pic>
+      <p:pic>
+        <p:nvPicPr>
+          <p:cNvPr id="15366" name="Picture 6" descr="C:\Users\kreme\Documents\SuchTool\Praesentation\formel.png"/>
+          <p:cNvPicPr>
+            <a:picLocks noChangeAspect="1" noChangeArrowheads="1"/>
+          </p:cNvPicPr>
+          <p:nvPr/>
+        </p:nvPicPr>
+        <p:blipFill>
+          <a:blip r:embed="rId3" cstate="print"/>
+          <a:srcRect/>
+          <a:stretch>
+            <a:fillRect/>
+          </a:stretch>
+        </p:blipFill>
+        <p:spPr bwMode="auto">
+          <a:xfrm>
+            <a:off x="5364088" y="4005064"/>
+            <a:ext cx="1982855" cy="1121338"/>
           </a:xfrm>
           <a:prstGeom prst="rect">
             <a:avLst/>
@@ -7769,7 +7828,7 @@
       </p:sp>
       <p:pic>
         <p:nvPicPr>
-          <p:cNvPr id="39938" name="Picture 2" descr="C:\Users\kreme\Documents\SuchTool\Praesentation\berechnungB.png"/>
+          <p:cNvPr id="40962" name="Picture 2" descr="C:\Users\kreme\Documents\SuchTool\Praesentation\berechnung.png"/>
           <p:cNvPicPr>
             <a:picLocks noGrp="1" noChangeAspect="1" noChangeArrowheads="1"/>
           </p:cNvPicPr>
@@ -7842,13 +7901,33 @@
           <a:bodyPr/>
           <a:lstStyle/>
           <a:p>
-            <a:pPr>
-              <a:buFont typeface="Arial" pitchFamily="34" charset="0"/>
-              <a:buChar char="•"/>
+            <a:pPr lvl="1">
+              <a:buFont typeface="+mj-lt"/>
+              <a:buAutoNum type="arabicPeriod"/>
             </a:pPr>
             <a:r>
               <a:rPr lang="de-DE" dirty="0" smtClean="0"/>
-              <a:t> Information </a:t>
+              <a:t>Einleitung</a:t>
+            </a:r>
+          </a:p>
+          <a:p>
+            <a:pPr lvl="1">
+              <a:buFont typeface="+mj-lt"/>
+              <a:buAutoNum type="arabicPeriod"/>
+            </a:pPr>
+            <a:r>
+              <a:rPr lang="de-DE" dirty="0" smtClean="0"/>
+              <a:t>Problemstellung</a:t>
+            </a:r>
+          </a:p>
+          <a:p>
+            <a:pPr lvl="1">
+              <a:buFont typeface="+mj-lt"/>
+              <a:buAutoNum type="arabicPeriod"/>
+            </a:pPr>
+            <a:r>
+              <a:rPr lang="de-DE" dirty="0" smtClean="0"/>
+              <a:t>Boolesches </a:t>
             </a:r>
             <a:r>
               <a:rPr lang="de-DE" dirty="0" err="1" smtClean="0"/>
@@ -7857,57 +7936,46 @@
             <a:endParaRPr lang="de-DE" dirty="0" smtClean="0"/>
           </a:p>
           <a:p>
-            <a:pPr>
-              <a:buFont typeface="Arial" pitchFamily="34" charset="0"/>
-              <a:buChar char="•"/>
+            <a:pPr lvl="1">
+              <a:buFont typeface="+mj-lt"/>
+              <a:buAutoNum type="arabicPeriod"/>
             </a:pPr>
             <a:r>
               <a:rPr lang="de-DE" dirty="0" smtClean="0"/>
-              <a:t> </a:t>
-            </a:r>
+              <a:t>Vektorraummodell</a:t>
+            </a:r>
+          </a:p>
+          <a:p>
+            <a:pPr lvl="1">
+              <a:buFont typeface="+mj-lt"/>
+              <a:buAutoNum type="arabicPeriod"/>
+            </a:pPr>
             <a:r>
               <a:rPr lang="de-DE" dirty="0" smtClean="0"/>
-              <a:t>Unstrukturierte/semistrukturierte </a:t>
-            </a:r>
+              <a:t>Kombination</a:t>
+            </a:r>
+          </a:p>
+          <a:p>
+            <a:pPr lvl="1">
+              <a:buFont typeface="+mj-lt"/>
+              <a:buAutoNum type="arabicPeriod"/>
+            </a:pPr>
             <a:r>
               <a:rPr lang="de-DE" dirty="0" smtClean="0"/>
-              <a:t>Dokumente</a:t>
-            </a:r>
-          </a:p>
-          <a:p>
-            <a:pPr>
-              <a:buFont typeface="Arial" pitchFamily="34" charset="0"/>
-              <a:buChar char="•"/>
-            </a:pPr>
-            <a:r>
-              <a:rPr lang="de-DE" dirty="0" smtClean="0"/>
-              <a:t> Beispiele:</a:t>
-            </a:r>
-          </a:p>
-          <a:p>
-            <a:pPr lvl="1"/>
-            <a:r>
-              <a:rPr lang="de-DE" dirty="0" smtClean="0"/>
-              <a:t>Onlinekatalog Bibliothek</a:t>
-            </a:r>
-          </a:p>
-          <a:p>
-            <a:pPr lvl="1"/>
-            <a:r>
-              <a:rPr lang="de-DE" dirty="0" smtClean="0"/>
-              <a:t>Websuche</a:t>
-            </a:r>
-          </a:p>
-          <a:p>
-            <a:pPr lvl="1"/>
-            <a:r>
-              <a:rPr lang="de-DE" dirty="0" smtClean="0"/>
-              <a:t>E-Mail Posteingänge</a:t>
+              <a:t>Benutzeroberfläche</a:t>
             </a:r>
           </a:p>
           <a:p>
             <a:pPr lvl="1">
-              <a:buNone/>
+              <a:buFont typeface="+mj-lt"/>
+              <a:buAutoNum type="arabicPeriod"/>
+            </a:pPr>
+            <a:endParaRPr lang="de-DE" dirty="0" smtClean="0"/>
+          </a:p>
+          <a:p>
+            <a:pPr lvl="1">
+              <a:buFont typeface="+mj-lt"/>
+              <a:buAutoNum type="arabicPeriod"/>
             </a:pPr>
             <a:endParaRPr lang="de-DE" dirty="0" smtClean="0"/>
           </a:p>
@@ -7971,90 +8039,12 @@
           <a:p>
             <a:r>
               <a:rPr lang="de-DE" dirty="0" smtClean="0"/>
-              <a:t>1. Einleitung</a:t>
+              <a:t>Übersicht</a:t>
             </a:r>
             <a:endParaRPr lang="de-DE" dirty="0"/>
           </a:p>
         </p:txBody>
       </p:sp>
-      <p:pic>
-        <p:nvPicPr>
-          <p:cNvPr id="8" name="Picture 7" descr="C:\Users\kreme\Documents\SuchTool\Praesentation\bibSuche.png"/>
-          <p:cNvPicPr>
-            <a:picLocks noChangeAspect="1" noChangeArrowheads="1"/>
-          </p:cNvPicPr>
-          <p:nvPr/>
-        </p:nvPicPr>
-        <p:blipFill>
-          <a:blip r:embed="rId2" cstate="print"/>
-          <a:srcRect/>
-          <a:stretch>
-            <a:fillRect/>
-          </a:stretch>
-        </p:blipFill>
-        <p:spPr bwMode="auto">
-          <a:xfrm>
-            <a:off x="395536" y="3789040"/>
-            <a:ext cx="6985000" cy="1895475"/>
-          </a:xfrm>
-          <a:prstGeom prst="rect">
-            <a:avLst/>
-          </a:prstGeom>
-          <a:noFill/>
-        </p:spPr>
-      </p:pic>
-      <p:pic>
-        <p:nvPicPr>
-          <p:cNvPr id="9" name="Picture 2" descr="Bildergebnis für google"/>
-          <p:cNvPicPr>
-            <a:picLocks noChangeAspect="1" noChangeArrowheads="1"/>
-          </p:cNvPicPr>
-          <p:nvPr/>
-        </p:nvPicPr>
-        <p:blipFill>
-          <a:blip r:embed="rId3" cstate="print"/>
-          <a:srcRect/>
-          <a:stretch>
-            <a:fillRect/>
-          </a:stretch>
-        </p:blipFill>
-        <p:spPr bwMode="auto">
-          <a:xfrm>
-            <a:off x="6732240" y="1196752"/>
-            <a:ext cx="2088232" cy="706004"/>
-          </a:xfrm>
-          <a:prstGeom prst="rect">
-            <a:avLst/>
-          </a:prstGeom>
-          <a:noFill/>
-        </p:spPr>
-      </p:pic>
-      <p:pic>
-        <p:nvPicPr>
-          <p:cNvPr id="10" name="Picture 4" descr="Bildergebnis für bing logo"/>
-          <p:cNvPicPr>
-            <a:picLocks noChangeAspect="1" noChangeArrowheads="1"/>
-          </p:cNvPicPr>
-          <p:nvPr/>
-        </p:nvPicPr>
-        <p:blipFill>
-          <a:blip r:embed="rId4" cstate="print"/>
-          <a:srcRect/>
-          <a:stretch>
-            <a:fillRect/>
-          </a:stretch>
-        </p:blipFill>
-        <p:spPr bwMode="auto">
-          <a:xfrm>
-            <a:off x="6804248" y="2204864"/>
-            <a:ext cx="1584176" cy="670106"/>
-          </a:xfrm>
-          <a:prstGeom prst="rect">
-            <a:avLst/>
-          </a:prstGeom>
-          <a:noFill/>
-        </p:spPr>
-      </p:pic>
     </p:spTree>
   </p:cSld>
   <p:clrMapOvr>
@@ -8204,32 +8194,6 @@
           <a:xfrm>
             <a:off x="107504" y="980728"/>
             <a:ext cx="6748049" cy="5040312"/>
-          </a:xfrm>
-          <a:prstGeom prst="rect">
-            <a:avLst/>
-          </a:prstGeom>
-          <a:noFill/>
-        </p:spPr>
-      </p:pic>
-      <p:pic>
-        <p:nvPicPr>
-          <p:cNvPr id="43011" name="Picture 3" descr="C:\Users\kreme\Documents\SuchTool\Praesentation\berechnungC.png"/>
-          <p:cNvPicPr>
-            <a:picLocks noChangeAspect="1" noChangeArrowheads="1"/>
-          </p:cNvPicPr>
-          <p:nvPr/>
-        </p:nvPicPr>
-        <p:blipFill>
-          <a:blip r:embed="rId3" cstate="print"/>
-          <a:srcRect/>
-          <a:stretch>
-            <a:fillRect/>
-          </a:stretch>
-        </p:blipFill>
-        <p:spPr bwMode="auto">
-          <a:xfrm>
-            <a:off x="6300192" y="1772816"/>
-            <a:ext cx="2727734" cy="2456999"/>
           </a:xfrm>
           <a:prstGeom prst="rect">
             <a:avLst/>
@@ -8271,45 +8235,6 @@
       </p:grpSpPr>
       <p:sp>
         <p:nvSpPr>
-          <p:cNvPr id="2" name="Inhaltsplatzhalter 1"/>
-          <p:cNvSpPr>
-            <a:spLocks noGrp="1"/>
-          </p:cNvSpPr>
-          <p:nvPr>
-            <p:ph sz="quarter" idx="13"/>
-          </p:nvPr>
-        </p:nvSpPr>
-        <p:spPr/>
-        <p:txBody>
-          <a:bodyPr/>
-          <a:lstStyle/>
-          <a:p>
-            <a:pPr>
-              <a:buFont typeface="Arial" pitchFamily="34" charset="0"/>
-              <a:buChar char="•"/>
-            </a:pPr>
-            <a:r>
-              <a:rPr lang="de-DE" dirty="0" smtClean="0"/>
-              <a:t> Längenunabhängige Ähnlichkeitsfunktion</a:t>
-            </a:r>
-          </a:p>
-          <a:p>
-            <a:pPr>
-              <a:buFont typeface="Arial" pitchFamily="34" charset="0"/>
-              <a:buChar char="•"/>
-            </a:pPr>
-            <a:r>
-              <a:rPr lang="de-DE" dirty="0" smtClean="0"/>
-              <a:t> Cosinus-Maß</a:t>
-            </a:r>
-          </a:p>
-          <a:p>
-            <a:endParaRPr lang="de-DE" dirty="0" smtClean="0"/>
-          </a:p>
-        </p:txBody>
-      </p:sp>
-      <p:sp>
-        <p:nvSpPr>
           <p:cNvPr id="3" name="Datumsplatzhalter 2"/>
           <p:cNvSpPr>
             <a:spLocks noGrp="1"/>
@@ -8406,11 +8331,13 @@
       </p:sp>
       <p:pic>
         <p:nvPicPr>
-          <p:cNvPr id="37890" name="Picture 2" descr="C:\Users\kreme\Documents\SuchTool\Bilder\cos-maß.png"/>
+          <p:cNvPr id="39938" name="Picture 2" descr="C:\Users\kreme\Documents\SuchTool\Praesentation\berechnungB.png"/>
           <p:cNvPicPr>
-            <a:picLocks noChangeAspect="1" noChangeArrowheads="1"/>
+            <a:picLocks noGrp="1" noChangeAspect="1" noChangeArrowheads="1"/>
           </p:cNvPicPr>
-          <p:nvPr/>
+          <p:nvPr>
+            <p:ph sz="quarter" idx="13"/>
+          </p:nvPr>
         </p:nvPicPr>
         <p:blipFill>
           <a:blip r:embed="rId2" cstate="print"/>
@@ -8421,8 +8348,34 @@
         </p:blipFill>
         <p:spPr bwMode="auto">
           <a:xfrm>
-            <a:off x="1403648" y="1988840"/>
-            <a:ext cx="5644553" cy="4147883"/>
+            <a:off x="107504" y="980728"/>
+            <a:ext cx="6748049" cy="5040312"/>
+          </a:xfrm>
+          <a:prstGeom prst="rect">
+            <a:avLst/>
+          </a:prstGeom>
+          <a:noFill/>
+        </p:spPr>
+      </p:pic>
+      <p:pic>
+        <p:nvPicPr>
+          <p:cNvPr id="43011" name="Picture 3" descr="C:\Users\kreme\Documents\SuchTool\Praesentation\berechnungC.png"/>
+          <p:cNvPicPr>
+            <a:picLocks noChangeAspect="1" noChangeArrowheads="1"/>
+          </p:cNvPicPr>
+          <p:nvPr/>
+        </p:nvPicPr>
+        <p:blipFill>
+          <a:blip r:embed="rId3" cstate="print"/>
+          <a:srcRect/>
+          <a:stretch>
+            <a:fillRect/>
+          </a:stretch>
+        </p:blipFill>
+        <p:spPr bwMode="auto">
+          <a:xfrm>
+            <a:off x="6300192" y="1772816"/>
+            <a:ext cx="2727734" cy="2456999"/>
           </a:xfrm>
           <a:prstGeom prst="rect">
             <a:avLst/>
@@ -8483,32 +8436,8 @@
             </a:pPr>
             <a:r>
               <a:rPr lang="de-DE" dirty="0" smtClean="0"/>
-              <a:t> Bsp.:</a:t>
-            </a:r>
-          </a:p>
-          <a:p>
-            <a:pPr lvl="1">
-              <a:buNone/>
-            </a:pPr>
-            <a:r>
-              <a:rPr lang="de-DE" dirty="0" smtClean="0"/>
-              <a:t>((Freitext = DFKI) OR </a:t>
-            </a:r>
-          </a:p>
-          <a:p>
-            <a:pPr lvl="1">
-              <a:buNone/>
-            </a:pPr>
-            <a:r>
-              <a:rPr lang="de-DE" dirty="0" smtClean="0"/>
-              <a:t>		((Absender = Daniel) AND  (Absender-Mail-Adresse = Daniel)))</a:t>
-            </a:r>
-          </a:p>
-          <a:p>
-            <a:pPr lvl="1">
-              <a:buNone/>
-            </a:pPr>
-            <a:endParaRPr lang="de-DE" dirty="0" smtClean="0"/>
+              <a:t> Längenunabhängige Ähnlichkeitsfunktion</a:t>
+            </a:r>
           </a:p>
           <a:p>
             <a:pPr>
@@ -8517,38 +8446,11 @@
             </a:pPr>
             <a:r>
               <a:rPr lang="de-DE" dirty="0" smtClean="0"/>
-              <a:t> AND: Durchschnitt der </a:t>
-            </a:r>
-            <a:r>
-              <a:rPr lang="de-DE" i="1" dirty="0" err="1" smtClean="0"/>
-              <a:t>docIDs</a:t>
-            </a:r>
-            <a:endParaRPr lang="de-DE" i="1" dirty="0" smtClean="0"/>
-          </a:p>
-          <a:p>
-            <a:pPr>
-              <a:buFont typeface="Arial" pitchFamily="34" charset="0"/>
-              <a:buChar char="•"/>
-            </a:pPr>
-            <a:r>
-              <a:rPr lang="de-DE" dirty="0" smtClean="0"/>
-              <a:t> OR: Vereinigung der </a:t>
-            </a:r>
-            <a:r>
-              <a:rPr lang="de-DE" i="1" dirty="0" err="1" smtClean="0"/>
-              <a:t>docIDs</a:t>
-            </a:r>
-            <a:endParaRPr lang="de-DE" i="1" dirty="0" smtClean="0"/>
-          </a:p>
-          <a:p>
-            <a:pPr>
-              <a:buFont typeface="Arial" pitchFamily="34" charset="0"/>
-              <a:buChar char="•"/>
-            </a:pPr>
-            <a:r>
-              <a:rPr lang="de-DE" dirty="0" smtClean="0"/>
-              <a:t> Problem: Score</a:t>
-            </a:r>
+              <a:t> Cosinus-Maß</a:t>
+            </a:r>
+          </a:p>
+          <a:p>
+            <a:endParaRPr lang="de-DE" dirty="0" smtClean="0"/>
           </a:p>
         </p:txBody>
       </p:sp>
@@ -8642,12 +8544,38 @@
           <a:p>
             <a:r>
               <a:rPr lang="de-DE" dirty="0" smtClean="0"/>
-              <a:t>5. Kombination</a:t>
+              <a:t>4. Vektorraummodell</a:t>
             </a:r>
             <a:endParaRPr lang="de-DE" dirty="0"/>
           </a:p>
         </p:txBody>
       </p:sp>
+      <p:pic>
+        <p:nvPicPr>
+          <p:cNvPr id="37890" name="Picture 2" descr="C:\Users\kreme\Documents\SuchTool\Bilder\cos-maß.png"/>
+          <p:cNvPicPr>
+            <a:picLocks noChangeAspect="1" noChangeArrowheads="1"/>
+          </p:cNvPicPr>
+          <p:nvPr/>
+        </p:nvPicPr>
+        <p:blipFill>
+          <a:blip r:embed="rId2" cstate="print"/>
+          <a:srcRect/>
+          <a:stretch>
+            <a:fillRect/>
+          </a:stretch>
+        </p:blipFill>
+        <p:spPr bwMode="auto">
+          <a:xfrm>
+            <a:off x="1403648" y="1988840"/>
+            <a:ext cx="5644553" cy="4147883"/>
+          </a:xfrm>
+          <a:prstGeom prst="rect">
+            <a:avLst/>
+          </a:prstGeom>
+          <a:noFill/>
+        </p:spPr>
+      </p:pic>
     </p:spTree>
   </p:cSld>
   <p:clrMapOvr>
@@ -8738,10 +8666,10 @@
               <a:t> AND: Durchschnitt der </a:t>
             </a:r>
             <a:r>
-              <a:rPr lang="de-DE" dirty="0" err="1" smtClean="0"/>
+              <a:rPr lang="de-DE" i="1" dirty="0" err="1" smtClean="0"/>
               <a:t>docIDs</a:t>
             </a:r>
-            <a:endParaRPr lang="de-DE" dirty="0" smtClean="0"/>
+            <a:endParaRPr lang="de-DE" i="1" dirty="0" smtClean="0"/>
           </a:p>
           <a:p>
             <a:pPr>
@@ -8753,10 +8681,10 @@
               <a:t> OR: Vereinigung der </a:t>
             </a:r>
             <a:r>
-              <a:rPr lang="de-DE" dirty="0" err="1" smtClean="0"/>
+              <a:rPr lang="de-DE" i="1" dirty="0" err="1" smtClean="0"/>
               <a:t>docIDs</a:t>
             </a:r>
-            <a:endParaRPr lang="de-DE" dirty="0" smtClean="0"/>
+            <a:endParaRPr lang="de-DE" i="1" dirty="0" smtClean="0"/>
           </a:p>
           <a:p>
             <a:pPr>
@@ -8767,35 +8695,6 @@
               <a:rPr lang="de-DE" dirty="0" smtClean="0"/>
               <a:t> Problem: Score</a:t>
             </a:r>
-          </a:p>
-          <a:p>
-            <a:r>
-              <a:rPr lang="de-DE" dirty="0" smtClean="0"/>
-              <a:t>	</a:t>
-            </a:r>
-            <a:r>
-              <a:rPr lang="de-DE" dirty="0" smtClean="0">
-                <a:sym typeface="Wingdings" pitchFamily="2" charset="2"/>
-              </a:rPr>
-              <a:t> Lösung: Metadatentreffer mit Score 1 versehen</a:t>
-            </a:r>
-          </a:p>
-          <a:p>
-            <a:r>
-              <a:rPr lang="de-DE" dirty="0" smtClean="0">
-                <a:sym typeface="Wingdings" pitchFamily="2" charset="2"/>
-              </a:rPr>
-              <a:t>	 Addition der Score-Werte</a:t>
-            </a:r>
-          </a:p>
-          <a:p>
-            <a:r>
-              <a:rPr lang="de-DE" dirty="0" smtClean="0">
-                <a:sym typeface="Wingdings" pitchFamily="2" charset="2"/>
-              </a:rPr>
-              <a:t>	 Kommazahl impliziert Freitexttreffer</a:t>
-            </a:r>
-            <a:endParaRPr lang="de-DE" dirty="0" smtClean="0"/>
           </a:p>
         </p:txBody>
       </p:sp>
@@ -8929,6 +8828,125 @@
       </p:grpSpPr>
       <p:sp>
         <p:nvSpPr>
+          <p:cNvPr id="2" name="Inhaltsplatzhalter 1"/>
+          <p:cNvSpPr>
+            <a:spLocks noGrp="1"/>
+          </p:cNvSpPr>
+          <p:nvPr>
+            <p:ph sz="quarter" idx="13"/>
+          </p:nvPr>
+        </p:nvSpPr>
+        <p:spPr/>
+        <p:txBody>
+          <a:bodyPr/>
+          <a:lstStyle/>
+          <a:p>
+            <a:pPr>
+              <a:buFont typeface="Arial" pitchFamily="34" charset="0"/>
+              <a:buChar char="•"/>
+            </a:pPr>
+            <a:r>
+              <a:rPr lang="de-DE" dirty="0" smtClean="0"/>
+              <a:t> Bsp.:</a:t>
+            </a:r>
+          </a:p>
+          <a:p>
+            <a:pPr lvl="1">
+              <a:buNone/>
+            </a:pPr>
+            <a:r>
+              <a:rPr lang="de-DE" dirty="0" smtClean="0"/>
+              <a:t>((Freitext = DFKI) OR </a:t>
+            </a:r>
+          </a:p>
+          <a:p>
+            <a:pPr lvl="1">
+              <a:buNone/>
+            </a:pPr>
+            <a:r>
+              <a:rPr lang="de-DE" dirty="0" smtClean="0"/>
+              <a:t>		((Absender = Daniel) AND  (Absender-Mail-Adresse = Daniel)))</a:t>
+            </a:r>
+          </a:p>
+          <a:p>
+            <a:pPr lvl="1">
+              <a:buNone/>
+            </a:pPr>
+            <a:endParaRPr lang="de-DE" dirty="0" smtClean="0"/>
+          </a:p>
+          <a:p>
+            <a:pPr>
+              <a:buFont typeface="Arial" pitchFamily="34" charset="0"/>
+              <a:buChar char="•"/>
+            </a:pPr>
+            <a:r>
+              <a:rPr lang="de-DE" dirty="0" smtClean="0"/>
+              <a:t> AND: Durchschnitt der </a:t>
+            </a:r>
+            <a:r>
+              <a:rPr lang="de-DE" dirty="0" err="1" smtClean="0"/>
+              <a:t>docIDs</a:t>
+            </a:r>
+            <a:endParaRPr lang="de-DE" dirty="0" smtClean="0"/>
+          </a:p>
+          <a:p>
+            <a:pPr>
+              <a:buFont typeface="Arial" pitchFamily="34" charset="0"/>
+              <a:buChar char="•"/>
+            </a:pPr>
+            <a:r>
+              <a:rPr lang="de-DE" dirty="0" smtClean="0"/>
+              <a:t> OR: Vereinigung der </a:t>
+            </a:r>
+            <a:r>
+              <a:rPr lang="de-DE" dirty="0" err="1" smtClean="0"/>
+              <a:t>docIDs</a:t>
+            </a:r>
+            <a:endParaRPr lang="de-DE" dirty="0" smtClean="0"/>
+          </a:p>
+          <a:p>
+            <a:pPr>
+              <a:buFont typeface="Arial" pitchFamily="34" charset="0"/>
+              <a:buChar char="•"/>
+            </a:pPr>
+            <a:r>
+              <a:rPr lang="de-DE" dirty="0" smtClean="0"/>
+              <a:t> Problem: Score</a:t>
+            </a:r>
+          </a:p>
+          <a:p>
+            <a:r>
+              <a:rPr lang="de-DE" dirty="0" smtClean="0"/>
+              <a:t>	</a:t>
+            </a:r>
+            <a:r>
+              <a:rPr lang="de-DE" dirty="0" smtClean="0">
+                <a:sym typeface="Wingdings" pitchFamily="2" charset="2"/>
+              </a:rPr>
+              <a:t> Lösung: Metadatentreffer mit Score 1 versehen</a:t>
+            </a:r>
+          </a:p>
+          <a:p>
+            <a:r>
+              <a:rPr lang="de-DE" dirty="0" smtClean="0">
+                <a:sym typeface="Wingdings" pitchFamily="2" charset="2"/>
+              </a:rPr>
+              <a:t>	 Addition der Score-Werte</a:t>
+            </a:r>
+          </a:p>
+          <a:p>
+            <a:r>
+              <a:rPr lang="de-DE" dirty="0" smtClean="0">
+                <a:sym typeface="Wingdings" pitchFamily="2" charset="2"/>
+              </a:rPr>
+              <a:t>	 Kommazahl impliziert Freitexttreffer</a:t>
+            </a:r>
+            <a:endParaRPr lang="de-DE" dirty="0" smtClean="0"/>
+          </a:p>
+        </p:txBody>
+      </p:sp>
+      <p:sp>
+        <p:nvSpPr>
           <p:cNvPr id="3" name="Datumsplatzhalter 2"/>
           <p:cNvSpPr>
             <a:spLocks noGrp="1"/>
@@ -9017,40 +9035,12 @@
           <a:p>
             <a:r>
               <a:rPr lang="de-DE" dirty="0" smtClean="0"/>
-              <a:t>6. Benutzeroberfläche</a:t>
+              <a:t>5. Kombination</a:t>
             </a:r>
             <a:endParaRPr lang="de-DE" dirty="0"/>
           </a:p>
         </p:txBody>
       </p:sp>
-      <p:pic>
-        <p:nvPicPr>
-          <p:cNvPr id="37890" name="Picture 2" descr="C:\Users\kreme\Documents\SuchTool\Bilder\Overview.png"/>
-          <p:cNvPicPr>
-            <a:picLocks noGrp="1" noChangeAspect="1" noChangeArrowheads="1"/>
-          </p:cNvPicPr>
-          <p:nvPr>
-            <p:ph sz="quarter" idx="13"/>
-          </p:nvPr>
-        </p:nvPicPr>
-        <p:blipFill>
-          <a:blip r:embed="rId2" cstate="print"/>
-          <a:srcRect/>
-          <a:stretch>
-            <a:fillRect/>
-          </a:stretch>
-        </p:blipFill>
-        <p:spPr bwMode="auto">
-          <a:xfrm>
-            <a:off x="179512" y="1080000"/>
-            <a:ext cx="6759128" cy="5040312"/>
-          </a:xfrm>
-          <a:prstGeom prst="rect">
-            <a:avLst/>
-          </a:prstGeom>
-          <a:noFill/>
-        </p:spPr>
-      </p:pic>
     </p:spTree>
   </p:cSld>
   <p:clrMapOvr>
@@ -9123,7 +9113,7 @@
             <a:pPr>
               <a:defRPr/>
             </a:pPr>
-            <a:endParaRPr lang="de-DE" dirty="0"/>
+            <a:endParaRPr lang="de-DE"/>
           </a:p>
         </p:txBody>
       </p:sp>
@@ -9181,7 +9171,7 @@
       </p:sp>
       <p:pic>
         <p:nvPicPr>
-          <p:cNvPr id="38915" name="Picture 3" descr="C:\Users\kreme\Documents\SuchTool\Bilder\a.png"/>
+          <p:cNvPr id="37890" name="Picture 2" descr="C:\Users\kreme\Documents\SuchTool\Bilder\Overview.png"/>
           <p:cNvPicPr>
             <a:picLocks noGrp="1" noChangeAspect="1" noChangeArrowheads="1"/>
           </p:cNvPicPr>
@@ -9198,7 +9188,7 @@
         </p:blipFill>
         <p:spPr bwMode="auto">
           <a:xfrm>
-            <a:off x="180000" y="1080000"/>
+            <a:off x="179512" y="1080000"/>
             <a:ext cx="6759128" cy="5040312"/>
           </a:xfrm>
           <a:prstGeom prst="rect">
@@ -9207,52 +9197,6 @@
           <a:noFill/>
         </p:spPr>
       </p:pic>
-      <p:sp>
-        <p:nvSpPr>
-          <p:cNvPr id="9" name="Textfeld 8"/>
-          <p:cNvSpPr txBox="1"/>
-          <p:nvPr/>
-        </p:nvSpPr>
-        <p:spPr>
-          <a:xfrm>
-            <a:off x="6984000" y="1196752"/>
-            <a:ext cx="1944216" cy="646331"/>
-          </a:xfrm>
-          <a:prstGeom prst="rect">
-            <a:avLst/>
-          </a:prstGeom>
-          <a:noFill/>
-        </p:spPr>
-        <p:txBody>
-          <a:bodyPr wrap="square" rtlCol="0">
-            <a:spAutoFit/>
-          </a:bodyPr>
-          <a:lstStyle/>
-          <a:p>
-            <a:r>
-              <a:rPr lang="de-DE" dirty="0" smtClean="0">
-                <a:latin typeface="Verdana" pitchFamily="34" charset="0"/>
-                <a:ea typeface="Verdana" pitchFamily="34" charset="0"/>
-                <a:cs typeface="Verdana" pitchFamily="34" charset="0"/>
-              </a:rPr>
-              <a:t>Verzeichnis-</a:t>
-            </a:r>
-            <a:r>
-              <a:rPr lang="de-DE" dirty="0" err="1" smtClean="0">
-                <a:latin typeface="Verdana" pitchFamily="34" charset="0"/>
-                <a:ea typeface="Verdana" pitchFamily="34" charset="0"/>
-                <a:cs typeface="Verdana" pitchFamily="34" charset="0"/>
-              </a:rPr>
-              <a:t>auswahl</a:t>
-            </a:r>
-            <a:endParaRPr lang="de-DE" dirty="0">
-              <a:latin typeface="Verdana" pitchFamily="34" charset="0"/>
-              <a:ea typeface="Verdana" pitchFamily="34" charset="0"/>
-              <a:cs typeface="Verdana" pitchFamily="34" charset="0"/>
-            </a:endParaRPr>
-          </a:p>
-        </p:txBody>
-      </p:sp>
     </p:spTree>
   </p:cSld>
   <p:clrMapOvr>
@@ -9325,7 +9269,7 @@
             <a:pPr>
               <a:defRPr/>
             </a:pPr>
-            <a:endParaRPr lang="de-DE"/>
+            <a:endParaRPr lang="de-DE" dirty="0"/>
           </a:p>
         </p:txBody>
       </p:sp>
@@ -9383,7 +9327,7 @@
       </p:sp>
       <p:pic>
         <p:nvPicPr>
-          <p:cNvPr id="39938" name="Picture 2" descr="C:\Users\kreme\Documents\SuchTool\Bilder\b.png"/>
+          <p:cNvPr id="38915" name="Picture 3" descr="C:\Users\kreme\Documents\SuchTool\Bilder\a.png"/>
           <p:cNvPicPr>
             <a:picLocks noGrp="1" noChangeAspect="1" noChangeArrowheads="1"/>
           </p:cNvPicPr>
@@ -9417,8 +9361,8 @@
         </p:nvSpPr>
         <p:spPr>
           <a:xfrm>
-            <a:off x="6983760" y="2060848"/>
-            <a:ext cx="2160240" cy="369332"/>
+            <a:off x="6984000" y="1196752"/>
+            <a:ext cx="1944216" cy="646331"/>
           </a:xfrm>
           <a:prstGeom prst="rect">
             <a:avLst/>
@@ -9437,7 +9381,15 @@
                 <a:ea typeface="Verdana" pitchFamily="34" charset="0"/>
                 <a:cs typeface="Verdana" pitchFamily="34" charset="0"/>
               </a:rPr>
-              <a:t>Gesamtanfrage</a:t>
+              <a:t>Verzeichnis-</a:t>
+            </a:r>
+            <a:r>
+              <a:rPr lang="de-DE" dirty="0" err="1" smtClean="0">
+                <a:latin typeface="Verdana" pitchFamily="34" charset="0"/>
+                <a:ea typeface="Verdana" pitchFamily="34" charset="0"/>
+                <a:cs typeface="Verdana" pitchFamily="34" charset="0"/>
+              </a:rPr>
+              <a:t>auswahl</a:t>
             </a:r>
             <a:endParaRPr lang="de-DE" dirty="0">
               <a:latin typeface="Verdana" pitchFamily="34" charset="0"/>
@@ -9577,7 +9529,7 @@
       </p:sp>
       <p:pic>
         <p:nvPicPr>
-          <p:cNvPr id="40962" name="Picture 2" descr="C:\Users\kreme\Documents\SuchTool\Bilder\c.png"/>
+          <p:cNvPr id="39938" name="Picture 2" descr="C:\Users\kreme\Documents\SuchTool\Bilder\b.png"/>
           <p:cNvPicPr>
             <a:picLocks noGrp="1" noChangeAspect="1" noChangeArrowheads="1"/>
           </p:cNvPicPr>
@@ -9605,14 +9557,14 @@
       </p:pic>
       <p:sp>
         <p:nvSpPr>
-          <p:cNvPr id="8" name="Textfeld 7"/>
+          <p:cNvPr id="9" name="Textfeld 8"/>
           <p:cNvSpPr txBox="1"/>
           <p:nvPr/>
         </p:nvSpPr>
         <p:spPr>
           <a:xfrm>
-            <a:off x="6984000" y="4437112"/>
-            <a:ext cx="1872208" cy="369332"/>
+            <a:off x="6983760" y="2060848"/>
+            <a:ext cx="2160240" cy="369332"/>
           </a:xfrm>
           <a:prstGeom prst="rect">
             <a:avLst/>
@@ -9631,7 +9583,7 @@
                 <a:ea typeface="Verdana" pitchFamily="34" charset="0"/>
                 <a:cs typeface="Verdana" pitchFamily="34" charset="0"/>
               </a:rPr>
-              <a:t>Teilanfrage</a:t>
+              <a:t>Gesamtanfrage</a:t>
             </a:r>
             <a:endParaRPr lang="de-DE" dirty="0">
               <a:latin typeface="Verdana" pitchFamily="34" charset="0"/>
@@ -9771,7 +9723,7 @@
       </p:sp>
       <p:pic>
         <p:nvPicPr>
-          <p:cNvPr id="41986" name="Picture 2" descr="C:\Users\kreme\Documents\SuchTool\Bilder\d.png"/>
+          <p:cNvPr id="40962" name="Picture 2" descr="C:\Users\kreme\Documents\SuchTool\Bilder\c.png"/>
           <p:cNvPicPr>
             <a:picLocks noGrp="1" noChangeAspect="1" noChangeArrowheads="1"/>
           </p:cNvPicPr>
@@ -9805,8 +9757,8 @@
         </p:nvSpPr>
         <p:spPr>
           <a:xfrm>
-            <a:off x="6984000" y="5301208"/>
-            <a:ext cx="1944216" cy="646331"/>
+            <a:off x="6984000" y="4437112"/>
+            <a:ext cx="1872208" cy="369332"/>
           </a:xfrm>
           <a:prstGeom prst="rect">
             <a:avLst/>
@@ -9825,18 +9777,13 @@
                 <a:ea typeface="Verdana" pitchFamily="34" charset="0"/>
                 <a:cs typeface="Verdana" pitchFamily="34" charset="0"/>
               </a:rPr>
-              <a:t>Suchbereiche</a:t>
-            </a:r>
-          </a:p>
-          <a:p>
-            <a:r>
-              <a:rPr lang="de-DE" dirty="0" smtClean="0">
-                <a:latin typeface="Verdana" pitchFamily="34" charset="0"/>
-                <a:ea typeface="Verdana" pitchFamily="34" charset="0"/>
-                <a:cs typeface="Verdana" pitchFamily="34" charset="0"/>
-              </a:rPr>
-              <a:t>auswählen</a:t>
-            </a:r>
+              <a:t>Teilanfrage</a:t>
+            </a:r>
+            <a:endParaRPr lang="de-DE" dirty="0">
+              <a:latin typeface="Verdana" pitchFamily="34" charset="0"/>
+              <a:ea typeface="Verdana" pitchFamily="34" charset="0"/>
+              <a:cs typeface="Verdana" pitchFamily="34" charset="0"/>
+            </a:endParaRPr>
           </a:p>
         </p:txBody>
       </p:sp>
@@ -9970,7 +9917,7 @@
       </p:sp>
       <p:pic>
         <p:nvPicPr>
-          <p:cNvPr id="43010" name="Picture 2" descr="C:\Users\kreme\Documents\SuchTool\Bilder\e.png"/>
+          <p:cNvPr id="41986" name="Picture 2" descr="C:\Users\kreme\Documents\SuchTool\Bilder\d.png"/>
           <p:cNvPicPr>
             <a:picLocks noGrp="1" noChangeAspect="1" noChangeArrowheads="1"/>
           </p:cNvPicPr>
@@ -9987,8 +9934,8 @@
         </p:blipFill>
         <p:spPr bwMode="auto">
           <a:xfrm>
-            <a:off x="180000" y="1412775"/>
-            <a:ext cx="3372321" cy="4758402"/>
+            <a:off x="180000" y="1080000"/>
+            <a:ext cx="6759128" cy="5040312"/>
           </a:xfrm>
           <a:prstGeom prst="rect">
             <a:avLst/>
@@ -10004,8 +9951,8 @@
         </p:nvSpPr>
         <p:spPr>
           <a:xfrm>
-            <a:off x="3923928" y="1916832"/>
-            <a:ext cx="3024336" cy="707886"/>
+            <a:off x="6984000" y="5301208"/>
+            <a:ext cx="1944216" cy="646331"/>
           </a:xfrm>
           <a:prstGeom prst="rect">
             <a:avLst/>
@@ -10019,30 +9966,23 @@
           <a:lstStyle/>
           <a:p>
             <a:r>
-              <a:rPr lang="de-DE" sz="2000" dirty="0" smtClean="0">
+              <a:rPr lang="de-DE" dirty="0" smtClean="0">
                 <a:latin typeface="Verdana" pitchFamily="34" charset="0"/>
                 <a:ea typeface="Verdana" pitchFamily="34" charset="0"/>
                 <a:cs typeface="Verdana" pitchFamily="34" charset="0"/>
               </a:rPr>
-              <a:t>Freitextsuche</a:t>
-            </a:r>
-            <a:r>
-              <a:rPr lang="de-DE" sz="2000" dirty="0" smtClean="0"/>
-              <a:t> </a:t>
-            </a:r>
-            <a:r>
-              <a:rPr lang="de-DE" sz="2000" dirty="0" smtClean="0">
+              <a:t>Suchbereiche</a:t>
+            </a:r>
+          </a:p>
+          <a:p>
+            <a:r>
+              <a:rPr lang="de-DE" dirty="0" smtClean="0">
                 <a:latin typeface="Verdana" pitchFamily="34" charset="0"/>
                 <a:ea typeface="Verdana" pitchFamily="34" charset="0"/>
                 <a:cs typeface="Verdana" pitchFamily="34" charset="0"/>
               </a:rPr>
               <a:t>auswählen</a:t>
             </a:r>
-            <a:endParaRPr lang="de-DE" sz="2000" dirty="0">
-              <a:latin typeface="Verdana" pitchFamily="34" charset="0"/>
-              <a:ea typeface="Verdana" pitchFamily="34" charset="0"/>
-              <a:cs typeface="Verdana" pitchFamily="34" charset="0"/>
-            </a:endParaRPr>
           </a:p>
         </p:txBody>
       </p:sp>
@@ -10099,8 +10039,13 @@
             </a:pPr>
             <a:r>
               <a:rPr lang="de-DE" dirty="0" smtClean="0"/>
-              <a:t> Hauptanwendungsfall E-Mail Postfach </a:t>
-            </a:r>
+              <a:t> Information </a:t>
+            </a:r>
+            <a:r>
+              <a:rPr lang="de-DE" dirty="0" err="1" smtClean="0"/>
+              <a:t>Retrieval</a:t>
+            </a:r>
+            <a:endParaRPr lang="de-DE" dirty="0" smtClean="0"/>
           </a:p>
           <a:p>
             <a:pPr>
@@ -10109,29 +10054,8 @@
             </a:pPr>
             <a:r>
               <a:rPr lang="de-DE" dirty="0" smtClean="0"/>
-              <a:t> Semistrukturierte </a:t>
-            </a:r>
-            <a:r>
-              <a:rPr lang="de-DE" dirty="0" smtClean="0"/>
-              <a:t>Dokumente</a:t>
-            </a:r>
-            <a:endParaRPr lang="de-DE" dirty="0" smtClean="0"/>
-          </a:p>
-          <a:p>
-            <a:pPr lvl="1"/>
-            <a:r>
-              <a:rPr lang="de-DE" dirty="0" smtClean="0"/>
-              <a:t>Metadaten (z.B. Datum, Absender…)</a:t>
-            </a:r>
-            <a:endParaRPr lang="de-DE" i="1" dirty="0" smtClean="0"/>
-          </a:p>
-          <a:p>
-            <a:pPr lvl="1"/>
-            <a:r>
-              <a:rPr lang="de-DE" dirty="0" smtClean="0"/>
-              <a:t>Freitext</a:t>
-            </a:r>
-            <a:endParaRPr lang="de-DE" b="1" dirty="0" smtClean="0"/>
+              <a:t> Unstrukturierte/semistrukturierte Dokumente</a:t>
+            </a:r>
           </a:p>
           <a:p>
             <a:pPr>
@@ -10140,55 +10064,47 @@
             </a:pPr>
             <a:r>
               <a:rPr lang="de-DE" dirty="0" smtClean="0"/>
-              <a:t> Logische Verknüpfung der Suchkriterien mit AND, OR, NOT in beliebig tiefer Schachtelung </a:t>
-            </a:r>
-          </a:p>
-          <a:p>
-            <a:endParaRPr lang="de-DE" dirty="0"/>
-          </a:p>
-        </p:txBody>
-      </p:sp>
-      <p:sp>
-        <p:nvSpPr>
-          <p:cNvPr id="3" name="Datumsplatzhalter 2"/>
-          <p:cNvSpPr>
-            <a:spLocks noGrp="1"/>
-          </p:cNvSpPr>
-          <p:nvPr>
-            <p:ph type="dt" sz="half" idx="14"/>
-          </p:nvPr>
-        </p:nvSpPr>
-        <p:spPr/>
-        <p:txBody>
-          <a:bodyPr/>
-          <a:lstStyle/>
-          <a:p>
-            <a:pPr>
-              <a:defRPr/>
-            </a:pPr>
-            <a:endParaRPr lang="de-DE" dirty="0"/>
-          </a:p>
-        </p:txBody>
-      </p:sp>
-      <p:sp>
-        <p:nvSpPr>
-          <p:cNvPr id="4" name="Fußzeilenplatzhalter 3"/>
-          <p:cNvSpPr>
-            <a:spLocks noGrp="1"/>
-          </p:cNvSpPr>
-          <p:nvPr>
-            <p:ph type="ftr" sz="quarter" idx="15"/>
-          </p:nvPr>
-        </p:nvSpPr>
-        <p:spPr/>
-        <p:txBody>
-          <a:bodyPr/>
-          <a:lstStyle/>
-          <a:p>
-            <a:pPr>
-              <a:defRPr/>
-            </a:pPr>
-            <a:endParaRPr lang="de-DE" dirty="0"/>
+              <a:t> Beispiele:</a:t>
+            </a:r>
+          </a:p>
+          <a:p>
+            <a:pPr lvl="1"/>
+            <a:r>
+              <a:rPr lang="de-DE" dirty="0" smtClean="0"/>
+              <a:t>Onlinekatalog Bibliothek</a:t>
+            </a:r>
+          </a:p>
+          <a:p>
+            <a:pPr lvl="1"/>
+            <a:r>
+              <a:rPr lang="de-DE" dirty="0" smtClean="0"/>
+              <a:t>Websuche</a:t>
+            </a:r>
+          </a:p>
+          <a:p>
+            <a:pPr lvl="1"/>
+            <a:r>
+              <a:rPr lang="de-DE" dirty="0" smtClean="0"/>
+              <a:t>E-Mail Posteingänge</a:t>
+            </a:r>
+          </a:p>
+          <a:p>
+            <a:pPr lvl="1">
+              <a:buNone/>
+            </a:pPr>
+            <a:endParaRPr lang="de-DE" dirty="0" smtClean="0"/>
+          </a:p>
+          <a:p>
+            <a:pPr lvl="1">
+              <a:buNone/>
+            </a:pPr>
+            <a:endParaRPr lang="de-DE" dirty="0" smtClean="0"/>
+          </a:p>
+          <a:p>
+            <a:pPr lvl="2">
+              <a:buNone/>
+            </a:pPr>
+            <a:endParaRPr lang="de-DE" dirty="0" smtClean="0"/>
           </a:p>
         </p:txBody>
       </p:sp>
@@ -10238,7 +10154,7 @@
           <a:p>
             <a:r>
               <a:rPr lang="de-DE" dirty="0" smtClean="0"/>
-              <a:t>2. Problemstellung</a:t>
+              <a:t>1. Einleitung</a:t>
             </a:r>
             <a:endParaRPr lang="de-DE" dirty="0"/>
           </a:p>
@@ -10246,7 +10162,7 @@
       </p:sp>
       <p:pic>
         <p:nvPicPr>
-          <p:cNvPr id="7" name="Picture 2" descr="Email Postfach aufräumen mit diesen Tipps"/>
+          <p:cNvPr id="8" name="Picture 7" descr="C:\Users\kreme\Documents\SuchTool\Praesentation\bibSuche.png"/>
           <p:cNvPicPr>
             <a:picLocks noChangeAspect="1" noChangeArrowheads="1"/>
           </p:cNvPicPr>
@@ -10261,8 +10177,60 @@
         </p:blipFill>
         <p:spPr bwMode="auto">
           <a:xfrm>
-            <a:off x="4644008" y="3861048"/>
-            <a:ext cx="3528392" cy="2016224"/>
+            <a:off x="395536" y="3789040"/>
+            <a:ext cx="6985000" cy="1895475"/>
+          </a:xfrm>
+          <a:prstGeom prst="rect">
+            <a:avLst/>
+          </a:prstGeom>
+          <a:noFill/>
+        </p:spPr>
+      </p:pic>
+      <p:pic>
+        <p:nvPicPr>
+          <p:cNvPr id="9" name="Picture 2" descr="Bildergebnis für google"/>
+          <p:cNvPicPr>
+            <a:picLocks noChangeAspect="1" noChangeArrowheads="1"/>
+          </p:cNvPicPr>
+          <p:nvPr/>
+        </p:nvPicPr>
+        <p:blipFill>
+          <a:blip r:embed="rId3" cstate="print"/>
+          <a:srcRect/>
+          <a:stretch>
+            <a:fillRect/>
+          </a:stretch>
+        </p:blipFill>
+        <p:spPr bwMode="auto">
+          <a:xfrm>
+            <a:off x="6732240" y="1196752"/>
+            <a:ext cx="2088232" cy="706004"/>
+          </a:xfrm>
+          <a:prstGeom prst="rect">
+            <a:avLst/>
+          </a:prstGeom>
+          <a:noFill/>
+        </p:spPr>
+      </p:pic>
+      <p:pic>
+        <p:nvPicPr>
+          <p:cNvPr id="10" name="Picture 4" descr="Bildergebnis für bing logo"/>
+          <p:cNvPicPr>
+            <a:picLocks noChangeAspect="1" noChangeArrowheads="1"/>
+          </p:cNvPicPr>
+          <p:nvPr/>
+        </p:nvPicPr>
+        <p:blipFill>
+          <a:blip r:embed="rId4" cstate="print"/>
+          <a:srcRect/>
+          <a:stretch>
+            <a:fillRect/>
+          </a:stretch>
+        </p:blipFill>
+        <p:spPr bwMode="auto">
+          <a:xfrm>
+            <a:off x="6804248" y="2204864"/>
+            <a:ext cx="1584176" cy="670106"/>
           </a:xfrm>
           <a:prstGeom prst="rect">
             <a:avLst/>
@@ -10400,7 +10368,7 @@
       </p:sp>
       <p:pic>
         <p:nvPicPr>
-          <p:cNvPr id="45058" name="Picture 2" descr="C:\Users\kreme\Documents\SuchTool\Bilder\f.png"/>
+          <p:cNvPr id="43010" name="Picture 2" descr="C:\Users\kreme\Documents\SuchTool\Bilder\e.png"/>
           <p:cNvPicPr>
             <a:picLocks noGrp="1" noChangeAspect="1" noChangeArrowheads="1"/>
           </p:cNvPicPr>
@@ -10417,8 +10385,8 @@
         </p:blipFill>
         <p:spPr bwMode="auto">
           <a:xfrm>
-            <a:off x="180000" y="1080000"/>
-            <a:ext cx="6759128" cy="5040312"/>
+            <a:off x="180000" y="1412775"/>
+            <a:ext cx="3372321" cy="4758402"/>
           </a:xfrm>
           <a:prstGeom prst="rect">
             <a:avLst/>
@@ -10426,6 +10394,56 @@
           <a:noFill/>
         </p:spPr>
       </p:pic>
+      <p:sp>
+        <p:nvSpPr>
+          <p:cNvPr id="8" name="Textfeld 7"/>
+          <p:cNvSpPr txBox="1"/>
+          <p:nvPr/>
+        </p:nvSpPr>
+        <p:spPr>
+          <a:xfrm>
+            <a:off x="3923928" y="1916832"/>
+            <a:ext cx="3024336" cy="707886"/>
+          </a:xfrm>
+          <a:prstGeom prst="rect">
+            <a:avLst/>
+          </a:prstGeom>
+          <a:noFill/>
+        </p:spPr>
+        <p:txBody>
+          <a:bodyPr wrap="square" rtlCol="0">
+            <a:spAutoFit/>
+          </a:bodyPr>
+          <a:lstStyle/>
+          <a:p>
+            <a:r>
+              <a:rPr lang="de-DE" sz="2000" dirty="0" smtClean="0">
+                <a:latin typeface="Verdana" pitchFamily="34" charset="0"/>
+                <a:ea typeface="Verdana" pitchFamily="34" charset="0"/>
+                <a:cs typeface="Verdana" pitchFamily="34" charset="0"/>
+              </a:rPr>
+              <a:t>Freitextsuche</a:t>
+            </a:r>
+            <a:r>
+              <a:rPr lang="de-DE" sz="2000" dirty="0" smtClean="0"/>
+              <a:t> </a:t>
+            </a:r>
+            <a:r>
+              <a:rPr lang="de-DE" sz="2000" dirty="0" smtClean="0">
+                <a:latin typeface="Verdana" pitchFamily="34" charset="0"/>
+                <a:ea typeface="Verdana" pitchFamily="34" charset="0"/>
+                <a:cs typeface="Verdana" pitchFamily="34" charset="0"/>
+              </a:rPr>
+              <a:t>auswählen</a:t>
+            </a:r>
+            <a:endParaRPr lang="de-DE" sz="2000" dirty="0">
+              <a:latin typeface="Verdana" pitchFamily="34" charset="0"/>
+              <a:ea typeface="Verdana" pitchFamily="34" charset="0"/>
+              <a:cs typeface="Verdana" pitchFamily="34" charset="0"/>
+            </a:endParaRPr>
+          </a:p>
+        </p:txBody>
+      </p:sp>
     </p:spTree>
   </p:cSld>
   <p:clrMapOvr>
@@ -10556,7 +10574,7 @@
       </p:sp>
       <p:pic>
         <p:nvPicPr>
-          <p:cNvPr id="79874" name="Picture 2" descr="C:\Users\kreme\Documents\SuchTool\Bilder\dfki.png"/>
+          <p:cNvPr id="45058" name="Picture 2" descr="C:\Users\kreme\Documents\SuchTool\Bilder\f.png"/>
           <p:cNvPicPr>
             <a:picLocks noGrp="1" noChangeAspect="1" noChangeArrowheads="1"/>
           </p:cNvPicPr>
@@ -10573,8 +10591,8 @@
         </p:blipFill>
         <p:spPr bwMode="auto">
           <a:xfrm>
-            <a:off x="180000" y="2160000"/>
-            <a:ext cx="8640763" cy="2136795"/>
+            <a:off x="180000" y="1080000"/>
+            <a:ext cx="6759128" cy="5040312"/>
           </a:xfrm>
           <a:prstGeom prst="rect">
             <a:avLst/>
@@ -10582,48 +10600,6 @@
           <a:noFill/>
         </p:spPr>
       </p:pic>
-      <p:sp>
-        <p:nvSpPr>
-          <p:cNvPr id="8" name="Textfeld 7"/>
-          <p:cNvSpPr txBox="1"/>
-          <p:nvPr/>
-        </p:nvSpPr>
-        <p:spPr>
-          <a:xfrm>
-            <a:off x="180000" y="1080000"/>
-            <a:ext cx="2762444" cy="401200"/>
-          </a:xfrm>
-          <a:prstGeom prst="rect">
-            <a:avLst/>
-          </a:prstGeom>
-          <a:noFill/>
-        </p:spPr>
-        <p:txBody>
-          <a:bodyPr wrap="none" lIns="90000" tIns="46800" rtlCol="0">
-            <a:spAutoFit/>
-          </a:bodyPr>
-          <a:lstStyle/>
-          <a:p>
-            <a:pPr>
-              <a:buFont typeface="Arial" pitchFamily="34" charset="0"/>
-              <a:buChar char="•"/>
-            </a:pPr>
-            <a:r>
-              <a:rPr lang="de-DE" sz="2000" dirty="0" smtClean="0">
-                <a:latin typeface="Verdana" pitchFamily="34" charset="0"/>
-                <a:ea typeface="Verdana" pitchFamily="34" charset="0"/>
-                <a:cs typeface="Verdana" pitchFamily="34" charset="0"/>
-              </a:rPr>
-              <a:t> Suchtext eingeben</a:t>
-            </a:r>
-            <a:endParaRPr lang="de-DE" sz="2000" dirty="0">
-              <a:latin typeface="Verdana" pitchFamily="34" charset="0"/>
-              <a:ea typeface="Verdana" pitchFamily="34" charset="0"/>
-              <a:cs typeface="Verdana" pitchFamily="34" charset="0"/>
-            </a:endParaRPr>
-          </a:p>
-        </p:txBody>
-      </p:sp>
     </p:spTree>
   </p:cSld>
   <p:clrMapOvr>
@@ -10754,7 +10730,7 @@
       </p:sp>
       <p:pic>
         <p:nvPicPr>
-          <p:cNvPr id="80898" name="Picture 2" descr="C:\Users\kreme\Documents\SuchTool\Bilder\add.png"/>
+          <p:cNvPr id="79874" name="Picture 2" descr="C:\Users\kreme\Documents\SuchTool\Bilder\dfki.png"/>
           <p:cNvPicPr>
             <a:picLocks noGrp="1" noChangeAspect="1" noChangeArrowheads="1"/>
           </p:cNvPicPr>
@@ -10789,7 +10765,7 @@
         <p:spPr>
           <a:xfrm>
             <a:off x="180000" y="1080000"/>
-            <a:ext cx="3270596" cy="400110"/>
+            <a:ext cx="2762444" cy="401200"/>
           </a:xfrm>
           <a:prstGeom prst="rect">
             <a:avLst/>
@@ -10797,7 +10773,7 @@
           <a:noFill/>
         </p:spPr>
         <p:txBody>
-          <a:bodyPr wrap="none" lIns="90000" rtlCol="0">
+          <a:bodyPr wrap="none" lIns="90000" tIns="46800" rtlCol="0">
             <a:spAutoFit/>
           </a:bodyPr>
           <a:lstStyle/>
@@ -10812,7 +10788,7 @@
                 <a:ea typeface="Verdana" pitchFamily="34" charset="0"/>
                 <a:cs typeface="Verdana" pitchFamily="34" charset="0"/>
               </a:rPr>
-              <a:t> Teilanfrage hinzufügen</a:t>
+              <a:t> Suchtext eingeben</a:t>
             </a:r>
             <a:endParaRPr lang="de-DE" sz="2000" dirty="0">
               <a:latin typeface="Verdana" pitchFamily="34" charset="0"/>
@@ -10952,7 +10928,7 @@
       </p:sp>
       <p:pic>
         <p:nvPicPr>
-          <p:cNvPr id="40962" name="Picture 2" descr="C:\Users\kreme\Documents\SuchTool\Bilder\blubb.png"/>
+          <p:cNvPr id="80898" name="Picture 2" descr="C:\Users\kreme\Documents\SuchTool\Bilder\add.png"/>
           <p:cNvPicPr>
             <a:picLocks noGrp="1" noChangeAspect="1" noChangeArrowheads="1"/>
           </p:cNvPicPr>
@@ -10969,8 +10945,8 @@
         </p:blipFill>
         <p:spPr bwMode="auto">
           <a:xfrm>
-            <a:off x="180000" y="1080000"/>
-            <a:ext cx="6755297" cy="5040312"/>
+            <a:off x="180000" y="2160000"/>
+            <a:ext cx="8640763" cy="2136795"/>
           </a:xfrm>
           <a:prstGeom prst="rect">
             <a:avLst/>
@@ -10978,6 +10954,48 @@
           <a:noFill/>
         </p:spPr>
       </p:pic>
+      <p:sp>
+        <p:nvSpPr>
+          <p:cNvPr id="8" name="Textfeld 7"/>
+          <p:cNvSpPr txBox="1"/>
+          <p:nvPr/>
+        </p:nvSpPr>
+        <p:spPr>
+          <a:xfrm>
+            <a:off x="180000" y="1080000"/>
+            <a:ext cx="3270596" cy="400110"/>
+          </a:xfrm>
+          <a:prstGeom prst="rect">
+            <a:avLst/>
+          </a:prstGeom>
+          <a:noFill/>
+        </p:spPr>
+        <p:txBody>
+          <a:bodyPr wrap="none" lIns="90000" rtlCol="0">
+            <a:spAutoFit/>
+          </a:bodyPr>
+          <a:lstStyle/>
+          <a:p>
+            <a:pPr>
+              <a:buFont typeface="Arial" pitchFamily="34" charset="0"/>
+              <a:buChar char="•"/>
+            </a:pPr>
+            <a:r>
+              <a:rPr lang="de-DE" sz="2000" dirty="0" smtClean="0">
+                <a:latin typeface="Verdana" pitchFamily="34" charset="0"/>
+                <a:ea typeface="Verdana" pitchFamily="34" charset="0"/>
+                <a:cs typeface="Verdana" pitchFamily="34" charset="0"/>
+              </a:rPr>
+              <a:t> Teilanfrage hinzufügen</a:t>
+            </a:r>
+            <a:endParaRPr lang="de-DE" sz="2000" dirty="0">
+              <a:latin typeface="Verdana" pitchFamily="34" charset="0"/>
+              <a:ea typeface="Verdana" pitchFamily="34" charset="0"/>
+              <a:cs typeface="Verdana" pitchFamily="34" charset="0"/>
+            </a:endParaRPr>
+          </a:p>
+        </p:txBody>
+      </p:sp>
     </p:spTree>
   </p:cSld>
   <p:clrMapOvr>
@@ -11100,18 +11118,15 @@
           <a:p>
             <a:r>
               <a:rPr lang="de-DE" dirty="0" smtClean="0"/>
-              <a:t>6. Benutzeroberfläche </a:t>
-            </a:r>
-            <a:br>
-              <a:rPr lang="de-DE" dirty="0" smtClean="0"/>
-            </a:br>
+              <a:t>6. Benutzeroberfläche</a:t>
+            </a:r>
             <a:endParaRPr lang="de-DE" dirty="0"/>
           </a:p>
         </p:txBody>
       </p:sp>
       <p:pic>
         <p:nvPicPr>
-          <p:cNvPr id="41986" name="Picture 2" descr="C:\Users\kreme\Documents\SuchTool\Bilder\2.png"/>
+          <p:cNvPr id="40962" name="Picture 2" descr="C:\Users\kreme\Documents\SuchTool\Bilder\blubb.png"/>
           <p:cNvPicPr>
             <a:picLocks noGrp="1" noChangeAspect="1" noChangeArrowheads="1"/>
           </p:cNvPicPr>
@@ -11128,8 +11143,8 @@
         </p:blipFill>
         <p:spPr bwMode="auto">
           <a:xfrm>
-            <a:off x="250825" y="2926039"/>
-            <a:ext cx="8640763" cy="1725059"/>
+            <a:off x="180000" y="1080000"/>
+            <a:ext cx="6755297" cy="5040312"/>
           </a:xfrm>
           <a:prstGeom prst="rect">
             <a:avLst/>
@@ -11137,52 +11152,6 @@
           <a:noFill/>
         </p:spPr>
       </p:pic>
-      <p:sp>
-        <p:nvSpPr>
-          <p:cNvPr id="9" name="Textfeld 8"/>
-          <p:cNvSpPr txBox="1"/>
-          <p:nvPr/>
-        </p:nvSpPr>
-        <p:spPr>
-          <a:xfrm>
-            <a:off x="180000" y="1080000"/>
-            <a:ext cx="1337354" cy="400110"/>
-          </a:xfrm>
-          <a:prstGeom prst="rect">
-            <a:avLst/>
-          </a:prstGeom>
-          <a:noFill/>
-        </p:spPr>
-        <p:txBody>
-          <a:bodyPr wrap="none" rtlCol="0">
-            <a:spAutoFit/>
-          </a:bodyPr>
-          <a:lstStyle/>
-          <a:p>
-            <a:pPr>
-              <a:buFont typeface="Arial" pitchFamily="34" charset="0"/>
-              <a:buChar char="•"/>
-            </a:pPr>
-            <a:r>
-              <a:rPr lang="de-DE" sz="2000" dirty="0" smtClean="0"/>
-              <a:t> </a:t>
-            </a:r>
-            <a:r>
-              <a:rPr lang="de-DE" sz="2000" dirty="0" smtClean="0">
-                <a:latin typeface="Verdana" pitchFamily="34" charset="0"/>
-                <a:ea typeface="Verdana" pitchFamily="34" charset="0"/>
-                <a:cs typeface="Verdana" pitchFamily="34" charset="0"/>
-              </a:rPr>
-              <a:t>Anzeige</a:t>
-            </a:r>
-            <a:endParaRPr lang="de-DE" sz="2000" dirty="0">
-              <a:latin typeface="Verdana" pitchFamily="34" charset="0"/>
-              <a:ea typeface="Verdana" pitchFamily="34" charset="0"/>
-              <a:cs typeface="Verdana" pitchFamily="34" charset="0"/>
-            </a:endParaRPr>
-          </a:p>
-        </p:txBody>
-      </p:sp>
     </p:spTree>
   </p:cSld>
   <p:clrMapOvr>
@@ -11305,65 +11274,24 @@
           <a:p>
             <a:r>
               <a:rPr lang="de-DE" dirty="0" smtClean="0"/>
-              <a:t>6. Benutzeroberfläche</a:t>
-            </a:r>
+              <a:t>6. Benutzeroberfläche </a:t>
+            </a:r>
+            <a:br>
+              <a:rPr lang="de-DE" dirty="0" smtClean="0"/>
+            </a:br>
             <a:endParaRPr lang="de-DE" dirty="0"/>
-          </a:p>
-        </p:txBody>
-      </p:sp>
-      <p:sp>
-        <p:nvSpPr>
-          <p:cNvPr id="10" name="Textfeld 9"/>
-          <p:cNvSpPr txBox="1"/>
-          <p:nvPr/>
-        </p:nvSpPr>
-        <p:spPr>
-          <a:xfrm>
-            <a:off x="180000" y="1080000"/>
-            <a:ext cx="2232248" cy="400110"/>
-          </a:xfrm>
-          <a:prstGeom prst="rect">
-            <a:avLst/>
-          </a:prstGeom>
-          <a:noFill/>
-        </p:spPr>
-        <p:txBody>
-          <a:bodyPr wrap="square" rtlCol="0">
-            <a:spAutoFit/>
-          </a:bodyPr>
-          <a:lstStyle/>
-          <a:p>
-            <a:pPr>
-              <a:buFont typeface="Arial" pitchFamily="34" charset="0"/>
-              <a:buChar char="•"/>
-            </a:pPr>
-            <a:r>
-              <a:rPr lang="de-DE" sz="2000" dirty="0" smtClean="0"/>
-              <a:t> </a:t>
-            </a:r>
-            <a:r>
-              <a:rPr lang="de-DE" sz="2000" dirty="0" smtClean="0">
-                <a:latin typeface="Verdana" pitchFamily="34" charset="0"/>
-                <a:ea typeface="Verdana" pitchFamily="34" charset="0"/>
-                <a:cs typeface="Verdana" pitchFamily="34" charset="0"/>
-              </a:rPr>
-              <a:t>Anzeige</a:t>
-            </a:r>
-            <a:endParaRPr lang="de-DE" sz="2000" dirty="0">
-              <a:latin typeface="Verdana" pitchFamily="34" charset="0"/>
-              <a:ea typeface="Verdana" pitchFamily="34" charset="0"/>
-              <a:cs typeface="Verdana" pitchFamily="34" charset="0"/>
-            </a:endParaRPr>
           </a:p>
         </p:txBody>
       </p:sp>
       <p:pic>
         <p:nvPicPr>
-          <p:cNvPr id="43011" name="Picture 3" descr="C:\Users\kreme\Documents\SuchTool\Bilder\3_schoener.png"/>
+          <p:cNvPr id="41986" name="Picture 2" descr="C:\Users\kreme\Documents\SuchTool\Bilder\2.png"/>
           <p:cNvPicPr>
-            <a:picLocks noChangeAspect="1" noChangeArrowheads="1"/>
+            <a:picLocks noGrp="1" noChangeAspect="1" noChangeArrowheads="1"/>
           </p:cNvPicPr>
-          <p:nvPr/>
+          <p:nvPr>
+            <p:ph sz="quarter" idx="13"/>
+          </p:nvPr>
         </p:nvPicPr>
         <p:blipFill>
           <a:blip r:embed="rId2" cstate="print"/>
@@ -11374,8 +11302,8 @@
         </p:blipFill>
         <p:spPr bwMode="auto">
           <a:xfrm>
-            <a:off x="251520" y="1710000"/>
-            <a:ext cx="8640000" cy="2931566"/>
+            <a:off x="250825" y="2926039"/>
+            <a:ext cx="8640763" cy="1725059"/>
           </a:xfrm>
           <a:prstGeom prst="rect">
             <a:avLst/>
@@ -11383,6 +11311,52 @@
           <a:noFill/>
         </p:spPr>
       </p:pic>
+      <p:sp>
+        <p:nvSpPr>
+          <p:cNvPr id="9" name="Textfeld 8"/>
+          <p:cNvSpPr txBox="1"/>
+          <p:nvPr/>
+        </p:nvSpPr>
+        <p:spPr>
+          <a:xfrm>
+            <a:off x="180000" y="1080000"/>
+            <a:ext cx="1337354" cy="400110"/>
+          </a:xfrm>
+          <a:prstGeom prst="rect">
+            <a:avLst/>
+          </a:prstGeom>
+          <a:noFill/>
+        </p:spPr>
+        <p:txBody>
+          <a:bodyPr wrap="none" rtlCol="0">
+            <a:spAutoFit/>
+          </a:bodyPr>
+          <a:lstStyle/>
+          <a:p>
+            <a:pPr>
+              <a:buFont typeface="Arial" pitchFamily="34" charset="0"/>
+              <a:buChar char="•"/>
+            </a:pPr>
+            <a:r>
+              <a:rPr lang="de-DE" sz="2000" dirty="0" smtClean="0"/>
+              <a:t> </a:t>
+            </a:r>
+            <a:r>
+              <a:rPr lang="de-DE" sz="2000" dirty="0" smtClean="0">
+                <a:latin typeface="Verdana" pitchFamily="34" charset="0"/>
+                <a:ea typeface="Verdana" pitchFamily="34" charset="0"/>
+                <a:cs typeface="Verdana" pitchFamily="34" charset="0"/>
+              </a:rPr>
+              <a:t>Anzeige</a:t>
+            </a:r>
+            <a:endParaRPr lang="de-DE" sz="2000" dirty="0">
+              <a:latin typeface="Verdana" pitchFamily="34" charset="0"/>
+              <a:ea typeface="Verdana" pitchFamily="34" charset="0"/>
+              <a:cs typeface="Verdana" pitchFamily="34" charset="0"/>
+            </a:endParaRPr>
+          </a:p>
+        </p:txBody>
+      </p:sp>
     </p:spTree>
   </p:cSld>
   <p:clrMapOvr>
@@ -11417,6 +11391,28 @@
       </p:grpSpPr>
       <p:sp>
         <p:nvSpPr>
+          <p:cNvPr id="3" name="Datumsplatzhalter 2"/>
+          <p:cNvSpPr>
+            <a:spLocks noGrp="1"/>
+          </p:cNvSpPr>
+          <p:nvPr>
+            <p:ph type="dt" sz="half" idx="14"/>
+          </p:nvPr>
+        </p:nvSpPr>
+        <p:spPr/>
+        <p:txBody>
+          <a:bodyPr/>
+          <a:lstStyle/>
+          <a:p>
+            <a:pPr>
+              <a:defRPr/>
+            </a:pPr>
+            <a:endParaRPr lang="de-DE" dirty="0"/>
+          </a:p>
+        </p:txBody>
+      </p:sp>
+      <p:sp>
+        <p:nvSpPr>
           <p:cNvPr id="4" name="Fußzeilenplatzhalter 3"/>
           <p:cNvSpPr>
             <a:spLocks noGrp="1"/>
@@ -11483,21 +11479,65 @@
           <a:p>
             <a:r>
               <a:rPr lang="de-DE" dirty="0" smtClean="0"/>
-              <a:t>6. Benutzeroberfläche und Bedienung</a:t>
+              <a:t>6. Benutzeroberfläche</a:t>
             </a:r>
             <a:endParaRPr lang="de-DE" dirty="0"/>
+          </a:p>
+        </p:txBody>
+      </p:sp>
+      <p:sp>
+        <p:nvSpPr>
+          <p:cNvPr id="10" name="Textfeld 9"/>
+          <p:cNvSpPr txBox="1"/>
+          <p:nvPr/>
+        </p:nvSpPr>
+        <p:spPr>
+          <a:xfrm>
+            <a:off x="180000" y="1080000"/>
+            <a:ext cx="2232248" cy="400110"/>
+          </a:xfrm>
+          <a:prstGeom prst="rect">
+            <a:avLst/>
+          </a:prstGeom>
+          <a:noFill/>
+        </p:spPr>
+        <p:txBody>
+          <a:bodyPr wrap="square" rtlCol="0">
+            <a:spAutoFit/>
+          </a:bodyPr>
+          <a:lstStyle/>
+          <a:p>
+            <a:pPr>
+              <a:buFont typeface="Arial" pitchFamily="34" charset="0"/>
+              <a:buChar char="•"/>
+            </a:pPr>
+            <a:r>
+              <a:rPr lang="de-DE" sz="2000" dirty="0" smtClean="0"/>
+              <a:t> </a:t>
+            </a:r>
+            <a:r>
+              <a:rPr lang="de-DE" sz="2000" dirty="0" smtClean="0">
+                <a:latin typeface="Verdana" pitchFamily="34" charset="0"/>
+                <a:ea typeface="Verdana" pitchFamily="34" charset="0"/>
+                <a:cs typeface="Verdana" pitchFamily="34" charset="0"/>
+              </a:rPr>
+              <a:t>Anzeige</a:t>
+            </a:r>
+            <a:endParaRPr lang="de-DE" sz="2000" dirty="0">
+              <a:latin typeface="Verdana" pitchFamily="34" charset="0"/>
+              <a:ea typeface="Verdana" pitchFamily="34" charset="0"/>
+              <a:cs typeface="Verdana" pitchFamily="34" charset="0"/>
+            </a:endParaRPr>
           </a:p>
         </p:txBody>
       </p:sp>
       <p:pic>
         <p:nvPicPr>
-          <p:cNvPr id="44034" name="Picture 2" descr="C:\Users\kreme\Documents\SuchTool\Bilder\4.png"/>
+          <p:cNvPr id="43011" name="Picture 3" descr="C:\Users\kreme\Documents\SuchTool\Bilder\3_schoener.png"/>
           <p:cNvPicPr>
-            <a:picLocks noGrp="1" noChangeAspect="1" noChangeArrowheads="1"/>
+            <a:picLocks noChangeAspect="1" noChangeArrowheads="1"/>
           </p:cNvPicPr>
-          <p:nvPr>
-            <p:ph sz="quarter" idx="13"/>
-          </p:nvPr>
+          <p:nvPr/>
         </p:nvPicPr>
         <p:blipFill>
           <a:blip r:embed="rId2" cstate="print"/>
@@ -11508,8 +11548,8 @@
         </p:blipFill>
         <p:spPr bwMode="auto">
           <a:xfrm>
-            <a:off x="250825" y="2926039"/>
-            <a:ext cx="8640763" cy="1725059"/>
+            <a:off x="251520" y="1710000"/>
+            <a:ext cx="8640000" cy="2931566"/>
           </a:xfrm>
           <a:prstGeom prst="rect">
             <a:avLst/>
@@ -11517,48 +11557,6 @@
           <a:noFill/>
         </p:spPr>
       </p:pic>
-      <p:sp>
-        <p:nvSpPr>
-          <p:cNvPr id="7" name="Textfeld 6"/>
-          <p:cNvSpPr txBox="1"/>
-          <p:nvPr/>
-        </p:nvSpPr>
-        <p:spPr>
-          <a:xfrm>
-            <a:off x="180000" y="1080000"/>
-            <a:ext cx="3167864" cy="400110"/>
-          </a:xfrm>
-          <a:prstGeom prst="rect">
-            <a:avLst/>
-          </a:prstGeom>
-          <a:noFill/>
-        </p:spPr>
-        <p:txBody>
-          <a:bodyPr wrap="square" rtlCol="0">
-            <a:spAutoFit/>
-          </a:bodyPr>
-          <a:lstStyle/>
-          <a:p>
-            <a:pPr>
-              <a:buFont typeface="Arial" pitchFamily="34" charset="0"/>
-              <a:buChar char="•"/>
-            </a:pPr>
-            <a:r>
-              <a:rPr lang="de-DE" sz="2000" dirty="0" smtClean="0">
-                <a:latin typeface="Verdana" pitchFamily="34" charset="0"/>
-                <a:ea typeface="Verdana" pitchFamily="34" charset="0"/>
-                <a:cs typeface="Verdana" pitchFamily="34" charset="0"/>
-              </a:rPr>
-              <a:t> Operator auswählen</a:t>
-            </a:r>
-            <a:endParaRPr lang="de-DE" sz="2000" dirty="0">
-              <a:latin typeface="Verdana" pitchFamily="34" charset="0"/>
-              <a:ea typeface="Verdana" pitchFamily="34" charset="0"/>
-              <a:cs typeface="Verdana" pitchFamily="34" charset="0"/>
-            </a:endParaRPr>
-          </a:p>
-        </p:txBody>
-      </p:sp>
     </p:spTree>
   </p:cSld>
   <p:clrMapOvr>
@@ -11593,28 +11591,6 @@
       </p:grpSpPr>
       <p:sp>
         <p:nvSpPr>
-          <p:cNvPr id="3" name="Datumsplatzhalter 2"/>
-          <p:cNvSpPr>
-            <a:spLocks noGrp="1"/>
-          </p:cNvSpPr>
-          <p:nvPr>
-            <p:ph type="dt" sz="half" idx="14"/>
-          </p:nvPr>
-        </p:nvSpPr>
-        <p:spPr/>
-        <p:txBody>
-          <a:bodyPr/>
-          <a:lstStyle/>
-          <a:p>
-            <a:pPr>
-              <a:defRPr/>
-            </a:pPr>
-            <a:endParaRPr lang="de-DE" dirty="0"/>
-          </a:p>
-        </p:txBody>
-      </p:sp>
-      <p:sp>
-        <p:nvSpPr>
           <p:cNvPr id="4" name="Fußzeilenplatzhalter 3"/>
           <p:cNvSpPr>
             <a:spLocks noGrp="1"/>
@@ -11689,7 +11665,7 @@
       </p:sp>
       <p:pic>
         <p:nvPicPr>
-          <p:cNvPr id="45058" name="Picture 2" descr="C:\Users\kreme\Documents\SuchTool\Bilder\5.png"/>
+          <p:cNvPr id="44034" name="Picture 2" descr="C:\Users\kreme\Documents\SuchTool\Bilder\4.png"/>
           <p:cNvPicPr>
             <a:picLocks noGrp="1" noChangeAspect="1" noChangeArrowheads="1"/>
           </p:cNvPicPr>
@@ -11879,7 +11855,7 @@
           <a:p>
             <a:r>
               <a:rPr lang="de-DE" dirty="0" smtClean="0"/>
-              <a:t>6. Benutzeroberfläche</a:t>
+              <a:t>6. Benutzeroberfläche und Bedienung</a:t>
             </a:r>
             <a:endParaRPr lang="de-DE" dirty="0"/>
           </a:p>
@@ -11887,7 +11863,7 @@
       </p:sp>
       <p:pic>
         <p:nvPicPr>
-          <p:cNvPr id="46082" name="Picture 2" descr="C:\Users\kreme\Documents\SuchTool\Bilder\d.png"/>
+          <p:cNvPr id="45058" name="Picture 2" descr="C:\Users\kreme\Documents\SuchTool\Bilder\5.png"/>
           <p:cNvPicPr>
             <a:picLocks noGrp="1" noChangeAspect="1" noChangeArrowheads="1"/>
           </p:cNvPicPr>
@@ -11904,8 +11880,8 @@
         </p:blipFill>
         <p:spPr bwMode="auto">
           <a:xfrm>
-            <a:off x="1191642" y="1268413"/>
-            <a:ext cx="6759128" cy="5040312"/>
+            <a:off x="250825" y="2926039"/>
+            <a:ext cx="8640763" cy="1725059"/>
           </a:xfrm>
           <a:prstGeom prst="rect">
             <a:avLst/>
@@ -11913,6 +11889,48 @@
           <a:noFill/>
         </p:spPr>
       </p:pic>
+      <p:sp>
+        <p:nvSpPr>
+          <p:cNvPr id="7" name="Textfeld 6"/>
+          <p:cNvSpPr txBox="1"/>
+          <p:nvPr/>
+        </p:nvSpPr>
+        <p:spPr>
+          <a:xfrm>
+            <a:off x="180000" y="1080000"/>
+            <a:ext cx="3167864" cy="400110"/>
+          </a:xfrm>
+          <a:prstGeom prst="rect">
+            <a:avLst/>
+          </a:prstGeom>
+          <a:noFill/>
+        </p:spPr>
+        <p:txBody>
+          <a:bodyPr wrap="square" rtlCol="0">
+            <a:spAutoFit/>
+          </a:bodyPr>
+          <a:lstStyle/>
+          <a:p>
+            <a:pPr>
+              <a:buFont typeface="Arial" pitchFamily="34" charset="0"/>
+              <a:buChar char="•"/>
+            </a:pPr>
+            <a:r>
+              <a:rPr lang="de-DE" sz="2000" dirty="0" smtClean="0">
+                <a:latin typeface="Verdana" pitchFamily="34" charset="0"/>
+                <a:ea typeface="Verdana" pitchFamily="34" charset="0"/>
+                <a:cs typeface="Verdana" pitchFamily="34" charset="0"/>
+              </a:rPr>
+              <a:t> Operator auswählen</a:t>
+            </a:r>
+            <a:endParaRPr lang="de-DE" sz="2000" dirty="0">
+              <a:latin typeface="Verdana" pitchFamily="34" charset="0"/>
+              <a:ea typeface="Verdana" pitchFamily="34" charset="0"/>
+              <a:cs typeface="Verdana" pitchFamily="34" charset="0"/>
+            </a:endParaRPr>
+          </a:p>
+        </p:txBody>
+      </p:sp>
     </p:spTree>
   </p:cSld>
   <p:clrMapOvr>
@@ -12043,7 +12061,7 @@
       </p:sp>
       <p:pic>
         <p:nvPicPr>
-          <p:cNvPr id="47106" name="Picture 2" descr="C:\Users\kreme\Documents\SuchTool\Bilder\m.png"/>
+          <p:cNvPr id="46082" name="Picture 2" descr="C:\Users\kreme\Documents\SuchTool\Bilder\d.png"/>
           <p:cNvPicPr>
             <a:picLocks noGrp="1" noChangeAspect="1" noChangeArrowheads="1"/>
           </p:cNvPicPr>
@@ -12060,8 +12078,8 @@
         </p:blipFill>
         <p:spPr bwMode="auto">
           <a:xfrm>
-            <a:off x="467544" y="1340768"/>
-            <a:ext cx="3456384" cy="4622914"/>
+            <a:off x="1191642" y="1268413"/>
+            <a:ext cx="6759128" cy="5040312"/>
           </a:xfrm>
           <a:prstGeom prst="rect">
             <a:avLst/>
@@ -12069,54 +12087,6 @@
           <a:noFill/>
         </p:spPr>
       </p:pic>
-      <p:sp>
-        <p:nvSpPr>
-          <p:cNvPr id="8" name="Textfeld 7"/>
-          <p:cNvSpPr txBox="1"/>
-          <p:nvPr/>
-        </p:nvSpPr>
-        <p:spPr>
-          <a:xfrm>
-            <a:off x="4283968" y="2132856"/>
-            <a:ext cx="3960440" cy="707886"/>
-          </a:xfrm>
-          <a:prstGeom prst="rect">
-            <a:avLst/>
-          </a:prstGeom>
-          <a:noFill/>
-        </p:spPr>
-        <p:txBody>
-          <a:bodyPr wrap="square" rtlCol="0">
-            <a:spAutoFit/>
-          </a:bodyPr>
-          <a:lstStyle/>
-          <a:p>
-            <a:r>
-              <a:rPr lang="de-DE" sz="2000" dirty="0" smtClean="0">
-                <a:latin typeface="Verdana" pitchFamily="34" charset="0"/>
-                <a:ea typeface="Verdana" pitchFamily="34" charset="0"/>
-                <a:cs typeface="Verdana" pitchFamily="34" charset="0"/>
-              </a:rPr>
-              <a:t>Metadaten</a:t>
-            </a:r>
-          </a:p>
-          <a:p>
-            <a:r>
-              <a:rPr lang="de-DE" sz="2000" dirty="0" smtClean="0">
-                <a:latin typeface="Verdana" pitchFamily="34" charset="0"/>
-                <a:ea typeface="Verdana" pitchFamily="34" charset="0"/>
-                <a:cs typeface="Verdana" pitchFamily="34" charset="0"/>
-              </a:rPr>
-              <a:t>auswählen</a:t>
-            </a:r>
-            <a:endParaRPr lang="de-DE" sz="2000" dirty="0">
-              <a:latin typeface="Verdana" pitchFamily="34" charset="0"/>
-              <a:ea typeface="Verdana" pitchFamily="34" charset="0"/>
-              <a:cs typeface="Verdana" pitchFamily="34" charset="0"/>
-            </a:endParaRPr>
-          </a:p>
-        </p:txBody>
-      </p:sp>
     </p:spTree>
   </p:cSld>
   <p:clrMapOvr>
@@ -12151,6 +12121,71 @@
       </p:grpSpPr>
       <p:sp>
         <p:nvSpPr>
+          <p:cNvPr id="2" name="Inhaltsplatzhalter 1"/>
+          <p:cNvSpPr>
+            <a:spLocks noGrp="1"/>
+          </p:cNvSpPr>
+          <p:nvPr>
+            <p:ph sz="quarter" idx="13"/>
+          </p:nvPr>
+        </p:nvSpPr>
+        <p:spPr/>
+        <p:txBody>
+          <a:bodyPr/>
+          <a:lstStyle/>
+          <a:p>
+            <a:pPr>
+              <a:buFont typeface="Arial" pitchFamily="34" charset="0"/>
+              <a:buChar char="•"/>
+            </a:pPr>
+            <a:r>
+              <a:rPr lang="de-DE" dirty="0" smtClean="0"/>
+              <a:t> Hauptanwendungsfall E-Mail Postfach </a:t>
+            </a:r>
+          </a:p>
+          <a:p>
+            <a:pPr>
+              <a:buFont typeface="Arial" pitchFamily="34" charset="0"/>
+              <a:buChar char="•"/>
+            </a:pPr>
+            <a:r>
+              <a:rPr lang="de-DE" dirty="0" smtClean="0"/>
+              <a:t> Semistrukturierte Dokumente</a:t>
+            </a:r>
+          </a:p>
+          <a:p>
+            <a:pPr lvl="1"/>
+            <a:r>
+              <a:rPr lang="de-DE" dirty="0" smtClean="0"/>
+              <a:t>Metadaten (z.B. Datum, Absender…)</a:t>
+            </a:r>
+            <a:endParaRPr lang="de-DE" i="1" dirty="0" smtClean="0"/>
+          </a:p>
+          <a:p>
+            <a:pPr lvl="1"/>
+            <a:r>
+              <a:rPr lang="de-DE" dirty="0" smtClean="0"/>
+              <a:t>Freitext</a:t>
+            </a:r>
+            <a:endParaRPr lang="de-DE" b="1" dirty="0" smtClean="0"/>
+          </a:p>
+          <a:p>
+            <a:pPr>
+              <a:buFont typeface="Arial" pitchFamily="34" charset="0"/>
+              <a:buChar char="•"/>
+            </a:pPr>
+            <a:r>
+              <a:rPr lang="de-DE" dirty="0" smtClean="0"/>
+              <a:t> Logische Verknüpfung der Suchkriterien mit AND, OR, NOT in beliebig tiefer Schachtelung </a:t>
+            </a:r>
+          </a:p>
+          <a:p>
+            <a:endParaRPr lang="de-DE" dirty="0"/>
+          </a:p>
+        </p:txBody>
+      </p:sp>
+      <p:sp>
+        <p:nvSpPr>
           <p:cNvPr id="3" name="Datumsplatzhalter 2"/>
           <p:cNvSpPr>
             <a:spLocks noGrp="1"/>
@@ -12189,7 +12224,7 @@
             <a:pPr>
               <a:defRPr/>
             </a:pPr>
-            <a:endParaRPr lang="de-DE"/>
+            <a:endParaRPr lang="de-DE" dirty="0"/>
           </a:p>
         </p:txBody>
       </p:sp>
@@ -12247,13 +12282,11 @@
       </p:sp>
       <p:pic>
         <p:nvPicPr>
-          <p:cNvPr id="37890" name="Picture 2" descr="C:\Users\kreme\Documents\SuchTool\Bilder\mail.png"/>
+          <p:cNvPr id="7" name="Picture 2" descr="Email Postfach aufräumen mit diesen Tipps"/>
           <p:cNvPicPr>
-            <a:picLocks noGrp="1" noChangeAspect="1" noChangeArrowheads="1"/>
+            <a:picLocks noChangeAspect="1" noChangeArrowheads="1"/>
           </p:cNvPicPr>
-          <p:nvPr>
-            <p:ph sz="quarter" idx="13"/>
-          </p:nvPr>
+          <p:nvPr/>
         </p:nvPicPr>
         <p:blipFill>
           <a:blip r:embed="rId2" cstate="print"/>
@@ -12264,8 +12297,8 @@
         </p:blipFill>
         <p:spPr bwMode="auto">
           <a:xfrm>
-            <a:off x="539552" y="1916832"/>
-            <a:ext cx="7920880" cy="2493026"/>
+            <a:off x="4644008" y="3861048"/>
+            <a:ext cx="3528392" cy="2016224"/>
           </a:xfrm>
           <a:prstGeom prst="rect">
             <a:avLst/>
@@ -12273,35 +12306,6 @@
           <a:noFill/>
         </p:spPr>
       </p:pic>
-      <p:sp>
-        <p:nvSpPr>
-          <p:cNvPr id="8" name="Textfeld 7"/>
-          <p:cNvSpPr txBox="1"/>
-          <p:nvPr/>
-        </p:nvSpPr>
-        <p:spPr>
-          <a:xfrm>
-            <a:off x="827584" y="4437112"/>
-            <a:ext cx="401072" cy="369332"/>
-          </a:xfrm>
-          <a:prstGeom prst="rect">
-            <a:avLst/>
-          </a:prstGeom>
-          <a:noFill/>
-        </p:spPr>
-        <p:txBody>
-          <a:bodyPr wrap="none" rtlCol="0">
-            <a:spAutoFit/>
-          </a:bodyPr>
-          <a:lstStyle/>
-          <a:p>
-            <a:r>
-              <a:rPr lang="de-DE" dirty="0" smtClean="0"/>
-              <a:t>….</a:t>
-            </a:r>
-          </a:p>
-        </p:txBody>
-      </p:sp>
     </p:spTree>
   </p:cSld>
   <p:clrMapOvr>
@@ -12432,7 +12436,7 @@
       </p:sp>
       <p:pic>
         <p:nvPicPr>
-          <p:cNvPr id="49154" name="Picture 2" descr="C:\Users\kreme\Documents\SuchTool\Bilder\m_1.png"/>
+          <p:cNvPr id="47106" name="Picture 2" descr="C:\Users\kreme\Documents\SuchTool\Bilder\m.png"/>
           <p:cNvPicPr>
             <a:picLocks noGrp="1" noChangeAspect="1" noChangeArrowheads="1"/>
           </p:cNvPicPr>
@@ -12449,8 +12453,8 @@
         </p:blipFill>
         <p:spPr bwMode="auto">
           <a:xfrm>
-            <a:off x="180000" y="1080000"/>
-            <a:ext cx="6749585" cy="5040312"/>
+            <a:off x="467544" y="1340768"/>
+            <a:ext cx="3456384" cy="4622914"/>
           </a:xfrm>
           <a:prstGeom prst="rect">
             <a:avLst/>
@@ -12458,6 +12462,54 @@
           <a:noFill/>
         </p:spPr>
       </p:pic>
+      <p:sp>
+        <p:nvSpPr>
+          <p:cNvPr id="8" name="Textfeld 7"/>
+          <p:cNvSpPr txBox="1"/>
+          <p:nvPr/>
+        </p:nvSpPr>
+        <p:spPr>
+          <a:xfrm>
+            <a:off x="4283968" y="2132856"/>
+            <a:ext cx="3960440" cy="707886"/>
+          </a:xfrm>
+          <a:prstGeom prst="rect">
+            <a:avLst/>
+          </a:prstGeom>
+          <a:noFill/>
+        </p:spPr>
+        <p:txBody>
+          <a:bodyPr wrap="square" rtlCol="0">
+            <a:spAutoFit/>
+          </a:bodyPr>
+          <a:lstStyle/>
+          <a:p>
+            <a:r>
+              <a:rPr lang="de-DE" sz="2000" dirty="0" smtClean="0">
+                <a:latin typeface="Verdana" pitchFamily="34" charset="0"/>
+                <a:ea typeface="Verdana" pitchFamily="34" charset="0"/>
+                <a:cs typeface="Verdana" pitchFamily="34" charset="0"/>
+              </a:rPr>
+              <a:t>Metadaten</a:t>
+            </a:r>
+          </a:p>
+          <a:p>
+            <a:r>
+              <a:rPr lang="de-DE" sz="2000" dirty="0" smtClean="0">
+                <a:latin typeface="Verdana" pitchFamily="34" charset="0"/>
+                <a:ea typeface="Verdana" pitchFamily="34" charset="0"/>
+                <a:cs typeface="Verdana" pitchFamily="34" charset="0"/>
+              </a:rPr>
+              <a:t>auswählen</a:t>
+            </a:r>
+            <a:endParaRPr lang="de-DE" sz="2000" dirty="0">
+              <a:latin typeface="Verdana" pitchFamily="34" charset="0"/>
+              <a:ea typeface="Verdana" pitchFamily="34" charset="0"/>
+              <a:cs typeface="Verdana" pitchFamily="34" charset="0"/>
+            </a:endParaRPr>
+          </a:p>
+        </p:txBody>
+      </p:sp>
     </p:spTree>
   </p:cSld>
   <p:clrMapOvr>
@@ -12508,13 +12560,6 @@
             <a:pPr>
               <a:defRPr/>
             </a:pPr>
-            <a:fld id="{EE9AC89C-B0F3-4179-9BF1-A11BD48F530E}" type="datetime1">
-              <a:rPr lang="de-DE" smtClean="0"/>
-              <a:pPr>
-                <a:defRPr/>
-              </a:pPr>
-              <a:t>26.08.2017</a:t>
-            </a:fld>
             <a:endParaRPr lang="de-DE" dirty="0"/>
           </a:p>
         </p:txBody>
@@ -12593,55 +12638,15 @@
           </a:p>
         </p:txBody>
       </p:sp>
-      <p:sp>
-        <p:nvSpPr>
-          <p:cNvPr id="8" name="Textfeld 7"/>
-          <p:cNvSpPr txBox="1"/>
-          <p:nvPr/>
-        </p:nvSpPr>
-        <p:spPr>
-          <a:xfrm>
-            <a:off x="252000" y="1340768"/>
-            <a:ext cx="3701654" cy="400110"/>
-          </a:xfrm>
-          <a:prstGeom prst="rect">
-            <a:avLst/>
-          </a:prstGeom>
-          <a:noFill/>
-        </p:spPr>
-        <p:txBody>
-          <a:bodyPr wrap="none" rtlCol="0">
-            <a:spAutoFit/>
-          </a:bodyPr>
-          <a:lstStyle/>
-          <a:p>
-            <a:pPr>
-              <a:buFont typeface="Arial" pitchFamily="34" charset="0"/>
-              <a:buChar char="•"/>
-            </a:pPr>
-            <a:r>
-              <a:rPr lang="de-DE" sz="2000" dirty="0" smtClean="0">
-                <a:latin typeface="Verdana" pitchFamily="34" charset="0"/>
-                <a:ea typeface="Verdana" pitchFamily="34" charset="0"/>
-                <a:cs typeface="Verdana" pitchFamily="34" charset="0"/>
-              </a:rPr>
-              <a:t> Erneut Suchtext eingeben</a:t>
-            </a:r>
-            <a:endParaRPr lang="de-DE" sz="2000" dirty="0">
-              <a:latin typeface="Verdana" pitchFamily="34" charset="0"/>
-              <a:ea typeface="Verdana" pitchFamily="34" charset="0"/>
-              <a:cs typeface="Verdana" pitchFamily="34" charset="0"/>
-            </a:endParaRPr>
-          </a:p>
-        </p:txBody>
-      </p:sp>
       <p:pic>
         <p:nvPicPr>
-          <p:cNvPr id="44035" name="Picture 3" descr="C:\Users\kreme\Documents\SuchTool\Bilder\eingabe.png"/>
+          <p:cNvPr id="49154" name="Picture 2" descr="C:\Users\kreme\Documents\SuchTool\Bilder\m_1.png"/>
           <p:cNvPicPr>
-            <a:picLocks noChangeAspect="1" noChangeArrowheads="1"/>
+            <a:picLocks noGrp="1" noChangeAspect="1" noChangeArrowheads="1"/>
           </p:cNvPicPr>
-          <p:nvPr/>
+          <p:nvPr>
+            <p:ph sz="quarter" idx="13"/>
+          </p:nvPr>
         </p:nvPicPr>
         <p:blipFill>
           <a:blip r:embed="rId2" cstate="print"/>
@@ -12652,8 +12657,8 @@
         </p:blipFill>
         <p:spPr bwMode="auto">
           <a:xfrm>
-            <a:off x="251520" y="2204864"/>
-            <a:ext cx="8640000" cy="2126540"/>
+            <a:off x="180000" y="1080000"/>
+            <a:ext cx="6749585" cy="5040312"/>
           </a:xfrm>
           <a:prstGeom prst="rect">
             <a:avLst/>
@@ -12796,9 +12801,51 @@
           </a:p>
         </p:txBody>
       </p:sp>
+      <p:sp>
+        <p:nvSpPr>
+          <p:cNvPr id="8" name="Textfeld 7"/>
+          <p:cNvSpPr txBox="1"/>
+          <p:nvPr/>
+        </p:nvSpPr>
+        <p:spPr>
+          <a:xfrm>
+            <a:off x="252000" y="1340768"/>
+            <a:ext cx="3701654" cy="400110"/>
+          </a:xfrm>
+          <a:prstGeom prst="rect">
+            <a:avLst/>
+          </a:prstGeom>
+          <a:noFill/>
+        </p:spPr>
+        <p:txBody>
+          <a:bodyPr wrap="none" rtlCol="0">
+            <a:spAutoFit/>
+          </a:bodyPr>
+          <a:lstStyle/>
+          <a:p>
+            <a:pPr>
+              <a:buFont typeface="Arial" pitchFamily="34" charset="0"/>
+              <a:buChar char="•"/>
+            </a:pPr>
+            <a:r>
+              <a:rPr lang="de-DE" sz="2000" dirty="0" smtClean="0">
+                <a:latin typeface="Verdana" pitchFamily="34" charset="0"/>
+                <a:ea typeface="Verdana" pitchFamily="34" charset="0"/>
+                <a:cs typeface="Verdana" pitchFamily="34" charset="0"/>
+              </a:rPr>
+              <a:t> Erneut Suchtext eingeben</a:t>
+            </a:r>
+            <a:endParaRPr lang="de-DE" sz="2000" dirty="0">
+              <a:latin typeface="Verdana" pitchFamily="34" charset="0"/>
+              <a:ea typeface="Verdana" pitchFamily="34" charset="0"/>
+              <a:cs typeface="Verdana" pitchFamily="34" charset="0"/>
+            </a:endParaRPr>
+          </a:p>
+        </p:txBody>
+      </p:sp>
       <p:pic>
         <p:nvPicPr>
-          <p:cNvPr id="45059" name="Picture 3" descr="C:\Users\kreme\Documents\SuchTool\Bilder\vorlage.png"/>
+          <p:cNvPr id="44035" name="Picture 3" descr="C:\Users\kreme\Documents\SuchTool\Bilder\eingabe.png"/>
           <p:cNvPicPr>
             <a:picLocks noChangeAspect="1" noChangeArrowheads="1"/>
           </p:cNvPicPr>
@@ -12813,8 +12860,8 @@
         </p:blipFill>
         <p:spPr bwMode="auto">
           <a:xfrm>
-            <a:off x="251520" y="3013200"/>
-            <a:ext cx="8640000" cy="1316075"/>
+            <a:off x="251520" y="2204864"/>
+            <a:ext cx="8640000" cy="2126540"/>
           </a:xfrm>
           <a:prstGeom prst="rect">
             <a:avLst/>
@@ -12822,52 +12869,6 @@
           <a:noFill/>
         </p:spPr>
       </p:pic>
-      <p:sp>
-        <p:nvSpPr>
-          <p:cNvPr id="10" name="Textfeld 9"/>
-          <p:cNvSpPr txBox="1"/>
-          <p:nvPr/>
-        </p:nvSpPr>
-        <p:spPr>
-          <a:xfrm>
-            <a:off x="252000" y="1339200"/>
-            <a:ext cx="2376264" cy="400110"/>
-          </a:xfrm>
-          <a:prstGeom prst="rect">
-            <a:avLst/>
-          </a:prstGeom>
-          <a:noFill/>
-        </p:spPr>
-        <p:txBody>
-          <a:bodyPr wrap="square" rtlCol="0">
-            <a:spAutoFit/>
-          </a:bodyPr>
-          <a:lstStyle/>
-          <a:p>
-            <a:pPr>
-              <a:buFont typeface="Arial" pitchFamily="34" charset="0"/>
-              <a:buChar char="•"/>
-            </a:pPr>
-            <a:r>
-              <a:rPr lang="de-DE" sz="2000" dirty="0" smtClean="0"/>
-              <a:t> </a:t>
-            </a:r>
-            <a:r>
-              <a:rPr lang="de-DE" sz="2000" dirty="0" smtClean="0">
-                <a:latin typeface="Verdana" pitchFamily="34" charset="0"/>
-                <a:ea typeface="Verdana" pitchFamily="34" charset="0"/>
-                <a:cs typeface="Verdana" pitchFamily="34" charset="0"/>
-              </a:rPr>
-              <a:t>Hinzufügen</a:t>
-            </a:r>
-            <a:endParaRPr lang="de-DE" sz="2000" dirty="0">
-              <a:latin typeface="Verdana" pitchFamily="34" charset="0"/>
-              <a:ea typeface="Verdana" pitchFamily="34" charset="0"/>
-              <a:cs typeface="Verdana" pitchFamily="34" charset="0"/>
-            </a:endParaRPr>
-          </a:p>
-        </p:txBody>
-      </p:sp>
     </p:spTree>
   </p:cSld>
   <p:clrMapOvr>
@@ -12918,6 +12919,13 @@
             <a:pPr>
               <a:defRPr/>
             </a:pPr>
+            <a:fld id="{EE9AC89C-B0F3-4179-9BF1-A11BD48F530E}" type="datetime1">
+              <a:rPr lang="de-DE" smtClean="0"/>
+              <a:pPr>
+                <a:defRPr/>
+              </a:pPr>
+              <a:t>26.08.2017</a:t>
+            </a:fld>
             <a:endParaRPr lang="de-DE" dirty="0"/>
           </a:p>
         </p:txBody>
@@ -12998,13 +13006,11 @@
       </p:sp>
       <p:pic>
         <p:nvPicPr>
-          <p:cNvPr id="53250" name="Picture 2" descr="C:\Users\kreme\Documents\SuchTool\Bilder\p.png"/>
+          <p:cNvPr id="45059" name="Picture 3" descr="C:\Users\kreme\Documents\SuchTool\Bilder\vorlage.png"/>
           <p:cNvPicPr>
-            <a:picLocks noGrp="1" noChangeAspect="1" noChangeArrowheads="1"/>
+            <a:picLocks noChangeAspect="1" noChangeArrowheads="1"/>
           </p:cNvPicPr>
-          <p:nvPr>
-            <p:ph sz="quarter" idx="13"/>
-          </p:nvPr>
+          <p:nvPr/>
         </p:nvPicPr>
         <p:blipFill>
           <a:blip r:embed="rId2" cstate="print"/>
@@ -13015,8 +13021,8 @@
         </p:blipFill>
         <p:spPr bwMode="auto">
           <a:xfrm>
-            <a:off x="180000" y="1080000"/>
-            <a:ext cx="6755297" cy="5040312"/>
+            <a:off x="251520" y="3013200"/>
+            <a:ext cx="8640000" cy="1316075"/>
           </a:xfrm>
           <a:prstGeom prst="rect">
             <a:avLst/>
@@ -13024,6 +13030,52 @@
           <a:noFill/>
         </p:spPr>
       </p:pic>
+      <p:sp>
+        <p:nvSpPr>
+          <p:cNvPr id="10" name="Textfeld 9"/>
+          <p:cNvSpPr txBox="1"/>
+          <p:nvPr/>
+        </p:nvSpPr>
+        <p:spPr>
+          <a:xfrm>
+            <a:off x="252000" y="1339200"/>
+            <a:ext cx="2376264" cy="400110"/>
+          </a:xfrm>
+          <a:prstGeom prst="rect">
+            <a:avLst/>
+          </a:prstGeom>
+          <a:noFill/>
+        </p:spPr>
+        <p:txBody>
+          <a:bodyPr wrap="square" rtlCol="0">
+            <a:spAutoFit/>
+          </a:bodyPr>
+          <a:lstStyle/>
+          <a:p>
+            <a:pPr>
+              <a:buFont typeface="Arial" pitchFamily="34" charset="0"/>
+              <a:buChar char="•"/>
+            </a:pPr>
+            <a:r>
+              <a:rPr lang="de-DE" sz="2000" dirty="0" smtClean="0"/>
+              <a:t> </a:t>
+            </a:r>
+            <a:r>
+              <a:rPr lang="de-DE" sz="2000" dirty="0" smtClean="0">
+                <a:latin typeface="Verdana" pitchFamily="34" charset="0"/>
+                <a:ea typeface="Verdana" pitchFamily="34" charset="0"/>
+                <a:cs typeface="Verdana" pitchFamily="34" charset="0"/>
+              </a:rPr>
+              <a:t>Hinzufügen</a:t>
+            </a:r>
+            <a:endParaRPr lang="de-DE" sz="2000" dirty="0">
+              <a:latin typeface="Verdana" pitchFamily="34" charset="0"/>
+              <a:ea typeface="Verdana" pitchFamily="34" charset="0"/>
+              <a:cs typeface="Verdana" pitchFamily="34" charset="0"/>
+            </a:endParaRPr>
+          </a:p>
+        </p:txBody>
+      </p:sp>
     </p:spTree>
   </p:cSld>
   <p:clrMapOvr>
@@ -13096,7 +13148,7 @@
             <a:pPr>
               <a:defRPr/>
             </a:pPr>
-            <a:endParaRPr lang="de-DE" dirty="0"/>
+            <a:endParaRPr lang="de-DE"/>
           </a:p>
         </p:txBody>
       </p:sp>
@@ -13154,7 +13206,7 @@
       </p:sp>
       <p:pic>
         <p:nvPicPr>
-          <p:cNvPr id="54274" name="Picture 2" descr="C:\Users\kreme\Documents\SuchTool\Bilder\r.png"/>
+          <p:cNvPr id="53250" name="Picture 2" descr="C:\Users\kreme\Documents\SuchTool\Bilder\p.png"/>
           <p:cNvPicPr>
             <a:picLocks noGrp="1" noChangeAspect="1" noChangeArrowheads="1"/>
           </p:cNvPicPr>
@@ -13171,8 +13223,8 @@
         </p:blipFill>
         <p:spPr bwMode="auto">
           <a:xfrm>
-            <a:off x="180000" y="2160000"/>
-            <a:ext cx="8640763" cy="1843363"/>
+            <a:off x="180000" y="1080000"/>
+            <a:ext cx="6755297" cy="5040312"/>
           </a:xfrm>
           <a:prstGeom prst="rect">
             <a:avLst/>
@@ -13180,52 +13232,6 @@
           <a:noFill/>
         </p:spPr>
       </p:pic>
-      <p:sp>
-        <p:nvSpPr>
-          <p:cNvPr id="7" name="Textfeld 6"/>
-          <p:cNvSpPr txBox="1"/>
-          <p:nvPr/>
-        </p:nvSpPr>
-        <p:spPr>
-          <a:xfrm>
-            <a:off x="180000" y="1080000"/>
-            <a:ext cx="3167864" cy="400110"/>
-          </a:xfrm>
-          <a:prstGeom prst="rect">
-            <a:avLst/>
-          </a:prstGeom>
-          <a:noFill/>
-        </p:spPr>
-        <p:txBody>
-          <a:bodyPr wrap="square" rtlCol="0">
-            <a:spAutoFit/>
-          </a:bodyPr>
-          <a:lstStyle/>
-          <a:p>
-            <a:pPr>
-              <a:buFont typeface="Arial" pitchFamily="34" charset="0"/>
-              <a:buChar char="•"/>
-            </a:pPr>
-            <a:r>
-              <a:rPr lang="de-DE" sz="2000" dirty="0" smtClean="0"/>
-              <a:t> </a:t>
-            </a:r>
-            <a:r>
-              <a:rPr lang="de-DE" sz="2000" dirty="0" smtClean="0">
-                <a:latin typeface="Verdana" pitchFamily="34" charset="0"/>
-                <a:ea typeface="Verdana" pitchFamily="34" charset="0"/>
-                <a:cs typeface="Verdana" pitchFamily="34" charset="0"/>
-              </a:rPr>
-              <a:t>Anzeige</a:t>
-            </a:r>
-            <a:endParaRPr lang="de-DE" sz="2000" dirty="0">
-              <a:latin typeface="Verdana" pitchFamily="34" charset="0"/>
-              <a:ea typeface="Verdana" pitchFamily="34" charset="0"/>
-              <a:cs typeface="Verdana" pitchFamily="34" charset="0"/>
-            </a:endParaRPr>
-          </a:p>
-        </p:txBody>
-      </p:sp>
     </p:spTree>
   </p:cSld>
   <p:clrMapOvr>
@@ -13298,7 +13304,7 @@
             <a:pPr>
               <a:defRPr/>
             </a:pPr>
-            <a:endParaRPr lang="de-DE"/>
+            <a:endParaRPr lang="de-DE" dirty="0"/>
           </a:p>
         </p:txBody>
       </p:sp>
@@ -13348,7 +13354,7 @@
           <a:p>
             <a:r>
               <a:rPr lang="de-DE" dirty="0" smtClean="0"/>
-              <a:t>6. Benutzeroberfläche </a:t>
+              <a:t>6. Benutzeroberfläche</a:t>
             </a:r>
             <a:endParaRPr lang="de-DE" dirty="0"/>
           </a:p>
@@ -13356,7 +13362,7 @@
       </p:sp>
       <p:pic>
         <p:nvPicPr>
-          <p:cNvPr id="55298" name="Picture 2" descr="C:\Users\kreme\Documents\SuchTool\Bilder\s.png"/>
+          <p:cNvPr id="54274" name="Picture 2" descr="C:\Users\kreme\Documents\SuchTool\Bilder\r.png"/>
           <p:cNvPicPr>
             <a:picLocks noGrp="1" noChangeAspect="1" noChangeArrowheads="1"/>
           </p:cNvPicPr>
@@ -13418,19 +13424,7 @@
                 <a:ea typeface="Verdana" pitchFamily="34" charset="0"/>
                 <a:cs typeface="Verdana" pitchFamily="34" charset="0"/>
               </a:rPr>
-              <a:t>Suche</a:t>
-            </a:r>
-            <a:r>
-              <a:rPr lang="de-DE" sz="2000" dirty="0" smtClean="0"/>
-              <a:t> </a:t>
-            </a:r>
-            <a:r>
-              <a:rPr lang="de-DE" sz="2000" dirty="0" smtClean="0">
-                <a:latin typeface="Verdana" pitchFamily="34" charset="0"/>
-                <a:ea typeface="Verdana" pitchFamily="34" charset="0"/>
-                <a:cs typeface="Verdana" pitchFamily="34" charset="0"/>
-              </a:rPr>
-              <a:t>starten</a:t>
+              <a:t>Anzeige</a:t>
             </a:r>
             <a:endParaRPr lang="de-DE" sz="2000" dirty="0">
               <a:latin typeface="Verdana" pitchFamily="34" charset="0"/>
@@ -13562,7 +13556,7 @@
           <a:p>
             <a:r>
               <a:rPr lang="de-DE" dirty="0" smtClean="0"/>
-              <a:t>6. Benutzeroberfläche</a:t>
+              <a:t>6. Benutzeroberfläche </a:t>
             </a:r>
             <a:endParaRPr lang="de-DE" dirty="0"/>
           </a:p>
@@ -13570,7 +13564,7 @@
       </p:sp>
       <p:pic>
         <p:nvPicPr>
-          <p:cNvPr id="56322" name="Picture 2" descr="C:\Users\kreme\Documents\SuchTool\Bilder\t.png"/>
+          <p:cNvPr id="55298" name="Picture 2" descr="C:\Users\kreme\Documents\SuchTool\Bilder\s.png"/>
           <p:cNvPicPr>
             <a:picLocks noGrp="1" noChangeAspect="1" noChangeArrowheads="1"/>
           </p:cNvPicPr>
@@ -13588,7 +13582,7 @@
         <p:spPr bwMode="auto">
           <a:xfrm>
             <a:off x="180000" y="2160000"/>
-            <a:ext cx="8640763" cy="2344859"/>
+            <a:ext cx="8640763" cy="1843363"/>
           </a:xfrm>
           <a:prstGeom prst="rect">
             <a:avLst/>
@@ -13632,7 +13626,19 @@
                 <a:ea typeface="Verdana" pitchFamily="34" charset="0"/>
                 <a:cs typeface="Verdana" pitchFamily="34" charset="0"/>
               </a:rPr>
-              <a:t>Ergebnisanzeige</a:t>
+              <a:t>Suche</a:t>
+            </a:r>
+            <a:r>
+              <a:rPr lang="de-DE" sz="2000" dirty="0" smtClean="0"/>
+              <a:t> </a:t>
+            </a:r>
+            <a:r>
+              <a:rPr lang="de-DE" sz="2000" dirty="0" smtClean="0">
+                <a:latin typeface="Verdana" pitchFamily="34" charset="0"/>
+                <a:ea typeface="Verdana" pitchFamily="34" charset="0"/>
+                <a:cs typeface="Verdana" pitchFamily="34" charset="0"/>
+              </a:rPr>
+              <a:t>starten</a:t>
             </a:r>
             <a:endParaRPr lang="de-DE" sz="2000" dirty="0">
               <a:latin typeface="Verdana" pitchFamily="34" charset="0"/>
@@ -13772,7 +13778,7 @@
       </p:sp>
       <p:pic>
         <p:nvPicPr>
-          <p:cNvPr id="57346" name="Picture 2" descr="C:\Users\kreme\Documents\SuchTool\Bilder\u.png"/>
+          <p:cNvPr id="56322" name="Picture 2" descr="C:\Users\kreme\Documents\SuchTool\Bilder\t.png"/>
           <p:cNvPicPr>
             <a:picLocks noGrp="1" noChangeAspect="1" noChangeArrowheads="1"/>
           </p:cNvPicPr>
@@ -13878,36 +13884,6 @@
       </p:grpSpPr>
       <p:sp>
         <p:nvSpPr>
-          <p:cNvPr id="2" name="Inhaltsplatzhalter 1"/>
-          <p:cNvSpPr>
-            <a:spLocks noGrp="1"/>
-          </p:cNvSpPr>
-          <p:nvPr>
-            <p:ph sz="quarter" idx="13"/>
-          </p:nvPr>
-        </p:nvSpPr>
-        <p:spPr/>
-        <p:txBody>
-          <a:bodyPr/>
-          <a:lstStyle/>
-          <a:p>
-            <a:endParaRPr lang="de-DE" dirty="0" smtClean="0"/>
-          </a:p>
-          <a:p>
-            <a:pPr>
-              <a:buFont typeface="Arial" pitchFamily="34" charset="0"/>
-              <a:buChar char="•"/>
-            </a:pPr>
-            <a:r>
-              <a:rPr lang="de-DE" dirty="0" smtClean="0"/>
-              <a:t> Noch Fragen?</a:t>
-            </a:r>
-            <a:endParaRPr lang="de-DE" dirty="0"/>
-          </a:p>
-        </p:txBody>
-      </p:sp>
-      <p:sp>
-        <p:nvSpPr>
           <p:cNvPr id="3" name="Datumsplatzhalter 2"/>
           <p:cNvSpPr>
             <a:spLocks noGrp="1"/>
@@ -13996,7 +13972,7 @@
           <a:p>
             <a:r>
               <a:rPr lang="de-DE" dirty="0" smtClean="0"/>
-              <a:t>Ende</a:t>
+              <a:t>6. Benutzeroberfläche</a:t>
             </a:r>
             <a:endParaRPr lang="de-DE" dirty="0"/>
           </a:p>
@@ -14004,11 +13980,13 @@
       </p:sp>
       <p:pic>
         <p:nvPicPr>
-          <p:cNvPr id="59400" name="Picture 8" descr="Bildergebnis für fragezeichen"/>
+          <p:cNvPr id="57346" name="Picture 2" descr="C:\Users\kreme\Documents\SuchTool\Bilder\u.png"/>
           <p:cNvPicPr>
-            <a:picLocks noChangeAspect="1" noChangeArrowheads="1"/>
+            <a:picLocks noGrp="1" noChangeAspect="1" noChangeArrowheads="1"/>
           </p:cNvPicPr>
-          <p:nvPr/>
+          <p:nvPr>
+            <p:ph sz="quarter" idx="13"/>
+          </p:nvPr>
         </p:nvPicPr>
         <p:blipFill>
           <a:blip r:embed="rId2" cstate="print"/>
@@ -14019,8 +13997,8 @@
         </p:blipFill>
         <p:spPr bwMode="auto">
           <a:xfrm>
-            <a:off x="3203848" y="2060848"/>
-            <a:ext cx="3370362" cy="3370362"/>
+            <a:off x="180000" y="2160000"/>
+            <a:ext cx="8640763" cy="2344859"/>
           </a:xfrm>
           <a:prstGeom prst="rect">
             <a:avLst/>
@@ -14028,6 +14006,52 @@
           <a:noFill/>
         </p:spPr>
       </p:pic>
+      <p:sp>
+        <p:nvSpPr>
+          <p:cNvPr id="7" name="Textfeld 6"/>
+          <p:cNvSpPr txBox="1"/>
+          <p:nvPr/>
+        </p:nvSpPr>
+        <p:spPr>
+          <a:xfrm>
+            <a:off x="180000" y="1080000"/>
+            <a:ext cx="3167864" cy="400110"/>
+          </a:xfrm>
+          <a:prstGeom prst="rect">
+            <a:avLst/>
+          </a:prstGeom>
+          <a:noFill/>
+        </p:spPr>
+        <p:txBody>
+          <a:bodyPr wrap="square" rtlCol="0">
+            <a:spAutoFit/>
+          </a:bodyPr>
+          <a:lstStyle/>
+          <a:p>
+            <a:pPr>
+              <a:buFont typeface="Arial" pitchFamily="34" charset="0"/>
+              <a:buChar char="•"/>
+            </a:pPr>
+            <a:r>
+              <a:rPr lang="de-DE" sz="2000" dirty="0" smtClean="0"/>
+              <a:t> </a:t>
+            </a:r>
+            <a:r>
+              <a:rPr lang="de-DE" sz="2000" dirty="0" smtClean="0">
+                <a:latin typeface="Verdana" pitchFamily="34" charset="0"/>
+                <a:ea typeface="Verdana" pitchFamily="34" charset="0"/>
+                <a:cs typeface="Verdana" pitchFamily="34" charset="0"/>
+              </a:rPr>
+              <a:t>Ergebnisanzeige</a:t>
+            </a:r>
+            <a:endParaRPr lang="de-DE" sz="2000" dirty="0">
+              <a:latin typeface="Verdana" pitchFamily="34" charset="0"/>
+              <a:ea typeface="Verdana" pitchFamily="34" charset="0"/>
+              <a:cs typeface="Verdana" pitchFamily="34" charset="0"/>
+            </a:endParaRPr>
+          </a:p>
+        </p:txBody>
+      </p:sp>
     </p:spTree>
   </p:cSld>
   <p:clrMapOvr>
@@ -14080,10 +14104,27 @@
               <a:buChar char="•"/>
             </a:pPr>
             <a:r>
-              <a:rPr lang="de-DE" dirty="0" smtClean="0">
-                <a:hlinkClick r:id="rId2"/>
-              </a:rPr>
-              <a:t>https://de.wikipedia.org/wiki/Google</a:t>
+              <a:rPr lang="de-DE" dirty="0" smtClean="0"/>
+              <a:t> Boolesches </a:t>
+            </a:r>
+            <a:r>
+              <a:rPr lang="de-DE" dirty="0" err="1" smtClean="0"/>
+              <a:t>Retrieval</a:t>
+            </a:r>
+            <a:endParaRPr lang="de-DE" dirty="0" smtClean="0"/>
+          </a:p>
+          <a:p>
+            <a:pPr lvl="1"/>
+            <a:r>
+              <a:rPr lang="de-DE" dirty="0" smtClean="0"/>
+              <a:t>Mengenoperationen</a:t>
+            </a:r>
+          </a:p>
+          <a:p>
+            <a:pPr lvl="1"/>
+            <a:r>
+              <a:rPr lang="de-DE" dirty="0" smtClean="0"/>
+              <a:t>Invertierte Listen</a:t>
             </a:r>
             <a:endParaRPr lang="de-DE" dirty="0" smtClean="0"/>
           </a:p>
@@ -14093,12 +14134,23 @@
               <a:buChar char="•"/>
             </a:pPr>
             <a:r>
-              <a:rPr lang="de-DE" dirty="0" smtClean="0">
-                <a:hlinkClick r:id="rId3"/>
-              </a:rPr>
-              <a:t>http://www.underconsideration.com/brandnew/archives/new_logo_for_bing.php</a:t>
-            </a:r>
-            <a:endParaRPr lang="de-DE" dirty="0" smtClean="0"/>
+              <a:rPr lang="de-DE" dirty="0" smtClean="0"/>
+              <a:t> Vektorraummodell</a:t>
+            </a:r>
+          </a:p>
+          <a:p>
+            <a:pPr lvl="1"/>
+            <a:r>
+              <a:rPr lang="de-DE" dirty="0" smtClean="0"/>
+              <a:t>Umwandlung von Dokumenten/Anfragen in Vektoren</a:t>
+            </a:r>
+          </a:p>
+          <a:p>
+            <a:pPr lvl="1"/>
+            <a:r>
+              <a:rPr lang="de-DE" dirty="0" smtClean="0"/>
+              <a:t>Cosinus-Maß als Ähnlichkeitsfunktion</a:t>
+            </a:r>
           </a:p>
           <a:p>
             <a:pPr>
@@ -14106,42 +14158,19 @@
               <a:buChar char="•"/>
             </a:pPr>
             <a:r>
-              <a:rPr lang="de-DE" dirty="0" smtClean="0">
-                <a:hlinkClick r:id="rId4"/>
-              </a:rPr>
-              <a:t>http://bibserv.fh-trier.de:8080/webOPACClient/search.do?methodToCall=start</a:t>
-            </a:r>
-            <a:endParaRPr lang="de-DE" dirty="0" smtClean="0"/>
-          </a:p>
-          <a:p>
-            <a:pPr>
-              <a:buFont typeface="Arial" pitchFamily="34" charset="0"/>
-              <a:buChar char="•"/>
-            </a:pPr>
-            <a:r>
-              <a:rPr lang="de-DE" dirty="0" smtClean="0">
-                <a:hlinkClick r:id="rId5"/>
-              </a:rPr>
-              <a:t>http://www.arbeitstipps.de/email-postfach-aufraeumen-3-tipps.html</a:t>
-            </a:r>
-            <a:endParaRPr lang="de-DE" dirty="0" smtClean="0"/>
-          </a:p>
-          <a:p>
-            <a:pPr>
-              <a:buFont typeface="Arial" pitchFamily="34" charset="0"/>
-              <a:buChar char="•"/>
-            </a:pPr>
-            <a:r>
-              <a:rPr lang="de-DE" dirty="0" smtClean="0">
-                <a:hlinkClick r:id="rId6"/>
-              </a:rPr>
-              <a:t>http://de.freepik.com/freie-ikonen/fragezeichen_731610.htm</a:t>
-            </a:r>
-            <a:r>
               <a:rPr lang="de-DE" dirty="0" smtClean="0"/>
               <a:t> </a:t>
             </a:r>
-            <a:endParaRPr lang="de-DE" dirty="0"/>
+            <a:r>
+              <a:rPr lang="de-DE" dirty="0" smtClean="0"/>
+              <a:t>Kombination beider Verfahren </a:t>
+            </a:r>
+          </a:p>
+          <a:p>
+            <a:pPr lvl="1">
+              <a:buNone/>
+            </a:pPr>
+            <a:endParaRPr lang="de-DE" dirty="0" smtClean="0"/>
           </a:p>
         </p:txBody>
       </p:sp>
@@ -14235,12 +14264,38 @@
           <a:p>
             <a:r>
               <a:rPr lang="de-DE" dirty="0" smtClean="0"/>
-              <a:t>Bildquellen</a:t>
+              <a:t>Zusammenfassung</a:t>
             </a:r>
             <a:endParaRPr lang="de-DE" dirty="0"/>
           </a:p>
         </p:txBody>
       </p:sp>
+      <p:pic>
+        <p:nvPicPr>
+          <p:cNvPr id="39939" name="Picture 3" descr="C:\Users\kreme\Documents\SuchTool\Bilder\fancy.png"/>
+          <p:cNvPicPr>
+            <a:picLocks noChangeAspect="1" noChangeArrowheads="1"/>
+          </p:cNvPicPr>
+          <p:nvPr/>
+        </p:nvPicPr>
+        <p:blipFill>
+          <a:blip r:embed="rId2" cstate="print"/>
+          <a:srcRect/>
+          <a:stretch>
+            <a:fillRect/>
+          </a:stretch>
+        </p:blipFill>
+        <p:spPr bwMode="auto">
+          <a:xfrm>
+            <a:off x="5580112" y="3789040"/>
+            <a:ext cx="2736304" cy="1994578"/>
+          </a:xfrm>
+          <a:prstGeom prst="rect">
+            <a:avLst/>
+          </a:prstGeom>
+          <a:noFill/>
+        </p:spPr>
+      </p:pic>
     </p:spTree>
   </p:cSld>
   <p:clrMapOvr>
@@ -14363,7 +14418,7 @@
           <a:p>
             <a:r>
               <a:rPr lang="de-DE" dirty="0" smtClean="0"/>
-              <a:t>2.Problemstellung</a:t>
+              <a:t>2. Problemstellung</a:t>
             </a:r>
             <a:endParaRPr lang="de-DE" dirty="0"/>
           </a:p>
@@ -14371,7 +14426,7 @@
       </p:sp>
       <p:pic>
         <p:nvPicPr>
-          <p:cNvPr id="38914" name="Picture 2" descr="C:\Users\kreme\Documents\SuchTool\Bilder\mail2.png"/>
+          <p:cNvPr id="37890" name="Picture 2" descr="C:\Users\kreme\Documents\SuchTool\Bilder\mail.png"/>
           <p:cNvPicPr>
             <a:picLocks noGrp="1" noChangeAspect="1" noChangeArrowheads="1"/>
           </p:cNvPicPr>
@@ -14388,8 +14443,8 @@
         </p:blipFill>
         <p:spPr bwMode="auto">
           <a:xfrm>
-            <a:off x="971600" y="1628800"/>
-            <a:ext cx="5518601" cy="3736277"/>
+            <a:off x="539552" y="1916832"/>
+            <a:ext cx="7920880" cy="2493026"/>
           </a:xfrm>
           <a:prstGeom prst="rect">
             <a:avLst/>
@@ -14405,8 +14460,8 @@
         </p:nvSpPr>
         <p:spPr>
           <a:xfrm>
-            <a:off x="1043608" y="1196752"/>
-            <a:ext cx="343364" cy="369332"/>
+            <a:off x="827584" y="4437112"/>
+            <a:ext cx="401072" cy="369332"/>
           </a:xfrm>
           <a:prstGeom prst="rect">
             <a:avLst/>
@@ -14421,7 +14476,219 @@
           <a:p>
             <a:r>
               <a:rPr lang="de-DE" dirty="0" smtClean="0"/>
-              <a:t>…</a:t>
+              <a:t>….</a:t>
+            </a:r>
+          </a:p>
+        </p:txBody>
+      </p:sp>
+    </p:spTree>
+  </p:cSld>
+  <p:clrMapOvr>
+    <a:masterClrMapping/>
+  </p:clrMapOvr>
+  <p:timing>
+    <p:tnLst>
+      <p:par>
+        <p:cTn id="1" dur="indefinite" restart="never" nodeType="tmRoot"/>
+      </p:par>
+    </p:tnLst>
+  </p:timing>
+</p:sld>
+</file>
+
+<file path=ppt/slides/slide50.xml><?xml version="1.0" encoding="utf-8"?>
+<p:sld xmlns:a="http://schemas.openxmlformats.org/drawingml/2006/main" xmlns:r="http://schemas.openxmlformats.org/officeDocument/2006/relationships" xmlns:p="http://schemas.openxmlformats.org/presentationml/2006/main">
+  <p:cSld>
+    <p:spTree>
+      <p:nvGrpSpPr>
+        <p:cNvPr id="1" name=""/>
+        <p:cNvGrpSpPr/>
+        <p:nvPr/>
+      </p:nvGrpSpPr>
+      <p:grpSpPr>
+        <a:xfrm>
+          <a:off x="0" y="0"/>
+          <a:ext cx="0" cy="0"/>
+          <a:chOff x="0" y="0"/>
+          <a:chExt cx="0" cy="0"/>
+        </a:xfrm>
+      </p:grpSpPr>
+      <p:sp>
+        <p:nvSpPr>
+          <p:cNvPr id="2" name="Inhaltsplatzhalter 1"/>
+          <p:cNvSpPr>
+            <a:spLocks noGrp="1"/>
+          </p:cNvSpPr>
+          <p:nvPr>
+            <p:ph sz="quarter" idx="13"/>
+          </p:nvPr>
+        </p:nvSpPr>
+        <p:spPr/>
+        <p:txBody>
+          <a:bodyPr/>
+          <a:lstStyle/>
+          <a:p>
+            <a:pPr>
+              <a:buFont typeface="Arial" pitchFamily="34" charset="0"/>
+              <a:buChar char="•"/>
+            </a:pPr>
+            <a:r>
+              <a:rPr lang="de-DE" dirty="0" smtClean="0">
+                <a:hlinkClick r:id="rId2"/>
+              </a:rPr>
+              <a:t>https://de.wikipedia.org/wiki/Google</a:t>
+            </a:r>
+            <a:endParaRPr lang="de-DE" dirty="0" smtClean="0"/>
+          </a:p>
+          <a:p>
+            <a:pPr>
+              <a:buFont typeface="Arial" pitchFamily="34" charset="0"/>
+              <a:buChar char="•"/>
+            </a:pPr>
+            <a:r>
+              <a:rPr lang="de-DE" dirty="0" smtClean="0">
+                <a:hlinkClick r:id="rId3"/>
+              </a:rPr>
+              <a:t>http://www.underconsideration.com/brandnew/archives/new_logo_for_bing.php</a:t>
+            </a:r>
+            <a:endParaRPr lang="de-DE" dirty="0" smtClean="0"/>
+          </a:p>
+          <a:p>
+            <a:pPr>
+              <a:buFont typeface="Arial" pitchFamily="34" charset="0"/>
+              <a:buChar char="•"/>
+            </a:pPr>
+            <a:r>
+              <a:rPr lang="de-DE" dirty="0" smtClean="0">
+                <a:hlinkClick r:id="rId4"/>
+              </a:rPr>
+              <a:t>http://bibserv.fh-trier.de:8080/webOPACClient/search.do?methodToCall=start</a:t>
+            </a:r>
+            <a:endParaRPr lang="de-DE" dirty="0" smtClean="0"/>
+          </a:p>
+          <a:p>
+            <a:pPr>
+              <a:buFont typeface="Arial" pitchFamily="34" charset="0"/>
+              <a:buChar char="•"/>
+            </a:pPr>
+            <a:r>
+              <a:rPr lang="de-DE" dirty="0" smtClean="0">
+                <a:hlinkClick r:id="rId5"/>
+              </a:rPr>
+              <a:t>http://www.arbeitstipps.de/email-postfach-aufraeumen-3-tipps.html</a:t>
+            </a:r>
+            <a:endParaRPr lang="de-DE" dirty="0" smtClean="0"/>
+          </a:p>
+          <a:p>
+            <a:pPr>
+              <a:buFont typeface="Arial" pitchFamily="34" charset="0"/>
+              <a:buChar char="•"/>
+            </a:pPr>
+            <a:r>
+              <a:rPr lang="de-DE" dirty="0" smtClean="0">
+                <a:hlinkClick r:id="rId6"/>
+              </a:rPr>
+              <a:t>http://de.freepik.com/freie-ikonen/fragezeichen_731610.htm</a:t>
+            </a:r>
+            <a:r>
+              <a:rPr lang="de-DE" dirty="0" smtClean="0"/>
+              <a:t> </a:t>
+            </a:r>
+            <a:endParaRPr lang="de-DE" dirty="0"/>
+          </a:p>
+        </p:txBody>
+      </p:sp>
+      <p:sp>
+        <p:nvSpPr>
+          <p:cNvPr id="3" name="Datumsplatzhalter 2"/>
+          <p:cNvSpPr>
+            <a:spLocks noGrp="1"/>
+          </p:cNvSpPr>
+          <p:nvPr>
+            <p:ph type="dt" sz="half" idx="14"/>
+          </p:nvPr>
+        </p:nvSpPr>
+        <p:spPr/>
+        <p:txBody>
+          <a:bodyPr/>
+          <a:lstStyle/>
+          <a:p>
+            <a:pPr>
+              <a:defRPr/>
+            </a:pPr>
+            <a:endParaRPr lang="de-DE" dirty="0"/>
+          </a:p>
+        </p:txBody>
+      </p:sp>
+      <p:sp>
+        <p:nvSpPr>
+          <p:cNvPr id="4" name="Fußzeilenplatzhalter 3"/>
+          <p:cNvSpPr>
+            <a:spLocks noGrp="1"/>
+          </p:cNvSpPr>
+          <p:nvPr>
+            <p:ph type="ftr" sz="quarter" idx="15"/>
+          </p:nvPr>
+        </p:nvSpPr>
+        <p:spPr/>
+        <p:txBody>
+          <a:bodyPr/>
+          <a:lstStyle/>
+          <a:p>
+            <a:pPr>
+              <a:defRPr/>
+            </a:pPr>
+            <a:endParaRPr lang="de-DE"/>
+          </a:p>
+        </p:txBody>
+      </p:sp>
+      <p:sp>
+        <p:nvSpPr>
+          <p:cNvPr id="5" name="Foliennummernplatzhalter 4"/>
+          <p:cNvSpPr>
+            <a:spLocks noGrp="1"/>
+          </p:cNvSpPr>
+          <p:nvPr>
+            <p:ph type="sldNum" sz="quarter" idx="16"/>
+          </p:nvPr>
+        </p:nvSpPr>
+        <p:spPr/>
+        <p:txBody>
+          <a:bodyPr/>
+          <a:lstStyle/>
+          <a:p>
+            <a:pPr>
+              <a:defRPr/>
+            </a:pPr>
+            <a:fld id="{B53A9DA1-A25A-429F-A02C-54EE5606360E}" type="slidenum">
+              <a:rPr lang="de-DE" altLang="de-DE" smtClean="0"/>
+              <a:pPr>
+                <a:defRPr/>
+              </a:pPr>
+              <a:t>50</a:t>
+            </a:fld>
+            <a:endParaRPr lang="de-DE" altLang="de-DE" dirty="0"/>
+          </a:p>
+        </p:txBody>
+      </p:sp>
+      <p:sp>
+        <p:nvSpPr>
+          <p:cNvPr id="6" name="Titel 5"/>
+          <p:cNvSpPr>
+            <a:spLocks noGrp="1"/>
+          </p:cNvSpPr>
+          <p:nvPr>
+            <p:ph type="title"/>
+          </p:nvPr>
+        </p:nvSpPr>
+        <p:spPr/>
+        <p:txBody>
+          <a:bodyPr/>
+          <a:lstStyle/>
+          <a:p>
+            <a:r>
+              <a:rPr lang="de-DE" dirty="0" smtClean="0"/>
+              <a:t>Bildquellen</a:t>
             </a:r>
             <a:endParaRPr lang="de-DE" dirty="0"/>
           </a:p>
@@ -14461,110 +14728,23 @@
       </p:grpSpPr>
       <p:sp>
         <p:nvSpPr>
-          <p:cNvPr id="2" name="Inhaltsplatzhalter 1"/>
-          <p:cNvSpPr>
-            <a:spLocks noGrp="1"/>
-          </p:cNvSpPr>
-          <p:nvPr>
-            <p:ph sz="quarter" idx="13"/>
-          </p:nvPr>
-        </p:nvSpPr>
-        <p:spPr/>
-        <p:txBody>
-          <a:bodyPr/>
-          <a:lstStyle/>
-          <a:p>
-            <a:pPr>
-              <a:buFont typeface="Arial" pitchFamily="34" charset="0"/>
-              <a:buChar char="•"/>
-            </a:pPr>
-            <a:r>
-              <a:rPr lang="de-DE" dirty="0" smtClean="0"/>
-              <a:t> Einsatz in Metadatensuche</a:t>
-            </a:r>
-          </a:p>
-          <a:p>
-            <a:pPr>
-              <a:buFont typeface="Arial" pitchFamily="34" charset="0"/>
-              <a:buChar char="•"/>
-            </a:pPr>
-            <a:r>
-              <a:rPr lang="de-DE" dirty="0" smtClean="0"/>
-              <a:t> Charakterisieren von Mengen durch Attribute</a:t>
-            </a:r>
-          </a:p>
-          <a:p>
-            <a:pPr>
-              <a:buFont typeface="Arial" pitchFamily="34" charset="0"/>
-              <a:buChar char="•"/>
-            </a:pPr>
-            <a:endParaRPr lang="de-DE" dirty="0" smtClean="0"/>
-          </a:p>
-          <a:p>
-            <a:endParaRPr lang="de-DE" dirty="0" smtClean="0"/>
-          </a:p>
-          <a:p>
-            <a:endParaRPr lang="de-DE" dirty="0" smtClean="0"/>
-          </a:p>
-          <a:p>
-            <a:endParaRPr lang="de-DE" dirty="0" smtClean="0"/>
-          </a:p>
-          <a:p>
-            <a:pPr>
-              <a:buFont typeface="Arial" pitchFamily="34" charset="0"/>
-              <a:buChar char="•"/>
-            </a:pPr>
-            <a:r>
-              <a:rPr lang="de-DE" dirty="0" smtClean="0"/>
-              <a:t> Mengenoperationen </a:t>
-            </a:r>
-          </a:p>
-          <a:p>
-            <a:endParaRPr lang="de-DE" dirty="0" smtClean="0"/>
-          </a:p>
-          <a:p>
-            <a:pPr lvl="1"/>
-            <a:r>
-              <a:rPr lang="de-DE" dirty="0" smtClean="0"/>
-              <a:t>Durchschnitt – AND   </a:t>
-            </a:r>
-          </a:p>
-          <a:p>
-            <a:pPr lvl="1">
-              <a:buNone/>
-            </a:pPr>
-            <a:r>
-              <a:rPr lang="de-DE" dirty="0" smtClean="0"/>
-              <a:t>  </a:t>
-            </a:r>
-          </a:p>
-          <a:p>
-            <a:pPr lvl="1"/>
-            <a:r>
-              <a:rPr lang="de-DE" dirty="0" smtClean="0"/>
-              <a:t>Vereinigung – OR </a:t>
-            </a:r>
-          </a:p>
-          <a:p>
-            <a:pPr lvl="1"/>
-            <a:endParaRPr lang="de-DE" dirty="0" smtClean="0"/>
-          </a:p>
-          <a:p>
-            <a:pPr lvl="1"/>
-            <a:r>
-              <a:rPr lang="de-DE" dirty="0" smtClean="0"/>
-              <a:t>Differenz - NOT</a:t>
-            </a:r>
-          </a:p>
-          <a:p>
-            <a:pPr lvl="1"/>
-            <a:endParaRPr lang="de-DE" dirty="0" smtClean="0"/>
-          </a:p>
-          <a:p>
-            <a:endParaRPr lang="de-DE" dirty="0" smtClean="0"/>
-          </a:p>
-          <a:p>
-            <a:endParaRPr lang="de-DE" dirty="0" smtClean="0"/>
+          <p:cNvPr id="3" name="Datumsplatzhalter 2"/>
+          <p:cNvSpPr>
+            <a:spLocks noGrp="1"/>
+          </p:cNvSpPr>
+          <p:nvPr>
+            <p:ph type="dt" sz="half" idx="14"/>
+          </p:nvPr>
+        </p:nvSpPr>
+        <p:spPr/>
+        <p:txBody>
+          <a:bodyPr/>
+          <a:lstStyle/>
+          <a:p>
+            <a:pPr>
+              <a:defRPr/>
+            </a:pPr>
+            <a:endParaRPr lang="de-DE" dirty="0"/>
           </a:p>
         </p:txBody>
       </p:sp>
@@ -14636,11 +14816,7 @@
           <a:p>
             <a:r>
               <a:rPr lang="de-DE" dirty="0" smtClean="0"/>
-              <a:t>3. Boolesches </a:t>
-            </a:r>
-            <a:r>
-              <a:rPr lang="de-DE" dirty="0" err="1" smtClean="0"/>
-              <a:t>Retrieval</a:t>
+              <a:t>2.Problemstellung</a:t>
             </a:r>
             <a:endParaRPr lang="de-DE" dirty="0"/>
           </a:p>
@@ -14648,11 +14824,13 @@
       </p:sp>
       <p:pic>
         <p:nvPicPr>
-          <p:cNvPr id="11" name="Picture 2" descr="C:\Users\kreme\Documents\SuchTool\Bilder\durchschnitt.png"/>
+          <p:cNvPr id="38914" name="Picture 2" descr="C:\Users\kreme\Documents\SuchTool\Bilder\mail2.png"/>
           <p:cNvPicPr>
-            <a:picLocks noChangeAspect="1" noChangeArrowheads="1"/>
+            <a:picLocks noGrp="1" noChangeAspect="1" noChangeArrowheads="1"/>
           </p:cNvPicPr>
-          <p:nvPr/>
+          <p:nvPr>
+            <p:ph sz="quarter" idx="13"/>
+          </p:nvPr>
         </p:nvPicPr>
         <p:blipFill>
           <a:blip r:embed="rId2" cstate="print"/>
@@ -14663,8 +14841,8 @@
         </p:blipFill>
         <p:spPr bwMode="auto">
           <a:xfrm>
-            <a:off x="3491880" y="4005064"/>
-            <a:ext cx="1875600" cy="718603"/>
+            <a:off x="971600" y="1628800"/>
+            <a:ext cx="5518601" cy="3736277"/>
           </a:xfrm>
           <a:prstGeom prst="rect">
             <a:avLst/>
@@ -14672,110 +14850,36 @@
           <a:noFill/>
         </p:spPr>
       </p:pic>
-      <p:pic>
-        <p:nvPicPr>
-          <p:cNvPr id="12" name="Picture 3" descr="C:\Users\kreme\Documents\SuchTool\Bilder\differenz.png"/>
-          <p:cNvPicPr>
-            <a:picLocks noChangeAspect="1" noChangeArrowheads="1"/>
-          </p:cNvPicPr>
+      <p:sp>
+        <p:nvSpPr>
+          <p:cNvPr id="8" name="Textfeld 7"/>
+          <p:cNvSpPr txBox="1"/>
           <p:nvPr/>
-        </p:nvPicPr>
-        <p:blipFill>
-          <a:blip r:embed="rId3" cstate="print"/>
-          <a:srcRect/>
-          <a:stretch>
-            <a:fillRect/>
-          </a:stretch>
-        </p:blipFill>
-        <p:spPr bwMode="auto">
-          <a:xfrm>
-            <a:off x="3419872" y="5445224"/>
-            <a:ext cx="1460859" cy="468000"/>
+        </p:nvSpPr>
+        <p:spPr>
+          <a:xfrm>
+            <a:off x="1043608" y="1196752"/>
+            <a:ext cx="343364" cy="369332"/>
           </a:xfrm>
           <a:prstGeom prst="rect">
             <a:avLst/>
           </a:prstGeom>
           <a:noFill/>
         </p:spPr>
-      </p:pic>
-      <p:pic>
-        <p:nvPicPr>
-          <p:cNvPr id="20484" name="Picture 4" descr="C:\Users\kreme\Documents\SuchTool\Bilder\vereinigung.png"/>
-          <p:cNvPicPr>
-            <a:picLocks noChangeAspect="1" noChangeArrowheads="1"/>
-          </p:cNvPicPr>
-          <p:nvPr/>
-        </p:nvPicPr>
-        <p:blipFill>
-          <a:blip r:embed="rId4" cstate="print"/>
-          <a:srcRect/>
-          <a:stretch>
-            <a:fillRect/>
-          </a:stretch>
-        </p:blipFill>
-        <p:spPr bwMode="auto">
-          <a:xfrm>
-            <a:off x="3491880" y="4797152"/>
-            <a:ext cx="1876271" cy="540000"/>
-          </a:xfrm>
-          <a:prstGeom prst="rect">
-            <a:avLst/>
-          </a:prstGeom>
-          <a:noFill/>
-        </p:spPr>
-      </p:pic>
-      <p:pic>
-        <p:nvPicPr>
-          <p:cNvPr id="20485" name="Picture 5" descr="C:\Users\kreme\Documents\SuchTool\Bilder\menge.png"/>
-          <p:cNvPicPr>
-            <a:picLocks noChangeAspect="1" noChangeArrowheads="1"/>
-          </p:cNvPicPr>
-          <p:nvPr/>
-        </p:nvPicPr>
-        <p:blipFill>
-          <a:blip r:embed="rId5" cstate="print"/>
-          <a:srcRect/>
-          <a:stretch>
-            <a:fillRect/>
-          </a:stretch>
-        </p:blipFill>
-        <p:spPr bwMode="auto">
-          <a:xfrm>
-            <a:off x="971600" y="2780928"/>
-            <a:ext cx="4032448" cy="500651"/>
-          </a:xfrm>
-          <a:prstGeom prst="rect">
-            <a:avLst/>
-          </a:prstGeom>
-          <a:noFill/>
-        </p:spPr>
-      </p:pic>
-      <p:pic>
-        <p:nvPicPr>
-          <p:cNvPr id="17" name="Picture 2" descr="C:\Users\kreme\Documents\SuchTool\Bilder\attribut.png"/>
-          <p:cNvPicPr>
-            <a:picLocks noChangeAspect="1" noChangeArrowheads="1"/>
-          </p:cNvPicPr>
-          <p:nvPr/>
-        </p:nvPicPr>
-        <p:blipFill>
-          <a:blip r:embed="rId6" cstate="print"/>
-          <a:srcRect/>
-          <a:stretch>
-            <a:fillRect/>
-          </a:stretch>
-        </p:blipFill>
-        <p:spPr bwMode="auto">
-          <a:xfrm>
-            <a:off x="971600" y="2132856"/>
-            <a:ext cx="3384376" cy="510069"/>
-          </a:xfrm>
-          <a:prstGeom prst="rect">
-            <a:avLst/>
-          </a:prstGeom>
-          <a:noFill/>
-        </p:spPr>
-      </p:pic>
+        <p:txBody>
+          <a:bodyPr wrap="none" rtlCol="0">
+            <a:spAutoFit/>
+          </a:bodyPr>
+          <a:lstStyle/>
+          <a:p>
+            <a:r>
+              <a:rPr lang="de-DE" dirty="0" smtClean="0"/>
+              <a:t>…</a:t>
+            </a:r>
+            <a:endParaRPr lang="de-DE" dirty="0"/>
+          </a:p>
+        </p:txBody>
+      </p:sp>
     </p:spTree>
   </p:cSld>
   <p:clrMapOvr>
@@ -14810,23 +14914,110 @@
       </p:grpSpPr>
       <p:sp>
         <p:nvSpPr>
-          <p:cNvPr id="3" name="Datumsplatzhalter 2"/>
-          <p:cNvSpPr>
-            <a:spLocks noGrp="1"/>
-          </p:cNvSpPr>
-          <p:nvPr>
-            <p:ph type="dt" sz="half" idx="14"/>
-          </p:nvPr>
-        </p:nvSpPr>
-        <p:spPr/>
-        <p:txBody>
-          <a:bodyPr/>
-          <a:lstStyle/>
-          <a:p>
-            <a:pPr>
-              <a:defRPr/>
-            </a:pPr>
-            <a:endParaRPr lang="de-DE" dirty="0"/>
+          <p:cNvPr id="2" name="Inhaltsplatzhalter 1"/>
+          <p:cNvSpPr>
+            <a:spLocks noGrp="1"/>
+          </p:cNvSpPr>
+          <p:nvPr>
+            <p:ph sz="quarter" idx="13"/>
+          </p:nvPr>
+        </p:nvSpPr>
+        <p:spPr/>
+        <p:txBody>
+          <a:bodyPr/>
+          <a:lstStyle/>
+          <a:p>
+            <a:pPr>
+              <a:buFont typeface="Arial" pitchFamily="34" charset="0"/>
+              <a:buChar char="•"/>
+            </a:pPr>
+            <a:r>
+              <a:rPr lang="de-DE" dirty="0" smtClean="0"/>
+              <a:t> Einsatz in Metadatensuche</a:t>
+            </a:r>
+          </a:p>
+          <a:p>
+            <a:pPr>
+              <a:buFont typeface="Arial" pitchFamily="34" charset="0"/>
+              <a:buChar char="•"/>
+            </a:pPr>
+            <a:r>
+              <a:rPr lang="de-DE" dirty="0" smtClean="0"/>
+              <a:t> Charakterisieren von Mengen durch Attribute</a:t>
+            </a:r>
+          </a:p>
+          <a:p>
+            <a:pPr>
+              <a:buFont typeface="Arial" pitchFamily="34" charset="0"/>
+              <a:buChar char="•"/>
+            </a:pPr>
+            <a:endParaRPr lang="de-DE" dirty="0" smtClean="0"/>
+          </a:p>
+          <a:p>
+            <a:endParaRPr lang="de-DE" dirty="0" smtClean="0"/>
+          </a:p>
+          <a:p>
+            <a:endParaRPr lang="de-DE" dirty="0" smtClean="0"/>
+          </a:p>
+          <a:p>
+            <a:endParaRPr lang="de-DE" dirty="0" smtClean="0"/>
+          </a:p>
+          <a:p>
+            <a:pPr>
+              <a:buFont typeface="Arial" pitchFamily="34" charset="0"/>
+              <a:buChar char="•"/>
+            </a:pPr>
+            <a:r>
+              <a:rPr lang="de-DE" dirty="0" smtClean="0"/>
+              <a:t> Mengenoperationen </a:t>
+            </a:r>
+          </a:p>
+          <a:p>
+            <a:endParaRPr lang="de-DE" dirty="0" smtClean="0"/>
+          </a:p>
+          <a:p>
+            <a:pPr lvl="1"/>
+            <a:r>
+              <a:rPr lang="de-DE" dirty="0" smtClean="0"/>
+              <a:t>Durchschnitt – AND   </a:t>
+            </a:r>
+          </a:p>
+          <a:p>
+            <a:pPr lvl="1">
+              <a:buNone/>
+            </a:pPr>
+            <a:r>
+              <a:rPr lang="de-DE" dirty="0" smtClean="0"/>
+              <a:t>  </a:t>
+            </a:r>
+          </a:p>
+          <a:p>
+            <a:pPr lvl="1"/>
+            <a:r>
+              <a:rPr lang="de-DE" dirty="0" smtClean="0"/>
+              <a:t>Vereinigung – OR </a:t>
+            </a:r>
+          </a:p>
+          <a:p>
+            <a:pPr lvl="1"/>
+            <a:endParaRPr lang="de-DE" dirty="0" smtClean="0"/>
+          </a:p>
+          <a:p>
+            <a:pPr lvl="1"/>
+            <a:r>
+              <a:rPr lang="de-DE" dirty="0" smtClean="0"/>
+              <a:t>Differenz - NOT</a:t>
+            </a:r>
+          </a:p>
+          <a:p>
+            <a:pPr lvl="1"/>
+            <a:endParaRPr lang="de-DE" dirty="0" smtClean="0"/>
+          </a:p>
+          <a:p>
+            <a:endParaRPr lang="de-DE" dirty="0" smtClean="0"/>
+          </a:p>
+          <a:p>
+            <a:endParaRPr lang="de-DE" dirty="0" smtClean="0"/>
           </a:p>
         </p:txBody>
       </p:sp>
@@ -14908,35 +15099,9 @@
           </a:p>
         </p:txBody>
       </p:sp>
-      <p:sp>
-        <p:nvSpPr>
-          <p:cNvPr id="7" name="Inhaltsplatzhalter 6"/>
-          <p:cNvSpPr>
-            <a:spLocks noGrp="1"/>
-          </p:cNvSpPr>
-          <p:nvPr>
-            <p:ph sz="quarter" idx="13"/>
-          </p:nvPr>
-        </p:nvSpPr>
-        <p:spPr/>
-        <p:txBody>
-          <a:bodyPr/>
-          <a:lstStyle/>
-          <a:p>
-            <a:endParaRPr lang="de-DE" dirty="0" smtClean="0"/>
-          </a:p>
-          <a:p>
-            <a:pPr>
-              <a:buFont typeface="Arial" pitchFamily="34" charset="0"/>
-              <a:buChar char="•"/>
-            </a:pPr>
-            <a:endParaRPr lang="de-DE" dirty="0"/>
-          </a:p>
-        </p:txBody>
-      </p:sp>
       <p:pic>
         <p:nvPicPr>
-          <p:cNvPr id="18435" name="Picture 3" descr="C:\Users\kreme\Documents\SuchTool\Praesentation\Untitled Diagram.jpg"/>
+          <p:cNvPr id="11" name="Picture 2" descr="C:\Users\kreme\Documents\SuchTool\Bilder\durchschnitt.png"/>
           <p:cNvPicPr>
             <a:picLocks noChangeAspect="1" noChangeArrowheads="1"/>
           </p:cNvPicPr>
@@ -14951,8 +15116,8 @@
         </p:blipFill>
         <p:spPr bwMode="auto">
           <a:xfrm>
-            <a:off x="360000" y="1800000"/>
-            <a:ext cx="7534275" cy="3638550"/>
+            <a:off x="3491880" y="4005064"/>
+            <a:ext cx="1875600" cy="718603"/>
           </a:xfrm>
           <a:prstGeom prst="rect">
             <a:avLst/>
@@ -14960,52 +15125,110 @@
           <a:noFill/>
         </p:spPr>
       </p:pic>
-      <p:sp>
-        <p:nvSpPr>
-          <p:cNvPr id="8" name="Textfeld 7"/>
-          <p:cNvSpPr txBox="1"/>
+      <p:pic>
+        <p:nvPicPr>
+          <p:cNvPr id="12" name="Picture 3" descr="C:\Users\kreme\Documents\SuchTool\Bilder\differenz.png"/>
+          <p:cNvPicPr>
+            <a:picLocks noChangeAspect="1" noChangeArrowheads="1"/>
+          </p:cNvPicPr>
           <p:nvPr/>
-        </p:nvSpPr>
-        <p:spPr>
-          <a:xfrm>
-            <a:off x="252000" y="1080000"/>
-            <a:ext cx="4570610" cy="400110"/>
+        </p:nvPicPr>
+        <p:blipFill>
+          <a:blip r:embed="rId3" cstate="print"/>
+          <a:srcRect/>
+          <a:stretch>
+            <a:fillRect/>
+          </a:stretch>
+        </p:blipFill>
+        <p:spPr bwMode="auto">
+          <a:xfrm>
+            <a:off x="3419872" y="5445224"/>
+            <a:ext cx="1460859" cy="468000"/>
           </a:xfrm>
           <a:prstGeom prst="rect">
             <a:avLst/>
           </a:prstGeom>
           <a:noFill/>
         </p:spPr>
-        <p:txBody>
-          <a:bodyPr wrap="none" rtlCol="0">
-            <a:spAutoFit/>
-          </a:bodyPr>
-          <a:lstStyle/>
-          <a:p>
-            <a:pPr>
-              <a:buFont typeface="Arial" pitchFamily="34" charset="0"/>
-              <a:buChar char="•"/>
-            </a:pPr>
-            <a:r>
-              <a:rPr lang="de-DE" sz="2000" dirty="0" smtClean="0"/>
-              <a:t> Invertierte Liste </a:t>
-            </a:r>
-            <a:r>
-              <a:rPr lang="de-DE" sz="2000" dirty="0" smtClean="0">
-                <a:sym typeface="Wingdings" pitchFamily="2" charset="2"/>
-              </a:rPr>
-              <a:t> Speichern von </a:t>
-            </a:r>
-            <a:r>
-              <a:rPr lang="de-DE" sz="2000" i="1" dirty="0" err="1" smtClean="0">
-                <a:sym typeface="Wingdings" pitchFamily="2" charset="2"/>
-              </a:rPr>
-              <a:t>docIDs</a:t>
-            </a:r>
-            <a:endParaRPr lang="de-DE" sz="2000" i="1" dirty="0"/>
-          </a:p>
-        </p:txBody>
-      </p:sp>
+      </p:pic>
+      <p:pic>
+        <p:nvPicPr>
+          <p:cNvPr id="20484" name="Picture 4" descr="C:\Users\kreme\Documents\SuchTool\Bilder\vereinigung.png"/>
+          <p:cNvPicPr>
+            <a:picLocks noChangeAspect="1" noChangeArrowheads="1"/>
+          </p:cNvPicPr>
+          <p:nvPr/>
+        </p:nvPicPr>
+        <p:blipFill>
+          <a:blip r:embed="rId4" cstate="print"/>
+          <a:srcRect/>
+          <a:stretch>
+            <a:fillRect/>
+          </a:stretch>
+        </p:blipFill>
+        <p:spPr bwMode="auto">
+          <a:xfrm>
+            <a:off x="3491880" y="4797152"/>
+            <a:ext cx="1876271" cy="540000"/>
+          </a:xfrm>
+          <a:prstGeom prst="rect">
+            <a:avLst/>
+          </a:prstGeom>
+          <a:noFill/>
+        </p:spPr>
+      </p:pic>
+      <p:pic>
+        <p:nvPicPr>
+          <p:cNvPr id="20485" name="Picture 5" descr="C:\Users\kreme\Documents\SuchTool\Bilder\menge.png"/>
+          <p:cNvPicPr>
+            <a:picLocks noChangeAspect="1" noChangeArrowheads="1"/>
+          </p:cNvPicPr>
+          <p:nvPr/>
+        </p:nvPicPr>
+        <p:blipFill>
+          <a:blip r:embed="rId5" cstate="print"/>
+          <a:srcRect/>
+          <a:stretch>
+            <a:fillRect/>
+          </a:stretch>
+        </p:blipFill>
+        <p:spPr bwMode="auto">
+          <a:xfrm>
+            <a:off x="971600" y="2780928"/>
+            <a:ext cx="4032448" cy="500651"/>
+          </a:xfrm>
+          <a:prstGeom prst="rect">
+            <a:avLst/>
+          </a:prstGeom>
+          <a:noFill/>
+        </p:spPr>
+      </p:pic>
+      <p:pic>
+        <p:nvPicPr>
+          <p:cNvPr id="17" name="Picture 2" descr="C:\Users\kreme\Documents\SuchTool\Bilder\attribut.png"/>
+          <p:cNvPicPr>
+            <a:picLocks noChangeAspect="1" noChangeArrowheads="1"/>
+          </p:cNvPicPr>
+          <p:nvPr/>
+        </p:nvPicPr>
+        <p:blipFill>
+          <a:blip r:embed="rId6" cstate="print"/>
+          <a:srcRect/>
+          <a:stretch>
+            <a:fillRect/>
+          </a:stretch>
+        </p:blipFill>
+        <p:spPr bwMode="auto">
+          <a:xfrm>
+            <a:off x="971600" y="2132856"/>
+            <a:ext cx="3384376" cy="510069"/>
+          </a:xfrm>
+          <a:prstGeom prst="rect">
+            <a:avLst/>
+          </a:prstGeom>
+          <a:noFill/>
+        </p:spPr>
+      </p:pic>
     </p:spTree>
   </p:cSld>
   <p:clrMapOvr>
@@ -15138,18 +15361,42 @@
           </a:p>
         </p:txBody>
       </p:sp>
+      <p:sp>
+        <p:nvSpPr>
+          <p:cNvPr id="7" name="Inhaltsplatzhalter 6"/>
+          <p:cNvSpPr>
+            <a:spLocks noGrp="1"/>
+          </p:cNvSpPr>
+          <p:nvPr>
+            <p:ph sz="quarter" idx="13"/>
+          </p:nvPr>
+        </p:nvSpPr>
+        <p:spPr/>
+        <p:txBody>
+          <a:bodyPr/>
+          <a:lstStyle/>
+          <a:p>
+            <a:endParaRPr lang="de-DE" dirty="0" smtClean="0"/>
+          </a:p>
+          <a:p>
+            <a:pPr>
+              <a:buFont typeface="Arial" pitchFamily="34" charset="0"/>
+              <a:buChar char="•"/>
+            </a:pPr>
+            <a:endParaRPr lang="de-DE" dirty="0"/>
+          </a:p>
+        </p:txBody>
+      </p:sp>
       <p:pic>
         <p:nvPicPr>
-          <p:cNvPr id="17409" name="Picture 1" descr="C:\Users\kreme\Documents\SuchTool\Praesentation\fancy.jpg"/>
+          <p:cNvPr id="18435" name="Picture 3" descr="C:\Users\kreme\Documents\SuchTool\Praesentation\Untitled Diagram.jpg"/>
           <p:cNvPicPr>
-            <a:picLocks noGrp="1" noChangeAspect="1" noChangeArrowheads="1"/>
+            <a:picLocks noChangeAspect="1" noChangeArrowheads="1"/>
           </p:cNvPicPr>
-          <p:nvPr>
-            <p:ph sz="quarter" idx="13"/>
-          </p:nvPr>
+          <p:nvPr/>
         </p:nvPicPr>
         <p:blipFill>
-          <a:blip r:embed="rId3" cstate="print"/>
+          <a:blip r:embed="rId2" cstate="print"/>
           <a:srcRect/>
           <a:stretch>
             <a:fillRect/>
@@ -15158,7 +15405,7 @@
         <p:spPr bwMode="auto">
           <a:xfrm>
             <a:off x="360000" y="1800000"/>
-            <a:ext cx="8391525" cy="3638550"/>
+            <a:ext cx="7534275" cy="3638550"/>
           </a:xfrm>
           <a:prstGeom prst="rect">
             <a:avLst/>
@@ -15168,14 +15415,14 @@
       </p:pic>
       <p:sp>
         <p:nvSpPr>
-          <p:cNvPr id="7" name="Textfeld 6"/>
+          <p:cNvPr id="8" name="Textfeld 7"/>
           <p:cNvSpPr txBox="1"/>
           <p:nvPr/>
         </p:nvSpPr>
         <p:spPr>
           <a:xfrm>
             <a:off x="252000" y="1080000"/>
-            <a:ext cx="7776864" cy="400110"/>
+            <a:ext cx="4570610" cy="400110"/>
           </a:xfrm>
           <a:prstGeom prst="rect">
             <a:avLst/>
@@ -15183,7 +15430,7 @@
           <a:noFill/>
         </p:spPr>
         <p:txBody>
-          <a:bodyPr wrap="square" rtlCol="0">
+          <a:bodyPr wrap="none" rtlCol="0">
             <a:spAutoFit/>
           </a:bodyPr>
           <a:lstStyle/>
@@ -15194,9 +15441,21 @@
             </a:pPr>
             <a:r>
               <a:rPr lang="de-DE" sz="2000" dirty="0" smtClean="0"/>
-              <a:t> Modifizierte invertiere Liste für Metadatensuche</a:t>
-            </a:r>
-            <a:endParaRPr lang="de-DE" sz="2000" dirty="0"/>
+              <a:t> Invertierte Liste </a:t>
+            </a:r>
+            <a:r>
+              <a:rPr lang="de-DE" sz="2000" dirty="0" smtClean="0">
+                <a:sym typeface="Wingdings" pitchFamily="2" charset="2"/>
+              </a:rPr>
+              <a:t> Speichern von </a:t>
+            </a:r>
+            <a:r>
+              <a:rPr lang="de-DE" sz="2000" i="1" dirty="0" err="1" smtClean="0">
+                <a:sym typeface="Wingdings" pitchFamily="2" charset="2"/>
+              </a:rPr>
+              <a:t>docIDs</a:t>
+            </a:r>
+            <a:endParaRPr lang="de-DE" sz="2000" i="1" dirty="0"/>
           </a:p>
         </p:txBody>
       </p:sp>
@@ -15234,108 +15493,6 @@
       </p:grpSpPr>
       <p:sp>
         <p:nvSpPr>
-          <p:cNvPr id="2" name="Inhaltsplatzhalter 1"/>
-          <p:cNvSpPr>
-            <a:spLocks noGrp="1"/>
-          </p:cNvSpPr>
-          <p:nvPr>
-            <p:ph sz="quarter" idx="13"/>
-          </p:nvPr>
-        </p:nvSpPr>
-        <p:spPr/>
-        <p:txBody>
-          <a:bodyPr/>
-          <a:lstStyle/>
-          <a:p>
-            <a:pPr>
-              <a:buFont typeface="Arial" pitchFamily="34" charset="0"/>
-              <a:buChar char="•"/>
-            </a:pPr>
-            <a:r>
-              <a:rPr lang="de-DE" dirty="0" smtClean="0"/>
-              <a:t>  Einsatz in Freitextsuche</a:t>
-            </a:r>
-          </a:p>
-          <a:p>
-            <a:pPr lvl="1"/>
-            <a:r>
-              <a:rPr lang="de-DE" dirty="0" smtClean="0"/>
-              <a:t>Bestimmen der Übereinstimmung</a:t>
-            </a:r>
-          </a:p>
-          <a:p>
-            <a:pPr lvl="1"/>
-            <a:r>
-              <a:rPr lang="de-DE" dirty="0" smtClean="0"/>
-              <a:t>Teiltreffer möglich</a:t>
-            </a:r>
-          </a:p>
-          <a:p>
-            <a:pPr>
-              <a:buFont typeface="Arial" pitchFamily="34" charset="0"/>
-              <a:buChar char="•"/>
-            </a:pPr>
-            <a:r>
-              <a:rPr lang="de-DE" dirty="0" smtClean="0"/>
-              <a:t> Grundidee: </a:t>
-            </a:r>
-          </a:p>
-          <a:p>
-            <a:pPr lvl="1"/>
-            <a:r>
-              <a:rPr lang="de-DE" dirty="0" smtClean="0"/>
-              <a:t>Repräsentation von Dokumenten und Anfragen als Vektoren</a:t>
-            </a:r>
-          </a:p>
-          <a:p>
-            <a:pPr lvl="1"/>
-            <a:r>
-              <a:rPr lang="de-DE" dirty="0" smtClean="0"/>
-              <a:t> Ähnlichkeiten zwischen Vektoren bestimmen </a:t>
-            </a:r>
-          </a:p>
-          <a:p>
-            <a:pPr lvl="1">
-              <a:buNone/>
-            </a:pPr>
-            <a:r>
-              <a:rPr lang="de-DE" dirty="0" smtClean="0"/>
-              <a:t>		</a:t>
-            </a:r>
-            <a:r>
-              <a:rPr lang="de-DE" dirty="0" smtClean="0">
-                <a:sym typeface="Wingdings" pitchFamily="2" charset="2"/>
-              </a:rPr>
-              <a:t> Ähnlichkeitsfunktion</a:t>
-            </a:r>
-          </a:p>
-          <a:p>
-            <a:pPr lvl="1">
-              <a:buNone/>
-            </a:pPr>
-            <a:r>
-              <a:rPr lang="de-DE" dirty="0" smtClean="0">
-                <a:sym typeface="Wingdings" pitchFamily="2" charset="2"/>
-              </a:rPr>
-              <a:t>		 Ähnlichkeitswert</a:t>
-            </a:r>
-            <a:endParaRPr lang="de-DE" dirty="0" smtClean="0"/>
-          </a:p>
-          <a:p>
-            <a:pPr>
-              <a:buFont typeface="Arial" pitchFamily="34" charset="0"/>
-              <a:buChar char="•"/>
-            </a:pPr>
-            <a:r>
-              <a:rPr lang="de-DE" dirty="0" smtClean="0"/>
-              <a:t> Erlaubt Ranking</a:t>
-            </a:r>
-            <a:endParaRPr lang="de-DE" dirty="0"/>
-          </a:p>
-        </p:txBody>
-      </p:sp>
-      <p:sp>
-        <p:nvSpPr>
           <p:cNvPr id="3" name="Datumsplatzhalter 2"/>
           <p:cNvSpPr>
             <a:spLocks noGrp="1"/>
@@ -15424,9 +15581,75 @@
           <a:p>
             <a:r>
               <a:rPr lang="de-DE" dirty="0" smtClean="0"/>
-              <a:t>4. Vektorraummodell</a:t>
+              <a:t>3. Boolesches </a:t>
+            </a:r>
+            <a:r>
+              <a:rPr lang="de-DE" dirty="0" err="1" smtClean="0"/>
+              <a:t>Retrieval</a:t>
             </a:r>
             <a:endParaRPr lang="de-DE" dirty="0"/>
+          </a:p>
+        </p:txBody>
+      </p:sp>
+      <p:pic>
+        <p:nvPicPr>
+          <p:cNvPr id="17409" name="Picture 1" descr="C:\Users\kreme\Documents\SuchTool\Praesentation\fancy.jpg"/>
+          <p:cNvPicPr>
+            <a:picLocks noGrp="1" noChangeAspect="1" noChangeArrowheads="1"/>
+          </p:cNvPicPr>
+          <p:nvPr>
+            <p:ph sz="quarter" idx="13"/>
+          </p:nvPr>
+        </p:nvPicPr>
+        <p:blipFill>
+          <a:blip r:embed="rId3" cstate="print"/>
+          <a:srcRect/>
+          <a:stretch>
+            <a:fillRect/>
+          </a:stretch>
+        </p:blipFill>
+        <p:spPr bwMode="auto">
+          <a:xfrm>
+            <a:off x="360000" y="1800000"/>
+            <a:ext cx="8391525" cy="3638550"/>
+          </a:xfrm>
+          <a:prstGeom prst="rect">
+            <a:avLst/>
+          </a:prstGeom>
+          <a:noFill/>
+        </p:spPr>
+      </p:pic>
+      <p:sp>
+        <p:nvSpPr>
+          <p:cNvPr id="7" name="Textfeld 6"/>
+          <p:cNvSpPr txBox="1"/>
+          <p:nvPr/>
+        </p:nvSpPr>
+        <p:spPr>
+          <a:xfrm>
+            <a:off x="252000" y="1080000"/>
+            <a:ext cx="7776864" cy="400110"/>
+          </a:xfrm>
+          <a:prstGeom prst="rect">
+            <a:avLst/>
+          </a:prstGeom>
+          <a:noFill/>
+        </p:spPr>
+        <p:txBody>
+          <a:bodyPr wrap="square" rtlCol="0">
+            <a:spAutoFit/>
+          </a:bodyPr>
+          <a:lstStyle/>
+          <a:p>
+            <a:pPr>
+              <a:buFont typeface="Arial" pitchFamily="34" charset="0"/>
+              <a:buChar char="•"/>
+            </a:pPr>
+            <a:r>
+              <a:rPr lang="de-DE" sz="2000" dirty="0" smtClean="0"/>
+              <a:t> Modifizierte invertiere Liste für Metadatensuche</a:t>
+            </a:r>
+            <a:endParaRPr lang="de-DE" sz="2000" dirty="0"/>
           </a:p>
         </p:txBody>
       </p:sp>
@@ -15729,7 +15952,7 @@
   <a:extraClrSchemeLst/>
   <a:extLst>
     <a:ext uri="{05A4C25C-085E-4340-85A3-A5531E510DB2}">
-      <thm15:themeFamily xmlns:thm15="http://schemas.microsoft.com/office/thememl/2012/main" xmlns="" name="Praesentationsvorlage_FB_Informatik_PowerPoint_2017_04_270.potx" id="{175A3E79-0251-4921-B08E-985339380192}" vid="{B31C4806-589C-412D-95EE-0F70159E18D1}"/>
+      <thm15:themeFamily xmlns="" xmlns:thm15="http://schemas.microsoft.com/office/thememl/2012/main" name="Praesentationsvorlage_FB_Informatik_PowerPoint_2017_04_270.potx" id="{175A3E79-0251-4921-B08E-985339380192}" vid="{B31C4806-589C-412D-95EE-0F70159E18D1}"/>
     </a:ext>
   </a:extLst>
 </a:theme>
@@ -15990,7 +16213,7 @@
   <a:extraClrSchemeLst/>
   <a:extLst>
     <a:ext uri="{05A4C25C-085E-4340-85A3-A5531E510DB2}">
-      <thm15:themeFamily xmlns:thm15="http://schemas.microsoft.com/office/thememl/2012/main" xmlns="" name="Office Theme" id="{62F939B6-93AF-4DB8-9C6B-D6C7DFDC589F}" vid="{4A3C46E8-61CC-4603-A589-7422A47A8E4A}"/>
+      <thm15:themeFamily xmlns="" xmlns:thm15="http://schemas.microsoft.com/office/thememl/2012/main" name="Office Theme" id="{62F939B6-93AF-4DB8-9C6B-D6C7DFDC589F}" vid="{4A3C46E8-61CC-4603-A589-7422A47A8E4A}"/>
     </a:ext>
   </a:extLst>
 </a:theme>
@@ -16251,7 +16474,7 @@
   <a:extraClrSchemeLst/>
   <a:extLst>
     <a:ext uri="{05A4C25C-085E-4340-85A3-A5531E510DB2}">
-      <thm15:themeFamily xmlns:thm15="http://schemas.microsoft.com/office/thememl/2012/main" xmlns="" name="Office Theme" id="{62F939B6-93AF-4DB8-9C6B-D6C7DFDC589F}" vid="{4A3C46E8-61CC-4603-A589-7422A47A8E4A}"/>
+      <thm15:themeFamily xmlns="" xmlns:thm15="http://schemas.microsoft.com/office/thememl/2012/main" name="Office Theme" id="{62F939B6-93AF-4DB8-9C6B-D6C7DFDC589F}" vid="{4A3C46E8-61CC-4603-A589-7422A47A8E4A}"/>
     </a:ext>
   </a:extLst>
 </a:theme>
